--- a/PlotlyDashboard.pptx
+++ b/PlotlyDashboard.pptx
@@ -4907,7 +4907,7 @@
       </p:sp>
       <p:pic>
         <p:nvPicPr>
-          <p:cNvPr id="6" name="Picture 5" descr="Screen Clipping"/>
+          <p:cNvPr id="5" name="Picture 4" descr="Screen Clipping"/>
           <p:cNvPicPr>
             <a:picLocks noChangeAspect="1"/>
           </p:cNvPicPr>
@@ -4927,8 +4927,8 @@
         </p:blipFill>
         <p:spPr>
           <a:xfrm>
-            <a:off x="-18197" y="0"/>
-            <a:ext cx="9144000" cy="6858000"/>
+            <a:off x="0" y="685800"/>
+            <a:ext cx="9144000" cy="6172200"/>
           </a:xfrm>
           <a:prstGeom prst="rect">
             <a:avLst/>
@@ -5465,6 +5465,13 @@
   <p:clrMapOvr>
     <a:masterClrMapping/>
   </p:clrMapOvr>
+  <p:timing>
+    <p:tnLst>
+      <p:par>
+        <p:cTn id="1" dur="indefinite" restart="never" nodeType="tmRoot"/>
+      </p:par>
+    </p:tnLst>
+  </p:timing>
 </p:sld>
 </file>
 

--- a/PlotlyDashboard.pptx
+++ b/PlotlyDashboard.pptx
@@ -8,22 +8,27 @@
     <p:sldId id="267" r:id="rId2"/>
     <p:sldId id="265" r:id="rId3"/>
     <p:sldId id="269" r:id="rId4"/>
-    <p:sldId id="270" r:id="rId5"/>
-    <p:sldId id="271" r:id="rId6"/>
-    <p:sldId id="272" r:id="rId7"/>
-    <p:sldId id="273" r:id="rId8"/>
-    <p:sldId id="274" r:id="rId9"/>
-    <p:sldId id="275" r:id="rId10"/>
-    <p:sldId id="276" r:id="rId11"/>
-    <p:sldId id="277" r:id="rId12"/>
-    <p:sldId id="278" r:id="rId13"/>
-    <p:sldId id="279" r:id="rId14"/>
-    <p:sldId id="280" r:id="rId15"/>
-    <p:sldId id="281" r:id="rId16"/>
-    <p:sldId id="282" r:id="rId17"/>
-    <p:sldId id="283" r:id="rId18"/>
-    <p:sldId id="284" r:id="rId19"/>
-    <p:sldId id="285" r:id="rId20"/>
+    <p:sldId id="287" r:id="rId5"/>
+    <p:sldId id="288" r:id="rId6"/>
+    <p:sldId id="289" r:id="rId7"/>
+    <p:sldId id="290" r:id="rId8"/>
+    <p:sldId id="270" r:id="rId9"/>
+    <p:sldId id="271" r:id="rId10"/>
+    <p:sldId id="272" r:id="rId11"/>
+    <p:sldId id="273" r:id="rId12"/>
+    <p:sldId id="274" r:id="rId13"/>
+    <p:sldId id="275" r:id="rId14"/>
+    <p:sldId id="276" r:id="rId15"/>
+    <p:sldId id="277" r:id="rId16"/>
+    <p:sldId id="278" r:id="rId17"/>
+    <p:sldId id="279" r:id="rId18"/>
+    <p:sldId id="280" r:id="rId19"/>
+    <p:sldId id="281" r:id="rId20"/>
+    <p:sldId id="282" r:id="rId21"/>
+    <p:sldId id="283" r:id="rId22"/>
+    <p:sldId id="284" r:id="rId23"/>
+    <p:sldId id="286" r:id="rId24"/>
+    <p:sldId id="285" r:id="rId25"/>
   </p:sldIdLst>
   <p:sldSz cx="9144000" cy="6858000" type="screen4x3"/>
   <p:notesSz cx="6858000" cy="9144000"/>
@@ -122,6 +127,22 @@
       </a:defRPr>
     </a:lvl9pPr>
   </p:defaultTextStyle>
+  <p:extLst>
+    <p:ext uri="{EFAFB233-063F-42B5-8137-9DF3F51BA10A}">
+      <p15:sldGuideLst xmlns:p15="http://schemas.microsoft.com/office/powerpoint/2012/main">
+        <p15:guide id="1" orient="horz" pos="2160">
+          <p15:clr>
+            <a:srgbClr val="A4A3A4"/>
+          </p15:clr>
+        </p15:guide>
+        <p15:guide id="2" pos="2880">
+          <p15:clr>
+            <a:srgbClr val="A4A3A4"/>
+          </p15:clr>
+        </p15:guide>
+      </p15:sldGuideLst>
+    </p:ext>
+  </p:extLst>
 </p:presentation>
 </file>
 
@@ -307,7 +328,7 @@
             <a:fld id="{1D8BD707-D9CF-40AE-B4C6-C98DA3205C09}" type="datetimeFigureOut">
               <a:rPr lang="en-US" smtClean="0"/>
               <a:pPr/>
-              <a:t>5/20/2019</a:t>
+              <a:t>6/7/2019</a:t>
             </a:fld>
             <a:endParaRPr lang="en-US"/>
           </a:p>
@@ -474,7 +495,7 @@
             <a:fld id="{1D8BD707-D9CF-40AE-B4C6-C98DA3205C09}" type="datetimeFigureOut">
               <a:rPr lang="en-US" smtClean="0"/>
               <a:pPr/>
-              <a:t>5/20/2019</a:t>
+              <a:t>6/7/2019</a:t>
             </a:fld>
             <a:endParaRPr lang="en-US"/>
           </a:p>
@@ -651,7 +672,7 @@
             <a:fld id="{1D8BD707-D9CF-40AE-B4C6-C98DA3205C09}" type="datetimeFigureOut">
               <a:rPr lang="en-US" smtClean="0"/>
               <a:pPr/>
-              <a:t>5/20/2019</a:t>
+              <a:t>6/7/2019</a:t>
             </a:fld>
             <a:endParaRPr lang="en-US"/>
           </a:p>
@@ -982,7 +1003,7 @@
           <a:p>
             <a:fld id="{5F5C7AA8-AF19-4FCF-98FD-FB8AFEA87A63}" type="datetime4">
               <a:rPr lang="en-US" smtClean="0"/>
-              <a:t>May 20, 2019</a:t>
+              <a:t>June 7, 2019</a:t>
             </a:fld>
             <a:endParaRPr lang="de-DE"/>
           </a:p>
@@ -1444,7 +1465,7 @@
           <a:p>
             <a:fld id="{7299A5CA-AD6E-4AA7-8DB6-450461B77045}" type="datetime4">
               <a:rPr lang="en-US" smtClean="0"/>
-              <a:t>May 20, 2019</a:t>
+              <a:t>June 7, 2019</a:t>
             </a:fld>
             <a:endParaRPr lang="de-DE"/>
           </a:p>
@@ -1786,7 +1807,7 @@
             <a:fld id="{1D8BD707-D9CF-40AE-B4C6-C98DA3205C09}" type="datetimeFigureOut">
               <a:rPr lang="en-US" smtClean="0"/>
               <a:pPr/>
-              <a:t>5/20/2019</a:t>
+              <a:t>6/7/2019</a:t>
             </a:fld>
             <a:endParaRPr lang="en-US"/>
           </a:p>
@@ -2029,7 +2050,7 @@
             <a:fld id="{1D8BD707-D9CF-40AE-B4C6-C98DA3205C09}" type="datetimeFigureOut">
               <a:rPr lang="en-US" smtClean="0"/>
               <a:pPr/>
-              <a:t>5/20/2019</a:t>
+              <a:t>6/7/2019</a:t>
             </a:fld>
             <a:endParaRPr lang="en-US"/>
           </a:p>
@@ -2314,7 +2335,7 @@
             <a:fld id="{1D8BD707-D9CF-40AE-B4C6-C98DA3205C09}" type="datetimeFigureOut">
               <a:rPr lang="en-US" smtClean="0"/>
               <a:pPr/>
-              <a:t>5/20/2019</a:t>
+              <a:t>6/7/2019</a:t>
             </a:fld>
             <a:endParaRPr lang="en-US"/>
           </a:p>
@@ -2733,7 +2754,7 @@
             <a:fld id="{1D8BD707-D9CF-40AE-B4C6-C98DA3205C09}" type="datetimeFigureOut">
               <a:rPr lang="en-US" smtClean="0"/>
               <a:pPr/>
-              <a:t>5/20/2019</a:t>
+              <a:t>6/7/2019</a:t>
             </a:fld>
             <a:endParaRPr lang="en-US"/>
           </a:p>
@@ -2848,7 +2869,7 @@
             <a:fld id="{1D8BD707-D9CF-40AE-B4C6-C98DA3205C09}" type="datetimeFigureOut">
               <a:rPr lang="en-US" smtClean="0"/>
               <a:pPr/>
-              <a:t>5/20/2019</a:t>
+              <a:t>6/7/2019</a:t>
             </a:fld>
             <a:endParaRPr lang="en-US"/>
           </a:p>
@@ -2940,7 +2961,7 @@
             <a:fld id="{1D8BD707-D9CF-40AE-B4C6-C98DA3205C09}" type="datetimeFigureOut">
               <a:rPr lang="en-US" smtClean="0"/>
               <a:pPr/>
-              <a:t>5/20/2019</a:t>
+              <a:t>6/7/2019</a:t>
             </a:fld>
             <a:endParaRPr lang="en-US"/>
           </a:p>
@@ -3214,7 +3235,7 @@
             <a:fld id="{1D8BD707-D9CF-40AE-B4C6-C98DA3205C09}" type="datetimeFigureOut">
               <a:rPr lang="en-US" smtClean="0"/>
               <a:pPr/>
-              <a:t>5/20/2019</a:t>
+              <a:t>6/7/2019</a:t>
             </a:fld>
             <a:endParaRPr lang="en-US"/>
           </a:p>
@@ -3464,7 +3485,7 @@
             <a:fld id="{1D8BD707-D9CF-40AE-B4C6-C98DA3205C09}" type="datetimeFigureOut">
               <a:rPr lang="en-US" smtClean="0"/>
               <a:pPr/>
-              <a:t>5/20/2019</a:t>
+              <a:t>6/7/2019</a:t>
             </a:fld>
             <a:endParaRPr lang="en-US"/>
           </a:p>
@@ -3674,7 +3695,7 @@
             <a:fld id="{1D8BD707-D9CF-40AE-B4C6-C98DA3205C09}" type="datetimeFigureOut">
               <a:rPr lang="en-US" smtClean="0"/>
               <a:pPr/>
-              <a:t>5/20/2019</a:t>
+              <a:t>6/7/2019</a:t>
             </a:fld>
             <a:endParaRPr lang="en-US"/>
           </a:p>
@@ -4308,7 +4329,503 @@
         <p:spPr>
           <a:xfrm>
             <a:off x="0" y="0"/>
+            <a:ext cx="9144000" cy="6858000"/>
+          </a:xfrm>
+          <a:prstGeom prst="rect">
+            <a:avLst/>
+          </a:prstGeom>
+        </p:spPr>
+      </p:pic>
+    </p:spTree>
+    <p:extLst>
+      <p:ext uri="{BB962C8B-B14F-4D97-AF65-F5344CB8AC3E}">
+        <p14:creationId xmlns:p14="http://schemas.microsoft.com/office/powerpoint/2010/main" val="2467848603"/>
+      </p:ext>
+    </p:extLst>
+  </p:cSld>
+  <p:clrMapOvr>
+    <a:masterClrMapping/>
+  </p:clrMapOvr>
+  <p:timing>
+    <p:tnLst>
+      <p:par>
+        <p:cTn id="1" dur="indefinite" restart="never" nodeType="tmRoot"/>
+      </p:par>
+    </p:tnLst>
+  </p:timing>
+</p:sld>
+</file>
+
+<file path=ppt/slides/slide11.xml><?xml version="1.0" encoding="utf-8"?>
+<p:sld xmlns:a="http://schemas.openxmlformats.org/drawingml/2006/main" xmlns:r="http://schemas.openxmlformats.org/officeDocument/2006/relationships" xmlns:p="http://schemas.openxmlformats.org/presentationml/2006/main">
+  <p:cSld>
+    <p:spTree>
+      <p:nvGrpSpPr>
+        <p:cNvPr id="1" name=""/>
+        <p:cNvGrpSpPr/>
+        <p:nvPr/>
+      </p:nvGrpSpPr>
+      <p:grpSpPr>
+        <a:xfrm>
+          <a:off x="0" y="0"/>
+          <a:ext cx="0" cy="0"/>
+          <a:chOff x="0" y="0"/>
+          <a:chExt cx="0" cy="0"/>
+        </a:xfrm>
+      </p:grpSpPr>
+      <p:sp>
+        <p:nvSpPr>
+          <p:cNvPr id="2" name="Text Placeholder 1"/>
+          <p:cNvSpPr>
+            <a:spLocks noGrp="1"/>
+          </p:cNvSpPr>
+          <p:nvPr>
+            <p:ph type="body" sz="quarter" idx="14"/>
+          </p:nvPr>
+        </p:nvSpPr>
+        <p:spPr/>
+        <p:txBody>
+          <a:bodyPr/>
+          <a:lstStyle/>
+          <a:p>
+            <a:endParaRPr lang="en-US"/>
+          </a:p>
+        </p:txBody>
+      </p:sp>
+      <p:sp>
+        <p:nvSpPr>
+          <p:cNvPr id="3" name="Text Placeholder 2"/>
+          <p:cNvSpPr>
+            <a:spLocks noGrp="1"/>
+          </p:cNvSpPr>
+          <p:nvPr>
+            <p:ph type="body" sz="quarter" idx="13"/>
+          </p:nvPr>
+        </p:nvSpPr>
+        <p:spPr/>
+        <p:txBody>
+          <a:bodyPr/>
+          <a:lstStyle/>
+          <a:p>
+            <a:endParaRPr lang="en-US"/>
+          </a:p>
+        </p:txBody>
+      </p:sp>
+      <p:sp>
+        <p:nvSpPr>
+          <p:cNvPr id="4" name="Title 3"/>
+          <p:cNvSpPr>
+            <a:spLocks noGrp="1"/>
+          </p:cNvSpPr>
+          <p:nvPr>
+            <p:ph type="title"/>
+          </p:nvPr>
+        </p:nvSpPr>
+        <p:spPr/>
+        <p:txBody>
+          <a:bodyPr/>
+          <a:lstStyle/>
+          <a:p>
+            <a:endParaRPr lang="en-US"/>
+          </a:p>
+        </p:txBody>
+      </p:sp>
+      <p:pic>
+        <p:nvPicPr>
+          <p:cNvPr id="5" name="Picture 4" descr="Screen Clipping"/>
+          <p:cNvPicPr>
+            <a:picLocks noChangeAspect="1"/>
+          </p:cNvPicPr>
+          <p:nvPr/>
+        </p:nvPicPr>
+        <p:blipFill>
+          <a:blip r:embed="rId2">
+            <a:extLst>
+              <a:ext uri="{28A0092B-C50C-407E-A947-70E740481C1C}">
+                <a14:useLocalDpi xmlns:a14="http://schemas.microsoft.com/office/drawing/2010/main" val="0"/>
+              </a:ext>
+            </a:extLst>
+          </a:blip>
+          <a:stretch>
+            <a:fillRect/>
+          </a:stretch>
+        </p:blipFill>
+        <p:spPr>
+          <a:xfrm>
+            <a:off x="0" y="0"/>
             <a:ext cx="9144000" cy="6857999"/>
+          </a:xfrm>
+          <a:prstGeom prst="rect">
+            <a:avLst/>
+          </a:prstGeom>
+        </p:spPr>
+      </p:pic>
+    </p:spTree>
+    <p:extLst>
+      <p:ext uri="{BB962C8B-B14F-4D97-AF65-F5344CB8AC3E}">
+        <p14:creationId xmlns:p14="http://schemas.microsoft.com/office/powerpoint/2010/main" val="869784362"/>
+      </p:ext>
+    </p:extLst>
+  </p:cSld>
+  <p:clrMapOvr>
+    <a:masterClrMapping/>
+  </p:clrMapOvr>
+  <p:timing>
+    <p:tnLst>
+      <p:par>
+        <p:cTn id="1" dur="indefinite" restart="never" nodeType="tmRoot"/>
+      </p:par>
+    </p:tnLst>
+  </p:timing>
+</p:sld>
+</file>
+
+<file path=ppt/slides/slide12.xml><?xml version="1.0" encoding="utf-8"?>
+<p:sld xmlns:a="http://schemas.openxmlformats.org/drawingml/2006/main" xmlns:r="http://schemas.openxmlformats.org/officeDocument/2006/relationships" xmlns:p="http://schemas.openxmlformats.org/presentationml/2006/main">
+  <p:cSld>
+    <p:spTree>
+      <p:nvGrpSpPr>
+        <p:cNvPr id="1" name=""/>
+        <p:cNvGrpSpPr/>
+        <p:nvPr/>
+      </p:nvGrpSpPr>
+      <p:grpSpPr>
+        <a:xfrm>
+          <a:off x="0" y="0"/>
+          <a:ext cx="0" cy="0"/>
+          <a:chOff x="0" y="0"/>
+          <a:chExt cx="0" cy="0"/>
+        </a:xfrm>
+      </p:grpSpPr>
+      <p:sp>
+        <p:nvSpPr>
+          <p:cNvPr id="2" name="Text Placeholder 1"/>
+          <p:cNvSpPr>
+            <a:spLocks noGrp="1"/>
+          </p:cNvSpPr>
+          <p:nvPr>
+            <p:ph type="body" sz="quarter" idx="14"/>
+          </p:nvPr>
+        </p:nvSpPr>
+        <p:spPr/>
+        <p:txBody>
+          <a:bodyPr/>
+          <a:lstStyle/>
+          <a:p>
+            <a:endParaRPr lang="en-US"/>
+          </a:p>
+        </p:txBody>
+      </p:sp>
+      <p:sp>
+        <p:nvSpPr>
+          <p:cNvPr id="3" name="Text Placeholder 2"/>
+          <p:cNvSpPr>
+            <a:spLocks noGrp="1"/>
+          </p:cNvSpPr>
+          <p:nvPr>
+            <p:ph type="body" sz="quarter" idx="13"/>
+          </p:nvPr>
+        </p:nvSpPr>
+        <p:spPr/>
+        <p:txBody>
+          <a:bodyPr/>
+          <a:lstStyle/>
+          <a:p>
+            <a:endParaRPr lang="en-US"/>
+          </a:p>
+        </p:txBody>
+      </p:sp>
+      <p:sp>
+        <p:nvSpPr>
+          <p:cNvPr id="4" name="Title 3"/>
+          <p:cNvSpPr>
+            <a:spLocks noGrp="1"/>
+          </p:cNvSpPr>
+          <p:nvPr>
+            <p:ph type="title"/>
+          </p:nvPr>
+        </p:nvSpPr>
+        <p:spPr/>
+        <p:txBody>
+          <a:bodyPr/>
+          <a:lstStyle/>
+          <a:p>
+            <a:endParaRPr lang="en-US"/>
+          </a:p>
+        </p:txBody>
+      </p:sp>
+      <p:pic>
+        <p:nvPicPr>
+          <p:cNvPr id="5" name="Picture 4" descr="Screen Clipping"/>
+          <p:cNvPicPr>
+            <a:picLocks noChangeAspect="1"/>
+          </p:cNvPicPr>
+          <p:nvPr/>
+        </p:nvPicPr>
+        <p:blipFill>
+          <a:blip r:embed="rId2">
+            <a:extLst>
+              <a:ext uri="{28A0092B-C50C-407E-A947-70E740481C1C}">
+                <a14:useLocalDpi xmlns:a14="http://schemas.microsoft.com/office/drawing/2010/main" val="0"/>
+              </a:ext>
+            </a:extLst>
+          </a:blip>
+          <a:stretch>
+            <a:fillRect/>
+          </a:stretch>
+        </p:blipFill>
+        <p:spPr>
+          <a:xfrm>
+            <a:off x="0" y="0"/>
+            <a:ext cx="9144000" cy="6857999"/>
+          </a:xfrm>
+          <a:prstGeom prst="rect">
+            <a:avLst/>
+          </a:prstGeom>
+        </p:spPr>
+      </p:pic>
+    </p:spTree>
+    <p:extLst>
+      <p:ext uri="{BB962C8B-B14F-4D97-AF65-F5344CB8AC3E}">
+        <p14:creationId xmlns:p14="http://schemas.microsoft.com/office/powerpoint/2010/main" val="3674566202"/>
+      </p:ext>
+    </p:extLst>
+  </p:cSld>
+  <p:clrMapOvr>
+    <a:masterClrMapping/>
+  </p:clrMapOvr>
+  <p:timing>
+    <p:tnLst>
+      <p:par>
+        <p:cTn id="1" dur="indefinite" restart="never" nodeType="tmRoot"/>
+      </p:par>
+    </p:tnLst>
+  </p:timing>
+</p:sld>
+</file>
+
+<file path=ppt/slides/slide13.xml><?xml version="1.0" encoding="utf-8"?>
+<p:sld xmlns:a="http://schemas.openxmlformats.org/drawingml/2006/main" xmlns:r="http://schemas.openxmlformats.org/officeDocument/2006/relationships" xmlns:p="http://schemas.openxmlformats.org/presentationml/2006/main">
+  <p:cSld>
+    <p:spTree>
+      <p:nvGrpSpPr>
+        <p:cNvPr id="1" name=""/>
+        <p:cNvGrpSpPr/>
+        <p:nvPr/>
+      </p:nvGrpSpPr>
+      <p:grpSpPr>
+        <a:xfrm>
+          <a:off x="0" y="0"/>
+          <a:ext cx="0" cy="0"/>
+          <a:chOff x="0" y="0"/>
+          <a:chExt cx="0" cy="0"/>
+        </a:xfrm>
+      </p:grpSpPr>
+      <p:sp>
+        <p:nvSpPr>
+          <p:cNvPr id="2" name="Text Placeholder 1"/>
+          <p:cNvSpPr>
+            <a:spLocks noGrp="1"/>
+          </p:cNvSpPr>
+          <p:nvPr>
+            <p:ph type="body" sz="quarter" idx="14"/>
+          </p:nvPr>
+        </p:nvSpPr>
+        <p:spPr/>
+        <p:txBody>
+          <a:bodyPr/>
+          <a:lstStyle/>
+          <a:p>
+            <a:endParaRPr lang="en-US"/>
+          </a:p>
+        </p:txBody>
+      </p:sp>
+      <p:sp>
+        <p:nvSpPr>
+          <p:cNvPr id="3" name="Text Placeholder 2"/>
+          <p:cNvSpPr>
+            <a:spLocks noGrp="1"/>
+          </p:cNvSpPr>
+          <p:nvPr>
+            <p:ph type="body" sz="quarter" idx="13"/>
+          </p:nvPr>
+        </p:nvSpPr>
+        <p:spPr/>
+        <p:txBody>
+          <a:bodyPr/>
+          <a:lstStyle/>
+          <a:p>
+            <a:endParaRPr lang="en-US"/>
+          </a:p>
+        </p:txBody>
+      </p:sp>
+      <p:sp>
+        <p:nvSpPr>
+          <p:cNvPr id="4" name="Title 3"/>
+          <p:cNvSpPr>
+            <a:spLocks noGrp="1"/>
+          </p:cNvSpPr>
+          <p:nvPr>
+            <p:ph type="title"/>
+          </p:nvPr>
+        </p:nvSpPr>
+        <p:spPr/>
+        <p:txBody>
+          <a:bodyPr/>
+          <a:lstStyle/>
+          <a:p>
+            <a:endParaRPr lang="en-US"/>
+          </a:p>
+        </p:txBody>
+      </p:sp>
+      <p:pic>
+        <p:nvPicPr>
+          <p:cNvPr id="5" name="Picture 4" descr="Screen Clipping"/>
+          <p:cNvPicPr>
+            <a:picLocks noChangeAspect="1"/>
+          </p:cNvPicPr>
+          <p:nvPr/>
+        </p:nvPicPr>
+        <p:blipFill>
+          <a:blip r:embed="rId2">
+            <a:extLst>
+              <a:ext uri="{28A0092B-C50C-407E-A947-70E740481C1C}">
+                <a14:useLocalDpi xmlns:a14="http://schemas.microsoft.com/office/drawing/2010/main" val="0"/>
+              </a:ext>
+            </a:extLst>
+          </a:blip>
+          <a:stretch>
+            <a:fillRect/>
+          </a:stretch>
+        </p:blipFill>
+        <p:spPr>
+          <a:xfrm>
+            <a:off x="0" y="0"/>
+            <a:ext cx="9144000" cy="6858000"/>
+          </a:xfrm>
+          <a:prstGeom prst="rect">
+            <a:avLst/>
+          </a:prstGeom>
+        </p:spPr>
+      </p:pic>
+    </p:spTree>
+    <p:extLst>
+      <p:ext uri="{BB962C8B-B14F-4D97-AF65-F5344CB8AC3E}">
+        <p14:creationId xmlns:p14="http://schemas.microsoft.com/office/powerpoint/2010/main" val="1273004193"/>
+      </p:ext>
+    </p:extLst>
+  </p:cSld>
+  <p:clrMapOvr>
+    <a:masterClrMapping/>
+  </p:clrMapOvr>
+  <p:timing>
+    <p:tnLst>
+      <p:par>
+        <p:cTn id="1" dur="indefinite" restart="never" nodeType="tmRoot"/>
+      </p:par>
+    </p:tnLst>
+  </p:timing>
+</p:sld>
+</file>
+
+<file path=ppt/slides/slide14.xml><?xml version="1.0" encoding="utf-8"?>
+<p:sld xmlns:a="http://schemas.openxmlformats.org/drawingml/2006/main" xmlns:r="http://schemas.openxmlformats.org/officeDocument/2006/relationships" xmlns:p="http://schemas.openxmlformats.org/presentationml/2006/main">
+  <p:cSld>
+    <p:spTree>
+      <p:nvGrpSpPr>
+        <p:cNvPr id="1" name=""/>
+        <p:cNvGrpSpPr/>
+        <p:nvPr/>
+      </p:nvGrpSpPr>
+      <p:grpSpPr>
+        <a:xfrm>
+          <a:off x="0" y="0"/>
+          <a:ext cx="0" cy="0"/>
+          <a:chOff x="0" y="0"/>
+          <a:chExt cx="0" cy="0"/>
+        </a:xfrm>
+      </p:grpSpPr>
+      <p:sp>
+        <p:nvSpPr>
+          <p:cNvPr id="2" name="Text Placeholder 1"/>
+          <p:cNvSpPr>
+            <a:spLocks noGrp="1"/>
+          </p:cNvSpPr>
+          <p:nvPr>
+            <p:ph type="body" sz="quarter" idx="14"/>
+          </p:nvPr>
+        </p:nvSpPr>
+        <p:spPr/>
+        <p:txBody>
+          <a:bodyPr/>
+          <a:lstStyle/>
+          <a:p>
+            <a:endParaRPr lang="en-US"/>
+          </a:p>
+        </p:txBody>
+      </p:sp>
+      <p:sp>
+        <p:nvSpPr>
+          <p:cNvPr id="3" name="Text Placeholder 2"/>
+          <p:cNvSpPr>
+            <a:spLocks noGrp="1"/>
+          </p:cNvSpPr>
+          <p:nvPr>
+            <p:ph type="body" sz="quarter" idx="13"/>
+          </p:nvPr>
+        </p:nvSpPr>
+        <p:spPr/>
+        <p:txBody>
+          <a:bodyPr/>
+          <a:lstStyle/>
+          <a:p>
+            <a:endParaRPr lang="en-US"/>
+          </a:p>
+        </p:txBody>
+      </p:sp>
+      <p:sp>
+        <p:nvSpPr>
+          <p:cNvPr id="4" name="Title 3"/>
+          <p:cNvSpPr>
+            <a:spLocks noGrp="1"/>
+          </p:cNvSpPr>
+          <p:nvPr>
+            <p:ph type="title"/>
+          </p:nvPr>
+        </p:nvSpPr>
+        <p:spPr/>
+        <p:txBody>
+          <a:bodyPr/>
+          <a:lstStyle/>
+          <a:p>
+            <a:endParaRPr lang="en-US"/>
+          </a:p>
+        </p:txBody>
+      </p:sp>
+      <p:pic>
+        <p:nvPicPr>
+          <p:cNvPr id="6" name="Picture 5" descr="Screen Clipping"/>
+          <p:cNvPicPr>
+            <a:picLocks noChangeAspect="1"/>
+          </p:cNvPicPr>
+          <p:nvPr/>
+        </p:nvPicPr>
+        <p:blipFill>
+          <a:blip r:embed="rId2">
+            <a:extLst>
+              <a:ext uri="{28A0092B-C50C-407E-A947-70E740481C1C}">
+                <a14:useLocalDpi xmlns:a14="http://schemas.microsoft.com/office/drawing/2010/main" val="0"/>
+              </a:ext>
+            </a:extLst>
+          </a:blip>
+          <a:stretch>
+            <a:fillRect/>
+          </a:stretch>
+        </p:blipFill>
+        <p:spPr>
+          <a:xfrm>
+            <a:off x="0" y="685801"/>
+            <a:ext cx="9144000" cy="6172200"/>
           </a:xfrm>
           <a:prstGeom prst="rect">
             <a:avLst/>
@@ -4335,7 +4852,7 @@
 </p:sld>
 </file>
 
-<file path=ppt/slides/slide11.xml><?xml version="1.0" encoding="utf-8"?>
+<file path=ppt/slides/slide15.xml><?xml version="1.0" encoding="utf-8"?>
 <p:sld xmlns:a="http://schemas.openxmlformats.org/drawingml/2006/main" xmlns:r="http://schemas.openxmlformats.org/officeDocument/2006/relationships" xmlns:p="http://schemas.openxmlformats.org/presentationml/2006/main">
   <p:cSld>
     <p:spTree>
@@ -4459,7 +4976,7 @@
 </p:sld>
 </file>
 
-<file path=ppt/slides/slide12.xml><?xml version="1.0" encoding="utf-8"?>
+<file path=ppt/slides/slide16.xml><?xml version="1.0" encoding="utf-8"?>
 <p:sld xmlns:a="http://schemas.openxmlformats.org/drawingml/2006/main" xmlns:r="http://schemas.openxmlformats.org/officeDocument/2006/relationships" xmlns:p="http://schemas.openxmlformats.org/presentationml/2006/main">
   <p:cSld>
     <p:spTree>
@@ -4535,7 +5052,7 @@
       </p:sp>
       <p:pic>
         <p:nvPicPr>
-          <p:cNvPr id="5" name="Picture 4" descr="Screen Clipping"/>
+          <p:cNvPr id="6" name="Picture 5" descr="Screen Clipping"/>
           <p:cNvPicPr>
             <a:picLocks noChangeAspect="1"/>
           </p:cNvPicPr>
@@ -4555,8 +5072,8 @@
         </p:blipFill>
         <p:spPr>
           <a:xfrm>
-            <a:off x="32703" y="685800"/>
-            <a:ext cx="9078593" cy="6172200"/>
+            <a:off x="1" y="685800"/>
+            <a:ext cx="9144000" cy="6172200"/>
           </a:xfrm>
           <a:prstGeom prst="rect">
             <a:avLst/>
@@ -4583,7 +5100,7 @@
 </p:sld>
 </file>
 
-<file path=ppt/slides/slide13.xml><?xml version="1.0" encoding="utf-8"?>
+<file path=ppt/slides/slide17.xml><?xml version="1.0" encoding="utf-8"?>
 <p:sld xmlns:a="http://schemas.openxmlformats.org/drawingml/2006/main" xmlns:r="http://schemas.openxmlformats.org/officeDocument/2006/relationships" xmlns:p="http://schemas.openxmlformats.org/presentationml/2006/main">
   <p:cSld>
     <p:spTree>
@@ -4659,7 +5176,7 @@
       </p:sp>
       <p:pic>
         <p:nvPicPr>
-          <p:cNvPr id="5" name="Picture 4" descr="Screen Clipping"/>
+          <p:cNvPr id="6" name="Picture 5" descr="Screen Clipping"/>
           <p:cNvPicPr>
             <a:picLocks noChangeAspect="1"/>
           </p:cNvPicPr>
@@ -4680,7 +5197,7 @@
         <p:spPr>
           <a:xfrm>
             <a:off x="0" y="685800"/>
-            <a:ext cx="9143999" cy="6172199"/>
+            <a:ext cx="9144000" cy="6095999"/>
           </a:xfrm>
           <a:prstGeom prst="rect">
             <a:avLst/>
@@ -4707,7 +5224,7 @@
 </p:sld>
 </file>
 
-<file path=ppt/slides/slide14.xml><?xml version="1.0" encoding="utf-8"?>
+<file path=ppt/slides/slide18.xml><?xml version="1.0" encoding="utf-8"?>
 <p:sld xmlns:a="http://schemas.openxmlformats.org/drawingml/2006/main" xmlns:r="http://schemas.openxmlformats.org/officeDocument/2006/relationships" xmlns:p="http://schemas.openxmlformats.org/presentationml/2006/main">
   <p:cSld>
     <p:spTree>
@@ -4783,7 +5300,7 @@
       </p:sp>
       <p:pic>
         <p:nvPicPr>
-          <p:cNvPr id="5" name="Picture 4" descr="Screen Clipping"/>
+          <p:cNvPr id="6" name="Picture 5" descr="Screen Clipping"/>
           <p:cNvPicPr>
             <a:picLocks noChangeAspect="1"/>
           </p:cNvPicPr>
@@ -4803,8 +5320,8 @@
         </p:blipFill>
         <p:spPr>
           <a:xfrm>
-            <a:off x="0" y="685800"/>
-            <a:ext cx="9144000" cy="6172200"/>
+            <a:off x="0" y="838200"/>
+            <a:ext cx="9144000" cy="6019800"/>
           </a:xfrm>
           <a:prstGeom prst="rect">
             <a:avLst/>
@@ -4831,7 +5348,7 @@
 </p:sld>
 </file>
 
-<file path=ppt/slides/slide15.xml><?xml version="1.0" encoding="utf-8"?>
+<file path=ppt/slides/slide19.xml><?xml version="1.0" encoding="utf-8"?>
 <p:sld xmlns:a="http://schemas.openxmlformats.org/drawingml/2006/main" xmlns:r="http://schemas.openxmlformats.org/officeDocument/2006/relationships" xmlns:p="http://schemas.openxmlformats.org/presentationml/2006/main">
   <p:cSld>
     <p:spTree>
@@ -4955,7 +5472,281 @@
 </p:sld>
 </file>
 
-<file path=ppt/slides/slide16.xml><?xml version="1.0" encoding="utf-8"?>
+<file path=ppt/slides/slide2.xml><?xml version="1.0" encoding="utf-8"?>
+<p:sld xmlns:a="http://schemas.openxmlformats.org/drawingml/2006/main" xmlns:r="http://schemas.openxmlformats.org/officeDocument/2006/relationships" xmlns:p="http://schemas.openxmlformats.org/presentationml/2006/main">
+  <p:cSld>
+    <p:spTree>
+      <p:nvGrpSpPr>
+        <p:cNvPr id="1" name=""/>
+        <p:cNvGrpSpPr/>
+        <p:nvPr/>
+      </p:nvGrpSpPr>
+      <p:grpSpPr>
+        <a:xfrm>
+          <a:off x="0" y="0"/>
+          <a:ext cx="0" cy="0"/>
+          <a:chOff x="0" y="0"/>
+          <a:chExt cx="0" cy="0"/>
+        </a:xfrm>
+      </p:grpSpPr>
+      <p:sp>
+        <p:nvSpPr>
+          <p:cNvPr id="2" name="Text Placeholder 1"/>
+          <p:cNvSpPr>
+            <a:spLocks noGrp="1"/>
+          </p:cNvSpPr>
+          <p:nvPr>
+            <p:ph type="body" sz="quarter" idx="14"/>
+          </p:nvPr>
+        </p:nvSpPr>
+        <p:spPr/>
+        <p:txBody>
+          <a:bodyPr/>
+          <a:lstStyle/>
+          <a:p>
+            <a:endParaRPr lang="en-US"/>
+          </a:p>
+        </p:txBody>
+      </p:sp>
+      <p:sp>
+        <p:nvSpPr>
+          <p:cNvPr id="3" name="Text Placeholder 2"/>
+          <p:cNvSpPr>
+            <a:spLocks noGrp="1"/>
+          </p:cNvSpPr>
+          <p:nvPr>
+            <p:ph type="body" sz="quarter" idx="13"/>
+          </p:nvPr>
+        </p:nvSpPr>
+        <p:spPr/>
+        <p:txBody>
+          <a:bodyPr/>
+          <a:lstStyle/>
+          <a:p>
+            <a:endParaRPr lang="en-US"/>
+          </a:p>
+        </p:txBody>
+      </p:sp>
+      <p:sp>
+        <p:nvSpPr>
+          <p:cNvPr id="4" name="Slide Number Placeholder 3"/>
+          <p:cNvSpPr>
+            <a:spLocks noGrp="1"/>
+          </p:cNvSpPr>
+          <p:nvPr>
+            <p:ph type="sldNum" sz="quarter" idx="4"/>
+          </p:nvPr>
+        </p:nvSpPr>
+        <p:spPr/>
+        <p:txBody>
+          <a:bodyPr/>
+          <a:lstStyle/>
+          <a:p>
+            <a:fld id="{44043744-42FE-4892-90BA-7087481EB81E}" type="slidenum">
+              <a:rPr lang="de-DE" smtClean="0"/>
+              <a:pPr/>
+              <a:t>2</a:t>
+            </a:fld>
+            <a:endParaRPr lang="de-DE"/>
+          </a:p>
+        </p:txBody>
+      </p:sp>
+      <p:sp>
+        <p:nvSpPr>
+          <p:cNvPr id="5" name="Date Placeholder 4"/>
+          <p:cNvSpPr>
+            <a:spLocks noGrp="1"/>
+          </p:cNvSpPr>
+          <p:nvPr>
+            <p:ph type="dt" sz="half" idx="2"/>
+          </p:nvPr>
+        </p:nvSpPr>
+        <p:spPr/>
+        <p:txBody>
+          <a:bodyPr/>
+          <a:lstStyle/>
+          <a:p>
+            <a:fld id="{5F5C7AA8-AF19-4FCF-98FD-FB8AFEA87A63}" type="datetime4">
+              <a:rPr lang="en-US" smtClean="0"/>
+              <a:t>June 7, 2019</a:t>
+            </a:fld>
+            <a:endParaRPr lang="de-DE"/>
+          </a:p>
+        </p:txBody>
+      </p:sp>
+      <p:sp>
+        <p:nvSpPr>
+          <p:cNvPr id="6" name="Footer Placeholder 5"/>
+          <p:cNvSpPr>
+            <a:spLocks noGrp="1"/>
+          </p:cNvSpPr>
+          <p:nvPr>
+            <p:ph type="ftr" sz="quarter" idx="3"/>
+          </p:nvPr>
+        </p:nvSpPr>
+        <p:spPr/>
+        <p:txBody>
+          <a:bodyPr/>
+          <a:lstStyle/>
+          <a:p>
+            <a:endParaRPr lang="de-DE"/>
+          </a:p>
+        </p:txBody>
+      </p:sp>
+      <p:sp>
+        <p:nvSpPr>
+          <p:cNvPr id="7" name="Title 6"/>
+          <p:cNvSpPr>
+            <a:spLocks noGrp="1"/>
+          </p:cNvSpPr>
+          <p:nvPr>
+            <p:ph type="title"/>
+          </p:nvPr>
+        </p:nvSpPr>
+        <p:spPr>
+          <a:xfrm>
+            <a:off x="0" y="5407831"/>
+            <a:ext cx="6705600" cy="671292"/>
+          </a:xfrm>
+        </p:spPr>
+        <p:txBody>
+          <a:bodyPr/>
+          <a:lstStyle/>
+          <a:p>
+            <a:r>
+              <a:rPr lang="en-US" dirty="0" smtClean="0"/>
+              <a:t>Dashboard’s Powered </a:t>
+            </a:r>
+            <a:r>
+              <a:rPr lang="en-US" dirty="0"/>
+              <a:t>by </a:t>
+            </a:r>
+            <a:r>
+              <a:rPr lang="en-US" dirty="0" err="1"/>
+              <a:t>Plotly</a:t>
+            </a:r>
+            <a:r>
+              <a:rPr lang="en-US" dirty="0"/>
+              <a:t>, Python &amp; Panda</a:t>
+            </a:r>
+          </a:p>
+        </p:txBody>
+      </p:sp>
+      <p:pic>
+        <p:nvPicPr>
+          <p:cNvPr id="8" name="Picture 2" descr="Q:\CMM-Dept\Internal\20 Marketing 2020\M20-C -- Content\M20-C-0010 -- Trending topics\Digitization\Bild01_Blanko.jpg"/>
+          <p:cNvPicPr>
+            <a:picLocks noChangeAspect="1" noChangeArrowheads="1"/>
+          </p:cNvPicPr>
+          <p:nvPr/>
+        </p:nvPicPr>
+        <p:blipFill rotWithShape="1">
+          <a:blip r:embed="rId2">
+            <a:extLst>
+              <a:ext uri="{28A0092B-C50C-407E-A947-70E740481C1C}">
+                <a14:useLocalDpi xmlns:a14="http://schemas.microsoft.com/office/drawing/2010/main" val="0"/>
+              </a:ext>
+            </a:extLst>
+          </a:blip>
+          <a:srcRect r="796"/>
+          <a:stretch/>
+        </p:blipFill>
+        <p:spPr bwMode="auto">
+          <a:xfrm>
+            <a:off x="0" y="1089024"/>
+            <a:ext cx="9144000" cy="4321175"/>
+          </a:xfrm>
+          <a:prstGeom prst="rect">
+            <a:avLst/>
+          </a:prstGeom>
+          <a:noFill/>
+          <a:extLst>
+            <a:ext uri="{909E8E84-426E-40DD-AFC4-6F175D3DCCD1}">
+              <a14:hiddenFill xmlns:a14="http://schemas.microsoft.com/office/drawing/2010/main">
+                <a:solidFill>
+                  <a:srgbClr val="FFFFFF"/>
+                </a:solidFill>
+              </a14:hiddenFill>
+            </a:ext>
+          </a:extLst>
+        </p:spPr>
+      </p:pic>
+      <p:sp>
+        <p:nvSpPr>
+          <p:cNvPr id="9" name="Titel 6"/>
+          <p:cNvSpPr txBox="1">
+            <a:spLocks/>
+          </p:cNvSpPr>
+          <p:nvPr/>
+        </p:nvSpPr>
+        <p:spPr bwMode="auto">
+          <a:xfrm>
+            <a:off x="0" y="381000"/>
+            <a:ext cx="6840000" cy="702000"/>
+          </a:xfrm>
+          <a:prstGeom prst="rect">
+            <a:avLst/>
+          </a:prstGeom>
+          <a:solidFill>
+            <a:schemeClr val="accent5"/>
+          </a:solidFill>
+          <a:ln w="9525">
+            <a:noFill/>
+          </a:ln>
+        </p:spPr>
+        <p:txBody>
+          <a:bodyPr vert="horz" wrap="square" lIns="252000" tIns="180000" rIns="0" bIns="180000" rtlCol="0" anchor="b" anchorCtr="0">
+            <a:spAutoFit/>
+          </a:bodyPr>
+          <a:lstStyle>
+            <a:lvl1pPr algn="l" defTabSz="914400" rtl="0" eaLnBrk="1" latinLnBrk="0" hangingPunct="1">
+              <a:lnSpc>
+                <a:spcPct val="100000"/>
+              </a:lnSpc>
+              <a:spcBef>
+                <a:spcPct val="0"/>
+              </a:spcBef>
+              <a:buNone/>
+              <a:defRPr sz="2000" b="1" kern="1200" cap="none" baseline="0">
+                <a:solidFill>
+                  <a:schemeClr val="tx2"/>
+                </a:solidFill>
+                <a:latin typeface="+mj-lt"/>
+                <a:ea typeface="+mj-ea"/>
+                <a:cs typeface="+mj-cs"/>
+              </a:defRPr>
+            </a:lvl1pPr>
+          </a:lstStyle>
+          <a:p>
+            <a:r>
+              <a:rPr lang="de-DE" dirty="0" smtClean="0"/>
+              <a:t>Digitalization makes it possible to take different points of view</a:t>
+            </a:r>
+            <a:endParaRPr lang="en-US" dirty="0"/>
+          </a:p>
+        </p:txBody>
+      </p:sp>
+    </p:spTree>
+    <p:extLst>
+      <p:ext uri="{BB962C8B-B14F-4D97-AF65-F5344CB8AC3E}">
+        <p14:creationId xmlns:p14="http://schemas.microsoft.com/office/powerpoint/2010/main" val="2458481346"/>
+      </p:ext>
+    </p:extLst>
+  </p:cSld>
+  <p:clrMapOvr>
+    <a:masterClrMapping/>
+  </p:clrMapOvr>
+  <p:timing>
+    <p:tnLst>
+      <p:par>
+        <p:cTn id="1" dur="indefinite" restart="never" nodeType="tmRoot"/>
+      </p:par>
+    </p:tnLst>
+  </p:timing>
+</p:sld>
+</file>
+
+<file path=ppt/slides/slide20.xml><?xml version="1.0" encoding="utf-8"?>
 <p:sld xmlns:a="http://schemas.openxmlformats.org/drawingml/2006/main" xmlns:r="http://schemas.openxmlformats.org/officeDocument/2006/relationships" xmlns:p="http://schemas.openxmlformats.org/presentationml/2006/main">
   <p:cSld>
     <p:spTree>
@@ -5079,7 +5870,7 @@
 </p:sld>
 </file>
 
-<file path=ppt/slides/slide17.xml><?xml version="1.0" encoding="utf-8"?>
+<file path=ppt/slides/slide21.xml><?xml version="1.0" encoding="utf-8"?>
 <p:sld xmlns:a="http://schemas.openxmlformats.org/drawingml/2006/main" xmlns:r="http://schemas.openxmlformats.org/officeDocument/2006/relationships" xmlns:p="http://schemas.openxmlformats.org/presentationml/2006/main">
   <p:cSld>
     <p:spTree>
@@ -5227,7 +6018,7 @@
 </p:sld>
 </file>
 
-<file path=ppt/slides/slide18.xml><?xml version="1.0" encoding="utf-8"?>
+<file path=ppt/slides/slide22.xml><?xml version="1.0" encoding="utf-8"?>
 <p:sld xmlns:a="http://schemas.openxmlformats.org/drawingml/2006/main" xmlns:r="http://schemas.openxmlformats.org/officeDocument/2006/relationships" xmlns:p="http://schemas.openxmlformats.org/presentationml/2006/main">
   <p:cSld>
     <p:spTree>
@@ -5323,14 +6114,179 @@
         </p:blipFill>
         <p:spPr>
           <a:xfrm>
-            <a:off x="0" y="685800"/>
-            <a:ext cx="9144000" cy="6172200"/>
+            <a:off x="0" y="979069"/>
+            <a:ext cx="9144000" cy="5878931"/>
           </a:xfrm>
           <a:prstGeom prst="rect">
             <a:avLst/>
           </a:prstGeom>
         </p:spPr>
       </p:pic>
+      <p:sp>
+        <p:nvSpPr>
+          <p:cNvPr id="6" name="Title 3"/>
+          <p:cNvSpPr txBox="1">
+            <a:spLocks/>
+          </p:cNvSpPr>
+          <p:nvPr/>
+        </p:nvSpPr>
+        <p:spPr bwMode="auto">
+          <a:xfrm>
+            <a:off x="0" y="307777"/>
+            <a:ext cx="2971800" cy="671292"/>
+          </a:xfrm>
+          <a:prstGeom prst="rect">
+            <a:avLst/>
+          </a:prstGeom>
+          <a:solidFill>
+            <a:schemeClr val="accent5"/>
+          </a:solidFill>
+          <a:ln w="9525">
+            <a:noFill/>
+          </a:ln>
+        </p:spPr>
+        <p:txBody>
+          <a:bodyPr vert="horz" wrap="square" lIns="252000" tIns="180000" rIns="0" bIns="180000" rtlCol="0" anchor="b" anchorCtr="0">
+            <a:spAutoFit/>
+          </a:bodyPr>
+          <a:lstStyle>
+            <a:lvl1pPr algn="l" defTabSz="914400" rtl="0" eaLnBrk="1" latinLnBrk="0" hangingPunct="1">
+              <a:lnSpc>
+                <a:spcPct val="100000"/>
+              </a:lnSpc>
+              <a:spcBef>
+                <a:spcPct val="0"/>
+              </a:spcBef>
+              <a:buNone/>
+              <a:defRPr sz="2000" b="1" kern="1200" cap="none" baseline="0">
+                <a:solidFill>
+                  <a:schemeClr val="tx2"/>
+                </a:solidFill>
+                <a:latin typeface="+mj-lt"/>
+                <a:ea typeface="+mj-ea"/>
+                <a:cs typeface="+mj-cs"/>
+              </a:defRPr>
+            </a:lvl1pPr>
+          </a:lstStyle>
+          <a:p>
+            <a:r>
+              <a:rPr lang="en-US" dirty="0" smtClean="0"/>
+              <a:t>Flask Application</a:t>
+            </a:r>
+            <a:endParaRPr lang="en-US" dirty="0"/>
+          </a:p>
+        </p:txBody>
+      </p:sp>
+      <p:sp>
+        <p:nvSpPr>
+          <p:cNvPr id="7" name="Title 3"/>
+          <p:cNvSpPr txBox="1">
+            <a:spLocks/>
+          </p:cNvSpPr>
+          <p:nvPr/>
+        </p:nvSpPr>
+        <p:spPr bwMode="auto">
+          <a:xfrm>
+            <a:off x="2971800" y="307777"/>
+            <a:ext cx="2590800" cy="671292"/>
+          </a:xfrm>
+          <a:prstGeom prst="rect">
+            <a:avLst/>
+          </a:prstGeom>
+          <a:solidFill>
+            <a:schemeClr val="accent5"/>
+          </a:solidFill>
+          <a:ln w="9525">
+            <a:noFill/>
+          </a:ln>
+        </p:spPr>
+        <p:txBody>
+          <a:bodyPr vert="horz" wrap="square" lIns="252000" tIns="180000" rIns="0" bIns="180000" rtlCol="0" anchor="b" anchorCtr="0">
+            <a:spAutoFit/>
+          </a:bodyPr>
+          <a:lstStyle>
+            <a:lvl1pPr algn="l" defTabSz="914400" rtl="0" eaLnBrk="1" latinLnBrk="0" hangingPunct="1">
+              <a:lnSpc>
+                <a:spcPct val="100000"/>
+              </a:lnSpc>
+              <a:spcBef>
+                <a:spcPct val="0"/>
+              </a:spcBef>
+              <a:buNone/>
+              <a:defRPr sz="2000" b="1" kern="1200" cap="none" baseline="0">
+                <a:solidFill>
+                  <a:schemeClr val="tx2"/>
+                </a:solidFill>
+                <a:latin typeface="+mj-lt"/>
+                <a:ea typeface="+mj-ea"/>
+                <a:cs typeface="+mj-cs"/>
+              </a:defRPr>
+            </a:lvl1pPr>
+          </a:lstStyle>
+          <a:p>
+            <a:r>
+              <a:rPr lang="en-US" dirty="0" smtClean="0"/>
+              <a:t>Celery Worker</a:t>
+            </a:r>
+            <a:endParaRPr lang="en-US" dirty="0"/>
+          </a:p>
+        </p:txBody>
+      </p:sp>
+      <p:sp>
+        <p:nvSpPr>
+          <p:cNvPr id="8" name="Title 3"/>
+          <p:cNvSpPr txBox="1">
+            <a:spLocks/>
+          </p:cNvSpPr>
+          <p:nvPr/>
+        </p:nvSpPr>
+        <p:spPr bwMode="auto">
+          <a:xfrm>
+            <a:off x="5410200" y="307777"/>
+            <a:ext cx="1803779" cy="671292"/>
+          </a:xfrm>
+          <a:prstGeom prst="rect">
+            <a:avLst/>
+          </a:prstGeom>
+          <a:solidFill>
+            <a:schemeClr val="accent5"/>
+          </a:solidFill>
+          <a:ln w="9525">
+            <a:noFill/>
+          </a:ln>
+        </p:spPr>
+        <p:txBody>
+          <a:bodyPr vert="horz" wrap="square" lIns="252000" tIns="180000" rIns="0" bIns="180000" rtlCol="0" anchor="b" anchorCtr="0">
+            <a:spAutoFit/>
+          </a:bodyPr>
+          <a:lstStyle>
+            <a:lvl1pPr algn="l" defTabSz="914400" rtl="0" eaLnBrk="1" latinLnBrk="0" hangingPunct="1">
+              <a:lnSpc>
+                <a:spcPct val="100000"/>
+              </a:lnSpc>
+              <a:spcBef>
+                <a:spcPct val="0"/>
+              </a:spcBef>
+              <a:buNone/>
+              <a:defRPr sz="2000" b="1" kern="1200" cap="none" baseline="0">
+                <a:solidFill>
+                  <a:schemeClr val="tx2"/>
+                </a:solidFill>
+                <a:latin typeface="+mj-lt"/>
+                <a:ea typeface="+mj-ea"/>
+                <a:cs typeface="+mj-cs"/>
+              </a:defRPr>
+            </a:lvl1pPr>
+          </a:lstStyle>
+          <a:p>
+            <a:r>
+              <a:rPr lang="en-US" dirty="0" smtClean="0"/>
+              <a:t>Celery Beat</a:t>
+            </a:r>
+            <a:endParaRPr lang="en-US" dirty="0"/>
+          </a:p>
+        </p:txBody>
+      </p:sp>
     </p:spTree>
     <p:extLst>
       <p:ext uri="{BB962C8B-B14F-4D97-AF65-F5344CB8AC3E}">
@@ -5351,7 +6307,270 @@
 </p:sld>
 </file>
 
-<file path=ppt/slides/slide19.xml><?xml version="1.0" encoding="utf-8"?>
+<file path=ppt/slides/slide23.xml><?xml version="1.0" encoding="utf-8"?>
+<p:sld xmlns:a="http://schemas.openxmlformats.org/drawingml/2006/main" xmlns:r="http://schemas.openxmlformats.org/officeDocument/2006/relationships" xmlns:p="http://schemas.openxmlformats.org/presentationml/2006/main">
+  <p:cSld>
+    <p:spTree>
+      <p:nvGrpSpPr>
+        <p:cNvPr id="1" name=""/>
+        <p:cNvGrpSpPr/>
+        <p:nvPr/>
+      </p:nvGrpSpPr>
+      <p:grpSpPr>
+        <a:xfrm>
+          <a:off x="0" y="0"/>
+          <a:ext cx="0" cy="0"/>
+          <a:chOff x="0" y="0"/>
+          <a:chExt cx="0" cy="0"/>
+        </a:xfrm>
+      </p:grpSpPr>
+      <p:sp>
+        <p:nvSpPr>
+          <p:cNvPr id="2" name="Text Placeholder 1"/>
+          <p:cNvSpPr>
+            <a:spLocks noGrp="1"/>
+          </p:cNvSpPr>
+          <p:nvPr>
+            <p:ph type="body" sz="quarter" idx="14"/>
+          </p:nvPr>
+        </p:nvSpPr>
+        <p:spPr/>
+        <p:txBody>
+          <a:bodyPr/>
+          <a:lstStyle/>
+          <a:p>
+            <a:endParaRPr lang="en-US"/>
+          </a:p>
+        </p:txBody>
+      </p:sp>
+      <p:sp>
+        <p:nvSpPr>
+          <p:cNvPr id="3" name="Text Placeholder 2"/>
+          <p:cNvSpPr>
+            <a:spLocks noGrp="1"/>
+          </p:cNvSpPr>
+          <p:nvPr>
+            <p:ph type="body" sz="quarter" idx="13"/>
+          </p:nvPr>
+        </p:nvSpPr>
+        <p:spPr/>
+        <p:txBody>
+          <a:bodyPr/>
+          <a:lstStyle/>
+          <a:p>
+            <a:endParaRPr lang="en-US"/>
+          </a:p>
+        </p:txBody>
+      </p:sp>
+      <p:sp>
+        <p:nvSpPr>
+          <p:cNvPr id="4" name="Title 3"/>
+          <p:cNvSpPr>
+            <a:spLocks noGrp="1"/>
+          </p:cNvSpPr>
+          <p:nvPr>
+            <p:ph type="title"/>
+          </p:nvPr>
+        </p:nvSpPr>
+        <p:spPr>
+          <a:xfrm>
+            <a:off x="25021" y="90708"/>
+            <a:ext cx="5940000" cy="671292"/>
+          </a:xfrm>
+        </p:spPr>
+        <p:txBody>
+          <a:bodyPr/>
+          <a:lstStyle/>
+          <a:p>
+            <a:r>
+              <a:rPr lang="en-US" dirty="0" smtClean="0"/>
+              <a:t>Software Requirements</a:t>
+            </a:r>
+            <a:endParaRPr lang="en-US" dirty="0"/>
+          </a:p>
+        </p:txBody>
+      </p:sp>
+      <p:sp>
+        <p:nvSpPr>
+          <p:cNvPr id="5" name="Rectangle 4"/>
+          <p:cNvSpPr/>
+          <p:nvPr/>
+        </p:nvSpPr>
+        <p:spPr>
+          <a:xfrm>
+            <a:off x="25021" y="762000"/>
+            <a:ext cx="4572000" cy="5078313"/>
+          </a:xfrm>
+          <a:prstGeom prst="rect">
+            <a:avLst/>
+          </a:prstGeom>
+        </p:spPr>
+        <p:txBody>
+          <a:bodyPr>
+            <a:spAutoFit/>
+          </a:bodyPr>
+          <a:lstStyle/>
+          <a:p>
+            <a:r>
+              <a:rPr lang="en-US" dirty="0"/>
+              <a:t>celery==4.3.0</a:t>
+            </a:r>
+          </a:p>
+          <a:p>
+            <a:r>
+              <a:rPr lang="en-US" dirty="0"/>
+              <a:t>dash==0.40.0</a:t>
+            </a:r>
+          </a:p>
+          <a:p>
+            <a:r>
+              <a:rPr lang="en-US" dirty="0"/>
+              <a:t>dash-core-components==0.45.0</a:t>
+            </a:r>
+          </a:p>
+          <a:p>
+            <a:r>
+              <a:rPr lang="en-US" dirty="0"/>
+              <a:t>dash-html-components==0.15.0</a:t>
+            </a:r>
+          </a:p>
+          <a:p>
+            <a:r>
+              <a:rPr lang="en-US" dirty="0"/>
+              <a:t>dash-table==3.6.0</a:t>
+            </a:r>
+          </a:p>
+          <a:p>
+            <a:r>
+              <a:rPr lang="en-US" dirty="0"/>
+              <a:t>Flask==1.0.2</a:t>
+            </a:r>
+          </a:p>
+          <a:p>
+            <a:r>
+              <a:rPr lang="en-US" dirty="0"/>
+              <a:t>Flask-Cache==0.13.1</a:t>
+            </a:r>
+          </a:p>
+          <a:p>
+            <a:r>
+              <a:rPr lang="en-US" dirty="0"/>
+              <a:t>Flask-Caching==1.7.0</a:t>
+            </a:r>
+          </a:p>
+          <a:p>
+            <a:r>
+              <a:rPr lang="en-US" dirty="0"/>
+              <a:t>Flask-Compress==1.4.0</a:t>
+            </a:r>
+          </a:p>
+          <a:p>
+            <a:r>
+              <a:rPr lang="en-US" dirty="0"/>
+              <a:t>Flask-</a:t>
+            </a:r>
+            <a:r>
+              <a:rPr lang="en-US" dirty="0" err="1"/>
+              <a:t>Cors</a:t>
+            </a:r>
+            <a:r>
+              <a:rPr lang="en-US" dirty="0"/>
+              <a:t>==3.0.7</a:t>
+            </a:r>
+          </a:p>
+          <a:p>
+            <a:r>
+              <a:rPr lang="en-US" dirty="0"/>
+              <a:t>Jinja2==2.10</a:t>
+            </a:r>
+          </a:p>
+          <a:p>
+            <a:r>
+              <a:rPr lang="en-US" dirty="0" err="1"/>
+              <a:t>jsonschema</a:t>
+            </a:r>
+            <a:r>
+              <a:rPr lang="en-US" dirty="0"/>
+              <a:t>==2.6.0</a:t>
+            </a:r>
+          </a:p>
+          <a:p>
+            <a:r>
+              <a:rPr lang="en-US" dirty="0" err="1"/>
+              <a:t>numpy</a:t>
+            </a:r>
+            <a:r>
+              <a:rPr lang="en-US" dirty="0"/>
+              <a:t>==1.15.4</a:t>
+            </a:r>
+          </a:p>
+          <a:p>
+            <a:r>
+              <a:rPr lang="en-US" dirty="0"/>
+              <a:t>pandas==0.23.4</a:t>
+            </a:r>
+          </a:p>
+          <a:p>
+            <a:r>
+              <a:rPr lang="en-US" dirty="0" err="1"/>
+              <a:t>plotly</a:t>
+            </a:r>
+            <a:r>
+              <a:rPr lang="en-US" dirty="0"/>
+              <a:t>==3.7.1</a:t>
+            </a:r>
+          </a:p>
+          <a:p>
+            <a:r>
+              <a:rPr lang="en-US" dirty="0" err="1"/>
+              <a:t>redis</a:t>
+            </a:r>
+            <a:r>
+              <a:rPr lang="en-US" dirty="0"/>
+              <a:t>==</a:t>
+            </a:r>
+            <a:r>
+              <a:rPr lang="en-US" dirty="0" smtClean="0"/>
+              <a:t>3.2.1</a:t>
+            </a:r>
+          </a:p>
+          <a:p>
+            <a:endParaRPr lang="en-US" dirty="0"/>
+          </a:p>
+          <a:p>
+            <a:r>
+              <a:rPr lang="en-US" dirty="0" err="1" smtClean="0"/>
+              <a:t>redis</a:t>
+            </a:r>
+            <a:r>
+              <a:rPr lang="en-US" dirty="0" smtClean="0"/>
+              <a:t> server</a:t>
+            </a:r>
+            <a:endParaRPr lang="en-US" dirty="0"/>
+          </a:p>
+        </p:txBody>
+      </p:sp>
+    </p:spTree>
+    <p:extLst>
+      <p:ext uri="{BB962C8B-B14F-4D97-AF65-F5344CB8AC3E}">
+        <p14:creationId xmlns:p14="http://schemas.microsoft.com/office/powerpoint/2010/main" val="2227003504"/>
+      </p:ext>
+    </p:extLst>
+  </p:cSld>
+  <p:clrMapOvr>
+    <a:masterClrMapping/>
+  </p:clrMapOvr>
+  <p:timing>
+    <p:tnLst>
+      <p:par>
+        <p:cTn id="1" dur="indefinite" restart="never" nodeType="tmRoot"/>
+      </p:par>
+    </p:tnLst>
+  </p:timing>
+</p:sld>
+</file>
+
+<file path=ppt/slides/slide24.xml><?xml version="1.0" encoding="utf-8"?>
 <p:sld xmlns:a="http://schemas.openxmlformats.org/drawingml/2006/main" xmlns:r="http://schemas.openxmlformats.org/officeDocument/2006/relationships" xmlns:p="http://schemas.openxmlformats.org/presentationml/2006/main">
   <p:cSld>
     <p:spTree>
@@ -5475,280 +6694,6 @@
 </p:sld>
 </file>
 
-<file path=ppt/slides/slide2.xml><?xml version="1.0" encoding="utf-8"?>
-<p:sld xmlns:a="http://schemas.openxmlformats.org/drawingml/2006/main" xmlns:r="http://schemas.openxmlformats.org/officeDocument/2006/relationships" xmlns:p="http://schemas.openxmlformats.org/presentationml/2006/main">
-  <p:cSld>
-    <p:spTree>
-      <p:nvGrpSpPr>
-        <p:cNvPr id="1" name=""/>
-        <p:cNvGrpSpPr/>
-        <p:nvPr/>
-      </p:nvGrpSpPr>
-      <p:grpSpPr>
-        <a:xfrm>
-          <a:off x="0" y="0"/>
-          <a:ext cx="0" cy="0"/>
-          <a:chOff x="0" y="0"/>
-          <a:chExt cx="0" cy="0"/>
-        </a:xfrm>
-      </p:grpSpPr>
-      <p:sp>
-        <p:nvSpPr>
-          <p:cNvPr id="2" name="Text Placeholder 1"/>
-          <p:cNvSpPr>
-            <a:spLocks noGrp="1"/>
-          </p:cNvSpPr>
-          <p:nvPr>
-            <p:ph type="body" sz="quarter" idx="14"/>
-          </p:nvPr>
-        </p:nvSpPr>
-        <p:spPr/>
-        <p:txBody>
-          <a:bodyPr/>
-          <a:lstStyle/>
-          <a:p>
-            <a:endParaRPr lang="en-US"/>
-          </a:p>
-        </p:txBody>
-      </p:sp>
-      <p:sp>
-        <p:nvSpPr>
-          <p:cNvPr id="3" name="Text Placeholder 2"/>
-          <p:cNvSpPr>
-            <a:spLocks noGrp="1"/>
-          </p:cNvSpPr>
-          <p:nvPr>
-            <p:ph type="body" sz="quarter" idx="13"/>
-          </p:nvPr>
-        </p:nvSpPr>
-        <p:spPr/>
-        <p:txBody>
-          <a:bodyPr/>
-          <a:lstStyle/>
-          <a:p>
-            <a:endParaRPr lang="en-US"/>
-          </a:p>
-        </p:txBody>
-      </p:sp>
-      <p:sp>
-        <p:nvSpPr>
-          <p:cNvPr id="4" name="Slide Number Placeholder 3"/>
-          <p:cNvSpPr>
-            <a:spLocks noGrp="1"/>
-          </p:cNvSpPr>
-          <p:nvPr>
-            <p:ph type="sldNum" sz="quarter" idx="4"/>
-          </p:nvPr>
-        </p:nvSpPr>
-        <p:spPr/>
-        <p:txBody>
-          <a:bodyPr/>
-          <a:lstStyle/>
-          <a:p>
-            <a:fld id="{44043744-42FE-4892-90BA-7087481EB81E}" type="slidenum">
-              <a:rPr lang="de-DE" smtClean="0"/>
-              <a:pPr/>
-              <a:t>2</a:t>
-            </a:fld>
-            <a:endParaRPr lang="de-DE"/>
-          </a:p>
-        </p:txBody>
-      </p:sp>
-      <p:sp>
-        <p:nvSpPr>
-          <p:cNvPr id="5" name="Date Placeholder 4"/>
-          <p:cNvSpPr>
-            <a:spLocks noGrp="1"/>
-          </p:cNvSpPr>
-          <p:nvPr>
-            <p:ph type="dt" sz="half" idx="2"/>
-          </p:nvPr>
-        </p:nvSpPr>
-        <p:spPr/>
-        <p:txBody>
-          <a:bodyPr/>
-          <a:lstStyle/>
-          <a:p>
-            <a:fld id="{5F5C7AA8-AF19-4FCF-98FD-FB8AFEA87A63}" type="datetime4">
-              <a:rPr lang="en-US" smtClean="0"/>
-              <a:t>May 20, 2019</a:t>
-            </a:fld>
-            <a:endParaRPr lang="de-DE"/>
-          </a:p>
-        </p:txBody>
-      </p:sp>
-      <p:sp>
-        <p:nvSpPr>
-          <p:cNvPr id="6" name="Footer Placeholder 5"/>
-          <p:cNvSpPr>
-            <a:spLocks noGrp="1"/>
-          </p:cNvSpPr>
-          <p:nvPr>
-            <p:ph type="ftr" sz="quarter" idx="3"/>
-          </p:nvPr>
-        </p:nvSpPr>
-        <p:spPr/>
-        <p:txBody>
-          <a:bodyPr/>
-          <a:lstStyle/>
-          <a:p>
-            <a:endParaRPr lang="de-DE"/>
-          </a:p>
-        </p:txBody>
-      </p:sp>
-      <p:sp>
-        <p:nvSpPr>
-          <p:cNvPr id="7" name="Title 6"/>
-          <p:cNvSpPr>
-            <a:spLocks noGrp="1"/>
-          </p:cNvSpPr>
-          <p:nvPr>
-            <p:ph type="title"/>
-          </p:nvPr>
-        </p:nvSpPr>
-        <p:spPr>
-          <a:xfrm>
-            <a:off x="0" y="5407831"/>
-            <a:ext cx="6705600" cy="671292"/>
-          </a:xfrm>
-        </p:spPr>
-        <p:txBody>
-          <a:bodyPr/>
-          <a:lstStyle/>
-          <a:p>
-            <a:r>
-              <a:rPr lang="en-US" dirty="0" smtClean="0"/>
-              <a:t>Dashboard’s Powered </a:t>
-            </a:r>
-            <a:r>
-              <a:rPr lang="en-US" dirty="0"/>
-              <a:t>by </a:t>
-            </a:r>
-            <a:r>
-              <a:rPr lang="en-US" dirty="0" err="1"/>
-              <a:t>Plotly</a:t>
-            </a:r>
-            <a:r>
-              <a:rPr lang="en-US" dirty="0"/>
-              <a:t>, Python &amp; Panda</a:t>
-            </a:r>
-          </a:p>
-        </p:txBody>
-      </p:sp>
-      <p:pic>
-        <p:nvPicPr>
-          <p:cNvPr id="8" name="Picture 2" descr="Q:\CMM-Dept\Internal\20 Marketing 2020\M20-C -- Content\M20-C-0010 -- Trending topics\Digitization\Bild01_Blanko.jpg"/>
-          <p:cNvPicPr>
-            <a:picLocks noChangeAspect="1" noChangeArrowheads="1"/>
-          </p:cNvPicPr>
-          <p:nvPr/>
-        </p:nvPicPr>
-        <p:blipFill rotWithShape="1">
-          <a:blip r:embed="rId2">
-            <a:extLst>
-              <a:ext uri="{28A0092B-C50C-407E-A947-70E740481C1C}">
-                <a14:useLocalDpi xmlns:a14="http://schemas.microsoft.com/office/drawing/2010/main" val="0"/>
-              </a:ext>
-            </a:extLst>
-          </a:blip>
-          <a:srcRect r="796"/>
-          <a:stretch/>
-        </p:blipFill>
-        <p:spPr bwMode="auto">
-          <a:xfrm>
-            <a:off x="0" y="1089024"/>
-            <a:ext cx="9144000" cy="4321175"/>
-          </a:xfrm>
-          <a:prstGeom prst="rect">
-            <a:avLst/>
-          </a:prstGeom>
-          <a:noFill/>
-          <a:extLst>
-            <a:ext uri="{909E8E84-426E-40DD-AFC4-6F175D3DCCD1}">
-              <a14:hiddenFill xmlns:a14="http://schemas.microsoft.com/office/drawing/2010/main">
-                <a:solidFill>
-                  <a:srgbClr val="FFFFFF"/>
-                </a:solidFill>
-              </a14:hiddenFill>
-            </a:ext>
-          </a:extLst>
-        </p:spPr>
-      </p:pic>
-      <p:sp>
-        <p:nvSpPr>
-          <p:cNvPr id="9" name="Titel 6"/>
-          <p:cNvSpPr txBox="1">
-            <a:spLocks/>
-          </p:cNvSpPr>
-          <p:nvPr/>
-        </p:nvSpPr>
-        <p:spPr bwMode="auto">
-          <a:xfrm>
-            <a:off x="0" y="381000"/>
-            <a:ext cx="6840000" cy="702000"/>
-          </a:xfrm>
-          <a:prstGeom prst="rect">
-            <a:avLst/>
-          </a:prstGeom>
-          <a:solidFill>
-            <a:schemeClr val="accent5"/>
-          </a:solidFill>
-          <a:ln w="9525">
-            <a:noFill/>
-          </a:ln>
-        </p:spPr>
-        <p:txBody>
-          <a:bodyPr vert="horz" wrap="square" lIns="252000" tIns="180000" rIns="0" bIns="180000" rtlCol="0" anchor="b" anchorCtr="0">
-            <a:spAutoFit/>
-          </a:bodyPr>
-          <a:lstStyle>
-            <a:lvl1pPr algn="l" defTabSz="914400" rtl="0" eaLnBrk="1" latinLnBrk="0" hangingPunct="1">
-              <a:lnSpc>
-                <a:spcPct val="100000"/>
-              </a:lnSpc>
-              <a:spcBef>
-                <a:spcPct val="0"/>
-              </a:spcBef>
-              <a:buNone/>
-              <a:defRPr sz="2000" b="1" kern="1200" cap="none" baseline="0">
-                <a:solidFill>
-                  <a:schemeClr val="tx2"/>
-                </a:solidFill>
-                <a:latin typeface="+mj-lt"/>
-                <a:ea typeface="+mj-ea"/>
-                <a:cs typeface="+mj-cs"/>
-              </a:defRPr>
-            </a:lvl1pPr>
-          </a:lstStyle>
-          <a:p>
-            <a:r>
-              <a:rPr lang="de-DE" dirty="0" smtClean="0"/>
-              <a:t>Digitalization makes it possible to take different points of view</a:t>
-            </a:r>
-            <a:endParaRPr lang="en-US" dirty="0"/>
-          </a:p>
-        </p:txBody>
-      </p:sp>
-    </p:spTree>
-    <p:extLst>
-      <p:ext uri="{BB962C8B-B14F-4D97-AF65-F5344CB8AC3E}">
-        <p14:creationId xmlns:p14="http://schemas.microsoft.com/office/powerpoint/2010/main" val="2458481346"/>
-      </p:ext>
-    </p:extLst>
-  </p:cSld>
-  <p:clrMapOvr>
-    <a:masterClrMapping/>
-  </p:clrMapOvr>
-  <p:timing>
-    <p:tnLst>
-      <p:par>
-        <p:cTn id="1" dur="indefinite" restart="never" nodeType="tmRoot"/>
-      </p:par>
-    </p:tnLst>
-  </p:timing>
-</p:sld>
-</file>
-
 <file path=ppt/slides/slide3.xml><?xml version="1.0" encoding="utf-8"?>
 <p:sld xmlns:a="http://schemas.openxmlformats.org/drawingml/2006/main" xmlns:r="http://schemas.openxmlformats.org/officeDocument/2006/relationships" xmlns:p="http://schemas.openxmlformats.org/presentationml/2006/main">
   <p:cSld>
@@ -5827,8 +6772,12 @@
           <a:lstStyle/>
           <a:p>
             <a:r>
+              <a:rPr lang="en-US" b="1" dirty="0" err="1"/>
+              <a:t>P</a:t>
+            </a:r>
+            <a:r>
               <a:rPr lang="en-US" b="1" dirty="0" err="1" smtClean="0"/>
-              <a:t>plotly</a:t>
+              <a:t>lotly</a:t>
             </a:r>
             <a:r>
               <a:rPr lang="en-US" b="1" dirty="0" smtClean="0"/>
@@ -5920,7 +6869,7 @@
         <p:spPr>
           <a:xfrm>
             <a:off x="228600" y="4114800"/>
-            <a:ext cx="7772400" cy="369332"/>
+            <a:ext cx="8077200" cy="923330"/>
           </a:xfrm>
           <a:prstGeom prst="rect">
             <a:avLst/>
@@ -5934,8 +6883,84 @@
           <a:lstStyle/>
           <a:p>
             <a:r>
+              <a:rPr lang="en-US" b="1" dirty="0"/>
+              <a:t>pandas</a:t>
+            </a:r>
+            <a:r>
+              <a:rPr lang="en-US" dirty="0"/>
+              <a:t> is a </a:t>
+            </a:r>
+            <a:r>
+              <a:rPr lang="en-US" dirty="0">
+                <a:hlinkClick r:id="rId2"/>
+              </a:rPr>
+              <a:t>Python</a:t>
+            </a:r>
+            <a:r>
+              <a:rPr lang="en-US" dirty="0"/>
+              <a:t> </a:t>
+            </a:r>
+            <a:r>
               <a:rPr lang="en-US" dirty="0" smtClean="0"/>
-              <a:t>Both projects are open source and license under MIT and BSD3 respectively. </a:t>
+              <a:t>package </a:t>
+            </a:r>
+            <a:r>
+              <a:rPr lang="en-US" dirty="0"/>
+              <a:t>License </a:t>
+            </a:r>
+            <a:r>
+              <a:rPr lang="en-US" dirty="0" smtClean="0"/>
+              <a:t> under BSD 3-Clause. </a:t>
+            </a:r>
+            <a:r>
+              <a:rPr lang="en-US" dirty="0">
+                <a:hlinkClick r:id="rId3"/>
+              </a:rPr>
+              <a:t>http://pandas.pydata.org/pandas-docs/stable/getting_started/overview.html#license</a:t>
+            </a:r>
+            <a:endParaRPr lang="en-US" dirty="0"/>
+          </a:p>
+        </p:txBody>
+      </p:sp>
+      <p:sp>
+        <p:nvSpPr>
+          <p:cNvPr id="8" name="TextBox 7"/>
+          <p:cNvSpPr txBox="1"/>
+          <p:nvPr/>
+        </p:nvSpPr>
+        <p:spPr>
+          <a:xfrm>
+            <a:off x="388961" y="5233579"/>
+            <a:ext cx="8077200" cy="646331"/>
+          </a:xfrm>
+          <a:prstGeom prst="rect">
+            <a:avLst/>
+          </a:prstGeom>
+          <a:noFill/>
+        </p:spPr>
+        <p:txBody>
+          <a:bodyPr wrap="square" rtlCol="0">
+            <a:spAutoFit/>
+          </a:bodyPr>
+          <a:lstStyle/>
+          <a:p>
+            <a:r>
+              <a:rPr lang="en-US" b="1" dirty="0" err="1"/>
+              <a:t>Plotly</a:t>
+            </a:r>
+            <a:r>
+              <a:rPr lang="en-US" b="1" dirty="0"/>
+              <a:t> | </a:t>
+            </a:r>
+            <a:r>
+              <a:rPr lang="en-US" b="1" dirty="0" smtClean="0"/>
+              <a:t>Dash is License under MIT. </a:t>
+            </a:r>
+            <a:r>
+              <a:rPr lang="en-US" dirty="0">
+                <a:hlinkClick r:id="rId4"/>
+              </a:rPr>
+              <a:t>https://github.com/plotly/dash/blob/master/LICENSE</a:t>
             </a:r>
             <a:endParaRPr lang="en-US" dirty="0"/>
           </a:p>
@@ -5962,6 +6987,2465 @@
 </file>
 
 <file path=ppt/slides/slide4.xml><?xml version="1.0" encoding="utf-8"?>
+<p:sld xmlns:a="http://schemas.openxmlformats.org/drawingml/2006/main" xmlns:r="http://schemas.openxmlformats.org/officeDocument/2006/relationships" xmlns:p="http://schemas.openxmlformats.org/presentationml/2006/main">
+  <p:cSld>
+    <p:spTree>
+      <p:nvGrpSpPr>
+        <p:cNvPr id="1" name=""/>
+        <p:cNvGrpSpPr/>
+        <p:nvPr/>
+      </p:nvGrpSpPr>
+      <p:grpSpPr>
+        <a:xfrm>
+          <a:off x="0" y="0"/>
+          <a:ext cx="0" cy="0"/>
+          <a:chOff x="0" y="0"/>
+          <a:chExt cx="0" cy="0"/>
+        </a:xfrm>
+      </p:grpSpPr>
+      <p:sp>
+        <p:nvSpPr>
+          <p:cNvPr id="2" name="Text Placeholder 1"/>
+          <p:cNvSpPr>
+            <a:spLocks noGrp="1"/>
+          </p:cNvSpPr>
+          <p:nvPr>
+            <p:ph type="body" sz="quarter" idx="14"/>
+          </p:nvPr>
+        </p:nvSpPr>
+        <p:spPr/>
+        <p:txBody>
+          <a:bodyPr/>
+          <a:lstStyle/>
+          <a:p>
+            <a:endParaRPr lang="en-US"/>
+          </a:p>
+        </p:txBody>
+      </p:sp>
+      <p:sp>
+        <p:nvSpPr>
+          <p:cNvPr id="3" name="Text Placeholder 2"/>
+          <p:cNvSpPr>
+            <a:spLocks noGrp="1"/>
+          </p:cNvSpPr>
+          <p:nvPr>
+            <p:ph type="body" sz="quarter" idx="13"/>
+          </p:nvPr>
+        </p:nvSpPr>
+        <p:spPr/>
+        <p:txBody>
+          <a:bodyPr/>
+          <a:lstStyle/>
+          <a:p>
+            <a:endParaRPr lang="en-US"/>
+          </a:p>
+        </p:txBody>
+      </p:sp>
+      <p:sp>
+        <p:nvSpPr>
+          <p:cNvPr id="5" name="TextBox 4"/>
+          <p:cNvSpPr txBox="1"/>
+          <p:nvPr/>
+        </p:nvSpPr>
+        <p:spPr>
+          <a:xfrm>
+            <a:off x="228600" y="990600"/>
+            <a:ext cx="8686800" cy="923330"/>
+          </a:xfrm>
+          <a:prstGeom prst="rect">
+            <a:avLst/>
+          </a:prstGeom>
+          <a:noFill/>
+        </p:spPr>
+        <p:txBody>
+          <a:bodyPr wrap="square" rtlCol="0">
+            <a:spAutoFit/>
+          </a:bodyPr>
+          <a:lstStyle/>
+          <a:p>
+            <a:r>
+              <a:rPr lang="en-US" b="1" dirty="0" err="1" smtClean="0"/>
+              <a:t>NumPy</a:t>
+            </a:r>
+            <a:r>
+              <a:rPr lang="en-US" b="1" dirty="0" smtClean="0"/>
+              <a:t>: -</a:t>
+            </a:r>
+            <a:r>
+              <a:rPr lang="en-US" dirty="0" err="1"/>
+              <a:t>NumPy</a:t>
+            </a:r>
+            <a:r>
+              <a:rPr lang="en-US" dirty="0"/>
+              <a:t> is a library for the Python programming language, adding support for large, multi-dimensional arrays and matrices, along with a large collection of high-level mathematical functions to operate on these arrays. </a:t>
+            </a:r>
+          </a:p>
+        </p:txBody>
+      </p:sp>
+      <p:sp>
+        <p:nvSpPr>
+          <p:cNvPr id="6" name="TextBox 5"/>
+          <p:cNvSpPr txBox="1"/>
+          <p:nvPr/>
+        </p:nvSpPr>
+        <p:spPr>
+          <a:xfrm>
+            <a:off x="228600" y="2057400"/>
+            <a:ext cx="8534400" cy="1754326"/>
+          </a:xfrm>
+          <a:prstGeom prst="rect">
+            <a:avLst/>
+          </a:prstGeom>
+          <a:noFill/>
+        </p:spPr>
+        <p:txBody>
+          <a:bodyPr wrap="square" rtlCol="0">
+            <a:spAutoFit/>
+          </a:bodyPr>
+          <a:lstStyle/>
+          <a:p>
+            <a:pPr fontAlgn="base"/>
+            <a:r>
+              <a:rPr lang="en-US" b="1" dirty="0"/>
+              <a:t>Celery: Distributed Task Queue</a:t>
+            </a:r>
+          </a:p>
+          <a:p>
+            <a:pPr fontAlgn="base"/>
+            <a:r>
+              <a:rPr lang="en-US" dirty="0" smtClean="0"/>
+              <a:t>Celery </a:t>
+            </a:r>
+            <a:r>
+              <a:rPr lang="en-US" dirty="0"/>
+              <a:t>is an asynchronous task queue/job queue based on distributed message passing. It is focused on real-time operation, but supports scheduling as well.</a:t>
+            </a:r>
+          </a:p>
+          <a:p>
+            <a:pPr fontAlgn="base"/>
+            <a:r>
+              <a:rPr lang="en-US" dirty="0"/>
+              <a:t>The execution units, called tasks, are executed concurrently on a single or more worker servers using multiprocessing, </a:t>
+            </a:r>
+            <a:r>
+              <a:rPr lang="en-US" dirty="0" err="1">
+                <a:hlinkClick r:id="rId2"/>
+              </a:rPr>
+              <a:t>Eventlet</a:t>
+            </a:r>
+            <a:r>
+              <a:rPr lang="en-US" dirty="0"/>
+              <a:t>, or </a:t>
+            </a:r>
+            <a:r>
+              <a:rPr lang="en-US" dirty="0" err="1">
+                <a:hlinkClick r:id="rId3"/>
+              </a:rPr>
+              <a:t>gevent</a:t>
+            </a:r>
+            <a:r>
+              <a:rPr lang="en-US" dirty="0"/>
+              <a:t>. Tasks can execute asynchronously (in the background) or synchronously (wait until ready).</a:t>
+            </a:r>
+          </a:p>
+        </p:txBody>
+      </p:sp>
+      <p:sp>
+        <p:nvSpPr>
+          <p:cNvPr id="7" name="TextBox 6"/>
+          <p:cNvSpPr txBox="1"/>
+          <p:nvPr/>
+        </p:nvSpPr>
+        <p:spPr>
+          <a:xfrm>
+            <a:off x="228600" y="4114800"/>
+            <a:ext cx="7772400" cy="646331"/>
+          </a:xfrm>
+          <a:prstGeom prst="rect">
+            <a:avLst/>
+          </a:prstGeom>
+          <a:noFill/>
+        </p:spPr>
+        <p:txBody>
+          <a:bodyPr wrap="square" rtlCol="0">
+            <a:spAutoFit/>
+          </a:bodyPr>
+          <a:lstStyle/>
+          <a:p>
+            <a:r>
+              <a:rPr lang="en-US" dirty="0"/>
+              <a:t>Celery is licensed under The BSD License (3 </a:t>
+            </a:r>
+            <a:r>
+              <a:rPr lang="en-US" dirty="0" smtClean="0"/>
+              <a:t>Clause). </a:t>
+            </a:r>
+            <a:r>
+              <a:rPr lang="en-US" dirty="0">
+                <a:hlinkClick r:id="rId4"/>
+              </a:rPr>
+              <a:t>https://github.com/celery/celery/blob/master/LICENSE</a:t>
+            </a:r>
+            <a:endParaRPr lang="en-US" dirty="0"/>
+          </a:p>
+        </p:txBody>
+      </p:sp>
+      <p:sp>
+        <p:nvSpPr>
+          <p:cNvPr id="9" name="TextBox 8"/>
+          <p:cNvSpPr txBox="1"/>
+          <p:nvPr/>
+        </p:nvSpPr>
+        <p:spPr>
+          <a:xfrm>
+            <a:off x="304800" y="4840069"/>
+            <a:ext cx="7772400" cy="646331"/>
+          </a:xfrm>
+          <a:prstGeom prst="rect">
+            <a:avLst/>
+          </a:prstGeom>
+          <a:noFill/>
+        </p:spPr>
+        <p:txBody>
+          <a:bodyPr wrap="square" rtlCol="0">
+            <a:spAutoFit/>
+          </a:bodyPr>
+          <a:lstStyle/>
+          <a:p>
+            <a:r>
+              <a:rPr lang="en-US" dirty="0" err="1"/>
+              <a:t>NumPy</a:t>
+            </a:r>
+            <a:r>
+              <a:rPr lang="en-US" dirty="0"/>
+              <a:t> is licensed under the </a:t>
+            </a:r>
+            <a:r>
+              <a:rPr lang="en-US" dirty="0">
+                <a:hlinkClick r:id="rId5"/>
+              </a:rPr>
+              <a:t>BSD license</a:t>
+            </a:r>
+            <a:r>
+              <a:rPr lang="en-US" dirty="0"/>
+              <a:t>, enabling reuse with few restrictions</a:t>
+            </a:r>
+            <a:r>
+              <a:rPr lang="en-US" dirty="0" smtClean="0"/>
+              <a:t>.</a:t>
+            </a:r>
+          </a:p>
+          <a:p>
+            <a:r>
+              <a:rPr lang="en-US" dirty="0">
+                <a:hlinkClick r:id="rId6"/>
+              </a:rPr>
+              <a:t>https://www.numpy.org/license.html</a:t>
+            </a:r>
+            <a:endParaRPr lang="en-US" dirty="0"/>
+          </a:p>
+        </p:txBody>
+      </p:sp>
+    </p:spTree>
+    <p:extLst>
+      <p:ext uri="{BB962C8B-B14F-4D97-AF65-F5344CB8AC3E}">
+        <p14:creationId xmlns:p14="http://schemas.microsoft.com/office/powerpoint/2010/main" val="2520839692"/>
+      </p:ext>
+    </p:extLst>
+  </p:cSld>
+  <p:clrMapOvr>
+    <a:masterClrMapping/>
+  </p:clrMapOvr>
+  <p:timing>
+    <p:tnLst>
+      <p:par>
+        <p:cTn id="1" dur="indefinite" restart="never" nodeType="tmRoot"/>
+      </p:par>
+    </p:tnLst>
+  </p:timing>
+</p:sld>
+</file>
+
+<file path=ppt/slides/slide5.xml><?xml version="1.0" encoding="utf-8"?>
+<p:sld xmlns:a="http://schemas.openxmlformats.org/drawingml/2006/main" xmlns:r="http://schemas.openxmlformats.org/officeDocument/2006/relationships" xmlns:p="http://schemas.openxmlformats.org/presentationml/2006/main">
+  <p:cSld>
+    <p:spTree>
+      <p:nvGrpSpPr>
+        <p:cNvPr id="1" name=""/>
+        <p:cNvGrpSpPr/>
+        <p:nvPr/>
+      </p:nvGrpSpPr>
+      <p:grpSpPr>
+        <a:xfrm>
+          <a:off x="0" y="0"/>
+          <a:ext cx="0" cy="0"/>
+          <a:chOff x="0" y="0"/>
+          <a:chExt cx="0" cy="0"/>
+        </a:xfrm>
+      </p:grpSpPr>
+      <p:sp>
+        <p:nvSpPr>
+          <p:cNvPr id="2" name="Text Placeholder 1"/>
+          <p:cNvSpPr>
+            <a:spLocks noGrp="1"/>
+          </p:cNvSpPr>
+          <p:nvPr>
+            <p:ph type="body" sz="quarter" idx="14"/>
+          </p:nvPr>
+        </p:nvSpPr>
+        <p:spPr/>
+        <p:txBody>
+          <a:bodyPr/>
+          <a:lstStyle/>
+          <a:p>
+            <a:endParaRPr lang="en-US"/>
+          </a:p>
+        </p:txBody>
+      </p:sp>
+      <p:sp>
+        <p:nvSpPr>
+          <p:cNvPr id="3" name="Text Placeholder 2"/>
+          <p:cNvSpPr>
+            <a:spLocks noGrp="1"/>
+          </p:cNvSpPr>
+          <p:nvPr>
+            <p:ph type="body" sz="quarter" idx="13"/>
+          </p:nvPr>
+        </p:nvSpPr>
+        <p:spPr/>
+        <p:txBody>
+          <a:bodyPr/>
+          <a:lstStyle/>
+          <a:p>
+            <a:endParaRPr lang="en-US"/>
+          </a:p>
+        </p:txBody>
+      </p:sp>
+      <p:sp>
+        <p:nvSpPr>
+          <p:cNvPr id="5" name="Rectangle 4"/>
+          <p:cNvSpPr/>
+          <p:nvPr/>
+        </p:nvSpPr>
+        <p:spPr>
+          <a:xfrm>
+            <a:off x="762000" y="1066800"/>
+            <a:ext cx="8153400" cy="1969770"/>
+          </a:xfrm>
+          <a:prstGeom prst="rect">
+            <a:avLst/>
+          </a:prstGeom>
+        </p:spPr>
+        <p:txBody>
+          <a:bodyPr wrap="square">
+            <a:spAutoFit/>
+          </a:bodyPr>
+          <a:lstStyle/>
+          <a:p>
+            <a:r>
+              <a:rPr lang="en-US" sz="3200" b="1" dirty="0" err="1"/>
+              <a:t>Redis</a:t>
+            </a:r>
+            <a:r>
+              <a:rPr lang="en-US" dirty="0"/>
+              <a:t> is an open source (BSD licensed), in-memory data structure store, used as a database, cache and message broker. It supports data structures such as strings, hashes, lists, sets, sorted sets with range queries, bitmaps, </a:t>
+            </a:r>
+            <a:r>
+              <a:rPr lang="en-US" dirty="0" err="1"/>
+              <a:t>hyperloglogs</a:t>
+            </a:r>
+            <a:r>
+              <a:rPr lang="en-US" dirty="0"/>
+              <a:t>, geospatial indexes with radius queries and streams. </a:t>
+            </a:r>
+            <a:r>
+              <a:rPr lang="en-US" dirty="0" err="1"/>
+              <a:t>Redis</a:t>
+            </a:r>
+            <a:r>
+              <a:rPr lang="en-US" dirty="0"/>
+              <a:t> has built-in replication, </a:t>
+            </a:r>
+            <a:r>
+              <a:rPr lang="en-US" dirty="0" err="1"/>
+              <a:t>Lua</a:t>
+            </a:r>
+            <a:r>
+              <a:rPr lang="en-US" dirty="0"/>
+              <a:t> scripting, LRU eviction, transactions and different levels of on-disk persistence, and provides high availability via </a:t>
+            </a:r>
+            <a:r>
+              <a:rPr lang="en-US" dirty="0" err="1"/>
+              <a:t>Redis</a:t>
+            </a:r>
+            <a:r>
+              <a:rPr lang="en-US" dirty="0"/>
+              <a:t> Sentinel and automatic partitioning with </a:t>
+            </a:r>
+            <a:r>
+              <a:rPr lang="en-US" dirty="0" err="1"/>
+              <a:t>Redis</a:t>
+            </a:r>
+            <a:r>
+              <a:rPr lang="en-US" dirty="0"/>
+              <a:t> Cluster.</a:t>
+            </a:r>
+          </a:p>
+        </p:txBody>
+      </p:sp>
+      <p:sp>
+        <p:nvSpPr>
+          <p:cNvPr id="6" name="Rectangle 5"/>
+          <p:cNvSpPr/>
+          <p:nvPr/>
+        </p:nvSpPr>
+        <p:spPr>
+          <a:xfrm>
+            <a:off x="914400" y="3254149"/>
+            <a:ext cx="2981329" cy="369332"/>
+          </a:xfrm>
+          <a:prstGeom prst="rect">
+            <a:avLst/>
+          </a:prstGeom>
+        </p:spPr>
+        <p:txBody>
+          <a:bodyPr wrap="none">
+            <a:spAutoFit/>
+          </a:bodyPr>
+          <a:lstStyle/>
+          <a:p>
+            <a:r>
+              <a:rPr lang="en-US" dirty="0">
+                <a:hlinkClick r:id="rId2"/>
+              </a:rPr>
+              <a:t>https://redis.io/topics/license</a:t>
+            </a:r>
+            <a:endParaRPr lang="en-US" dirty="0"/>
+          </a:p>
+        </p:txBody>
+      </p:sp>
+    </p:spTree>
+    <p:extLst>
+      <p:ext uri="{BB962C8B-B14F-4D97-AF65-F5344CB8AC3E}">
+        <p14:creationId xmlns:p14="http://schemas.microsoft.com/office/powerpoint/2010/main" val="2121093543"/>
+      </p:ext>
+    </p:extLst>
+  </p:cSld>
+  <p:clrMapOvr>
+    <a:masterClrMapping/>
+  </p:clrMapOvr>
+  <p:timing>
+    <p:tnLst>
+      <p:par>
+        <p:cTn id="1" dur="indefinite" restart="never" nodeType="tmRoot"/>
+      </p:par>
+    </p:tnLst>
+  </p:timing>
+</p:sld>
+</file>
+
+<file path=ppt/slides/slide6.xml><?xml version="1.0" encoding="utf-8"?>
+<p:sld xmlns:a="http://schemas.openxmlformats.org/drawingml/2006/main" xmlns:r="http://schemas.openxmlformats.org/officeDocument/2006/relationships" xmlns:p="http://schemas.openxmlformats.org/presentationml/2006/main">
+  <p:cSld>
+    <p:spTree>
+      <p:nvGrpSpPr>
+        <p:cNvPr id="1" name=""/>
+        <p:cNvGrpSpPr/>
+        <p:nvPr/>
+      </p:nvGrpSpPr>
+      <p:grpSpPr>
+        <a:xfrm>
+          <a:off x="0" y="0"/>
+          <a:ext cx="0" cy="0"/>
+          <a:chOff x="0" y="0"/>
+          <a:chExt cx="0" cy="0"/>
+        </a:xfrm>
+      </p:grpSpPr>
+      <p:sp>
+        <p:nvSpPr>
+          <p:cNvPr id="2" name="Text Placeholder 1"/>
+          <p:cNvSpPr>
+            <a:spLocks noGrp="1"/>
+          </p:cNvSpPr>
+          <p:nvPr>
+            <p:ph type="body" sz="quarter" idx="14"/>
+          </p:nvPr>
+        </p:nvSpPr>
+        <p:spPr/>
+        <p:txBody>
+          <a:bodyPr/>
+          <a:lstStyle/>
+          <a:p>
+            <a:endParaRPr lang="en-US"/>
+          </a:p>
+        </p:txBody>
+      </p:sp>
+      <p:sp>
+        <p:nvSpPr>
+          <p:cNvPr id="3" name="Text Placeholder 2"/>
+          <p:cNvSpPr>
+            <a:spLocks noGrp="1"/>
+          </p:cNvSpPr>
+          <p:nvPr>
+            <p:ph type="body" sz="quarter" idx="13"/>
+          </p:nvPr>
+        </p:nvSpPr>
+        <p:spPr/>
+        <p:txBody>
+          <a:bodyPr/>
+          <a:lstStyle/>
+          <a:p>
+            <a:endParaRPr lang="en-US"/>
+          </a:p>
+        </p:txBody>
+      </p:sp>
+      <p:sp>
+        <p:nvSpPr>
+          <p:cNvPr id="4" name="Title 3"/>
+          <p:cNvSpPr>
+            <a:spLocks noGrp="1"/>
+          </p:cNvSpPr>
+          <p:nvPr>
+            <p:ph type="title"/>
+          </p:nvPr>
+        </p:nvSpPr>
+        <p:spPr>
+          <a:xfrm>
+            <a:off x="762000" y="304800"/>
+            <a:ext cx="5940000" cy="671292"/>
+          </a:xfrm>
+        </p:spPr>
+        <p:txBody>
+          <a:bodyPr/>
+          <a:lstStyle/>
+          <a:p>
+            <a:r>
+              <a:rPr lang="en-US" dirty="0" smtClean="0"/>
+              <a:t>Application  Architecture</a:t>
+            </a:r>
+            <a:endParaRPr lang="en-US" dirty="0"/>
+          </a:p>
+        </p:txBody>
+      </p:sp>
+      <p:sp>
+        <p:nvSpPr>
+          <p:cNvPr id="5" name="TextBox 4"/>
+          <p:cNvSpPr txBox="1"/>
+          <p:nvPr/>
+        </p:nvSpPr>
+        <p:spPr>
+          <a:xfrm>
+            <a:off x="3581400" y="2438400"/>
+            <a:ext cx="1752600" cy="369332"/>
+          </a:xfrm>
+          <a:prstGeom prst="rect">
+            <a:avLst/>
+          </a:prstGeom>
+          <a:noFill/>
+        </p:spPr>
+        <p:txBody>
+          <a:bodyPr wrap="square" rtlCol="0">
+            <a:spAutoFit/>
+          </a:bodyPr>
+          <a:lstStyle/>
+          <a:p>
+            <a:r>
+              <a:rPr lang="en-US" dirty="0" smtClean="0"/>
+              <a:t>Celery Worker </a:t>
+            </a:r>
+            <a:endParaRPr lang="en-US" dirty="0"/>
+          </a:p>
+        </p:txBody>
+      </p:sp>
+      <p:sp>
+        <p:nvSpPr>
+          <p:cNvPr id="6" name="TextBox 5"/>
+          <p:cNvSpPr txBox="1"/>
+          <p:nvPr/>
+        </p:nvSpPr>
+        <p:spPr>
+          <a:xfrm>
+            <a:off x="6901604" y="2479964"/>
+            <a:ext cx="1298998" cy="369332"/>
+          </a:xfrm>
+          <a:prstGeom prst="rect">
+            <a:avLst/>
+          </a:prstGeom>
+          <a:noFill/>
+        </p:spPr>
+        <p:txBody>
+          <a:bodyPr wrap="square" rtlCol="0">
+            <a:spAutoFit/>
+          </a:bodyPr>
+          <a:lstStyle/>
+          <a:p>
+            <a:r>
+              <a:rPr lang="en-US" dirty="0" smtClean="0"/>
+              <a:t>Celery Beat</a:t>
+            </a:r>
+            <a:endParaRPr lang="en-US" dirty="0"/>
+          </a:p>
+        </p:txBody>
+      </p:sp>
+      <p:sp>
+        <p:nvSpPr>
+          <p:cNvPr id="7" name="TextBox 6"/>
+          <p:cNvSpPr txBox="1"/>
+          <p:nvPr/>
+        </p:nvSpPr>
+        <p:spPr>
+          <a:xfrm>
+            <a:off x="609600" y="3387436"/>
+            <a:ext cx="1371600" cy="369332"/>
+          </a:xfrm>
+          <a:prstGeom prst="rect">
+            <a:avLst/>
+          </a:prstGeom>
+          <a:noFill/>
+        </p:spPr>
+        <p:txBody>
+          <a:bodyPr wrap="square" rtlCol="0">
+            <a:spAutoFit/>
+          </a:bodyPr>
+          <a:lstStyle/>
+          <a:p>
+            <a:r>
+              <a:rPr lang="en-US" dirty="0" smtClean="0"/>
+              <a:t>File System</a:t>
+            </a:r>
+            <a:endParaRPr lang="en-US" dirty="0"/>
+          </a:p>
+        </p:txBody>
+      </p:sp>
+      <p:sp>
+        <p:nvSpPr>
+          <p:cNvPr id="8" name="TextBox 7"/>
+          <p:cNvSpPr txBox="1"/>
+          <p:nvPr/>
+        </p:nvSpPr>
+        <p:spPr>
+          <a:xfrm>
+            <a:off x="2561214" y="4054555"/>
+            <a:ext cx="1676400" cy="369332"/>
+          </a:xfrm>
+          <a:prstGeom prst="rect">
+            <a:avLst/>
+          </a:prstGeom>
+          <a:noFill/>
+        </p:spPr>
+        <p:txBody>
+          <a:bodyPr wrap="square" rtlCol="0">
+            <a:spAutoFit/>
+          </a:bodyPr>
+          <a:lstStyle/>
+          <a:p>
+            <a:r>
+              <a:rPr lang="en-US" dirty="0" err="1" smtClean="0"/>
+              <a:t>Redis</a:t>
+            </a:r>
+            <a:r>
+              <a:rPr lang="en-US" dirty="0" smtClean="0"/>
+              <a:t> Database</a:t>
+            </a:r>
+            <a:endParaRPr lang="en-US" dirty="0"/>
+          </a:p>
+        </p:txBody>
+      </p:sp>
+      <p:sp>
+        <p:nvSpPr>
+          <p:cNvPr id="9" name="TextBox 8"/>
+          <p:cNvSpPr txBox="1"/>
+          <p:nvPr/>
+        </p:nvSpPr>
+        <p:spPr>
+          <a:xfrm>
+            <a:off x="3750732" y="5845222"/>
+            <a:ext cx="1752600" cy="369332"/>
+          </a:xfrm>
+          <a:prstGeom prst="rect">
+            <a:avLst/>
+          </a:prstGeom>
+          <a:noFill/>
+        </p:spPr>
+        <p:txBody>
+          <a:bodyPr wrap="square" rtlCol="0">
+            <a:spAutoFit/>
+          </a:bodyPr>
+          <a:lstStyle/>
+          <a:p>
+            <a:r>
+              <a:rPr lang="en-US" dirty="0" smtClean="0"/>
+              <a:t>Dash App</a:t>
+            </a:r>
+            <a:endParaRPr lang="en-US" dirty="0"/>
+          </a:p>
+        </p:txBody>
+      </p:sp>
+      <p:cxnSp>
+        <p:nvCxnSpPr>
+          <p:cNvPr id="22" name="Elbow Connector 21"/>
+          <p:cNvCxnSpPr>
+            <a:stCxn id="6" idx="1"/>
+          </p:cNvCxnSpPr>
+          <p:nvPr/>
+        </p:nvCxnSpPr>
+        <p:spPr>
+          <a:xfrm rot="10800000">
+            <a:off x="5029200" y="2623066"/>
+            <a:ext cx="1872404" cy="41564"/>
+          </a:xfrm>
+          <a:prstGeom prst="bentConnector3">
+            <a:avLst/>
+          </a:prstGeom>
+          <a:ln>
+            <a:tailEnd type="triangle"/>
+          </a:ln>
+        </p:spPr>
+        <p:style>
+          <a:lnRef idx="1">
+            <a:schemeClr val="accent1"/>
+          </a:lnRef>
+          <a:fillRef idx="0">
+            <a:schemeClr val="accent1"/>
+          </a:fillRef>
+          <a:effectRef idx="0">
+            <a:schemeClr val="accent1"/>
+          </a:effectRef>
+          <a:fontRef idx="minor">
+            <a:schemeClr val="tx1"/>
+          </a:fontRef>
+        </p:style>
+      </p:cxnSp>
+      <p:cxnSp>
+        <p:nvCxnSpPr>
+          <p:cNvPr id="29" name="Elbow Connector 28"/>
+          <p:cNvCxnSpPr>
+            <a:endCxn id="5" idx="1"/>
+          </p:cNvCxnSpPr>
+          <p:nvPr/>
+        </p:nvCxnSpPr>
+        <p:spPr>
+          <a:xfrm flipV="1">
+            <a:off x="1752600" y="2623066"/>
+            <a:ext cx="1828800" cy="992970"/>
+          </a:xfrm>
+          <a:prstGeom prst="bentConnector3">
+            <a:avLst/>
+          </a:prstGeom>
+          <a:ln>
+            <a:headEnd type="triangle"/>
+            <a:tailEnd type="triangle"/>
+          </a:ln>
+        </p:spPr>
+        <p:style>
+          <a:lnRef idx="1">
+            <a:schemeClr val="accent1"/>
+          </a:lnRef>
+          <a:fillRef idx="0">
+            <a:schemeClr val="accent1"/>
+          </a:fillRef>
+          <a:effectRef idx="0">
+            <a:schemeClr val="accent1"/>
+          </a:effectRef>
+          <a:fontRef idx="minor">
+            <a:schemeClr val="tx1"/>
+          </a:fontRef>
+        </p:style>
+      </p:cxnSp>
+      <p:cxnSp>
+        <p:nvCxnSpPr>
+          <p:cNvPr id="31" name="Elbow Connector 30"/>
+          <p:cNvCxnSpPr>
+            <a:stCxn id="5" idx="2"/>
+            <a:endCxn id="8" idx="0"/>
+          </p:cNvCxnSpPr>
+          <p:nvPr/>
+        </p:nvCxnSpPr>
+        <p:spPr>
+          <a:xfrm rot="5400000">
+            <a:off x="3305146" y="2902000"/>
+            <a:ext cx="1246823" cy="1058286"/>
+          </a:xfrm>
+          <a:prstGeom prst="bentConnector3">
+            <a:avLst/>
+          </a:prstGeom>
+          <a:ln>
+            <a:headEnd type="triangle"/>
+            <a:tailEnd type="triangle"/>
+          </a:ln>
+        </p:spPr>
+        <p:style>
+          <a:lnRef idx="1">
+            <a:schemeClr val="accent1"/>
+          </a:lnRef>
+          <a:fillRef idx="0">
+            <a:schemeClr val="accent1"/>
+          </a:fillRef>
+          <a:effectRef idx="0">
+            <a:schemeClr val="accent1"/>
+          </a:effectRef>
+          <a:fontRef idx="minor">
+            <a:schemeClr val="tx1"/>
+          </a:fontRef>
+        </p:style>
+      </p:cxnSp>
+      <p:cxnSp>
+        <p:nvCxnSpPr>
+          <p:cNvPr id="33" name="Elbow Connector 32"/>
+          <p:cNvCxnSpPr>
+            <a:stCxn id="8" idx="2"/>
+            <a:endCxn id="9" idx="0"/>
+          </p:cNvCxnSpPr>
+          <p:nvPr/>
+        </p:nvCxnSpPr>
+        <p:spPr>
+          <a:xfrm rot="16200000" flipH="1">
+            <a:off x="3302556" y="4520745"/>
+            <a:ext cx="1421335" cy="1227618"/>
+          </a:xfrm>
+          <a:prstGeom prst="bentConnector3">
+            <a:avLst/>
+          </a:prstGeom>
+          <a:ln>
+            <a:headEnd type="triangle"/>
+            <a:tailEnd type="triangle"/>
+          </a:ln>
+        </p:spPr>
+        <p:style>
+          <a:lnRef idx="1">
+            <a:schemeClr val="accent1"/>
+          </a:lnRef>
+          <a:fillRef idx="0">
+            <a:schemeClr val="accent1"/>
+          </a:fillRef>
+          <a:effectRef idx="0">
+            <a:schemeClr val="accent1"/>
+          </a:effectRef>
+          <a:fontRef idx="minor">
+            <a:schemeClr val="tx1"/>
+          </a:fontRef>
+        </p:style>
+      </p:cxnSp>
+      <p:pic>
+        <p:nvPicPr>
+          <p:cNvPr id="34" name="Picture 33"/>
+          <p:cNvPicPr>
+            <a:picLocks noChangeAspect="1"/>
+          </p:cNvPicPr>
+          <p:nvPr/>
+        </p:nvPicPr>
+        <p:blipFill>
+          <a:blip r:embed="rId2"/>
+          <a:stretch>
+            <a:fillRect/>
+          </a:stretch>
+        </p:blipFill>
+        <p:spPr>
+          <a:xfrm>
+            <a:off x="2091264" y="1079551"/>
+            <a:ext cx="3318936" cy="1309093"/>
+          </a:xfrm>
+          <a:prstGeom prst="rect">
+            <a:avLst/>
+          </a:prstGeom>
+        </p:spPr>
+      </p:pic>
+      <p:pic>
+        <p:nvPicPr>
+          <p:cNvPr id="35" name="Picture 34"/>
+          <p:cNvPicPr>
+            <a:picLocks noChangeAspect="1"/>
+          </p:cNvPicPr>
+          <p:nvPr/>
+        </p:nvPicPr>
+        <p:blipFill>
+          <a:blip r:embed="rId3"/>
+          <a:stretch>
+            <a:fillRect/>
+          </a:stretch>
+        </p:blipFill>
+        <p:spPr>
+          <a:xfrm>
+            <a:off x="5486400" y="1091128"/>
+            <a:ext cx="3490912" cy="1293570"/>
+          </a:xfrm>
+          <a:prstGeom prst="rect">
+            <a:avLst/>
+          </a:prstGeom>
+        </p:spPr>
+      </p:pic>
+      <p:pic>
+        <p:nvPicPr>
+          <p:cNvPr id="36" name="Picture 35"/>
+          <p:cNvPicPr>
+            <a:picLocks noChangeAspect="1"/>
+          </p:cNvPicPr>
+          <p:nvPr/>
+        </p:nvPicPr>
+        <p:blipFill>
+          <a:blip r:embed="rId4"/>
+          <a:stretch>
+            <a:fillRect/>
+          </a:stretch>
+        </p:blipFill>
+        <p:spPr>
+          <a:xfrm>
+            <a:off x="0" y="3800702"/>
+            <a:ext cx="2300287" cy="1703765"/>
+          </a:xfrm>
+          <a:prstGeom prst="rect">
+            <a:avLst/>
+          </a:prstGeom>
+        </p:spPr>
+      </p:pic>
+      <p:pic>
+        <p:nvPicPr>
+          <p:cNvPr id="37" name="Picture 36"/>
+          <p:cNvPicPr>
+            <a:picLocks noChangeAspect="1"/>
+          </p:cNvPicPr>
+          <p:nvPr/>
+        </p:nvPicPr>
+        <p:blipFill>
+          <a:blip r:embed="rId5"/>
+          <a:stretch>
+            <a:fillRect/>
+          </a:stretch>
+        </p:blipFill>
+        <p:spPr>
+          <a:xfrm>
+            <a:off x="5486400" y="2944562"/>
+            <a:ext cx="3490912" cy="1334377"/>
+          </a:xfrm>
+          <a:prstGeom prst="rect">
+            <a:avLst/>
+          </a:prstGeom>
+        </p:spPr>
+      </p:pic>
+      <p:pic>
+        <p:nvPicPr>
+          <p:cNvPr id="39" name="Picture 38"/>
+          <p:cNvPicPr>
+            <a:picLocks noChangeAspect="1"/>
+          </p:cNvPicPr>
+          <p:nvPr/>
+        </p:nvPicPr>
+        <p:blipFill>
+          <a:blip r:embed="rId6"/>
+          <a:stretch>
+            <a:fillRect/>
+          </a:stretch>
+        </p:blipFill>
+        <p:spPr>
+          <a:xfrm>
+            <a:off x="5486400" y="4882063"/>
+            <a:ext cx="3490912" cy="1339418"/>
+          </a:xfrm>
+          <a:prstGeom prst="rect">
+            <a:avLst/>
+          </a:prstGeom>
+        </p:spPr>
+      </p:pic>
+    </p:spTree>
+    <p:extLst>
+      <p:ext uri="{BB962C8B-B14F-4D97-AF65-F5344CB8AC3E}">
+        <p14:creationId xmlns:p14="http://schemas.microsoft.com/office/powerpoint/2010/main" val="2931767259"/>
+      </p:ext>
+    </p:extLst>
+  </p:cSld>
+  <p:clrMapOvr>
+    <a:masterClrMapping/>
+  </p:clrMapOvr>
+  <p:timing>
+    <p:tnLst>
+      <p:par>
+        <p:cTn id="1" dur="indefinite" restart="never" nodeType="tmRoot"/>
+      </p:par>
+    </p:tnLst>
+  </p:timing>
+</p:sld>
+</file>
+
+<file path=ppt/slides/slide7.xml><?xml version="1.0" encoding="utf-8"?>
+<p:sld xmlns:a="http://schemas.openxmlformats.org/drawingml/2006/main" xmlns:r="http://schemas.openxmlformats.org/officeDocument/2006/relationships" xmlns:p="http://schemas.openxmlformats.org/presentationml/2006/main">
+  <p:cSld>
+    <p:spTree>
+      <p:nvGrpSpPr>
+        <p:cNvPr id="1" name=""/>
+        <p:cNvGrpSpPr/>
+        <p:nvPr/>
+      </p:nvGrpSpPr>
+      <p:grpSpPr>
+        <a:xfrm>
+          <a:off x="0" y="0"/>
+          <a:ext cx="0" cy="0"/>
+          <a:chOff x="0" y="0"/>
+          <a:chExt cx="0" cy="0"/>
+        </a:xfrm>
+      </p:grpSpPr>
+      <p:sp>
+        <p:nvSpPr>
+          <p:cNvPr id="2" name="Text Placeholder 1"/>
+          <p:cNvSpPr>
+            <a:spLocks noGrp="1"/>
+          </p:cNvSpPr>
+          <p:nvPr>
+            <p:ph type="body" sz="quarter" idx="14"/>
+          </p:nvPr>
+        </p:nvSpPr>
+        <p:spPr/>
+        <p:txBody>
+          <a:bodyPr/>
+          <a:lstStyle/>
+          <a:p>
+            <a:endParaRPr lang="en-US"/>
+          </a:p>
+        </p:txBody>
+      </p:sp>
+      <p:sp>
+        <p:nvSpPr>
+          <p:cNvPr id="3" name="Text Placeholder 2"/>
+          <p:cNvSpPr>
+            <a:spLocks noGrp="1"/>
+          </p:cNvSpPr>
+          <p:nvPr>
+            <p:ph type="body" sz="quarter" idx="13"/>
+          </p:nvPr>
+        </p:nvSpPr>
+        <p:spPr/>
+        <p:txBody>
+          <a:bodyPr/>
+          <a:lstStyle/>
+          <a:p>
+            <a:endParaRPr lang="en-US"/>
+          </a:p>
+        </p:txBody>
+      </p:sp>
+      <p:sp>
+        <p:nvSpPr>
+          <p:cNvPr id="4" name="Title 3"/>
+          <p:cNvSpPr>
+            <a:spLocks noGrp="1"/>
+          </p:cNvSpPr>
+          <p:nvPr>
+            <p:ph type="title"/>
+          </p:nvPr>
+        </p:nvSpPr>
+        <p:spPr>
+          <a:xfrm>
+            <a:off x="685800" y="152400"/>
+            <a:ext cx="5940000" cy="671292"/>
+          </a:xfrm>
+        </p:spPr>
+        <p:txBody>
+          <a:bodyPr/>
+          <a:lstStyle/>
+          <a:p>
+            <a:r>
+              <a:rPr lang="en-US" dirty="0" smtClean="0"/>
+              <a:t>Dash App Architecture </a:t>
+            </a:r>
+            <a:endParaRPr lang="en-US" dirty="0"/>
+          </a:p>
+        </p:txBody>
+      </p:sp>
+      <p:sp>
+        <p:nvSpPr>
+          <p:cNvPr id="5" name="Rectangle 1"/>
+          <p:cNvSpPr>
+            <a:spLocks noChangeArrowheads="1"/>
+          </p:cNvSpPr>
+          <p:nvPr/>
+        </p:nvSpPr>
+        <p:spPr bwMode="auto">
+          <a:xfrm>
+            <a:off x="152400" y="1371600"/>
+            <a:ext cx="8839200" cy="1523494"/>
+          </a:xfrm>
+          <a:prstGeom prst="rect">
+            <a:avLst/>
+          </a:prstGeom>
+          <a:solidFill>
+            <a:srgbClr val="FFFFFF"/>
+          </a:solidFill>
+          <a:ln>
+            <a:noFill/>
+          </a:ln>
+          <a:effectLst/>
+          <a:extLst>
+            <a:ext uri="{91240B29-F687-4F45-9708-019B960494DF}">
+              <a14:hiddenLine xmlns:a14="http://schemas.microsoft.com/office/drawing/2010/main" w="9525">
+                <a:solidFill>
+                  <a:schemeClr val="tx1"/>
+                </a:solidFill>
+                <a:miter lim="800000"/>
+                <a:headEnd/>
+                <a:tailEnd/>
+              </a14:hiddenLine>
+            </a:ext>
+            <a:ext uri="{AF507438-7753-43E0-B8FC-AC1667EBCBE1}">
+              <a14:hiddenEffects xmlns:a14="http://schemas.microsoft.com/office/drawing/2010/main">
+                <a:effectLst>
+                  <a:outerShdw dist="35921" dir="2700000" algn="ctr" rotWithShape="0">
+                    <a:schemeClr val="bg2"/>
+                  </a:outerShdw>
+                </a:effectLst>
+              </a14:hiddenEffects>
+            </a:ext>
+          </a:extLst>
+        </p:spPr>
+        <p:txBody>
+          <a:bodyPr vert="horz" wrap="square" lIns="91440" tIns="0" rIns="91440" bIns="45720" numCol="1" anchor="ctr" anchorCtr="0" compatLnSpc="1">
+            <a:prstTxWarp prst="textNoShape">
+              <a:avLst/>
+            </a:prstTxWarp>
+            <a:spAutoFit/>
+          </a:bodyPr>
+          <a:lstStyle>
+            <a:lvl1pPr eaLnBrk="0" fontAlgn="base" hangingPunct="0">
+              <a:spcBef>
+                <a:spcPct val="0"/>
+              </a:spcBef>
+              <a:spcAft>
+                <a:spcPct val="0"/>
+              </a:spcAft>
+              <a:defRPr>
+                <a:solidFill>
+                  <a:schemeClr val="tx1"/>
+                </a:solidFill>
+                <a:latin typeface="Arial" panose="020B0604020202020204" pitchFamily="34" charset="0"/>
+              </a:defRPr>
+            </a:lvl1pPr>
+            <a:lvl2pPr eaLnBrk="0" fontAlgn="base" hangingPunct="0">
+              <a:spcBef>
+                <a:spcPct val="0"/>
+              </a:spcBef>
+              <a:spcAft>
+                <a:spcPct val="0"/>
+              </a:spcAft>
+              <a:defRPr>
+                <a:solidFill>
+                  <a:schemeClr val="tx1"/>
+                </a:solidFill>
+                <a:latin typeface="Arial" panose="020B0604020202020204" pitchFamily="34" charset="0"/>
+              </a:defRPr>
+            </a:lvl2pPr>
+            <a:lvl3pPr eaLnBrk="0" fontAlgn="base" hangingPunct="0">
+              <a:spcBef>
+                <a:spcPct val="0"/>
+              </a:spcBef>
+              <a:spcAft>
+                <a:spcPct val="0"/>
+              </a:spcAft>
+              <a:defRPr>
+                <a:solidFill>
+                  <a:schemeClr val="tx1"/>
+                </a:solidFill>
+                <a:latin typeface="Arial" panose="020B0604020202020204" pitchFamily="34" charset="0"/>
+              </a:defRPr>
+            </a:lvl3pPr>
+            <a:lvl4pPr eaLnBrk="0" fontAlgn="base" hangingPunct="0">
+              <a:spcBef>
+                <a:spcPct val="0"/>
+              </a:spcBef>
+              <a:spcAft>
+                <a:spcPct val="0"/>
+              </a:spcAft>
+              <a:defRPr>
+                <a:solidFill>
+                  <a:schemeClr val="tx1"/>
+                </a:solidFill>
+                <a:latin typeface="Arial" panose="020B0604020202020204" pitchFamily="34" charset="0"/>
+              </a:defRPr>
+            </a:lvl4pPr>
+            <a:lvl5pPr eaLnBrk="0" fontAlgn="base" hangingPunct="0">
+              <a:spcBef>
+                <a:spcPct val="0"/>
+              </a:spcBef>
+              <a:spcAft>
+                <a:spcPct val="0"/>
+              </a:spcAft>
+              <a:defRPr>
+                <a:solidFill>
+                  <a:schemeClr val="tx1"/>
+                </a:solidFill>
+                <a:latin typeface="Arial" panose="020B0604020202020204" pitchFamily="34" charset="0"/>
+              </a:defRPr>
+            </a:lvl5pPr>
+            <a:lvl6pPr eaLnBrk="0" fontAlgn="base" hangingPunct="0">
+              <a:spcBef>
+                <a:spcPct val="0"/>
+              </a:spcBef>
+              <a:spcAft>
+                <a:spcPct val="0"/>
+              </a:spcAft>
+              <a:defRPr>
+                <a:solidFill>
+                  <a:schemeClr val="tx1"/>
+                </a:solidFill>
+                <a:latin typeface="Arial" panose="020B0604020202020204" pitchFamily="34" charset="0"/>
+              </a:defRPr>
+            </a:lvl6pPr>
+            <a:lvl7pPr eaLnBrk="0" fontAlgn="base" hangingPunct="0">
+              <a:spcBef>
+                <a:spcPct val="0"/>
+              </a:spcBef>
+              <a:spcAft>
+                <a:spcPct val="0"/>
+              </a:spcAft>
+              <a:defRPr>
+                <a:solidFill>
+                  <a:schemeClr val="tx1"/>
+                </a:solidFill>
+                <a:latin typeface="Arial" panose="020B0604020202020204" pitchFamily="34" charset="0"/>
+              </a:defRPr>
+            </a:lvl7pPr>
+            <a:lvl8pPr eaLnBrk="0" fontAlgn="base" hangingPunct="0">
+              <a:spcBef>
+                <a:spcPct val="0"/>
+              </a:spcBef>
+              <a:spcAft>
+                <a:spcPct val="0"/>
+              </a:spcAft>
+              <a:defRPr>
+                <a:solidFill>
+                  <a:schemeClr val="tx1"/>
+                </a:solidFill>
+                <a:latin typeface="Arial" panose="020B0604020202020204" pitchFamily="34" charset="0"/>
+              </a:defRPr>
+            </a:lvl8pPr>
+            <a:lvl9pPr eaLnBrk="0" fontAlgn="base" hangingPunct="0">
+              <a:spcBef>
+                <a:spcPct val="0"/>
+              </a:spcBef>
+              <a:spcAft>
+                <a:spcPct val="0"/>
+              </a:spcAft>
+              <a:defRPr>
+                <a:solidFill>
+                  <a:schemeClr val="tx1"/>
+                </a:solidFill>
+                <a:latin typeface="Arial" panose="020B0604020202020204" pitchFamily="34" charset="0"/>
+              </a:defRPr>
+            </a:lvl9pPr>
+          </a:lstStyle>
+          <a:p>
+            <a:pPr marL="0" marR="0" lvl="0" indent="0" algn="l" defTabSz="914400" rtl="0" eaLnBrk="0" fontAlgn="base" latinLnBrk="0" hangingPunct="0">
+              <a:lnSpc>
+                <a:spcPct val="100000"/>
+              </a:lnSpc>
+              <a:spcBef>
+                <a:spcPct val="0"/>
+              </a:spcBef>
+              <a:spcAft>
+                <a:spcPct val="0"/>
+              </a:spcAft>
+              <a:buClrTx/>
+              <a:buSzTx/>
+              <a:buFontTx/>
+              <a:buNone/>
+              <a:tabLst/>
+            </a:pPr>
+            <a:r>
+              <a:rPr kumimoji="0" lang="en-US" altLang="en-US" sz="1200" b="0" i="0" u="none" strike="noStrike" cap="none" normalizeH="0" baseline="0" dirty="0" smtClean="0">
+                <a:ln>
+                  <a:noFill/>
+                </a:ln>
+                <a:solidFill>
+                  <a:srgbClr val="2A3F5F"/>
+                </a:solidFill>
+                <a:effectLst/>
+                <a:latin typeface="Dosis"/>
+              </a:rPr>
+              <a:t>Structuring a Multi-Page App</a:t>
+            </a:r>
+          </a:p>
+          <a:p>
+            <a:pPr marL="0" marR="0" lvl="0" indent="0" algn="l" defTabSz="914400" rtl="0" eaLnBrk="0" fontAlgn="base" latinLnBrk="0" hangingPunct="0">
+              <a:lnSpc>
+                <a:spcPct val="100000"/>
+              </a:lnSpc>
+              <a:spcBef>
+                <a:spcPct val="0"/>
+              </a:spcBef>
+              <a:spcAft>
+                <a:spcPct val="0"/>
+              </a:spcAft>
+              <a:buClrTx/>
+              <a:buSzTx/>
+              <a:buFontTx/>
+              <a:buNone/>
+              <a:tabLst/>
+            </a:pPr>
+            <a:r>
+              <a:rPr kumimoji="0" lang="en-US" altLang="en-US" sz="1200" b="0" i="0" u="none" strike="noStrike" cap="none" normalizeH="0" baseline="0" dirty="0" smtClean="0">
+                <a:ln>
+                  <a:noFill/>
+                </a:ln>
+                <a:solidFill>
+                  <a:srgbClr val="506784"/>
+                </a:solidFill>
+                <a:effectLst/>
+                <a:latin typeface="Open Sans"/>
+              </a:rPr>
+              <a:t>Here's how to structure a multi-page app, where each app is contained in a separate file.</a:t>
+            </a:r>
+            <a:endParaRPr kumimoji="0" lang="en-US" altLang="en-US" sz="600" b="0" i="0" u="none" strike="noStrike" cap="none" normalizeH="0" baseline="0" dirty="0" smtClean="0">
+              <a:ln>
+                <a:noFill/>
+              </a:ln>
+              <a:solidFill>
+                <a:schemeClr val="tx1"/>
+              </a:solidFill>
+              <a:effectLst/>
+            </a:endParaRPr>
+          </a:p>
+          <a:p>
+            <a:pPr marL="0" marR="0" lvl="0" indent="0" algn="l" defTabSz="914400" rtl="0" eaLnBrk="0" fontAlgn="base" latinLnBrk="0" hangingPunct="0">
+              <a:lnSpc>
+                <a:spcPct val="100000"/>
+              </a:lnSpc>
+              <a:spcBef>
+                <a:spcPct val="0"/>
+              </a:spcBef>
+              <a:spcAft>
+                <a:spcPct val="0"/>
+              </a:spcAft>
+              <a:buClrTx/>
+              <a:buSzTx/>
+              <a:buFontTx/>
+              <a:buNone/>
+              <a:tabLst/>
+            </a:pPr>
+            <a:r>
+              <a:rPr kumimoji="0" lang="en-US" altLang="en-US" sz="1200" b="0" i="0" u="none" strike="noStrike" cap="none" normalizeH="0" baseline="0" dirty="0" smtClean="0">
+                <a:ln>
+                  <a:noFill/>
+                </a:ln>
+                <a:solidFill>
+                  <a:srgbClr val="506784"/>
+                </a:solidFill>
+                <a:effectLst/>
+                <a:latin typeface="Open Sans"/>
+              </a:rPr>
+              <a:t>File structure:</a:t>
+            </a:r>
+            <a:endParaRPr kumimoji="0" lang="en-US" altLang="en-US" sz="1000" b="0" i="0" u="none" strike="noStrike" cap="none" normalizeH="0" baseline="0" dirty="0" smtClean="0">
+              <a:ln>
+                <a:noFill/>
+              </a:ln>
+              <a:solidFill>
+                <a:srgbClr val="506784"/>
+              </a:solidFill>
+              <a:effectLst/>
+              <a:latin typeface="Arial Unicode MS"/>
+            </a:endParaRPr>
+          </a:p>
+          <a:p>
+            <a:pPr marL="171450" marR="0" lvl="0" indent="-171450" algn="l" defTabSz="914400" rtl="0" eaLnBrk="0" fontAlgn="base" latinLnBrk="0" hangingPunct="0">
+              <a:lnSpc>
+                <a:spcPct val="100000"/>
+              </a:lnSpc>
+              <a:spcBef>
+                <a:spcPct val="0"/>
+              </a:spcBef>
+              <a:spcAft>
+                <a:spcPct val="0"/>
+              </a:spcAft>
+              <a:buClrTx/>
+              <a:buSzTx/>
+              <a:buFontTx/>
+              <a:buChar char="-"/>
+              <a:tabLst/>
+            </a:pPr>
+            <a:r>
+              <a:rPr kumimoji="0" lang="en-US" altLang="en-US" sz="1000" b="0" i="0" u="none" strike="noStrike" cap="none" normalizeH="0" baseline="0" dirty="0" smtClean="0">
+                <a:ln>
+                  <a:noFill/>
+                </a:ln>
+                <a:solidFill>
+                  <a:srgbClr val="506784"/>
+                </a:solidFill>
+                <a:effectLst/>
+                <a:latin typeface="Arial Unicode MS"/>
+              </a:rPr>
+              <a:t>app.py</a:t>
+            </a:r>
+          </a:p>
+          <a:p>
+            <a:pPr marL="171450" marR="0" lvl="0" indent="-171450" algn="l" defTabSz="914400" rtl="0" eaLnBrk="0" fontAlgn="base" latinLnBrk="0" hangingPunct="0">
+              <a:lnSpc>
+                <a:spcPct val="100000"/>
+              </a:lnSpc>
+              <a:spcBef>
+                <a:spcPct val="0"/>
+              </a:spcBef>
+              <a:spcAft>
+                <a:spcPct val="0"/>
+              </a:spcAft>
+              <a:buClrTx/>
+              <a:buSzTx/>
+              <a:buFontTx/>
+              <a:buChar char="-"/>
+              <a:tabLst/>
+            </a:pPr>
+            <a:r>
+              <a:rPr kumimoji="0" lang="en-US" altLang="en-US" sz="1000" b="0" i="0" u="none" strike="noStrike" cap="none" normalizeH="0" baseline="0" dirty="0" smtClean="0">
+                <a:ln>
+                  <a:noFill/>
+                </a:ln>
+                <a:solidFill>
+                  <a:srgbClr val="506784"/>
+                </a:solidFill>
+                <a:effectLst/>
+                <a:latin typeface="Arial Unicode MS"/>
+              </a:rPr>
+              <a:t>index.py </a:t>
+            </a:r>
+          </a:p>
+          <a:p>
+            <a:pPr marL="171450" marR="0" lvl="0" indent="-171450" algn="l" defTabSz="914400" rtl="0" eaLnBrk="0" fontAlgn="base" latinLnBrk="0" hangingPunct="0">
+              <a:lnSpc>
+                <a:spcPct val="100000"/>
+              </a:lnSpc>
+              <a:spcBef>
+                <a:spcPct val="0"/>
+              </a:spcBef>
+              <a:spcAft>
+                <a:spcPct val="0"/>
+              </a:spcAft>
+              <a:buClrTx/>
+              <a:buSzTx/>
+              <a:buFontTx/>
+              <a:buChar char="-"/>
+              <a:tabLst/>
+            </a:pPr>
+            <a:r>
+              <a:rPr kumimoji="0" lang="en-US" altLang="en-US" sz="1000" b="0" i="0" u="none" strike="noStrike" cap="none" normalizeH="0" baseline="0" dirty="0" smtClean="0">
+                <a:ln>
+                  <a:noFill/>
+                </a:ln>
+                <a:solidFill>
+                  <a:srgbClr val="506784"/>
+                </a:solidFill>
+                <a:effectLst/>
+                <a:latin typeface="Arial Unicode MS"/>
+              </a:rPr>
+              <a:t>apps </a:t>
+            </a:r>
+          </a:p>
+          <a:p>
+            <a:pPr marR="0" lvl="0" algn="l" defTabSz="914400" rtl="0" eaLnBrk="0" fontAlgn="base" latinLnBrk="0" hangingPunct="0">
+              <a:lnSpc>
+                <a:spcPct val="100000"/>
+              </a:lnSpc>
+              <a:spcBef>
+                <a:spcPct val="0"/>
+              </a:spcBef>
+              <a:spcAft>
+                <a:spcPct val="0"/>
+              </a:spcAft>
+              <a:buClrTx/>
+              <a:buSzTx/>
+              <a:tabLst/>
+            </a:pPr>
+            <a:r>
+              <a:rPr lang="en-US" altLang="en-US" sz="1000" dirty="0" smtClean="0">
+                <a:solidFill>
+                  <a:srgbClr val="506784"/>
+                </a:solidFill>
+                <a:latin typeface="Arial Unicode MS"/>
+              </a:rPr>
+              <a:t>           </a:t>
+            </a:r>
+            <a:r>
+              <a:rPr lang="en-US" altLang="en-US" sz="1000" dirty="0">
+                <a:solidFill>
+                  <a:srgbClr val="506784"/>
+                </a:solidFill>
+                <a:latin typeface="Arial Unicode MS"/>
+              </a:rPr>
+              <a:t>	</a:t>
+            </a:r>
+            <a:r>
+              <a:rPr kumimoji="0" lang="en-US" altLang="en-US" sz="1000" b="0" i="0" u="none" strike="noStrike" cap="none" normalizeH="0" baseline="0" dirty="0" smtClean="0">
+                <a:ln>
+                  <a:noFill/>
+                </a:ln>
+                <a:solidFill>
+                  <a:srgbClr val="506784"/>
+                </a:solidFill>
+                <a:effectLst/>
+                <a:latin typeface="Arial Unicode MS"/>
+              </a:rPr>
+              <a:t>-- __init__.py </a:t>
+            </a:r>
+          </a:p>
+          <a:p>
+            <a:pPr marR="0" lvl="0" algn="l" defTabSz="914400" rtl="0" eaLnBrk="0" fontAlgn="base" latinLnBrk="0" hangingPunct="0">
+              <a:lnSpc>
+                <a:spcPct val="100000"/>
+              </a:lnSpc>
+              <a:spcBef>
+                <a:spcPct val="0"/>
+              </a:spcBef>
+              <a:spcAft>
+                <a:spcPct val="0"/>
+              </a:spcAft>
+              <a:buClrTx/>
+              <a:buSzTx/>
+              <a:tabLst/>
+            </a:pPr>
+            <a:r>
+              <a:rPr lang="en-US" altLang="en-US" sz="1000" dirty="0">
+                <a:solidFill>
+                  <a:srgbClr val="506784"/>
+                </a:solidFill>
+                <a:latin typeface="Arial Unicode MS"/>
+              </a:rPr>
+              <a:t>	</a:t>
+            </a:r>
+            <a:r>
+              <a:rPr kumimoji="0" lang="en-US" altLang="en-US" sz="1000" b="0" i="0" u="none" strike="noStrike" cap="none" normalizeH="0" baseline="0" dirty="0" smtClean="0">
+                <a:ln>
+                  <a:noFill/>
+                </a:ln>
+                <a:solidFill>
+                  <a:srgbClr val="506784"/>
+                </a:solidFill>
+                <a:effectLst/>
+                <a:latin typeface="Arial Unicode MS"/>
+              </a:rPr>
+              <a:t>-- app1.py </a:t>
+            </a:r>
+          </a:p>
+          <a:p>
+            <a:pPr marR="0" lvl="0" algn="l" defTabSz="914400" rtl="0" eaLnBrk="0" fontAlgn="base" latinLnBrk="0" hangingPunct="0">
+              <a:lnSpc>
+                <a:spcPct val="100000"/>
+              </a:lnSpc>
+              <a:spcBef>
+                <a:spcPct val="0"/>
+              </a:spcBef>
+              <a:spcAft>
+                <a:spcPct val="0"/>
+              </a:spcAft>
+              <a:buClrTx/>
+              <a:buSzTx/>
+              <a:tabLst/>
+            </a:pPr>
+            <a:r>
+              <a:rPr lang="en-US" altLang="en-US" sz="1000" dirty="0">
+                <a:solidFill>
+                  <a:srgbClr val="506784"/>
+                </a:solidFill>
+                <a:latin typeface="Arial Unicode MS"/>
+              </a:rPr>
+              <a:t>	</a:t>
+            </a:r>
+            <a:r>
+              <a:rPr kumimoji="0" lang="en-US" altLang="en-US" sz="1000" b="0" i="0" u="none" strike="noStrike" cap="none" normalizeH="0" baseline="0" dirty="0" smtClean="0">
+                <a:ln>
+                  <a:noFill/>
+                </a:ln>
+                <a:solidFill>
+                  <a:srgbClr val="506784"/>
+                </a:solidFill>
+                <a:effectLst/>
+                <a:latin typeface="Arial Unicode MS"/>
+              </a:rPr>
+              <a:t>-- app2.py</a:t>
+            </a:r>
+            <a:r>
+              <a:rPr kumimoji="0" lang="en-US" altLang="en-US" sz="600" b="0" i="0" u="none" strike="noStrike" cap="none" normalizeH="0" baseline="0" dirty="0" smtClean="0">
+                <a:ln>
+                  <a:noFill/>
+                </a:ln>
+                <a:solidFill>
+                  <a:schemeClr val="tx1"/>
+                </a:solidFill>
+                <a:effectLst/>
+              </a:rPr>
+              <a:t> </a:t>
+            </a:r>
+            <a:endParaRPr kumimoji="0" lang="en-US" altLang="en-US" sz="1800" b="0" i="0" u="none" strike="noStrike" cap="none" normalizeH="0" baseline="0" dirty="0" smtClean="0">
+              <a:ln>
+                <a:noFill/>
+              </a:ln>
+              <a:solidFill>
+                <a:schemeClr val="tx1"/>
+              </a:solidFill>
+              <a:effectLst/>
+              <a:latin typeface="Arial" panose="020B0604020202020204" pitchFamily="34" charset="0"/>
+            </a:endParaRPr>
+          </a:p>
+        </p:txBody>
+      </p:sp>
+      <p:sp>
+        <p:nvSpPr>
+          <p:cNvPr id="7" name="Rectangle 3"/>
+          <p:cNvSpPr>
+            <a:spLocks noChangeArrowheads="1"/>
+          </p:cNvSpPr>
+          <p:nvPr/>
+        </p:nvSpPr>
+        <p:spPr bwMode="auto">
+          <a:xfrm>
+            <a:off x="152400" y="3069367"/>
+            <a:ext cx="8839200" cy="2954655"/>
+          </a:xfrm>
+          <a:prstGeom prst="rect">
+            <a:avLst/>
+          </a:prstGeom>
+          <a:solidFill>
+            <a:srgbClr val="F3F6FB"/>
+          </a:solidFill>
+          <a:ln>
+            <a:noFill/>
+          </a:ln>
+          <a:effectLst/>
+          <a:extLst>
+            <a:ext uri="{91240B29-F687-4F45-9708-019B960494DF}">
+              <a14:hiddenLine xmlns:a14="http://schemas.microsoft.com/office/drawing/2010/main" w="9525">
+                <a:solidFill>
+                  <a:schemeClr val="tx1"/>
+                </a:solidFill>
+                <a:miter lim="800000"/>
+                <a:headEnd/>
+                <a:tailEnd/>
+              </a14:hiddenLine>
+            </a:ext>
+            <a:ext uri="{AF507438-7753-43E0-B8FC-AC1667EBCBE1}">
+              <a14:hiddenEffects xmlns:a14="http://schemas.microsoft.com/office/drawing/2010/main">
+                <a:effectLst>
+                  <a:outerShdw dist="35921" dir="2700000" algn="ctr" rotWithShape="0">
+                    <a:schemeClr val="bg2"/>
+                  </a:outerShdw>
+                </a:effectLst>
+              </a14:hiddenEffects>
+            </a:ext>
+          </a:extLst>
+        </p:spPr>
+        <p:txBody>
+          <a:bodyPr vert="horz" wrap="square" lIns="91440" tIns="45720" rIns="91440" bIns="45720" numCol="1" anchor="ctr" anchorCtr="0" compatLnSpc="1">
+            <a:prstTxWarp prst="textNoShape">
+              <a:avLst/>
+            </a:prstTxWarp>
+            <a:spAutoFit/>
+          </a:bodyPr>
+          <a:lstStyle>
+            <a:lvl1pPr eaLnBrk="0" fontAlgn="base" hangingPunct="0">
+              <a:spcBef>
+                <a:spcPct val="0"/>
+              </a:spcBef>
+              <a:spcAft>
+                <a:spcPct val="0"/>
+              </a:spcAft>
+              <a:defRPr>
+                <a:solidFill>
+                  <a:schemeClr val="tx1"/>
+                </a:solidFill>
+                <a:latin typeface="Arial" panose="020B0604020202020204" pitchFamily="34" charset="0"/>
+              </a:defRPr>
+            </a:lvl1pPr>
+            <a:lvl2pPr eaLnBrk="0" fontAlgn="base" hangingPunct="0">
+              <a:spcBef>
+                <a:spcPct val="0"/>
+              </a:spcBef>
+              <a:spcAft>
+                <a:spcPct val="0"/>
+              </a:spcAft>
+              <a:defRPr>
+                <a:solidFill>
+                  <a:schemeClr val="tx1"/>
+                </a:solidFill>
+                <a:latin typeface="Arial" panose="020B0604020202020204" pitchFamily="34" charset="0"/>
+              </a:defRPr>
+            </a:lvl2pPr>
+            <a:lvl3pPr eaLnBrk="0" fontAlgn="base" hangingPunct="0">
+              <a:spcBef>
+                <a:spcPct val="0"/>
+              </a:spcBef>
+              <a:spcAft>
+                <a:spcPct val="0"/>
+              </a:spcAft>
+              <a:defRPr>
+                <a:solidFill>
+                  <a:schemeClr val="tx1"/>
+                </a:solidFill>
+                <a:latin typeface="Arial" panose="020B0604020202020204" pitchFamily="34" charset="0"/>
+              </a:defRPr>
+            </a:lvl3pPr>
+            <a:lvl4pPr eaLnBrk="0" fontAlgn="base" hangingPunct="0">
+              <a:spcBef>
+                <a:spcPct val="0"/>
+              </a:spcBef>
+              <a:spcAft>
+                <a:spcPct val="0"/>
+              </a:spcAft>
+              <a:defRPr>
+                <a:solidFill>
+                  <a:schemeClr val="tx1"/>
+                </a:solidFill>
+                <a:latin typeface="Arial" panose="020B0604020202020204" pitchFamily="34" charset="0"/>
+              </a:defRPr>
+            </a:lvl4pPr>
+            <a:lvl5pPr eaLnBrk="0" fontAlgn="base" hangingPunct="0">
+              <a:spcBef>
+                <a:spcPct val="0"/>
+              </a:spcBef>
+              <a:spcAft>
+                <a:spcPct val="0"/>
+              </a:spcAft>
+              <a:defRPr>
+                <a:solidFill>
+                  <a:schemeClr val="tx1"/>
+                </a:solidFill>
+                <a:latin typeface="Arial" panose="020B0604020202020204" pitchFamily="34" charset="0"/>
+              </a:defRPr>
+            </a:lvl5pPr>
+            <a:lvl6pPr eaLnBrk="0" fontAlgn="base" hangingPunct="0">
+              <a:spcBef>
+                <a:spcPct val="0"/>
+              </a:spcBef>
+              <a:spcAft>
+                <a:spcPct val="0"/>
+              </a:spcAft>
+              <a:defRPr>
+                <a:solidFill>
+                  <a:schemeClr val="tx1"/>
+                </a:solidFill>
+                <a:latin typeface="Arial" panose="020B0604020202020204" pitchFamily="34" charset="0"/>
+              </a:defRPr>
+            </a:lvl6pPr>
+            <a:lvl7pPr eaLnBrk="0" fontAlgn="base" hangingPunct="0">
+              <a:spcBef>
+                <a:spcPct val="0"/>
+              </a:spcBef>
+              <a:spcAft>
+                <a:spcPct val="0"/>
+              </a:spcAft>
+              <a:defRPr>
+                <a:solidFill>
+                  <a:schemeClr val="tx1"/>
+                </a:solidFill>
+                <a:latin typeface="Arial" panose="020B0604020202020204" pitchFamily="34" charset="0"/>
+              </a:defRPr>
+            </a:lvl7pPr>
+            <a:lvl8pPr eaLnBrk="0" fontAlgn="base" hangingPunct="0">
+              <a:spcBef>
+                <a:spcPct val="0"/>
+              </a:spcBef>
+              <a:spcAft>
+                <a:spcPct val="0"/>
+              </a:spcAft>
+              <a:defRPr>
+                <a:solidFill>
+                  <a:schemeClr val="tx1"/>
+                </a:solidFill>
+                <a:latin typeface="Arial" panose="020B0604020202020204" pitchFamily="34" charset="0"/>
+              </a:defRPr>
+            </a:lvl8pPr>
+            <a:lvl9pPr eaLnBrk="0" fontAlgn="base" hangingPunct="0">
+              <a:spcBef>
+                <a:spcPct val="0"/>
+              </a:spcBef>
+              <a:spcAft>
+                <a:spcPct val="0"/>
+              </a:spcAft>
+              <a:defRPr>
+                <a:solidFill>
+                  <a:schemeClr val="tx1"/>
+                </a:solidFill>
+                <a:latin typeface="Arial" panose="020B0604020202020204" pitchFamily="34" charset="0"/>
+              </a:defRPr>
+            </a:lvl9pPr>
+          </a:lstStyle>
+          <a:p>
+            <a:pPr marL="0" marR="0" lvl="0" indent="0" algn="l" defTabSz="914400" rtl="0" eaLnBrk="0" fontAlgn="base" latinLnBrk="0" hangingPunct="0">
+              <a:lnSpc>
+                <a:spcPct val="100000"/>
+              </a:lnSpc>
+              <a:spcBef>
+                <a:spcPct val="0"/>
+              </a:spcBef>
+              <a:spcAft>
+                <a:spcPct val="0"/>
+              </a:spcAft>
+              <a:buClrTx/>
+              <a:buSzTx/>
+              <a:buFontTx/>
+              <a:buNone/>
+              <a:tabLst/>
+            </a:pPr>
+            <a:r>
+              <a:rPr kumimoji="0" lang="en-US" altLang="en-US" sz="1200" b="0" i="0" u="none" strike="noStrike" cap="none" normalizeH="0" baseline="0" dirty="0" smtClean="0">
+                <a:ln>
+                  <a:noFill/>
+                </a:ln>
+                <a:solidFill>
+                  <a:srgbClr val="506784"/>
+                </a:solidFill>
+                <a:effectLst/>
+                <a:latin typeface="Open Sans"/>
+              </a:rPr>
+              <a:t>It is worth noting that in both of these project structures, the Dash instance is defined in a separate </a:t>
+            </a:r>
+            <a:r>
+              <a:rPr kumimoji="0" lang="en-US" altLang="en-US" sz="900" b="0" i="0" u="none" strike="noStrike" cap="none" normalizeH="0" baseline="0" dirty="0" smtClean="0">
+                <a:ln>
+                  <a:noFill/>
+                </a:ln>
+                <a:solidFill>
+                  <a:srgbClr val="506784"/>
+                </a:solidFill>
+                <a:effectLst/>
+                <a:latin typeface="Arial Unicode MS"/>
+              </a:rPr>
+              <a:t>app.py</a:t>
+            </a:r>
+            <a:r>
+              <a:rPr kumimoji="0" lang="en-US" altLang="en-US" sz="1200" b="0" i="0" u="none" strike="noStrike" cap="none" normalizeH="0" baseline="0" dirty="0" smtClean="0">
+                <a:ln>
+                  <a:noFill/>
+                </a:ln>
+                <a:solidFill>
+                  <a:srgbClr val="506784"/>
+                </a:solidFill>
+                <a:effectLst/>
+                <a:latin typeface="Open Sans"/>
+              </a:rPr>
+              <a:t>, while the entry point for </a:t>
+            </a:r>
+          </a:p>
+          <a:p>
+            <a:pPr marL="0" marR="0" lvl="0" indent="0" algn="l" defTabSz="914400" rtl="0" eaLnBrk="0" fontAlgn="base" latinLnBrk="0" hangingPunct="0">
+              <a:lnSpc>
+                <a:spcPct val="100000"/>
+              </a:lnSpc>
+              <a:spcBef>
+                <a:spcPct val="0"/>
+              </a:spcBef>
+              <a:spcAft>
+                <a:spcPct val="0"/>
+              </a:spcAft>
+              <a:buClrTx/>
+              <a:buSzTx/>
+              <a:buFontTx/>
+              <a:buNone/>
+              <a:tabLst/>
+            </a:pPr>
+            <a:endParaRPr lang="en-US" altLang="en-US" sz="1200" dirty="0">
+              <a:solidFill>
+                <a:srgbClr val="506784"/>
+              </a:solidFill>
+              <a:latin typeface="Open Sans"/>
+            </a:endParaRPr>
+          </a:p>
+          <a:p>
+            <a:pPr marL="0" marR="0" lvl="0" indent="0" algn="l" defTabSz="914400" rtl="0" eaLnBrk="0" fontAlgn="base" latinLnBrk="0" hangingPunct="0">
+              <a:lnSpc>
+                <a:spcPct val="100000"/>
+              </a:lnSpc>
+              <a:spcBef>
+                <a:spcPct val="0"/>
+              </a:spcBef>
+              <a:spcAft>
+                <a:spcPct val="0"/>
+              </a:spcAft>
+              <a:buClrTx/>
+              <a:buSzTx/>
+              <a:buFontTx/>
+              <a:buNone/>
+              <a:tabLst/>
+            </a:pPr>
+            <a:r>
+              <a:rPr kumimoji="0" lang="en-US" altLang="en-US" sz="1200" b="0" i="0" u="none" strike="noStrike" cap="none" normalizeH="0" baseline="0" dirty="0" smtClean="0">
+                <a:ln>
+                  <a:noFill/>
+                </a:ln>
+                <a:solidFill>
+                  <a:srgbClr val="506784"/>
+                </a:solidFill>
+                <a:effectLst/>
+                <a:latin typeface="Open Sans"/>
+              </a:rPr>
+              <a:t>running the app is </a:t>
+            </a:r>
+            <a:r>
+              <a:rPr kumimoji="0" lang="en-US" altLang="en-US" sz="900" b="0" i="0" u="none" strike="noStrike" cap="none" normalizeH="0" baseline="0" dirty="0" smtClean="0">
+                <a:ln>
+                  <a:noFill/>
+                </a:ln>
+                <a:solidFill>
+                  <a:srgbClr val="506784"/>
+                </a:solidFill>
+                <a:effectLst/>
+                <a:latin typeface="Arial Unicode MS"/>
+              </a:rPr>
+              <a:t>index.py</a:t>
+            </a:r>
+            <a:r>
+              <a:rPr kumimoji="0" lang="en-US" altLang="en-US" sz="1200" b="0" i="0" u="none" strike="noStrike" cap="none" normalizeH="0" baseline="0" dirty="0" smtClean="0">
+                <a:ln>
+                  <a:noFill/>
+                </a:ln>
+                <a:solidFill>
+                  <a:srgbClr val="506784"/>
+                </a:solidFill>
+                <a:effectLst/>
+                <a:latin typeface="Open Sans"/>
+              </a:rPr>
+              <a:t>. </a:t>
+            </a:r>
+          </a:p>
+          <a:p>
+            <a:pPr marL="0" marR="0" lvl="0" indent="0" algn="l" defTabSz="914400" rtl="0" eaLnBrk="0" fontAlgn="base" latinLnBrk="0" hangingPunct="0">
+              <a:lnSpc>
+                <a:spcPct val="100000"/>
+              </a:lnSpc>
+              <a:spcBef>
+                <a:spcPct val="0"/>
+              </a:spcBef>
+              <a:spcAft>
+                <a:spcPct val="0"/>
+              </a:spcAft>
+              <a:buClrTx/>
+              <a:buSzTx/>
+              <a:buFontTx/>
+              <a:buNone/>
+              <a:tabLst/>
+            </a:pPr>
+            <a:endParaRPr kumimoji="0" lang="en-US" altLang="en-US" sz="1200" b="0" i="0" u="none" strike="noStrike" cap="none" normalizeH="0" baseline="0" dirty="0" smtClean="0">
+              <a:ln>
+                <a:noFill/>
+              </a:ln>
+              <a:solidFill>
+                <a:srgbClr val="506784"/>
+              </a:solidFill>
+              <a:effectLst/>
+              <a:latin typeface="Open Sans"/>
+            </a:endParaRPr>
+          </a:p>
+          <a:p>
+            <a:pPr marL="0" marR="0" lvl="0" indent="0" algn="l" defTabSz="914400" rtl="0" eaLnBrk="0" fontAlgn="base" latinLnBrk="0" hangingPunct="0">
+              <a:lnSpc>
+                <a:spcPct val="100000"/>
+              </a:lnSpc>
+              <a:spcBef>
+                <a:spcPct val="0"/>
+              </a:spcBef>
+              <a:spcAft>
+                <a:spcPct val="0"/>
+              </a:spcAft>
+              <a:buClrTx/>
+              <a:buSzTx/>
+              <a:buFontTx/>
+              <a:buNone/>
+              <a:tabLst/>
+            </a:pPr>
+            <a:r>
+              <a:rPr kumimoji="0" lang="en-US" altLang="en-US" sz="1200" b="0" i="0" u="none" strike="noStrike" cap="none" normalizeH="0" baseline="0" dirty="0" smtClean="0">
+                <a:ln>
+                  <a:noFill/>
+                </a:ln>
+                <a:solidFill>
+                  <a:srgbClr val="506784"/>
+                </a:solidFill>
+                <a:effectLst/>
+                <a:latin typeface="Open Sans"/>
+              </a:rPr>
+              <a:t>This separation is required to avoid circular imports: the files containing the callback definitions require access to the </a:t>
+            </a:r>
+          </a:p>
+          <a:p>
+            <a:pPr marL="0" marR="0" lvl="0" indent="0" algn="l" defTabSz="914400" rtl="0" eaLnBrk="0" fontAlgn="base" latinLnBrk="0" hangingPunct="0">
+              <a:lnSpc>
+                <a:spcPct val="100000"/>
+              </a:lnSpc>
+              <a:spcBef>
+                <a:spcPct val="0"/>
+              </a:spcBef>
+              <a:spcAft>
+                <a:spcPct val="0"/>
+              </a:spcAft>
+              <a:buClrTx/>
+              <a:buSzTx/>
+              <a:buFontTx/>
+              <a:buNone/>
+              <a:tabLst/>
+            </a:pPr>
+            <a:endParaRPr lang="en-US" altLang="en-US" sz="1200" dirty="0">
+              <a:solidFill>
+                <a:srgbClr val="506784"/>
+              </a:solidFill>
+              <a:latin typeface="Open Sans"/>
+            </a:endParaRPr>
+          </a:p>
+          <a:p>
+            <a:pPr marL="0" marR="0" lvl="0" indent="0" algn="l" defTabSz="914400" rtl="0" eaLnBrk="0" fontAlgn="base" latinLnBrk="0" hangingPunct="0">
+              <a:lnSpc>
+                <a:spcPct val="100000"/>
+              </a:lnSpc>
+              <a:spcBef>
+                <a:spcPct val="0"/>
+              </a:spcBef>
+              <a:spcAft>
+                <a:spcPct val="0"/>
+              </a:spcAft>
+              <a:buClrTx/>
+              <a:buSzTx/>
+              <a:buFontTx/>
+              <a:buNone/>
+              <a:tabLst/>
+            </a:pPr>
+            <a:r>
+              <a:rPr kumimoji="0" lang="en-US" altLang="en-US" sz="1200" b="0" i="0" u="none" strike="noStrike" cap="none" normalizeH="0" baseline="0" dirty="0" smtClean="0">
+                <a:ln>
+                  <a:noFill/>
+                </a:ln>
+                <a:solidFill>
+                  <a:srgbClr val="506784"/>
+                </a:solidFill>
+                <a:effectLst/>
+                <a:latin typeface="Open Sans"/>
+              </a:rPr>
+              <a:t>Dash </a:t>
+            </a:r>
+            <a:r>
+              <a:rPr kumimoji="0" lang="en-US" altLang="en-US" sz="900" b="0" i="0" u="none" strike="noStrike" cap="none" normalizeH="0" baseline="0" dirty="0" smtClean="0">
+                <a:ln>
+                  <a:noFill/>
+                </a:ln>
+                <a:solidFill>
+                  <a:srgbClr val="506784"/>
+                </a:solidFill>
+                <a:effectLst/>
+                <a:latin typeface="Arial Unicode MS"/>
+              </a:rPr>
+              <a:t>app</a:t>
+            </a:r>
+            <a:r>
+              <a:rPr kumimoji="0" lang="en-US" altLang="en-US" sz="1200" b="0" i="0" u="none" strike="noStrike" cap="none" normalizeH="0" baseline="0" dirty="0" smtClean="0">
+                <a:ln>
+                  <a:noFill/>
+                </a:ln>
+                <a:solidFill>
+                  <a:srgbClr val="506784"/>
+                </a:solidFill>
+                <a:effectLst/>
+                <a:latin typeface="Open Sans"/>
+              </a:rPr>
+              <a:t> instance however if this were imported from </a:t>
+            </a:r>
+            <a:r>
+              <a:rPr kumimoji="0" lang="en-US" altLang="en-US" sz="900" b="0" i="0" u="none" strike="noStrike" cap="none" normalizeH="0" baseline="0" dirty="0" smtClean="0">
+                <a:ln>
+                  <a:noFill/>
+                </a:ln>
+                <a:solidFill>
+                  <a:srgbClr val="506784"/>
+                </a:solidFill>
+                <a:effectLst/>
+                <a:latin typeface="Arial Unicode MS"/>
+              </a:rPr>
+              <a:t>index.py</a:t>
+            </a:r>
+            <a:r>
+              <a:rPr kumimoji="0" lang="en-US" altLang="en-US" sz="1200" b="0" i="0" u="none" strike="noStrike" cap="none" normalizeH="0" baseline="0" dirty="0" smtClean="0">
+                <a:ln>
+                  <a:noFill/>
+                </a:ln>
+                <a:solidFill>
+                  <a:srgbClr val="506784"/>
+                </a:solidFill>
+                <a:effectLst/>
+                <a:latin typeface="Open Sans"/>
+              </a:rPr>
+              <a:t>, the initial loading of </a:t>
+            </a:r>
+            <a:r>
+              <a:rPr kumimoji="0" lang="en-US" altLang="en-US" sz="900" b="0" i="0" u="none" strike="noStrike" cap="none" normalizeH="0" baseline="0" dirty="0" smtClean="0">
+                <a:ln>
+                  <a:noFill/>
+                </a:ln>
+                <a:solidFill>
+                  <a:srgbClr val="506784"/>
+                </a:solidFill>
+                <a:effectLst/>
+                <a:latin typeface="Arial Unicode MS"/>
+              </a:rPr>
+              <a:t>index.py</a:t>
+            </a:r>
+            <a:r>
+              <a:rPr kumimoji="0" lang="en-US" altLang="en-US" sz="1200" b="0" i="0" u="none" strike="noStrike" cap="none" normalizeH="0" baseline="0" dirty="0" smtClean="0">
+                <a:ln>
+                  <a:noFill/>
+                </a:ln>
+                <a:solidFill>
+                  <a:srgbClr val="506784"/>
+                </a:solidFill>
+                <a:effectLst/>
+                <a:latin typeface="Open Sans"/>
+              </a:rPr>
+              <a:t> </a:t>
+            </a:r>
+          </a:p>
+          <a:p>
+            <a:pPr marL="0" marR="0" lvl="0" indent="0" algn="l" defTabSz="914400" rtl="0" eaLnBrk="0" fontAlgn="base" latinLnBrk="0" hangingPunct="0">
+              <a:lnSpc>
+                <a:spcPct val="100000"/>
+              </a:lnSpc>
+              <a:spcBef>
+                <a:spcPct val="0"/>
+              </a:spcBef>
+              <a:spcAft>
+                <a:spcPct val="0"/>
+              </a:spcAft>
+              <a:buClrTx/>
+              <a:buSzTx/>
+              <a:buFontTx/>
+              <a:buNone/>
+              <a:tabLst/>
+            </a:pPr>
+            <a:endParaRPr kumimoji="0" lang="en-US" altLang="en-US" sz="1200" b="0" i="0" u="none" strike="noStrike" cap="none" normalizeH="0" baseline="0" dirty="0" smtClean="0">
+              <a:ln>
+                <a:noFill/>
+              </a:ln>
+              <a:solidFill>
+                <a:srgbClr val="506784"/>
+              </a:solidFill>
+              <a:effectLst/>
+              <a:latin typeface="Open Sans"/>
+            </a:endParaRPr>
+          </a:p>
+          <a:p>
+            <a:pPr marL="0" marR="0" lvl="0" indent="0" algn="l" defTabSz="914400" rtl="0" eaLnBrk="0" fontAlgn="base" latinLnBrk="0" hangingPunct="0">
+              <a:lnSpc>
+                <a:spcPct val="100000"/>
+              </a:lnSpc>
+              <a:spcBef>
+                <a:spcPct val="0"/>
+              </a:spcBef>
+              <a:spcAft>
+                <a:spcPct val="0"/>
+              </a:spcAft>
+              <a:buClrTx/>
+              <a:buSzTx/>
+              <a:buFontTx/>
+              <a:buNone/>
+              <a:tabLst/>
+            </a:pPr>
+            <a:r>
+              <a:rPr kumimoji="0" lang="en-US" altLang="en-US" sz="1200" b="0" i="0" u="none" strike="noStrike" cap="none" normalizeH="0" baseline="0" dirty="0" smtClean="0">
+                <a:ln>
+                  <a:noFill/>
+                </a:ln>
+                <a:solidFill>
+                  <a:srgbClr val="506784"/>
+                </a:solidFill>
+                <a:effectLst/>
+                <a:latin typeface="Open Sans"/>
+              </a:rPr>
+              <a:t>would ultimately require itself to be already imported, which cannot be satisfied.</a:t>
+            </a:r>
+            <a:r>
+              <a:rPr kumimoji="0" lang="en-US" altLang="en-US" sz="600" b="0" i="0" u="none" strike="noStrike" cap="none" normalizeH="0" baseline="0" dirty="0" smtClean="0">
+                <a:ln>
+                  <a:noFill/>
+                </a:ln>
+                <a:solidFill>
+                  <a:schemeClr val="tx1"/>
+                </a:solidFill>
+                <a:effectLst/>
+              </a:rPr>
+              <a:t> </a:t>
+            </a:r>
+          </a:p>
+          <a:p>
+            <a:pPr marL="0" marR="0" lvl="0" indent="0" algn="l" defTabSz="914400" rtl="0" eaLnBrk="0" fontAlgn="base" latinLnBrk="0" hangingPunct="0">
+              <a:lnSpc>
+                <a:spcPct val="100000"/>
+              </a:lnSpc>
+              <a:spcBef>
+                <a:spcPct val="0"/>
+              </a:spcBef>
+              <a:spcAft>
+                <a:spcPct val="0"/>
+              </a:spcAft>
+              <a:buClrTx/>
+              <a:buSzTx/>
+              <a:buFontTx/>
+              <a:buNone/>
+              <a:tabLst/>
+            </a:pPr>
+            <a:endParaRPr lang="en-US" altLang="en-US" sz="600" dirty="0">
+              <a:latin typeface="Arial" panose="020B0604020202020204" pitchFamily="34" charset="0"/>
+            </a:endParaRPr>
+          </a:p>
+          <a:p>
+            <a:pPr marL="0" marR="0" lvl="0" indent="0" algn="l" defTabSz="914400" rtl="0" eaLnBrk="0" fontAlgn="base" latinLnBrk="0" hangingPunct="0">
+              <a:lnSpc>
+                <a:spcPct val="100000"/>
+              </a:lnSpc>
+              <a:spcBef>
+                <a:spcPct val="0"/>
+              </a:spcBef>
+              <a:spcAft>
+                <a:spcPct val="0"/>
+              </a:spcAft>
+              <a:buClrTx/>
+              <a:buSzTx/>
+              <a:buFontTx/>
+              <a:buNone/>
+              <a:tabLst/>
+            </a:pPr>
+            <a:endParaRPr kumimoji="0" lang="en-US" altLang="en-US" sz="600" b="0" i="0" u="none" strike="noStrike" cap="none" normalizeH="0" baseline="0" dirty="0" smtClean="0">
+              <a:ln>
+                <a:noFill/>
+              </a:ln>
+              <a:solidFill>
+                <a:schemeClr val="tx1"/>
+              </a:solidFill>
+              <a:effectLst/>
+            </a:endParaRPr>
+          </a:p>
+          <a:p>
+            <a:pPr marL="0" marR="0" lvl="0" indent="0" algn="l" defTabSz="914400" rtl="0" eaLnBrk="0" fontAlgn="base" latinLnBrk="0" hangingPunct="0">
+              <a:lnSpc>
+                <a:spcPct val="100000"/>
+              </a:lnSpc>
+              <a:spcBef>
+                <a:spcPct val="0"/>
+              </a:spcBef>
+              <a:spcAft>
+                <a:spcPct val="0"/>
+              </a:spcAft>
+              <a:buClrTx/>
+              <a:buSzTx/>
+              <a:buFontTx/>
+              <a:buNone/>
+              <a:tabLst/>
+            </a:pPr>
+            <a:endParaRPr lang="en-US" altLang="en-US" sz="600" dirty="0">
+              <a:latin typeface="Arial" panose="020B0604020202020204" pitchFamily="34" charset="0"/>
+            </a:endParaRPr>
+          </a:p>
+          <a:p>
+            <a:pPr marL="0" marR="0" lvl="0" indent="0" algn="l" defTabSz="914400" rtl="0" eaLnBrk="0" fontAlgn="base" latinLnBrk="0" hangingPunct="0">
+              <a:lnSpc>
+                <a:spcPct val="100000"/>
+              </a:lnSpc>
+              <a:spcBef>
+                <a:spcPct val="0"/>
+              </a:spcBef>
+              <a:spcAft>
+                <a:spcPct val="0"/>
+              </a:spcAft>
+              <a:buClrTx/>
+              <a:buSzTx/>
+              <a:buFontTx/>
+              <a:buNone/>
+              <a:tabLst/>
+            </a:pPr>
+            <a:endParaRPr kumimoji="0" lang="en-US" altLang="en-US" sz="600" b="0" i="0" u="none" strike="noStrike" cap="none" normalizeH="0" baseline="0" dirty="0" smtClean="0">
+              <a:ln>
+                <a:noFill/>
+              </a:ln>
+              <a:solidFill>
+                <a:schemeClr val="tx1"/>
+              </a:solidFill>
+              <a:effectLst/>
+            </a:endParaRPr>
+          </a:p>
+          <a:p>
+            <a:pPr marL="0" marR="0" lvl="0" indent="0" algn="l" defTabSz="914400" rtl="0" eaLnBrk="0" fontAlgn="base" latinLnBrk="0" hangingPunct="0">
+              <a:lnSpc>
+                <a:spcPct val="100000"/>
+              </a:lnSpc>
+              <a:spcBef>
+                <a:spcPct val="0"/>
+              </a:spcBef>
+              <a:spcAft>
+                <a:spcPct val="0"/>
+              </a:spcAft>
+              <a:buClrTx/>
+              <a:buSzTx/>
+              <a:buFontTx/>
+              <a:buNone/>
+              <a:tabLst/>
+            </a:pPr>
+            <a:endParaRPr lang="en-US" altLang="en-US" sz="600" dirty="0">
+              <a:latin typeface="Arial" panose="020B0604020202020204" pitchFamily="34" charset="0"/>
+            </a:endParaRPr>
+          </a:p>
+          <a:p>
+            <a:pPr marL="0" marR="0" lvl="0" indent="0" algn="l" defTabSz="914400" rtl="0" eaLnBrk="0" fontAlgn="base" latinLnBrk="0" hangingPunct="0">
+              <a:lnSpc>
+                <a:spcPct val="100000"/>
+              </a:lnSpc>
+              <a:spcBef>
+                <a:spcPct val="0"/>
+              </a:spcBef>
+              <a:spcAft>
+                <a:spcPct val="0"/>
+              </a:spcAft>
+              <a:buClrTx/>
+              <a:buSzTx/>
+              <a:buFontTx/>
+              <a:buNone/>
+              <a:tabLst/>
+            </a:pPr>
+            <a:endParaRPr kumimoji="0" lang="en-US" altLang="en-US" sz="600" b="0" i="0" u="none" strike="noStrike" cap="none" normalizeH="0" baseline="0" dirty="0" smtClean="0">
+              <a:ln>
+                <a:noFill/>
+              </a:ln>
+              <a:solidFill>
+                <a:schemeClr val="tx1"/>
+              </a:solidFill>
+              <a:effectLst/>
+            </a:endParaRPr>
+          </a:p>
+          <a:p>
+            <a:pPr marL="0" marR="0" lvl="0" indent="0" algn="l" defTabSz="914400" rtl="0" eaLnBrk="0" fontAlgn="base" latinLnBrk="0" hangingPunct="0">
+              <a:lnSpc>
+                <a:spcPct val="100000"/>
+              </a:lnSpc>
+              <a:spcBef>
+                <a:spcPct val="0"/>
+              </a:spcBef>
+              <a:spcAft>
+                <a:spcPct val="0"/>
+              </a:spcAft>
+              <a:buClrTx/>
+              <a:buSzTx/>
+              <a:buFontTx/>
+              <a:buNone/>
+              <a:tabLst/>
+            </a:pPr>
+            <a:endParaRPr lang="en-US" altLang="en-US" sz="600" dirty="0">
+              <a:latin typeface="Arial" panose="020B0604020202020204" pitchFamily="34" charset="0"/>
+            </a:endParaRPr>
+          </a:p>
+          <a:p>
+            <a:pPr marL="0" marR="0" lvl="0" indent="0" algn="l" defTabSz="914400" rtl="0" eaLnBrk="0" fontAlgn="base" latinLnBrk="0" hangingPunct="0">
+              <a:lnSpc>
+                <a:spcPct val="100000"/>
+              </a:lnSpc>
+              <a:spcBef>
+                <a:spcPct val="0"/>
+              </a:spcBef>
+              <a:spcAft>
+                <a:spcPct val="0"/>
+              </a:spcAft>
+              <a:buClrTx/>
+              <a:buSzTx/>
+              <a:buFontTx/>
+              <a:buNone/>
+              <a:tabLst/>
+            </a:pPr>
+            <a:endParaRPr kumimoji="0" lang="en-US" altLang="en-US" sz="600" b="0" i="0" u="none" strike="noStrike" cap="none" normalizeH="0" baseline="0" dirty="0" smtClean="0">
+              <a:ln>
+                <a:noFill/>
+              </a:ln>
+              <a:solidFill>
+                <a:schemeClr val="tx1"/>
+              </a:solidFill>
+              <a:effectLst/>
+            </a:endParaRPr>
+          </a:p>
+          <a:p>
+            <a:pPr marL="0" marR="0" lvl="0" indent="0" algn="l" defTabSz="914400" rtl="0" eaLnBrk="0" fontAlgn="base" latinLnBrk="0" hangingPunct="0">
+              <a:lnSpc>
+                <a:spcPct val="100000"/>
+              </a:lnSpc>
+              <a:spcBef>
+                <a:spcPct val="0"/>
+              </a:spcBef>
+              <a:spcAft>
+                <a:spcPct val="0"/>
+              </a:spcAft>
+              <a:buClrTx/>
+              <a:buSzTx/>
+              <a:buFontTx/>
+              <a:buNone/>
+              <a:tabLst/>
+            </a:pPr>
+            <a:endParaRPr lang="en-US" altLang="en-US" sz="600" dirty="0">
+              <a:latin typeface="Arial" panose="020B0604020202020204" pitchFamily="34" charset="0"/>
+            </a:endParaRPr>
+          </a:p>
+          <a:p>
+            <a:pPr marL="0" marR="0" lvl="0" indent="0" algn="l" defTabSz="914400" rtl="0" eaLnBrk="0" fontAlgn="base" latinLnBrk="0" hangingPunct="0">
+              <a:lnSpc>
+                <a:spcPct val="100000"/>
+              </a:lnSpc>
+              <a:spcBef>
+                <a:spcPct val="0"/>
+              </a:spcBef>
+              <a:spcAft>
+                <a:spcPct val="0"/>
+              </a:spcAft>
+              <a:buClrTx/>
+              <a:buSzTx/>
+              <a:buFontTx/>
+              <a:buNone/>
+              <a:tabLst/>
+            </a:pPr>
+            <a:endParaRPr kumimoji="0" lang="en-US" altLang="en-US" sz="600" b="0" i="0" u="none" strike="noStrike" cap="none" normalizeH="0" baseline="0" dirty="0" smtClean="0">
+              <a:ln>
+                <a:noFill/>
+              </a:ln>
+              <a:solidFill>
+                <a:schemeClr val="tx1"/>
+              </a:solidFill>
+              <a:effectLst/>
+            </a:endParaRPr>
+          </a:p>
+          <a:p>
+            <a:pPr marL="0" marR="0" lvl="0" indent="0" algn="l" defTabSz="914400" rtl="0" eaLnBrk="0" fontAlgn="base" latinLnBrk="0" hangingPunct="0">
+              <a:lnSpc>
+                <a:spcPct val="100000"/>
+              </a:lnSpc>
+              <a:spcBef>
+                <a:spcPct val="0"/>
+              </a:spcBef>
+              <a:spcAft>
+                <a:spcPct val="0"/>
+              </a:spcAft>
+              <a:buClrTx/>
+              <a:buSzTx/>
+              <a:buFontTx/>
+              <a:buNone/>
+              <a:tabLst/>
+            </a:pPr>
+            <a:endParaRPr kumimoji="0" lang="en-US" altLang="en-US" sz="1800" b="0" i="0" u="none" strike="noStrike" cap="none" normalizeH="0" baseline="0" dirty="0" smtClean="0">
+              <a:ln>
+                <a:noFill/>
+              </a:ln>
+              <a:solidFill>
+                <a:schemeClr val="tx1"/>
+              </a:solidFill>
+              <a:effectLst/>
+              <a:latin typeface="Arial" panose="020B0604020202020204" pitchFamily="34" charset="0"/>
+            </a:endParaRPr>
+          </a:p>
+        </p:txBody>
+      </p:sp>
+    </p:spTree>
+    <p:extLst>
+      <p:ext uri="{BB962C8B-B14F-4D97-AF65-F5344CB8AC3E}">
+        <p14:creationId xmlns:p14="http://schemas.microsoft.com/office/powerpoint/2010/main" val="2525738183"/>
+      </p:ext>
+    </p:extLst>
+  </p:cSld>
+  <p:clrMapOvr>
+    <a:masterClrMapping/>
+  </p:clrMapOvr>
+</p:sld>
+</file>
+
+<file path=ppt/slides/slide8.xml><?xml version="1.0" encoding="utf-8"?>
 <p:sld xmlns:a="http://schemas.openxmlformats.org/drawingml/2006/main" xmlns:r="http://schemas.openxmlformats.org/officeDocument/2006/relationships" xmlns:p="http://schemas.openxmlformats.org/presentationml/2006/main">
   <p:cSld>
     <p:spTree>
@@ -6085,7 +9569,7 @@
 </p:sld>
 </file>
 
-<file path=ppt/slides/slide5.xml><?xml version="1.0" encoding="utf-8"?>
+<file path=ppt/slides/slide9.xml><?xml version="1.0" encoding="utf-8"?>
 <p:sld xmlns:a="http://schemas.openxmlformats.org/drawingml/2006/main" xmlns:r="http://schemas.openxmlformats.org/officeDocument/2006/relationships" xmlns:p="http://schemas.openxmlformats.org/presentationml/2006/main">
   <p:cSld>
     <p:spTree>
@@ -6217,502 +9701,6 @@
     <p:extLst>
       <p:ext uri="{BB962C8B-B14F-4D97-AF65-F5344CB8AC3E}">
         <p14:creationId xmlns:p14="http://schemas.microsoft.com/office/powerpoint/2010/main" val="2017165027"/>
-      </p:ext>
-    </p:extLst>
-  </p:cSld>
-  <p:clrMapOvr>
-    <a:masterClrMapping/>
-  </p:clrMapOvr>
-  <p:timing>
-    <p:tnLst>
-      <p:par>
-        <p:cTn id="1" dur="indefinite" restart="never" nodeType="tmRoot"/>
-      </p:par>
-    </p:tnLst>
-  </p:timing>
-</p:sld>
-</file>
-
-<file path=ppt/slides/slide6.xml><?xml version="1.0" encoding="utf-8"?>
-<p:sld xmlns:a="http://schemas.openxmlformats.org/drawingml/2006/main" xmlns:r="http://schemas.openxmlformats.org/officeDocument/2006/relationships" xmlns:p="http://schemas.openxmlformats.org/presentationml/2006/main">
-  <p:cSld>
-    <p:spTree>
-      <p:nvGrpSpPr>
-        <p:cNvPr id="1" name=""/>
-        <p:cNvGrpSpPr/>
-        <p:nvPr/>
-      </p:nvGrpSpPr>
-      <p:grpSpPr>
-        <a:xfrm>
-          <a:off x="0" y="0"/>
-          <a:ext cx="0" cy="0"/>
-          <a:chOff x="0" y="0"/>
-          <a:chExt cx="0" cy="0"/>
-        </a:xfrm>
-      </p:grpSpPr>
-      <p:sp>
-        <p:nvSpPr>
-          <p:cNvPr id="2" name="Text Placeholder 1"/>
-          <p:cNvSpPr>
-            <a:spLocks noGrp="1"/>
-          </p:cNvSpPr>
-          <p:nvPr>
-            <p:ph type="body" sz="quarter" idx="14"/>
-          </p:nvPr>
-        </p:nvSpPr>
-        <p:spPr/>
-        <p:txBody>
-          <a:bodyPr/>
-          <a:lstStyle/>
-          <a:p>
-            <a:endParaRPr lang="en-US"/>
-          </a:p>
-        </p:txBody>
-      </p:sp>
-      <p:sp>
-        <p:nvSpPr>
-          <p:cNvPr id="3" name="Text Placeholder 2"/>
-          <p:cNvSpPr>
-            <a:spLocks noGrp="1"/>
-          </p:cNvSpPr>
-          <p:nvPr>
-            <p:ph type="body" sz="quarter" idx="13"/>
-          </p:nvPr>
-        </p:nvSpPr>
-        <p:spPr/>
-        <p:txBody>
-          <a:bodyPr/>
-          <a:lstStyle/>
-          <a:p>
-            <a:endParaRPr lang="en-US"/>
-          </a:p>
-        </p:txBody>
-      </p:sp>
-      <p:sp>
-        <p:nvSpPr>
-          <p:cNvPr id="4" name="Title 3"/>
-          <p:cNvSpPr>
-            <a:spLocks noGrp="1"/>
-          </p:cNvSpPr>
-          <p:nvPr>
-            <p:ph type="title"/>
-          </p:nvPr>
-        </p:nvSpPr>
-        <p:spPr/>
-        <p:txBody>
-          <a:bodyPr/>
-          <a:lstStyle/>
-          <a:p>
-            <a:endParaRPr lang="en-US"/>
-          </a:p>
-        </p:txBody>
-      </p:sp>
-      <p:pic>
-        <p:nvPicPr>
-          <p:cNvPr id="5" name="Picture 4" descr="Screen Clipping"/>
-          <p:cNvPicPr>
-            <a:picLocks noChangeAspect="1"/>
-          </p:cNvPicPr>
-          <p:nvPr/>
-        </p:nvPicPr>
-        <p:blipFill>
-          <a:blip r:embed="rId2">
-            <a:extLst>
-              <a:ext uri="{28A0092B-C50C-407E-A947-70E740481C1C}">
-                <a14:useLocalDpi xmlns:a14="http://schemas.microsoft.com/office/drawing/2010/main" val="0"/>
-              </a:ext>
-            </a:extLst>
-          </a:blip>
-          <a:stretch>
-            <a:fillRect/>
-          </a:stretch>
-        </p:blipFill>
-        <p:spPr>
-          <a:xfrm>
-            <a:off x="0" y="0"/>
-            <a:ext cx="9144000" cy="6858000"/>
-          </a:xfrm>
-          <a:prstGeom prst="rect">
-            <a:avLst/>
-          </a:prstGeom>
-        </p:spPr>
-      </p:pic>
-    </p:spTree>
-    <p:extLst>
-      <p:ext uri="{BB962C8B-B14F-4D97-AF65-F5344CB8AC3E}">
-        <p14:creationId xmlns:p14="http://schemas.microsoft.com/office/powerpoint/2010/main" val="2467848603"/>
-      </p:ext>
-    </p:extLst>
-  </p:cSld>
-  <p:clrMapOvr>
-    <a:masterClrMapping/>
-  </p:clrMapOvr>
-  <p:timing>
-    <p:tnLst>
-      <p:par>
-        <p:cTn id="1" dur="indefinite" restart="never" nodeType="tmRoot"/>
-      </p:par>
-    </p:tnLst>
-  </p:timing>
-</p:sld>
-</file>
-
-<file path=ppt/slides/slide7.xml><?xml version="1.0" encoding="utf-8"?>
-<p:sld xmlns:a="http://schemas.openxmlformats.org/drawingml/2006/main" xmlns:r="http://schemas.openxmlformats.org/officeDocument/2006/relationships" xmlns:p="http://schemas.openxmlformats.org/presentationml/2006/main">
-  <p:cSld>
-    <p:spTree>
-      <p:nvGrpSpPr>
-        <p:cNvPr id="1" name=""/>
-        <p:cNvGrpSpPr/>
-        <p:nvPr/>
-      </p:nvGrpSpPr>
-      <p:grpSpPr>
-        <a:xfrm>
-          <a:off x="0" y="0"/>
-          <a:ext cx="0" cy="0"/>
-          <a:chOff x="0" y="0"/>
-          <a:chExt cx="0" cy="0"/>
-        </a:xfrm>
-      </p:grpSpPr>
-      <p:sp>
-        <p:nvSpPr>
-          <p:cNvPr id="2" name="Text Placeholder 1"/>
-          <p:cNvSpPr>
-            <a:spLocks noGrp="1"/>
-          </p:cNvSpPr>
-          <p:nvPr>
-            <p:ph type="body" sz="quarter" idx="14"/>
-          </p:nvPr>
-        </p:nvSpPr>
-        <p:spPr/>
-        <p:txBody>
-          <a:bodyPr/>
-          <a:lstStyle/>
-          <a:p>
-            <a:endParaRPr lang="en-US"/>
-          </a:p>
-        </p:txBody>
-      </p:sp>
-      <p:sp>
-        <p:nvSpPr>
-          <p:cNvPr id="3" name="Text Placeholder 2"/>
-          <p:cNvSpPr>
-            <a:spLocks noGrp="1"/>
-          </p:cNvSpPr>
-          <p:nvPr>
-            <p:ph type="body" sz="quarter" idx="13"/>
-          </p:nvPr>
-        </p:nvSpPr>
-        <p:spPr/>
-        <p:txBody>
-          <a:bodyPr/>
-          <a:lstStyle/>
-          <a:p>
-            <a:endParaRPr lang="en-US"/>
-          </a:p>
-        </p:txBody>
-      </p:sp>
-      <p:sp>
-        <p:nvSpPr>
-          <p:cNvPr id="4" name="Title 3"/>
-          <p:cNvSpPr>
-            <a:spLocks noGrp="1"/>
-          </p:cNvSpPr>
-          <p:nvPr>
-            <p:ph type="title"/>
-          </p:nvPr>
-        </p:nvSpPr>
-        <p:spPr/>
-        <p:txBody>
-          <a:bodyPr/>
-          <a:lstStyle/>
-          <a:p>
-            <a:endParaRPr lang="en-US"/>
-          </a:p>
-        </p:txBody>
-      </p:sp>
-      <p:pic>
-        <p:nvPicPr>
-          <p:cNvPr id="5" name="Picture 4" descr="Screen Clipping"/>
-          <p:cNvPicPr>
-            <a:picLocks noChangeAspect="1"/>
-          </p:cNvPicPr>
-          <p:nvPr/>
-        </p:nvPicPr>
-        <p:blipFill>
-          <a:blip r:embed="rId2">
-            <a:extLst>
-              <a:ext uri="{28A0092B-C50C-407E-A947-70E740481C1C}">
-                <a14:useLocalDpi xmlns:a14="http://schemas.microsoft.com/office/drawing/2010/main" val="0"/>
-              </a:ext>
-            </a:extLst>
-          </a:blip>
-          <a:stretch>
-            <a:fillRect/>
-          </a:stretch>
-        </p:blipFill>
-        <p:spPr>
-          <a:xfrm>
-            <a:off x="0" y="0"/>
-            <a:ext cx="9144000" cy="6857999"/>
-          </a:xfrm>
-          <a:prstGeom prst="rect">
-            <a:avLst/>
-          </a:prstGeom>
-        </p:spPr>
-      </p:pic>
-    </p:spTree>
-    <p:extLst>
-      <p:ext uri="{BB962C8B-B14F-4D97-AF65-F5344CB8AC3E}">
-        <p14:creationId xmlns:p14="http://schemas.microsoft.com/office/powerpoint/2010/main" val="869784362"/>
-      </p:ext>
-    </p:extLst>
-  </p:cSld>
-  <p:clrMapOvr>
-    <a:masterClrMapping/>
-  </p:clrMapOvr>
-  <p:timing>
-    <p:tnLst>
-      <p:par>
-        <p:cTn id="1" dur="indefinite" restart="never" nodeType="tmRoot"/>
-      </p:par>
-    </p:tnLst>
-  </p:timing>
-</p:sld>
-</file>
-
-<file path=ppt/slides/slide8.xml><?xml version="1.0" encoding="utf-8"?>
-<p:sld xmlns:a="http://schemas.openxmlformats.org/drawingml/2006/main" xmlns:r="http://schemas.openxmlformats.org/officeDocument/2006/relationships" xmlns:p="http://schemas.openxmlformats.org/presentationml/2006/main">
-  <p:cSld>
-    <p:spTree>
-      <p:nvGrpSpPr>
-        <p:cNvPr id="1" name=""/>
-        <p:cNvGrpSpPr/>
-        <p:nvPr/>
-      </p:nvGrpSpPr>
-      <p:grpSpPr>
-        <a:xfrm>
-          <a:off x="0" y="0"/>
-          <a:ext cx="0" cy="0"/>
-          <a:chOff x="0" y="0"/>
-          <a:chExt cx="0" cy="0"/>
-        </a:xfrm>
-      </p:grpSpPr>
-      <p:sp>
-        <p:nvSpPr>
-          <p:cNvPr id="2" name="Text Placeholder 1"/>
-          <p:cNvSpPr>
-            <a:spLocks noGrp="1"/>
-          </p:cNvSpPr>
-          <p:nvPr>
-            <p:ph type="body" sz="quarter" idx="14"/>
-          </p:nvPr>
-        </p:nvSpPr>
-        <p:spPr/>
-        <p:txBody>
-          <a:bodyPr/>
-          <a:lstStyle/>
-          <a:p>
-            <a:endParaRPr lang="en-US"/>
-          </a:p>
-        </p:txBody>
-      </p:sp>
-      <p:sp>
-        <p:nvSpPr>
-          <p:cNvPr id="3" name="Text Placeholder 2"/>
-          <p:cNvSpPr>
-            <a:spLocks noGrp="1"/>
-          </p:cNvSpPr>
-          <p:nvPr>
-            <p:ph type="body" sz="quarter" idx="13"/>
-          </p:nvPr>
-        </p:nvSpPr>
-        <p:spPr/>
-        <p:txBody>
-          <a:bodyPr/>
-          <a:lstStyle/>
-          <a:p>
-            <a:endParaRPr lang="en-US"/>
-          </a:p>
-        </p:txBody>
-      </p:sp>
-      <p:sp>
-        <p:nvSpPr>
-          <p:cNvPr id="4" name="Title 3"/>
-          <p:cNvSpPr>
-            <a:spLocks noGrp="1"/>
-          </p:cNvSpPr>
-          <p:nvPr>
-            <p:ph type="title"/>
-          </p:nvPr>
-        </p:nvSpPr>
-        <p:spPr/>
-        <p:txBody>
-          <a:bodyPr/>
-          <a:lstStyle/>
-          <a:p>
-            <a:endParaRPr lang="en-US"/>
-          </a:p>
-        </p:txBody>
-      </p:sp>
-      <p:pic>
-        <p:nvPicPr>
-          <p:cNvPr id="5" name="Picture 4" descr="Screen Clipping"/>
-          <p:cNvPicPr>
-            <a:picLocks noChangeAspect="1"/>
-          </p:cNvPicPr>
-          <p:nvPr/>
-        </p:nvPicPr>
-        <p:blipFill>
-          <a:blip r:embed="rId2">
-            <a:extLst>
-              <a:ext uri="{28A0092B-C50C-407E-A947-70E740481C1C}">
-                <a14:useLocalDpi xmlns:a14="http://schemas.microsoft.com/office/drawing/2010/main" val="0"/>
-              </a:ext>
-            </a:extLst>
-          </a:blip>
-          <a:stretch>
-            <a:fillRect/>
-          </a:stretch>
-        </p:blipFill>
-        <p:spPr>
-          <a:xfrm>
-            <a:off x="0" y="0"/>
-            <a:ext cx="9144000" cy="6857999"/>
-          </a:xfrm>
-          <a:prstGeom prst="rect">
-            <a:avLst/>
-          </a:prstGeom>
-        </p:spPr>
-      </p:pic>
-    </p:spTree>
-    <p:extLst>
-      <p:ext uri="{BB962C8B-B14F-4D97-AF65-F5344CB8AC3E}">
-        <p14:creationId xmlns:p14="http://schemas.microsoft.com/office/powerpoint/2010/main" val="3674566202"/>
-      </p:ext>
-    </p:extLst>
-  </p:cSld>
-  <p:clrMapOvr>
-    <a:masterClrMapping/>
-  </p:clrMapOvr>
-  <p:timing>
-    <p:tnLst>
-      <p:par>
-        <p:cTn id="1" dur="indefinite" restart="never" nodeType="tmRoot"/>
-      </p:par>
-    </p:tnLst>
-  </p:timing>
-</p:sld>
-</file>
-
-<file path=ppt/slides/slide9.xml><?xml version="1.0" encoding="utf-8"?>
-<p:sld xmlns:a="http://schemas.openxmlformats.org/drawingml/2006/main" xmlns:r="http://schemas.openxmlformats.org/officeDocument/2006/relationships" xmlns:p="http://schemas.openxmlformats.org/presentationml/2006/main">
-  <p:cSld>
-    <p:spTree>
-      <p:nvGrpSpPr>
-        <p:cNvPr id="1" name=""/>
-        <p:cNvGrpSpPr/>
-        <p:nvPr/>
-      </p:nvGrpSpPr>
-      <p:grpSpPr>
-        <a:xfrm>
-          <a:off x="0" y="0"/>
-          <a:ext cx="0" cy="0"/>
-          <a:chOff x="0" y="0"/>
-          <a:chExt cx="0" cy="0"/>
-        </a:xfrm>
-      </p:grpSpPr>
-      <p:sp>
-        <p:nvSpPr>
-          <p:cNvPr id="2" name="Text Placeholder 1"/>
-          <p:cNvSpPr>
-            <a:spLocks noGrp="1"/>
-          </p:cNvSpPr>
-          <p:nvPr>
-            <p:ph type="body" sz="quarter" idx="14"/>
-          </p:nvPr>
-        </p:nvSpPr>
-        <p:spPr/>
-        <p:txBody>
-          <a:bodyPr/>
-          <a:lstStyle/>
-          <a:p>
-            <a:endParaRPr lang="en-US"/>
-          </a:p>
-        </p:txBody>
-      </p:sp>
-      <p:sp>
-        <p:nvSpPr>
-          <p:cNvPr id="3" name="Text Placeholder 2"/>
-          <p:cNvSpPr>
-            <a:spLocks noGrp="1"/>
-          </p:cNvSpPr>
-          <p:nvPr>
-            <p:ph type="body" sz="quarter" idx="13"/>
-          </p:nvPr>
-        </p:nvSpPr>
-        <p:spPr/>
-        <p:txBody>
-          <a:bodyPr/>
-          <a:lstStyle/>
-          <a:p>
-            <a:endParaRPr lang="en-US"/>
-          </a:p>
-        </p:txBody>
-      </p:sp>
-      <p:sp>
-        <p:nvSpPr>
-          <p:cNvPr id="4" name="Title 3"/>
-          <p:cNvSpPr>
-            <a:spLocks noGrp="1"/>
-          </p:cNvSpPr>
-          <p:nvPr>
-            <p:ph type="title"/>
-          </p:nvPr>
-        </p:nvSpPr>
-        <p:spPr/>
-        <p:txBody>
-          <a:bodyPr/>
-          <a:lstStyle/>
-          <a:p>
-            <a:endParaRPr lang="en-US"/>
-          </a:p>
-        </p:txBody>
-      </p:sp>
-      <p:pic>
-        <p:nvPicPr>
-          <p:cNvPr id="5" name="Picture 4" descr="Screen Clipping"/>
-          <p:cNvPicPr>
-            <a:picLocks noChangeAspect="1"/>
-          </p:cNvPicPr>
-          <p:nvPr/>
-        </p:nvPicPr>
-        <p:blipFill>
-          <a:blip r:embed="rId2">
-            <a:extLst>
-              <a:ext uri="{28A0092B-C50C-407E-A947-70E740481C1C}">
-                <a14:useLocalDpi xmlns:a14="http://schemas.microsoft.com/office/drawing/2010/main" val="0"/>
-              </a:ext>
-            </a:extLst>
-          </a:blip>
-          <a:stretch>
-            <a:fillRect/>
-          </a:stretch>
-        </p:blipFill>
-        <p:spPr>
-          <a:xfrm>
-            <a:off x="0" y="0"/>
-            <a:ext cx="9144000" cy="6858000"/>
-          </a:xfrm>
-          <a:prstGeom prst="rect">
-            <a:avLst/>
-          </a:prstGeom>
-        </p:spPr>
-      </p:pic>
-    </p:spTree>
-    <p:extLst>
-      <p:ext uri="{BB962C8B-B14F-4D97-AF65-F5344CB8AC3E}">
-        <p14:creationId xmlns:p14="http://schemas.microsoft.com/office/powerpoint/2010/main" val="1273004193"/>
       </p:ext>
     </p:extLst>
   </p:cSld>

--- a/PlotlyDashboard.pptx
+++ b/PlotlyDashboard.pptx
@@ -7,28 +7,29 @@
   <p:sldIdLst>
     <p:sldId id="267" r:id="rId2"/>
     <p:sldId id="265" r:id="rId3"/>
-    <p:sldId id="269" r:id="rId4"/>
-    <p:sldId id="287" r:id="rId5"/>
-    <p:sldId id="288" r:id="rId6"/>
-    <p:sldId id="289" r:id="rId7"/>
-    <p:sldId id="290" r:id="rId8"/>
-    <p:sldId id="270" r:id="rId9"/>
-    <p:sldId id="271" r:id="rId10"/>
-    <p:sldId id="272" r:id="rId11"/>
-    <p:sldId id="273" r:id="rId12"/>
-    <p:sldId id="274" r:id="rId13"/>
-    <p:sldId id="275" r:id="rId14"/>
-    <p:sldId id="276" r:id="rId15"/>
-    <p:sldId id="277" r:id="rId16"/>
-    <p:sldId id="278" r:id="rId17"/>
-    <p:sldId id="279" r:id="rId18"/>
-    <p:sldId id="280" r:id="rId19"/>
-    <p:sldId id="281" r:id="rId20"/>
-    <p:sldId id="282" r:id="rId21"/>
-    <p:sldId id="283" r:id="rId22"/>
-    <p:sldId id="284" r:id="rId23"/>
-    <p:sldId id="286" r:id="rId24"/>
-    <p:sldId id="285" r:id="rId25"/>
+    <p:sldId id="291" r:id="rId4"/>
+    <p:sldId id="295" r:id="rId5"/>
+    <p:sldId id="269" r:id="rId6"/>
+    <p:sldId id="287" r:id="rId7"/>
+    <p:sldId id="288" r:id="rId8"/>
+    <p:sldId id="289" r:id="rId9"/>
+    <p:sldId id="296" r:id="rId10"/>
+    <p:sldId id="297" r:id="rId11"/>
+    <p:sldId id="298" r:id="rId12"/>
+    <p:sldId id="299" r:id="rId13"/>
+    <p:sldId id="290" r:id="rId14"/>
+    <p:sldId id="270" r:id="rId15"/>
+    <p:sldId id="271" r:id="rId16"/>
+    <p:sldId id="275" r:id="rId17"/>
+    <p:sldId id="276" r:id="rId18"/>
+    <p:sldId id="277" r:id="rId19"/>
+    <p:sldId id="278" r:id="rId20"/>
+    <p:sldId id="280" r:id="rId21"/>
+    <p:sldId id="281" r:id="rId22"/>
+    <p:sldId id="283" r:id="rId23"/>
+    <p:sldId id="292" r:id="rId24"/>
+    <p:sldId id="293" r:id="rId25"/>
+    <p:sldId id="294" r:id="rId26"/>
   </p:sldIdLst>
   <p:sldSz cx="9144000" cy="6858000" type="screen4x3"/>
   <p:notesSz cx="6858000" cy="9144000"/>
@@ -328,7 +329,7 @@
             <a:fld id="{1D8BD707-D9CF-40AE-B4C6-C98DA3205C09}" type="datetimeFigureOut">
               <a:rPr lang="en-US" smtClean="0"/>
               <a:pPr/>
-              <a:t>6/7/2019</a:t>
+              <a:t>9/17/2019</a:t>
             </a:fld>
             <a:endParaRPr lang="en-US"/>
           </a:p>
@@ -495,7 +496,7 @@
             <a:fld id="{1D8BD707-D9CF-40AE-B4C6-C98DA3205C09}" type="datetimeFigureOut">
               <a:rPr lang="en-US" smtClean="0"/>
               <a:pPr/>
-              <a:t>6/7/2019</a:t>
+              <a:t>9/17/2019</a:t>
             </a:fld>
             <a:endParaRPr lang="en-US"/>
           </a:p>
@@ -672,7 +673,7 @@
             <a:fld id="{1D8BD707-D9CF-40AE-B4C6-C98DA3205C09}" type="datetimeFigureOut">
               <a:rPr lang="en-US" smtClean="0"/>
               <a:pPr/>
-              <a:t>6/7/2019</a:t>
+              <a:t>9/17/2019</a:t>
             </a:fld>
             <a:endParaRPr lang="en-US"/>
           </a:p>
@@ -1003,7 +1004,7 @@
           <a:p>
             <a:fld id="{5F5C7AA8-AF19-4FCF-98FD-FB8AFEA87A63}" type="datetime4">
               <a:rPr lang="en-US" smtClean="0"/>
-              <a:t>June 7, 2019</a:t>
+              <a:t>September 17, 2019</a:t>
             </a:fld>
             <a:endParaRPr lang="de-DE"/>
           </a:p>
@@ -1465,7 +1466,7 @@
           <a:p>
             <a:fld id="{7299A5CA-AD6E-4AA7-8DB6-450461B77045}" type="datetime4">
               <a:rPr lang="en-US" smtClean="0"/>
-              <a:t>June 7, 2019</a:t>
+              <a:t>September 17, 2019</a:t>
             </a:fld>
             <a:endParaRPr lang="de-DE"/>
           </a:p>
@@ -1807,7 +1808,7 @@
             <a:fld id="{1D8BD707-D9CF-40AE-B4C6-C98DA3205C09}" type="datetimeFigureOut">
               <a:rPr lang="en-US" smtClean="0"/>
               <a:pPr/>
-              <a:t>6/7/2019</a:t>
+              <a:t>9/17/2019</a:t>
             </a:fld>
             <a:endParaRPr lang="en-US"/>
           </a:p>
@@ -2050,7 +2051,7 @@
             <a:fld id="{1D8BD707-D9CF-40AE-B4C6-C98DA3205C09}" type="datetimeFigureOut">
               <a:rPr lang="en-US" smtClean="0"/>
               <a:pPr/>
-              <a:t>6/7/2019</a:t>
+              <a:t>9/17/2019</a:t>
             </a:fld>
             <a:endParaRPr lang="en-US"/>
           </a:p>
@@ -2335,7 +2336,7 @@
             <a:fld id="{1D8BD707-D9CF-40AE-B4C6-C98DA3205C09}" type="datetimeFigureOut">
               <a:rPr lang="en-US" smtClean="0"/>
               <a:pPr/>
-              <a:t>6/7/2019</a:t>
+              <a:t>9/17/2019</a:t>
             </a:fld>
             <a:endParaRPr lang="en-US"/>
           </a:p>
@@ -2754,7 +2755,7 @@
             <a:fld id="{1D8BD707-D9CF-40AE-B4C6-C98DA3205C09}" type="datetimeFigureOut">
               <a:rPr lang="en-US" smtClean="0"/>
               <a:pPr/>
-              <a:t>6/7/2019</a:t>
+              <a:t>9/17/2019</a:t>
             </a:fld>
             <a:endParaRPr lang="en-US"/>
           </a:p>
@@ -2869,7 +2870,7 @@
             <a:fld id="{1D8BD707-D9CF-40AE-B4C6-C98DA3205C09}" type="datetimeFigureOut">
               <a:rPr lang="en-US" smtClean="0"/>
               <a:pPr/>
-              <a:t>6/7/2019</a:t>
+              <a:t>9/17/2019</a:t>
             </a:fld>
             <a:endParaRPr lang="en-US"/>
           </a:p>
@@ -2961,7 +2962,7 @@
             <a:fld id="{1D8BD707-D9CF-40AE-B4C6-C98DA3205C09}" type="datetimeFigureOut">
               <a:rPr lang="en-US" smtClean="0"/>
               <a:pPr/>
-              <a:t>6/7/2019</a:t>
+              <a:t>9/17/2019</a:t>
             </a:fld>
             <a:endParaRPr lang="en-US"/>
           </a:p>
@@ -3235,7 +3236,7 @@
             <a:fld id="{1D8BD707-D9CF-40AE-B4C6-C98DA3205C09}" type="datetimeFigureOut">
               <a:rPr lang="en-US" smtClean="0"/>
               <a:pPr/>
-              <a:t>6/7/2019</a:t>
+              <a:t>9/17/2019</a:t>
             </a:fld>
             <a:endParaRPr lang="en-US"/>
           </a:p>
@@ -3485,7 +3486,7 @@
             <a:fld id="{1D8BD707-D9CF-40AE-B4C6-C98DA3205C09}" type="datetimeFigureOut">
               <a:rPr lang="en-US" smtClean="0"/>
               <a:pPr/>
-              <a:t>6/7/2019</a:t>
+              <a:t>9/17/2019</a:t>
             </a:fld>
             <a:endParaRPr lang="en-US"/>
           </a:p>
@@ -3695,7 +3696,7 @@
             <a:fld id="{1D8BD707-D9CF-40AE-B4C6-C98DA3205C09}" type="datetimeFigureOut">
               <a:rPr lang="en-US" smtClean="0"/>
               <a:pPr/>
-              <a:t>6/7/2019</a:t>
+              <a:t>9/17/2019</a:t>
             </a:fld>
             <a:endParaRPr lang="en-US"/>
           </a:p>
@@ -4090,7 +4091,7 @@
         </p:blipFill>
         <p:spPr>
           <a:xfrm>
-            <a:off x="508" y="-2013"/>
+            <a:off x="-32522" y="-762000"/>
             <a:ext cx="9144000" cy="6467856"/>
           </a:xfrm>
           <a:prstGeom prst="round1Rect">
@@ -4110,94 +4111,129 @@
             <p:ph type="body" sz="quarter" idx="15"/>
           </p:nvPr>
         </p:nvSpPr>
-        <p:spPr/>
-        <p:txBody>
-          <a:bodyPr/>
-          <a:lstStyle/>
-          <a:p>
-            <a:endParaRPr lang="en-US" dirty="0"/>
-          </a:p>
-        </p:txBody>
-      </p:sp>
-      <p:sp>
-        <p:nvSpPr>
-          <p:cNvPr id="7" name="Textplatzhalter 6"/>
-          <p:cNvSpPr>
-            <a:spLocks noGrp="1"/>
-          </p:cNvSpPr>
-          <p:nvPr>
-            <p:ph type="body" sz="quarter" idx="14"/>
-          </p:nvPr>
-        </p:nvSpPr>
-        <p:spPr/>
-        <p:txBody>
-          <a:bodyPr/>
-          <a:lstStyle/>
-          <a:p>
-            <a:r>
-              <a:rPr lang="de-DE"/>
-              <a:t>Confidential</a:t>
-            </a:r>
-            <a:endParaRPr lang="en-US"/>
-          </a:p>
-        </p:txBody>
-      </p:sp>
-      <p:sp>
-        <p:nvSpPr>
-          <p:cNvPr id="19" name="Textplatzhalter 18"/>
-          <p:cNvSpPr>
-            <a:spLocks noGrp="1"/>
-          </p:cNvSpPr>
-          <p:nvPr>
-            <p:ph type="body" sz="quarter" idx="13"/>
-          </p:nvPr>
-        </p:nvSpPr>
-        <p:spPr/>
-        <p:txBody>
-          <a:bodyPr/>
-          <a:lstStyle/>
-          <a:p>
-            <a:endParaRPr lang="de-DE" dirty="0"/>
-          </a:p>
-        </p:txBody>
-      </p:sp>
-      <p:sp>
-        <p:nvSpPr>
-          <p:cNvPr id="17" name="Untertitel 16"/>
-          <p:cNvSpPr>
-            <a:spLocks noGrp="1"/>
-          </p:cNvSpPr>
-          <p:nvPr>
-            <p:ph type="subTitle" idx="1"/>
-          </p:nvPr>
-        </p:nvSpPr>
-        <p:spPr/>
-        <p:txBody>
-          <a:bodyPr/>
-          <a:lstStyle/>
-          <a:p>
-            <a:r>
-              <a:rPr lang="de-DE" dirty="0" smtClean="0"/>
-              <a:t>SMS group – Basic presentation</a:t>
-            </a:r>
-            <a:endParaRPr lang="de-DE" dirty="0"/>
-          </a:p>
-        </p:txBody>
-      </p:sp>
-      <p:sp>
-        <p:nvSpPr>
-          <p:cNvPr id="3" name="Title 2"/>
-          <p:cNvSpPr>
-            <a:spLocks noGrp="1"/>
-          </p:cNvSpPr>
-          <p:nvPr>
-            <p:ph type="ctrTitle"/>
-          </p:nvPr>
-        </p:nvSpPr>
         <p:spPr>
           <a:xfrm>
-            <a:off x="-285" y="5400001"/>
-            <a:ext cx="8893460" cy="387478"/>
+            <a:off x="0" y="4272538"/>
+            <a:ext cx="9151200" cy="2170800"/>
+          </a:xfrm>
+        </p:spPr>
+        <p:txBody>
+          <a:bodyPr/>
+          <a:lstStyle/>
+          <a:p>
+            <a:r>
+              <a:rPr lang="en-US" dirty="0" err="1" smtClean="0"/>
+              <a:t>hfghghfgh</a:t>
+            </a:r>
+            <a:endParaRPr lang="en-US" dirty="0"/>
+          </a:p>
+        </p:txBody>
+      </p:sp>
+      <p:sp>
+        <p:nvSpPr>
+          <p:cNvPr id="7" name="Textplatzhalter 6"/>
+          <p:cNvSpPr>
+            <a:spLocks noGrp="1"/>
+          </p:cNvSpPr>
+          <p:nvPr>
+            <p:ph type="body" sz="quarter" idx="14"/>
+          </p:nvPr>
+        </p:nvSpPr>
+        <p:spPr>
+          <a:xfrm>
+            <a:off x="3203577" y="6477000"/>
+            <a:ext cx="2736849" cy="198000"/>
+          </a:xfrm>
+        </p:spPr>
+        <p:txBody>
+          <a:bodyPr/>
+          <a:lstStyle/>
+          <a:p>
+            <a:r>
+              <a:rPr lang="de-DE" dirty="0" err="1"/>
+              <a:t>Confidential</a:t>
+            </a:r>
+            <a:endParaRPr lang="en-US" dirty="0"/>
+          </a:p>
+        </p:txBody>
+      </p:sp>
+      <p:sp>
+        <p:nvSpPr>
+          <p:cNvPr id="19" name="Textplatzhalter 18"/>
+          <p:cNvSpPr>
+            <a:spLocks noGrp="1"/>
+          </p:cNvSpPr>
+          <p:nvPr>
+            <p:ph type="body" sz="quarter" idx="13"/>
+          </p:nvPr>
+        </p:nvSpPr>
+        <p:spPr>
+          <a:xfrm>
+            <a:off x="2590800" y="3505862"/>
+            <a:ext cx="2988000" cy="198000"/>
+          </a:xfrm>
+        </p:spPr>
+        <p:txBody>
+          <a:bodyPr/>
+          <a:lstStyle/>
+          <a:p>
+            <a:r>
+              <a:rPr lang="de-DE" sz="2000" dirty="0"/>
+              <a:t>Author</a:t>
+            </a:r>
+            <a:r>
+              <a:rPr lang="de-DE" dirty="0"/>
+              <a:t>:  </a:t>
+            </a:r>
+            <a:r>
+              <a:rPr lang="de-DE" sz="1600" dirty="0"/>
+              <a:t>ROYM</a:t>
+            </a:r>
+            <a:endParaRPr lang="de-DE" dirty="0"/>
+          </a:p>
+          <a:p>
+            <a:endParaRPr lang="de-DE" dirty="0"/>
+          </a:p>
+        </p:txBody>
+      </p:sp>
+      <p:sp>
+        <p:nvSpPr>
+          <p:cNvPr id="17" name="Untertitel 16"/>
+          <p:cNvSpPr>
+            <a:spLocks noGrp="1"/>
+          </p:cNvSpPr>
+          <p:nvPr>
+            <p:ph type="subTitle" idx="1"/>
+          </p:nvPr>
+        </p:nvSpPr>
+        <p:spPr>
+          <a:xfrm>
+            <a:off x="-284" y="6088545"/>
+            <a:ext cx="7200000" cy="228204"/>
+          </a:xfrm>
+        </p:spPr>
+        <p:txBody>
+          <a:bodyPr/>
+          <a:lstStyle/>
+          <a:p>
+            <a:endParaRPr lang="de-DE" dirty="0"/>
+          </a:p>
+        </p:txBody>
+      </p:sp>
+      <p:sp>
+        <p:nvSpPr>
+          <p:cNvPr id="3" name="Title 2"/>
+          <p:cNvSpPr>
+            <a:spLocks noGrp="1"/>
+          </p:cNvSpPr>
+          <p:nvPr>
+            <p:ph type="ctrTitle"/>
+          </p:nvPr>
+        </p:nvSpPr>
+        <p:spPr>
+          <a:xfrm>
+            <a:off x="-32522" y="2953391"/>
+            <a:ext cx="8893460" cy="559127"/>
           </a:xfrm>
         </p:spPr>
         <p:txBody>
@@ -4207,6 +4243,17 @@
             <a:r>
               <a:rPr lang="en-US" dirty="0" smtClean="0"/>
               <a:t>Dashboard Prototype</a:t>
+            </a:r>
+            <a:br>
+              <a:rPr lang="en-US" dirty="0" smtClean="0"/>
+            </a:br>
+            <a:r>
+              <a:rPr lang="en-US" dirty="0" smtClean="0"/>
+              <a:t>		</a:t>
+            </a:r>
+            <a:r>
+              <a:rPr lang="en-US" dirty="0" smtClean="0"/>
+              <a:t>	</a:t>
             </a:r>
             <a:endParaRPr lang="en-US" dirty="0"/>
           </a:p>
@@ -4328,18 +4375,77 @@
         </p:blipFill>
         <p:spPr>
           <a:xfrm>
-            <a:off x="0" y="0"/>
-            <a:ext cx="9144000" cy="6858000"/>
+            <a:off x="0" y="770301"/>
+            <a:ext cx="9143999" cy="6122868"/>
           </a:xfrm>
           <a:prstGeom prst="rect">
             <a:avLst/>
           </a:prstGeom>
         </p:spPr>
       </p:pic>
+      <p:sp>
+        <p:nvSpPr>
+          <p:cNvPr id="6" name="Title 3"/>
+          <p:cNvSpPr txBox="1">
+            <a:spLocks/>
+          </p:cNvSpPr>
+          <p:nvPr/>
+        </p:nvSpPr>
+        <p:spPr bwMode="auto">
+          <a:xfrm>
+            <a:off x="15875" y="52117"/>
+            <a:ext cx="2971800" cy="671292"/>
+          </a:xfrm>
+          <a:prstGeom prst="rect">
+            <a:avLst/>
+          </a:prstGeom>
+          <a:solidFill>
+            <a:schemeClr val="accent5"/>
+          </a:solidFill>
+          <a:ln w="9525">
+            <a:noFill/>
+          </a:ln>
+        </p:spPr>
+        <p:txBody>
+          <a:bodyPr vert="horz" wrap="square" lIns="252000" tIns="180000" rIns="0" bIns="180000" rtlCol="0" anchor="b" anchorCtr="0">
+            <a:spAutoFit/>
+          </a:bodyPr>
+          <a:lstStyle>
+            <a:lvl1pPr algn="l" defTabSz="914400" rtl="0" eaLnBrk="1" latinLnBrk="0" hangingPunct="1">
+              <a:lnSpc>
+                <a:spcPct val="100000"/>
+              </a:lnSpc>
+              <a:spcBef>
+                <a:spcPct val="0"/>
+              </a:spcBef>
+              <a:buNone/>
+              <a:defRPr sz="2000" b="1" kern="1200" cap="none" baseline="0">
+                <a:solidFill>
+                  <a:schemeClr val="tx2"/>
+                </a:solidFill>
+                <a:latin typeface="+mj-lt"/>
+                <a:ea typeface="+mj-ea"/>
+                <a:cs typeface="+mj-cs"/>
+              </a:defRPr>
+            </a:lvl1pPr>
+          </a:lstStyle>
+          <a:p>
+            <a:r>
+              <a:rPr lang="en-US" dirty="0" err="1" smtClean="0"/>
+              <a:t>Redis</a:t>
+            </a:r>
+            <a:r>
+              <a:rPr lang="en-US" dirty="0" smtClean="0"/>
+              <a:t> Database</a:t>
+            </a:r>
+            <a:endParaRPr lang="en-US" dirty="0"/>
+          </a:p>
+        </p:txBody>
+      </p:sp>
     </p:spTree>
     <p:extLst>
       <p:ext uri="{BB962C8B-B14F-4D97-AF65-F5344CB8AC3E}">
-        <p14:creationId xmlns:p14="http://schemas.microsoft.com/office/powerpoint/2010/main" val="2467848603"/>
+        <p14:creationId xmlns:p14="http://schemas.microsoft.com/office/powerpoint/2010/main" val="1720151062"/>
       </p:ext>
     </p:extLst>
   </p:cSld>
@@ -4421,49 +4527,557 @@
             <p:ph type="title"/>
           </p:nvPr>
         </p:nvSpPr>
-        <p:spPr/>
-        <p:txBody>
-          <a:bodyPr/>
-          <a:lstStyle/>
-          <a:p>
-            <a:endParaRPr lang="en-US"/>
-          </a:p>
-        </p:txBody>
-      </p:sp>
-      <p:pic>
-        <p:nvPicPr>
-          <p:cNvPr id="5" name="Picture 4" descr="Screen Clipping"/>
-          <p:cNvPicPr>
-            <a:picLocks noChangeAspect="1"/>
-          </p:cNvPicPr>
-          <p:nvPr/>
-        </p:nvPicPr>
-        <p:blipFill>
-          <a:blip r:embed="rId2">
-            <a:extLst>
-              <a:ext uri="{28A0092B-C50C-407E-A947-70E740481C1C}">
-                <a14:useLocalDpi xmlns:a14="http://schemas.microsoft.com/office/drawing/2010/main" val="0"/>
-              </a:ext>
-            </a:extLst>
-          </a:blip>
-          <a:stretch>
-            <a:fillRect/>
-          </a:stretch>
-        </p:blipFill>
         <p:spPr>
           <a:xfrm>
-            <a:off x="0" y="0"/>
-            <a:ext cx="9144000" cy="6857999"/>
-          </a:xfrm>
-          <a:prstGeom prst="rect">
-            <a:avLst/>
-          </a:prstGeom>
-        </p:spPr>
-      </p:pic>
+            <a:off x="25021" y="90708"/>
+            <a:ext cx="5940000" cy="671292"/>
+          </a:xfrm>
+        </p:spPr>
+        <p:txBody>
+          <a:bodyPr/>
+          <a:lstStyle/>
+          <a:p>
+            <a:r>
+              <a:rPr lang="en-US" dirty="0" smtClean="0"/>
+              <a:t>Software </a:t>
+            </a:r>
+            <a:r>
+              <a:rPr lang="en-US" dirty="0" smtClean="0"/>
+              <a:t>Cost Matrix</a:t>
+            </a:r>
+            <a:endParaRPr lang="en-US" dirty="0"/>
+          </a:p>
+        </p:txBody>
+      </p:sp>
+      <p:graphicFrame>
+        <p:nvGraphicFramePr>
+          <p:cNvPr id="6" name="Table 5"/>
+          <p:cNvGraphicFramePr>
+            <a:graphicFrameLocks noGrp="1"/>
+          </p:cNvGraphicFramePr>
+          <p:nvPr/>
+        </p:nvGraphicFramePr>
+        <p:xfrm>
+          <a:off x="381000" y="899160"/>
+          <a:ext cx="8381999" cy="5034280"/>
+        </p:xfrm>
+        <a:graphic>
+          <a:graphicData uri="http://schemas.openxmlformats.org/drawingml/2006/table">
+            <a:tbl>
+              <a:tblPr firstRow="1" bandRow="1">
+                <a:tableStyleId>{5C22544A-7EE6-4342-B048-85BDC9FD1C3A}</a:tableStyleId>
+              </a:tblPr>
+              <a:tblGrid>
+                <a:gridCol w="2095500">
+                  <a:extLst>
+                    <a:ext uri="{9D8B030D-6E8A-4147-A177-3AD203B41FA5}">
+                      <a16:colId xmlns:a16="http://schemas.microsoft.com/office/drawing/2014/main" val="764591797"/>
+                    </a:ext>
+                  </a:extLst>
+                </a:gridCol>
+                <a:gridCol w="3143250">
+                  <a:extLst>
+                    <a:ext uri="{9D8B030D-6E8A-4147-A177-3AD203B41FA5}">
+                      <a16:colId xmlns:a16="http://schemas.microsoft.com/office/drawing/2014/main" val="2932068999"/>
+                    </a:ext>
+                  </a:extLst>
+                </a:gridCol>
+                <a:gridCol w="1676400">
+                  <a:extLst>
+                    <a:ext uri="{9D8B030D-6E8A-4147-A177-3AD203B41FA5}">
+                      <a16:colId xmlns:a16="http://schemas.microsoft.com/office/drawing/2014/main" val="489837081"/>
+                    </a:ext>
+                  </a:extLst>
+                </a:gridCol>
+                <a:gridCol w="1466849">
+                  <a:extLst>
+                    <a:ext uri="{9D8B030D-6E8A-4147-A177-3AD203B41FA5}">
+                      <a16:colId xmlns:a16="http://schemas.microsoft.com/office/drawing/2014/main" val="2458547581"/>
+                    </a:ext>
+                  </a:extLst>
+                </a:gridCol>
+              </a:tblGrid>
+              <a:tr h="370840">
+                <a:tc>
+                  <a:txBody>
+                    <a:bodyPr/>
+                    <a:lstStyle/>
+                    <a:p>
+                      <a:r>
+                        <a:rPr lang="en-US" dirty="0" smtClean="0"/>
+                        <a:t>Name</a:t>
+                      </a:r>
+                      <a:endParaRPr lang="en-US" dirty="0"/>
+                    </a:p>
+                  </a:txBody>
+                  <a:tcPr/>
+                </a:tc>
+                <a:tc>
+                  <a:txBody>
+                    <a:bodyPr/>
+                    <a:lstStyle/>
+                    <a:p>
+                      <a:r>
+                        <a:rPr lang="en-US" dirty="0" smtClean="0"/>
+                        <a:t>Description</a:t>
+                      </a:r>
+                      <a:endParaRPr lang="en-US" dirty="0"/>
+                    </a:p>
+                  </a:txBody>
+                  <a:tcPr/>
+                </a:tc>
+                <a:tc>
+                  <a:txBody>
+                    <a:bodyPr/>
+                    <a:lstStyle/>
+                    <a:p>
+                      <a:r>
+                        <a:rPr lang="en-US" dirty="0" smtClean="0"/>
+                        <a:t>License Type</a:t>
+                      </a:r>
+                      <a:endParaRPr lang="en-US" dirty="0"/>
+                    </a:p>
+                  </a:txBody>
+                  <a:tcPr/>
+                </a:tc>
+                <a:tc>
+                  <a:txBody>
+                    <a:bodyPr/>
+                    <a:lstStyle/>
+                    <a:p>
+                      <a:r>
+                        <a:rPr lang="en-US" dirty="0" smtClean="0"/>
+                        <a:t>Cost </a:t>
+                      </a:r>
+                      <a:endParaRPr lang="en-US" dirty="0"/>
+                    </a:p>
+                  </a:txBody>
+                  <a:tcPr/>
+                </a:tc>
+                <a:extLst>
+                  <a:ext uri="{0D108BD9-81ED-4DB2-BD59-A6C34878D82A}">
+                    <a16:rowId xmlns:a16="http://schemas.microsoft.com/office/drawing/2014/main" val="1791955875"/>
+                  </a:ext>
+                </a:extLst>
+              </a:tr>
+              <a:tr h="370840">
+                <a:tc>
+                  <a:txBody>
+                    <a:bodyPr/>
+                    <a:lstStyle/>
+                    <a:p>
+                      <a:r>
+                        <a:rPr lang="en-US" dirty="0" smtClean="0"/>
+                        <a:t>Dash </a:t>
+                      </a:r>
+                      <a:endParaRPr lang="en-US" dirty="0"/>
+                    </a:p>
+                  </a:txBody>
+                  <a:tcPr/>
+                </a:tc>
+                <a:tc>
+                  <a:txBody>
+                    <a:bodyPr/>
+                    <a:lstStyle/>
+                    <a:p>
+                      <a:r>
+                        <a:rPr lang="en-US" dirty="0" smtClean="0"/>
+                        <a:t>Dash is a Python framework for building analytical web applications</a:t>
+                      </a:r>
+                      <a:endParaRPr lang="en-US" dirty="0"/>
+                    </a:p>
+                  </a:txBody>
+                  <a:tcPr/>
+                </a:tc>
+                <a:tc>
+                  <a:txBody>
+                    <a:bodyPr/>
+                    <a:lstStyle/>
+                    <a:p>
+                      <a:r>
+                        <a:rPr lang="en-US" dirty="0" smtClean="0"/>
+                        <a:t>Open Source</a:t>
+                      </a:r>
+                      <a:endParaRPr lang="en-US" dirty="0"/>
+                    </a:p>
+                  </a:txBody>
+                  <a:tcPr/>
+                </a:tc>
+                <a:tc>
+                  <a:txBody>
+                    <a:bodyPr/>
+                    <a:lstStyle/>
+                    <a:p>
+                      <a:r>
+                        <a:rPr lang="en-US" dirty="0" smtClean="0"/>
+                        <a:t>Nil</a:t>
+                      </a:r>
+                      <a:endParaRPr lang="en-US" dirty="0"/>
+                    </a:p>
+                  </a:txBody>
+                  <a:tcPr/>
+                </a:tc>
+                <a:extLst>
+                  <a:ext uri="{0D108BD9-81ED-4DB2-BD59-A6C34878D82A}">
+                    <a16:rowId xmlns:a16="http://schemas.microsoft.com/office/drawing/2014/main" val="709911555"/>
+                  </a:ext>
+                </a:extLst>
+              </a:tr>
+              <a:tr h="370840">
+                <a:tc>
+                  <a:txBody>
+                    <a:bodyPr/>
+                    <a:lstStyle/>
+                    <a:p>
+                      <a:r>
+                        <a:rPr lang="en-US" dirty="0" err="1" smtClean="0"/>
+                        <a:t>Plotly</a:t>
+                      </a:r>
+                      <a:r>
+                        <a:rPr lang="en-US" dirty="0" smtClean="0"/>
+                        <a:t> </a:t>
+                      </a:r>
+                      <a:endParaRPr lang="en-US" dirty="0"/>
+                    </a:p>
+                  </a:txBody>
+                  <a:tcPr/>
+                </a:tc>
+                <a:tc>
+                  <a:txBody>
+                    <a:bodyPr/>
+                    <a:lstStyle/>
+                    <a:p>
+                      <a:r>
+                        <a:rPr lang="en-US" sz="1800" b="0" i="0" kern="1200" dirty="0" smtClean="0">
+                          <a:solidFill>
+                            <a:schemeClr val="dk1"/>
+                          </a:solidFill>
+                          <a:effectLst/>
+                          <a:latin typeface="+mn-lt"/>
+                          <a:ea typeface="+mn-ea"/>
+                          <a:cs typeface="+mn-cs"/>
+                        </a:rPr>
+                        <a:t> online data analytics and visualization tools</a:t>
+                      </a:r>
+                      <a:endParaRPr lang="en-US" dirty="0"/>
+                    </a:p>
+                  </a:txBody>
+                  <a:tcPr/>
+                </a:tc>
+                <a:tc>
+                  <a:txBody>
+                    <a:bodyPr/>
+                    <a:lstStyle/>
+                    <a:p>
+                      <a:r>
+                        <a:rPr lang="en-US" dirty="0" smtClean="0"/>
+                        <a:t>Open Source</a:t>
+                      </a:r>
+                      <a:endParaRPr lang="en-US" dirty="0"/>
+                    </a:p>
+                  </a:txBody>
+                  <a:tcPr/>
+                </a:tc>
+                <a:tc>
+                  <a:txBody>
+                    <a:bodyPr/>
+                    <a:lstStyle/>
+                    <a:p>
+                      <a:r>
+                        <a:rPr lang="en-US" dirty="0" smtClean="0"/>
+                        <a:t>Nil</a:t>
+                      </a:r>
+                      <a:endParaRPr lang="en-US" dirty="0"/>
+                    </a:p>
+                  </a:txBody>
+                  <a:tcPr/>
+                </a:tc>
+                <a:extLst>
+                  <a:ext uri="{0D108BD9-81ED-4DB2-BD59-A6C34878D82A}">
+                    <a16:rowId xmlns:a16="http://schemas.microsoft.com/office/drawing/2014/main" val="894458268"/>
+                  </a:ext>
+                </a:extLst>
+              </a:tr>
+              <a:tr h="370840">
+                <a:tc>
+                  <a:txBody>
+                    <a:bodyPr/>
+                    <a:lstStyle/>
+                    <a:p>
+                      <a:r>
+                        <a:rPr lang="en-US" dirty="0" smtClean="0"/>
+                        <a:t>Pandas</a:t>
+                      </a:r>
+                      <a:endParaRPr lang="en-US" dirty="0"/>
+                    </a:p>
+                  </a:txBody>
+                  <a:tcPr/>
+                </a:tc>
+                <a:tc>
+                  <a:txBody>
+                    <a:bodyPr/>
+                    <a:lstStyle/>
+                    <a:p>
+                      <a:r>
+                        <a:rPr lang="en-US" b="1" dirty="0" smtClean="0"/>
+                        <a:t>real world</a:t>
+                      </a:r>
+                      <a:r>
+                        <a:rPr lang="en-US" dirty="0" smtClean="0"/>
+                        <a:t> data analysis in Python.</a:t>
+                      </a:r>
+                      <a:endParaRPr lang="en-US" dirty="0"/>
+                    </a:p>
+                  </a:txBody>
+                  <a:tcPr/>
+                </a:tc>
+                <a:tc>
+                  <a:txBody>
+                    <a:bodyPr/>
+                    <a:lstStyle/>
+                    <a:p>
+                      <a:r>
+                        <a:rPr lang="en-US" dirty="0" smtClean="0"/>
+                        <a:t>Open</a:t>
+                      </a:r>
+                      <a:r>
+                        <a:rPr lang="en-US" baseline="0" dirty="0" smtClean="0"/>
+                        <a:t> Source</a:t>
+                      </a:r>
+                      <a:endParaRPr lang="en-US" dirty="0"/>
+                    </a:p>
+                  </a:txBody>
+                  <a:tcPr/>
+                </a:tc>
+                <a:tc>
+                  <a:txBody>
+                    <a:bodyPr/>
+                    <a:lstStyle/>
+                    <a:p>
+                      <a:r>
+                        <a:rPr lang="en-US" dirty="0" smtClean="0"/>
+                        <a:t>Nil</a:t>
+                      </a:r>
+                      <a:endParaRPr lang="en-US" dirty="0"/>
+                    </a:p>
+                  </a:txBody>
+                  <a:tcPr/>
+                </a:tc>
+                <a:extLst>
+                  <a:ext uri="{0D108BD9-81ED-4DB2-BD59-A6C34878D82A}">
+                    <a16:rowId xmlns:a16="http://schemas.microsoft.com/office/drawing/2014/main" val="1275218936"/>
+                  </a:ext>
+                </a:extLst>
+              </a:tr>
+              <a:tr h="370840">
+                <a:tc>
+                  <a:txBody>
+                    <a:bodyPr/>
+                    <a:lstStyle/>
+                    <a:p>
+                      <a:r>
+                        <a:rPr lang="en-US" dirty="0" err="1" smtClean="0"/>
+                        <a:t>Numpy</a:t>
+                      </a:r>
+                      <a:endParaRPr lang="en-US" dirty="0"/>
+                    </a:p>
+                  </a:txBody>
+                  <a:tcPr/>
+                </a:tc>
+                <a:tc>
+                  <a:txBody>
+                    <a:bodyPr/>
+                    <a:lstStyle/>
+                    <a:p>
+                      <a:r>
+                        <a:rPr lang="en-US" dirty="0" smtClean="0"/>
+                        <a:t>multi-dimensional</a:t>
+                      </a:r>
+                      <a:r>
+                        <a:rPr lang="en-US" baseline="0" dirty="0" smtClean="0"/>
+                        <a:t> Array Handling in Python</a:t>
+                      </a:r>
+                      <a:endParaRPr lang="en-US" dirty="0"/>
+                    </a:p>
+                  </a:txBody>
+                  <a:tcPr/>
+                </a:tc>
+                <a:tc>
+                  <a:txBody>
+                    <a:bodyPr/>
+                    <a:lstStyle/>
+                    <a:p>
+                      <a:r>
+                        <a:rPr lang="en-US" dirty="0" smtClean="0"/>
+                        <a:t>Open Source</a:t>
+                      </a:r>
+                      <a:endParaRPr lang="en-US" dirty="0"/>
+                    </a:p>
+                  </a:txBody>
+                  <a:tcPr/>
+                </a:tc>
+                <a:tc>
+                  <a:txBody>
+                    <a:bodyPr/>
+                    <a:lstStyle/>
+                    <a:p>
+                      <a:r>
+                        <a:rPr lang="en-US" dirty="0" smtClean="0"/>
+                        <a:t>Nil</a:t>
+                      </a:r>
+                      <a:endParaRPr lang="en-US" dirty="0"/>
+                    </a:p>
+                  </a:txBody>
+                  <a:tcPr/>
+                </a:tc>
+                <a:extLst>
+                  <a:ext uri="{0D108BD9-81ED-4DB2-BD59-A6C34878D82A}">
+                    <a16:rowId xmlns:a16="http://schemas.microsoft.com/office/drawing/2014/main" val="1635227034"/>
+                  </a:ext>
+                </a:extLst>
+              </a:tr>
+              <a:tr h="370840">
+                <a:tc>
+                  <a:txBody>
+                    <a:bodyPr/>
+                    <a:lstStyle/>
+                    <a:p>
+                      <a:r>
+                        <a:rPr lang="en-US" dirty="0" smtClean="0"/>
+                        <a:t>Celery </a:t>
+                      </a:r>
+                      <a:endParaRPr lang="en-US" dirty="0"/>
+                    </a:p>
+                  </a:txBody>
+                  <a:tcPr/>
+                </a:tc>
+                <a:tc>
+                  <a:txBody>
+                    <a:bodyPr/>
+                    <a:lstStyle/>
+                    <a:p>
+                      <a:r>
+                        <a:rPr lang="en-US" dirty="0" smtClean="0"/>
+                        <a:t>Celery is an asynchronous task queue/job queue based on distributed message passing</a:t>
+                      </a:r>
+                      <a:endParaRPr lang="en-US" dirty="0"/>
+                    </a:p>
+                  </a:txBody>
+                  <a:tcPr/>
+                </a:tc>
+                <a:tc>
+                  <a:txBody>
+                    <a:bodyPr/>
+                    <a:lstStyle/>
+                    <a:p>
+                      <a:r>
+                        <a:rPr lang="en-US" dirty="0" smtClean="0"/>
+                        <a:t>Open</a:t>
+                      </a:r>
+                      <a:r>
+                        <a:rPr lang="en-US" baseline="0" dirty="0" smtClean="0"/>
+                        <a:t> Source</a:t>
+                      </a:r>
+                      <a:endParaRPr lang="en-US" dirty="0"/>
+                    </a:p>
+                  </a:txBody>
+                  <a:tcPr/>
+                </a:tc>
+                <a:tc>
+                  <a:txBody>
+                    <a:bodyPr/>
+                    <a:lstStyle/>
+                    <a:p>
+                      <a:r>
+                        <a:rPr lang="en-US" dirty="0" smtClean="0"/>
+                        <a:t>Nil</a:t>
+                      </a:r>
+                      <a:endParaRPr lang="en-US" dirty="0"/>
+                    </a:p>
+                  </a:txBody>
+                  <a:tcPr/>
+                </a:tc>
+                <a:extLst>
+                  <a:ext uri="{0D108BD9-81ED-4DB2-BD59-A6C34878D82A}">
+                    <a16:rowId xmlns:a16="http://schemas.microsoft.com/office/drawing/2014/main" val="1731727453"/>
+                  </a:ext>
+                </a:extLst>
+              </a:tr>
+              <a:tr h="370840">
+                <a:tc>
+                  <a:txBody>
+                    <a:bodyPr/>
+                    <a:lstStyle/>
+                    <a:p>
+                      <a:r>
+                        <a:rPr lang="en-US" dirty="0" err="1" smtClean="0"/>
+                        <a:t>Redis</a:t>
+                      </a:r>
+                      <a:r>
+                        <a:rPr lang="en-US" dirty="0" smtClean="0"/>
+                        <a:t> </a:t>
+                      </a:r>
+                      <a:endParaRPr lang="en-US" dirty="0"/>
+                    </a:p>
+                  </a:txBody>
+                  <a:tcPr/>
+                </a:tc>
+                <a:tc>
+                  <a:txBody>
+                    <a:bodyPr/>
+                    <a:lstStyle/>
+                    <a:p>
+                      <a:r>
+                        <a:rPr lang="en-US" dirty="0" smtClean="0"/>
+                        <a:t>In-memory data structure store, used as a database, cache and message broker</a:t>
+                      </a:r>
+                      <a:endParaRPr lang="en-US" dirty="0"/>
+                    </a:p>
+                  </a:txBody>
+                  <a:tcPr/>
+                </a:tc>
+                <a:tc>
+                  <a:txBody>
+                    <a:bodyPr/>
+                    <a:lstStyle/>
+                    <a:p>
+                      <a:r>
+                        <a:rPr lang="en-US" dirty="0" smtClean="0"/>
+                        <a:t>Open Source</a:t>
+                      </a:r>
+                      <a:endParaRPr lang="en-US" dirty="0"/>
+                    </a:p>
+                  </a:txBody>
+                  <a:tcPr/>
+                </a:tc>
+                <a:tc>
+                  <a:txBody>
+                    <a:bodyPr/>
+                    <a:lstStyle/>
+                    <a:p>
+                      <a:r>
+                        <a:rPr lang="en-US" dirty="0" smtClean="0"/>
+                        <a:t>Nil</a:t>
+                      </a:r>
+                      <a:endParaRPr lang="en-US" dirty="0"/>
+                    </a:p>
+                  </a:txBody>
+                  <a:tcPr/>
+                </a:tc>
+                <a:extLst>
+                  <a:ext uri="{0D108BD9-81ED-4DB2-BD59-A6C34878D82A}">
+                    <a16:rowId xmlns:a16="http://schemas.microsoft.com/office/drawing/2014/main" val="3239908658"/>
+                  </a:ext>
+                </a:extLst>
+              </a:tr>
+            </a:tbl>
+          </a:graphicData>
+        </a:graphic>
+      </p:graphicFrame>
     </p:spTree>
     <p:extLst>
       <p:ext uri="{BB962C8B-B14F-4D97-AF65-F5344CB8AC3E}">
-        <p14:creationId xmlns:p14="http://schemas.microsoft.com/office/powerpoint/2010/main" val="869784362"/>
+        <p14:creationId xmlns:p14="http://schemas.microsoft.com/office/powerpoint/2010/main" val="4283636545"/>
       </p:ext>
     </p:extLst>
   </p:cSld>
@@ -4545,49 +5159,69 @@
             <p:ph type="title"/>
           </p:nvPr>
         </p:nvSpPr>
-        <p:spPr/>
-        <p:txBody>
-          <a:bodyPr/>
-          <a:lstStyle/>
-          <a:p>
-            <a:endParaRPr lang="en-US"/>
-          </a:p>
-        </p:txBody>
-      </p:sp>
-      <p:pic>
-        <p:nvPicPr>
-          <p:cNvPr id="5" name="Picture 4" descr="Screen Clipping"/>
-          <p:cNvPicPr>
-            <a:picLocks noChangeAspect="1"/>
-          </p:cNvPicPr>
-          <p:nvPr/>
-        </p:nvPicPr>
-        <p:blipFill>
-          <a:blip r:embed="rId2">
-            <a:extLst>
-              <a:ext uri="{28A0092B-C50C-407E-A947-70E740481C1C}">
-                <a14:useLocalDpi xmlns:a14="http://schemas.microsoft.com/office/drawing/2010/main" val="0"/>
-              </a:ext>
-            </a:extLst>
-          </a:blip>
-          <a:stretch>
-            <a:fillRect/>
-          </a:stretch>
-        </p:blipFill>
         <p:spPr>
           <a:xfrm>
-            <a:off x="0" y="0"/>
-            <a:ext cx="9144000" cy="6857999"/>
+            <a:off x="17675" y="152400"/>
+            <a:ext cx="5940000" cy="671292"/>
+          </a:xfrm>
+        </p:spPr>
+        <p:txBody>
+          <a:bodyPr/>
+          <a:lstStyle/>
+          <a:p>
+            <a:r>
+              <a:rPr lang="en-US" dirty="0" smtClean="0"/>
+              <a:t>World of Metals </a:t>
+            </a:r>
+            <a:endParaRPr lang="en-US" dirty="0"/>
+          </a:p>
+        </p:txBody>
+      </p:sp>
+      <p:sp>
+        <p:nvSpPr>
+          <p:cNvPr id="5" name="TextBox 4"/>
+          <p:cNvSpPr txBox="1"/>
+          <p:nvPr/>
+        </p:nvSpPr>
+        <p:spPr>
+          <a:xfrm>
+            <a:off x="190289" y="1143000"/>
+            <a:ext cx="8763000" cy="1754326"/>
           </a:xfrm>
           <a:prstGeom prst="rect">
             <a:avLst/>
           </a:prstGeom>
-        </p:spPr>
-      </p:pic>
+          <a:noFill/>
+        </p:spPr>
+        <p:txBody>
+          <a:bodyPr wrap="square" rtlCol="0">
+            <a:spAutoFit/>
+          </a:bodyPr>
+          <a:lstStyle/>
+          <a:p>
+            <a:r>
+              <a:rPr lang="en-US" dirty="0" smtClean="0"/>
+              <a:t>Dash will easily fit into our company requirement for data analytics and Production/Maintenance dashboard.</a:t>
+            </a:r>
+          </a:p>
+          <a:p>
+            <a:endParaRPr lang="en-US" dirty="0"/>
+          </a:p>
+          <a:p>
+            <a:r>
+              <a:rPr lang="en-US" dirty="0" smtClean="0"/>
+              <a:t>This could be our first data driven package for the steel plant where we can present the customer with the dashboard, Data visualization, Machine learning model output. </a:t>
+            </a:r>
+          </a:p>
+          <a:p>
+            <a:endParaRPr lang="en-US" dirty="0" smtClean="0"/>
+          </a:p>
+        </p:txBody>
+      </p:sp>
     </p:spTree>
     <p:extLst>
       <p:ext uri="{BB962C8B-B14F-4D97-AF65-F5344CB8AC3E}">
-        <p14:creationId xmlns:p14="http://schemas.microsoft.com/office/powerpoint/2010/main" val="3674566202"/>
+        <p14:creationId xmlns:p14="http://schemas.microsoft.com/office/powerpoint/2010/main" val="1415344074"/>
       </p:ext>
     </p:extLst>
   </p:cSld>
@@ -4669,49 +5303,1411 @@
             <p:ph type="title"/>
           </p:nvPr>
         </p:nvSpPr>
-        <p:spPr/>
-        <p:txBody>
-          <a:bodyPr/>
-          <a:lstStyle/>
-          <a:p>
-            <a:endParaRPr lang="en-US"/>
-          </a:p>
-        </p:txBody>
-      </p:sp>
-      <p:pic>
-        <p:nvPicPr>
-          <p:cNvPr id="5" name="Picture 4" descr="Screen Clipping"/>
-          <p:cNvPicPr>
-            <a:picLocks noChangeAspect="1"/>
-          </p:cNvPicPr>
-          <p:nvPr/>
-        </p:nvPicPr>
-        <p:blipFill>
-          <a:blip r:embed="rId2">
-            <a:extLst>
-              <a:ext uri="{28A0092B-C50C-407E-A947-70E740481C1C}">
-                <a14:useLocalDpi xmlns:a14="http://schemas.microsoft.com/office/drawing/2010/main" val="0"/>
-              </a:ext>
-            </a:extLst>
-          </a:blip>
-          <a:stretch>
-            <a:fillRect/>
-          </a:stretch>
-        </p:blipFill>
         <p:spPr>
           <a:xfrm>
-            <a:off x="0" y="0"/>
-            <a:ext cx="9144000" cy="6858000"/>
+            <a:off x="685800" y="152400"/>
+            <a:ext cx="5940000" cy="671292"/>
+          </a:xfrm>
+        </p:spPr>
+        <p:txBody>
+          <a:bodyPr/>
+          <a:lstStyle/>
+          <a:p>
+            <a:r>
+              <a:rPr lang="en-US" dirty="0" smtClean="0"/>
+              <a:t>Dash App Architecture </a:t>
+            </a:r>
+            <a:endParaRPr lang="en-US" dirty="0"/>
+          </a:p>
+        </p:txBody>
+      </p:sp>
+      <p:sp>
+        <p:nvSpPr>
+          <p:cNvPr id="5" name="Rectangle 1"/>
+          <p:cNvSpPr>
+            <a:spLocks noChangeArrowheads="1"/>
+          </p:cNvSpPr>
+          <p:nvPr/>
+        </p:nvSpPr>
+        <p:spPr bwMode="auto">
+          <a:xfrm>
+            <a:off x="152400" y="1371600"/>
+            <a:ext cx="8839200" cy="1523494"/>
           </a:xfrm>
           <a:prstGeom prst="rect">
             <a:avLst/>
           </a:prstGeom>
-        </p:spPr>
-      </p:pic>
+          <a:solidFill>
+            <a:srgbClr val="FFFFFF"/>
+          </a:solidFill>
+          <a:ln>
+            <a:noFill/>
+          </a:ln>
+          <a:effectLst/>
+          <a:extLst>
+            <a:ext uri="{91240B29-F687-4F45-9708-019B960494DF}">
+              <a14:hiddenLine xmlns:a14="http://schemas.microsoft.com/office/drawing/2010/main" w="9525">
+                <a:solidFill>
+                  <a:schemeClr val="tx1"/>
+                </a:solidFill>
+                <a:miter lim="800000"/>
+                <a:headEnd/>
+                <a:tailEnd/>
+              </a14:hiddenLine>
+            </a:ext>
+            <a:ext uri="{AF507438-7753-43E0-B8FC-AC1667EBCBE1}">
+              <a14:hiddenEffects xmlns:a14="http://schemas.microsoft.com/office/drawing/2010/main">
+                <a:effectLst>
+                  <a:outerShdw dist="35921" dir="2700000" algn="ctr" rotWithShape="0">
+                    <a:schemeClr val="bg2"/>
+                  </a:outerShdw>
+                </a:effectLst>
+              </a14:hiddenEffects>
+            </a:ext>
+          </a:extLst>
+        </p:spPr>
+        <p:txBody>
+          <a:bodyPr vert="horz" wrap="square" lIns="91440" tIns="0" rIns="91440" bIns="45720" numCol="1" anchor="ctr" anchorCtr="0" compatLnSpc="1">
+            <a:prstTxWarp prst="textNoShape">
+              <a:avLst/>
+            </a:prstTxWarp>
+            <a:spAutoFit/>
+          </a:bodyPr>
+          <a:lstStyle>
+            <a:lvl1pPr eaLnBrk="0" fontAlgn="base" hangingPunct="0">
+              <a:spcBef>
+                <a:spcPct val="0"/>
+              </a:spcBef>
+              <a:spcAft>
+                <a:spcPct val="0"/>
+              </a:spcAft>
+              <a:defRPr>
+                <a:solidFill>
+                  <a:schemeClr val="tx1"/>
+                </a:solidFill>
+                <a:latin typeface="Arial" panose="020B0604020202020204" pitchFamily="34" charset="0"/>
+              </a:defRPr>
+            </a:lvl1pPr>
+            <a:lvl2pPr eaLnBrk="0" fontAlgn="base" hangingPunct="0">
+              <a:spcBef>
+                <a:spcPct val="0"/>
+              </a:spcBef>
+              <a:spcAft>
+                <a:spcPct val="0"/>
+              </a:spcAft>
+              <a:defRPr>
+                <a:solidFill>
+                  <a:schemeClr val="tx1"/>
+                </a:solidFill>
+                <a:latin typeface="Arial" panose="020B0604020202020204" pitchFamily="34" charset="0"/>
+              </a:defRPr>
+            </a:lvl2pPr>
+            <a:lvl3pPr eaLnBrk="0" fontAlgn="base" hangingPunct="0">
+              <a:spcBef>
+                <a:spcPct val="0"/>
+              </a:spcBef>
+              <a:spcAft>
+                <a:spcPct val="0"/>
+              </a:spcAft>
+              <a:defRPr>
+                <a:solidFill>
+                  <a:schemeClr val="tx1"/>
+                </a:solidFill>
+                <a:latin typeface="Arial" panose="020B0604020202020204" pitchFamily="34" charset="0"/>
+              </a:defRPr>
+            </a:lvl3pPr>
+            <a:lvl4pPr eaLnBrk="0" fontAlgn="base" hangingPunct="0">
+              <a:spcBef>
+                <a:spcPct val="0"/>
+              </a:spcBef>
+              <a:spcAft>
+                <a:spcPct val="0"/>
+              </a:spcAft>
+              <a:defRPr>
+                <a:solidFill>
+                  <a:schemeClr val="tx1"/>
+                </a:solidFill>
+                <a:latin typeface="Arial" panose="020B0604020202020204" pitchFamily="34" charset="0"/>
+              </a:defRPr>
+            </a:lvl4pPr>
+            <a:lvl5pPr eaLnBrk="0" fontAlgn="base" hangingPunct="0">
+              <a:spcBef>
+                <a:spcPct val="0"/>
+              </a:spcBef>
+              <a:spcAft>
+                <a:spcPct val="0"/>
+              </a:spcAft>
+              <a:defRPr>
+                <a:solidFill>
+                  <a:schemeClr val="tx1"/>
+                </a:solidFill>
+                <a:latin typeface="Arial" panose="020B0604020202020204" pitchFamily="34" charset="0"/>
+              </a:defRPr>
+            </a:lvl5pPr>
+            <a:lvl6pPr eaLnBrk="0" fontAlgn="base" hangingPunct="0">
+              <a:spcBef>
+                <a:spcPct val="0"/>
+              </a:spcBef>
+              <a:spcAft>
+                <a:spcPct val="0"/>
+              </a:spcAft>
+              <a:defRPr>
+                <a:solidFill>
+                  <a:schemeClr val="tx1"/>
+                </a:solidFill>
+                <a:latin typeface="Arial" panose="020B0604020202020204" pitchFamily="34" charset="0"/>
+              </a:defRPr>
+            </a:lvl6pPr>
+            <a:lvl7pPr eaLnBrk="0" fontAlgn="base" hangingPunct="0">
+              <a:spcBef>
+                <a:spcPct val="0"/>
+              </a:spcBef>
+              <a:spcAft>
+                <a:spcPct val="0"/>
+              </a:spcAft>
+              <a:defRPr>
+                <a:solidFill>
+                  <a:schemeClr val="tx1"/>
+                </a:solidFill>
+                <a:latin typeface="Arial" panose="020B0604020202020204" pitchFamily="34" charset="0"/>
+              </a:defRPr>
+            </a:lvl7pPr>
+            <a:lvl8pPr eaLnBrk="0" fontAlgn="base" hangingPunct="0">
+              <a:spcBef>
+                <a:spcPct val="0"/>
+              </a:spcBef>
+              <a:spcAft>
+                <a:spcPct val="0"/>
+              </a:spcAft>
+              <a:defRPr>
+                <a:solidFill>
+                  <a:schemeClr val="tx1"/>
+                </a:solidFill>
+                <a:latin typeface="Arial" panose="020B0604020202020204" pitchFamily="34" charset="0"/>
+              </a:defRPr>
+            </a:lvl8pPr>
+            <a:lvl9pPr eaLnBrk="0" fontAlgn="base" hangingPunct="0">
+              <a:spcBef>
+                <a:spcPct val="0"/>
+              </a:spcBef>
+              <a:spcAft>
+                <a:spcPct val="0"/>
+              </a:spcAft>
+              <a:defRPr>
+                <a:solidFill>
+                  <a:schemeClr val="tx1"/>
+                </a:solidFill>
+                <a:latin typeface="Arial" panose="020B0604020202020204" pitchFamily="34" charset="0"/>
+              </a:defRPr>
+            </a:lvl9pPr>
+          </a:lstStyle>
+          <a:p>
+            <a:pPr marL="0" marR="0" lvl="0" indent="0" algn="l" defTabSz="914400" rtl="0" eaLnBrk="0" fontAlgn="base" latinLnBrk="0" hangingPunct="0">
+              <a:lnSpc>
+                <a:spcPct val="100000"/>
+              </a:lnSpc>
+              <a:spcBef>
+                <a:spcPct val="0"/>
+              </a:spcBef>
+              <a:spcAft>
+                <a:spcPct val="0"/>
+              </a:spcAft>
+              <a:buClrTx/>
+              <a:buSzTx/>
+              <a:buFontTx/>
+              <a:buNone/>
+              <a:tabLst/>
+            </a:pPr>
+            <a:r>
+              <a:rPr kumimoji="0" lang="en-US" altLang="en-US" sz="1200" b="0" i="0" u="none" strike="noStrike" cap="none" normalizeH="0" baseline="0" dirty="0" smtClean="0">
+                <a:ln>
+                  <a:noFill/>
+                </a:ln>
+                <a:solidFill>
+                  <a:srgbClr val="2A3F5F"/>
+                </a:solidFill>
+                <a:effectLst/>
+                <a:latin typeface="Dosis"/>
+              </a:rPr>
+              <a:t>Structuring a Multi-Page App</a:t>
+            </a:r>
+          </a:p>
+          <a:p>
+            <a:pPr marL="0" marR="0" lvl="0" indent="0" algn="l" defTabSz="914400" rtl="0" eaLnBrk="0" fontAlgn="base" latinLnBrk="0" hangingPunct="0">
+              <a:lnSpc>
+                <a:spcPct val="100000"/>
+              </a:lnSpc>
+              <a:spcBef>
+                <a:spcPct val="0"/>
+              </a:spcBef>
+              <a:spcAft>
+                <a:spcPct val="0"/>
+              </a:spcAft>
+              <a:buClrTx/>
+              <a:buSzTx/>
+              <a:buFontTx/>
+              <a:buNone/>
+              <a:tabLst/>
+            </a:pPr>
+            <a:r>
+              <a:rPr kumimoji="0" lang="en-US" altLang="en-US" sz="1200" b="0" i="0" u="none" strike="noStrike" cap="none" normalizeH="0" baseline="0" dirty="0" smtClean="0">
+                <a:ln>
+                  <a:noFill/>
+                </a:ln>
+                <a:solidFill>
+                  <a:srgbClr val="506784"/>
+                </a:solidFill>
+                <a:effectLst/>
+                <a:latin typeface="Open Sans"/>
+              </a:rPr>
+              <a:t>Here's how to structure a multi-page app, where each app is contained in a separate file.</a:t>
+            </a:r>
+            <a:endParaRPr kumimoji="0" lang="en-US" altLang="en-US" sz="600" b="0" i="0" u="none" strike="noStrike" cap="none" normalizeH="0" baseline="0" dirty="0" smtClean="0">
+              <a:ln>
+                <a:noFill/>
+              </a:ln>
+              <a:solidFill>
+                <a:schemeClr val="tx1"/>
+              </a:solidFill>
+              <a:effectLst/>
+            </a:endParaRPr>
+          </a:p>
+          <a:p>
+            <a:pPr marL="0" marR="0" lvl="0" indent="0" algn="l" defTabSz="914400" rtl="0" eaLnBrk="0" fontAlgn="base" latinLnBrk="0" hangingPunct="0">
+              <a:lnSpc>
+                <a:spcPct val="100000"/>
+              </a:lnSpc>
+              <a:spcBef>
+                <a:spcPct val="0"/>
+              </a:spcBef>
+              <a:spcAft>
+                <a:spcPct val="0"/>
+              </a:spcAft>
+              <a:buClrTx/>
+              <a:buSzTx/>
+              <a:buFontTx/>
+              <a:buNone/>
+              <a:tabLst/>
+            </a:pPr>
+            <a:r>
+              <a:rPr kumimoji="0" lang="en-US" altLang="en-US" sz="1200" b="0" i="0" u="none" strike="noStrike" cap="none" normalizeH="0" baseline="0" dirty="0" smtClean="0">
+                <a:ln>
+                  <a:noFill/>
+                </a:ln>
+                <a:solidFill>
+                  <a:srgbClr val="506784"/>
+                </a:solidFill>
+                <a:effectLst/>
+                <a:latin typeface="Open Sans"/>
+              </a:rPr>
+              <a:t>File structure:</a:t>
+            </a:r>
+            <a:endParaRPr kumimoji="0" lang="en-US" altLang="en-US" sz="1000" b="0" i="0" u="none" strike="noStrike" cap="none" normalizeH="0" baseline="0" dirty="0" smtClean="0">
+              <a:ln>
+                <a:noFill/>
+              </a:ln>
+              <a:solidFill>
+                <a:srgbClr val="506784"/>
+              </a:solidFill>
+              <a:effectLst/>
+              <a:latin typeface="Arial Unicode MS"/>
+            </a:endParaRPr>
+          </a:p>
+          <a:p>
+            <a:pPr marL="171450" marR="0" lvl="0" indent="-171450" algn="l" defTabSz="914400" rtl="0" eaLnBrk="0" fontAlgn="base" latinLnBrk="0" hangingPunct="0">
+              <a:lnSpc>
+                <a:spcPct val="100000"/>
+              </a:lnSpc>
+              <a:spcBef>
+                <a:spcPct val="0"/>
+              </a:spcBef>
+              <a:spcAft>
+                <a:spcPct val="0"/>
+              </a:spcAft>
+              <a:buClrTx/>
+              <a:buSzTx/>
+              <a:buFontTx/>
+              <a:buChar char="-"/>
+              <a:tabLst/>
+            </a:pPr>
+            <a:r>
+              <a:rPr kumimoji="0" lang="en-US" altLang="en-US" sz="1000" b="0" i="0" u="none" strike="noStrike" cap="none" normalizeH="0" baseline="0" dirty="0" smtClean="0">
+                <a:ln>
+                  <a:noFill/>
+                </a:ln>
+                <a:solidFill>
+                  <a:srgbClr val="506784"/>
+                </a:solidFill>
+                <a:effectLst/>
+                <a:latin typeface="Arial Unicode MS"/>
+              </a:rPr>
+              <a:t>app.py</a:t>
+            </a:r>
+          </a:p>
+          <a:p>
+            <a:pPr marL="171450" marR="0" lvl="0" indent="-171450" algn="l" defTabSz="914400" rtl="0" eaLnBrk="0" fontAlgn="base" latinLnBrk="0" hangingPunct="0">
+              <a:lnSpc>
+                <a:spcPct val="100000"/>
+              </a:lnSpc>
+              <a:spcBef>
+                <a:spcPct val="0"/>
+              </a:spcBef>
+              <a:spcAft>
+                <a:spcPct val="0"/>
+              </a:spcAft>
+              <a:buClrTx/>
+              <a:buSzTx/>
+              <a:buFontTx/>
+              <a:buChar char="-"/>
+              <a:tabLst/>
+            </a:pPr>
+            <a:r>
+              <a:rPr kumimoji="0" lang="en-US" altLang="en-US" sz="1000" b="0" i="0" u="none" strike="noStrike" cap="none" normalizeH="0" baseline="0" dirty="0" smtClean="0">
+                <a:ln>
+                  <a:noFill/>
+                </a:ln>
+                <a:solidFill>
+                  <a:srgbClr val="506784"/>
+                </a:solidFill>
+                <a:effectLst/>
+                <a:latin typeface="Arial Unicode MS"/>
+              </a:rPr>
+              <a:t>index.py </a:t>
+            </a:r>
+          </a:p>
+          <a:p>
+            <a:pPr marL="171450" marR="0" lvl="0" indent="-171450" algn="l" defTabSz="914400" rtl="0" eaLnBrk="0" fontAlgn="base" latinLnBrk="0" hangingPunct="0">
+              <a:lnSpc>
+                <a:spcPct val="100000"/>
+              </a:lnSpc>
+              <a:spcBef>
+                <a:spcPct val="0"/>
+              </a:spcBef>
+              <a:spcAft>
+                <a:spcPct val="0"/>
+              </a:spcAft>
+              <a:buClrTx/>
+              <a:buSzTx/>
+              <a:buFontTx/>
+              <a:buChar char="-"/>
+              <a:tabLst/>
+            </a:pPr>
+            <a:r>
+              <a:rPr kumimoji="0" lang="en-US" altLang="en-US" sz="1000" b="0" i="0" u="none" strike="noStrike" cap="none" normalizeH="0" baseline="0" dirty="0" smtClean="0">
+                <a:ln>
+                  <a:noFill/>
+                </a:ln>
+                <a:solidFill>
+                  <a:srgbClr val="506784"/>
+                </a:solidFill>
+                <a:effectLst/>
+                <a:latin typeface="Arial Unicode MS"/>
+              </a:rPr>
+              <a:t>apps </a:t>
+            </a:r>
+          </a:p>
+          <a:p>
+            <a:pPr marR="0" lvl="0" algn="l" defTabSz="914400" rtl="0" eaLnBrk="0" fontAlgn="base" latinLnBrk="0" hangingPunct="0">
+              <a:lnSpc>
+                <a:spcPct val="100000"/>
+              </a:lnSpc>
+              <a:spcBef>
+                <a:spcPct val="0"/>
+              </a:spcBef>
+              <a:spcAft>
+                <a:spcPct val="0"/>
+              </a:spcAft>
+              <a:buClrTx/>
+              <a:buSzTx/>
+              <a:tabLst/>
+            </a:pPr>
+            <a:r>
+              <a:rPr lang="en-US" altLang="en-US" sz="1000" dirty="0" smtClean="0">
+                <a:solidFill>
+                  <a:srgbClr val="506784"/>
+                </a:solidFill>
+                <a:latin typeface="Arial Unicode MS"/>
+              </a:rPr>
+              <a:t>           </a:t>
+            </a:r>
+            <a:r>
+              <a:rPr lang="en-US" altLang="en-US" sz="1000" dirty="0">
+                <a:solidFill>
+                  <a:srgbClr val="506784"/>
+                </a:solidFill>
+                <a:latin typeface="Arial Unicode MS"/>
+              </a:rPr>
+              <a:t>	</a:t>
+            </a:r>
+            <a:r>
+              <a:rPr kumimoji="0" lang="en-US" altLang="en-US" sz="1000" b="0" i="0" u="none" strike="noStrike" cap="none" normalizeH="0" baseline="0" dirty="0" smtClean="0">
+                <a:ln>
+                  <a:noFill/>
+                </a:ln>
+                <a:solidFill>
+                  <a:srgbClr val="506784"/>
+                </a:solidFill>
+                <a:effectLst/>
+                <a:latin typeface="Arial Unicode MS"/>
+              </a:rPr>
+              <a:t>-- __init__.py </a:t>
+            </a:r>
+          </a:p>
+          <a:p>
+            <a:pPr marR="0" lvl="0" algn="l" defTabSz="914400" rtl="0" eaLnBrk="0" fontAlgn="base" latinLnBrk="0" hangingPunct="0">
+              <a:lnSpc>
+                <a:spcPct val="100000"/>
+              </a:lnSpc>
+              <a:spcBef>
+                <a:spcPct val="0"/>
+              </a:spcBef>
+              <a:spcAft>
+                <a:spcPct val="0"/>
+              </a:spcAft>
+              <a:buClrTx/>
+              <a:buSzTx/>
+              <a:tabLst/>
+            </a:pPr>
+            <a:r>
+              <a:rPr lang="en-US" altLang="en-US" sz="1000" dirty="0">
+                <a:solidFill>
+                  <a:srgbClr val="506784"/>
+                </a:solidFill>
+                <a:latin typeface="Arial Unicode MS"/>
+              </a:rPr>
+              <a:t>	</a:t>
+            </a:r>
+            <a:r>
+              <a:rPr kumimoji="0" lang="en-US" altLang="en-US" sz="1000" b="0" i="0" u="none" strike="noStrike" cap="none" normalizeH="0" baseline="0" dirty="0" smtClean="0">
+                <a:ln>
+                  <a:noFill/>
+                </a:ln>
+                <a:solidFill>
+                  <a:srgbClr val="506784"/>
+                </a:solidFill>
+                <a:effectLst/>
+                <a:latin typeface="Arial Unicode MS"/>
+              </a:rPr>
+              <a:t>-- app1.py </a:t>
+            </a:r>
+          </a:p>
+          <a:p>
+            <a:pPr marR="0" lvl="0" algn="l" defTabSz="914400" rtl="0" eaLnBrk="0" fontAlgn="base" latinLnBrk="0" hangingPunct="0">
+              <a:lnSpc>
+                <a:spcPct val="100000"/>
+              </a:lnSpc>
+              <a:spcBef>
+                <a:spcPct val="0"/>
+              </a:spcBef>
+              <a:spcAft>
+                <a:spcPct val="0"/>
+              </a:spcAft>
+              <a:buClrTx/>
+              <a:buSzTx/>
+              <a:tabLst/>
+            </a:pPr>
+            <a:r>
+              <a:rPr lang="en-US" altLang="en-US" sz="1000" dirty="0">
+                <a:solidFill>
+                  <a:srgbClr val="506784"/>
+                </a:solidFill>
+                <a:latin typeface="Arial Unicode MS"/>
+              </a:rPr>
+              <a:t>	</a:t>
+            </a:r>
+            <a:r>
+              <a:rPr kumimoji="0" lang="en-US" altLang="en-US" sz="1000" b="0" i="0" u="none" strike="noStrike" cap="none" normalizeH="0" baseline="0" dirty="0" smtClean="0">
+                <a:ln>
+                  <a:noFill/>
+                </a:ln>
+                <a:solidFill>
+                  <a:srgbClr val="506784"/>
+                </a:solidFill>
+                <a:effectLst/>
+                <a:latin typeface="Arial Unicode MS"/>
+              </a:rPr>
+              <a:t>-- app2.py</a:t>
+            </a:r>
+            <a:r>
+              <a:rPr kumimoji="0" lang="en-US" altLang="en-US" sz="600" b="0" i="0" u="none" strike="noStrike" cap="none" normalizeH="0" baseline="0" dirty="0" smtClean="0">
+                <a:ln>
+                  <a:noFill/>
+                </a:ln>
+                <a:solidFill>
+                  <a:schemeClr val="tx1"/>
+                </a:solidFill>
+                <a:effectLst/>
+              </a:rPr>
+              <a:t> </a:t>
+            </a:r>
+            <a:endParaRPr kumimoji="0" lang="en-US" altLang="en-US" sz="1800" b="0" i="0" u="none" strike="noStrike" cap="none" normalizeH="0" baseline="0" dirty="0" smtClean="0">
+              <a:ln>
+                <a:noFill/>
+              </a:ln>
+              <a:solidFill>
+                <a:schemeClr val="tx1"/>
+              </a:solidFill>
+              <a:effectLst/>
+              <a:latin typeface="Arial" panose="020B0604020202020204" pitchFamily="34" charset="0"/>
+            </a:endParaRPr>
+          </a:p>
+        </p:txBody>
+      </p:sp>
+      <p:sp>
+        <p:nvSpPr>
+          <p:cNvPr id="7" name="Rectangle 3"/>
+          <p:cNvSpPr>
+            <a:spLocks noChangeArrowheads="1"/>
+          </p:cNvSpPr>
+          <p:nvPr/>
+        </p:nvSpPr>
+        <p:spPr bwMode="auto">
+          <a:xfrm>
+            <a:off x="152400" y="3069367"/>
+            <a:ext cx="8839200" cy="2954655"/>
+          </a:xfrm>
+          <a:prstGeom prst="rect">
+            <a:avLst/>
+          </a:prstGeom>
+          <a:solidFill>
+            <a:srgbClr val="F3F6FB"/>
+          </a:solidFill>
+          <a:ln>
+            <a:noFill/>
+          </a:ln>
+          <a:effectLst/>
+          <a:extLst>
+            <a:ext uri="{91240B29-F687-4F45-9708-019B960494DF}">
+              <a14:hiddenLine xmlns:a14="http://schemas.microsoft.com/office/drawing/2010/main" w="9525">
+                <a:solidFill>
+                  <a:schemeClr val="tx1"/>
+                </a:solidFill>
+                <a:miter lim="800000"/>
+                <a:headEnd/>
+                <a:tailEnd/>
+              </a14:hiddenLine>
+            </a:ext>
+            <a:ext uri="{AF507438-7753-43E0-B8FC-AC1667EBCBE1}">
+              <a14:hiddenEffects xmlns:a14="http://schemas.microsoft.com/office/drawing/2010/main">
+                <a:effectLst>
+                  <a:outerShdw dist="35921" dir="2700000" algn="ctr" rotWithShape="0">
+                    <a:schemeClr val="bg2"/>
+                  </a:outerShdw>
+                </a:effectLst>
+              </a14:hiddenEffects>
+            </a:ext>
+          </a:extLst>
+        </p:spPr>
+        <p:txBody>
+          <a:bodyPr vert="horz" wrap="square" lIns="91440" tIns="45720" rIns="91440" bIns="45720" numCol="1" anchor="ctr" anchorCtr="0" compatLnSpc="1">
+            <a:prstTxWarp prst="textNoShape">
+              <a:avLst/>
+            </a:prstTxWarp>
+            <a:spAutoFit/>
+          </a:bodyPr>
+          <a:lstStyle>
+            <a:lvl1pPr eaLnBrk="0" fontAlgn="base" hangingPunct="0">
+              <a:spcBef>
+                <a:spcPct val="0"/>
+              </a:spcBef>
+              <a:spcAft>
+                <a:spcPct val="0"/>
+              </a:spcAft>
+              <a:defRPr>
+                <a:solidFill>
+                  <a:schemeClr val="tx1"/>
+                </a:solidFill>
+                <a:latin typeface="Arial" panose="020B0604020202020204" pitchFamily="34" charset="0"/>
+              </a:defRPr>
+            </a:lvl1pPr>
+            <a:lvl2pPr eaLnBrk="0" fontAlgn="base" hangingPunct="0">
+              <a:spcBef>
+                <a:spcPct val="0"/>
+              </a:spcBef>
+              <a:spcAft>
+                <a:spcPct val="0"/>
+              </a:spcAft>
+              <a:defRPr>
+                <a:solidFill>
+                  <a:schemeClr val="tx1"/>
+                </a:solidFill>
+                <a:latin typeface="Arial" panose="020B0604020202020204" pitchFamily="34" charset="0"/>
+              </a:defRPr>
+            </a:lvl2pPr>
+            <a:lvl3pPr eaLnBrk="0" fontAlgn="base" hangingPunct="0">
+              <a:spcBef>
+                <a:spcPct val="0"/>
+              </a:spcBef>
+              <a:spcAft>
+                <a:spcPct val="0"/>
+              </a:spcAft>
+              <a:defRPr>
+                <a:solidFill>
+                  <a:schemeClr val="tx1"/>
+                </a:solidFill>
+                <a:latin typeface="Arial" panose="020B0604020202020204" pitchFamily="34" charset="0"/>
+              </a:defRPr>
+            </a:lvl3pPr>
+            <a:lvl4pPr eaLnBrk="0" fontAlgn="base" hangingPunct="0">
+              <a:spcBef>
+                <a:spcPct val="0"/>
+              </a:spcBef>
+              <a:spcAft>
+                <a:spcPct val="0"/>
+              </a:spcAft>
+              <a:defRPr>
+                <a:solidFill>
+                  <a:schemeClr val="tx1"/>
+                </a:solidFill>
+                <a:latin typeface="Arial" panose="020B0604020202020204" pitchFamily="34" charset="0"/>
+              </a:defRPr>
+            </a:lvl4pPr>
+            <a:lvl5pPr eaLnBrk="0" fontAlgn="base" hangingPunct="0">
+              <a:spcBef>
+                <a:spcPct val="0"/>
+              </a:spcBef>
+              <a:spcAft>
+                <a:spcPct val="0"/>
+              </a:spcAft>
+              <a:defRPr>
+                <a:solidFill>
+                  <a:schemeClr val="tx1"/>
+                </a:solidFill>
+                <a:latin typeface="Arial" panose="020B0604020202020204" pitchFamily="34" charset="0"/>
+              </a:defRPr>
+            </a:lvl5pPr>
+            <a:lvl6pPr eaLnBrk="0" fontAlgn="base" hangingPunct="0">
+              <a:spcBef>
+                <a:spcPct val="0"/>
+              </a:spcBef>
+              <a:spcAft>
+                <a:spcPct val="0"/>
+              </a:spcAft>
+              <a:defRPr>
+                <a:solidFill>
+                  <a:schemeClr val="tx1"/>
+                </a:solidFill>
+                <a:latin typeface="Arial" panose="020B0604020202020204" pitchFamily="34" charset="0"/>
+              </a:defRPr>
+            </a:lvl6pPr>
+            <a:lvl7pPr eaLnBrk="0" fontAlgn="base" hangingPunct="0">
+              <a:spcBef>
+                <a:spcPct val="0"/>
+              </a:spcBef>
+              <a:spcAft>
+                <a:spcPct val="0"/>
+              </a:spcAft>
+              <a:defRPr>
+                <a:solidFill>
+                  <a:schemeClr val="tx1"/>
+                </a:solidFill>
+                <a:latin typeface="Arial" panose="020B0604020202020204" pitchFamily="34" charset="0"/>
+              </a:defRPr>
+            </a:lvl7pPr>
+            <a:lvl8pPr eaLnBrk="0" fontAlgn="base" hangingPunct="0">
+              <a:spcBef>
+                <a:spcPct val="0"/>
+              </a:spcBef>
+              <a:spcAft>
+                <a:spcPct val="0"/>
+              </a:spcAft>
+              <a:defRPr>
+                <a:solidFill>
+                  <a:schemeClr val="tx1"/>
+                </a:solidFill>
+                <a:latin typeface="Arial" panose="020B0604020202020204" pitchFamily="34" charset="0"/>
+              </a:defRPr>
+            </a:lvl8pPr>
+            <a:lvl9pPr eaLnBrk="0" fontAlgn="base" hangingPunct="0">
+              <a:spcBef>
+                <a:spcPct val="0"/>
+              </a:spcBef>
+              <a:spcAft>
+                <a:spcPct val="0"/>
+              </a:spcAft>
+              <a:defRPr>
+                <a:solidFill>
+                  <a:schemeClr val="tx1"/>
+                </a:solidFill>
+                <a:latin typeface="Arial" panose="020B0604020202020204" pitchFamily="34" charset="0"/>
+              </a:defRPr>
+            </a:lvl9pPr>
+          </a:lstStyle>
+          <a:p>
+            <a:pPr marL="0" marR="0" lvl="0" indent="0" algn="l" defTabSz="914400" rtl="0" eaLnBrk="0" fontAlgn="base" latinLnBrk="0" hangingPunct="0">
+              <a:lnSpc>
+                <a:spcPct val="100000"/>
+              </a:lnSpc>
+              <a:spcBef>
+                <a:spcPct val="0"/>
+              </a:spcBef>
+              <a:spcAft>
+                <a:spcPct val="0"/>
+              </a:spcAft>
+              <a:buClrTx/>
+              <a:buSzTx/>
+              <a:buFontTx/>
+              <a:buNone/>
+              <a:tabLst/>
+            </a:pPr>
+            <a:r>
+              <a:rPr kumimoji="0" lang="en-US" altLang="en-US" sz="1200" b="0" i="0" u="none" strike="noStrike" cap="none" normalizeH="0" baseline="0" dirty="0" smtClean="0">
+                <a:ln>
+                  <a:noFill/>
+                </a:ln>
+                <a:solidFill>
+                  <a:srgbClr val="506784"/>
+                </a:solidFill>
+                <a:effectLst/>
+                <a:latin typeface="Open Sans"/>
+              </a:rPr>
+              <a:t>It is worth noting that in both of these project structures, the Dash instance is defined in a separate </a:t>
+            </a:r>
+            <a:r>
+              <a:rPr kumimoji="0" lang="en-US" altLang="en-US" sz="900" b="0" i="0" u="none" strike="noStrike" cap="none" normalizeH="0" baseline="0" dirty="0" smtClean="0">
+                <a:ln>
+                  <a:noFill/>
+                </a:ln>
+                <a:solidFill>
+                  <a:srgbClr val="506784"/>
+                </a:solidFill>
+                <a:effectLst/>
+                <a:latin typeface="Arial Unicode MS"/>
+              </a:rPr>
+              <a:t>app.py</a:t>
+            </a:r>
+            <a:r>
+              <a:rPr kumimoji="0" lang="en-US" altLang="en-US" sz="1200" b="0" i="0" u="none" strike="noStrike" cap="none" normalizeH="0" baseline="0" dirty="0" smtClean="0">
+                <a:ln>
+                  <a:noFill/>
+                </a:ln>
+                <a:solidFill>
+                  <a:srgbClr val="506784"/>
+                </a:solidFill>
+                <a:effectLst/>
+                <a:latin typeface="Open Sans"/>
+              </a:rPr>
+              <a:t>, while the entry point for </a:t>
+            </a:r>
+          </a:p>
+          <a:p>
+            <a:pPr marL="0" marR="0" lvl="0" indent="0" algn="l" defTabSz="914400" rtl="0" eaLnBrk="0" fontAlgn="base" latinLnBrk="0" hangingPunct="0">
+              <a:lnSpc>
+                <a:spcPct val="100000"/>
+              </a:lnSpc>
+              <a:spcBef>
+                <a:spcPct val="0"/>
+              </a:spcBef>
+              <a:spcAft>
+                <a:spcPct val="0"/>
+              </a:spcAft>
+              <a:buClrTx/>
+              <a:buSzTx/>
+              <a:buFontTx/>
+              <a:buNone/>
+              <a:tabLst/>
+            </a:pPr>
+            <a:endParaRPr lang="en-US" altLang="en-US" sz="1200" dirty="0">
+              <a:solidFill>
+                <a:srgbClr val="506784"/>
+              </a:solidFill>
+              <a:latin typeface="Open Sans"/>
+            </a:endParaRPr>
+          </a:p>
+          <a:p>
+            <a:pPr marL="0" marR="0" lvl="0" indent="0" algn="l" defTabSz="914400" rtl="0" eaLnBrk="0" fontAlgn="base" latinLnBrk="0" hangingPunct="0">
+              <a:lnSpc>
+                <a:spcPct val="100000"/>
+              </a:lnSpc>
+              <a:spcBef>
+                <a:spcPct val="0"/>
+              </a:spcBef>
+              <a:spcAft>
+                <a:spcPct val="0"/>
+              </a:spcAft>
+              <a:buClrTx/>
+              <a:buSzTx/>
+              <a:buFontTx/>
+              <a:buNone/>
+              <a:tabLst/>
+            </a:pPr>
+            <a:r>
+              <a:rPr kumimoji="0" lang="en-US" altLang="en-US" sz="1200" b="0" i="0" u="none" strike="noStrike" cap="none" normalizeH="0" baseline="0" dirty="0" smtClean="0">
+                <a:ln>
+                  <a:noFill/>
+                </a:ln>
+                <a:solidFill>
+                  <a:srgbClr val="506784"/>
+                </a:solidFill>
+                <a:effectLst/>
+                <a:latin typeface="Open Sans"/>
+              </a:rPr>
+              <a:t>running the app is </a:t>
+            </a:r>
+            <a:r>
+              <a:rPr kumimoji="0" lang="en-US" altLang="en-US" sz="900" b="0" i="0" u="none" strike="noStrike" cap="none" normalizeH="0" baseline="0" dirty="0" smtClean="0">
+                <a:ln>
+                  <a:noFill/>
+                </a:ln>
+                <a:solidFill>
+                  <a:srgbClr val="506784"/>
+                </a:solidFill>
+                <a:effectLst/>
+                <a:latin typeface="Arial Unicode MS"/>
+              </a:rPr>
+              <a:t>index.py</a:t>
+            </a:r>
+            <a:r>
+              <a:rPr kumimoji="0" lang="en-US" altLang="en-US" sz="1200" b="0" i="0" u="none" strike="noStrike" cap="none" normalizeH="0" baseline="0" dirty="0" smtClean="0">
+                <a:ln>
+                  <a:noFill/>
+                </a:ln>
+                <a:solidFill>
+                  <a:srgbClr val="506784"/>
+                </a:solidFill>
+                <a:effectLst/>
+                <a:latin typeface="Open Sans"/>
+              </a:rPr>
+              <a:t>. </a:t>
+            </a:r>
+          </a:p>
+          <a:p>
+            <a:pPr marL="0" marR="0" lvl="0" indent="0" algn="l" defTabSz="914400" rtl="0" eaLnBrk="0" fontAlgn="base" latinLnBrk="0" hangingPunct="0">
+              <a:lnSpc>
+                <a:spcPct val="100000"/>
+              </a:lnSpc>
+              <a:spcBef>
+                <a:spcPct val="0"/>
+              </a:spcBef>
+              <a:spcAft>
+                <a:spcPct val="0"/>
+              </a:spcAft>
+              <a:buClrTx/>
+              <a:buSzTx/>
+              <a:buFontTx/>
+              <a:buNone/>
+              <a:tabLst/>
+            </a:pPr>
+            <a:endParaRPr kumimoji="0" lang="en-US" altLang="en-US" sz="1200" b="0" i="0" u="none" strike="noStrike" cap="none" normalizeH="0" baseline="0" dirty="0" smtClean="0">
+              <a:ln>
+                <a:noFill/>
+              </a:ln>
+              <a:solidFill>
+                <a:srgbClr val="506784"/>
+              </a:solidFill>
+              <a:effectLst/>
+              <a:latin typeface="Open Sans"/>
+            </a:endParaRPr>
+          </a:p>
+          <a:p>
+            <a:pPr marL="0" marR="0" lvl="0" indent="0" algn="l" defTabSz="914400" rtl="0" eaLnBrk="0" fontAlgn="base" latinLnBrk="0" hangingPunct="0">
+              <a:lnSpc>
+                <a:spcPct val="100000"/>
+              </a:lnSpc>
+              <a:spcBef>
+                <a:spcPct val="0"/>
+              </a:spcBef>
+              <a:spcAft>
+                <a:spcPct val="0"/>
+              </a:spcAft>
+              <a:buClrTx/>
+              <a:buSzTx/>
+              <a:buFontTx/>
+              <a:buNone/>
+              <a:tabLst/>
+            </a:pPr>
+            <a:r>
+              <a:rPr kumimoji="0" lang="en-US" altLang="en-US" sz="1200" b="0" i="0" u="none" strike="noStrike" cap="none" normalizeH="0" baseline="0" dirty="0" smtClean="0">
+                <a:ln>
+                  <a:noFill/>
+                </a:ln>
+                <a:solidFill>
+                  <a:srgbClr val="506784"/>
+                </a:solidFill>
+                <a:effectLst/>
+                <a:latin typeface="Open Sans"/>
+              </a:rPr>
+              <a:t>This separation is required to avoid circular imports: the files containing the callback definitions require access to the </a:t>
+            </a:r>
+          </a:p>
+          <a:p>
+            <a:pPr marL="0" marR="0" lvl="0" indent="0" algn="l" defTabSz="914400" rtl="0" eaLnBrk="0" fontAlgn="base" latinLnBrk="0" hangingPunct="0">
+              <a:lnSpc>
+                <a:spcPct val="100000"/>
+              </a:lnSpc>
+              <a:spcBef>
+                <a:spcPct val="0"/>
+              </a:spcBef>
+              <a:spcAft>
+                <a:spcPct val="0"/>
+              </a:spcAft>
+              <a:buClrTx/>
+              <a:buSzTx/>
+              <a:buFontTx/>
+              <a:buNone/>
+              <a:tabLst/>
+            </a:pPr>
+            <a:endParaRPr lang="en-US" altLang="en-US" sz="1200" dirty="0">
+              <a:solidFill>
+                <a:srgbClr val="506784"/>
+              </a:solidFill>
+              <a:latin typeface="Open Sans"/>
+            </a:endParaRPr>
+          </a:p>
+          <a:p>
+            <a:pPr marL="0" marR="0" lvl="0" indent="0" algn="l" defTabSz="914400" rtl="0" eaLnBrk="0" fontAlgn="base" latinLnBrk="0" hangingPunct="0">
+              <a:lnSpc>
+                <a:spcPct val="100000"/>
+              </a:lnSpc>
+              <a:spcBef>
+                <a:spcPct val="0"/>
+              </a:spcBef>
+              <a:spcAft>
+                <a:spcPct val="0"/>
+              </a:spcAft>
+              <a:buClrTx/>
+              <a:buSzTx/>
+              <a:buFontTx/>
+              <a:buNone/>
+              <a:tabLst/>
+            </a:pPr>
+            <a:r>
+              <a:rPr kumimoji="0" lang="en-US" altLang="en-US" sz="1200" b="0" i="0" u="none" strike="noStrike" cap="none" normalizeH="0" baseline="0" dirty="0" smtClean="0">
+                <a:ln>
+                  <a:noFill/>
+                </a:ln>
+                <a:solidFill>
+                  <a:srgbClr val="506784"/>
+                </a:solidFill>
+                <a:effectLst/>
+                <a:latin typeface="Open Sans"/>
+              </a:rPr>
+              <a:t>Dash </a:t>
+            </a:r>
+            <a:r>
+              <a:rPr kumimoji="0" lang="en-US" altLang="en-US" sz="900" b="0" i="0" u="none" strike="noStrike" cap="none" normalizeH="0" baseline="0" dirty="0" smtClean="0">
+                <a:ln>
+                  <a:noFill/>
+                </a:ln>
+                <a:solidFill>
+                  <a:srgbClr val="506784"/>
+                </a:solidFill>
+                <a:effectLst/>
+                <a:latin typeface="Arial Unicode MS"/>
+              </a:rPr>
+              <a:t>app</a:t>
+            </a:r>
+            <a:r>
+              <a:rPr kumimoji="0" lang="en-US" altLang="en-US" sz="1200" b="0" i="0" u="none" strike="noStrike" cap="none" normalizeH="0" baseline="0" dirty="0" smtClean="0">
+                <a:ln>
+                  <a:noFill/>
+                </a:ln>
+                <a:solidFill>
+                  <a:srgbClr val="506784"/>
+                </a:solidFill>
+                <a:effectLst/>
+                <a:latin typeface="Open Sans"/>
+              </a:rPr>
+              <a:t> instance however if this were imported from </a:t>
+            </a:r>
+            <a:r>
+              <a:rPr kumimoji="0" lang="en-US" altLang="en-US" sz="900" b="0" i="0" u="none" strike="noStrike" cap="none" normalizeH="0" baseline="0" dirty="0" smtClean="0">
+                <a:ln>
+                  <a:noFill/>
+                </a:ln>
+                <a:solidFill>
+                  <a:srgbClr val="506784"/>
+                </a:solidFill>
+                <a:effectLst/>
+                <a:latin typeface="Arial Unicode MS"/>
+              </a:rPr>
+              <a:t>index.py</a:t>
+            </a:r>
+            <a:r>
+              <a:rPr kumimoji="0" lang="en-US" altLang="en-US" sz="1200" b="0" i="0" u="none" strike="noStrike" cap="none" normalizeH="0" baseline="0" dirty="0" smtClean="0">
+                <a:ln>
+                  <a:noFill/>
+                </a:ln>
+                <a:solidFill>
+                  <a:srgbClr val="506784"/>
+                </a:solidFill>
+                <a:effectLst/>
+                <a:latin typeface="Open Sans"/>
+              </a:rPr>
+              <a:t>, the initial loading of </a:t>
+            </a:r>
+            <a:r>
+              <a:rPr kumimoji="0" lang="en-US" altLang="en-US" sz="900" b="0" i="0" u="none" strike="noStrike" cap="none" normalizeH="0" baseline="0" dirty="0" smtClean="0">
+                <a:ln>
+                  <a:noFill/>
+                </a:ln>
+                <a:solidFill>
+                  <a:srgbClr val="506784"/>
+                </a:solidFill>
+                <a:effectLst/>
+                <a:latin typeface="Arial Unicode MS"/>
+              </a:rPr>
+              <a:t>index.py</a:t>
+            </a:r>
+            <a:r>
+              <a:rPr kumimoji="0" lang="en-US" altLang="en-US" sz="1200" b="0" i="0" u="none" strike="noStrike" cap="none" normalizeH="0" baseline="0" dirty="0" smtClean="0">
+                <a:ln>
+                  <a:noFill/>
+                </a:ln>
+                <a:solidFill>
+                  <a:srgbClr val="506784"/>
+                </a:solidFill>
+                <a:effectLst/>
+                <a:latin typeface="Open Sans"/>
+              </a:rPr>
+              <a:t> </a:t>
+            </a:r>
+          </a:p>
+          <a:p>
+            <a:pPr marL="0" marR="0" lvl="0" indent="0" algn="l" defTabSz="914400" rtl="0" eaLnBrk="0" fontAlgn="base" latinLnBrk="0" hangingPunct="0">
+              <a:lnSpc>
+                <a:spcPct val="100000"/>
+              </a:lnSpc>
+              <a:spcBef>
+                <a:spcPct val="0"/>
+              </a:spcBef>
+              <a:spcAft>
+                <a:spcPct val="0"/>
+              </a:spcAft>
+              <a:buClrTx/>
+              <a:buSzTx/>
+              <a:buFontTx/>
+              <a:buNone/>
+              <a:tabLst/>
+            </a:pPr>
+            <a:endParaRPr kumimoji="0" lang="en-US" altLang="en-US" sz="1200" b="0" i="0" u="none" strike="noStrike" cap="none" normalizeH="0" baseline="0" dirty="0" smtClean="0">
+              <a:ln>
+                <a:noFill/>
+              </a:ln>
+              <a:solidFill>
+                <a:srgbClr val="506784"/>
+              </a:solidFill>
+              <a:effectLst/>
+              <a:latin typeface="Open Sans"/>
+            </a:endParaRPr>
+          </a:p>
+          <a:p>
+            <a:pPr marL="0" marR="0" lvl="0" indent="0" algn="l" defTabSz="914400" rtl="0" eaLnBrk="0" fontAlgn="base" latinLnBrk="0" hangingPunct="0">
+              <a:lnSpc>
+                <a:spcPct val="100000"/>
+              </a:lnSpc>
+              <a:spcBef>
+                <a:spcPct val="0"/>
+              </a:spcBef>
+              <a:spcAft>
+                <a:spcPct val="0"/>
+              </a:spcAft>
+              <a:buClrTx/>
+              <a:buSzTx/>
+              <a:buFontTx/>
+              <a:buNone/>
+              <a:tabLst/>
+            </a:pPr>
+            <a:r>
+              <a:rPr kumimoji="0" lang="en-US" altLang="en-US" sz="1200" b="0" i="0" u="none" strike="noStrike" cap="none" normalizeH="0" baseline="0" dirty="0" smtClean="0">
+                <a:ln>
+                  <a:noFill/>
+                </a:ln>
+                <a:solidFill>
+                  <a:srgbClr val="506784"/>
+                </a:solidFill>
+                <a:effectLst/>
+                <a:latin typeface="Open Sans"/>
+              </a:rPr>
+              <a:t>would ultimately require itself to be already imported, which cannot be satisfied.</a:t>
+            </a:r>
+            <a:r>
+              <a:rPr kumimoji="0" lang="en-US" altLang="en-US" sz="600" b="0" i="0" u="none" strike="noStrike" cap="none" normalizeH="0" baseline="0" dirty="0" smtClean="0">
+                <a:ln>
+                  <a:noFill/>
+                </a:ln>
+                <a:solidFill>
+                  <a:schemeClr val="tx1"/>
+                </a:solidFill>
+                <a:effectLst/>
+              </a:rPr>
+              <a:t> </a:t>
+            </a:r>
+          </a:p>
+          <a:p>
+            <a:pPr marL="0" marR="0" lvl="0" indent="0" algn="l" defTabSz="914400" rtl="0" eaLnBrk="0" fontAlgn="base" latinLnBrk="0" hangingPunct="0">
+              <a:lnSpc>
+                <a:spcPct val="100000"/>
+              </a:lnSpc>
+              <a:spcBef>
+                <a:spcPct val="0"/>
+              </a:spcBef>
+              <a:spcAft>
+                <a:spcPct val="0"/>
+              </a:spcAft>
+              <a:buClrTx/>
+              <a:buSzTx/>
+              <a:buFontTx/>
+              <a:buNone/>
+              <a:tabLst/>
+            </a:pPr>
+            <a:endParaRPr lang="en-US" altLang="en-US" sz="600" dirty="0">
+              <a:latin typeface="Arial" panose="020B0604020202020204" pitchFamily="34" charset="0"/>
+            </a:endParaRPr>
+          </a:p>
+          <a:p>
+            <a:pPr marL="0" marR="0" lvl="0" indent="0" algn="l" defTabSz="914400" rtl="0" eaLnBrk="0" fontAlgn="base" latinLnBrk="0" hangingPunct="0">
+              <a:lnSpc>
+                <a:spcPct val="100000"/>
+              </a:lnSpc>
+              <a:spcBef>
+                <a:spcPct val="0"/>
+              </a:spcBef>
+              <a:spcAft>
+                <a:spcPct val="0"/>
+              </a:spcAft>
+              <a:buClrTx/>
+              <a:buSzTx/>
+              <a:buFontTx/>
+              <a:buNone/>
+              <a:tabLst/>
+            </a:pPr>
+            <a:endParaRPr kumimoji="0" lang="en-US" altLang="en-US" sz="600" b="0" i="0" u="none" strike="noStrike" cap="none" normalizeH="0" baseline="0" dirty="0" smtClean="0">
+              <a:ln>
+                <a:noFill/>
+              </a:ln>
+              <a:solidFill>
+                <a:schemeClr val="tx1"/>
+              </a:solidFill>
+              <a:effectLst/>
+            </a:endParaRPr>
+          </a:p>
+          <a:p>
+            <a:pPr marL="0" marR="0" lvl="0" indent="0" algn="l" defTabSz="914400" rtl="0" eaLnBrk="0" fontAlgn="base" latinLnBrk="0" hangingPunct="0">
+              <a:lnSpc>
+                <a:spcPct val="100000"/>
+              </a:lnSpc>
+              <a:spcBef>
+                <a:spcPct val="0"/>
+              </a:spcBef>
+              <a:spcAft>
+                <a:spcPct val="0"/>
+              </a:spcAft>
+              <a:buClrTx/>
+              <a:buSzTx/>
+              <a:buFontTx/>
+              <a:buNone/>
+              <a:tabLst/>
+            </a:pPr>
+            <a:endParaRPr lang="en-US" altLang="en-US" sz="600" dirty="0">
+              <a:latin typeface="Arial" panose="020B0604020202020204" pitchFamily="34" charset="0"/>
+            </a:endParaRPr>
+          </a:p>
+          <a:p>
+            <a:pPr marL="0" marR="0" lvl="0" indent="0" algn="l" defTabSz="914400" rtl="0" eaLnBrk="0" fontAlgn="base" latinLnBrk="0" hangingPunct="0">
+              <a:lnSpc>
+                <a:spcPct val="100000"/>
+              </a:lnSpc>
+              <a:spcBef>
+                <a:spcPct val="0"/>
+              </a:spcBef>
+              <a:spcAft>
+                <a:spcPct val="0"/>
+              </a:spcAft>
+              <a:buClrTx/>
+              <a:buSzTx/>
+              <a:buFontTx/>
+              <a:buNone/>
+              <a:tabLst/>
+            </a:pPr>
+            <a:endParaRPr kumimoji="0" lang="en-US" altLang="en-US" sz="600" b="0" i="0" u="none" strike="noStrike" cap="none" normalizeH="0" baseline="0" dirty="0" smtClean="0">
+              <a:ln>
+                <a:noFill/>
+              </a:ln>
+              <a:solidFill>
+                <a:schemeClr val="tx1"/>
+              </a:solidFill>
+              <a:effectLst/>
+            </a:endParaRPr>
+          </a:p>
+          <a:p>
+            <a:pPr marL="0" marR="0" lvl="0" indent="0" algn="l" defTabSz="914400" rtl="0" eaLnBrk="0" fontAlgn="base" latinLnBrk="0" hangingPunct="0">
+              <a:lnSpc>
+                <a:spcPct val="100000"/>
+              </a:lnSpc>
+              <a:spcBef>
+                <a:spcPct val="0"/>
+              </a:spcBef>
+              <a:spcAft>
+                <a:spcPct val="0"/>
+              </a:spcAft>
+              <a:buClrTx/>
+              <a:buSzTx/>
+              <a:buFontTx/>
+              <a:buNone/>
+              <a:tabLst/>
+            </a:pPr>
+            <a:endParaRPr lang="en-US" altLang="en-US" sz="600" dirty="0">
+              <a:latin typeface="Arial" panose="020B0604020202020204" pitchFamily="34" charset="0"/>
+            </a:endParaRPr>
+          </a:p>
+          <a:p>
+            <a:pPr marL="0" marR="0" lvl="0" indent="0" algn="l" defTabSz="914400" rtl="0" eaLnBrk="0" fontAlgn="base" latinLnBrk="0" hangingPunct="0">
+              <a:lnSpc>
+                <a:spcPct val="100000"/>
+              </a:lnSpc>
+              <a:spcBef>
+                <a:spcPct val="0"/>
+              </a:spcBef>
+              <a:spcAft>
+                <a:spcPct val="0"/>
+              </a:spcAft>
+              <a:buClrTx/>
+              <a:buSzTx/>
+              <a:buFontTx/>
+              <a:buNone/>
+              <a:tabLst/>
+            </a:pPr>
+            <a:endParaRPr kumimoji="0" lang="en-US" altLang="en-US" sz="600" b="0" i="0" u="none" strike="noStrike" cap="none" normalizeH="0" baseline="0" dirty="0" smtClean="0">
+              <a:ln>
+                <a:noFill/>
+              </a:ln>
+              <a:solidFill>
+                <a:schemeClr val="tx1"/>
+              </a:solidFill>
+              <a:effectLst/>
+            </a:endParaRPr>
+          </a:p>
+          <a:p>
+            <a:pPr marL="0" marR="0" lvl="0" indent="0" algn="l" defTabSz="914400" rtl="0" eaLnBrk="0" fontAlgn="base" latinLnBrk="0" hangingPunct="0">
+              <a:lnSpc>
+                <a:spcPct val="100000"/>
+              </a:lnSpc>
+              <a:spcBef>
+                <a:spcPct val="0"/>
+              </a:spcBef>
+              <a:spcAft>
+                <a:spcPct val="0"/>
+              </a:spcAft>
+              <a:buClrTx/>
+              <a:buSzTx/>
+              <a:buFontTx/>
+              <a:buNone/>
+              <a:tabLst/>
+            </a:pPr>
+            <a:endParaRPr lang="en-US" altLang="en-US" sz="600" dirty="0">
+              <a:latin typeface="Arial" panose="020B0604020202020204" pitchFamily="34" charset="0"/>
+            </a:endParaRPr>
+          </a:p>
+          <a:p>
+            <a:pPr marL="0" marR="0" lvl="0" indent="0" algn="l" defTabSz="914400" rtl="0" eaLnBrk="0" fontAlgn="base" latinLnBrk="0" hangingPunct="0">
+              <a:lnSpc>
+                <a:spcPct val="100000"/>
+              </a:lnSpc>
+              <a:spcBef>
+                <a:spcPct val="0"/>
+              </a:spcBef>
+              <a:spcAft>
+                <a:spcPct val="0"/>
+              </a:spcAft>
+              <a:buClrTx/>
+              <a:buSzTx/>
+              <a:buFontTx/>
+              <a:buNone/>
+              <a:tabLst/>
+            </a:pPr>
+            <a:endParaRPr kumimoji="0" lang="en-US" altLang="en-US" sz="600" b="0" i="0" u="none" strike="noStrike" cap="none" normalizeH="0" baseline="0" dirty="0" smtClean="0">
+              <a:ln>
+                <a:noFill/>
+              </a:ln>
+              <a:solidFill>
+                <a:schemeClr val="tx1"/>
+              </a:solidFill>
+              <a:effectLst/>
+            </a:endParaRPr>
+          </a:p>
+          <a:p>
+            <a:pPr marL="0" marR="0" lvl="0" indent="0" algn="l" defTabSz="914400" rtl="0" eaLnBrk="0" fontAlgn="base" latinLnBrk="0" hangingPunct="0">
+              <a:lnSpc>
+                <a:spcPct val="100000"/>
+              </a:lnSpc>
+              <a:spcBef>
+                <a:spcPct val="0"/>
+              </a:spcBef>
+              <a:spcAft>
+                <a:spcPct val="0"/>
+              </a:spcAft>
+              <a:buClrTx/>
+              <a:buSzTx/>
+              <a:buFontTx/>
+              <a:buNone/>
+              <a:tabLst/>
+            </a:pPr>
+            <a:endParaRPr lang="en-US" altLang="en-US" sz="600" dirty="0">
+              <a:latin typeface="Arial" panose="020B0604020202020204" pitchFamily="34" charset="0"/>
+            </a:endParaRPr>
+          </a:p>
+          <a:p>
+            <a:pPr marL="0" marR="0" lvl="0" indent="0" algn="l" defTabSz="914400" rtl="0" eaLnBrk="0" fontAlgn="base" latinLnBrk="0" hangingPunct="0">
+              <a:lnSpc>
+                <a:spcPct val="100000"/>
+              </a:lnSpc>
+              <a:spcBef>
+                <a:spcPct val="0"/>
+              </a:spcBef>
+              <a:spcAft>
+                <a:spcPct val="0"/>
+              </a:spcAft>
+              <a:buClrTx/>
+              <a:buSzTx/>
+              <a:buFontTx/>
+              <a:buNone/>
+              <a:tabLst/>
+            </a:pPr>
+            <a:endParaRPr kumimoji="0" lang="en-US" altLang="en-US" sz="600" b="0" i="0" u="none" strike="noStrike" cap="none" normalizeH="0" baseline="0" dirty="0" smtClean="0">
+              <a:ln>
+                <a:noFill/>
+              </a:ln>
+              <a:solidFill>
+                <a:schemeClr val="tx1"/>
+              </a:solidFill>
+              <a:effectLst/>
+            </a:endParaRPr>
+          </a:p>
+          <a:p>
+            <a:pPr marL="0" marR="0" lvl="0" indent="0" algn="l" defTabSz="914400" rtl="0" eaLnBrk="0" fontAlgn="base" latinLnBrk="0" hangingPunct="0">
+              <a:lnSpc>
+                <a:spcPct val="100000"/>
+              </a:lnSpc>
+              <a:spcBef>
+                <a:spcPct val="0"/>
+              </a:spcBef>
+              <a:spcAft>
+                <a:spcPct val="0"/>
+              </a:spcAft>
+              <a:buClrTx/>
+              <a:buSzTx/>
+              <a:buFontTx/>
+              <a:buNone/>
+              <a:tabLst/>
+            </a:pPr>
+            <a:endParaRPr kumimoji="0" lang="en-US" altLang="en-US" sz="1800" b="0" i="0" u="none" strike="noStrike" cap="none" normalizeH="0" baseline="0" dirty="0" smtClean="0">
+              <a:ln>
+                <a:noFill/>
+              </a:ln>
+              <a:solidFill>
+                <a:schemeClr val="tx1"/>
+              </a:solidFill>
+              <a:effectLst/>
+              <a:latin typeface="Arial" panose="020B0604020202020204" pitchFamily="34" charset="0"/>
+            </a:endParaRPr>
+          </a:p>
+        </p:txBody>
+      </p:sp>
     </p:spTree>
     <p:extLst>
       <p:ext uri="{BB962C8B-B14F-4D97-AF65-F5344CB8AC3E}">
-        <p14:creationId xmlns:p14="http://schemas.microsoft.com/office/powerpoint/2010/main" val="1273004193"/>
+        <p14:creationId xmlns:p14="http://schemas.microsoft.com/office/powerpoint/2010/main" val="2525738183"/>
       </p:ext>
     </p:extLst>
   </p:cSld>
@@ -4793,12 +6789,21 @@
             <p:ph type="title"/>
           </p:nvPr>
         </p:nvSpPr>
-        <p:spPr/>
-        <p:txBody>
-          <a:bodyPr/>
-          <a:lstStyle/>
-          <a:p>
-            <a:endParaRPr lang="en-US"/>
+        <p:spPr>
+          <a:xfrm>
+            <a:off x="17675" y="152400"/>
+            <a:ext cx="5940000" cy="671292"/>
+          </a:xfrm>
+        </p:spPr>
+        <p:txBody>
+          <a:bodyPr/>
+          <a:lstStyle/>
+          <a:p>
+            <a:r>
+              <a:rPr lang="en-US" dirty="0" smtClean="0"/>
+              <a:t>Machine Data Visualization</a:t>
+            </a:r>
+            <a:endParaRPr lang="en-US" dirty="0"/>
           </a:p>
         </p:txBody>
       </p:sp>
@@ -4824,8 +6829,8 @@
         </p:blipFill>
         <p:spPr>
           <a:xfrm>
-            <a:off x="0" y="685801"/>
-            <a:ext cx="9144000" cy="6172200"/>
+            <a:off x="0" y="914400"/>
+            <a:ext cx="9144000" cy="5978770"/>
           </a:xfrm>
           <a:prstGeom prst="rect">
             <a:avLst/>
@@ -4835,7 +6840,7 @@
     </p:spTree>
     <p:extLst>
       <p:ext uri="{BB962C8B-B14F-4D97-AF65-F5344CB8AC3E}">
-        <p14:creationId xmlns:p14="http://schemas.microsoft.com/office/powerpoint/2010/main" val="3350434109"/>
+        <p14:creationId xmlns:p14="http://schemas.microsoft.com/office/powerpoint/2010/main" val="3132936426"/>
       </p:ext>
     </p:extLst>
   </p:cSld>
@@ -4928,9 +6933,9 @@
       </p:sp>
       <p:pic>
         <p:nvPicPr>
-          <p:cNvPr id="5" name="Picture 4" descr="Screen Clipping"/>
+          <p:cNvPr id="1027" name="Picture 3"/>
           <p:cNvPicPr>
-            <a:picLocks noChangeAspect="1"/>
+            <a:picLocks noChangeAspect="1" noChangeArrowheads="1"/>
           </p:cNvPicPr>
           <p:nvPr/>
         </p:nvPicPr>
@@ -4942,24 +6947,48 @@
               </a:ext>
             </a:extLst>
           </a:blip>
+          <a:srcRect/>
           <a:stretch>
             <a:fillRect/>
           </a:stretch>
         </p:blipFill>
-        <p:spPr>
+        <p:spPr bwMode="auto">
           <a:xfrm>
-            <a:off x="0" y="762000"/>
-            <a:ext cx="9144000" cy="6096000"/>
+            <a:off x="-8793" y="0"/>
+            <a:ext cx="9144000" cy="6857999"/>
           </a:xfrm>
           <a:prstGeom prst="rect">
             <a:avLst/>
           </a:prstGeom>
+          <a:noFill/>
+          <a:ln>
+            <a:noFill/>
+          </a:ln>
+          <a:extLst>
+            <a:ext uri="{909E8E84-426E-40DD-AFC4-6F175D3DCCD1}">
+              <a14:hiddenFill xmlns:a14="http://schemas.microsoft.com/office/drawing/2010/main">
+                <a:solidFill>
+                  <a:schemeClr val="accent1"/>
+                </a:solidFill>
+              </a14:hiddenFill>
+            </a:ext>
+            <a:ext uri="{91240B29-F687-4F45-9708-019B960494DF}">
+              <a14:hiddenLine xmlns:a14="http://schemas.microsoft.com/office/drawing/2010/main" w="9525">
+                <a:solidFill>
+                  <a:schemeClr val="tx1"/>
+                </a:solidFill>
+                <a:miter lim="800000"/>
+                <a:headEnd/>
+                <a:tailEnd/>
+              </a14:hiddenLine>
+            </a:ext>
+          </a:extLst>
         </p:spPr>
       </p:pic>
     </p:spTree>
     <p:extLst>
       <p:ext uri="{BB962C8B-B14F-4D97-AF65-F5344CB8AC3E}">
-        <p14:creationId xmlns:p14="http://schemas.microsoft.com/office/powerpoint/2010/main" val="4051474865"/>
+        <p14:creationId xmlns:p14="http://schemas.microsoft.com/office/powerpoint/2010/main" val="2017165027"/>
       </p:ext>
     </p:extLst>
   </p:cSld>
@@ -5052,7 +7081,7 @@
       </p:sp>
       <p:pic>
         <p:nvPicPr>
-          <p:cNvPr id="6" name="Picture 5" descr="Screen Clipping"/>
+          <p:cNvPr id="5" name="Picture 4" descr="Screen Clipping"/>
           <p:cNvPicPr>
             <a:picLocks noChangeAspect="1"/>
           </p:cNvPicPr>
@@ -5072,8 +7101,8 @@
         </p:blipFill>
         <p:spPr>
           <a:xfrm>
-            <a:off x="1" y="685800"/>
-            <a:ext cx="9144000" cy="6172200"/>
+            <a:off x="0" y="0"/>
+            <a:ext cx="9144000" cy="6858000"/>
           </a:xfrm>
           <a:prstGeom prst="rect">
             <a:avLst/>
@@ -5083,7 +7112,7 @@
     </p:spTree>
     <p:extLst>
       <p:ext uri="{BB962C8B-B14F-4D97-AF65-F5344CB8AC3E}">
-        <p14:creationId xmlns:p14="http://schemas.microsoft.com/office/powerpoint/2010/main" val="4263850466"/>
+        <p14:creationId xmlns:p14="http://schemas.microsoft.com/office/powerpoint/2010/main" val="1273004193"/>
       </p:ext>
     </p:extLst>
   </p:cSld>
@@ -5196,8 +7225,8 @@
         </p:blipFill>
         <p:spPr>
           <a:xfrm>
-            <a:off x="0" y="685800"/>
-            <a:ext cx="9144000" cy="6095999"/>
+            <a:off x="0" y="685801"/>
+            <a:ext cx="9144000" cy="6172200"/>
           </a:xfrm>
           <a:prstGeom prst="rect">
             <a:avLst/>
@@ -5207,7 +7236,7 @@
     </p:spTree>
     <p:extLst>
       <p:ext uri="{BB962C8B-B14F-4D97-AF65-F5344CB8AC3E}">
-        <p14:creationId xmlns:p14="http://schemas.microsoft.com/office/powerpoint/2010/main" val="880326384"/>
+        <p14:creationId xmlns:p14="http://schemas.microsoft.com/office/powerpoint/2010/main" val="3350434109"/>
       </p:ext>
     </p:extLst>
   </p:cSld>
@@ -5300,7 +7329,7 @@
       </p:sp>
       <p:pic>
         <p:nvPicPr>
-          <p:cNvPr id="6" name="Picture 5" descr="Screen Clipping"/>
+          <p:cNvPr id="5" name="Picture 4" descr="Screen Clipping"/>
           <p:cNvPicPr>
             <a:picLocks noChangeAspect="1"/>
           </p:cNvPicPr>
@@ -5320,8 +7349,8 @@
         </p:blipFill>
         <p:spPr>
           <a:xfrm>
-            <a:off x="0" y="838200"/>
-            <a:ext cx="9144000" cy="6019800"/>
+            <a:off x="0" y="762000"/>
+            <a:ext cx="9144000" cy="6096000"/>
           </a:xfrm>
           <a:prstGeom prst="rect">
             <a:avLst/>
@@ -5331,7 +7360,7 @@
     </p:spTree>
     <p:extLst>
       <p:ext uri="{BB962C8B-B14F-4D97-AF65-F5344CB8AC3E}">
-        <p14:creationId xmlns:p14="http://schemas.microsoft.com/office/powerpoint/2010/main" val="3457502197"/>
+        <p14:creationId xmlns:p14="http://schemas.microsoft.com/office/powerpoint/2010/main" val="4051474865"/>
       </p:ext>
     </p:extLst>
   </p:cSld>
@@ -5424,7 +7453,7 @@
       </p:sp>
       <p:pic>
         <p:nvPicPr>
-          <p:cNvPr id="5" name="Picture 4" descr="Screen Clipping"/>
+          <p:cNvPr id="6" name="Picture 5" descr="Screen Clipping"/>
           <p:cNvPicPr>
             <a:picLocks noChangeAspect="1"/>
           </p:cNvPicPr>
@@ -5444,7 +7473,7 @@
         </p:blipFill>
         <p:spPr>
           <a:xfrm>
-            <a:off x="0" y="685800"/>
+            <a:off x="1" y="685800"/>
             <a:ext cx="9144000" cy="6172200"/>
           </a:xfrm>
           <a:prstGeom prst="rect">
@@ -5455,7 +7484,7 @@
     </p:spTree>
     <p:extLst>
       <p:ext uri="{BB962C8B-B14F-4D97-AF65-F5344CB8AC3E}">
-        <p14:creationId xmlns:p14="http://schemas.microsoft.com/office/powerpoint/2010/main" val="588947375"/>
+        <p14:creationId xmlns:p14="http://schemas.microsoft.com/office/powerpoint/2010/main" val="4263850466"/>
       </p:ext>
     </p:extLst>
   </p:cSld>
@@ -5568,7 +7597,7 @@
           <a:p>
             <a:fld id="{5F5C7AA8-AF19-4FCF-98FD-FB8AFEA87A63}" type="datetime4">
               <a:rPr lang="en-US" smtClean="0"/>
-              <a:t>June 7, 2019</a:t>
+              <a:t>September 17, 2019</a:t>
             </a:fld>
             <a:endParaRPr lang="de-DE"/>
           </a:p>
@@ -5822,7 +7851,7 @@
       </p:sp>
       <p:pic>
         <p:nvPicPr>
-          <p:cNvPr id="5" name="Picture 4" descr="Screen Clipping"/>
+          <p:cNvPr id="6" name="Picture 5" descr="Screen Clipping"/>
           <p:cNvPicPr>
             <a:picLocks noChangeAspect="1"/>
           </p:cNvPicPr>
@@ -5842,8 +7871,8 @@
         </p:blipFill>
         <p:spPr>
           <a:xfrm>
-            <a:off x="0" y="0"/>
-            <a:ext cx="9144000" cy="6858000"/>
+            <a:off x="0" y="838200"/>
+            <a:ext cx="9144000" cy="6019800"/>
           </a:xfrm>
           <a:prstGeom prst="rect">
             <a:avLst/>
@@ -5853,7 +7882,7 @@
     </p:spTree>
     <p:extLst>
       <p:ext uri="{BB962C8B-B14F-4D97-AF65-F5344CB8AC3E}">
-        <p14:creationId xmlns:p14="http://schemas.microsoft.com/office/powerpoint/2010/main" val="428675770"/>
+        <p14:creationId xmlns:p14="http://schemas.microsoft.com/office/powerpoint/2010/main" val="3457502197"/>
       </p:ext>
     </p:extLst>
   </p:cSld>
@@ -5946,9 +7975,9 @@
       </p:sp>
       <p:pic>
         <p:nvPicPr>
-          <p:cNvPr id="2050" name="Picture 2"/>
+          <p:cNvPr id="5" name="Picture 4" descr="Screen Clipping"/>
           <p:cNvPicPr>
-            <a:picLocks noChangeAspect="1" noChangeArrowheads="1"/>
+            <a:picLocks noChangeAspect="1"/>
           </p:cNvPicPr>
           <p:nvPr/>
         </p:nvPicPr>
@@ -5960,48 +7989,24 @@
               </a:ext>
             </a:extLst>
           </a:blip>
-          <a:srcRect/>
           <a:stretch>
             <a:fillRect/>
           </a:stretch>
         </p:blipFill>
-        <p:spPr bwMode="auto">
+        <p:spPr>
           <a:xfrm>
-            <a:off x="0" y="1"/>
-            <a:ext cx="9144000" cy="6858000"/>
+            <a:off x="0" y="685800"/>
+            <a:ext cx="9144000" cy="6172200"/>
           </a:xfrm>
           <a:prstGeom prst="rect">
             <a:avLst/>
           </a:prstGeom>
-          <a:noFill/>
-          <a:ln>
-            <a:noFill/>
-          </a:ln>
-          <a:extLst>
-            <a:ext uri="{909E8E84-426E-40DD-AFC4-6F175D3DCCD1}">
-              <a14:hiddenFill xmlns:a14="http://schemas.microsoft.com/office/drawing/2010/main">
-                <a:solidFill>
-                  <a:schemeClr val="accent1"/>
-                </a:solidFill>
-              </a14:hiddenFill>
-            </a:ext>
-            <a:ext uri="{91240B29-F687-4F45-9708-019B960494DF}">
-              <a14:hiddenLine xmlns:a14="http://schemas.microsoft.com/office/drawing/2010/main" w="9525">
-                <a:solidFill>
-                  <a:schemeClr val="tx1"/>
-                </a:solidFill>
-                <a:miter lim="800000"/>
-                <a:headEnd/>
-                <a:tailEnd/>
-              </a14:hiddenLine>
-            </a:ext>
-          </a:extLst>
         </p:spPr>
       </p:pic>
     </p:spTree>
     <p:extLst>
       <p:ext uri="{BB962C8B-B14F-4D97-AF65-F5344CB8AC3E}">
-        <p14:creationId xmlns:p14="http://schemas.microsoft.com/office/powerpoint/2010/main" val="2144506038"/>
+        <p14:creationId xmlns:p14="http://schemas.microsoft.com/office/powerpoint/2010/main" val="588947375"/>
       </p:ext>
     </p:extLst>
   </p:cSld>
@@ -6094,9 +8099,9 @@
       </p:sp>
       <p:pic>
         <p:nvPicPr>
-          <p:cNvPr id="5" name="Picture 4" descr="Screen Clipping"/>
+          <p:cNvPr id="2050" name="Picture 2"/>
           <p:cNvPicPr>
-            <a:picLocks noChangeAspect="1"/>
+            <a:picLocks noChangeAspect="1" noChangeArrowheads="1"/>
           </p:cNvPicPr>
           <p:nvPr/>
         </p:nvPicPr>
@@ -6108,189 +8113,48 @@
               </a:ext>
             </a:extLst>
           </a:blip>
+          <a:srcRect/>
           <a:stretch>
             <a:fillRect/>
           </a:stretch>
         </p:blipFill>
-        <p:spPr>
+        <p:spPr bwMode="auto">
           <a:xfrm>
-            <a:off x="0" y="979069"/>
-            <a:ext cx="9144000" cy="5878931"/>
+            <a:off x="0" y="1"/>
+            <a:ext cx="9144000" cy="6858000"/>
           </a:xfrm>
           <a:prstGeom prst="rect">
             <a:avLst/>
           </a:prstGeom>
-        </p:spPr>
-      </p:pic>
-      <p:sp>
-        <p:nvSpPr>
-          <p:cNvPr id="6" name="Title 3"/>
-          <p:cNvSpPr txBox="1">
-            <a:spLocks/>
-          </p:cNvSpPr>
-          <p:nvPr/>
-        </p:nvSpPr>
-        <p:spPr bwMode="auto">
-          <a:xfrm>
-            <a:off x="0" y="307777"/>
-            <a:ext cx="2971800" cy="671292"/>
-          </a:xfrm>
-          <a:prstGeom prst="rect">
-            <a:avLst/>
-          </a:prstGeom>
-          <a:solidFill>
-            <a:schemeClr val="accent5"/>
-          </a:solidFill>
-          <a:ln w="9525">
+          <a:noFill/>
+          <a:ln>
             <a:noFill/>
           </a:ln>
-        </p:spPr>
-        <p:txBody>
-          <a:bodyPr vert="horz" wrap="square" lIns="252000" tIns="180000" rIns="0" bIns="180000" rtlCol="0" anchor="b" anchorCtr="0">
-            <a:spAutoFit/>
-          </a:bodyPr>
-          <a:lstStyle>
-            <a:lvl1pPr algn="l" defTabSz="914400" rtl="0" eaLnBrk="1" latinLnBrk="0" hangingPunct="1">
-              <a:lnSpc>
-                <a:spcPct val="100000"/>
-              </a:lnSpc>
-              <a:spcBef>
-                <a:spcPct val="0"/>
-              </a:spcBef>
-              <a:buNone/>
-              <a:defRPr sz="2000" b="1" kern="1200" cap="none" baseline="0">
-                <a:solidFill>
-                  <a:schemeClr val="tx2"/>
-                </a:solidFill>
-                <a:latin typeface="+mj-lt"/>
-                <a:ea typeface="+mj-ea"/>
-                <a:cs typeface="+mj-cs"/>
-              </a:defRPr>
-            </a:lvl1pPr>
-          </a:lstStyle>
-          <a:p>
-            <a:r>
-              <a:rPr lang="en-US" dirty="0" smtClean="0"/>
-              <a:t>Flask Application</a:t>
-            </a:r>
-            <a:endParaRPr lang="en-US" dirty="0"/>
-          </a:p>
-        </p:txBody>
-      </p:sp>
-      <p:sp>
-        <p:nvSpPr>
-          <p:cNvPr id="7" name="Title 3"/>
-          <p:cNvSpPr txBox="1">
-            <a:spLocks/>
-          </p:cNvSpPr>
-          <p:nvPr/>
-        </p:nvSpPr>
-        <p:spPr bwMode="auto">
-          <a:xfrm>
-            <a:off x="2971800" y="307777"/>
-            <a:ext cx="2590800" cy="671292"/>
-          </a:xfrm>
-          <a:prstGeom prst="rect">
-            <a:avLst/>
-          </a:prstGeom>
-          <a:solidFill>
-            <a:schemeClr val="accent5"/>
-          </a:solidFill>
-          <a:ln w="9525">
-            <a:noFill/>
-          </a:ln>
-        </p:spPr>
-        <p:txBody>
-          <a:bodyPr vert="horz" wrap="square" lIns="252000" tIns="180000" rIns="0" bIns="180000" rtlCol="0" anchor="b" anchorCtr="0">
-            <a:spAutoFit/>
-          </a:bodyPr>
-          <a:lstStyle>
-            <a:lvl1pPr algn="l" defTabSz="914400" rtl="0" eaLnBrk="1" latinLnBrk="0" hangingPunct="1">
-              <a:lnSpc>
-                <a:spcPct val="100000"/>
-              </a:lnSpc>
-              <a:spcBef>
-                <a:spcPct val="0"/>
-              </a:spcBef>
-              <a:buNone/>
-              <a:defRPr sz="2000" b="1" kern="1200" cap="none" baseline="0">
-                <a:solidFill>
-                  <a:schemeClr val="tx2"/>
-                </a:solidFill>
-                <a:latin typeface="+mj-lt"/>
-                <a:ea typeface="+mj-ea"/>
-                <a:cs typeface="+mj-cs"/>
-              </a:defRPr>
-            </a:lvl1pPr>
-          </a:lstStyle>
-          <a:p>
-            <a:r>
-              <a:rPr lang="en-US" dirty="0" smtClean="0"/>
-              <a:t>Celery Worker</a:t>
-            </a:r>
-            <a:endParaRPr lang="en-US" dirty="0"/>
-          </a:p>
-        </p:txBody>
-      </p:sp>
-      <p:sp>
-        <p:nvSpPr>
-          <p:cNvPr id="8" name="Title 3"/>
-          <p:cNvSpPr txBox="1">
-            <a:spLocks/>
-          </p:cNvSpPr>
-          <p:nvPr/>
-        </p:nvSpPr>
-        <p:spPr bwMode="auto">
-          <a:xfrm>
-            <a:off x="5410200" y="307777"/>
-            <a:ext cx="1803779" cy="671292"/>
-          </a:xfrm>
-          <a:prstGeom prst="rect">
-            <a:avLst/>
-          </a:prstGeom>
-          <a:solidFill>
-            <a:schemeClr val="accent5"/>
-          </a:solidFill>
-          <a:ln w="9525">
-            <a:noFill/>
-          </a:ln>
-        </p:spPr>
-        <p:txBody>
-          <a:bodyPr vert="horz" wrap="square" lIns="252000" tIns="180000" rIns="0" bIns="180000" rtlCol="0" anchor="b" anchorCtr="0">
-            <a:spAutoFit/>
-          </a:bodyPr>
-          <a:lstStyle>
-            <a:lvl1pPr algn="l" defTabSz="914400" rtl="0" eaLnBrk="1" latinLnBrk="0" hangingPunct="1">
-              <a:lnSpc>
-                <a:spcPct val="100000"/>
-              </a:lnSpc>
-              <a:spcBef>
-                <a:spcPct val="0"/>
-              </a:spcBef>
-              <a:buNone/>
-              <a:defRPr sz="2000" b="1" kern="1200" cap="none" baseline="0">
-                <a:solidFill>
-                  <a:schemeClr val="tx2"/>
-                </a:solidFill>
-                <a:latin typeface="+mj-lt"/>
-                <a:ea typeface="+mj-ea"/>
-                <a:cs typeface="+mj-cs"/>
-              </a:defRPr>
-            </a:lvl1pPr>
-          </a:lstStyle>
-          <a:p>
-            <a:r>
-              <a:rPr lang="en-US" dirty="0" smtClean="0"/>
-              <a:t>Celery Beat</a:t>
-            </a:r>
-            <a:endParaRPr lang="en-US" dirty="0"/>
-          </a:p>
-        </p:txBody>
-      </p:sp>
+          <a:extLst>
+            <a:ext uri="{909E8E84-426E-40DD-AFC4-6F175D3DCCD1}">
+              <a14:hiddenFill xmlns:a14="http://schemas.microsoft.com/office/drawing/2010/main">
+                <a:solidFill>
+                  <a:schemeClr val="accent1"/>
+                </a:solidFill>
+              </a14:hiddenFill>
+            </a:ext>
+            <a:ext uri="{91240B29-F687-4F45-9708-019B960494DF}">
+              <a14:hiddenLine xmlns:a14="http://schemas.microsoft.com/office/drawing/2010/main" w="9525">
+                <a:solidFill>
+                  <a:schemeClr val="tx1"/>
+                </a:solidFill>
+                <a:miter lim="800000"/>
+                <a:headEnd/>
+                <a:tailEnd/>
+              </a14:hiddenLine>
+            </a:ext>
+          </a:extLst>
+        </p:spPr>
+      </p:pic>
     </p:spTree>
     <p:extLst>
       <p:ext uri="{BB962C8B-B14F-4D97-AF65-F5344CB8AC3E}">
-        <p14:creationId xmlns:p14="http://schemas.microsoft.com/office/powerpoint/2010/main" val="789371204"/>
+        <p14:creationId xmlns:p14="http://schemas.microsoft.com/office/powerpoint/2010/main" val="2144506038"/>
       </p:ext>
     </p:extLst>
   </p:cSld>
@@ -6372,179 +8236,103 @@
             <p:ph type="title"/>
           </p:nvPr>
         </p:nvSpPr>
+        <p:spPr/>
+        <p:txBody>
+          <a:bodyPr/>
+          <a:lstStyle/>
+          <a:p>
+            <a:endParaRPr lang="en-US"/>
+          </a:p>
+        </p:txBody>
+      </p:sp>
+      <p:pic>
+        <p:nvPicPr>
+          <p:cNvPr id="5" name="Picture 4" descr="Screen Clipping"/>
+          <p:cNvPicPr>
+            <a:picLocks noChangeAspect="1"/>
+          </p:cNvPicPr>
+          <p:nvPr/>
+        </p:nvPicPr>
+        <p:blipFill>
+          <a:blip r:embed="rId2">
+            <a:extLst>
+              <a:ext uri="{28A0092B-C50C-407E-A947-70E740481C1C}">
+                <a14:useLocalDpi xmlns:a14="http://schemas.microsoft.com/office/drawing/2010/main" val="0"/>
+              </a:ext>
+            </a:extLst>
+          </a:blip>
+          <a:stretch>
+            <a:fillRect/>
+          </a:stretch>
+        </p:blipFill>
         <p:spPr>
           <a:xfrm>
-            <a:off x="25021" y="90708"/>
-            <a:ext cx="5940000" cy="671292"/>
-          </a:xfrm>
-        </p:spPr>
-        <p:txBody>
-          <a:bodyPr/>
-          <a:lstStyle/>
-          <a:p>
-            <a:r>
-              <a:rPr lang="en-US" dirty="0" smtClean="0"/>
-              <a:t>Software Requirements</a:t>
-            </a:r>
-            <a:endParaRPr lang="en-US" dirty="0"/>
-          </a:p>
-        </p:txBody>
-      </p:sp>
-      <p:sp>
-        <p:nvSpPr>
-          <p:cNvPr id="5" name="Rectangle 4"/>
-          <p:cNvSpPr/>
-          <p:nvPr/>
-        </p:nvSpPr>
-        <p:spPr>
-          <a:xfrm>
-            <a:off x="25021" y="762000"/>
-            <a:ext cx="4572000" cy="5078313"/>
+            <a:off x="0" y="685800"/>
+            <a:ext cx="9144000" cy="6096000"/>
           </a:xfrm>
           <a:prstGeom prst="rect">
             <a:avLst/>
           </a:prstGeom>
         </p:spPr>
-        <p:txBody>
-          <a:bodyPr>
+      </p:pic>
+      <p:sp>
+        <p:nvSpPr>
+          <p:cNvPr id="6" name="Title 3"/>
+          <p:cNvSpPr txBox="1">
+            <a:spLocks/>
+          </p:cNvSpPr>
+          <p:nvPr/>
+        </p:nvSpPr>
+        <p:spPr bwMode="auto">
+          <a:xfrm>
+            <a:off x="17675" y="0"/>
+            <a:ext cx="5940000" cy="671292"/>
+          </a:xfrm>
+          <a:prstGeom prst="rect">
+            <a:avLst/>
+          </a:prstGeom>
+          <a:solidFill>
+            <a:schemeClr val="accent5"/>
+          </a:solidFill>
+          <a:ln w="9525">
+            <a:noFill/>
+          </a:ln>
+        </p:spPr>
+        <p:txBody>
+          <a:bodyPr vert="horz" wrap="square" lIns="252000" tIns="180000" rIns="0" bIns="180000" rtlCol="0" anchor="b" anchorCtr="0">
             <a:spAutoFit/>
           </a:bodyPr>
-          <a:lstStyle/>
-          <a:p>
-            <a:r>
-              <a:rPr lang="en-US" dirty="0"/>
-              <a:t>celery==4.3.0</a:t>
-            </a:r>
-          </a:p>
-          <a:p>
-            <a:r>
-              <a:rPr lang="en-US" dirty="0"/>
-              <a:t>dash==0.40.0</a:t>
-            </a:r>
-          </a:p>
-          <a:p>
-            <a:r>
-              <a:rPr lang="en-US" dirty="0"/>
-              <a:t>dash-core-components==0.45.0</a:t>
-            </a:r>
-          </a:p>
-          <a:p>
-            <a:r>
-              <a:rPr lang="en-US" dirty="0"/>
-              <a:t>dash-html-components==0.15.0</a:t>
-            </a:r>
-          </a:p>
-          <a:p>
-            <a:r>
-              <a:rPr lang="en-US" dirty="0"/>
-              <a:t>dash-table==3.6.0</a:t>
-            </a:r>
-          </a:p>
-          <a:p>
-            <a:r>
-              <a:rPr lang="en-US" dirty="0"/>
-              <a:t>Flask==1.0.2</a:t>
-            </a:r>
-          </a:p>
-          <a:p>
-            <a:r>
-              <a:rPr lang="en-US" dirty="0"/>
-              <a:t>Flask-Cache==0.13.1</a:t>
-            </a:r>
-          </a:p>
-          <a:p>
-            <a:r>
-              <a:rPr lang="en-US" dirty="0"/>
-              <a:t>Flask-Caching==1.7.0</a:t>
-            </a:r>
-          </a:p>
-          <a:p>
-            <a:r>
-              <a:rPr lang="en-US" dirty="0"/>
-              <a:t>Flask-Compress==1.4.0</a:t>
-            </a:r>
-          </a:p>
-          <a:p>
-            <a:r>
-              <a:rPr lang="en-US" dirty="0"/>
-              <a:t>Flask-</a:t>
-            </a:r>
-            <a:r>
-              <a:rPr lang="en-US" dirty="0" err="1"/>
-              <a:t>Cors</a:t>
-            </a:r>
-            <a:r>
-              <a:rPr lang="en-US" dirty="0"/>
-              <a:t>==3.0.7</a:t>
-            </a:r>
-          </a:p>
-          <a:p>
-            <a:r>
-              <a:rPr lang="en-US" dirty="0"/>
-              <a:t>Jinja2==2.10</a:t>
-            </a:r>
-          </a:p>
-          <a:p>
-            <a:r>
-              <a:rPr lang="en-US" dirty="0" err="1"/>
-              <a:t>jsonschema</a:t>
-            </a:r>
-            <a:r>
-              <a:rPr lang="en-US" dirty="0"/>
-              <a:t>==2.6.0</a:t>
-            </a:r>
-          </a:p>
-          <a:p>
-            <a:r>
-              <a:rPr lang="en-US" dirty="0" err="1"/>
-              <a:t>numpy</a:t>
-            </a:r>
-            <a:r>
-              <a:rPr lang="en-US" dirty="0"/>
-              <a:t>==1.15.4</a:t>
-            </a:r>
-          </a:p>
-          <a:p>
-            <a:r>
-              <a:rPr lang="en-US" dirty="0"/>
-              <a:t>pandas==0.23.4</a:t>
-            </a:r>
-          </a:p>
-          <a:p>
-            <a:r>
-              <a:rPr lang="en-US" dirty="0" err="1"/>
-              <a:t>plotly</a:t>
-            </a:r>
-            <a:r>
-              <a:rPr lang="en-US" dirty="0"/>
-              <a:t>==3.7.1</a:t>
-            </a:r>
-          </a:p>
-          <a:p>
-            <a:r>
-              <a:rPr lang="en-US" dirty="0" err="1"/>
-              <a:t>redis</a:t>
-            </a:r>
-            <a:r>
-              <a:rPr lang="en-US" dirty="0"/>
-              <a:t>==</a:t>
-            </a:r>
+          <a:lstStyle>
+            <a:lvl1pPr algn="l" defTabSz="914400" rtl="0" eaLnBrk="1" latinLnBrk="0" hangingPunct="1">
+              <a:lnSpc>
+                <a:spcPct val="100000"/>
+              </a:lnSpc>
+              <a:spcBef>
+                <a:spcPct val="0"/>
+              </a:spcBef>
+              <a:buNone/>
+              <a:defRPr sz="2000" b="1" kern="1200" cap="none" baseline="0">
+                <a:solidFill>
+                  <a:schemeClr val="tx2"/>
+                </a:solidFill>
+                <a:latin typeface="+mj-lt"/>
+                <a:ea typeface="+mj-ea"/>
+                <a:cs typeface="+mj-cs"/>
+              </a:defRPr>
+            </a:lvl1pPr>
+          </a:lstStyle>
+          <a:p>
             <a:r>
               <a:rPr lang="en-US" dirty="0" smtClean="0"/>
-              <a:t>3.2.1</a:t>
-            </a:r>
-          </a:p>
-          <a:p>
-            <a:endParaRPr lang="en-US" dirty="0"/>
-          </a:p>
-          <a:p>
+              <a:t>Prototype of Production </a:t>
+            </a:r>
             <a:r>
               <a:rPr lang="en-US" dirty="0" err="1" smtClean="0"/>
-              <a:t>redis</a:t>
+              <a:t>DashBoard</a:t>
             </a:r>
             <a:r>
               <a:rPr lang="en-US" dirty="0" smtClean="0"/>
-              <a:t> server</a:t>
+              <a:t> </a:t>
             </a:r>
             <a:endParaRPr lang="en-US" dirty="0"/>
           </a:p>
@@ -6553,7 +8341,7 @@
     </p:spTree>
     <p:extLst>
       <p:ext uri="{BB962C8B-B14F-4D97-AF65-F5344CB8AC3E}">
-        <p14:creationId xmlns:p14="http://schemas.microsoft.com/office/powerpoint/2010/main" val="2227003504"/>
+        <p14:creationId xmlns:p14="http://schemas.microsoft.com/office/powerpoint/2010/main" val="44833018"/>
       </p:ext>
     </p:extLst>
   </p:cSld>
@@ -6666,8 +8454,8 @@
         </p:blipFill>
         <p:spPr>
           <a:xfrm>
-            <a:off x="0" y="735132"/>
-            <a:ext cx="9143999" cy="6122868"/>
+            <a:off x="0" y="685800"/>
+            <a:ext cx="9144000" cy="6172200"/>
           </a:xfrm>
           <a:prstGeom prst="rect">
             <a:avLst/>
@@ -6677,7 +8465,131 @@
     </p:spTree>
     <p:extLst>
       <p:ext uri="{BB962C8B-B14F-4D97-AF65-F5344CB8AC3E}">
-        <p14:creationId xmlns:p14="http://schemas.microsoft.com/office/powerpoint/2010/main" val="4269391038"/>
+        <p14:creationId xmlns:p14="http://schemas.microsoft.com/office/powerpoint/2010/main" val="918782523"/>
+      </p:ext>
+    </p:extLst>
+  </p:cSld>
+  <p:clrMapOvr>
+    <a:masterClrMapping/>
+  </p:clrMapOvr>
+  <p:timing>
+    <p:tnLst>
+      <p:par>
+        <p:cTn id="1" dur="indefinite" restart="never" nodeType="tmRoot"/>
+      </p:par>
+    </p:tnLst>
+  </p:timing>
+</p:sld>
+</file>
+
+<file path=ppt/slides/slide25.xml><?xml version="1.0" encoding="utf-8"?>
+<p:sld xmlns:a="http://schemas.openxmlformats.org/drawingml/2006/main" xmlns:r="http://schemas.openxmlformats.org/officeDocument/2006/relationships" xmlns:p="http://schemas.openxmlformats.org/presentationml/2006/main">
+  <p:cSld>
+    <p:spTree>
+      <p:nvGrpSpPr>
+        <p:cNvPr id="1" name=""/>
+        <p:cNvGrpSpPr/>
+        <p:nvPr/>
+      </p:nvGrpSpPr>
+      <p:grpSpPr>
+        <a:xfrm>
+          <a:off x="0" y="0"/>
+          <a:ext cx="0" cy="0"/>
+          <a:chOff x="0" y="0"/>
+          <a:chExt cx="0" cy="0"/>
+        </a:xfrm>
+      </p:grpSpPr>
+      <p:sp>
+        <p:nvSpPr>
+          <p:cNvPr id="2" name="Text Placeholder 1"/>
+          <p:cNvSpPr>
+            <a:spLocks noGrp="1"/>
+          </p:cNvSpPr>
+          <p:nvPr>
+            <p:ph type="body" sz="quarter" idx="14"/>
+          </p:nvPr>
+        </p:nvSpPr>
+        <p:spPr/>
+        <p:txBody>
+          <a:bodyPr/>
+          <a:lstStyle/>
+          <a:p>
+            <a:endParaRPr lang="en-US"/>
+          </a:p>
+        </p:txBody>
+      </p:sp>
+      <p:sp>
+        <p:nvSpPr>
+          <p:cNvPr id="3" name="Text Placeholder 2"/>
+          <p:cNvSpPr>
+            <a:spLocks noGrp="1"/>
+          </p:cNvSpPr>
+          <p:nvPr>
+            <p:ph type="body" sz="quarter" idx="13"/>
+          </p:nvPr>
+        </p:nvSpPr>
+        <p:spPr/>
+        <p:txBody>
+          <a:bodyPr/>
+          <a:lstStyle/>
+          <a:p>
+            <a:endParaRPr lang="en-US"/>
+          </a:p>
+        </p:txBody>
+      </p:sp>
+      <p:sp>
+        <p:nvSpPr>
+          <p:cNvPr id="4" name="Title 3"/>
+          <p:cNvSpPr>
+            <a:spLocks noGrp="1"/>
+          </p:cNvSpPr>
+          <p:nvPr>
+            <p:ph type="title"/>
+          </p:nvPr>
+        </p:nvSpPr>
+        <p:spPr/>
+        <p:txBody>
+          <a:bodyPr/>
+          <a:lstStyle/>
+          <a:p>
+            <a:endParaRPr lang="en-US"/>
+          </a:p>
+        </p:txBody>
+      </p:sp>
+      <p:pic>
+        <p:nvPicPr>
+          <p:cNvPr id="5" name="Picture 4" descr="Screen Clipping"/>
+          <p:cNvPicPr>
+            <a:picLocks noChangeAspect="1"/>
+          </p:cNvPicPr>
+          <p:nvPr/>
+        </p:nvPicPr>
+        <p:blipFill>
+          <a:blip r:embed="rId2">
+            <a:extLst>
+              <a:ext uri="{28A0092B-C50C-407E-A947-70E740481C1C}">
+                <a14:useLocalDpi xmlns:a14="http://schemas.microsoft.com/office/drawing/2010/main" val="0"/>
+              </a:ext>
+            </a:extLst>
+          </a:blip>
+          <a:stretch>
+            <a:fillRect/>
+          </a:stretch>
+        </p:blipFill>
+        <p:spPr>
+          <a:xfrm>
+            <a:off x="0" y="0"/>
+            <a:ext cx="9144000" cy="6858000"/>
+          </a:xfrm>
+          <a:prstGeom prst="rect">
+            <a:avLst/>
+          </a:prstGeom>
+        </p:spPr>
+      </p:pic>
+    </p:spTree>
+    <p:extLst>
+      <p:ext uri="{BB962C8B-B14F-4D97-AF65-F5344CB8AC3E}">
+        <p14:creationId xmlns:p14="http://schemas.microsoft.com/office/powerpoint/2010/main" val="4076784636"/>
       </p:ext>
     </p:extLst>
   </p:cSld>
@@ -6751,14 +8663,42 @@
       </p:sp>
       <p:sp>
         <p:nvSpPr>
+          <p:cNvPr id="4" name="Title 3"/>
+          <p:cNvSpPr>
+            <a:spLocks noGrp="1"/>
+          </p:cNvSpPr>
+          <p:nvPr>
+            <p:ph type="title"/>
+          </p:nvPr>
+        </p:nvSpPr>
+        <p:spPr>
+          <a:xfrm>
+            <a:off x="152400" y="228600"/>
+            <a:ext cx="5940000" cy="671292"/>
+          </a:xfrm>
+        </p:spPr>
+        <p:txBody>
+          <a:bodyPr/>
+          <a:lstStyle/>
+          <a:p>
+            <a:r>
+              <a:rPr lang="en-US" dirty="0" smtClean="0"/>
+              <a:t>Introduction</a:t>
+            </a:r>
+            <a:endParaRPr lang="en-US" dirty="0"/>
+          </a:p>
+        </p:txBody>
+      </p:sp>
+      <p:sp>
+        <p:nvSpPr>
           <p:cNvPr id="5" name="TextBox 4"/>
           <p:cNvSpPr txBox="1"/>
           <p:nvPr/>
         </p:nvSpPr>
         <p:spPr>
           <a:xfrm>
-            <a:off x="228600" y="990600"/>
-            <a:ext cx="8686800" cy="923330"/>
+            <a:off x="228600" y="1371600"/>
+            <a:ext cx="8458200" cy="923330"/>
           </a:xfrm>
           <a:prstGeom prst="rect">
             <a:avLst/>
@@ -6772,45 +8712,18 @@
           <a:lstStyle/>
           <a:p>
             <a:r>
-              <a:rPr lang="en-US" b="1" dirty="0" err="1"/>
-              <a:t>P</a:t>
-            </a:r>
-            <a:r>
-              <a:rPr lang="en-US" b="1" dirty="0" err="1" smtClean="0"/>
-              <a:t>lotly</a:t>
-            </a:r>
-            <a:r>
-              <a:rPr lang="en-US" b="1" dirty="0" smtClean="0"/>
-              <a:t> | Dash: -  </a:t>
-            </a:r>
-            <a:r>
-              <a:rPr lang="en-US" dirty="0"/>
-              <a:t>Dash is a Python framework for building analytical web </a:t>
-            </a:r>
-            <a:r>
               <a:rPr lang="en-US" dirty="0" smtClean="0"/>
-              <a:t>applications. No </a:t>
-            </a:r>
-            <a:r>
-              <a:rPr lang="en-US" dirty="0"/>
-              <a:t>JavaScript </a:t>
+              <a:t>While working on PLTCM Web HMI project I came across data visualization tool used in this project. The tool simply uses the </a:t>
+            </a:r>
+            <a:r>
+              <a:rPr lang="en-US" dirty="0" err="1" smtClean="0"/>
+              <a:t>matplotlib</a:t>
             </a:r>
             <a:r>
               <a:rPr lang="en-US" dirty="0" smtClean="0"/>
-              <a:t>required </a:t>
-            </a:r>
-            <a:r>
-              <a:rPr lang="en-US" dirty="0"/>
-              <a:t>b</a:t>
-            </a:r>
-            <a:r>
-              <a:rPr lang="en-US" dirty="0" smtClean="0"/>
-              <a:t>uild </a:t>
-            </a:r>
-            <a:r>
-              <a:rPr lang="en-US" dirty="0"/>
-              <a:t>on top of Plotly.js, React, and Flask, Dash ties modern UI elements like dropdowns, sliders, and graphs directly to your analytical python code.</a:t>
-            </a:r>
+              <a:t>(open source lib for plotting graphs) to plot data from data’s received from respective machine.</a:t>
+            </a:r>
+            <a:endParaRPr lang="en-US" dirty="0"/>
           </a:p>
         </p:txBody>
       </p:sp>
@@ -6822,8 +8735,8 @@
         </p:nvSpPr>
         <p:spPr>
           <a:xfrm>
-            <a:off x="228600" y="2057400"/>
-            <a:ext cx="8534400" cy="1200329"/>
+            <a:off x="381000" y="2743200"/>
+            <a:ext cx="8305800" cy="646331"/>
           </a:xfrm>
           <a:prstGeom prst="rect">
             <a:avLst/>
@@ -6837,24 +8750,8 @@
           <a:lstStyle/>
           <a:p>
             <a:r>
-              <a:rPr lang="en-US" b="1" dirty="0"/>
-              <a:t>pandas</a:t>
-            </a:r>
-            <a:r>
-              <a:rPr lang="en-US" dirty="0"/>
-              <a:t> is a Python package providing fast, flexible, and expressive data structures designed to make working with "relational" or "labeled" data both easy and intuitive. It aims to be the fundamental high-level building block for doing practical, </a:t>
-            </a:r>
-            <a:r>
-              <a:rPr lang="en-US" b="1" dirty="0"/>
-              <a:t>real world</a:t>
-            </a:r>
-            <a:r>
-              <a:rPr lang="en-US" dirty="0"/>
-              <a:t> data analysis in </a:t>
-            </a:r>
-            <a:r>
               <a:rPr lang="en-US" dirty="0" smtClean="0"/>
-              <a:t>Python.</a:t>
+              <a:t>However this tool require full user intervention to load the data from a flat file system. As data’s are huge it’s take ample amount of time before rendering the plot.   </a:t>
             </a:r>
             <a:endParaRPr lang="en-US" dirty="0"/>
           </a:p>
@@ -6862,14 +8759,69 @@
       </p:sp>
       <p:sp>
         <p:nvSpPr>
-          <p:cNvPr id="7" name="TextBox 6"/>
+          <p:cNvPr id="7" name="Title 3"/>
+          <p:cNvSpPr txBox="1">
+            <a:spLocks/>
+          </p:cNvSpPr>
+          <p:nvPr/>
+        </p:nvSpPr>
+        <p:spPr bwMode="auto">
+          <a:xfrm>
+            <a:off x="233577" y="3594518"/>
+            <a:ext cx="5940000" cy="671292"/>
+          </a:xfrm>
+          <a:prstGeom prst="rect">
+            <a:avLst/>
+          </a:prstGeom>
+          <a:solidFill>
+            <a:schemeClr val="accent5"/>
+          </a:solidFill>
+          <a:ln w="9525">
+            <a:noFill/>
+          </a:ln>
+        </p:spPr>
+        <p:txBody>
+          <a:bodyPr vert="horz" wrap="square" lIns="252000" tIns="180000" rIns="0" bIns="180000" rtlCol="0" anchor="b" anchorCtr="0">
+            <a:spAutoFit/>
+          </a:bodyPr>
+          <a:lstStyle>
+            <a:lvl1pPr algn="l" defTabSz="914400" rtl="0" eaLnBrk="1" latinLnBrk="0" hangingPunct="1">
+              <a:lnSpc>
+                <a:spcPct val="100000"/>
+              </a:lnSpc>
+              <a:spcBef>
+                <a:spcPct val="0"/>
+              </a:spcBef>
+              <a:buNone/>
+              <a:defRPr sz="2000" b="1" kern="1200" cap="none" baseline="0">
+                <a:solidFill>
+                  <a:schemeClr val="tx2"/>
+                </a:solidFill>
+                <a:latin typeface="+mj-lt"/>
+                <a:ea typeface="+mj-ea"/>
+                <a:cs typeface="+mj-cs"/>
+              </a:defRPr>
+            </a:lvl1pPr>
+          </a:lstStyle>
+          <a:p>
+            <a:r>
+              <a:rPr lang="en-US" dirty="0" smtClean="0"/>
+              <a:t>Bottleneck </a:t>
+            </a:r>
+            <a:endParaRPr lang="en-US" dirty="0"/>
+          </a:p>
+        </p:txBody>
+      </p:sp>
+      <p:sp>
+        <p:nvSpPr>
+          <p:cNvPr id="8" name="TextBox 7"/>
           <p:cNvSpPr txBox="1"/>
           <p:nvPr/>
         </p:nvSpPr>
         <p:spPr>
           <a:xfrm>
-            <a:off x="228600" y="4114800"/>
-            <a:ext cx="8077200" cy="923330"/>
+            <a:off x="381000" y="4495800"/>
+            <a:ext cx="8305800" cy="1200329"/>
           </a:xfrm>
           <a:prstGeom prst="rect">
             <a:avLst/>
@@ -6883,84 +8835,8 @@
           <a:lstStyle/>
           <a:p>
             <a:r>
-              <a:rPr lang="en-US" b="1" dirty="0"/>
-              <a:t>pandas</a:t>
-            </a:r>
-            <a:r>
-              <a:rPr lang="en-US" dirty="0"/>
-              <a:t> is a </a:t>
-            </a:r>
-            <a:r>
-              <a:rPr lang="en-US" dirty="0">
-                <a:hlinkClick r:id="rId2"/>
-              </a:rPr>
-              <a:t>Python</a:t>
-            </a:r>
-            <a:r>
-              <a:rPr lang="en-US" dirty="0"/>
-              <a:t> </a:t>
-            </a:r>
-            <a:r>
               <a:rPr lang="en-US" dirty="0" smtClean="0"/>
-              <a:t>package </a:t>
-            </a:r>
-            <a:r>
-              <a:rPr lang="en-US" dirty="0"/>
-              <a:t>License </a:t>
-            </a:r>
-            <a:r>
-              <a:rPr lang="en-US" dirty="0" smtClean="0"/>
-              <a:t> under BSD 3-Clause. </a:t>
-            </a:r>
-            <a:r>
-              <a:rPr lang="en-US" dirty="0">
-                <a:hlinkClick r:id="rId3"/>
-              </a:rPr>
-              <a:t>http://pandas.pydata.org/pandas-docs/stable/getting_started/overview.html#license</a:t>
-            </a:r>
-            <a:endParaRPr lang="en-US" dirty="0"/>
-          </a:p>
-        </p:txBody>
-      </p:sp>
-      <p:sp>
-        <p:nvSpPr>
-          <p:cNvPr id="8" name="TextBox 7"/>
-          <p:cNvSpPr txBox="1"/>
-          <p:nvPr/>
-        </p:nvSpPr>
-        <p:spPr>
-          <a:xfrm>
-            <a:off x="388961" y="5233579"/>
-            <a:ext cx="8077200" cy="646331"/>
-          </a:xfrm>
-          <a:prstGeom prst="rect">
-            <a:avLst/>
-          </a:prstGeom>
-          <a:noFill/>
-        </p:spPr>
-        <p:txBody>
-          <a:bodyPr wrap="square" rtlCol="0">
-            <a:spAutoFit/>
-          </a:bodyPr>
-          <a:lstStyle/>
-          <a:p>
-            <a:r>
-              <a:rPr lang="en-US" b="1" dirty="0" err="1"/>
-              <a:t>Plotly</a:t>
-            </a:r>
-            <a:r>
-              <a:rPr lang="en-US" b="1" dirty="0"/>
-              <a:t> | </a:t>
-            </a:r>
-            <a:r>
-              <a:rPr lang="en-US" b="1" dirty="0" smtClean="0"/>
-              <a:t>Dash is License under MIT. </a:t>
-            </a:r>
-            <a:r>
-              <a:rPr lang="en-US" dirty="0">
-                <a:hlinkClick r:id="rId4"/>
-              </a:rPr>
-              <a:t>https://github.com/plotly/dash/blob/master/LICENSE</a:t>
+              <a:t>It’s good tool to visualize the data from machine and verify  the various process event that has happened during the process. But at same time it’s not  automated, Interactive and real time as user has to refresh the data every time by loading it to form.  </a:t>
             </a:r>
             <a:endParaRPr lang="en-US" dirty="0"/>
           </a:p>
@@ -6969,7 +8845,7 @@
     </p:spTree>
     <p:extLst>
       <p:ext uri="{BB962C8B-B14F-4D97-AF65-F5344CB8AC3E}">
-        <p14:creationId xmlns:p14="http://schemas.microsoft.com/office/powerpoint/2010/main" val="2496955590"/>
+        <p14:creationId xmlns:p14="http://schemas.microsoft.com/office/powerpoint/2010/main" val="2957076505"/>
       </p:ext>
     </p:extLst>
   </p:cSld>
@@ -7049,8 +8925,8 @@
         </p:nvSpPr>
         <p:spPr>
           <a:xfrm>
-            <a:off x="228600" y="990600"/>
-            <a:ext cx="8686800" cy="923330"/>
+            <a:off x="152400" y="838200"/>
+            <a:ext cx="8458200" cy="369332"/>
           </a:xfrm>
           <a:prstGeom prst="rect">
             <a:avLst/>
@@ -7064,192 +8940,85 @@
           <a:lstStyle/>
           <a:p>
             <a:r>
-              <a:rPr lang="en-US" b="1" dirty="0" err="1" smtClean="0"/>
-              <a:t>NumPy</a:t>
-            </a:r>
-            <a:r>
-              <a:rPr lang="en-US" b="1" dirty="0" smtClean="0"/>
-              <a:t>: -</a:t>
-            </a:r>
-            <a:r>
-              <a:rPr lang="en-US" dirty="0" err="1"/>
-              <a:t>NumPy</a:t>
-            </a:r>
-            <a:r>
-              <a:rPr lang="en-US" dirty="0"/>
-              <a:t> is a library for the Python programming language, adding support for large, multi-dimensional arrays and matrices, along with a large collection of high-level mathematical functions to operate on these arrays. </a:t>
-            </a:r>
-          </a:p>
-        </p:txBody>
-      </p:sp>
-      <p:sp>
-        <p:nvSpPr>
-          <p:cNvPr id="6" name="TextBox 5"/>
-          <p:cNvSpPr txBox="1"/>
+              <a:rPr lang="en-US" dirty="0" smtClean="0"/>
+              <a:t>Old visualization tool was based on python and </a:t>
+            </a:r>
+            <a:r>
+              <a:rPr lang="en-US" dirty="0" err="1" smtClean="0"/>
+              <a:t>Matplotlib</a:t>
+            </a:r>
+            <a:r>
+              <a:rPr lang="en-US" dirty="0" smtClean="0"/>
+              <a:t> </a:t>
+            </a:r>
+            <a:endParaRPr lang="en-US" dirty="0"/>
+          </a:p>
+        </p:txBody>
+      </p:sp>
+      <p:pic>
+        <p:nvPicPr>
+          <p:cNvPr id="6" name="Picture 5" descr="Process data monitor"/>
+          <p:cNvPicPr>
+            <a:picLocks noChangeAspect="1"/>
+          </p:cNvPicPr>
           <p:nvPr/>
-        </p:nvSpPr>
+        </p:nvPicPr>
+        <p:blipFill>
+          <a:blip r:embed="rId2">
+            <a:extLst>
+              <a:ext uri="{28A0092B-C50C-407E-A947-70E740481C1C}">
+                <a14:useLocalDpi xmlns:a14="http://schemas.microsoft.com/office/drawing/2010/main" val="0"/>
+              </a:ext>
+            </a:extLst>
+          </a:blip>
+          <a:stretch>
+            <a:fillRect/>
+          </a:stretch>
+        </p:blipFill>
         <p:spPr>
           <a:xfrm>
-            <a:off x="228600" y="2057400"/>
-            <a:ext cx="8534400" cy="1754326"/>
+            <a:off x="-1" y="1295401"/>
+            <a:ext cx="4099661" cy="5562600"/>
           </a:xfrm>
           <a:prstGeom prst="rect">
             <a:avLst/>
           </a:prstGeom>
-          <a:noFill/>
-        </p:spPr>
-        <p:txBody>
-          <a:bodyPr wrap="square" rtlCol="0">
-            <a:spAutoFit/>
-          </a:bodyPr>
-          <a:lstStyle/>
-          <a:p>
-            <a:pPr fontAlgn="base"/>
-            <a:r>
-              <a:rPr lang="en-US" b="1" dirty="0"/>
-              <a:t>Celery: Distributed Task Queue</a:t>
-            </a:r>
-          </a:p>
-          <a:p>
-            <a:pPr fontAlgn="base"/>
-            <a:r>
-              <a:rPr lang="en-US" dirty="0" smtClean="0"/>
-              <a:t>Celery </a:t>
-            </a:r>
-            <a:r>
-              <a:rPr lang="en-US" dirty="0"/>
-              <a:t>is an asynchronous task queue/job queue based on distributed message passing. It is focused on real-time operation, but supports scheduling as well.</a:t>
-            </a:r>
-          </a:p>
-          <a:p>
-            <a:pPr fontAlgn="base"/>
-            <a:r>
-              <a:rPr lang="en-US" dirty="0"/>
-              <a:t>The execution units, called tasks, are executed concurrently on a single or more worker servers using multiprocessing, </a:t>
-            </a:r>
-            <a:r>
-              <a:rPr lang="en-US" dirty="0" err="1">
-                <a:hlinkClick r:id="rId2"/>
-              </a:rPr>
-              <a:t>Eventlet</a:t>
-            </a:r>
-            <a:r>
-              <a:rPr lang="en-US" dirty="0"/>
-              <a:t>, or </a:t>
-            </a:r>
-            <a:r>
-              <a:rPr lang="en-US" dirty="0" err="1">
-                <a:hlinkClick r:id="rId3"/>
-              </a:rPr>
-              <a:t>gevent</a:t>
-            </a:r>
-            <a:r>
-              <a:rPr lang="en-US" dirty="0"/>
-              <a:t>. Tasks can execute asynchronously (in the background) or synchronously (wait until ready).</a:t>
-            </a:r>
-          </a:p>
-        </p:txBody>
-      </p:sp>
-      <p:sp>
-        <p:nvSpPr>
-          <p:cNvPr id="7" name="TextBox 6"/>
-          <p:cNvSpPr txBox="1"/>
+        </p:spPr>
+      </p:pic>
+      <p:pic>
+        <p:nvPicPr>
+          <p:cNvPr id="7" name="Picture 6" descr="Figure 1"/>
+          <p:cNvPicPr>
+            <a:picLocks noChangeAspect="1"/>
+          </p:cNvPicPr>
           <p:nvPr/>
-        </p:nvSpPr>
+        </p:nvPicPr>
+        <p:blipFill>
+          <a:blip r:embed="rId3">
+            <a:extLst>
+              <a:ext uri="{28A0092B-C50C-407E-A947-70E740481C1C}">
+                <a14:useLocalDpi xmlns:a14="http://schemas.microsoft.com/office/drawing/2010/main" val="0"/>
+              </a:ext>
+            </a:extLst>
+          </a:blip>
+          <a:stretch>
+            <a:fillRect/>
+          </a:stretch>
+        </p:blipFill>
         <p:spPr>
           <a:xfrm>
-            <a:off x="228600" y="4114800"/>
-            <a:ext cx="7772400" cy="646331"/>
+            <a:off x="4113349" y="1295401"/>
+            <a:ext cx="5002665" cy="5562599"/>
           </a:xfrm>
           <a:prstGeom prst="rect">
             <a:avLst/>
           </a:prstGeom>
-          <a:noFill/>
-        </p:spPr>
-        <p:txBody>
-          <a:bodyPr wrap="square" rtlCol="0">
-            <a:spAutoFit/>
-          </a:bodyPr>
-          <a:lstStyle/>
-          <a:p>
-            <a:r>
-              <a:rPr lang="en-US" dirty="0"/>
-              <a:t>Celery is licensed under The BSD License (3 </a:t>
-            </a:r>
-            <a:r>
-              <a:rPr lang="en-US" dirty="0" smtClean="0"/>
-              <a:t>Clause). </a:t>
-            </a:r>
-            <a:r>
-              <a:rPr lang="en-US" dirty="0">
-                <a:hlinkClick r:id="rId4"/>
-              </a:rPr>
-              <a:t>https://github.com/celery/celery/blob/master/LICENSE</a:t>
-            </a:r>
-            <a:endParaRPr lang="en-US" dirty="0"/>
-          </a:p>
-        </p:txBody>
-      </p:sp>
-      <p:sp>
-        <p:nvSpPr>
-          <p:cNvPr id="9" name="TextBox 8"/>
-          <p:cNvSpPr txBox="1"/>
-          <p:nvPr/>
-        </p:nvSpPr>
-        <p:spPr>
-          <a:xfrm>
-            <a:off x="304800" y="4840069"/>
-            <a:ext cx="7772400" cy="646331"/>
-          </a:xfrm>
-          <a:prstGeom prst="rect">
-            <a:avLst/>
-          </a:prstGeom>
-          <a:noFill/>
-        </p:spPr>
-        <p:txBody>
-          <a:bodyPr wrap="square" rtlCol="0">
-            <a:spAutoFit/>
-          </a:bodyPr>
-          <a:lstStyle/>
-          <a:p>
-            <a:r>
-              <a:rPr lang="en-US" dirty="0" err="1"/>
-              <a:t>NumPy</a:t>
-            </a:r>
-            <a:r>
-              <a:rPr lang="en-US" dirty="0"/>
-              <a:t> is licensed under the </a:t>
-            </a:r>
-            <a:r>
-              <a:rPr lang="en-US" dirty="0">
-                <a:hlinkClick r:id="rId5"/>
-              </a:rPr>
-              <a:t>BSD license</a:t>
-            </a:r>
-            <a:r>
-              <a:rPr lang="en-US" dirty="0"/>
-              <a:t>, enabling reuse with few restrictions</a:t>
-            </a:r>
-            <a:r>
-              <a:rPr lang="en-US" dirty="0" smtClean="0"/>
-              <a:t>.</a:t>
-            </a:r>
-          </a:p>
-          <a:p>
-            <a:r>
-              <a:rPr lang="en-US" dirty="0">
-                <a:hlinkClick r:id="rId6"/>
-              </a:rPr>
-              <a:t>https://www.numpy.org/license.html</a:t>
-            </a:r>
-            <a:endParaRPr lang="en-US" dirty="0"/>
-          </a:p>
-        </p:txBody>
-      </p:sp>
+        </p:spPr>
+      </p:pic>
     </p:spTree>
     <p:extLst>
       <p:ext uri="{BB962C8B-B14F-4D97-AF65-F5344CB8AC3E}">
-        <p14:creationId xmlns:p14="http://schemas.microsoft.com/office/powerpoint/2010/main" val="2520839692"/>
+        <p14:creationId xmlns:p14="http://schemas.microsoft.com/office/powerpoint/2010/main" val="1787336700"/>
       </p:ext>
     </p:extLst>
   </p:cSld>
@@ -7323,102 +9092,244 @@
       </p:sp>
       <p:sp>
         <p:nvSpPr>
-          <p:cNvPr id="5" name="Rectangle 4"/>
-          <p:cNvSpPr/>
+          <p:cNvPr id="5" name="TextBox 4"/>
+          <p:cNvSpPr txBox="1"/>
           <p:nvPr/>
         </p:nvSpPr>
         <p:spPr>
           <a:xfrm>
-            <a:off x="762000" y="1066800"/>
-            <a:ext cx="8153400" cy="1969770"/>
+            <a:off x="228600" y="990600"/>
+            <a:ext cx="8686800" cy="923330"/>
           </a:xfrm>
           <a:prstGeom prst="rect">
             <a:avLst/>
           </a:prstGeom>
-        </p:spPr>
-        <p:txBody>
-          <a:bodyPr wrap="square">
+          <a:noFill/>
+        </p:spPr>
+        <p:txBody>
+          <a:bodyPr wrap="square" rtlCol="0">
             <a:spAutoFit/>
           </a:bodyPr>
           <a:lstStyle/>
           <a:p>
             <a:r>
-              <a:rPr lang="en-US" sz="3200" b="1" dirty="0" err="1"/>
-              <a:t>Redis</a:t>
+              <a:rPr lang="en-US" b="1" dirty="0" err="1"/>
+              <a:t>P</a:t>
+            </a:r>
+            <a:r>
+              <a:rPr lang="en-US" b="1" dirty="0" err="1" smtClean="0"/>
+              <a:t>lotly</a:t>
+            </a:r>
+            <a:r>
+              <a:rPr lang="en-US" b="1" dirty="0" smtClean="0"/>
+              <a:t> | Dash: -  </a:t>
             </a:r>
             <a:r>
               <a:rPr lang="en-US" dirty="0"/>
-              <a:t> is an open source (BSD licensed), in-memory data structure store, used as a database, cache and message broker. It supports data structures such as strings, hashes, lists, sets, sorted sets with range queries, bitmaps, </a:t>
-            </a:r>
-            <a:r>
-              <a:rPr lang="en-US" dirty="0" err="1"/>
-              <a:t>hyperloglogs</a:t>
+              <a:t>Dash is a Python framework for building analytical web </a:t>
+            </a:r>
+            <a:r>
+              <a:rPr lang="en-US" dirty="0" smtClean="0"/>
+              <a:t>applications. No </a:t>
             </a:r>
             <a:r>
               <a:rPr lang="en-US" dirty="0"/>
-              <a:t>, geospatial indexes with radius queries and streams. </a:t>
-            </a:r>
-            <a:r>
-              <a:rPr lang="en-US" dirty="0" err="1"/>
-              <a:t>Redis</a:t>
+              <a:t>JavaScript </a:t>
+            </a:r>
+            <a:r>
+              <a:rPr lang="en-US" dirty="0" smtClean="0"/>
+              <a:t>required </a:t>
             </a:r>
             <a:r>
               <a:rPr lang="en-US" dirty="0"/>
-              <a:t> has built-in replication, </a:t>
-            </a:r>
-            <a:r>
-              <a:rPr lang="en-US" dirty="0" err="1"/>
-              <a:t>Lua</a:t>
+              <a:t>b</a:t>
+            </a:r>
+            <a:r>
+              <a:rPr lang="en-US" dirty="0" smtClean="0"/>
+              <a:t>uild </a:t>
             </a:r>
             <a:r>
               <a:rPr lang="en-US" dirty="0"/>
-              <a:t> scripting, LRU eviction, transactions and different levels of on-disk persistence, and provides high availability via </a:t>
-            </a:r>
-            <a:r>
-              <a:rPr lang="en-US" dirty="0" err="1"/>
-              <a:t>Redis</a:t>
-            </a:r>
-            <a:r>
-              <a:rPr lang="en-US" dirty="0"/>
-              <a:t> Sentinel and automatic partitioning with </a:t>
-            </a:r>
-            <a:r>
-              <a:rPr lang="en-US" dirty="0" err="1"/>
-              <a:t>Redis</a:t>
-            </a:r>
-            <a:r>
-              <a:rPr lang="en-US" dirty="0"/>
-              <a:t> Cluster.</a:t>
-            </a:r>
-          </a:p>
-        </p:txBody>
-      </p:sp>
-      <p:sp>
-        <p:nvSpPr>
-          <p:cNvPr id="6" name="Rectangle 5"/>
-          <p:cNvSpPr/>
+              <a:t>on top of Plotly.js, React, and Flask, Dash ties modern UI elements like dropdowns, sliders, and graphs directly to your analytical python code.</a:t>
+            </a:r>
+          </a:p>
+        </p:txBody>
+      </p:sp>
+      <p:sp>
+        <p:nvSpPr>
+          <p:cNvPr id="6" name="TextBox 5"/>
+          <p:cNvSpPr txBox="1"/>
           <p:nvPr/>
         </p:nvSpPr>
         <p:spPr>
           <a:xfrm>
-            <a:off x="914400" y="3254149"/>
-            <a:ext cx="2981329" cy="369332"/>
+            <a:off x="228600" y="2057400"/>
+            <a:ext cx="8534400" cy="1200329"/>
           </a:xfrm>
           <a:prstGeom prst="rect">
             <a:avLst/>
           </a:prstGeom>
-        </p:spPr>
-        <p:txBody>
-          <a:bodyPr wrap="none">
+          <a:noFill/>
+        </p:spPr>
+        <p:txBody>
+          <a:bodyPr wrap="square" rtlCol="0">
             <a:spAutoFit/>
           </a:bodyPr>
           <a:lstStyle/>
           <a:p>
+            <a:r>
+              <a:rPr lang="en-US" b="1" dirty="0"/>
+              <a:t>pandas</a:t>
+            </a:r>
+            <a:r>
+              <a:rPr lang="en-US" dirty="0"/>
+              <a:t> is a Python package providing fast, flexible, and expressive data structures designed to make working with "relational" or "labeled" data both easy and intuitive. It aims to be the fundamental high-level building block for doing practical, </a:t>
+            </a:r>
+            <a:r>
+              <a:rPr lang="en-US" b="1" dirty="0"/>
+              <a:t>real world</a:t>
+            </a:r>
+            <a:r>
+              <a:rPr lang="en-US" dirty="0"/>
+              <a:t> data analysis in </a:t>
+            </a:r>
+            <a:r>
+              <a:rPr lang="en-US" dirty="0" smtClean="0"/>
+              <a:t>Python.</a:t>
+            </a:r>
+            <a:endParaRPr lang="en-US" dirty="0"/>
+          </a:p>
+        </p:txBody>
+      </p:sp>
+      <p:sp>
+        <p:nvSpPr>
+          <p:cNvPr id="7" name="TextBox 6"/>
+          <p:cNvSpPr txBox="1"/>
+          <p:nvPr/>
+        </p:nvSpPr>
+        <p:spPr>
+          <a:xfrm>
+            <a:off x="228600" y="4123592"/>
+            <a:ext cx="8077200" cy="923330"/>
+          </a:xfrm>
+          <a:prstGeom prst="rect">
+            <a:avLst/>
+          </a:prstGeom>
+          <a:noFill/>
+        </p:spPr>
+        <p:txBody>
+          <a:bodyPr wrap="square" rtlCol="0">
+            <a:spAutoFit/>
+          </a:bodyPr>
+          <a:lstStyle/>
+          <a:p>
+            <a:r>
+              <a:rPr lang="en-US" b="1" dirty="0"/>
+              <a:t>pandas</a:t>
+            </a:r>
+            <a:r>
+              <a:rPr lang="en-US" dirty="0"/>
+              <a:t> is a </a:t>
+            </a:r>
             <a:r>
               <a:rPr lang="en-US" dirty="0">
                 <a:hlinkClick r:id="rId2"/>
               </a:rPr>
-              <a:t>https://redis.io/topics/license</a:t>
+              <a:t>Python</a:t>
+            </a:r>
+            <a:r>
+              <a:rPr lang="en-US" dirty="0"/>
+              <a:t> </a:t>
+            </a:r>
+            <a:r>
+              <a:rPr lang="en-US" dirty="0" smtClean="0"/>
+              <a:t>package </a:t>
+            </a:r>
+            <a:r>
+              <a:rPr lang="en-US" dirty="0"/>
+              <a:t>License </a:t>
+            </a:r>
+            <a:r>
+              <a:rPr lang="en-US" dirty="0" smtClean="0"/>
+              <a:t> under BSD 3-Clause. </a:t>
+            </a:r>
+            <a:r>
+              <a:rPr lang="en-US" dirty="0">
+                <a:hlinkClick r:id="rId3"/>
+              </a:rPr>
+              <a:t>http://pandas.pydata.org/pandas-docs/stable/getting_started/overview.html#license</a:t>
+            </a:r>
+            <a:endParaRPr lang="en-US" dirty="0"/>
+          </a:p>
+        </p:txBody>
+      </p:sp>
+      <p:sp>
+        <p:nvSpPr>
+          <p:cNvPr id="8" name="TextBox 7"/>
+          <p:cNvSpPr txBox="1"/>
+          <p:nvPr/>
+        </p:nvSpPr>
+        <p:spPr>
+          <a:xfrm>
+            <a:off x="388961" y="5233579"/>
+            <a:ext cx="8077200" cy="646331"/>
+          </a:xfrm>
+          <a:prstGeom prst="rect">
+            <a:avLst/>
+          </a:prstGeom>
+          <a:noFill/>
+        </p:spPr>
+        <p:txBody>
+          <a:bodyPr wrap="square" rtlCol="0">
+            <a:spAutoFit/>
+          </a:bodyPr>
+          <a:lstStyle/>
+          <a:p>
+            <a:r>
+              <a:rPr lang="en-US" b="1" dirty="0" err="1"/>
+              <a:t>Plotly</a:t>
+            </a:r>
+            <a:r>
+              <a:rPr lang="en-US" b="1" dirty="0"/>
+              <a:t> | </a:t>
+            </a:r>
+            <a:r>
+              <a:rPr lang="en-US" b="1" dirty="0" smtClean="0"/>
+              <a:t>Dash is License under MIT. </a:t>
+            </a:r>
+            <a:r>
+              <a:rPr lang="en-US" dirty="0">
+                <a:hlinkClick r:id="rId4"/>
+              </a:rPr>
+              <a:t>https://github.com/plotly/dash/blob/master/LICENSE</a:t>
+            </a:r>
+            <a:endParaRPr lang="en-US" dirty="0"/>
+          </a:p>
+        </p:txBody>
+      </p:sp>
+      <p:sp>
+        <p:nvSpPr>
+          <p:cNvPr id="9" name="Title 3"/>
+          <p:cNvSpPr>
+            <a:spLocks noGrp="1"/>
+          </p:cNvSpPr>
+          <p:nvPr>
+            <p:ph type="title"/>
+          </p:nvPr>
+        </p:nvSpPr>
+        <p:spPr>
+          <a:xfrm>
+            <a:off x="76200" y="228600"/>
+            <a:ext cx="5940000" cy="671292"/>
+          </a:xfrm>
+        </p:spPr>
+        <p:txBody>
+          <a:bodyPr/>
+          <a:lstStyle/>
+          <a:p>
+            <a:r>
+              <a:rPr lang="en-US" dirty="0" smtClean="0"/>
+              <a:t>Enhancement </a:t>
             </a:r>
             <a:endParaRPr lang="en-US" dirty="0"/>
           </a:p>
@@ -7427,7 +9338,7 @@
     </p:spTree>
     <p:extLst>
       <p:ext uri="{BB962C8B-B14F-4D97-AF65-F5344CB8AC3E}">
-        <p14:creationId xmlns:p14="http://schemas.microsoft.com/office/powerpoint/2010/main" val="2121093543"/>
+        <p14:creationId xmlns:p14="http://schemas.microsoft.com/office/powerpoint/2010/main" val="2496955590"/>
       </p:ext>
     </p:extLst>
   </p:cSld>
@@ -7501,6 +9412,464 @@
       </p:sp>
       <p:sp>
         <p:nvSpPr>
+          <p:cNvPr id="5" name="TextBox 4"/>
+          <p:cNvSpPr txBox="1"/>
+          <p:nvPr/>
+        </p:nvSpPr>
+        <p:spPr>
+          <a:xfrm>
+            <a:off x="228600" y="990600"/>
+            <a:ext cx="8686800" cy="923330"/>
+          </a:xfrm>
+          <a:prstGeom prst="rect">
+            <a:avLst/>
+          </a:prstGeom>
+          <a:noFill/>
+        </p:spPr>
+        <p:txBody>
+          <a:bodyPr wrap="square" rtlCol="0">
+            <a:spAutoFit/>
+          </a:bodyPr>
+          <a:lstStyle/>
+          <a:p>
+            <a:r>
+              <a:rPr lang="en-US" b="1" dirty="0" err="1" smtClean="0"/>
+              <a:t>NumPy</a:t>
+            </a:r>
+            <a:r>
+              <a:rPr lang="en-US" b="1" dirty="0" smtClean="0"/>
+              <a:t>: -</a:t>
+            </a:r>
+            <a:r>
+              <a:rPr lang="en-US" dirty="0" err="1"/>
+              <a:t>NumPy</a:t>
+            </a:r>
+            <a:r>
+              <a:rPr lang="en-US" dirty="0"/>
+              <a:t> is a library for the Python programming language, adding support for large, multi-dimensional arrays and matrices, along with a large collection of high-level mathematical functions to operate on these arrays. </a:t>
+            </a:r>
+          </a:p>
+        </p:txBody>
+      </p:sp>
+      <p:sp>
+        <p:nvSpPr>
+          <p:cNvPr id="6" name="TextBox 5"/>
+          <p:cNvSpPr txBox="1"/>
+          <p:nvPr/>
+        </p:nvSpPr>
+        <p:spPr>
+          <a:xfrm>
+            <a:off x="228600" y="2057400"/>
+            <a:ext cx="8534400" cy="1754326"/>
+          </a:xfrm>
+          <a:prstGeom prst="rect">
+            <a:avLst/>
+          </a:prstGeom>
+          <a:noFill/>
+        </p:spPr>
+        <p:txBody>
+          <a:bodyPr wrap="square" rtlCol="0">
+            <a:spAutoFit/>
+          </a:bodyPr>
+          <a:lstStyle/>
+          <a:p>
+            <a:pPr fontAlgn="base"/>
+            <a:r>
+              <a:rPr lang="en-US" b="1" dirty="0"/>
+              <a:t>Celery: Distributed Task Queue</a:t>
+            </a:r>
+          </a:p>
+          <a:p>
+            <a:pPr fontAlgn="base"/>
+            <a:r>
+              <a:rPr lang="en-US" dirty="0" smtClean="0"/>
+              <a:t>Celery </a:t>
+            </a:r>
+            <a:r>
+              <a:rPr lang="en-US" dirty="0"/>
+              <a:t>is an asynchronous task queue/job queue based on distributed message passing. It is focused on real-time operation, but supports scheduling as well.</a:t>
+            </a:r>
+          </a:p>
+          <a:p>
+            <a:pPr fontAlgn="base"/>
+            <a:r>
+              <a:rPr lang="en-US" dirty="0"/>
+              <a:t>The execution units, called tasks, are executed concurrently on a single or more worker servers using multiprocessing, </a:t>
+            </a:r>
+            <a:r>
+              <a:rPr lang="en-US" dirty="0" err="1">
+                <a:hlinkClick r:id="rId2"/>
+              </a:rPr>
+              <a:t>Eventlet</a:t>
+            </a:r>
+            <a:r>
+              <a:rPr lang="en-US" dirty="0"/>
+              <a:t>, or </a:t>
+            </a:r>
+            <a:r>
+              <a:rPr lang="en-US" dirty="0" err="1">
+                <a:hlinkClick r:id="rId3"/>
+              </a:rPr>
+              <a:t>gevent</a:t>
+            </a:r>
+            <a:r>
+              <a:rPr lang="en-US" dirty="0"/>
+              <a:t>. Tasks can execute asynchronously (in the background) or synchronously (wait until ready).</a:t>
+            </a:r>
+          </a:p>
+        </p:txBody>
+      </p:sp>
+      <p:sp>
+        <p:nvSpPr>
+          <p:cNvPr id="7" name="TextBox 6"/>
+          <p:cNvSpPr txBox="1"/>
+          <p:nvPr/>
+        </p:nvSpPr>
+        <p:spPr>
+          <a:xfrm>
+            <a:off x="228600" y="4114800"/>
+            <a:ext cx="7772400" cy="646331"/>
+          </a:xfrm>
+          <a:prstGeom prst="rect">
+            <a:avLst/>
+          </a:prstGeom>
+          <a:noFill/>
+        </p:spPr>
+        <p:txBody>
+          <a:bodyPr wrap="square" rtlCol="0">
+            <a:spAutoFit/>
+          </a:bodyPr>
+          <a:lstStyle/>
+          <a:p>
+            <a:r>
+              <a:rPr lang="en-US" dirty="0"/>
+              <a:t>Celery is licensed under The BSD License (3 </a:t>
+            </a:r>
+            <a:r>
+              <a:rPr lang="en-US" dirty="0" smtClean="0"/>
+              <a:t>Clause). </a:t>
+            </a:r>
+            <a:r>
+              <a:rPr lang="en-US" dirty="0">
+                <a:hlinkClick r:id="rId4"/>
+              </a:rPr>
+              <a:t>https://github.com/celery/celery/blob/master/LICENSE</a:t>
+            </a:r>
+            <a:endParaRPr lang="en-US" dirty="0"/>
+          </a:p>
+        </p:txBody>
+      </p:sp>
+      <p:sp>
+        <p:nvSpPr>
+          <p:cNvPr id="9" name="TextBox 8"/>
+          <p:cNvSpPr txBox="1"/>
+          <p:nvPr/>
+        </p:nvSpPr>
+        <p:spPr>
+          <a:xfrm>
+            <a:off x="304800" y="4840069"/>
+            <a:ext cx="7772400" cy="646331"/>
+          </a:xfrm>
+          <a:prstGeom prst="rect">
+            <a:avLst/>
+          </a:prstGeom>
+          <a:noFill/>
+        </p:spPr>
+        <p:txBody>
+          <a:bodyPr wrap="square" rtlCol="0">
+            <a:spAutoFit/>
+          </a:bodyPr>
+          <a:lstStyle/>
+          <a:p>
+            <a:r>
+              <a:rPr lang="en-US" dirty="0" err="1"/>
+              <a:t>NumPy</a:t>
+            </a:r>
+            <a:r>
+              <a:rPr lang="en-US" dirty="0"/>
+              <a:t> is licensed under the </a:t>
+            </a:r>
+            <a:r>
+              <a:rPr lang="en-US" dirty="0">
+                <a:hlinkClick r:id="rId5"/>
+              </a:rPr>
+              <a:t>BSD license</a:t>
+            </a:r>
+            <a:r>
+              <a:rPr lang="en-US" dirty="0"/>
+              <a:t>, enabling reuse with few restrictions</a:t>
+            </a:r>
+            <a:r>
+              <a:rPr lang="en-US" dirty="0" smtClean="0"/>
+              <a:t>.</a:t>
+            </a:r>
+          </a:p>
+          <a:p>
+            <a:r>
+              <a:rPr lang="en-US" dirty="0">
+                <a:hlinkClick r:id="rId6"/>
+              </a:rPr>
+              <a:t>https://www.numpy.org/license.html</a:t>
+            </a:r>
+            <a:endParaRPr lang="en-US" dirty="0"/>
+          </a:p>
+        </p:txBody>
+      </p:sp>
+    </p:spTree>
+    <p:extLst>
+      <p:ext uri="{BB962C8B-B14F-4D97-AF65-F5344CB8AC3E}">
+        <p14:creationId xmlns:p14="http://schemas.microsoft.com/office/powerpoint/2010/main" val="2520839692"/>
+      </p:ext>
+    </p:extLst>
+  </p:cSld>
+  <p:clrMapOvr>
+    <a:masterClrMapping/>
+  </p:clrMapOvr>
+  <p:timing>
+    <p:tnLst>
+      <p:par>
+        <p:cTn id="1" dur="indefinite" restart="never" nodeType="tmRoot"/>
+      </p:par>
+    </p:tnLst>
+  </p:timing>
+</p:sld>
+</file>
+
+<file path=ppt/slides/slide7.xml><?xml version="1.0" encoding="utf-8"?>
+<p:sld xmlns:a="http://schemas.openxmlformats.org/drawingml/2006/main" xmlns:r="http://schemas.openxmlformats.org/officeDocument/2006/relationships" xmlns:p="http://schemas.openxmlformats.org/presentationml/2006/main">
+  <p:cSld>
+    <p:spTree>
+      <p:nvGrpSpPr>
+        <p:cNvPr id="1" name=""/>
+        <p:cNvGrpSpPr/>
+        <p:nvPr/>
+      </p:nvGrpSpPr>
+      <p:grpSpPr>
+        <a:xfrm>
+          <a:off x="0" y="0"/>
+          <a:ext cx="0" cy="0"/>
+          <a:chOff x="0" y="0"/>
+          <a:chExt cx="0" cy="0"/>
+        </a:xfrm>
+      </p:grpSpPr>
+      <p:sp>
+        <p:nvSpPr>
+          <p:cNvPr id="2" name="Text Placeholder 1"/>
+          <p:cNvSpPr>
+            <a:spLocks noGrp="1"/>
+          </p:cNvSpPr>
+          <p:nvPr>
+            <p:ph type="body" sz="quarter" idx="14"/>
+          </p:nvPr>
+        </p:nvSpPr>
+        <p:spPr/>
+        <p:txBody>
+          <a:bodyPr/>
+          <a:lstStyle/>
+          <a:p>
+            <a:endParaRPr lang="en-US"/>
+          </a:p>
+        </p:txBody>
+      </p:sp>
+      <p:sp>
+        <p:nvSpPr>
+          <p:cNvPr id="3" name="Text Placeholder 2"/>
+          <p:cNvSpPr>
+            <a:spLocks noGrp="1"/>
+          </p:cNvSpPr>
+          <p:nvPr>
+            <p:ph type="body" sz="quarter" idx="13"/>
+          </p:nvPr>
+        </p:nvSpPr>
+        <p:spPr/>
+        <p:txBody>
+          <a:bodyPr/>
+          <a:lstStyle/>
+          <a:p>
+            <a:endParaRPr lang="en-US"/>
+          </a:p>
+        </p:txBody>
+      </p:sp>
+      <p:sp>
+        <p:nvSpPr>
+          <p:cNvPr id="5" name="Rectangle 4"/>
+          <p:cNvSpPr/>
+          <p:nvPr/>
+        </p:nvSpPr>
+        <p:spPr>
+          <a:xfrm>
+            <a:off x="762000" y="1066800"/>
+            <a:ext cx="8153400" cy="1969770"/>
+          </a:xfrm>
+          <a:prstGeom prst="rect">
+            <a:avLst/>
+          </a:prstGeom>
+        </p:spPr>
+        <p:txBody>
+          <a:bodyPr wrap="square">
+            <a:spAutoFit/>
+          </a:bodyPr>
+          <a:lstStyle/>
+          <a:p>
+            <a:r>
+              <a:rPr lang="en-US" sz="3200" b="1" dirty="0" err="1"/>
+              <a:t>Redis</a:t>
+            </a:r>
+            <a:r>
+              <a:rPr lang="en-US" dirty="0"/>
+              <a:t> is an open source (BSD licensed), in-memory data structure store, used as a database, cache and message broker. It supports data structures such as strings, hashes, lists, sets, sorted sets with range queries, bitmaps, </a:t>
+            </a:r>
+            <a:r>
+              <a:rPr lang="en-US" dirty="0" err="1"/>
+              <a:t>hyperloglogs</a:t>
+            </a:r>
+            <a:r>
+              <a:rPr lang="en-US" dirty="0"/>
+              <a:t>, geospatial indexes with radius queries and streams. </a:t>
+            </a:r>
+            <a:r>
+              <a:rPr lang="en-US" dirty="0" err="1"/>
+              <a:t>Redis</a:t>
+            </a:r>
+            <a:r>
+              <a:rPr lang="en-US" dirty="0"/>
+              <a:t> has built-in replication, </a:t>
+            </a:r>
+            <a:r>
+              <a:rPr lang="en-US" dirty="0" err="1"/>
+              <a:t>Lua</a:t>
+            </a:r>
+            <a:r>
+              <a:rPr lang="en-US" dirty="0"/>
+              <a:t> scripting, LRU eviction, transactions and different levels of on-disk persistence, and provides high availability via </a:t>
+            </a:r>
+            <a:r>
+              <a:rPr lang="en-US" dirty="0" err="1"/>
+              <a:t>Redis</a:t>
+            </a:r>
+            <a:r>
+              <a:rPr lang="en-US" dirty="0"/>
+              <a:t> Sentinel and automatic partitioning with </a:t>
+            </a:r>
+            <a:r>
+              <a:rPr lang="en-US" dirty="0" err="1"/>
+              <a:t>Redis</a:t>
+            </a:r>
+            <a:r>
+              <a:rPr lang="en-US" dirty="0"/>
+              <a:t> Cluster.</a:t>
+            </a:r>
+          </a:p>
+        </p:txBody>
+      </p:sp>
+      <p:sp>
+        <p:nvSpPr>
+          <p:cNvPr id="6" name="Rectangle 5"/>
+          <p:cNvSpPr/>
+          <p:nvPr/>
+        </p:nvSpPr>
+        <p:spPr>
+          <a:xfrm>
+            <a:off x="914400" y="3254149"/>
+            <a:ext cx="2981329" cy="369332"/>
+          </a:xfrm>
+          <a:prstGeom prst="rect">
+            <a:avLst/>
+          </a:prstGeom>
+        </p:spPr>
+        <p:txBody>
+          <a:bodyPr wrap="none">
+            <a:spAutoFit/>
+          </a:bodyPr>
+          <a:lstStyle/>
+          <a:p>
+            <a:r>
+              <a:rPr lang="en-US" dirty="0">
+                <a:hlinkClick r:id="rId2"/>
+              </a:rPr>
+              <a:t>https://redis.io/topics/license</a:t>
+            </a:r>
+            <a:endParaRPr lang="en-US" dirty="0"/>
+          </a:p>
+        </p:txBody>
+      </p:sp>
+    </p:spTree>
+    <p:extLst>
+      <p:ext uri="{BB962C8B-B14F-4D97-AF65-F5344CB8AC3E}">
+        <p14:creationId xmlns:p14="http://schemas.microsoft.com/office/powerpoint/2010/main" val="2121093543"/>
+      </p:ext>
+    </p:extLst>
+  </p:cSld>
+  <p:clrMapOvr>
+    <a:masterClrMapping/>
+  </p:clrMapOvr>
+  <p:timing>
+    <p:tnLst>
+      <p:par>
+        <p:cTn id="1" dur="indefinite" restart="never" nodeType="tmRoot"/>
+      </p:par>
+    </p:tnLst>
+  </p:timing>
+</p:sld>
+</file>
+
+<file path=ppt/slides/slide8.xml><?xml version="1.0" encoding="utf-8"?>
+<p:sld xmlns:a="http://schemas.openxmlformats.org/drawingml/2006/main" xmlns:r="http://schemas.openxmlformats.org/officeDocument/2006/relationships" xmlns:p="http://schemas.openxmlformats.org/presentationml/2006/main">
+  <p:cSld>
+    <p:spTree>
+      <p:nvGrpSpPr>
+        <p:cNvPr id="1" name=""/>
+        <p:cNvGrpSpPr/>
+        <p:nvPr/>
+      </p:nvGrpSpPr>
+      <p:grpSpPr>
+        <a:xfrm>
+          <a:off x="0" y="0"/>
+          <a:ext cx="0" cy="0"/>
+          <a:chOff x="0" y="0"/>
+          <a:chExt cx="0" cy="0"/>
+        </a:xfrm>
+      </p:grpSpPr>
+      <p:sp>
+        <p:nvSpPr>
+          <p:cNvPr id="2" name="Text Placeholder 1"/>
+          <p:cNvSpPr>
+            <a:spLocks noGrp="1"/>
+          </p:cNvSpPr>
+          <p:nvPr>
+            <p:ph type="body" sz="quarter" idx="14"/>
+          </p:nvPr>
+        </p:nvSpPr>
+        <p:spPr/>
+        <p:txBody>
+          <a:bodyPr/>
+          <a:lstStyle/>
+          <a:p>
+            <a:endParaRPr lang="en-US"/>
+          </a:p>
+        </p:txBody>
+      </p:sp>
+      <p:sp>
+        <p:nvSpPr>
+          <p:cNvPr id="3" name="Text Placeholder 2"/>
+          <p:cNvSpPr>
+            <a:spLocks noGrp="1"/>
+          </p:cNvSpPr>
+          <p:nvPr>
+            <p:ph type="body" sz="quarter" idx="13"/>
+          </p:nvPr>
+        </p:nvSpPr>
+        <p:spPr/>
+        <p:txBody>
+          <a:bodyPr/>
+          <a:lstStyle/>
+          <a:p>
+            <a:endParaRPr lang="en-US"/>
+          </a:p>
+        </p:txBody>
+      </p:sp>
+      <p:sp>
+        <p:nvSpPr>
           <p:cNvPr id="4" name="Title 3"/>
           <p:cNvSpPr>
             <a:spLocks noGrp="1"/>
@@ -7966,7 +10335,7 @@
 </p:sld>
 </file>
 
-<file path=ppt/slides/slide7.xml><?xml version="1.0" encoding="utf-8"?>
+<file path=ppt/slides/slide9.xml><?xml version="1.0" encoding="utf-8"?>
 <p:sld xmlns:a="http://schemas.openxmlformats.org/drawingml/2006/main" xmlns:r="http://schemas.openxmlformats.org/officeDocument/2006/relationships" xmlns:p="http://schemas.openxmlformats.org/presentationml/2006/main">
   <p:cSld>
     <p:spTree>
@@ -8031,1485 +10400,6 @@
             <p:ph type="title"/>
           </p:nvPr>
         </p:nvSpPr>
-        <p:spPr>
-          <a:xfrm>
-            <a:off x="685800" y="152400"/>
-            <a:ext cx="5940000" cy="671292"/>
-          </a:xfrm>
-        </p:spPr>
-        <p:txBody>
-          <a:bodyPr/>
-          <a:lstStyle/>
-          <a:p>
-            <a:r>
-              <a:rPr lang="en-US" dirty="0" smtClean="0"/>
-              <a:t>Dash App Architecture </a:t>
-            </a:r>
-            <a:endParaRPr lang="en-US" dirty="0"/>
-          </a:p>
-        </p:txBody>
-      </p:sp>
-      <p:sp>
-        <p:nvSpPr>
-          <p:cNvPr id="5" name="Rectangle 1"/>
-          <p:cNvSpPr>
-            <a:spLocks noChangeArrowheads="1"/>
-          </p:cNvSpPr>
-          <p:nvPr/>
-        </p:nvSpPr>
-        <p:spPr bwMode="auto">
-          <a:xfrm>
-            <a:off x="152400" y="1371600"/>
-            <a:ext cx="8839200" cy="1523494"/>
-          </a:xfrm>
-          <a:prstGeom prst="rect">
-            <a:avLst/>
-          </a:prstGeom>
-          <a:solidFill>
-            <a:srgbClr val="FFFFFF"/>
-          </a:solidFill>
-          <a:ln>
-            <a:noFill/>
-          </a:ln>
-          <a:effectLst/>
-          <a:extLst>
-            <a:ext uri="{91240B29-F687-4F45-9708-019B960494DF}">
-              <a14:hiddenLine xmlns:a14="http://schemas.microsoft.com/office/drawing/2010/main" w="9525">
-                <a:solidFill>
-                  <a:schemeClr val="tx1"/>
-                </a:solidFill>
-                <a:miter lim="800000"/>
-                <a:headEnd/>
-                <a:tailEnd/>
-              </a14:hiddenLine>
-            </a:ext>
-            <a:ext uri="{AF507438-7753-43E0-B8FC-AC1667EBCBE1}">
-              <a14:hiddenEffects xmlns:a14="http://schemas.microsoft.com/office/drawing/2010/main">
-                <a:effectLst>
-                  <a:outerShdw dist="35921" dir="2700000" algn="ctr" rotWithShape="0">
-                    <a:schemeClr val="bg2"/>
-                  </a:outerShdw>
-                </a:effectLst>
-              </a14:hiddenEffects>
-            </a:ext>
-          </a:extLst>
-        </p:spPr>
-        <p:txBody>
-          <a:bodyPr vert="horz" wrap="square" lIns="91440" tIns="0" rIns="91440" bIns="45720" numCol="1" anchor="ctr" anchorCtr="0" compatLnSpc="1">
-            <a:prstTxWarp prst="textNoShape">
-              <a:avLst/>
-            </a:prstTxWarp>
-            <a:spAutoFit/>
-          </a:bodyPr>
-          <a:lstStyle>
-            <a:lvl1pPr eaLnBrk="0" fontAlgn="base" hangingPunct="0">
-              <a:spcBef>
-                <a:spcPct val="0"/>
-              </a:spcBef>
-              <a:spcAft>
-                <a:spcPct val="0"/>
-              </a:spcAft>
-              <a:defRPr>
-                <a:solidFill>
-                  <a:schemeClr val="tx1"/>
-                </a:solidFill>
-                <a:latin typeface="Arial" panose="020B0604020202020204" pitchFamily="34" charset="0"/>
-              </a:defRPr>
-            </a:lvl1pPr>
-            <a:lvl2pPr eaLnBrk="0" fontAlgn="base" hangingPunct="0">
-              <a:spcBef>
-                <a:spcPct val="0"/>
-              </a:spcBef>
-              <a:spcAft>
-                <a:spcPct val="0"/>
-              </a:spcAft>
-              <a:defRPr>
-                <a:solidFill>
-                  <a:schemeClr val="tx1"/>
-                </a:solidFill>
-                <a:latin typeface="Arial" panose="020B0604020202020204" pitchFamily="34" charset="0"/>
-              </a:defRPr>
-            </a:lvl2pPr>
-            <a:lvl3pPr eaLnBrk="0" fontAlgn="base" hangingPunct="0">
-              <a:spcBef>
-                <a:spcPct val="0"/>
-              </a:spcBef>
-              <a:spcAft>
-                <a:spcPct val="0"/>
-              </a:spcAft>
-              <a:defRPr>
-                <a:solidFill>
-                  <a:schemeClr val="tx1"/>
-                </a:solidFill>
-                <a:latin typeface="Arial" panose="020B0604020202020204" pitchFamily="34" charset="0"/>
-              </a:defRPr>
-            </a:lvl3pPr>
-            <a:lvl4pPr eaLnBrk="0" fontAlgn="base" hangingPunct="0">
-              <a:spcBef>
-                <a:spcPct val="0"/>
-              </a:spcBef>
-              <a:spcAft>
-                <a:spcPct val="0"/>
-              </a:spcAft>
-              <a:defRPr>
-                <a:solidFill>
-                  <a:schemeClr val="tx1"/>
-                </a:solidFill>
-                <a:latin typeface="Arial" panose="020B0604020202020204" pitchFamily="34" charset="0"/>
-              </a:defRPr>
-            </a:lvl4pPr>
-            <a:lvl5pPr eaLnBrk="0" fontAlgn="base" hangingPunct="0">
-              <a:spcBef>
-                <a:spcPct val="0"/>
-              </a:spcBef>
-              <a:spcAft>
-                <a:spcPct val="0"/>
-              </a:spcAft>
-              <a:defRPr>
-                <a:solidFill>
-                  <a:schemeClr val="tx1"/>
-                </a:solidFill>
-                <a:latin typeface="Arial" panose="020B0604020202020204" pitchFamily="34" charset="0"/>
-              </a:defRPr>
-            </a:lvl5pPr>
-            <a:lvl6pPr eaLnBrk="0" fontAlgn="base" hangingPunct="0">
-              <a:spcBef>
-                <a:spcPct val="0"/>
-              </a:spcBef>
-              <a:spcAft>
-                <a:spcPct val="0"/>
-              </a:spcAft>
-              <a:defRPr>
-                <a:solidFill>
-                  <a:schemeClr val="tx1"/>
-                </a:solidFill>
-                <a:latin typeface="Arial" panose="020B0604020202020204" pitchFamily="34" charset="0"/>
-              </a:defRPr>
-            </a:lvl6pPr>
-            <a:lvl7pPr eaLnBrk="0" fontAlgn="base" hangingPunct="0">
-              <a:spcBef>
-                <a:spcPct val="0"/>
-              </a:spcBef>
-              <a:spcAft>
-                <a:spcPct val="0"/>
-              </a:spcAft>
-              <a:defRPr>
-                <a:solidFill>
-                  <a:schemeClr val="tx1"/>
-                </a:solidFill>
-                <a:latin typeface="Arial" panose="020B0604020202020204" pitchFamily="34" charset="0"/>
-              </a:defRPr>
-            </a:lvl7pPr>
-            <a:lvl8pPr eaLnBrk="0" fontAlgn="base" hangingPunct="0">
-              <a:spcBef>
-                <a:spcPct val="0"/>
-              </a:spcBef>
-              <a:spcAft>
-                <a:spcPct val="0"/>
-              </a:spcAft>
-              <a:defRPr>
-                <a:solidFill>
-                  <a:schemeClr val="tx1"/>
-                </a:solidFill>
-                <a:latin typeface="Arial" panose="020B0604020202020204" pitchFamily="34" charset="0"/>
-              </a:defRPr>
-            </a:lvl8pPr>
-            <a:lvl9pPr eaLnBrk="0" fontAlgn="base" hangingPunct="0">
-              <a:spcBef>
-                <a:spcPct val="0"/>
-              </a:spcBef>
-              <a:spcAft>
-                <a:spcPct val="0"/>
-              </a:spcAft>
-              <a:defRPr>
-                <a:solidFill>
-                  <a:schemeClr val="tx1"/>
-                </a:solidFill>
-                <a:latin typeface="Arial" panose="020B0604020202020204" pitchFamily="34" charset="0"/>
-              </a:defRPr>
-            </a:lvl9pPr>
-          </a:lstStyle>
-          <a:p>
-            <a:pPr marL="0" marR="0" lvl="0" indent="0" algn="l" defTabSz="914400" rtl="0" eaLnBrk="0" fontAlgn="base" latinLnBrk="0" hangingPunct="0">
-              <a:lnSpc>
-                <a:spcPct val="100000"/>
-              </a:lnSpc>
-              <a:spcBef>
-                <a:spcPct val="0"/>
-              </a:spcBef>
-              <a:spcAft>
-                <a:spcPct val="0"/>
-              </a:spcAft>
-              <a:buClrTx/>
-              <a:buSzTx/>
-              <a:buFontTx/>
-              <a:buNone/>
-              <a:tabLst/>
-            </a:pPr>
-            <a:r>
-              <a:rPr kumimoji="0" lang="en-US" altLang="en-US" sz="1200" b="0" i="0" u="none" strike="noStrike" cap="none" normalizeH="0" baseline="0" dirty="0" smtClean="0">
-                <a:ln>
-                  <a:noFill/>
-                </a:ln>
-                <a:solidFill>
-                  <a:srgbClr val="2A3F5F"/>
-                </a:solidFill>
-                <a:effectLst/>
-                <a:latin typeface="Dosis"/>
-              </a:rPr>
-              <a:t>Structuring a Multi-Page App</a:t>
-            </a:r>
-          </a:p>
-          <a:p>
-            <a:pPr marL="0" marR="0" lvl="0" indent="0" algn="l" defTabSz="914400" rtl="0" eaLnBrk="0" fontAlgn="base" latinLnBrk="0" hangingPunct="0">
-              <a:lnSpc>
-                <a:spcPct val="100000"/>
-              </a:lnSpc>
-              <a:spcBef>
-                <a:spcPct val="0"/>
-              </a:spcBef>
-              <a:spcAft>
-                <a:spcPct val="0"/>
-              </a:spcAft>
-              <a:buClrTx/>
-              <a:buSzTx/>
-              <a:buFontTx/>
-              <a:buNone/>
-              <a:tabLst/>
-            </a:pPr>
-            <a:r>
-              <a:rPr kumimoji="0" lang="en-US" altLang="en-US" sz="1200" b="0" i="0" u="none" strike="noStrike" cap="none" normalizeH="0" baseline="0" dirty="0" smtClean="0">
-                <a:ln>
-                  <a:noFill/>
-                </a:ln>
-                <a:solidFill>
-                  <a:srgbClr val="506784"/>
-                </a:solidFill>
-                <a:effectLst/>
-                <a:latin typeface="Open Sans"/>
-              </a:rPr>
-              <a:t>Here's how to structure a multi-page app, where each app is contained in a separate file.</a:t>
-            </a:r>
-            <a:endParaRPr kumimoji="0" lang="en-US" altLang="en-US" sz="600" b="0" i="0" u="none" strike="noStrike" cap="none" normalizeH="0" baseline="0" dirty="0" smtClean="0">
-              <a:ln>
-                <a:noFill/>
-              </a:ln>
-              <a:solidFill>
-                <a:schemeClr val="tx1"/>
-              </a:solidFill>
-              <a:effectLst/>
-            </a:endParaRPr>
-          </a:p>
-          <a:p>
-            <a:pPr marL="0" marR="0" lvl="0" indent="0" algn="l" defTabSz="914400" rtl="0" eaLnBrk="0" fontAlgn="base" latinLnBrk="0" hangingPunct="0">
-              <a:lnSpc>
-                <a:spcPct val="100000"/>
-              </a:lnSpc>
-              <a:spcBef>
-                <a:spcPct val="0"/>
-              </a:spcBef>
-              <a:spcAft>
-                <a:spcPct val="0"/>
-              </a:spcAft>
-              <a:buClrTx/>
-              <a:buSzTx/>
-              <a:buFontTx/>
-              <a:buNone/>
-              <a:tabLst/>
-            </a:pPr>
-            <a:r>
-              <a:rPr kumimoji="0" lang="en-US" altLang="en-US" sz="1200" b="0" i="0" u="none" strike="noStrike" cap="none" normalizeH="0" baseline="0" dirty="0" smtClean="0">
-                <a:ln>
-                  <a:noFill/>
-                </a:ln>
-                <a:solidFill>
-                  <a:srgbClr val="506784"/>
-                </a:solidFill>
-                <a:effectLst/>
-                <a:latin typeface="Open Sans"/>
-              </a:rPr>
-              <a:t>File structure:</a:t>
-            </a:r>
-            <a:endParaRPr kumimoji="0" lang="en-US" altLang="en-US" sz="1000" b="0" i="0" u="none" strike="noStrike" cap="none" normalizeH="0" baseline="0" dirty="0" smtClean="0">
-              <a:ln>
-                <a:noFill/>
-              </a:ln>
-              <a:solidFill>
-                <a:srgbClr val="506784"/>
-              </a:solidFill>
-              <a:effectLst/>
-              <a:latin typeface="Arial Unicode MS"/>
-            </a:endParaRPr>
-          </a:p>
-          <a:p>
-            <a:pPr marL="171450" marR="0" lvl="0" indent="-171450" algn="l" defTabSz="914400" rtl="0" eaLnBrk="0" fontAlgn="base" latinLnBrk="0" hangingPunct="0">
-              <a:lnSpc>
-                <a:spcPct val="100000"/>
-              </a:lnSpc>
-              <a:spcBef>
-                <a:spcPct val="0"/>
-              </a:spcBef>
-              <a:spcAft>
-                <a:spcPct val="0"/>
-              </a:spcAft>
-              <a:buClrTx/>
-              <a:buSzTx/>
-              <a:buFontTx/>
-              <a:buChar char="-"/>
-              <a:tabLst/>
-            </a:pPr>
-            <a:r>
-              <a:rPr kumimoji="0" lang="en-US" altLang="en-US" sz="1000" b="0" i="0" u="none" strike="noStrike" cap="none" normalizeH="0" baseline="0" dirty="0" smtClean="0">
-                <a:ln>
-                  <a:noFill/>
-                </a:ln>
-                <a:solidFill>
-                  <a:srgbClr val="506784"/>
-                </a:solidFill>
-                <a:effectLst/>
-                <a:latin typeface="Arial Unicode MS"/>
-              </a:rPr>
-              <a:t>app.py</a:t>
-            </a:r>
-          </a:p>
-          <a:p>
-            <a:pPr marL="171450" marR="0" lvl="0" indent="-171450" algn="l" defTabSz="914400" rtl="0" eaLnBrk="0" fontAlgn="base" latinLnBrk="0" hangingPunct="0">
-              <a:lnSpc>
-                <a:spcPct val="100000"/>
-              </a:lnSpc>
-              <a:spcBef>
-                <a:spcPct val="0"/>
-              </a:spcBef>
-              <a:spcAft>
-                <a:spcPct val="0"/>
-              </a:spcAft>
-              <a:buClrTx/>
-              <a:buSzTx/>
-              <a:buFontTx/>
-              <a:buChar char="-"/>
-              <a:tabLst/>
-            </a:pPr>
-            <a:r>
-              <a:rPr kumimoji="0" lang="en-US" altLang="en-US" sz="1000" b="0" i="0" u="none" strike="noStrike" cap="none" normalizeH="0" baseline="0" dirty="0" smtClean="0">
-                <a:ln>
-                  <a:noFill/>
-                </a:ln>
-                <a:solidFill>
-                  <a:srgbClr val="506784"/>
-                </a:solidFill>
-                <a:effectLst/>
-                <a:latin typeface="Arial Unicode MS"/>
-              </a:rPr>
-              <a:t>index.py </a:t>
-            </a:r>
-          </a:p>
-          <a:p>
-            <a:pPr marL="171450" marR="0" lvl="0" indent="-171450" algn="l" defTabSz="914400" rtl="0" eaLnBrk="0" fontAlgn="base" latinLnBrk="0" hangingPunct="0">
-              <a:lnSpc>
-                <a:spcPct val="100000"/>
-              </a:lnSpc>
-              <a:spcBef>
-                <a:spcPct val="0"/>
-              </a:spcBef>
-              <a:spcAft>
-                <a:spcPct val="0"/>
-              </a:spcAft>
-              <a:buClrTx/>
-              <a:buSzTx/>
-              <a:buFontTx/>
-              <a:buChar char="-"/>
-              <a:tabLst/>
-            </a:pPr>
-            <a:r>
-              <a:rPr kumimoji="0" lang="en-US" altLang="en-US" sz="1000" b="0" i="0" u="none" strike="noStrike" cap="none" normalizeH="0" baseline="0" dirty="0" smtClean="0">
-                <a:ln>
-                  <a:noFill/>
-                </a:ln>
-                <a:solidFill>
-                  <a:srgbClr val="506784"/>
-                </a:solidFill>
-                <a:effectLst/>
-                <a:latin typeface="Arial Unicode MS"/>
-              </a:rPr>
-              <a:t>apps </a:t>
-            </a:r>
-          </a:p>
-          <a:p>
-            <a:pPr marR="0" lvl="0" algn="l" defTabSz="914400" rtl="0" eaLnBrk="0" fontAlgn="base" latinLnBrk="0" hangingPunct="0">
-              <a:lnSpc>
-                <a:spcPct val="100000"/>
-              </a:lnSpc>
-              <a:spcBef>
-                <a:spcPct val="0"/>
-              </a:spcBef>
-              <a:spcAft>
-                <a:spcPct val="0"/>
-              </a:spcAft>
-              <a:buClrTx/>
-              <a:buSzTx/>
-              <a:tabLst/>
-            </a:pPr>
-            <a:r>
-              <a:rPr lang="en-US" altLang="en-US" sz="1000" dirty="0" smtClean="0">
-                <a:solidFill>
-                  <a:srgbClr val="506784"/>
-                </a:solidFill>
-                <a:latin typeface="Arial Unicode MS"/>
-              </a:rPr>
-              <a:t>           </a:t>
-            </a:r>
-            <a:r>
-              <a:rPr lang="en-US" altLang="en-US" sz="1000" dirty="0">
-                <a:solidFill>
-                  <a:srgbClr val="506784"/>
-                </a:solidFill>
-                <a:latin typeface="Arial Unicode MS"/>
-              </a:rPr>
-              <a:t>	</a:t>
-            </a:r>
-            <a:r>
-              <a:rPr kumimoji="0" lang="en-US" altLang="en-US" sz="1000" b="0" i="0" u="none" strike="noStrike" cap="none" normalizeH="0" baseline="0" dirty="0" smtClean="0">
-                <a:ln>
-                  <a:noFill/>
-                </a:ln>
-                <a:solidFill>
-                  <a:srgbClr val="506784"/>
-                </a:solidFill>
-                <a:effectLst/>
-                <a:latin typeface="Arial Unicode MS"/>
-              </a:rPr>
-              <a:t>-- __init__.py </a:t>
-            </a:r>
-          </a:p>
-          <a:p>
-            <a:pPr marR="0" lvl="0" algn="l" defTabSz="914400" rtl="0" eaLnBrk="0" fontAlgn="base" latinLnBrk="0" hangingPunct="0">
-              <a:lnSpc>
-                <a:spcPct val="100000"/>
-              </a:lnSpc>
-              <a:spcBef>
-                <a:spcPct val="0"/>
-              </a:spcBef>
-              <a:spcAft>
-                <a:spcPct val="0"/>
-              </a:spcAft>
-              <a:buClrTx/>
-              <a:buSzTx/>
-              <a:tabLst/>
-            </a:pPr>
-            <a:r>
-              <a:rPr lang="en-US" altLang="en-US" sz="1000" dirty="0">
-                <a:solidFill>
-                  <a:srgbClr val="506784"/>
-                </a:solidFill>
-                <a:latin typeface="Arial Unicode MS"/>
-              </a:rPr>
-              <a:t>	</a:t>
-            </a:r>
-            <a:r>
-              <a:rPr kumimoji="0" lang="en-US" altLang="en-US" sz="1000" b="0" i="0" u="none" strike="noStrike" cap="none" normalizeH="0" baseline="0" dirty="0" smtClean="0">
-                <a:ln>
-                  <a:noFill/>
-                </a:ln>
-                <a:solidFill>
-                  <a:srgbClr val="506784"/>
-                </a:solidFill>
-                <a:effectLst/>
-                <a:latin typeface="Arial Unicode MS"/>
-              </a:rPr>
-              <a:t>-- app1.py </a:t>
-            </a:r>
-          </a:p>
-          <a:p>
-            <a:pPr marR="0" lvl="0" algn="l" defTabSz="914400" rtl="0" eaLnBrk="0" fontAlgn="base" latinLnBrk="0" hangingPunct="0">
-              <a:lnSpc>
-                <a:spcPct val="100000"/>
-              </a:lnSpc>
-              <a:spcBef>
-                <a:spcPct val="0"/>
-              </a:spcBef>
-              <a:spcAft>
-                <a:spcPct val="0"/>
-              </a:spcAft>
-              <a:buClrTx/>
-              <a:buSzTx/>
-              <a:tabLst/>
-            </a:pPr>
-            <a:r>
-              <a:rPr lang="en-US" altLang="en-US" sz="1000" dirty="0">
-                <a:solidFill>
-                  <a:srgbClr val="506784"/>
-                </a:solidFill>
-                <a:latin typeface="Arial Unicode MS"/>
-              </a:rPr>
-              <a:t>	</a:t>
-            </a:r>
-            <a:r>
-              <a:rPr kumimoji="0" lang="en-US" altLang="en-US" sz="1000" b="0" i="0" u="none" strike="noStrike" cap="none" normalizeH="0" baseline="0" dirty="0" smtClean="0">
-                <a:ln>
-                  <a:noFill/>
-                </a:ln>
-                <a:solidFill>
-                  <a:srgbClr val="506784"/>
-                </a:solidFill>
-                <a:effectLst/>
-                <a:latin typeface="Arial Unicode MS"/>
-              </a:rPr>
-              <a:t>-- app2.py</a:t>
-            </a:r>
-            <a:r>
-              <a:rPr kumimoji="0" lang="en-US" altLang="en-US" sz="600" b="0" i="0" u="none" strike="noStrike" cap="none" normalizeH="0" baseline="0" dirty="0" smtClean="0">
-                <a:ln>
-                  <a:noFill/>
-                </a:ln>
-                <a:solidFill>
-                  <a:schemeClr val="tx1"/>
-                </a:solidFill>
-                <a:effectLst/>
-              </a:rPr>
-              <a:t> </a:t>
-            </a:r>
-            <a:endParaRPr kumimoji="0" lang="en-US" altLang="en-US" sz="1800" b="0" i="0" u="none" strike="noStrike" cap="none" normalizeH="0" baseline="0" dirty="0" smtClean="0">
-              <a:ln>
-                <a:noFill/>
-              </a:ln>
-              <a:solidFill>
-                <a:schemeClr val="tx1"/>
-              </a:solidFill>
-              <a:effectLst/>
-              <a:latin typeface="Arial" panose="020B0604020202020204" pitchFamily="34" charset="0"/>
-            </a:endParaRPr>
-          </a:p>
-        </p:txBody>
-      </p:sp>
-      <p:sp>
-        <p:nvSpPr>
-          <p:cNvPr id="7" name="Rectangle 3"/>
-          <p:cNvSpPr>
-            <a:spLocks noChangeArrowheads="1"/>
-          </p:cNvSpPr>
-          <p:nvPr/>
-        </p:nvSpPr>
-        <p:spPr bwMode="auto">
-          <a:xfrm>
-            <a:off x="152400" y="3069367"/>
-            <a:ext cx="8839200" cy="2954655"/>
-          </a:xfrm>
-          <a:prstGeom prst="rect">
-            <a:avLst/>
-          </a:prstGeom>
-          <a:solidFill>
-            <a:srgbClr val="F3F6FB"/>
-          </a:solidFill>
-          <a:ln>
-            <a:noFill/>
-          </a:ln>
-          <a:effectLst/>
-          <a:extLst>
-            <a:ext uri="{91240B29-F687-4F45-9708-019B960494DF}">
-              <a14:hiddenLine xmlns:a14="http://schemas.microsoft.com/office/drawing/2010/main" w="9525">
-                <a:solidFill>
-                  <a:schemeClr val="tx1"/>
-                </a:solidFill>
-                <a:miter lim="800000"/>
-                <a:headEnd/>
-                <a:tailEnd/>
-              </a14:hiddenLine>
-            </a:ext>
-            <a:ext uri="{AF507438-7753-43E0-B8FC-AC1667EBCBE1}">
-              <a14:hiddenEffects xmlns:a14="http://schemas.microsoft.com/office/drawing/2010/main">
-                <a:effectLst>
-                  <a:outerShdw dist="35921" dir="2700000" algn="ctr" rotWithShape="0">
-                    <a:schemeClr val="bg2"/>
-                  </a:outerShdw>
-                </a:effectLst>
-              </a14:hiddenEffects>
-            </a:ext>
-          </a:extLst>
-        </p:spPr>
-        <p:txBody>
-          <a:bodyPr vert="horz" wrap="square" lIns="91440" tIns="45720" rIns="91440" bIns="45720" numCol="1" anchor="ctr" anchorCtr="0" compatLnSpc="1">
-            <a:prstTxWarp prst="textNoShape">
-              <a:avLst/>
-            </a:prstTxWarp>
-            <a:spAutoFit/>
-          </a:bodyPr>
-          <a:lstStyle>
-            <a:lvl1pPr eaLnBrk="0" fontAlgn="base" hangingPunct="0">
-              <a:spcBef>
-                <a:spcPct val="0"/>
-              </a:spcBef>
-              <a:spcAft>
-                <a:spcPct val="0"/>
-              </a:spcAft>
-              <a:defRPr>
-                <a:solidFill>
-                  <a:schemeClr val="tx1"/>
-                </a:solidFill>
-                <a:latin typeface="Arial" panose="020B0604020202020204" pitchFamily="34" charset="0"/>
-              </a:defRPr>
-            </a:lvl1pPr>
-            <a:lvl2pPr eaLnBrk="0" fontAlgn="base" hangingPunct="0">
-              <a:spcBef>
-                <a:spcPct val="0"/>
-              </a:spcBef>
-              <a:spcAft>
-                <a:spcPct val="0"/>
-              </a:spcAft>
-              <a:defRPr>
-                <a:solidFill>
-                  <a:schemeClr val="tx1"/>
-                </a:solidFill>
-                <a:latin typeface="Arial" panose="020B0604020202020204" pitchFamily="34" charset="0"/>
-              </a:defRPr>
-            </a:lvl2pPr>
-            <a:lvl3pPr eaLnBrk="0" fontAlgn="base" hangingPunct="0">
-              <a:spcBef>
-                <a:spcPct val="0"/>
-              </a:spcBef>
-              <a:spcAft>
-                <a:spcPct val="0"/>
-              </a:spcAft>
-              <a:defRPr>
-                <a:solidFill>
-                  <a:schemeClr val="tx1"/>
-                </a:solidFill>
-                <a:latin typeface="Arial" panose="020B0604020202020204" pitchFamily="34" charset="0"/>
-              </a:defRPr>
-            </a:lvl3pPr>
-            <a:lvl4pPr eaLnBrk="0" fontAlgn="base" hangingPunct="0">
-              <a:spcBef>
-                <a:spcPct val="0"/>
-              </a:spcBef>
-              <a:spcAft>
-                <a:spcPct val="0"/>
-              </a:spcAft>
-              <a:defRPr>
-                <a:solidFill>
-                  <a:schemeClr val="tx1"/>
-                </a:solidFill>
-                <a:latin typeface="Arial" panose="020B0604020202020204" pitchFamily="34" charset="0"/>
-              </a:defRPr>
-            </a:lvl4pPr>
-            <a:lvl5pPr eaLnBrk="0" fontAlgn="base" hangingPunct="0">
-              <a:spcBef>
-                <a:spcPct val="0"/>
-              </a:spcBef>
-              <a:spcAft>
-                <a:spcPct val="0"/>
-              </a:spcAft>
-              <a:defRPr>
-                <a:solidFill>
-                  <a:schemeClr val="tx1"/>
-                </a:solidFill>
-                <a:latin typeface="Arial" panose="020B0604020202020204" pitchFamily="34" charset="0"/>
-              </a:defRPr>
-            </a:lvl5pPr>
-            <a:lvl6pPr eaLnBrk="0" fontAlgn="base" hangingPunct="0">
-              <a:spcBef>
-                <a:spcPct val="0"/>
-              </a:spcBef>
-              <a:spcAft>
-                <a:spcPct val="0"/>
-              </a:spcAft>
-              <a:defRPr>
-                <a:solidFill>
-                  <a:schemeClr val="tx1"/>
-                </a:solidFill>
-                <a:latin typeface="Arial" panose="020B0604020202020204" pitchFamily="34" charset="0"/>
-              </a:defRPr>
-            </a:lvl6pPr>
-            <a:lvl7pPr eaLnBrk="0" fontAlgn="base" hangingPunct="0">
-              <a:spcBef>
-                <a:spcPct val="0"/>
-              </a:spcBef>
-              <a:spcAft>
-                <a:spcPct val="0"/>
-              </a:spcAft>
-              <a:defRPr>
-                <a:solidFill>
-                  <a:schemeClr val="tx1"/>
-                </a:solidFill>
-                <a:latin typeface="Arial" panose="020B0604020202020204" pitchFamily="34" charset="0"/>
-              </a:defRPr>
-            </a:lvl7pPr>
-            <a:lvl8pPr eaLnBrk="0" fontAlgn="base" hangingPunct="0">
-              <a:spcBef>
-                <a:spcPct val="0"/>
-              </a:spcBef>
-              <a:spcAft>
-                <a:spcPct val="0"/>
-              </a:spcAft>
-              <a:defRPr>
-                <a:solidFill>
-                  <a:schemeClr val="tx1"/>
-                </a:solidFill>
-                <a:latin typeface="Arial" panose="020B0604020202020204" pitchFamily="34" charset="0"/>
-              </a:defRPr>
-            </a:lvl8pPr>
-            <a:lvl9pPr eaLnBrk="0" fontAlgn="base" hangingPunct="0">
-              <a:spcBef>
-                <a:spcPct val="0"/>
-              </a:spcBef>
-              <a:spcAft>
-                <a:spcPct val="0"/>
-              </a:spcAft>
-              <a:defRPr>
-                <a:solidFill>
-                  <a:schemeClr val="tx1"/>
-                </a:solidFill>
-                <a:latin typeface="Arial" panose="020B0604020202020204" pitchFamily="34" charset="0"/>
-              </a:defRPr>
-            </a:lvl9pPr>
-          </a:lstStyle>
-          <a:p>
-            <a:pPr marL="0" marR="0" lvl="0" indent="0" algn="l" defTabSz="914400" rtl="0" eaLnBrk="0" fontAlgn="base" latinLnBrk="0" hangingPunct="0">
-              <a:lnSpc>
-                <a:spcPct val="100000"/>
-              </a:lnSpc>
-              <a:spcBef>
-                <a:spcPct val="0"/>
-              </a:spcBef>
-              <a:spcAft>
-                <a:spcPct val="0"/>
-              </a:spcAft>
-              <a:buClrTx/>
-              <a:buSzTx/>
-              <a:buFontTx/>
-              <a:buNone/>
-              <a:tabLst/>
-            </a:pPr>
-            <a:r>
-              <a:rPr kumimoji="0" lang="en-US" altLang="en-US" sz="1200" b="0" i="0" u="none" strike="noStrike" cap="none" normalizeH="0" baseline="0" dirty="0" smtClean="0">
-                <a:ln>
-                  <a:noFill/>
-                </a:ln>
-                <a:solidFill>
-                  <a:srgbClr val="506784"/>
-                </a:solidFill>
-                <a:effectLst/>
-                <a:latin typeface="Open Sans"/>
-              </a:rPr>
-              <a:t>It is worth noting that in both of these project structures, the Dash instance is defined in a separate </a:t>
-            </a:r>
-            <a:r>
-              <a:rPr kumimoji="0" lang="en-US" altLang="en-US" sz="900" b="0" i="0" u="none" strike="noStrike" cap="none" normalizeH="0" baseline="0" dirty="0" smtClean="0">
-                <a:ln>
-                  <a:noFill/>
-                </a:ln>
-                <a:solidFill>
-                  <a:srgbClr val="506784"/>
-                </a:solidFill>
-                <a:effectLst/>
-                <a:latin typeface="Arial Unicode MS"/>
-              </a:rPr>
-              <a:t>app.py</a:t>
-            </a:r>
-            <a:r>
-              <a:rPr kumimoji="0" lang="en-US" altLang="en-US" sz="1200" b="0" i="0" u="none" strike="noStrike" cap="none" normalizeH="0" baseline="0" dirty="0" smtClean="0">
-                <a:ln>
-                  <a:noFill/>
-                </a:ln>
-                <a:solidFill>
-                  <a:srgbClr val="506784"/>
-                </a:solidFill>
-                <a:effectLst/>
-                <a:latin typeface="Open Sans"/>
-              </a:rPr>
-              <a:t>, while the entry point for </a:t>
-            </a:r>
-          </a:p>
-          <a:p>
-            <a:pPr marL="0" marR="0" lvl="0" indent="0" algn="l" defTabSz="914400" rtl="0" eaLnBrk="0" fontAlgn="base" latinLnBrk="0" hangingPunct="0">
-              <a:lnSpc>
-                <a:spcPct val="100000"/>
-              </a:lnSpc>
-              <a:spcBef>
-                <a:spcPct val="0"/>
-              </a:spcBef>
-              <a:spcAft>
-                <a:spcPct val="0"/>
-              </a:spcAft>
-              <a:buClrTx/>
-              <a:buSzTx/>
-              <a:buFontTx/>
-              <a:buNone/>
-              <a:tabLst/>
-            </a:pPr>
-            <a:endParaRPr lang="en-US" altLang="en-US" sz="1200" dirty="0">
-              <a:solidFill>
-                <a:srgbClr val="506784"/>
-              </a:solidFill>
-              <a:latin typeface="Open Sans"/>
-            </a:endParaRPr>
-          </a:p>
-          <a:p>
-            <a:pPr marL="0" marR="0" lvl="0" indent="0" algn="l" defTabSz="914400" rtl="0" eaLnBrk="0" fontAlgn="base" latinLnBrk="0" hangingPunct="0">
-              <a:lnSpc>
-                <a:spcPct val="100000"/>
-              </a:lnSpc>
-              <a:spcBef>
-                <a:spcPct val="0"/>
-              </a:spcBef>
-              <a:spcAft>
-                <a:spcPct val="0"/>
-              </a:spcAft>
-              <a:buClrTx/>
-              <a:buSzTx/>
-              <a:buFontTx/>
-              <a:buNone/>
-              <a:tabLst/>
-            </a:pPr>
-            <a:r>
-              <a:rPr kumimoji="0" lang="en-US" altLang="en-US" sz="1200" b="0" i="0" u="none" strike="noStrike" cap="none" normalizeH="0" baseline="0" dirty="0" smtClean="0">
-                <a:ln>
-                  <a:noFill/>
-                </a:ln>
-                <a:solidFill>
-                  <a:srgbClr val="506784"/>
-                </a:solidFill>
-                <a:effectLst/>
-                <a:latin typeface="Open Sans"/>
-              </a:rPr>
-              <a:t>running the app is </a:t>
-            </a:r>
-            <a:r>
-              <a:rPr kumimoji="0" lang="en-US" altLang="en-US" sz="900" b="0" i="0" u="none" strike="noStrike" cap="none" normalizeH="0" baseline="0" dirty="0" smtClean="0">
-                <a:ln>
-                  <a:noFill/>
-                </a:ln>
-                <a:solidFill>
-                  <a:srgbClr val="506784"/>
-                </a:solidFill>
-                <a:effectLst/>
-                <a:latin typeface="Arial Unicode MS"/>
-              </a:rPr>
-              <a:t>index.py</a:t>
-            </a:r>
-            <a:r>
-              <a:rPr kumimoji="0" lang="en-US" altLang="en-US" sz="1200" b="0" i="0" u="none" strike="noStrike" cap="none" normalizeH="0" baseline="0" dirty="0" smtClean="0">
-                <a:ln>
-                  <a:noFill/>
-                </a:ln>
-                <a:solidFill>
-                  <a:srgbClr val="506784"/>
-                </a:solidFill>
-                <a:effectLst/>
-                <a:latin typeface="Open Sans"/>
-              </a:rPr>
-              <a:t>. </a:t>
-            </a:r>
-          </a:p>
-          <a:p>
-            <a:pPr marL="0" marR="0" lvl="0" indent="0" algn="l" defTabSz="914400" rtl="0" eaLnBrk="0" fontAlgn="base" latinLnBrk="0" hangingPunct="0">
-              <a:lnSpc>
-                <a:spcPct val="100000"/>
-              </a:lnSpc>
-              <a:spcBef>
-                <a:spcPct val="0"/>
-              </a:spcBef>
-              <a:spcAft>
-                <a:spcPct val="0"/>
-              </a:spcAft>
-              <a:buClrTx/>
-              <a:buSzTx/>
-              <a:buFontTx/>
-              <a:buNone/>
-              <a:tabLst/>
-            </a:pPr>
-            <a:endParaRPr kumimoji="0" lang="en-US" altLang="en-US" sz="1200" b="0" i="0" u="none" strike="noStrike" cap="none" normalizeH="0" baseline="0" dirty="0" smtClean="0">
-              <a:ln>
-                <a:noFill/>
-              </a:ln>
-              <a:solidFill>
-                <a:srgbClr val="506784"/>
-              </a:solidFill>
-              <a:effectLst/>
-              <a:latin typeface="Open Sans"/>
-            </a:endParaRPr>
-          </a:p>
-          <a:p>
-            <a:pPr marL="0" marR="0" lvl="0" indent="0" algn="l" defTabSz="914400" rtl="0" eaLnBrk="0" fontAlgn="base" latinLnBrk="0" hangingPunct="0">
-              <a:lnSpc>
-                <a:spcPct val="100000"/>
-              </a:lnSpc>
-              <a:spcBef>
-                <a:spcPct val="0"/>
-              </a:spcBef>
-              <a:spcAft>
-                <a:spcPct val="0"/>
-              </a:spcAft>
-              <a:buClrTx/>
-              <a:buSzTx/>
-              <a:buFontTx/>
-              <a:buNone/>
-              <a:tabLst/>
-            </a:pPr>
-            <a:r>
-              <a:rPr kumimoji="0" lang="en-US" altLang="en-US" sz="1200" b="0" i="0" u="none" strike="noStrike" cap="none" normalizeH="0" baseline="0" dirty="0" smtClean="0">
-                <a:ln>
-                  <a:noFill/>
-                </a:ln>
-                <a:solidFill>
-                  <a:srgbClr val="506784"/>
-                </a:solidFill>
-                <a:effectLst/>
-                <a:latin typeface="Open Sans"/>
-              </a:rPr>
-              <a:t>This separation is required to avoid circular imports: the files containing the callback definitions require access to the </a:t>
-            </a:r>
-          </a:p>
-          <a:p>
-            <a:pPr marL="0" marR="0" lvl="0" indent="0" algn="l" defTabSz="914400" rtl="0" eaLnBrk="0" fontAlgn="base" latinLnBrk="0" hangingPunct="0">
-              <a:lnSpc>
-                <a:spcPct val="100000"/>
-              </a:lnSpc>
-              <a:spcBef>
-                <a:spcPct val="0"/>
-              </a:spcBef>
-              <a:spcAft>
-                <a:spcPct val="0"/>
-              </a:spcAft>
-              <a:buClrTx/>
-              <a:buSzTx/>
-              <a:buFontTx/>
-              <a:buNone/>
-              <a:tabLst/>
-            </a:pPr>
-            <a:endParaRPr lang="en-US" altLang="en-US" sz="1200" dirty="0">
-              <a:solidFill>
-                <a:srgbClr val="506784"/>
-              </a:solidFill>
-              <a:latin typeface="Open Sans"/>
-            </a:endParaRPr>
-          </a:p>
-          <a:p>
-            <a:pPr marL="0" marR="0" lvl="0" indent="0" algn="l" defTabSz="914400" rtl="0" eaLnBrk="0" fontAlgn="base" latinLnBrk="0" hangingPunct="0">
-              <a:lnSpc>
-                <a:spcPct val="100000"/>
-              </a:lnSpc>
-              <a:spcBef>
-                <a:spcPct val="0"/>
-              </a:spcBef>
-              <a:spcAft>
-                <a:spcPct val="0"/>
-              </a:spcAft>
-              <a:buClrTx/>
-              <a:buSzTx/>
-              <a:buFontTx/>
-              <a:buNone/>
-              <a:tabLst/>
-            </a:pPr>
-            <a:r>
-              <a:rPr kumimoji="0" lang="en-US" altLang="en-US" sz="1200" b="0" i="0" u="none" strike="noStrike" cap="none" normalizeH="0" baseline="0" dirty="0" smtClean="0">
-                <a:ln>
-                  <a:noFill/>
-                </a:ln>
-                <a:solidFill>
-                  <a:srgbClr val="506784"/>
-                </a:solidFill>
-                <a:effectLst/>
-                <a:latin typeface="Open Sans"/>
-              </a:rPr>
-              <a:t>Dash </a:t>
-            </a:r>
-            <a:r>
-              <a:rPr kumimoji="0" lang="en-US" altLang="en-US" sz="900" b="0" i="0" u="none" strike="noStrike" cap="none" normalizeH="0" baseline="0" dirty="0" smtClean="0">
-                <a:ln>
-                  <a:noFill/>
-                </a:ln>
-                <a:solidFill>
-                  <a:srgbClr val="506784"/>
-                </a:solidFill>
-                <a:effectLst/>
-                <a:latin typeface="Arial Unicode MS"/>
-              </a:rPr>
-              <a:t>app</a:t>
-            </a:r>
-            <a:r>
-              <a:rPr kumimoji="0" lang="en-US" altLang="en-US" sz="1200" b="0" i="0" u="none" strike="noStrike" cap="none" normalizeH="0" baseline="0" dirty="0" smtClean="0">
-                <a:ln>
-                  <a:noFill/>
-                </a:ln>
-                <a:solidFill>
-                  <a:srgbClr val="506784"/>
-                </a:solidFill>
-                <a:effectLst/>
-                <a:latin typeface="Open Sans"/>
-              </a:rPr>
-              <a:t> instance however if this were imported from </a:t>
-            </a:r>
-            <a:r>
-              <a:rPr kumimoji="0" lang="en-US" altLang="en-US" sz="900" b="0" i="0" u="none" strike="noStrike" cap="none" normalizeH="0" baseline="0" dirty="0" smtClean="0">
-                <a:ln>
-                  <a:noFill/>
-                </a:ln>
-                <a:solidFill>
-                  <a:srgbClr val="506784"/>
-                </a:solidFill>
-                <a:effectLst/>
-                <a:latin typeface="Arial Unicode MS"/>
-              </a:rPr>
-              <a:t>index.py</a:t>
-            </a:r>
-            <a:r>
-              <a:rPr kumimoji="0" lang="en-US" altLang="en-US" sz="1200" b="0" i="0" u="none" strike="noStrike" cap="none" normalizeH="0" baseline="0" dirty="0" smtClean="0">
-                <a:ln>
-                  <a:noFill/>
-                </a:ln>
-                <a:solidFill>
-                  <a:srgbClr val="506784"/>
-                </a:solidFill>
-                <a:effectLst/>
-                <a:latin typeface="Open Sans"/>
-              </a:rPr>
-              <a:t>, the initial loading of </a:t>
-            </a:r>
-            <a:r>
-              <a:rPr kumimoji="0" lang="en-US" altLang="en-US" sz="900" b="0" i="0" u="none" strike="noStrike" cap="none" normalizeH="0" baseline="0" dirty="0" smtClean="0">
-                <a:ln>
-                  <a:noFill/>
-                </a:ln>
-                <a:solidFill>
-                  <a:srgbClr val="506784"/>
-                </a:solidFill>
-                <a:effectLst/>
-                <a:latin typeface="Arial Unicode MS"/>
-              </a:rPr>
-              <a:t>index.py</a:t>
-            </a:r>
-            <a:r>
-              <a:rPr kumimoji="0" lang="en-US" altLang="en-US" sz="1200" b="0" i="0" u="none" strike="noStrike" cap="none" normalizeH="0" baseline="0" dirty="0" smtClean="0">
-                <a:ln>
-                  <a:noFill/>
-                </a:ln>
-                <a:solidFill>
-                  <a:srgbClr val="506784"/>
-                </a:solidFill>
-                <a:effectLst/>
-                <a:latin typeface="Open Sans"/>
-              </a:rPr>
-              <a:t> </a:t>
-            </a:r>
-          </a:p>
-          <a:p>
-            <a:pPr marL="0" marR="0" lvl="0" indent="0" algn="l" defTabSz="914400" rtl="0" eaLnBrk="0" fontAlgn="base" latinLnBrk="0" hangingPunct="0">
-              <a:lnSpc>
-                <a:spcPct val="100000"/>
-              </a:lnSpc>
-              <a:spcBef>
-                <a:spcPct val="0"/>
-              </a:spcBef>
-              <a:spcAft>
-                <a:spcPct val="0"/>
-              </a:spcAft>
-              <a:buClrTx/>
-              <a:buSzTx/>
-              <a:buFontTx/>
-              <a:buNone/>
-              <a:tabLst/>
-            </a:pPr>
-            <a:endParaRPr kumimoji="0" lang="en-US" altLang="en-US" sz="1200" b="0" i="0" u="none" strike="noStrike" cap="none" normalizeH="0" baseline="0" dirty="0" smtClean="0">
-              <a:ln>
-                <a:noFill/>
-              </a:ln>
-              <a:solidFill>
-                <a:srgbClr val="506784"/>
-              </a:solidFill>
-              <a:effectLst/>
-              <a:latin typeface="Open Sans"/>
-            </a:endParaRPr>
-          </a:p>
-          <a:p>
-            <a:pPr marL="0" marR="0" lvl="0" indent="0" algn="l" defTabSz="914400" rtl="0" eaLnBrk="0" fontAlgn="base" latinLnBrk="0" hangingPunct="0">
-              <a:lnSpc>
-                <a:spcPct val="100000"/>
-              </a:lnSpc>
-              <a:spcBef>
-                <a:spcPct val="0"/>
-              </a:spcBef>
-              <a:spcAft>
-                <a:spcPct val="0"/>
-              </a:spcAft>
-              <a:buClrTx/>
-              <a:buSzTx/>
-              <a:buFontTx/>
-              <a:buNone/>
-              <a:tabLst/>
-            </a:pPr>
-            <a:r>
-              <a:rPr kumimoji="0" lang="en-US" altLang="en-US" sz="1200" b="0" i="0" u="none" strike="noStrike" cap="none" normalizeH="0" baseline="0" dirty="0" smtClean="0">
-                <a:ln>
-                  <a:noFill/>
-                </a:ln>
-                <a:solidFill>
-                  <a:srgbClr val="506784"/>
-                </a:solidFill>
-                <a:effectLst/>
-                <a:latin typeface="Open Sans"/>
-              </a:rPr>
-              <a:t>would ultimately require itself to be already imported, which cannot be satisfied.</a:t>
-            </a:r>
-            <a:r>
-              <a:rPr kumimoji="0" lang="en-US" altLang="en-US" sz="600" b="0" i="0" u="none" strike="noStrike" cap="none" normalizeH="0" baseline="0" dirty="0" smtClean="0">
-                <a:ln>
-                  <a:noFill/>
-                </a:ln>
-                <a:solidFill>
-                  <a:schemeClr val="tx1"/>
-                </a:solidFill>
-                <a:effectLst/>
-              </a:rPr>
-              <a:t> </a:t>
-            </a:r>
-          </a:p>
-          <a:p>
-            <a:pPr marL="0" marR="0" lvl="0" indent="0" algn="l" defTabSz="914400" rtl="0" eaLnBrk="0" fontAlgn="base" latinLnBrk="0" hangingPunct="0">
-              <a:lnSpc>
-                <a:spcPct val="100000"/>
-              </a:lnSpc>
-              <a:spcBef>
-                <a:spcPct val="0"/>
-              </a:spcBef>
-              <a:spcAft>
-                <a:spcPct val="0"/>
-              </a:spcAft>
-              <a:buClrTx/>
-              <a:buSzTx/>
-              <a:buFontTx/>
-              <a:buNone/>
-              <a:tabLst/>
-            </a:pPr>
-            <a:endParaRPr lang="en-US" altLang="en-US" sz="600" dirty="0">
-              <a:latin typeface="Arial" panose="020B0604020202020204" pitchFamily="34" charset="0"/>
-            </a:endParaRPr>
-          </a:p>
-          <a:p>
-            <a:pPr marL="0" marR="0" lvl="0" indent="0" algn="l" defTabSz="914400" rtl="0" eaLnBrk="0" fontAlgn="base" latinLnBrk="0" hangingPunct="0">
-              <a:lnSpc>
-                <a:spcPct val="100000"/>
-              </a:lnSpc>
-              <a:spcBef>
-                <a:spcPct val="0"/>
-              </a:spcBef>
-              <a:spcAft>
-                <a:spcPct val="0"/>
-              </a:spcAft>
-              <a:buClrTx/>
-              <a:buSzTx/>
-              <a:buFontTx/>
-              <a:buNone/>
-              <a:tabLst/>
-            </a:pPr>
-            <a:endParaRPr kumimoji="0" lang="en-US" altLang="en-US" sz="600" b="0" i="0" u="none" strike="noStrike" cap="none" normalizeH="0" baseline="0" dirty="0" smtClean="0">
-              <a:ln>
-                <a:noFill/>
-              </a:ln>
-              <a:solidFill>
-                <a:schemeClr val="tx1"/>
-              </a:solidFill>
-              <a:effectLst/>
-            </a:endParaRPr>
-          </a:p>
-          <a:p>
-            <a:pPr marL="0" marR="0" lvl="0" indent="0" algn="l" defTabSz="914400" rtl="0" eaLnBrk="0" fontAlgn="base" latinLnBrk="0" hangingPunct="0">
-              <a:lnSpc>
-                <a:spcPct val="100000"/>
-              </a:lnSpc>
-              <a:spcBef>
-                <a:spcPct val="0"/>
-              </a:spcBef>
-              <a:spcAft>
-                <a:spcPct val="0"/>
-              </a:spcAft>
-              <a:buClrTx/>
-              <a:buSzTx/>
-              <a:buFontTx/>
-              <a:buNone/>
-              <a:tabLst/>
-            </a:pPr>
-            <a:endParaRPr lang="en-US" altLang="en-US" sz="600" dirty="0">
-              <a:latin typeface="Arial" panose="020B0604020202020204" pitchFamily="34" charset="0"/>
-            </a:endParaRPr>
-          </a:p>
-          <a:p>
-            <a:pPr marL="0" marR="0" lvl="0" indent="0" algn="l" defTabSz="914400" rtl="0" eaLnBrk="0" fontAlgn="base" latinLnBrk="0" hangingPunct="0">
-              <a:lnSpc>
-                <a:spcPct val="100000"/>
-              </a:lnSpc>
-              <a:spcBef>
-                <a:spcPct val="0"/>
-              </a:spcBef>
-              <a:spcAft>
-                <a:spcPct val="0"/>
-              </a:spcAft>
-              <a:buClrTx/>
-              <a:buSzTx/>
-              <a:buFontTx/>
-              <a:buNone/>
-              <a:tabLst/>
-            </a:pPr>
-            <a:endParaRPr kumimoji="0" lang="en-US" altLang="en-US" sz="600" b="0" i="0" u="none" strike="noStrike" cap="none" normalizeH="0" baseline="0" dirty="0" smtClean="0">
-              <a:ln>
-                <a:noFill/>
-              </a:ln>
-              <a:solidFill>
-                <a:schemeClr val="tx1"/>
-              </a:solidFill>
-              <a:effectLst/>
-            </a:endParaRPr>
-          </a:p>
-          <a:p>
-            <a:pPr marL="0" marR="0" lvl="0" indent="0" algn="l" defTabSz="914400" rtl="0" eaLnBrk="0" fontAlgn="base" latinLnBrk="0" hangingPunct="0">
-              <a:lnSpc>
-                <a:spcPct val="100000"/>
-              </a:lnSpc>
-              <a:spcBef>
-                <a:spcPct val="0"/>
-              </a:spcBef>
-              <a:spcAft>
-                <a:spcPct val="0"/>
-              </a:spcAft>
-              <a:buClrTx/>
-              <a:buSzTx/>
-              <a:buFontTx/>
-              <a:buNone/>
-              <a:tabLst/>
-            </a:pPr>
-            <a:endParaRPr lang="en-US" altLang="en-US" sz="600" dirty="0">
-              <a:latin typeface="Arial" panose="020B0604020202020204" pitchFamily="34" charset="0"/>
-            </a:endParaRPr>
-          </a:p>
-          <a:p>
-            <a:pPr marL="0" marR="0" lvl="0" indent="0" algn="l" defTabSz="914400" rtl="0" eaLnBrk="0" fontAlgn="base" latinLnBrk="0" hangingPunct="0">
-              <a:lnSpc>
-                <a:spcPct val="100000"/>
-              </a:lnSpc>
-              <a:spcBef>
-                <a:spcPct val="0"/>
-              </a:spcBef>
-              <a:spcAft>
-                <a:spcPct val="0"/>
-              </a:spcAft>
-              <a:buClrTx/>
-              <a:buSzTx/>
-              <a:buFontTx/>
-              <a:buNone/>
-              <a:tabLst/>
-            </a:pPr>
-            <a:endParaRPr kumimoji="0" lang="en-US" altLang="en-US" sz="600" b="0" i="0" u="none" strike="noStrike" cap="none" normalizeH="0" baseline="0" dirty="0" smtClean="0">
-              <a:ln>
-                <a:noFill/>
-              </a:ln>
-              <a:solidFill>
-                <a:schemeClr val="tx1"/>
-              </a:solidFill>
-              <a:effectLst/>
-            </a:endParaRPr>
-          </a:p>
-          <a:p>
-            <a:pPr marL="0" marR="0" lvl="0" indent="0" algn="l" defTabSz="914400" rtl="0" eaLnBrk="0" fontAlgn="base" latinLnBrk="0" hangingPunct="0">
-              <a:lnSpc>
-                <a:spcPct val="100000"/>
-              </a:lnSpc>
-              <a:spcBef>
-                <a:spcPct val="0"/>
-              </a:spcBef>
-              <a:spcAft>
-                <a:spcPct val="0"/>
-              </a:spcAft>
-              <a:buClrTx/>
-              <a:buSzTx/>
-              <a:buFontTx/>
-              <a:buNone/>
-              <a:tabLst/>
-            </a:pPr>
-            <a:endParaRPr lang="en-US" altLang="en-US" sz="600" dirty="0">
-              <a:latin typeface="Arial" panose="020B0604020202020204" pitchFamily="34" charset="0"/>
-            </a:endParaRPr>
-          </a:p>
-          <a:p>
-            <a:pPr marL="0" marR="0" lvl="0" indent="0" algn="l" defTabSz="914400" rtl="0" eaLnBrk="0" fontAlgn="base" latinLnBrk="0" hangingPunct="0">
-              <a:lnSpc>
-                <a:spcPct val="100000"/>
-              </a:lnSpc>
-              <a:spcBef>
-                <a:spcPct val="0"/>
-              </a:spcBef>
-              <a:spcAft>
-                <a:spcPct val="0"/>
-              </a:spcAft>
-              <a:buClrTx/>
-              <a:buSzTx/>
-              <a:buFontTx/>
-              <a:buNone/>
-              <a:tabLst/>
-            </a:pPr>
-            <a:endParaRPr kumimoji="0" lang="en-US" altLang="en-US" sz="600" b="0" i="0" u="none" strike="noStrike" cap="none" normalizeH="0" baseline="0" dirty="0" smtClean="0">
-              <a:ln>
-                <a:noFill/>
-              </a:ln>
-              <a:solidFill>
-                <a:schemeClr val="tx1"/>
-              </a:solidFill>
-              <a:effectLst/>
-            </a:endParaRPr>
-          </a:p>
-          <a:p>
-            <a:pPr marL="0" marR="0" lvl="0" indent="0" algn="l" defTabSz="914400" rtl="0" eaLnBrk="0" fontAlgn="base" latinLnBrk="0" hangingPunct="0">
-              <a:lnSpc>
-                <a:spcPct val="100000"/>
-              </a:lnSpc>
-              <a:spcBef>
-                <a:spcPct val="0"/>
-              </a:spcBef>
-              <a:spcAft>
-                <a:spcPct val="0"/>
-              </a:spcAft>
-              <a:buClrTx/>
-              <a:buSzTx/>
-              <a:buFontTx/>
-              <a:buNone/>
-              <a:tabLst/>
-            </a:pPr>
-            <a:endParaRPr lang="en-US" altLang="en-US" sz="600" dirty="0">
-              <a:latin typeface="Arial" panose="020B0604020202020204" pitchFamily="34" charset="0"/>
-            </a:endParaRPr>
-          </a:p>
-          <a:p>
-            <a:pPr marL="0" marR="0" lvl="0" indent="0" algn="l" defTabSz="914400" rtl="0" eaLnBrk="0" fontAlgn="base" latinLnBrk="0" hangingPunct="0">
-              <a:lnSpc>
-                <a:spcPct val="100000"/>
-              </a:lnSpc>
-              <a:spcBef>
-                <a:spcPct val="0"/>
-              </a:spcBef>
-              <a:spcAft>
-                <a:spcPct val="0"/>
-              </a:spcAft>
-              <a:buClrTx/>
-              <a:buSzTx/>
-              <a:buFontTx/>
-              <a:buNone/>
-              <a:tabLst/>
-            </a:pPr>
-            <a:endParaRPr kumimoji="0" lang="en-US" altLang="en-US" sz="600" b="0" i="0" u="none" strike="noStrike" cap="none" normalizeH="0" baseline="0" dirty="0" smtClean="0">
-              <a:ln>
-                <a:noFill/>
-              </a:ln>
-              <a:solidFill>
-                <a:schemeClr val="tx1"/>
-              </a:solidFill>
-              <a:effectLst/>
-            </a:endParaRPr>
-          </a:p>
-          <a:p>
-            <a:pPr marL="0" marR="0" lvl="0" indent="0" algn="l" defTabSz="914400" rtl="0" eaLnBrk="0" fontAlgn="base" latinLnBrk="0" hangingPunct="0">
-              <a:lnSpc>
-                <a:spcPct val="100000"/>
-              </a:lnSpc>
-              <a:spcBef>
-                <a:spcPct val="0"/>
-              </a:spcBef>
-              <a:spcAft>
-                <a:spcPct val="0"/>
-              </a:spcAft>
-              <a:buClrTx/>
-              <a:buSzTx/>
-              <a:buFontTx/>
-              <a:buNone/>
-              <a:tabLst/>
-            </a:pPr>
-            <a:endParaRPr kumimoji="0" lang="en-US" altLang="en-US" sz="1800" b="0" i="0" u="none" strike="noStrike" cap="none" normalizeH="0" baseline="0" dirty="0" smtClean="0">
-              <a:ln>
-                <a:noFill/>
-              </a:ln>
-              <a:solidFill>
-                <a:schemeClr val="tx1"/>
-              </a:solidFill>
-              <a:effectLst/>
-              <a:latin typeface="Arial" panose="020B0604020202020204" pitchFamily="34" charset="0"/>
-            </a:endParaRPr>
-          </a:p>
-        </p:txBody>
-      </p:sp>
-    </p:spTree>
-    <p:extLst>
-      <p:ext uri="{BB962C8B-B14F-4D97-AF65-F5344CB8AC3E}">
-        <p14:creationId xmlns:p14="http://schemas.microsoft.com/office/powerpoint/2010/main" val="2525738183"/>
-      </p:ext>
-    </p:extLst>
-  </p:cSld>
-  <p:clrMapOvr>
-    <a:masterClrMapping/>
-  </p:clrMapOvr>
-</p:sld>
-</file>
-
-<file path=ppt/slides/slide8.xml><?xml version="1.0" encoding="utf-8"?>
-<p:sld xmlns:a="http://schemas.openxmlformats.org/drawingml/2006/main" xmlns:r="http://schemas.openxmlformats.org/officeDocument/2006/relationships" xmlns:p="http://schemas.openxmlformats.org/presentationml/2006/main">
-  <p:cSld>
-    <p:spTree>
-      <p:nvGrpSpPr>
-        <p:cNvPr id="1" name=""/>
-        <p:cNvGrpSpPr/>
-        <p:nvPr/>
-      </p:nvGrpSpPr>
-      <p:grpSpPr>
-        <a:xfrm>
-          <a:off x="0" y="0"/>
-          <a:ext cx="0" cy="0"/>
-          <a:chOff x="0" y="0"/>
-          <a:chExt cx="0" cy="0"/>
-        </a:xfrm>
-      </p:grpSpPr>
-      <p:sp>
-        <p:nvSpPr>
-          <p:cNvPr id="2" name="Text Placeholder 1"/>
-          <p:cNvSpPr>
-            <a:spLocks noGrp="1"/>
-          </p:cNvSpPr>
-          <p:nvPr>
-            <p:ph type="body" sz="quarter" idx="14"/>
-          </p:nvPr>
-        </p:nvSpPr>
-        <p:spPr/>
-        <p:txBody>
-          <a:bodyPr/>
-          <a:lstStyle/>
-          <a:p>
-            <a:endParaRPr lang="en-US"/>
-          </a:p>
-        </p:txBody>
-      </p:sp>
-      <p:sp>
-        <p:nvSpPr>
-          <p:cNvPr id="3" name="Text Placeholder 2"/>
-          <p:cNvSpPr>
-            <a:spLocks noGrp="1"/>
-          </p:cNvSpPr>
-          <p:nvPr>
-            <p:ph type="body" sz="quarter" idx="13"/>
-          </p:nvPr>
-        </p:nvSpPr>
-        <p:spPr/>
-        <p:txBody>
-          <a:bodyPr/>
-          <a:lstStyle/>
-          <a:p>
-            <a:endParaRPr lang="en-US"/>
-          </a:p>
-        </p:txBody>
-      </p:sp>
-      <p:sp>
-        <p:nvSpPr>
-          <p:cNvPr id="4" name="Title 3"/>
-          <p:cNvSpPr>
-            <a:spLocks noGrp="1"/>
-          </p:cNvSpPr>
-          <p:nvPr>
-            <p:ph type="title"/>
-          </p:nvPr>
-        </p:nvSpPr>
         <p:spPr/>
         <p:txBody>
           <a:bodyPr/>
@@ -9521,7 +10411,7 @@
       </p:sp>
       <p:pic>
         <p:nvPicPr>
-          <p:cNvPr id="6" name="Picture 5" descr="Screen Clipping"/>
+          <p:cNvPr id="5" name="Picture 4" descr="Screen Clipping"/>
           <p:cNvPicPr>
             <a:picLocks noChangeAspect="1"/>
           </p:cNvPicPr>
@@ -9541,166 +10431,183 @@
         </p:blipFill>
         <p:spPr>
           <a:xfrm>
-            <a:off x="0" y="0"/>
-            <a:ext cx="9144000" cy="6858000"/>
+            <a:off x="0" y="979069"/>
+            <a:ext cx="9144000" cy="5878931"/>
           </a:xfrm>
           <a:prstGeom prst="rect">
             <a:avLst/>
           </a:prstGeom>
         </p:spPr>
       </p:pic>
+      <p:sp>
+        <p:nvSpPr>
+          <p:cNvPr id="6" name="Title 3"/>
+          <p:cNvSpPr txBox="1">
+            <a:spLocks/>
+          </p:cNvSpPr>
+          <p:nvPr/>
+        </p:nvSpPr>
+        <p:spPr bwMode="auto">
+          <a:xfrm>
+            <a:off x="0" y="298984"/>
+            <a:ext cx="2971800" cy="671292"/>
+          </a:xfrm>
+          <a:prstGeom prst="rect">
+            <a:avLst/>
+          </a:prstGeom>
+          <a:solidFill>
+            <a:schemeClr val="accent5"/>
+          </a:solidFill>
+          <a:ln w="9525">
+            <a:noFill/>
+          </a:ln>
+        </p:spPr>
+        <p:txBody>
+          <a:bodyPr vert="horz" wrap="square" lIns="252000" tIns="180000" rIns="0" bIns="180000" rtlCol="0" anchor="b" anchorCtr="0">
+            <a:spAutoFit/>
+          </a:bodyPr>
+          <a:lstStyle>
+            <a:lvl1pPr algn="l" defTabSz="914400" rtl="0" eaLnBrk="1" latinLnBrk="0" hangingPunct="1">
+              <a:lnSpc>
+                <a:spcPct val="100000"/>
+              </a:lnSpc>
+              <a:spcBef>
+                <a:spcPct val="0"/>
+              </a:spcBef>
+              <a:buNone/>
+              <a:defRPr sz="2000" b="1" kern="1200" cap="none" baseline="0">
+                <a:solidFill>
+                  <a:schemeClr val="tx2"/>
+                </a:solidFill>
+                <a:latin typeface="+mj-lt"/>
+                <a:ea typeface="+mj-ea"/>
+                <a:cs typeface="+mj-cs"/>
+              </a:defRPr>
+            </a:lvl1pPr>
+          </a:lstStyle>
+          <a:p>
+            <a:r>
+              <a:rPr lang="en-US" dirty="0" smtClean="0"/>
+              <a:t>Flask Application</a:t>
+            </a:r>
+            <a:endParaRPr lang="en-US" dirty="0"/>
+          </a:p>
+        </p:txBody>
+      </p:sp>
+      <p:sp>
+        <p:nvSpPr>
+          <p:cNvPr id="7" name="Title 3"/>
+          <p:cNvSpPr txBox="1">
+            <a:spLocks/>
+          </p:cNvSpPr>
+          <p:nvPr/>
+        </p:nvSpPr>
+        <p:spPr bwMode="auto">
+          <a:xfrm>
+            <a:off x="2971800" y="307777"/>
+            <a:ext cx="2590800" cy="671292"/>
+          </a:xfrm>
+          <a:prstGeom prst="rect">
+            <a:avLst/>
+          </a:prstGeom>
+          <a:solidFill>
+            <a:schemeClr val="accent5"/>
+          </a:solidFill>
+          <a:ln w="9525">
+            <a:noFill/>
+          </a:ln>
+        </p:spPr>
+        <p:txBody>
+          <a:bodyPr vert="horz" wrap="square" lIns="252000" tIns="180000" rIns="0" bIns="180000" rtlCol="0" anchor="b" anchorCtr="0">
+            <a:spAutoFit/>
+          </a:bodyPr>
+          <a:lstStyle>
+            <a:lvl1pPr algn="l" defTabSz="914400" rtl="0" eaLnBrk="1" latinLnBrk="0" hangingPunct="1">
+              <a:lnSpc>
+                <a:spcPct val="100000"/>
+              </a:lnSpc>
+              <a:spcBef>
+                <a:spcPct val="0"/>
+              </a:spcBef>
+              <a:buNone/>
+              <a:defRPr sz="2000" b="1" kern="1200" cap="none" baseline="0">
+                <a:solidFill>
+                  <a:schemeClr val="tx2"/>
+                </a:solidFill>
+                <a:latin typeface="+mj-lt"/>
+                <a:ea typeface="+mj-ea"/>
+                <a:cs typeface="+mj-cs"/>
+              </a:defRPr>
+            </a:lvl1pPr>
+          </a:lstStyle>
+          <a:p>
+            <a:r>
+              <a:rPr lang="en-US" dirty="0" smtClean="0"/>
+              <a:t>Celery Worker</a:t>
+            </a:r>
+            <a:endParaRPr lang="en-US" dirty="0"/>
+          </a:p>
+        </p:txBody>
+      </p:sp>
+      <p:sp>
+        <p:nvSpPr>
+          <p:cNvPr id="8" name="Title 3"/>
+          <p:cNvSpPr txBox="1">
+            <a:spLocks/>
+          </p:cNvSpPr>
+          <p:nvPr/>
+        </p:nvSpPr>
+        <p:spPr bwMode="auto">
+          <a:xfrm>
+            <a:off x="5410200" y="307777"/>
+            <a:ext cx="1803779" cy="671292"/>
+          </a:xfrm>
+          <a:prstGeom prst="rect">
+            <a:avLst/>
+          </a:prstGeom>
+          <a:solidFill>
+            <a:schemeClr val="accent5"/>
+          </a:solidFill>
+          <a:ln w="9525">
+            <a:noFill/>
+          </a:ln>
+        </p:spPr>
+        <p:txBody>
+          <a:bodyPr vert="horz" wrap="square" lIns="252000" tIns="180000" rIns="0" bIns="180000" rtlCol="0" anchor="b" anchorCtr="0">
+            <a:spAutoFit/>
+          </a:bodyPr>
+          <a:lstStyle>
+            <a:lvl1pPr algn="l" defTabSz="914400" rtl="0" eaLnBrk="1" latinLnBrk="0" hangingPunct="1">
+              <a:lnSpc>
+                <a:spcPct val="100000"/>
+              </a:lnSpc>
+              <a:spcBef>
+                <a:spcPct val="0"/>
+              </a:spcBef>
+              <a:buNone/>
+              <a:defRPr sz="2000" b="1" kern="1200" cap="none" baseline="0">
+                <a:solidFill>
+                  <a:schemeClr val="tx2"/>
+                </a:solidFill>
+                <a:latin typeface="+mj-lt"/>
+                <a:ea typeface="+mj-ea"/>
+                <a:cs typeface="+mj-cs"/>
+              </a:defRPr>
+            </a:lvl1pPr>
+          </a:lstStyle>
+          <a:p>
+            <a:r>
+              <a:rPr lang="en-US" dirty="0" smtClean="0"/>
+              <a:t>Celery Beat</a:t>
+            </a:r>
+            <a:endParaRPr lang="en-US" dirty="0"/>
+          </a:p>
+        </p:txBody>
+      </p:sp>
     </p:spTree>
     <p:extLst>
       <p:ext uri="{BB962C8B-B14F-4D97-AF65-F5344CB8AC3E}">
-        <p14:creationId xmlns:p14="http://schemas.microsoft.com/office/powerpoint/2010/main" val="3132936426"/>
-      </p:ext>
-    </p:extLst>
-  </p:cSld>
-  <p:clrMapOvr>
-    <a:masterClrMapping/>
-  </p:clrMapOvr>
-  <p:timing>
-    <p:tnLst>
-      <p:par>
-        <p:cTn id="1" dur="indefinite" restart="never" nodeType="tmRoot"/>
-      </p:par>
-    </p:tnLst>
-  </p:timing>
-</p:sld>
-</file>
-
-<file path=ppt/slides/slide9.xml><?xml version="1.0" encoding="utf-8"?>
-<p:sld xmlns:a="http://schemas.openxmlformats.org/drawingml/2006/main" xmlns:r="http://schemas.openxmlformats.org/officeDocument/2006/relationships" xmlns:p="http://schemas.openxmlformats.org/presentationml/2006/main">
-  <p:cSld>
-    <p:spTree>
-      <p:nvGrpSpPr>
-        <p:cNvPr id="1" name=""/>
-        <p:cNvGrpSpPr/>
-        <p:nvPr/>
-      </p:nvGrpSpPr>
-      <p:grpSpPr>
-        <a:xfrm>
-          <a:off x="0" y="0"/>
-          <a:ext cx="0" cy="0"/>
-          <a:chOff x="0" y="0"/>
-          <a:chExt cx="0" cy="0"/>
-        </a:xfrm>
-      </p:grpSpPr>
-      <p:sp>
-        <p:nvSpPr>
-          <p:cNvPr id="2" name="Text Placeholder 1"/>
-          <p:cNvSpPr>
-            <a:spLocks noGrp="1"/>
-          </p:cNvSpPr>
-          <p:nvPr>
-            <p:ph type="body" sz="quarter" idx="14"/>
-          </p:nvPr>
-        </p:nvSpPr>
-        <p:spPr/>
-        <p:txBody>
-          <a:bodyPr/>
-          <a:lstStyle/>
-          <a:p>
-            <a:endParaRPr lang="en-US"/>
-          </a:p>
-        </p:txBody>
-      </p:sp>
-      <p:sp>
-        <p:nvSpPr>
-          <p:cNvPr id="3" name="Text Placeholder 2"/>
-          <p:cNvSpPr>
-            <a:spLocks noGrp="1"/>
-          </p:cNvSpPr>
-          <p:nvPr>
-            <p:ph type="body" sz="quarter" idx="13"/>
-          </p:nvPr>
-        </p:nvSpPr>
-        <p:spPr/>
-        <p:txBody>
-          <a:bodyPr/>
-          <a:lstStyle/>
-          <a:p>
-            <a:endParaRPr lang="en-US"/>
-          </a:p>
-        </p:txBody>
-      </p:sp>
-      <p:sp>
-        <p:nvSpPr>
-          <p:cNvPr id="4" name="Title 3"/>
-          <p:cNvSpPr>
-            <a:spLocks noGrp="1"/>
-          </p:cNvSpPr>
-          <p:nvPr>
-            <p:ph type="title"/>
-          </p:nvPr>
-        </p:nvSpPr>
-        <p:spPr/>
-        <p:txBody>
-          <a:bodyPr/>
-          <a:lstStyle/>
-          <a:p>
-            <a:endParaRPr lang="en-US"/>
-          </a:p>
-        </p:txBody>
-      </p:sp>
-      <p:pic>
-        <p:nvPicPr>
-          <p:cNvPr id="1027" name="Picture 3"/>
-          <p:cNvPicPr>
-            <a:picLocks noChangeAspect="1" noChangeArrowheads="1"/>
-          </p:cNvPicPr>
-          <p:nvPr/>
-        </p:nvPicPr>
-        <p:blipFill>
-          <a:blip r:embed="rId2">
-            <a:extLst>
-              <a:ext uri="{28A0092B-C50C-407E-A947-70E740481C1C}">
-                <a14:useLocalDpi xmlns:a14="http://schemas.microsoft.com/office/drawing/2010/main" val="0"/>
-              </a:ext>
-            </a:extLst>
-          </a:blip>
-          <a:srcRect/>
-          <a:stretch>
-            <a:fillRect/>
-          </a:stretch>
-        </p:blipFill>
-        <p:spPr bwMode="auto">
-          <a:xfrm>
-            <a:off x="0" y="1"/>
-            <a:ext cx="9144000" cy="6857999"/>
-          </a:xfrm>
-          <a:prstGeom prst="rect">
-            <a:avLst/>
-          </a:prstGeom>
-          <a:noFill/>
-          <a:ln>
-            <a:noFill/>
-          </a:ln>
-          <a:extLst>
-            <a:ext uri="{909E8E84-426E-40DD-AFC4-6F175D3DCCD1}">
-              <a14:hiddenFill xmlns:a14="http://schemas.microsoft.com/office/drawing/2010/main">
-                <a:solidFill>
-                  <a:schemeClr val="accent1"/>
-                </a:solidFill>
-              </a14:hiddenFill>
-            </a:ext>
-            <a:ext uri="{91240B29-F687-4F45-9708-019B960494DF}">
-              <a14:hiddenLine xmlns:a14="http://schemas.microsoft.com/office/drawing/2010/main" w="9525">
-                <a:solidFill>
-                  <a:schemeClr val="tx1"/>
-                </a:solidFill>
-                <a:miter lim="800000"/>
-                <a:headEnd/>
-                <a:tailEnd/>
-              </a14:hiddenLine>
-            </a:ext>
-          </a:extLst>
-        </p:spPr>
-      </p:pic>
-    </p:spTree>
-    <p:extLst>
-      <p:ext uri="{BB962C8B-B14F-4D97-AF65-F5344CB8AC3E}">
-        <p14:creationId xmlns:p14="http://schemas.microsoft.com/office/powerpoint/2010/main" val="2017165027"/>
+        <p14:creationId xmlns:p14="http://schemas.microsoft.com/office/powerpoint/2010/main" val="1369449823"/>
       </p:ext>
     </p:extLst>
   </p:cSld>

--- a/PlotlyDashboard.pptx
+++ b/PlotlyDashboard.pptx
@@ -27,9 +27,6 @@
     <p:sldId id="280" r:id="rId21"/>
     <p:sldId id="281" r:id="rId22"/>
     <p:sldId id="283" r:id="rId23"/>
-    <p:sldId id="292" r:id="rId24"/>
-    <p:sldId id="293" r:id="rId25"/>
-    <p:sldId id="294" r:id="rId26"/>
   </p:sldIdLst>
   <p:sldSz cx="9144000" cy="6858000" type="screen4x3"/>
   <p:notesSz cx="6858000" cy="9144000"/>
@@ -329,7 +326,7 @@
             <a:fld id="{1D8BD707-D9CF-40AE-B4C6-C98DA3205C09}" type="datetimeFigureOut">
               <a:rPr lang="en-US" smtClean="0"/>
               <a:pPr/>
-              <a:t>9/17/2019</a:t>
+              <a:t>5/13/2020</a:t>
             </a:fld>
             <a:endParaRPr lang="en-US"/>
           </a:p>
@@ -496,7 +493,7 @@
             <a:fld id="{1D8BD707-D9CF-40AE-B4C6-C98DA3205C09}" type="datetimeFigureOut">
               <a:rPr lang="en-US" smtClean="0"/>
               <a:pPr/>
-              <a:t>9/17/2019</a:t>
+              <a:t>5/13/2020</a:t>
             </a:fld>
             <a:endParaRPr lang="en-US"/>
           </a:p>
@@ -673,7 +670,7 @@
             <a:fld id="{1D8BD707-D9CF-40AE-B4C6-C98DA3205C09}" type="datetimeFigureOut">
               <a:rPr lang="en-US" smtClean="0"/>
               <a:pPr/>
-              <a:t>9/17/2019</a:t>
+              <a:t>5/13/2020</a:t>
             </a:fld>
             <a:endParaRPr lang="en-US"/>
           </a:p>
@@ -1004,7 +1001,7 @@
           <a:p>
             <a:fld id="{5F5C7AA8-AF19-4FCF-98FD-FB8AFEA87A63}" type="datetime4">
               <a:rPr lang="en-US" smtClean="0"/>
-              <a:t>September 17, 2019</a:t>
+              <a:t>May 13, 2020</a:t>
             </a:fld>
             <a:endParaRPr lang="de-DE"/>
           </a:p>
@@ -1466,7 +1463,7 @@
           <a:p>
             <a:fld id="{7299A5CA-AD6E-4AA7-8DB6-450461B77045}" type="datetime4">
               <a:rPr lang="en-US" smtClean="0"/>
-              <a:t>September 17, 2019</a:t>
+              <a:t>May 13, 2020</a:t>
             </a:fld>
             <a:endParaRPr lang="de-DE"/>
           </a:p>
@@ -1808,7 +1805,7 @@
             <a:fld id="{1D8BD707-D9CF-40AE-B4C6-C98DA3205C09}" type="datetimeFigureOut">
               <a:rPr lang="en-US" smtClean="0"/>
               <a:pPr/>
-              <a:t>9/17/2019</a:t>
+              <a:t>5/13/2020</a:t>
             </a:fld>
             <a:endParaRPr lang="en-US"/>
           </a:p>
@@ -2051,7 +2048,7 @@
             <a:fld id="{1D8BD707-D9CF-40AE-B4C6-C98DA3205C09}" type="datetimeFigureOut">
               <a:rPr lang="en-US" smtClean="0"/>
               <a:pPr/>
-              <a:t>9/17/2019</a:t>
+              <a:t>5/13/2020</a:t>
             </a:fld>
             <a:endParaRPr lang="en-US"/>
           </a:p>
@@ -2336,7 +2333,7 @@
             <a:fld id="{1D8BD707-D9CF-40AE-B4C6-C98DA3205C09}" type="datetimeFigureOut">
               <a:rPr lang="en-US" smtClean="0"/>
               <a:pPr/>
-              <a:t>9/17/2019</a:t>
+              <a:t>5/13/2020</a:t>
             </a:fld>
             <a:endParaRPr lang="en-US"/>
           </a:p>
@@ -2755,7 +2752,7 @@
             <a:fld id="{1D8BD707-D9CF-40AE-B4C6-C98DA3205C09}" type="datetimeFigureOut">
               <a:rPr lang="en-US" smtClean="0"/>
               <a:pPr/>
-              <a:t>9/17/2019</a:t>
+              <a:t>5/13/2020</a:t>
             </a:fld>
             <a:endParaRPr lang="en-US"/>
           </a:p>
@@ -2870,7 +2867,7 @@
             <a:fld id="{1D8BD707-D9CF-40AE-B4C6-C98DA3205C09}" type="datetimeFigureOut">
               <a:rPr lang="en-US" smtClean="0"/>
               <a:pPr/>
-              <a:t>9/17/2019</a:t>
+              <a:t>5/13/2020</a:t>
             </a:fld>
             <a:endParaRPr lang="en-US"/>
           </a:p>
@@ -2962,7 +2959,7 @@
             <a:fld id="{1D8BD707-D9CF-40AE-B4C6-C98DA3205C09}" type="datetimeFigureOut">
               <a:rPr lang="en-US" smtClean="0"/>
               <a:pPr/>
-              <a:t>9/17/2019</a:t>
+              <a:t>5/13/2020</a:t>
             </a:fld>
             <a:endParaRPr lang="en-US"/>
           </a:p>
@@ -3236,7 +3233,7 @@
             <a:fld id="{1D8BD707-D9CF-40AE-B4C6-C98DA3205C09}" type="datetimeFigureOut">
               <a:rPr lang="en-US" smtClean="0"/>
               <a:pPr/>
-              <a:t>9/17/2019</a:t>
+              <a:t>5/13/2020</a:t>
             </a:fld>
             <a:endParaRPr lang="en-US"/>
           </a:p>
@@ -3486,7 +3483,7 @@
             <a:fld id="{1D8BD707-D9CF-40AE-B4C6-C98DA3205C09}" type="datetimeFigureOut">
               <a:rPr lang="en-US" smtClean="0"/>
               <a:pPr/>
-              <a:t>9/17/2019</a:t>
+              <a:t>5/13/2020</a:t>
             </a:fld>
             <a:endParaRPr lang="en-US"/>
           </a:p>
@@ -3696,7 +3693,7 @@
             <a:fld id="{1D8BD707-D9CF-40AE-B4C6-C98DA3205C09}" type="datetimeFigureOut">
               <a:rPr lang="en-US" smtClean="0"/>
               <a:pPr/>
-              <a:t>9/17/2019</a:t>
+              <a:t>5/13/2020</a:t>
             </a:fld>
             <a:endParaRPr lang="en-US"/>
           </a:p>
@@ -4249,11 +4246,7 @@
             </a:br>
             <a:r>
               <a:rPr lang="en-US" dirty="0" smtClean="0"/>
-              <a:t>		</a:t>
-            </a:r>
-            <a:r>
-              <a:rPr lang="en-US" dirty="0" smtClean="0"/>
-              <a:t>	</a:t>
+              <a:t>			</a:t>
             </a:r>
             <a:endParaRPr lang="en-US" dirty="0"/>
           </a:p>
@@ -4539,11 +4532,7 @@
           <a:p>
             <a:r>
               <a:rPr lang="en-US" dirty="0" smtClean="0"/>
-              <a:t>Software </a:t>
-            </a:r>
-            <a:r>
-              <a:rPr lang="en-US" dirty="0" smtClean="0"/>
-              <a:t>Cost Matrix</a:t>
+              <a:t>Software Cost Matrix</a:t>
             </a:r>
             <a:endParaRPr lang="en-US" dirty="0"/>
           </a:p>
@@ -7597,7 +7586,7 @@
           <a:p>
             <a:fld id="{5F5C7AA8-AF19-4FCF-98FD-FB8AFEA87A63}" type="datetime4">
               <a:rPr lang="en-US" smtClean="0"/>
-              <a:t>September 17, 2019</a:t>
+              <a:t>May 13, 2020</a:t>
             </a:fld>
             <a:endParaRPr lang="de-DE"/>
           </a:p>
@@ -8155,441 +8144,6 @@
     <p:extLst>
       <p:ext uri="{BB962C8B-B14F-4D97-AF65-F5344CB8AC3E}">
         <p14:creationId xmlns:p14="http://schemas.microsoft.com/office/powerpoint/2010/main" val="2144506038"/>
-      </p:ext>
-    </p:extLst>
-  </p:cSld>
-  <p:clrMapOvr>
-    <a:masterClrMapping/>
-  </p:clrMapOvr>
-  <p:timing>
-    <p:tnLst>
-      <p:par>
-        <p:cTn id="1" dur="indefinite" restart="never" nodeType="tmRoot"/>
-      </p:par>
-    </p:tnLst>
-  </p:timing>
-</p:sld>
-</file>
-
-<file path=ppt/slides/slide23.xml><?xml version="1.0" encoding="utf-8"?>
-<p:sld xmlns:a="http://schemas.openxmlformats.org/drawingml/2006/main" xmlns:r="http://schemas.openxmlformats.org/officeDocument/2006/relationships" xmlns:p="http://schemas.openxmlformats.org/presentationml/2006/main">
-  <p:cSld>
-    <p:spTree>
-      <p:nvGrpSpPr>
-        <p:cNvPr id="1" name=""/>
-        <p:cNvGrpSpPr/>
-        <p:nvPr/>
-      </p:nvGrpSpPr>
-      <p:grpSpPr>
-        <a:xfrm>
-          <a:off x="0" y="0"/>
-          <a:ext cx="0" cy="0"/>
-          <a:chOff x="0" y="0"/>
-          <a:chExt cx="0" cy="0"/>
-        </a:xfrm>
-      </p:grpSpPr>
-      <p:sp>
-        <p:nvSpPr>
-          <p:cNvPr id="2" name="Text Placeholder 1"/>
-          <p:cNvSpPr>
-            <a:spLocks noGrp="1"/>
-          </p:cNvSpPr>
-          <p:nvPr>
-            <p:ph type="body" sz="quarter" idx="14"/>
-          </p:nvPr>
-        </p:nvSpPr>
-        <p:spPr/>
-        <p:txBody>
-          <a:bodyPr/>
-          <a:lstStyle/>
-          <a:p>
-            <a:endParaRPr lang="en-US"/>
-          </a:p>
-        </p:txBody>
-      </p:sp>
-      <p:sp>
-        <p:nvSpPr>
-          <p:cNvPr id="3" name="Text Placeholder 2"/>
-          <p:cNvSpPr>
-            <a:spLocks noGrp="1"/>
-          </p:cNvSpPr>
-          <p:nvPr>
-            <p:ph type="body" sz="quarter" idx="13"/>
-          </p:nvPr>
-        </p:nvSpPr>
-        <p:spPr/>
-        <p:txBody>
-          <a:bodyPr/>
-          <a:lstStyle/>
-          <a:p>
-            <a:endParaRPr lang="en-US"/>
-          </a:p>
-        </p:txBody>
-      </p:sp>
-      <p:sp>
-        <p:nvSpPr>
-          <p:cNvPr id="4" name="Title 3"/>
-          <p:cNvSpPr>
-            <a:spLocks noGrp="1"/>
-          </p:cNvSpPr>
-          <p:nvPr>
-            <p:ph type="title"/>
-          </p:nvPr>
-        </p:nvSpPr>
-        <p:spPr/>
-        <p:txBody>
-          <a:bodyPr/>
-          <a:lstStyle/>
-          <a:p>
-            <a:endParaRPr lang="en-US"/>
-          </a:p>
-        </p:txBody>
-      </p:sp>
-      <p:pic>
-        <p:nvPicPr>
-          <p:cNvPr id="5" name="Picture 4" descr="Screen Clipping"/>
-          <p:cNvPicPr>
-            <a:picLocks noChangeAspect="1"/>
-          </p:cNvPicPr>
-          <p:nvPr/>
-        </p:nvPicPr>
-        <p:blipFill>
-          <a:blip r:embed="rId2">
-            <a:extLst>
-              <a:ext uri="{28A0092B-C50C-407E-A947-70E740481C1C}">
-                <a14:useLocalDpi xmlns:a14="http://schemas.microsoft.com/office/drawing/2010/main" val="0"/>
-              </a:ext>
-            </a:extLst>
-          </a:blip>
-          <a:stretch>
-            <a:fillRect/>
-          </a:stretch>
-        </p:blipFill>
-        <p:spPr>
-          <a:xfrm>
-            <a:off x="0" y="685800"/>
-            <a:ext cx="9144000" cy="6096000"/>
-          </a:xfrm>
-          <a:prstGeom prst="rect">
-            <a:avLst/>
-          </a:prstGeom>
-        </p:spPr>
-      </p:pic>
-      <p:sp>
-        <p:nvSpPr>
-          <p:cNvPr id="6" name="Title 3"/>
-          <p:cNvSpPr txBox="1">
-            <a:spLocks/>
-          </p:cNvSpPr>
-          <p:nvPr/>
-        </p:nvSpPr>
-        <p:spPr bwMode="auto">
-          <a:xfrm>
-            <a:off x="17675" y="0"/>
-            <a:ext cx="5940000" cy="671292"/>
-          </a:xfrm>
-          <a:prstGeom prst="rect">
-            <a:avLst/>
-          </a:prstGeom>
-          <a:solidFill>
-            <a:schemeClr val="accent5"/>
-          </a:solidFill>
-          <a:ln w="9525">
-            <a:noFill/>
-          </a:ln>
-        </p:spPr>
-        <p:txBody>
-          <a:bodyPr vert="horz" wrap="square" lIns="252000" tIns="180000" rIns="0" bIns="180000" rtlCol="0" anchor="b" anchorCtr="0">
-            <a:spAutoFit/>
-          </a:bodyPr>
-          <a:lstStyle>
-            <a:lvl1pPr algn="l" defTabSz="914400" rtl="0" eaLnBrk="1" latinLnBrk="0" hangingPunct="1">
-              <a:lnSpc>
-                <a:spcPct val="100000"/>
-              </a:lnSpc>
-              <a:spcBef>
-                <a:spcPct val="0"/>
-              </a:spcBef>
-              <a:buNone/>
-              <a:defRPr sz="2000" b="1" kern="1200" cap="none" baseline="0">
-                <a:solidFill>
-                  <a:schemeClr val="tx2"/>
-                </a:solidFill>
-                <a:latin typeface="+mj-lt"/>
-                <a:ea typeface="+mj-ea"/>
-                <a:cs typeface="+mj-cs"/>
-              </a:defRPr>
-            </a:lvl1pPr>
-          </a:lstStyle>
-          <a:p>
-            <a:r>
-              <a:rPr lang="en-US" dirty="0" smtClean="0"/>
-              <a:t>Prototype of Production </a:t>
-            </a:r>
-            <a:r>
-              <a:rPr lang="en-US" dirty="0" err="1" smtClean="0"/>
-              <a:t>DashBoard</a:t>
-            </a:r>
-            <a:r>
-              <a:rPr lang="en-US" dirty="0" smtClean="0"/>
-              <a:t> </a:t>
-            </a:r>
-            <a:endParaRPr lang="en-US" dirty="0"/>
-          </a:p>
-        </p:txBody>
-      </p:sp>
-    </p:spTree>
-    <p:extLst>
-      <p:ext uri="{BB962C8B-B14F-4D97-AF65-F5344CB8AC3E}">
-        <p14:creationId xmlns:p14="http://schemas.microsoft.com/office/powerpoint/2010/main" val="44833018"/>
-      </p:ext>
-    </p:extLst>
-  </p:cSld>
-  <p:clrMapOvr>
-    <a:masterClrMapping/>
-  </p:clrMapOvr>
-  <p:timing>
-    <p:tnLst>
-      <p:par>
-        <p:cTn id="1" dur="indefinite" restart="never" nodeType="tmRoot"/>
-      </p:par>
-    </p:tnLst>
-  </p:timing>
-</p:sld>
-</file>
-
-<file path=ppt/slides/slide24.xml><?xml version="1.0" encoding="utf-8"?>
-<p:sld xmlns:a="http://schemas.openxmlformats.org/drawingml/2006/main" xmlns:r="http://schemas.openxmlformats.org/officeDocument/2006/relationships" xmlns:p="http://schemas.openxmlformats.org/presentationml/2006/main">
-  <p:cSld>
-    <p:spTree>
-      <p:nvGrpSpPr>
-        <p:cNvPr id="1" name=""/>
-        <p:cNvGrpSpPr/>
-        <p:nvPr/>
-      </p:nvGrpSpPr>
-      <p:grpSpPr>
-        <a:xfrm>
-          <a:off x="0" y="0"/>
-          <a:ext cx="0" cy="0"/>
-          <a:chOff x="0" y="0"/>
-          <a:chExt cx="0" cy="0"/>
-        </a:xfrm>
-      </p:grpSpPr>
-      <p:sp>
-        <p:nvSpPr>
-          <p:cNvPr id="2" name="Text Placeholder 1"/>
-          <p:cNvSpPr>
-            <a:spLocks noGrp="1"/>
-          </p:cNvSpPr>
-          <p:nvPr>
-            <p:ph type="body" sz="quarter" idx="14"/>
-          </p:nvPr>
-        </p:nvSpPr>
-        <p:spPr/>
-        <p:txBody>
-          <a:bodyPr/>
-          <a:lstStyle/>
-          <a:p>
-            <a:endParaRPr lang="en-US"/>
-          </a:p>
-        </p:txBody>
-      </p:sp>
-      <p:sp>
-        <p:nvSpPr>
-          <p:cNvPr id="3" name="Text Placeholder 2"/>
-          <p:cNvSpPr>
-            <a:spLocks noGrp="1"/>
-          </p:cNvSpPr>
-          <p:nvPr>
-            <p:ph type="body" sz="quarter" idx="13"/>
-          </p:nvPr>
-        </p:nvSpPr>
-        <p:spPr/>
-        <p:txBody>
-          <a:bodyPr/>
-          <a:lstStyle/>
-          <a:p>
-            <a:endParaRPr lang="en-US"/>
-          </a:p>
-        </p:txBody>
-      </p:sp>
-      <p:sp>
-        <p:nvSpPr>
-          <p:cNvPr id="4" name="Title 3"/>
-          <p:cNvSpPr>
-            <a:spLocks noGrp="1"/>
-          </p:cNvSpPr>
-          <p:nvPr>
-            <p:ph type="title"/>
-          </p:nvPr>
-        </p:nvSpPr>
-        <p:spPr/>
-        <p:txBody>
-          <a:bodyPr/>
-          <a:lstStyle/>
-          <a:p>
-            <a:endParaRPr lang="en-US"/>
-          </a:p>
-        </p:txBody>
-      </p:sp>
-      <p:pic>
-        <p:nvPicPr>
-          <p:cNvPr id="5" name="Picture 4" descr="Screen Clipping"/>
-          <p:cNvPicPr>
-            <a:picLocks noChangeAspect="1"/>
-          </p:cNvPicPr>
-          <p:nvPr/>
-        </p:nvPicPr>
-        <p:blipFill>
-          <a:blip r:embed="rId2">
-            <a:extLst>
-              <a:ext uri="{28A0092B-C50C-407E-A947-70E740481C1C}">
-                <a14:useLocalDpi xmlns:a14="http://schemas.microsoft.com/office/drawing/2010/main" val="0"/>
-              </a:ext>
-            </a:extLst>
-          </a:blip>
-          <a:stretch>
-            <a:fillRect/>
-          </a:stretch>
-        </p:blipFill>
-        <p:spPr>
-          <a:xfrm>
-            <a:off x="0" y="685800"/>
-            <a:ext cx="9144000" cy="6172200"/>
-          </a:xfrm>
-          <a:prstGeom prst="rect">
-            <a:avLst/>
-          </a:prstGeom>
-        </p:spPr>
-      </p:pic>
-    </p:spTree>
-    <p:extLst>
-      <p:ext uri="{BB962C8B-B14F-4D97-AF65-F5344CB8AC3E}">
-        <p14:creationId xmlns:p14="http://schemas.microsoft.com/office/powerpoint/2010/main" val="918782523"/>
-      </p:ext>
-    </p:extLst>
-  </p:cSld>
-  <p:clrMapOvr>
-    <a:masterClrMapping/>
-  </p:clrMapOvr>
-  <p:timing>
-    <p:tnLst>
-      <p:par>
-        <p:cTn id="1" dur="indefinite" restart="never" nodeType="tmRoot"/>
-      </p:par>
-    </p:tnLst>
-  </p:timing>
-</p:sld>
-</file>
-
-<file path=ppt/slides/slide25.xml><?xml version="1.0" encoding="utf-8"?>
-<p:sld xmlns:a="http://schemas.openxmlformats.org/drawingml/2006/main" xmlns:r="http://schemas.openxmlformats.org/officeDocument/2006/relationships" xmlns:p="http://schemas.openxmlformats.org/presentationml/2006/main">
-  <p:cSld>
-    <p:spTree>
-      <p:nvGrpSpPr>
-        <p:cNvPr id="1" name=""/>
-        <p:cNvGrpSpPr/>
-        <p:nvPr/>
-      </p:nvGrpSpPr>
-      <p:grpSpPr>
-        <a:xfrm>
-          <a:off x="0" y="0"/>
-          <a:ext cx="0" cy="0"/>
-          <a:chOff x="0" y="0"/>
-          <a:chExt cx="0" cy="0"/>
-        </a:xfrm>
-      </p:grpSpPr>
-      <p:sp>
-        <p:nvSpPr>
-          <p:cNvPr id="2" name="Text Placeholder 1"/>
-          <p:cNvSpPr>
-            <a:spLocks noGrp="1"/>
-          </p:cNvSpPr>
-          <p:nvPr>
-            <p:ph type="body" sz="quarter" idx="14"/>
-          </p:nvPr>
-        </p:nvSpPr>
-        <p:spPr/>
-        <p:txBody>
-          <a:bodyPr/>
-          <a:lstStyle/>
-          <a:p>
-            <a:endParaRPr lang="en-US"/>
-          </a:p>
-        </p:txBody>
-      </p:sp>
-      <p:sp>
-        <p:nvSpPr>
-          <p:cNvPr id="3" name="Text Placeholder 2"/>
-          <p:cNvSpPr>
-            <a:spLocks noGrp="1"/>
-          </p:cNvSpPr>
-          <p:nvPr>
-            <p:ph type="body" sz="quarter" idx="13"/>
-          </p:nvPr>
-        </p:nvSpPr>
-        <p:spPr/>
-        <p:txBody>
-          <a:bodyPr/>
-          <a:lstStyle/>
-          <a:p>
-            <a:endParaRPr lang="en-US"/>
-          </a:p>
-        </p:txBody>
-      </p:sp>
-      <p:sp>
-        <p:nvSpPr>
-          <p:cNvPr id="4" name="Title 3"/>
-          <p:cNvSpPr>
-            <a:spLocks noGrp="1"/>
-          </p:cNvSpPr>
-          <p:nvPr>
-            <p:ph type="title"/>
-          </p:nvPr>
-        </p:nvSpPr>
-        <p:spPr/>
-        <p:txBody>
-          <a:bodyPr/>
-          <a:lstStyle/>
-          <a:p>
-            <a:endParaRPr lang="en-US"/>
-          </a:p>
-        </p:txBody>
-      </p:sp>
-      <p:pic>
-        <p:nvPicPr>
-          <p:cNvPr id="5" name="Picture 4" descr="Screen Clipping"/>
-          <p:cNvPicPr>
-            <a:picLocks noChangeAspect="1"/>
-          </p:cNvPicPr>
-          <p:nvPr/>
-        </p:nvPicPr>
-        <p:blipFill>
-          <a:blip r:embed="rId2">
-            <a:extLst>
-              <a:ext uri="{28A0092B-C50C-407E-A947-70E740481C1C}">
-                <a14:useLocalDpi xmlns:a14="http://schemas.microsoft.com/office/drawing/2010/main" val="0"/>
-              </a:ext>
-            </a:extLst>
-          </a:blip>
-          <a:stretch>
-            <a:fillRect/>
-          </a:stretch>
-        </p:blipFill>
-        <p:spPr>
-          <a:xfrm>
-            <a:off x="0" y="0"/>
-            <a:ext cx="9144000" cy="6858000"/>
-          </a:xfrm>
-          <a:prstGeom prst="rect">
-            <a:avLst/>
-          </a:prstGeom>
-        </p:spPr>
-      </p:pic>
-    </p:spTree>
-    <p:extLst>
-      <p:ext uri="{BB962C8B-B14F-4D97-AF65-F5344CB8AC3E}">
-        <p14:creationId xmlns:p14="http://schemas.microsoft.com/office/powerpoint/2010/main" val="4076784636"/>
       </p:ext>
     </p:extLst>
   </p:cSld>

--- a/PlotlyDashboard.pptx
+++ b/PlotlyDashboard.pptx
@@ -7,26 +7,24 @@
   <p:sldIdLst>
     <p:sldId id="267" r:id="rId2"/>
     <p:sldId id="265" r:id="rId3"/>
-    <p:sldId id="291" r:id="rId4"/>
-    <p:sldId id="295" r:id="rId5"/>
-    <p:sldId id="269" r:id="rId6"/>
-    <p:sldId id="287" r:id="rId7"/>
-    <p:sldId id="288" r:id="rId8"/>
-    <p:sldId id="289" r:id="rId9"/>
-    <p:sldId id="296" r:id="rId10"/>
-    <p:sldId id="297" r:id="rId11"/>
-    <p:sldId id="298" r:id="rId12"/>
-    <p:sldId id="299" r:id="rId13"/>
-    <p:sldId id="290" r:id="rId14"/>
-    <p:sldId id="270" r:id="rId15"/>
-    <p:sldId id="271" r:id="rId16"/>
-    <p:sldId id="275" r:id="rId17"/>
-    <p:sldId id="276" r:id="rId18"/>
-    <p:sldId id="277" r:id="rId19"/>
-    <p:sldId id="278" r:id="rId20"/>
-    <p:sldId id="280" r:id="rId21"/>
-    <p:sldId id="281" r:id="rId22"/>
-    <p:sldId id="283" r:id="rId23"/>
+    <p:sldId id="301" r:id="rId4"/>
+    <p:sldId id="302" r:id="rId5"/>
+    <p:sldId id="300" r:id="rId6"/>
+    <p:sldId id="299" r:id="rId7"/>
+    <p:sldId id="291" r:id="rId8"/>
+    <p:sldId id="295" r:id="rId9"/>
+    <p:sldId id="269" r:id="rId10"/>
+    <p:sldId id="287" r:id="rId11"/>
+    <p:sldId id="288" r:id="rId12"/>
+    <p:sldId id="289" r:id="rId13"/>
+    <p:sldId id="296" r:id="rId14"/>
+    <p:sldId id="297" r:id="rId15"/>
+    <p:sldId id="290" r:id="rId16"/>
+    <p:sldId id="270" r:id="rId17"/>
+    <p:sldId id="271" r:id="rId18"/>
+    <p:sldId id="275" r:id="rId19"/>
+    <p:sldId id="276" r:id="rId20"/>
+    <p:sldId id="281" r:id="rId21"/>
   </p:sldIdLst>
   <p:sldSz cx="9144000" cy="6858000" type="screen4x3"/>
   <p:notesSz cx="6858000" cy="9144000"/>
@@ -326,7 +324,7 @@
             <a:fld id="{1D8BD707-D9CF-40AE-B4C6-C98DA3205C09}" type="datetimeFigureOut">
               <a:rPr lang="en-US" smtClean="0"/>
               <a:pPr/>
-              <a:t>5/13/2020</a:t>
+              <a:t>6/1/2020</a:t>
             </a:fld>
             <a:endParaRPr lang="en-US"/>
           </a:p>
@@ -493,7 +491,7 @@
             <a:fld id="{1D8BD707-D9CF-40AE-B4C6-C98DA3205C09}" type="datetimeFigureOut">
               <a:rPr lang="en-US" smtClean="0"/>
               <a:pPr/>
-              <a:t>5/13/2020</a:t>
+              <a:t>6/1/2020</a:t>
             </a:fld>
             <a:endParaRPr lang="en-US"/>
           </a:p>
@@ -670,7 +668,7 @@
             <a:fld id="{1D8BD707-D9CF-40AE-B4C6-C98DA3205C09}" type="datetimeFigureOut">
               <a:rPr lang="en-US" smtClean="0"/>
               <a:pPr/>
-              <a:t>5/13/2020</a:t>
+              <a:t>6/1/2020</a:t>
             </a:fld>
             <a:endParaRPr lang="en-US"/>
           </a:p>
@@ -1001,7 +999,7 @@
           <a:p>
             <a:fld id="{5F5C7AA8-AF19-4FCF-98FD-FB8AFEA87A63}" type="datetime4">
               <a:rPr lang="en-US" smtClean="0"/>
-              <a:t>May 13, 2020</a:t>
+              <a:t>June 1, 2020</a:t>
             </a:fld>
             <a:endParaRPr lang="de-DE"/>
           </a:p>
@@ -1463,7 +1461,7 @@
           <a:p>
             <a:fld id="{7299A5CA-AD6E-4AA7-8DB6-450461B77045}" type="datetime4">
               <a:rPr lang="en-US" smtClean="0"/>
-              <a:t>May 13, 2020</a:t>
+              <a:t>June 1, 2020</a:t>
             </a:fld>
             <a:endParaRPr lang="de-DE"/>
           </a:p>
@@ -1805,7 +1803,7 @@
             <a:fld id="{1D8BD707-D9CF-40AE-B4C6-C98DA3205C09}" type="datetimeFigureOut">
               <a:rPr lang="en-US" smtClean="0"/>
               <a:pPr/>
-              <a:t>5/13/2020</a:t>
+              <a:t>6/1/2020</a:t>
             </a:fld>
             <a:endParaRPr lang="en-US"/>
           </a:p>
@@ -2048,7 +2046,7 @@
             <a:fld id="{1D8BD707-D9CF-40AE-B4C6-C98DA3205C09}" type="datetimeFigureOut">
               <a:rPr lang="en-US" smtClean="0"/>
               <a:pPr/>
-              <a:t>5/13/2020</a:t>
+              <a:t>6/1/2020</a:t>
             </a:fld>
             <a:endParaRPr lang="en-US"/>
           </a:p>
@@ -2333,7 +2331,7 @@
             <a:fld id="{1D8BD707-D9CF-40AE-B4C6-C98DA3205C09}" type="datetimeFigureOut">
               <a:rPr lang="en-US" smtClean="0"/>
               <a:pPr/>
-              <a:t>5/13/2020</a:t>
+              <a:t>6/1/2020</a:t>
             </a:fld>
             <a:endParaRPr lang="en-US"/>
           </a:p>
@@ -2752,7 +2750,7 @@
             <a:fld id="{1D8BD707-D9CF-40AE-B4C6-C98DA3205C09}" type="datetimeFigureOut">
               <a:rPr lang="en-US" smtClean="0"/>
               <a:pPr/>
-              <a:t>5/13/2020</a:t>
+              <a:t>6/1/2020</a:t>
             </a:fld>
             <a:endParaRPr lang="en-US"/>
           </a:p>
@@ -2867,7 +2865,7 @@
             <a:fld id="{1D8BD707-D9CF-40AE-B4C6-C98DA3205C09}" type="datetimeFigureOut">
               <a:rPr lang="en-US" smtClean="0"/>
               <a:pPr/>
-              <a:t>5/13/2020</a:t>
+              <a:t>6/1/2020</a:t>
             </a:fld>
             <a:endParaRPr lang="en-US"/>
           </a:p>
@@ -2959,7 +2957,7 @@
             <a:fld id="{1D8BD707-D9CF-40AE-B4C6-C98DA3205C09}" type="datetimeFigureOut">
               <a:rPr lang="en-US" smtClean="0"/>
               <a:pPr/>
-              <a:t>5/13/2020</a:t>
+              <a:t>6/1/2020</a:t>
             </a:fld>
             <a:endParaRPr lang="en-US"/>
           </a:p>
@@ -3233,7 +3231,7 @@
             <a:fld id="{1D8BD707-D9CF-40AE-B4C6-C98DA3205C09}" type="datetimeFigureOut">
               <a:rPr lang="en-US" smtClean="0"/>
               <a:pPr/>
-              <a:t>5/13/2020</a:t>
+              <a:t>6/1/2020</a:t>
             </a:fld>
             <a:endParaRPr lang="en-US"/>
           </a:p>
@@ -3483,7 +3481,7 @@
             <a:fld id="{1D8BD707-D9CF-40AE-B4C6-C98DA3205C09}" type="datetimeFigureOut">
               <a:rPr lang="en-US" smtClean="0"/>
               <a:pPr/>
-              <a:t>5/13/2020</a:t>
+              <a:t>6/1/2020</a:t>
             </a:fld>
             <a:endParaRPr lang="en-US"/>
           </a:p>
@@ -3693,7 +3691,7 @@
             <a:fld id="{1D8BD707-D9CF-40AE-B4C6-C98DA3205C09}" type="datetimeFigureOut">
               <a:rPr lang="en-US" smtClean="0"/>
               <a:pPr/>
-              <a:t>5/13/2020</a:t>
+              <a:t>6/1/2020</a:t>
             </a:fld>
             <a:endParaRPr lang="en-US"/>
           </a:p>
@@ -4229,8 +4227,8 @@
         </p:nvSpPr>
         <p:spPr>
           <a:xfrm>
-            <a:off x="-32522" y="2953391"/>
-            <a:ext cx="8893460" cy="559127"/>
+            <a:off x="-72244" y="2937186"/>
+            <a:ext cx="8893460" cy="643959"/>
           </a:xfrm>
         </p:spPr>
         <p:txBody>
@@ -4239,7 +4237,15 @@
           <a:p>
             <a:r>
               <a:rPr lang="en-US" dirty="0" smtClean="0"/>
-              <a:t>Dashboard Prototype</a:t>
+              <a:t>Business Intelligence Dashboard</a:t>
+            </a:r>
+            <a:r>
+              <a:rPr lang="en-US" dirty="0" smtClean="0"/>
+              <a:t> </a:t>
+            </a:r>
+            <a:r>
+              <a:rPr lang="en-US" dirty="0" smtClean="0"/>
+              <a:t/>
             </a:r>
             <a:br>
               <a:rPr lang="en-US" dirty="0" smtClean="0"/>
@@ -4329,6 +4335,1275 @@
       </p:sp>
       <p:sp>
         <p:nvSpPr>
+          <p:cNvPr id="5" name="TextBox 4"/>
+          <p:cNvSpPr txBox="1"/>
+          <p:nvPr/>
+        </p:nvSpPr>
+        <p:spPr>
+          <a:xfrm>
+            <a:off x="228600" y="990600"/>
+            <a:ext cx="8686800" cy="923330"/>
+          </a:xfrm>
+          <a:prstGeom prst="rect">
+            <a:avLst/>
+          </a:prstGeom>
+          <a:noFill/>
+        </p:spPr>
+        <p:txBody>
+          <a:bodyPr wrap="square" rtlCol="0">
+            <a:spAutoFit/>
+          </a:bodyPr>
+          <a:lstStyle/>
+          <a:p>
+            <a:r>
+              <a:rPr lang="en-US" b="1" dirty="0" err="1" smtClean="0"/>
+              <a:t>NumPy</a:t>
+            </a:r>
+            <a:r>
+              <a:rPr lang="en-US" b="1" dirty="0" smtClean="0"/>
+              <a:t>: -</a:t>
+            </a:r>
+            <a:r>
+              <a:rPr lang="en-US" dirty="0" err="1"/>
+              <a:t>NumPy</a:t>
+            </a:r>
+            <a:r>
+              <a:rPr lang="en-US" dirty="0"/>
+              <a:t> is a library for the Python programming language, adding support for large, multi-dimensional arrays and matrices, along with a large collection of high-level mathematical functions to operate on these arrays. </a:t>
+            </a:r>
+          </a:p>
+        </p:txBody>
+      </p:sp>
+      <p:sp>
+        <p:nvSpPr>
+          <p:cNvPr id="6" name="TextBox 5"/>
+          <p:cNvSpPr txBox="1"/>
+          <p:nvPr/>
+        </p:nvSpPr>
+        <p:spPr>
+          <a:xfrm>
+            <a:off x="228600" y="2057400"/>
+            <a:ext cx="8534400" cy="1754326"/>
+          </a:xfrm>
+          <a:prstGeom prst="rect">
+            <a:avLst/>
+          </a:prstGeom>
+          <a:noFill/>
+        </p:spPr>
+        <p:txBody>
+          <a:bodyPr wrap="square" rtlCol="0">
+            <a:spAutoFit/>
+          </a:bodyPr>
+          <a:lstStyle/>
+          <a:p>
+            <a:pPr fontAlgn="base"/>
+            <a:r>
+              <a:rPr lang="en-US" b="1" dirty="0"/>
+              <a:t>Celery: Distributed Task Queue</a:t>
+            </a:r>
+          </a:p>
+          <a:p>
+            <a:pPr fontAlgn="base"/>
+            <a:r>
+              <a:rPr lang="en-US" dirty="0" smtClean="0"/>
+              <a:t>Celery </a:t>
+            </a:r>
+            <a:r>
+              <a:rPr lang="en-US" dirty="0"/>
+              <a:t>is an asynchronous task queue/job queue based on distributed message passing. It is focused on real-time operation, but supports scheduling as well.</a:t>
+            </a:r>
+          </a:p>
+          <a:p>
+            <a:pPr fontAlgn="base"/>
+            <a:r>
+              <a:rPr lang="en-US" dirty="0"/>
+              <a:t>The execution units, called tasks, are executed concurrently on a single or more worker servers using multiprocessing, </a:t>
+            </a:r>
+            <a:r>
+              <a:rPr lang="en-US" dirty="0" err="1">
+                <a:hlinkClick r:id="rId2"/>
+              </a:rPr>
+              <a:t>Eventlet</a:t>
+            </a:r>
+            <a:r>
+              <a:rPr lang="en-US" dirty="0"/>
+              <a:t>, or </a:t>
+            </a:r>
+            <a:r>
+              <a:rPr lang="en-US" dirty="0" err="1">
+                <a:hlinkClick r:id="rId3"/>
+              </a:rPr>
+              <a:t>gevent</a:t>
+            </a:r>
+            <a:r>
+              <a:rPr lang="en-US" dirty="0"/>
+              <a:t>. Tasks can execute asynchronously (in the background) or synchronously (wait until ready).</a:t>
+            </a:r>
+          </a:p>
+        </p:txBody>
+      </p:sp>
+      <p:sp>
+        <p:nvSpPr>
+          <p:cNvPr id="7" name="TextBox 6"/>
+          <p:cNvSpPr txBox="1"/>
+          <p:nvPr/>
+        </p:nvSpPr>
+        <p:spPr>
+          <a:xfrm>
+            <a:off x="228600" y="4114800"/>
+            <a:ext cx="7772400" cy="646331"/>
+          </a:xfrm>
+          <a:prstGeom prst="rect">
+            <a:avLst/>
+          </a:prstGeom>
+          <a:noFill/>
+        </p:spPr>
+        <p:txBody>
+          <a:bodyPr wrap="square" rtlCol="0">
+            <a:spAutoFit/>
+          </a:bodyPr>
+          <a:lstStyle/>
+          <a:p>
+            <a:r>
+              <a:rPr lang="en-US" dirty="0"/>
+              <a:t>Celery is licensed under The BSD License (3 </a:t>
+            </a:r>
+            <a:r>
+              <a:rPr lang="en-US" dirty="0" smtClean="0"/>
+              <a:t>Clause). </a:t>
+            </a:r>
+            <a:r>
+              <a:rPr lang="en-US" dirty="0">
+                <a:hlinkClick r:id="rId4"/>
+              </a:rPr>
+              <a:t>https://github.com/celery/celery/blob/master/LICENSE</a:t>
+            </a:r>
+            <a:endParaRPr lang="en-US" dirty="0"/>
+          </a:p>
+        </p:txBody>
+      </p:sp>
+      <p:sp>
+        <p:nvSpPr>
+          <p:cNvPr id="9" name="TextBox 8"/>
+          <p:cNvSpPr txBox="1"/>
+          <p:nvPr/>
+        </p:nvSpPr>
+        <p:spPr>
+          <a:xfrm>
+            <a:off x="304800" y="4840069"/>
+            <a:ext cx="7772400" cy="646331"/>
+          </a:xfrm>
+          <a:prstGeom prst="rect">
+            <a:avLst/>
+          </a:prstGeom>
+          <a:noFill/>
+        </p:spPr>
+        <p:txBody>
+          <a:bodyPr wrap="square" rtlCol="0">
+            <a:spAutoFit/>
+          </a:bodyPr>
+          <a:lstStyle/>
+          <a:p>
+            <a:r>
+              <a:rPr lang="en-US" dirty="0" err="1"/>
+              <a:t>NumPy</a:t>
+            </a:r>
+            <a:r>
+              <a:rPr lang="en-US" dirty="0"/>
+              <a:t> is licensed under the </a:t>
+            </a:r>
+            <a:r>
+              <a:rPr lang="en-US" dirty="0">
+                <a:hlinkClick r:id="rId5"/>
+              </a:rPr>
+              <a:t>BSD license</a:t>
+            </a:r>
+            <a:r>
+              <a:rPr lang="en-US" dirty="0"/>
+              <a:t>, enabling reuse with few restrictions</a:t>
+            </a:r>
+            <a:r>
+              <a:rPr lang="en-US" dirty="0" smtClean="0"/>
+              <a:t>.</a:t>
+            </a:r>
+          </a:p>
+          <a:p>
+            <a:r>
+              <a:rPr lang="en-US" dirty="0">
+                <a:hlinkClick r:id="rId6"/>
+              </a:rPr>
+              <a:t>https://www.numpy.org/license.html</a:t>
+            </a:r>
+            <a:endParaRPr lang="en-US" dirty="0"/>
+          </a:p>
+        </p:txBody>
+      </p:sp>
+    </p:spTree>
+    <p:extLst>
+      <p:ext uri="{BB962C8B-B14F-4D97-AF65-F5344CB8AC3E}">
+        <p14:creationId xmlns:p14="http://schemas.microsoft.com/office/powerpoint/2010/main" val="2520839692"/>
+      </p:ext>
+    </p:extLst>
+  </p:cSld>
+  <p:clrMapOvr>
+    <a:masterClrMapping/>
+  </p:clrMapOvr>
+  <p:timing>
+    <p:tnLst>
+      <p:par>
+        <p:cTn id="1" dur="indefinite" restart="never" nodeType="tmRoot"/>
+      </p:par>
+    </p:tnLst>
+  </p:timing>
+</p:sld>
+</file>
+
+<file path=ppt/slides/slide11.xml><?xml version="1.0" encoding="utf-8"?>
+<p:sld xmlns:a="http://schemas.openxmlformats.org/drawingml/2006/main" xmlns:r="http://schemas.openxmlformats.org/officeDocument/2006/relationships" xmlns:p="http://schemas.openxmlformats.org/presentationml/2006/main">
+  <p:cSld>
+    <p:spTree>
+      <p:nvGrpSpPr>
+        <p:cNvPr id="1" name=""/>
+        <p:cNvGrpSpPr/>
+        <p:nvPr/>
+      </p:nvGrpSpPr>
+      <p:grpSpPr>
+        <a:xfrm>
+          <a:off x="0" y="0"/>
+          <a:ext cx="0" cy="0"/>
+          <a:chOff x="0" y="0"/>
+          <a:chExt cx="0" cy="0"/>
+        </a:xfrm>
+      </p:grpSpPr>
+      <p:sp>
+        <p:nvSpPr>
+          <p:cNvPr id="2" name="Text Placeholder 1"/>
+          <p:cNvSpPr>
+            <a:spLocks noGrp="1"/>
+          </p:cNvSpPr>
+          <p:nvPr>
+            <p:ph type="body" sz="quarter" idx="14"/>
+          </p:nvPr>
+        </p:nvSpPr>
+        <p:spPr/>
+        <p:txBody>
+          <a:bodyPr/>
+          <a:lstStyle/>
+          <a:p>
+            <a:endParaRPr lang="en-US"/>
+          </a:p>
+        </p:txBody>
+      </p:sp>
+      <p:sp>
+        <p:nvSpPr>
+          <p:cNvPr id="3" name="Text Placeholder 2"/>
+          <p:cNvSpPr>
+            <a:spLocks noGrp="1"/>
+          </p:cNvSpPr>
+          <p:nvPr>
+            <p:ph type="body" sz="quarter" idx="13"/>
+          </p:nvPr>
+        </p:nvSpPr>
+        <p:spPr/>
+        <p:txBody>
+          <a:bodyPr/>
+          <a:lstStyle/>
+          <a:p>
+            <a:endParaRPr lang="en-US"/>
+          </a:p>
+        </p:txBody>
+      </p:sp>
+      <p:sp>
+        <p:nvSpPr>
+          <p:cNvPr id="5" name="Rectangle 4"/>
+          <p:cNvSpPr/>
+          <p:nvPr/>
+        </p:nvSpPr>
+        <p:spPr>
+          <a:xfrm>
+            <a:off x="762000" y="1066800"/>
+            <a:ext cx="8153400" cy="1969770"/>
+          </a:xfrm>
+          <a:prstGeom prst="rect">
+            <a:avLst/>
+          </a:prstGeom>
+        </p:spPr>
+        <p:txBody>
+          <a:bodyPr wrap="square">
+            <a:spAutoFit/>
+          </a:bodyPr>
+          <a:lstStyle/>
+          <a:p>
+            <a:r>
+              <a:rPr lang="en-US" sz="3200" b="1" dirty="0" err="1"/>
+              <a:t>Redis</a:t>
+            </a:r>
+            <a:r>
+              <a:rPr lang="en-US" dirty="0"/>
+              <a:t> is an open source (BSD licensed), in-memory data structure store, used as a database, cache and message broker. It supports data structures such as strings, hashes, lists, sets, sorted sets with range queries, bitmaps, </a:t>
+            </a:r>
+            <a:r>
+              <a:rPr lang="en-US" dirty="0" err="1"/>
+              <a:t>hyperloglogs</a:t>
+            </a:r>
+            <a:r>
+              <a:rPr lang="en-US" dirty="0"/>
+              <a:t>, geospatial indexes with radius queries and streams. </a:t>
+            </a:r>
+            <a:r>
+              <a:rPr lang="en-US" dirty="0" err="1"/>
+              <a:t>Redis</a:t>
+            </a:r>
+            <a:r>
+              <a:rPr lang="en-US" dirty="0"/>
+              <a:t> has built-in replication, </a:t>
+            </a:r>
+            <a:r>
+              <a:rPr lang="en-US" dirty="0" err="1"/>
+              <a:t>Lua</a:t>
+            </a:r>
+            <a:r>
+              <a:rPr lang="en-US" dirty="0"/>
+              <a:t> scripting, LRU eviction, transactions and different levels of on-disk persistence, and provides high availability via </a:t>
+            </a:r>
+            <a:r>
+              <a:rPr lang="en-US" dirty="0" err="1"/>
+              <a:t>Redis</a:t>
+            </a:r>
+            <a:r>
+              <a:rPr lang="en-US" dirty="0"/>
+              <a:t> Sentinel and automatic partitioning with </a:t>
+            </a:r>
+            <a:r>
+              <a:rPr lang="en-US" dirty="0" err="1"/>
+              <a:t>Redis</a:t>
+            </a:r>
+            <a:r>
+              <a:rPr lang="en-US" dirty="0"/>
+              <a:t> Cluster.</a:t>
+            </a:r>
+          </a:p>
+        </p:txBody>
+      </p:sp>
+      <p:sp>
+        <p:nvSpPr>
+          <p:cNvPr id="6" name="Rectangle 5"/>
+          <p:cNvSpPr/>
+          <p:nvPr/>
+        </p:nvSpPr>
+        <p:spPr>
+          <a:xfrm>
+            <a:off x="914400" y="3254149"/>
+            <a:ext cx="2981329" cy="369332"/>
+          </a:xfrm>
+          <a:prstGeom prst="rect">
+            <a:avLst/>
+          </a:prstGeom>
+        </p:spPr>
+        <p:txBody>
+          <a:bodyPr wrap="none">
+            <a:spAutoFit/>
+          </a:bodyPr>
+          <a:lstStyle/>
+          <a:p>
+            <a:r>
+              <a:rPr lang="en-US" dirty="0">
+                <a:hlinkClick r:id="rId2"/>
+              </a:rPr>
+              <a:t>https://redis.io/topics/license</a:t>
+            </a:r>
+            <a:endParaRPr lang="en-US" dirty="0"/>
+          </a:p>
+        </p:txBody>
+      </p:sp>
+    </p:spTree>
+    <p:extLst>
+      <p:ext uri="{BB962C8B-B14F-4D97-AF65-F5344CB8AC3E}">
+        <p14:creationId xmlns:p14="http://schemas.microsoft.com/office/powerpoint/2010/main" val="2121093543"/>
+      </p:ext>
+    </p:extLst>
+  </p:cSld>
+  <p:clrMapOvr>
+    <a:masterClrMapping/>
+  </p:clrMapOvr>
+  <p:timing>
+    <p:tnLst>
+      <p:par>
+        <p:cTn id="1" dur="indefinite" restart="never" nodeType="tmRoot"/>
+      </p:par>
+    </p:tnLst>
+  </p:timing>
+</p:sld>
+</file>
+
+<file path=ppt/slides/slide12.xml><?xml version="1.0" encoding="utf-8"?>
+<p:sld xmlns:a="http://schemas.openxmlformats.org/drawingml/2006/main" xmlns:r="http://schemas.openxmlformats.org/officeDocument/2006/relationships" xmlns:p="http://schemas.openxmlformats.org/presentationml/2006/main">
+  <p:cSld>
+    <p:spTree>
+      <p:nvGrpSpPr>
+        <p:cNvPr id="1" name=""/>
+        <p:cNvGrpSpPr/>
+        <p:nvPr/>
+      </p:nvGrpSpPr>
+      <p:grpSpPr>
+        <a:xfrm>
+          <a:off x="0" y="0"/>
+          <a:ext cx="0" cy="0"/>
+          <a:chOff x="0" y="0"/>
+          <a:chExt cx="0" cy="0"/>
+        </a:xfrm>
+      </p:grpSpPr>
+      <p:sp>
+        <p:nvSpPr>
+          <p:cNvPr id="2" name="Text Placeholder 1"/>
+          <p:cNvSpPr>
+            <a:spLocks noGrp="1"/>
+          </p:cNvSpPr>
+          <p:nvPr>
+            <p:ph type="body" sz="quarter" idx="14"/>
+          </p:nvPr>
+        </p:nvSpPr>
+        <p:spPr/>
+        <p:txBody>
+          <a:bodyPr/>
+          <a:lstStyle/>
+          <a:p>
+            <a:endParaRPr lang="en-US"/>
+          </a:p>
+        </p:txBody>
+      </p:sp>
+      <p:sp>
+        <p:nvSpPr>
+          <p:cNvPr id="3" name="Text Placeholder 2"/>
+          <p:cNvSpPr>
+            <a:spLocks noGrp="1"/>
+          </p:cNvSpPr>
+          <p:nvPr>
+            <p:ph type="body" sz="quarter" idx="13"/>
+          </p:nvPr>
+        </p:nvSpPr>
+        <p:spPr/>
+        <p:txBody>
+          <a:bodyPr/>
+          <a:lstStyle/>
+          <a:p>
+            <a:endParaRPr lang="en-US"/>
+          </a:p>
+        </p:txBody>
+      </p:sp>
+      <p:sp>
+        <p:nvSpPr>
+          <p:cNvPr id="4" name="Title 3"/>
+          <p:cNvSpPr>
+            <a:spLocks noGrp="1"/>
+          </p:cNvSpPr>
+          <p:nvPr>
+            <p:ph type="title"/>
+          </p:nvPr>
+        </p:nvSpPr>
+        <p:spPr>
+          <a:xfrm>
+            <a:off x="762000" y="304800"/>
+            <a:ext cx="5940000" cy="671292"/>
+          </a:xfrm>
+        </p:spPr>
+        <p:txBody>
+          <a:bodyPr/>
+          <a:lstStyle/>
+          <a:p>
+            <a:r>
+              <a:rPr lang="en-US" dirty="0" smtClean="0"/>
+              <a:t>Application  Architecture</a:t>
+            </a:r>
+            <a:endParaRPr lang="en-US" dirty="0"/>
+          </a:p>
+        </p:txBody>
+      </p:sp>
+      <p:sp>
+        <p:nvSpPr>
+          <p:cNvPr id="5" name="TextBox 4"/>
+          <p:cNvSpPr txBox="1"/>
+          <p:nvPr/>
+        </p:nvSpPr>
+        <p:spPr>
+          <a:xfrm>
+            <a:off x="3581400" y="2438400"/>
+            <a:ext cx="1752600" cy="369332"/>
+          </a:xfrm>
+          <a:prstGeom prst="rect">
+            <a:avLst/>
+          </a:prstGeom>
+          <a:noFill/>
+        </p:spPr>
+        <p:txBody>
+          <a:bodyPr wrap="square" rtlCol="0">
+            <a:spAutoFit/>
+          </a:bodyPr>
+          <a:lstStyle/>
+          <a:p>
+            <a:r>
+              <a:rPr lang="en-US" dirty="0" smtClean="0"/>
+              <a:t>Celery Worker </a:t>
+            </a:r>
+            <a:endParaRPr lang="en-US" dirty="0"/>
+          </a:p>
+        </p:txBody>
+      </p:sp>
+      <p:sp>
+        <p:nvSpPr>
+          <p:cNvPr id="6" name="TextBox 5"/>
+          <p:cNvSpPr txBox="1"/>
+          <p:nvPr/>
+        </p:nvSpPr>
+        <p:spPr>
+          <a:xfrm>
+            <a:off x="6901604" y="2479964"/>
+            <a:ext cx="1298998" cy="369332"/>
+          </a:xfrm>
+          <a:prstGeom prst="rect">
+            <a:avLst/>
+          </a:prstGeom>
+          <a:noFill/>
+        </p:spPr>
+        <p:txBody>
+          <a:bodyPr wrap="square" rtlCol="0">
+            <a:spAutoFit/>
+          </a:bodyPr>
+          <a:lstStyle/>
+          <a:p>
+            <a:r>
+              <a:rPr lang="en-US" dirty="0" smtClean="0"/>
+              <a:t>Celery Beat</a:t>
+            </a:r>
+            <a:endParaRPr lang="en-US" dirty="0"/>
+          </a:p>
+        </p:txBody>
+      </p:sp>
+      <p:sp>
+        <p:nvSpPr>
+          <p:cNvPr id="7" name="TextBox 6"/>
+          <p:cNvSpPr txBox="1"/>
+          <p:nvPr/>
+        </p:nvSpPr>
+        <p:spPr>
+          <a:xfrm>
+            <a:off x="609600" y="3387436"/>
+            <a:ext cx="1371600" cy="369332"/>
+          </a:xfrm>
+          <a:prstGeom prst="rect">
+            <a:avLst/>
+          </a:prstGeom>
+          <a:noFill/>
+        </p:spPr>
+        <p:txBody>
+          <a:bodyPr wrap="square" rtlCol="0">
+            <a:spAutoFit/>
+          </a:bodyPr>
+          <a:lstStyle/>
+          <a:p>
+            <a:r>
+              <a:rPr lang="en-US" dirty="0" smtClean="0"/>
+              <a:t>File System</a:t>
+            </a:r>
+            <a:endParaRPr lang="en-US" dirty="0"/>
+          </a:p>
+        </p:txBody>
+      </p:sp>
+      <p:sp>
+        <p:nvSpPr>
+          <p:cNvPr id="8" name="TextBox 7"/>
+          <p:cNvSpPr txBox="1"/>
+          <p:nvPr/>
+        </p:nvSpPr>
+        <p:spPr>
+          <a:xfrm>
+            <a:off x="2561214" y="4054555"/>
+            <a:ext cx="1676400" cy="369332"/>
+          </a:xfrm>
+          <a:prstGeom prst="rect">
+            <a:avLst/>
+          </a:prstGeom>
+          <a:noFill/>
+        </p:spPr>
+        <p:txBody>
+          <a:bodyPr wrap="square" rtlCol="0">
+            <a:spAutoFit/>
+          </a:bodyPr>
+          <a:lstStyle/>
+          <a:p>
+            <a:r>
+              <a:rPr lang="en-US" dirty="0" err="1" smtClean="0"/>
+              <a:t>Redis</a:t>
+            </a:r>
+            <a:r>
+              <a:rPr lang="en-US" dirty="0" smtClean="0"/>
+              <a:t> Database</a:t>
+            </a:r>
+            <a:endParaRPr lang="en-US" dirty="0"/>
+          </a:p>
+        </p:txBody>
+      </p:sp>
+      <p:sp>
+        <p:nvSpPr>
+          <p:cNvPr id="9" name="TextBox 8"/>
+          <p:cNvSpPr txBox="1"/>
+          <p:nvPr/>
+        </p:nvSpPr>
+        <p:spPr>
+          <a:xfrm>
+            <a:off x="3750732" y="5845222"/>
+            <a:ext cx="1752600" cy="369332"/>
+          </a:xfrm>
+          <a:prstGeom prst="rect">
+            <a:avLst/>
+          </a:prstGeom>
+          <a:noFill/>
+        </p:spPr>
+        <p:txBody>
+          <a:bodyPr wrap="square" rtlCol="0">
+            <a:spAutoFit/>
+          </a:bodyPr>
+          <a:lstStyle/>
+          <a:p>
+            <a:r>
+              <a:rPr lang="en-US" dirty="0" smtClean="0"/>
+              <a:t>Dash App</a:t>
+            </a:r>
+            <a:endParaRPr lang="en-US" dirty="0"/>
+          </a:p>
+        </p:txBody>
+      </p:sp>
+      <p:cxnSp>
+        <p:nvCxnSpPr>
+          <p:cNvPr id="22" name="Elbow Connector 21"/>
+          <p:cNvCxnSpPr>
+            <a:stCxn id="6" idx="1"/>
+          </p:cNvCxnSpPr>
+          <p:nvPr/>
+        </p:nvCxnSpPr>
+        <p:spPr>
+          <a:xfrm rot="10800000">
+            <a:off x="5029200" y="2623066"/>
+            <a:ext cx="1872404" cy="41564"/>
+          </a:xfrm>
+          <a:prstGeom prst="bentConnector3">
+            <a:avLst/>
+          </a:prstGeom>
+          <a:ln>
+            <a:tailEnd type="triangle"/>
+          </a:ln>
+        </p:spPr>
+        <p:style>
+          <a:lnRef idx="1">
+            <a:schemeClr val="accent1"/>
+          </a:lnRef>
+          <a:fillRef idx="0">
+            <a:schemeClr val="accent1"/>
+          </a:fillRef>
+          <a:effectRef idx="0">
+            <a:schemeClr val="accent1"/>
+          </a:effectRef>
+          <a:fontRef idx="minor">
+            <a:schemeClr val="tx1"/>
+          </a:fontRef>
+        </p:style>
+      </p:cxnSp>
+      <p:cxnSp>
+        <p:nvCxnSpPr>
+          <p:cNvPr id="29" name="Elbow Connector 28"/>
+          <p:cNvCxnSpPr>
+            <a:endCxn id="5" idx="1"/>
+          </p:cNvCxnSpPr>
+          <p:nvPr/>
+        </p:nvCxnSpPr>
+        <p:spPr>
+          <a:xfrm flipV="1">
+            <a:off x="1752600" y="2623066"/>
+            <a:ext cx="1828800" cy="992970"/>
+          </a:xfrm>
+          <a:prstGeom prst="bentConnector3">
+            <a:avLst/>
+          </a:prstGeom>
+          <a:ln>
+            <a:headEnd type="triangle"/>
+            <a:tailEnd type="triangle"/>
+          </a:ln>
+        </p:spPr>
+        <p:style>
+          <a:lnRef idx="1">
+            <a:schemeClr val="accent1"/>
+          </a:lnRef>
+          <a:fillRef idx="0">
+            <a:schemeClr val="accent1"/>
+          </a:fillRef>
+          <a:effectRef idx="0">
+            <a:schemeClr val="accent1"/>
+          </a:effectRef>
+          <a:fontRef idx="minor">
+            <a:schemeClr val="tx1"/>
+          </a:fontRef>
+        </p:style>
+      </p:cxnSp>
+      <p:cxnSp>
+        <p:nvCxnSpPr>
+          <p:cNvPr id="31" name="Elbow Connector 30"/>
+          <p:cNvCxnSpPr>
+            <a:stCxn id="5" idx="2"/>
+            <a:endCxn id="8" idx="0"/>
+          </p:cNvCxnSpPr>
+          <p:nvPr/>
+        </p:nvCxnSpPr>
+        <p:spPr>
+          <a:xfrm rot="5400000">
+            <a:off x="3305146" y="2902000"/>
+            <a:ext cx="1246823" cy="1058286"/>
+          </a:xfrm>
+          <a:prstGeom prst="bentConnector3">
+            <a:avLst/>
+          </a:prstGeom>
+          <a:ln>
+            <a:headEnd type="triangle"/>
+            <a:tailEnd type="triangle"/>
+          </a:ln>
+        </p:spPr>
+        <p:style>
+          <a:lnRef idx="1">
+            <a:schemeClr val="accent1"/>
+          </a:lnRef>
+          <a:fillRef idx="0">
+            <a:schemeClr val="accent1"/>
+          </a:fillRef>
+          <a:effectRef idx="0">
+            <a:schemeClr val="accent1"/>
+          </a:effectRef>
+          <a:fontRef idx="minor">
+            <a:schemeClr val="tx1"/>
+          </a:fontRef>
+        </p:style>
+      </p:cxnSp>
+      <p:cxnSp>
+        <p:nvCxnSpPr>
+          <p:cNvPr id="33" name="Elbow Connector 32"/>
+          <p:cNvCxnSpPr>
+            <a:stCxn id="8" idx="2"/>
+            <a:endCxn id="9" idx="0"/>
+          </p:cNvCxnSpPr>
+          <p:nvPr/>
+        </p:nvCxnSpPr>
+        <p:spPr>
+          <a:xfrm rot="16200000" flipH="1">
+            <a:off x="3302556" y="4520745"/>
+            <a:ext cx="1421335" cy="1227618"/>
+          </a:xfrm>
+          <a:prstGeom prst="bentConnector3">
+            <a:avLst/>
+          </a:prstGeom>
+          <a:ln>
+            <a:headEnd type="triangle"/>
+            <a:tailEnd type="triangle"/>
+          </a:ln>
+        </p:spPr>
+        <p:style>
+          <a:lnRef idx="1">
+            <a:schemeClr val="accent1"/>
+          </a:lnRef>
+          <a:fillRef idx="0">
+            <a:schemeClr val="accent1"/>
+          </a:fillRef>
+          <a:effectRef idx="0">
+            <a:schemeClr val="accent1"/>
+          </a:effectRef>
+          <a:fontRef idx="minor">
+            <a:schemeClr val="tx1"/>
+          </a:fontRef>
+        </p:style>
+      </p:cxnSp>
+      <p:pic>
+        <p:nvPicPr>
+          <p:cNvPr id="34" name="Picture 33"/>
+          <p:cNvPicPr>
+            <a:picLocks noChangeAspect="1"/>
+          </p:cNvPicPr>
+          <p:nvPr/>
+        </p:nvPicPr>
+        <p:blipFill>
+          <a:blip r:embed="rId2"/>
+          <a:stretch>
+            <a:fillRect/>
+          </a:stretch>
+        </p:blipFill>
+        <p:spPr>
+          <a:xfrm>
+            <a:off x="2091264" y="1079551"/>
+            <a:ext cx="3318936" cy="1309093"/>
+          </a:xfrm>
+          <a:prstGeom prst="rect">
+            <a:avLst/>
+          </a:prstGeom>
+        </p:spPr>
+      </p:pic>
+      <p:pic>
+        <p:nvPicPr>
+          <p:cNvPr id="35" name="Picture 34"/>
+          <p:cNvPicPr>
+            <a:picLocks noChangeAspect="1"/>
+          </p:cNvPicPr>
+          <p:nvPr/>
+        </p:nvPicPr>
+        <p:blipFill>
+          <a:blip r:embed="rId3"/>
+          <a:stretch>
+            <a:fillRect/>
+          </a:stretch>
+        </p:blipFill>
+        <p:spPr>
+          <a:xfrm>
+            <a:off x="5486400" y="1091128"/>
+            <a:ext cx="3490912" cy="1293570"/>
+          </a:xfrm>
+          <a:prstGeom prst="rect">
+            <a:avLst/>
+          </a:prstGeom>
+        </p:spPr>
+      </p:pic>
+      <p:pic>
+        <p:nvPicPr>
+          <p:cNvPr id="36" name="Picture 35"/>
+          <p:cNvPicPr>
+            <a:picLocks noChangeAspect="1"/>
+          </p:cNvPicPr>
+          <p:nvPr/>
+        </p:nvPicPr>
+        <p:blipFill>
+          <a:blip r:embed="rId4"/>
+          <a:stretch>
+            <a:fillRect/>
+          </a:stretch>
+        </p:blipFill>
+        <p:spPr>
+          <a:xfrm>
+            <a:off x="0" y="3800702"/>
+            <a:ext cx="2300287" cy="1703765"/>
+          </a:xfrm>
+          <a:prstGeom prst="rect">
+            <a:avLst/>
+          </a:prstGeom>
+        </p:spPr>
+      </p:pic>
+      <p:pic>
+        <p:nvPicPr>
+          <p:cNvPr id="37" name="Picture 36"/>
+          <p:cNvPicPr>
+            <a:picLocks noChangeAspect="1"/>
+          </p:cNvPicPr>
+          <p:nvPr/>
+        </p:nvPicPr>
+        <p:blipFill>
+          <a:blip r:embed="rId5"/>
+          <a:stretch>
+            <a:fillRect/>
+          </a:stretch>
+        </p:blipFill>
+        <p:spPr>
+          <a:xfrm>
+            <a:off x="5486400" y="2944562"/>
+            <a:ext cx="3490912" cy="1334377"/>
+          </a:xfrm>
+          <a:prstGeom prst="rect">
+            <a:avLst/>
+          </a:prstGeom>
+        </p:spPr>
+      </p:pic>
+      <p:pic>
+        <p:nvPicPr>
+          <p:cNvPr id="39" name="Picture 38"/>
+          <p:cNvPicPr>
+            <a:picLocks noChangeAspect="1"/>
+          </p:cNvPicPr>
+          <p:nvPr/>
+        </p:nvPicPr>
+        <p:blipFill>
+          <a:blip r:embed="rId6"/>
+          <a:stretch>
+            <a:fillRect/>
+          </a:stretch>
+        </p:blipFill>
+        <p:spPr>
+          <a:xfrm>
+            <a:off x="5486400" y="4882063"/>
+            <a:ext cx="3490912" cy="1339418"/>
+          </a:xfrm>
+          <a:prstGeom prst="rect">
+            <a:avLst/>
+          </a:prstGeom>
+        </p:spPr>
+      </p:pic>
+    </p:spTree>
+    <p:extLst>
+      <p:ext uri="{BB962C8B-B14F-4D97-AF65-F5344CB8AC3E}">
+        <p14:creationId xmlns:p14="http://schemas.microsoft.com/office/powerpoint/2010/main" val="2931767259"/>
+      </p:ext>
+    </p:extLst>
+  </p:cSld>
+  <p:clrMapOvr>
+    <a:masterClrMapping/>
+  </p:clrMapOvr>
+  <p:timing>
+    <p:tnLst>
+      <p:par>
+        <p:cTn id="1" dur="indefinite" restart="never" nodeType="tmRoot"/>
+      </p:par>
+    </p:tnLst>
+  </p:timing>
+</p:sld>
+</file>
+
+<file path=ppt/slides/slide13.xml><?xml version="1.0" encoding="utf-8"?>
+<p:sld xmlns:a="http://schemas.openxmlformats.org/drawingml/2006/main" xmlns:r="http://schemas.openxmlformats.org/officeDocument/2006/relationships" xmlns:p="http://schemas.openxmlformats.org/presentationml/2006/main">
+  <p:cSld>
+    <p:spTree>
+      <p:nvGrpSpPr>
+        <p:cNvPr id="1" name=""/>
+        <p:cNvGrpSpPr/>
+        <p:nvPr/>
+      </p:nvGrpSpPr>
+      <p:grpSpPr>
+        <a:xfrm>
+          <a:off x="0" y="0"/>
+          <a:ext cx="0" cy="0"/>
+          <a:chOff x="0" y="0"/>
+          <a:chExt cx="0" cy="0"/>
+        </a:xfrm>
+      </p:grpSpPr>
+      <p:sp>
+        <p:nvSpPr>
+          <p:cNvPr id="2" name="Text Placeholder 1"/>
+          <p:cNvSpPr>
+            <a:spLocks noGrp="1"/>
+          </p:cNvSpPr>
+          <p:nvPr>
+            <p:ph type="body" sz="quarter" idx="14"/>
+          </p:nvPr>
+        </p:nvSpPr>
+        <p:spPr/>
+        <p:txBody>
+          <a:bodyPr/>
+          <a:lstStyle/>
+          <a:p>
+            <a:endParaRPr lang="en-US"/>
+          </a:p>
+        </p:txBody>
+      </p:sp>
+      <p:sp>
+        <p:nvSpPr>
+          <p:cNvPr id="3" name="Text Placeholder 2"/>
+          <p:cNvSpPr>
+            <a:spLocks noGrp="1"/>
+          </p:cNvSpPr>
+          <p:nvPr>
+            <p:ph type="body" sz="quarter" idx="13"/>
+          </p:nvPr>
+        </p:nvSpPr>
+        <p:spPr/>
+        <p:txBody>
+          <a:bodyPr/>
+          <a:lstStyle/>
+          <a:p>
+            <a:endParaRPr lang="en-US"/>
+          </a:p>
+        </p:txBody>
+      </p:sp>
+      <p:sp>
+        <p:nvSpPr>
+          <p:cNvPr id="4" name="Title 3"/>
+          <p:cNvSpPr>
+            <a:spLocks noGrp="1"/>
+          </p:cNvSpPr>
+          <p:nvPr>
+            <p:ph type="title"/>
+          </p:nvPr>
+        </p:nvSpPr>
+        <p:spPr/>
+        <p:txBody>
+          <a:bodyPr/>
+          <a:lstStyle/>
+          <a:p>
+            <a:endParaRPr lang="en-US"/>
+          </a:p>
+        </p:txBody>
+      </p:sp>
+      <p:pic>
+        <p:nvPicPr>
+          <p:cNvPr id="5" name="Picture 4" descr="Screen Clipping"/>
+          <p:cNvPicPr>
+            <a:picLocks noChangeAspect="1"/>
+          </p:cNvPicPr>
+          <p:nvPr/>
+        </p:nvPicPr>
+        <p:blipFill>
+          <a:blip r:embed="rId2">
+            <a:extLst>
+              <a:ext uri="{28A0092B-C50C-407E-A947-70E740481C1C}">
+                <a14:useLocalDpi xmlns:a14="http://schemas.microsoft.com/office/drawing/2010/main" val="0"/>
+              </a:ext>
+            </a:extLst>
+          </a:blip>
+          <a:stretch>
+            <a:fillRect/>
+          </a:stretch>
+        </p:blipFill>
+        <p:spPr>
+          <a:xfrm>
+            <a:off x="0" y="979069"/>
+            <a:ext cx="9144000" cy="5878931"/>
+          </a:xfrm>
+          <a:prstGeom prst="rect">
+            <a:avLst/>
+          </a:prstGeom>
+        </p:spPr>
+      </p:pic>
+      <p:sp>
+        <p:nvSpPr>
+          <p:cNvPr id="6" name="Title 3"/>
+          <p:cNvSpPr txBox="1">
+            <a:spLocks/>
+          </p:cNvSpPr>
+          <p:nvPr/>
+        </p:nvSpPr>
+        <p:spPr bwMode="auto">
+          <a:xfrm>
+            <a:off x="0" y="298984"/>
+            <a:ext cx="2971800" cy="671292"/>
+          </a:xfrm>
+          <a:prstGeom prst="rect">
+            <a:avLst/>
+          </a:prstGeom>
+          <a:solidFill>
+            <a:schemeClr val="accent5"/>
+          </a:solidFill>
+          <a:ln w="9525">
+            <a:noFill/>
+          </a:ln>
+        </p:spPr>
+        <p:txBody>
+          <a:bodyPr vert="horz" wrap="square" lIns="252000" tIns="180000" rIns="0" bIns="180000" rtlCol="0" anchor="b" anchorCtr="0">
+            <a:spAutoFit/>
+          </a:bodyPr>
+          <a:lstStyle>
+            <a:lvl1pPr algn="l" defTabSz="914400" rtl="0" eaLnBrk="1" latinLnBrk="0" hangingPunct="1">
+              <a:lnSpc>
+                <a:spcPct val="100000"/>
+              </a:lnSpc>
+              <a:spcBef>
+                <a:spcPct val="0"/>
+              </a:spcBef>
+              <a:buNone/>
+              <a:defRPr sz="2000" b="1" kern="1200" cap="none" baseline="0">
+                <a:solidFill>
+                  <a:schemeClr val="tx2"/>
+                </a:solidFill>
+                <a:latin typeface="+mj-lt"/>
+                <a:ea typeface="+mj-ea"/>
+                <a:cs typeface="+mj-cs"/>
+              </a:defRPr>
+            </a:lvl1pPr>
+          </a:lstStyle>
+          <a:p>
+            <a:r>
+              <a:rPr lang="en-US" dirty="0" smtClean="0"/>
+              <a:t>Flask Application</a:t>
+            </a:r>
+            <a:endParaRPr lang="en-US" dirty="0"/>
+          </a:p>
+        </p:txBody>
+      </p:sp>
+      <p:sp>
+        <p:nvSpPr>
+          <p:cNvPr id="7" name="Title 3"/>
+          <p:cNvSpPr txBox="1">
+            <a:spLocks/>
+          </p:cNvSpPr>
+          <p:nvPr/>
+        </p:nvSpPr>
+        <p:spPr bwMode="auto">
+          <a:xfrm>
+            <a:off x="2971800" y="307777"/>
+            <a:ext cx="2590800" cy="671292"/>
+          </a:xfrm>
+          <a:prstGeom prst="rect">
+            <a:avLst/>
+          </a:prstGeom>
+          <a:solidFill>
+            <a:schemeClr val="accent5"/>
+          </a:solidFill>
+          <a:ln w="9525">
+            <a:noFill/>
+          </a:ln>
+        </p:spPr>
+        <p:txBody>
+          <a:bodyPr vert="horz" wrap="square" lIns="252000" tIns="180000" rIns="0" bIns="180000" rtlCol="0" anchor="b" anchorCtr="0">
+            <a:spAutoFit/>
+          </a:bodyPr>
+          <a:lstStyle>
+            <a:lvl1pPr algn="l" defTabSz="914400" rtl="0" eaLnBrk="1" latinLnBrk="0" hangingPunct="1">
+              <a:lnSpc>
+                <a:spcPct val="100000"/>
+              </a:lnSpc>
+              <a:spcBef>
+                <a:spcPct val="0"/>
+              </a:spcBef>
+              <a:buNone/>
+              <a:defRPr sz="2000" b="1" kern="1200" cap="none" baseline="0">
+                <a:solidFill>
+                  <a:schemeClr val="tx2"/>
+                </a:solidFill>
+                <a:latin typeface="+mj-lt"/>
+                <a:ea typeface="+mj-ea"/>
+                <a:cs typeface="+mj-cs"/>
+              </a:defRPr>
+            </a:lvl1pPr>
+          </a:lstStyle>
+          <a:p>
+            <a:r>
+              <a:rPr lang="en-US" dirty="0" smtClean="0"/>
+              <a:t>Celery Worker</a:t>
+            </a:r>
+            <a:endParaRPr lang="en-US" dirty="0"/>
+          </a:p>
+        </p:txBody>
+      </p:sp>
+      <p:sp>
+        <p:nvSpPr>
+          <p:cNvPr id="8" name="Title 3"/>
+          <p:cNvSpPr txBox="1">
+            <a:spLocks/>
+          </p:cNvSpPr>
+          <p:nvPr/>
+        </p:nvSpPr>
+        <p:spPr bwMode="auto">
+          <a:xfrm>
+            <a:off x="5410200" y="307777"/>
+            <a:ext cx="1803779" cy="671292"/>
+          </a:xfrm>
+          <a:prstGeom prst="rect">
+            <a:avLst/>
+          </a:prstGeom>
+          <a:solidFill>
+            <a:schemeClr val="accent5"/>
+          </a:solidFill>
+          <a:ln w="9525">
+            <a:noFill/>
+          </a:ln>
+        </p:spPr>
+        <p:txBody>
+          <a:bodyPr vert="horz" wrap="square" lIns="252000" tIns="180000" rIns="0" bIns="180000" rtlCol="0" anchor="b" anchorCtr="0">
+            <a:spAutoFit/>
+          </a:bodyPr>
+          <a:lstStyle>
+            <a:lvl1pPr algn="l" defTabSz="914400" rtl="0" eaLnBrk="1" latinLnBrk="0" hangingPunct="1">
+              <a:lnSpc>
+                <a:spcPct val="100000"/>
+              </a:lnSpc>
+              <a:spcBef>
+                <a:spcPct val="0"/>
+              </a:spcBef>
+              <a:buNone/>
+              <a:defRPr sz="2000" b="1" kern="1200" cap="none" baseline="0">
+                <a:solidFill>
+                  <a:schemeClr val="tx2"/>
+                </a:solidFill>
+                <a:latin typeface="+mj-lt"/>
+                <a:ea typeface="+mj-ea"/>
+                <a:cs typeface="+mj-cs"/>
+              </a:defRPr>
+            </a:lvl1pPr>
+          </a:lstStyle>
+          <a:p>
+            <a:r>
+              <a:rPr lang="en-US" dirty="0" smtClean="0"/>
+              <a:t>Celery Beat</a:t>
+            </a:r>
+            <a:endParaRPr lang="en-US" dirty="0"/>
+          </a:p>
+        </p:txBody>
+      </p:sp>
+    </p:spTree>
+    <p:extLst>
+      <p:ext uri="{BB962C8B-B14F-4D97-AF65-F5344CB8AC3E}">
+        <p14:creationId xmlns:p14="http://schemas.microsoft.com/office/powerpoint/2010/main" val="1369449823"/>
+      </p:ext>
+    </p:extLst>
+  </p:cSld>
+  <p:clrMapOvr>
+    <a:masterClrMapping/>
+  </p:clrMapOvr>
+  <p:timing>
+    <p:tnLst>
+      <p:par>
+        <p:cTn id="1" dur="indefinite" restart="never" nodeType="tmRoot"/>
+      </p:par>
+    </p:tnLst>
+  </p:timing>
+</p:sld>
+</file>
+
+<file path=ppt/slides/slide14.xml><?xml version="1.0" encoding="utf-8"?>
+<p:sld xmlns:a="http://schemas.openxmlformats.org/drawingml/2006/main" xmlns:r="http://schemas.openxmlformats.org/officeDocument/2006/relationships" xmlns:p="http://schemas.openxmlformats.org/presentationml/2006/main">
+  <p:cSld>
+    <p:spTree>
+      <p:nvGrpSpPr>
+        <p:cNvPr id="1" name=""/>
+        <p:cNvGrpSpPr/>
+        <p:nvPr/>
+      </p:nvGrpSpPr>
+      <p:grpSpPr>
+        <a:xfrm>
+          <a:off x="0" y="0"/>
+          <a:ext cx="0" cy="0"/>
+          <a:chOff x="0" y="0"/>
+          <a:chExt cx="0" cy="0"/>
+        </a:xfrm>
+      </p:grpSpPr>
+      <p:sp>
+        <p:nvSpPr>
+          <p:cNvPr id="2" name="Text Placeholder 1"/>
+          <p:cNvSpPr>
+            <a:spLocks noGrp="1"/>
+          </p:cNvSpPr>
+          <p:nvPr>
+            <p:ph type="body" sz="quarter" idx="14"/>
+          </p:nvPr>
+        </p:nvSpPr>
+        <p:spPr/>
+        <p:txBody>
+          <a:bodyPr/>
+          <a:lstStyle/>
+          <a:p>
+            <a:endParaRPr lang="en-US"/>
+          </a:p>
+        </p:txBody>
+      </p:sp>
+      <p:sp>
+        <p:nvSpPr>
+          <p:cNvPr id="3" name="Text Placeholder 2"/>
+          <p:cNvSpPr>
+            <a:spLocks noGrp="1"/>
+          </p:cNvSpPr>
+          <p:nvPr>
+            <p:ph type="body" sz="quarter" idx="13"/>
+          </p:nvPr>
+        </p:nvSpPr>
+        <p:spPr/>
+        <p:txBody>
+          <a:bodyPr/>
+          <a:lstStyle/>
+          <a:p>
+            <a:endParaRPr lang="en-US"/>
+          </a:p>
+        </p:txBody>
+      </p:sp>
+      <p:sp>
+        <p:nvSpPr>
           <p:cNvPr id="4" name="Title 3"/>
           <p:cNvSpPr>
             <a:spLocks noGrp="1"/>
@@ -4455,7 +5730,3436 @@
 </p:sld>
 </file>
 
-<file path=ppt/slides/slide11.xml><?xml version="1.0" encoding="utf-8"?>
+<file path=ppt/slides/slide15.xml><?xml version="1.0" encoding="utf-8"?>
+<p:sld xmlns:a="http://schemas.openxmlformats.org/drawingml/2006/main" xmlns:r="http://schemas.openxmlformats.org/officeDocument/2006/relationships" xmlns:p="http://schemas.openxmlformats.org/presentationml/2006/main">
+  <p:cSld>
+    <p:spTree>
+      <p:nvGrpSpPr>
+        <p:cNvPr id="1" name=""/>
+        <p:cNvGrpSpPr/>
+        <p:nvPr/>
+      </p:nvGrpSpPr>
+      <p:grpSpPr>
+        <a:xfrm>
+          <a:off x="0" y="0"/>
+          <a:ext cx="0" cy="0"/>
+          <a:chOff x="0" y="0"/>
+          <a:chExt cx="0" cy="0"/>
+        </a:xfrm>
+      </p:grpSpPr>
+      <p:sp>
+        <p:nvSpPr>
+          <p:cNvPr id="2" name="Text Placeholder 1"/>
+          <p:cNvSpPr>
+            <a:spLocks noGrp="1"/>
+          </p:cNvSpPr>
+          <p:nvPr>
+            <p:ph type="body" sz="quarter" idx="14"/>
+          </p:nvPr>
+        </p:nvSpPr>
+        <p:spPr/>
+        <p:txBody>
+          <a:bodyPr/>
+          <a:lstStyle/>
+          <a:p>
+            <a:endParaRPr lang="en-US"/>
+          </a:p>
+        </p:txBody>
+      </p:sp>
+      <p:sp>
+        <p:nvSpPr>
+          <p:cNvPr id="3" name="Text Placeholder 2"/>
+          <p:cNvSpPr>
+            <a:spLocks noGrp="1"/>
+          </p:cNvSpPr>
+          <p:nvPr>
+            <p:ph type="body" sz="quarter" idx="13"/>
+          </p:nvPr>
+        </p:nvSpPr>
+        <p:spPr/>
+        <p:txBody>
+          <a:bodyPr/>
+          <a:lstStyle/>
+          <a:p>
+            <a:endParaRPr lang="en-US"/>
+          </a:p>
+        </p:txBody>
+      </p:sp>
+      <p:sp>
+        <p:nvSpPr>
+          <p:cNvPr id="4" name="Title 3"/>
+          <p:cNvSpPr>
+            <a:spLocks noGrp="1"/>
+          </p:cNvSpPr>
+          <p:nvPr>
+            <p:ph type="title"/>
+          </p:nvPr>
+        </p:nvSpPr>
+        <p:spPr>
+          <a:xfrm>
+            <a:off x="685800" y="152400"/>
+            <a:ext cx="5940000" cy="671292"/>
+          </a:xfrm>
+        </p:spPr>
+        <p:txBody>
+          <a:bodyPr/>
+          <a:lstStyle/>
+          <a:p>
+            <a:r>
+              <a:rPr lang="en-US" dirty="0" smtClean="0"/>
+              <a:t>Dash App Architecture </a:t>
+            </a:r>
+            <a:endParaRPr lang="en-US" dirty="0"/>
+          </a:p>
+        </p:txBody>
+      </p:sp>
+      <p:sp>
+        <p:nvSpPr>
+          <p:cNvPr id="5" name="Rectangle 1"/>
+          <p:cNvSpPr>
+            <a:spLocks noChangeArrowheads="1"/>
+          </p:cNvSpPr>
+          <p:nvPr/>
+        </p:nvSpPr>
+        <p:spPr bwMode="auto">
+          <a:xfrm>
+            <a:off x="152400" y="1371600"/>
+            <a:ext cx="8839200" cy="1523494"/>
+          </a:xfrm>
+          <a:prstGeom prst="rect">
+            <a:avLst/>
+          </a:prstGeom>
+          <a:solidFill>
+            <a:srgbClr val="FFFFFF"/>
+          </a:solidFill>
+          <a:ln>
+            <a:noFill/>
+          </a:ln>
+          <a:effectLst/>
+          <a:extLst>
+            <a:ext uri="{91240B29-F687-4F45-9708-019B960494DF}">
+              <a14:hiddenLine xmlns:a14="http://schemas.microsoft.com/office/drawing/2010/main" w="9525">
+                <a:solidFill>
+                  <a:schemeClr val="tx1"/>
+                </a:solidFill>
+                <a:miter lim="800000"/>
+                <a:headEnd/>
+                <a:tailEnd/>
+              </a14:hiddenLine>
+            </a:ext>
+            <a:ext uri="{AF507438-7753-43E0-B8FC-AC1667EBCBE1}">
+              <a14:hiddenEffects xmlns:a14="http://schemas.microsoft.com/office/drawing/2010/main">
+                <a:effectLst>
+                  <a:outerShdw dist="35921" dir="2700000" algn="ctr" rotWithShape="0">
+                    <a:schemeClr val="bg2"/>
+                  </a:outerShdw>
+                </a:effectLst>
+              </a14:hiddenEffects>
+            </a:ext>
+          </a:extLst>
+        </p:spPr>
+        <p:txBody>
+          <a:bodyPr vert="horz" wrap="square" lIns="91440" tIns="0" rIns="91440" bIns="45720" numCol="1" anchor="ctr" anchorCtr="0" compatLnSpc="1">
+            <a:prstTxWarp prst="textNoShape">
+              <a:avLst/>
+            </a:prstTxWarp>
+            <a:spAutoFit/>
+          </a:bodyPr>
+          <a:lstStyle>
+            <a:lvl1pPr eaLnBrk="0" fontAlgn="base" hangingPunct="0">
+              <a:spcBef>
+                <a:spcPct val="0"/>
+              </a:spcBef>
+              <a:spcAft>
+                <a:spcPct val="0"/>
+              </a:spcAft>
+              <a:defRPr>
+                <a:solidFill>
+                  <a:schemeClr val="tx1"/>
+                </a:solidFill>
+                <a:latin typeface="Arial" panose="020B0604020202020204" pitchFamily="34" charset="0"/>
+              </a:defRPr>
+            </a:lvl1pPr>
+            <a:lvl2pPr eaLnBrk="0" fontAlgn="base" hangingPunct="0">
+              <a:spcBef>
+                <a:spcPct val="0"/>
+              </a:spcBef>
+              <a:spcAft>
+                <a:spcPct val="0"/>
+              </a:spcAft>
+              <a:defRPr>
+                <a:solidFill>
+                  <a:schemeClr val="tx1"/>
+                </a:solidFill>
+                <a:latin typeface="Arial" panose="020B0604020202020204" pitchFamily="34" charset="0"/>
+              </a:defRPr>
+            </a:lvl2pPr>
+            <a:lvl3pPr eaLnBrk="0" fontAlgn="base" hangingPunct="0">
+              <a:spcBef>
+                <a:spcPct val="0"/>
+              </a:spcBef>
+              <a:spcAft>
+                <a:spcPct val="0"/>
+              </a:spcAft>
+              <a:defRPr>
+                <a:solidFill>
+                  <a:schemeClr val="tx1"/>
+                </a:solidFill>
+                <a:latin typeface="Arial" panose="020B0604020202020204" pitchFamily="34" charset="0"/>
+              </a:defRPr>
+            </a:lvl3pPr>
+            <a:lvl4pPr eaLnBrk="0" fontAlgn="base" hangingPunct="0">
+              <a:spcBef>
+                <a:spcPct val="0"/>
+              </a:spcBef>
+              <a:spcAft>
+                <a:spcPct val="0"/>
+              </a:spcAft>
+              <a:defRPr>
+                <a:solidFill>
+                  <a:schemeClr val="tx1"/>
+                </a:solidFill>
+                <a:latin typeface="Arial" panose="020B0604020202020204" pitchFamily="34" charset="0"/>
+              </a:defRPr>
+            </a:lvl4pPr>
+            <a:lvl5pPr eaLnBrk="0" fontAlgn="base" hangingPunct="0">
+              <a:spcBef>
+                <a:spcPct val="0"/>
+              </a:spcBef>
+              <a:spcAft>
+                <a:spcPct val="0"/>
+              </a:spcAft>
+              <a:defRPr>
+                <a:solidFill>
+                  <a:schemeClr val="tx1"/>
+                </a:solidFill>
+                <a:latin typeface="Arial" panose="020B0604020202020204" pitchFamily="34" charset="0"/>
+              </a:defRPr>
+            </a:lvl5pPr>
+            <a:lvl6pPr eaLnBrk="0" fontAlgn="base" hangingPunct="0">
+              <a:spcBef>
+                <a:spcPct val="0"/>
+              </a:spcBef>
+              <a:spcAft>
+                <a:spcPct val="0"/>
+              </a:spcAft>
+              <a:defRPr>
+                <a:solidFill>
+                  <a:schemeClr val="tx1"/>
+                </a:solidFill>
+                <a:latin typeface="Arial" panose="020B0604020202020204" pitchFamily="34" charset="0"/>
+              </a:defRPr>
+            </a:lvl6pPr>
+            <a:lvl7pPr eaLnBrk="0" fontAlgn="base" hangingPunct="0">
+              <a:spcBef>
+                <a:spcPct val="0"/>
+              </a:spcBef>
+              <a:spcAft>
+                <a:spcPct val="0"/>
+              </a:spcAft>
+              <a:defRPr>
+                <a:solidFill>
+                  <a:schemeClr val="tx1"/>
+                </a:solidFill>
+                <a:latin typeface="Arial" panose="020B0604020202020204" pitchFamily="34" charset="0"/>
+              </a:defRPr>
+            </a:lvl7pPr>
+            <a:lvl8pPr eaLnBrk="0" fontAlgn="base" hangingPunct="0">
+              <a:spcBef>
+                <a:spcPct val="0"/>
+              </a:spcBef>
+              <a:spcAft>
+                <a:spcPct val="0"/>
+              </a:spcAft>
+              <a:defRPr>
+                <a:solidFill>
+                  <a:schemeClr val="tx1"/>
+                </a:solidFill>
+                <a:latin typeface="Arial" panose="020B0604020202020204" pitchFamily="34" charset="0"/>
+              </a:defRPr>
+            </a:lvl8pPr>
+            <a:lvl9pPr eaLnBrk="0" fontAlgn="base" hangingPunct="0">
+              <a:spcBef>
+                <a:spcPct val="0"/>
+              </a:spcBef>
+              <a:spcAft>
+                <a:spcPct val="0"/>
+              </a:spcAft>
+              <a:defRPr>
+                <a:solidFill>
+                  <a:schemeClr val="tx1"/>
+                </a:solidFill>
+                <a:latin typeface="Arial" panose="020B0604020202020204" pitchFamily="34" charset="0"/>
+              </a:defRPr>
+            </a:lvl9pPr>
+          </a:lstStyle>
+          <a:p>
+            <a:pPr marL="0" marR="0" lvl="0" indent="0" algn="l" defTabSz="914400" rtl="0" eaLnBrk="0" fontAlgn="base" latinLnBrk="0" hangingPunct="0">
+              <a:lnSpc>
+                <a:spcPct val="100000"/>
+              </a:lnSpc>
+              <a:spcBef>
+                <a:spcPct val="0"/>
+              </a:spcBef>
+              <a:spcAft>
+                <a:spcPct val="0"/>
+              </a:spcAft>
+              <a:buClrTx/>
+              <a:buSzTx/>
+              <a:buFontTx/>
+              <a:buNone/>
+              <a:tabLst/>
+            </a:pPr>
+            <a:r>
+              <a:rPr kumimoji="0" lang="en-US" altLang="en-US" sz="1200" b="0" i="0" u="none" strike="noStrike" cap="none" normalizeH="0" baseline="0" dirty="0" smtClean="0">
+                <a:ln>
+                  <a:noFill/>
+                </a:ln>
+                <a:solidFill>
+                  <a:srgbClr val="2A3F5F"/>
+                </a:solidFill>
+                <a:effectLst/>
+                <a:latin typeface="Dosis"/>
+              </a:rPr>
+              <a:t>Structuring a Multi-Page App</a:t>
+            </a:r>
+          </a:p>
+          <a:p>
+            <a:pPr marL="0" marR="0" lvl="0" indent="0" algn="l" defTabSz="914400" rtl="0" eaLnBrk="0" fontAlgn="base" latinLnBrk="0" hangingPunct="0">
+              <a:lnSpc>
+                <a:spcPct val="100000"/>
+              </a:lnSpc>
+              <a:spcBef>
+                <a:spcPct val="0"/>
+              </a:spcBef>
+              <a:spcAft>
+                <a:spcPct val="0"/>
+              </a:spcAft>
+              <a:buClrTx/>
+              <a:buSzTx/>
+              <a:buFontTx/>
+              <a:buNone/>
+              <a:tabLst/>
+            </a:pPr>
+            <a:r>
+              <a:rPr kumimoji="0" lang="en-US" altLang="en-US" sz="1200" b="0" i="0" u="none" strike="noStrike" cap="none" normalizeH="0" baseline="0" dirty="0" smtClean="0">
+                <a:ln>
+                  <a:noFill/>
+                </a:ln>
+                <a:solidFill>
+                  <a:srgbClr val="506784"/>
+                </a:solidFill>
+                <a:effectLst/>
+                <a:latin typeface="Open Sans"/>
+              </a:rPr>
+              <a:t>Here's how to structure a multi-page app, where each app is contained in a separate file.</a:t>
+            </a:r>
+            <a:endParaRPr kumimoji="0" lang="en-US" altLang="en-US" sz="600" b="0" i="0" u="none" strike="noStrike" cap="none" normalizeH="0" baseline="0" dirty="0" smtClean="0">
+              <a:ln>
+                <a:noFill/>
+              </a:ln>
+              <a:solidFill>
+                <a:schemeClr val="tx1"/>
+              </a:solidFill>
+              <a:effectLst/>
+            </a:endParaRPr>
+          </a:p>
+          <a:p>
+            <a:pPr marL="0" marR="0" lvl="0" indent="0" algn="l" defTabSz="914400" rtl="0" eaLnBrk="0" fontAlgn="base" latinLnBrk="0" hangingPunct="0">
+              <a:lnSpc>
+                <a:spcPct val="100000"/>
+              </a:lnSpc>
+              <a:spcBef>
+                <a:spcPct val="0"/>
+              </a:spcBef>
+              <a:spcAft>
+                <a:spcPct val="0"/>
+              </a:spcAft>
+              <a:buClrTx/>
+              <a:buSzTx/>
+              <a:buFontTx/>
+              <a:buNone/>
+              <a:tabLst/>
+            </a:pPr>
+            <a:r>
+              <a:rPr kumimoji="0" lang="en-US" altLang="en-US" sz="1200" b="0" i="0" u="none" strike="noStrike" cap="none" normalizeH="0" baseline="0" dirty="0" smtClean="0">
+                <a:ln>
+                  <a:noFill/>
+                </a:ln>
+                <a:solidFill>
+                  <a:srgbClr val="506784"/>
+                </a:solidFill>
+                <a:effectLst/>
+                <a:latin typeface="Open Sans"/>
+              </a:rPr>
+              <a:t>File structure:</a:t>
+            </a:r>
+            <a:endParaRPr kumimoji="0" lang="en-US" altLang="en-US" sz="1000" b="0" i="0" u="none" strike="noStrike" cap="none" normalizeH="0" baseline="0" dirty="0" smtClean="0">
+              <a:ln>
+                <a:noFill/>
+              </a:ln>
+              <a:solidFill>
+                <a:srgbClr val="506784"/>
+              </a:solidFill>
+              <a:effectLst/>
+              <a:latin typeface="Arial Unicode MS"/>
+            </a:endParaRPr>
+          </a:p>
+          <a:p>
+            <a:pPr marL="171450" marR="0" lvl="0" indent="-171450" algn="l" defTabSz="914400" rtl="0" eaLnBrk="0" fontAlgn="base" latinLnBrk="0" hangingPunct="0">
+              <a:lnSpc>
+                <a:spcPct val="100000"/>
+              </a:lnSpc>
+              <a:spcBef>
+                <a:spcPct val="0"/>
+              </a:spcBef>
+              <a:spcAft>
+                <a:spcPct val="0"/>
+              </a:spcAft>
+              <a:buClrTx/>
+              <a:buSzTx/>
+              <a:buFontTx/>
+              <a:buChar char="-"/>
+              <a:tabLst/>
+            </a:pPr>
+            <a:r>
+              <a:rPr kumimoji="0" lang="en-US" altLang="en-US" sz="1000" b="0" i="0" u="none" strike="noStrike" cap="none" normalizeH="0" baseline="0" dirty="0" smtClean="0">
+                <a:ln>
+                  <a:noFill/>
+                </a:ln>
+                <a:solidFill>
+                  <a:srgbClr val="506784"/>
+                </a:solidFill>
+                <a:effectLst/>
+                <a:latin typeface="Arial Unicode MS"/>
+              </a:rPr>
+              <a:t>app.py</a:t>
+            </a:r>
+          </a:p>
+          <a:p>
+            <a:pPr marL="171450" marR="0" lvl="0" indent="-171450" algn="l" defTabSz="914400" rtl="0" eaLnBrk="0" fontAlgn="base" latinLnBrk="0" hangingPunct="0">
+              <a:lnSpc>
+                <a:spcPct val="100000"/>
+              </a:lnSpc>
+              <a:spcBef>
+                <a:spcPct val="0"/>
+              </a:spcBef>
+              <a:spcAft>
+                <a:spcPct val="0"/>
+              </a:spcAft>
+              <a:buClrTx/>
+              <a:buSzTx/>
+              <a:buFontTx/>
+              <a:buChar char="-"/>
+              <a:tabLst/>
+            </a:pPr>
+            <a:r>
+              <a:rPr kumimoji="0" lang="en-US" altLang="en-US" sz="1000" b="0" i="0" u="none" strike="noStrike" cap="none" normalizeH="0" baseline="0" dirty="0" smtClean="0">
+                <a:ln>
+                  <a:noFill/>
+                </a:ln>
+                <a:solidFill>
+                  <a:srgbClr val="506784"/>
+                </a:solidFill>
+                <a:effectLst/>
+                <a:latin typeface="Arial Unicode MS"/>
+              </a:rPr>
+              <a:t>index.py </a:t>
+            </a:r>
+          </a:p>
+          <a:p>
+            <a:pPr marL="171450" marR="0" lvl="0" indent="-171450" algn="l" defTabSz="914400" rtl="0" eaLnBrk="0" fontAlgn="base" latinLnBrk="0" hangingPunct="0">
+              <a:lnSpc>
+                <a:spcPct val="100000"/>
+              </a:lnSpc>
+              <a:spcBef>
+                <a:spcPct val="0"/>
+              </a:spcBef>
+              <a:spcAft>
+                <a:spcPct val="0"/>
+              </a:spcAft>
+              <a:buClrTx/>
+              <a:buSzTx/>
+              <a:buFontTx/>
+              <a:buChar char="-"/>
+              <a:tabLst/>
+            </a:pPr>
+            <a:r>
+              <a:rPr kumimoji="0" lang="en-US" altLang="en-US" sz="1000" b="0" i="0" u="none" strike="noStrike" cap="none" normalizeH="0" baseline="0" dirty="0" smtClean="0">
+                <a:ln>
+                  <a:noFill/>
+                </a:ln>
+                <a:solidFill>
+                  <a:srgbClr val="506784"/>
+                </a:solidFill>
+                <a:effectLst/>
+                <a:latin typeface="Arial Unicode MS"/>
+              </a:rPr>
+              <a:t>apps </a:t>
+            </a:r>
+          </a:p>
+          <a:p>
+            <a:pPr marR="0" lvl="0" algn="l" defTabSz="914400" rtl="0" eaLnBrk="0" fontAlgn="base" latinLnBrk="0" hangingPunct="0">
+              <a:lnSpc>
+                <a:spcPct val="100000"/>
+              </a:lnSpc>
+              <a:spcBef>
+                <a:spcPct val="0"/>
+              </a:spcBef>
+              <a:spcAft>
+                <a:spcPct val="0"/>
+              </a:spcAft>
+              <a:buClrTx/>
+              <a:buSzTx/>
+              <a:tabLst/>
+            </a:pPr>
+            <a:r>
+              <a:rPr lang="en-US" altLang="en-US" sz="1000" dirty="0" smtClean="0">
+                <a:solidFill>
+                  <a:srgbClr val="506784"/>
+                </a:solidFill>
+                <a:latin typeface="Arial Unicode MS"/>
+              </a:rPr>
+              <a:t>           </a:t>
+            </a:r>
+            <a:r>
+              <a:rPr lang="en-US" altLang="en-US" sz="1000" dirty="0">
+                <a:solidFill>
+                  <a:srgbClr val="506784"/>
+                </a:solidFill>
+                <a:latin typeface="Arial Unicode MS"/>
+              </a:rPr>
+              <a:t>	</a:t>
+            </a:r>
+            <a:r>
+              <a:rPr kumimoji="0" lang="en-US" altLang="en-US" sz="1000" b="0" i="0" u="none" strike="noStrike" cap="none" normalizeH="0" baseline="0" dirty="0" smtClean="0">
+                <a:ln>
+                  <a:noFill/>
+                </a:ln>
+                <a:solidFill>
+                  <a:srgbClr val="506784"/>
+                </a:solidFill>
+                <a:effectLst/>
+                <a:latin typeface="Arial Unicode MS"/>
+              </a:rPr>
+              <a:t>-- __init__.py </a:t>
+            </a:r>
+          </a:p>
+          <a:p>
+            <a:pPr marR="0" lvl="0" algn="l" defTabSz="914400" rtl="0" eaLnBrk="0" fontAlgn="base" latinLnBrk="0" hangingPunct="0">
+              <a:lnSpc>
+                <a:spcPct val="100000"/>
+              </a:lnSpc>
+              <a:spcBef>
+                <a:spcPct val="0"/>
+              </a:spcBef>
+              <a:spcAft>
+                <a:spcPct val="0"/>
+              </a:spcAft>
+              <a:buClrTx/>
+              <a:buSzTx/>
+              <a:tabLst/>
+            </a:pPr>
+            <a:r>
+              <a:rPr lang="en-US" altLang="en-US" sz="1000" dirty="0">
+                <a:solidFill>
+                  <a:srgbClr val="506784"/>
+                </a:solidFill>
+                <a:latin typeface="Arial Unicode MS"/>
+              </a:rPr>
+              <a:t>	</a:t>
+            </a:r>
+            <a:r>
+              <a:rPr kumimoji="0" lang="en-US" altLang="en-US" sz="1000" b="0" i="0" u="none" strike="noStrike" cap="none" normalizeH="0" baseline="0" dirty="0" smtClean="0">
+                <a:ln>
+                  <a:noFill/>
+                </a:ln>
+                <a:solidFill>
+                  <a:srgbClr val="506784"/>
+                </a:solidFill>
+                <a:effectLst/>
+                <a:latin typeface="Arial Unicode MS"/>
+              </a:rPr>
+              <a:t>-- app1.py </a:t>
+            </a:r>
+          </a:p>
+          <a:p>
+            <a:pPr marR="0" lvl="0" algn="l" defTabSz="914400" rtl="0" eaLnBrk="0" fontAlgn="base" latinLnBrk="0" hangingPunct="0">
+              <a:lnSpc>
+                <a:spcPct val="100000"/>
+              </a:lnSpc>
+              <a:spcBef>
+                <a:spcPct val="0"/>
+              </a:spcBef>
+              <a:spcAft>
+                <a:spcPct val="0"/>
+              </a:spcAft>
+              <a:buClrTx/>
+              <a:buSzTx/>
+              <a:tabLst/>
+            </a:pPr>
+            <a:r>
+              <a:rPr lang="en-US" altLang="en-US" sz="1000" dirty="0">
+                <a:solidFill>
+                  <a:srgbClr val="506784"/>
+                </a:solidFill>
+                <a:latin typeface="Arial Unicode MS"/>
+              </a:rPr>
+              <a:t>	</a:t>
+            </a:r>
+            <a:r>
+              <a:rPr kumimoji="0" lang="en-US" altLang="en-US" sz="1000" b="0" i="0" u="none" strike="noStrike" cap="none" normalizeH="0" baseline="0" dirty="0" smtClean="0">
+                <a:ln>
+                  <a:noFill/>
+                </a:ln>
+                <a:solidFill>
+                  <a:srgbClr val="506784"/>
+                </a:solidFill>
+                <a:effectLst/>
+                <a:latin typeface="Arial Unicode MS"/>
+              </a:rPr>
+              <a:t>-- app2.py</a:t>
+            </a:r>
+            <a:r>
+              <a:rPr kumimoji="0" lang="en-US" altLang="en-US" sz="600" b="0" i="0" u="none" strike="noStrike" cap="none" normalizeH="0" baseline="0" dirty="0" smtClean="0">
+                <a:ln>
+                  <a:noFill/>
+                </a:ln>
+                <a:solidFill>
+                  <a:schemeClr val="tx1"/>
+                </a:solidFill>
+                <a:effectLst/>
+              </a:rPr>
+              <a:t> </a:t>
+            </a:r>
+            <a:endParaRPr kumimoji="0" lang="en-US" altLang="en-US" sz="1800" b="0" i="0" u="none" strike="noStrike" cap="none" normalizeH="0" baseline="0" dirty="0" smtClean="0">
+              <a:ln>
+                <a:noFill/>
+              </a:ln>
+              <a:solidFill>
+                <a:schemeClr val="tx1"/>
+              </a:solidFill>
+              <a:effectLst/>
+              <a:latin typeface="Arial" panose="020B0604020202020204" pitchFamily="34" charset="0"/>
+            </a:endParaRPr>
+          </a:p>
+        </p:txBody>
+      </p:sp>
+      <p:sp>
+        <p:nvSpPr>
+          <p:cNvPr id="7" name="Rectangle 3"/>
+          <p:cNvSpPr>
+            <a:spLocks noChangeArrowheads="1"/>
+          </p:cNvSpPr>
+          <p:nvPr/>
+        </p:nvSpPr>
+        <p:spPr bwMode="auto">
+          <a:xfrm>
+            <a:off x="152400" y="3069367"/>
+            <a:ext cx="8839200" cy="2954655"/>
+          </a:xfrm>
+          <a:prstGeom prst="rect">
+            <a:avLst/>
+          </a:prstGeom>
+          <a:solidFill>
+            <a:srgbClr val="F3F6FB"/>
+          </a:solidFill>
+          <a:ln>
+            <a:noFill/>
+          </a:ln>
+          <a:effectLst/>
+          <a:extLst>
+            <a:ext uri="{91240B29-F687-4F45-9708-019B960494DF}">
+              <a14:hiddenLine xmlns:a14="http://schemas.microsoft.com/office/drawing/2010/main" w="9525">
+                <a:solidFill>
+                  <a:schemeClr val="tx1"/>
+                </a:solidFill>
+                <a:miter lim="800000"/>
+                <a:headEnd/>
+                <a:tailEnd/>
+              </a14:hiddenLine>
+            </a:ext>
+            <a:ext uri="{AF507438-7753-43E0-B8FC-AC1667EBCBE1}">
+              <a14:hiddenEffects xmlns:a14="http://schemas.microsoft.com/office/drawing/2010/main">
+                <a:effectLst>
+                  <a:outerShdw dist="35921" dir="2700000" algn="ctr" rotWithShape="0">
+                    <a:schemeClr val="bg2"/>
+                  </a:outerShdw>
+                </a:effectLst>
+              </a14:hiddenEffects>
+            </a:ext>
+          </a:extLst>
+        </p:spPr>
+        <p:txBody>
+          <a:bodyPr vert="horz" wrap="square" lIns="91440" tIns="45720" rIns="91440" bIns="45720" numCol="1" anchor="ctr" anchorCtr="0" compatLnSpc="1">
+            <a:prstTxWarp prst="textNoShape">
+              <a:avLst/>
+            </a:prstTxWarp>
+            <a:spAutoFit/>
+          </a:bodyPr>
+          <a:lstStyle>
+            <a:lvl1pPr eaLnBrk="0" fontAlgn="base" hangingPunct="0">
+              <a:spcBef>
+                <a:spcPct val="0"/>
+              </a:spcBef>
+              <a:spcAft>
+                <a:spcPct val="0"/>
+              </a:spcAft>
+              <a:defRPr>
+                <a:solidFill>
+                  <a:schemeClr val="tx1"/>
+                </a:solidFill>
+                <a:latin typeface="Arial" panose="020B0604020202020204" pitchFamily="34" charset="0"/>
+              </a:defRPr>
+            </a:lvl1pPr>
+            <a:lvl2pPr eaLnBrk="0" fontAlgn="base" hangingPunct="0">
+              <a:spcBef>
+                <a:spcPct val="0"/>
+              </a:spcBef>
+              <a:spcAft>
+                <a:spcPct val="0"/>
+              </a:spcAft>
+              <a:defRPr>
+                <a:solidFill>
+                  <a:schemeClr val="tx1"/>
+                </a:solidFill>
+                <a:latin typeface="Arial" panose="020B0604020202020204" pitchFamily="34" charset="0"/>
+              </a:defRPr>
+            </a:lvl2pPr>
+            <a:lvl3pPr eaLnBrk="0" fontAlgn="base" hangingPunct="0">
+              <a:spcBef>
+                <a:spcPct val="0"/>
+              </a:spcBef>
+              <a:spcAft>
+                <a:spcPct val="0"/>
+              </a:spcAft>
+              <a:defRPr>
+                <a:solidFill>
+                  <a:schemeClr val="tx1"/>
+                </a:solidFill>
+                <a:latin typeface="Arial" panose="020B0604020202020204" pitchFamily="34" charset="0"/>
+              </a:defRPr>
+            </a:lvl3pPr>
+            <a:lvl4pPr eaLnBrk="0" fontAlgn="base" hangingPunct="0">
+              <a:spcBef>
+                <a:spcPct val="0"/>
+              </a:spcBef>
+              <a:spcAft>
+                <a:spcPct val="0"/>
+              </a:spcAft>
+              <a:defRPr>
+                <a:solidFill>
+                  <a:schemeClr val="tx1"/>
+                </a:solidFill>
+                <a:latin typeface="Arial" panose="020B0604020202020204" pitchFamily="34" charset="0"/>
+              </a:defRPr>
+            </a:lvl4pPr>
+            <a:lvl5pPr eaLnBrk="0" fontAlgn="base" hangingPunct="0">
+              <a:spcBef>
+                <a:spcPct val="0"/>
+              </a:spcBef>
+              <a:spcAft>
+                <a:spcPct val="0"/>
+              </a:spcAft>
+              <a:defRPr>
+                <a:solidFill>
+                  <a:schemeClr val="tx1"/>
+                </a:solidFill>
+                <a:latin typeface="Arial" panose="020B0604020202020204" pitchFamily="34" charset="0"/>
+              </a:defRPr>
+            </a:lvl5pPr>
+            <a:lvl6pPr eaLnBrk="0" fontAlgn="base" hangingPunct="0">
+              <a:spcBef>
+                <a:spcPct val="0"/>
+              </a:spcBef>
+              <a:spcAft>
+                <a:spcPct val="0"/>
+              </a:spcAft>
+              <a:defRPr>
+                <a:solidFill>
+                  <a:schemeClr val="tx1"/>
+                </a:solidFill>
+                <a:latin typeface="Arial" panose="020B0604020202020204" pitchFamily="34" charset="0"/>
+              </a:defRPr>
+            </a:lvl6pPr>
+            <a:lvl7pPr eaLnBrk="0" fontAlgn="base" hangingPunct="0">
+              <a:spcBef>
+                <a:spcPct val="0"/>
+              </a:spcBef>
+              <a:spcAft>
+                <a:spcPct val="0"/>
+              </a:spcAft>
+              <a:defRPr>
+                <a:solidFill>
+                  <a:schemeClr val="tx1"/>
+                </a:solidFill>
+                <a:latin typeface="Arial" panose="020B0604020202020204" pitchFamily="34" charset="0"/>
+              </a:defRPr>
+            </a:lvl7pPr>
+            <a:lvl8pPr eaLnBrk="0" fontAlgn="base" hangingPunct="0">
+              <a:spcBef>
+                <a:spcPct val="0"/>
+              </a:spcBef>
+              <a:spcAft>
+                <a:spcPct val="0"/>
+              </a:spcAft>
+              <a:defRPr>
+                <a:solidFill>
+                  <a:schemeClr val="tx1"/>
+                </a:solidFill>
+                <a:latin typeface="Arial" panose="020B0604020202020204" pitchFamily="34" charset="0"/>
+              </a:defRPr>
+            </a:lvl8pPr>
+            <a:lvl9pPr eaLnBrk="0" fontAlgn="base" hangingPunct="0">
+              <a:spcBef>
+                <a:spcPct val="0"/>
+              </a:spcBef>
+              <a:spcAft>
+                <a:spcPct val="0"/>
+              </a:spcAft>
+              <a:defRPr>
+                <a:solidFill>
+                  <a:schemeClr val="tx1"/>
+                </a:solidFill>
+                <a:latin typeface="Arial" panose="020B0604020202020204" pitchFamily="34" charset="0"/>
+              </a:defRPr>
+            </a:lvl9pPr>
+          </a:lstStyle>
+          <a:p>
+            <a:pPr marL="0" marR="0" lvl="0" indent="0" algn="l" defTabSz="914400" rtl="0" eaLnBrk="0" fontAlgn="base" latinLnBrk="0" hangingPunct="0">
+              <a:lnSpc>
+                <a:spcPct val="100000"/>
+              </a:lnSpc>
+              <a:spcBef>
+                <a:spcPct val="0"/>
+              </a:spcBef>
+              <a:spcAft>
+                <a:spcPct val="0"/>
+              </a:spcAft>
+              <a:buClrTx/>
+              <a:buSzTx/>
+              <a:buFontTx/>
+              <a:buNone/>
+              <a:tabLst/>
+            </a:pPr>
+            <a:r>
+              <a:rPr kumimoji="0" lang="en-US" altLang="en-US" sz="1200" b="0" i="0" u="none" strike="noStrike" cap="none" normalizeH="0" baseline="0" dirty="0" smtClean="0">
+                <a:ln>
+                  <a:noFill/>
+                </a:ln>
+                <a:solidFill>
+                  <a:srgbClr val="506784"/>
+                </a:solidFill>
+                <a:effectLst/>
+                <a:latin typeface="Open Sans"/>
+              </a:rPr>
+              <a:t>It is worth noting that in both of these project structures, the Dash instance is defined in a separate </a:t>
+            </a:r>
+            <a:r>
+              <a:rPr kumimoji="0" lang="en-US" altLang="en-US" sz="900" b="0" i="0" u="none" strike="noStrike" cap="none" normalizeH="0" baseline="0" dirty="0" smtClean="0">
+                <a:ln>
+                  <a:noFill/>
+                </a:ln>
+                <a:solidFill>
+                  <a:srgbClr val="506784"/>
+                </a:solidFill>
+                <a:effectLst/>
+                <a:latin typeface="Arial Unicode MS"/>
+              </a:rPr>
+              <a:t>app.py</a:t>
+            </a:r>
+            <a:r>
+              <a:rPr kumimoji="0" lang="en-US" altLang="en-US" sz="1200" b="0" i="0" u="none" strike="noStrike" cap="none" normalizeH="0" baseline="0" dirty="0" smtClean="0">
+                <a:ln>
+                  <a:noFill/>
+                </a:ln>
+                <a:solidFill>
+                  <a:srgbClr val="506784"/>
+                </a:solidFill>
+                <a:effectLst/>
+                <a:latin typeface="Open Sans"/>
+              </a:rPr>
+              <a:t>, while the entry point for </a:t>
+            </a:r>
+          </a:p>
+          <a:p>
+            <a:pPr marL="0" marR="0" lvl="0" indent="0" algn="l" defTabSz="914400" rtl="0" eaLnBrk="0" fontAlgn="base" latinLnBrk="0" hangingPunct="0">
+              <a:lnSpc>
+                <a:spcPct val="100000"/>
+              </a:lnSpc>
+              <a:spcBef>
+                <a:spcPct val="0"/>
+              </a:spcBef>
+              <a:spcAft>
+                <a:spcPct val="0"/>
+              </a:spcAft>
+              <a:buClrTx/>
+              <a:buSzTx/>
+              <a:buFontTx/>
+              <a:buNone/>
+              <a:tabLst/>
+            </a:pPr>
+            <a:endParaRPr lang="en-US" altLang="en-US" sz="1200" dirty="0">
+              <a:solidFill>
+                <a:srgbClr val="506784"/>
+              </a:solidFill>
+              <a:latin typeface="Open Sans"/>
+            </a:endParaRPr>
+          </a:p>
+          <a:p>
+            <a:pPr marL="0" marR="0" lvl="0" indent="0" algn="l" defTabSz="914400" rtl="0" eaLnBrk="0" fontAlgn="base" latinLnBrk="0" hangingPunct="0">
+              <a:lnSpc>
+                <a:spcPct val="100000"/>
+              </a:lnSpc>
+              <a:spcBef>
+                <a:spcPct val="0"/>
+              </a:spcBef>
+              <a:spcAft>
+                <a:spcPct val="0"/>
+              </a:spcAft>
+              <a:buClrTx/>
+              <a:buSzTx/>
+              <a:buFontTx/>
+              <a:buNone/>
+              <a:tabLst/>
+            </a:pPr>
+            <a:r>
+              <a:rPr kumimoji="0" lang="en-US" altLang="en-US" sz="1200" b="0" i="0" u="none" strike="noStrike" cap="none" normalizeH="0" baseline="0" dirty="0" smtClean="0">
+                <a:ln>
+                  <a:noFill/>
+                </a:ln>
+                <a:solidFill>
+                  <a:srgbClr val="506784"/>
+                </a:solidFill>
+                <a:effectLst/>
+                <a:latin typeface="Open Sans"/>
+              </a:rPr>
+              <a:t>running the app is </a:t>
+            </a:r>
+            <a:r>
+              <a:rPr kumimoji="0" lang="en-US" altLang="en-US" sz="900" b="0" i="0" u="none" strike="noStrike" cap="none" normalizeH="0" baseline="0" dirty="0" smtClean="0">
+                <a:ln>
+                  <a:noFill/>
+                </a:ln>
+                <a:solidFill>
+                  <a:srgbClr val="506784"/>
+                </a:solidFill>
+                <a:effectLst/>
+                <a:latin typeface="Arial Unicode MS"/>
+              </a:rPr>
+              <a:t>index.py</a:t>
+            </a:r>
+            <a:r>
+              <a:rPr kumimoji="0" lang="en-US" altLang="en-US" sz="1200" b="0" i="0" u="none" strike="noStrike" cap="none" normalizeH="0" baseline="0" dirty="0" smtClean="0">
+                <a:ln>
+                  <a:noFill/>
+                </a:ln>
+                <a:solidFill>
+                  <a:srgbClr val="506784"/>
+                </a:solidFill>
+                <a:effectLst/>
+                <a:latin typeface="Open Sans"/>
+              </a:rPr>
+              <a:t>. </a:t>
+            </a:r>
+          </a:p>
+          <a:p>
+            <a:pPr marL="0" marR="0" lvl="0" indent="0" algn="l" defTabSz="914400" rtl="0" eaLnBrk="0" fontAlgn="base" latinLnBrk="0" hangingPunct="0">
+              <a:lnSpc>
+                <a:spcPct val="100000"/>
+              </a:lnSpc>
+              <a:spcBef>
+                <a:spcPct val="0"/>
+              </a:spcBef>
+              <a:spcAft>
+                <a:spcPct val="0"/>
+              </a:spcAft>
+              <a:buClrTx/>
+              <a:buSzTx/>
+              <a:buFontTx/>
+              <a:buNone/>
+              <a:tabLst/>
+            </a:pPr>
+            <a:endParaRPr kumimoji="0" lang="en-US" altLang="en-US" sz="1200" b="0" i="0" u="none" strike="noStrike" cap="none" normalizeH="0" baseline="0" dirty="0" smtClean="0">
+              <a:ln>
+                <a:noFill/>
+              </a:ln>
+              <a:solidFill>
+                <a:srgbClr val="506784"/>
+              </a:solidFill>
+              <a:effectLst/>
+              <a:latin typeface="Open Sans"/>
+            </a:endParaRPr>
+          </a:p>
+          <a:p>
+            <a:pPr marL="0" marR="0" lvl="0" indent="0" algn="l" defTabSz="914400" rtl="0" eaLnBrk="0" fontAlgn="base" latinLnBrk="0" hangingPunct="0">
+              <a:lnSpc>
+                <a:spcPct val="100000"/>
+              </a:lnSpc>
+              <a:spcBef>
+                <a:spcPct val="0"/>
+              </a:spcBef>
+              <a:spcAft>
+                <a:spcPct val="0"/>
+              </a:spcAft>
+              <a:buClrTx/>
+              <a:buSzTx/>
+              <a:buFontTx/>
+              <a:buNone/>
+              <a:tabLst/>
+            </a:pPr>
+            <a:r>
+              <a:rPr kumimoji="0" lang="en-US" altLang="en-US" sz="1200" b="0" i="0" u="none" strike="noStrike" cap="none" normalizeH="0" baseline="0" dirty="0" smtClean="0">
+                <a:ln>
+                  <a:noFill/>
+                </a:ln>
+                <a:solidFill>
+                  <a:srgbClr val="506784"/>
+                </a:solidFill>
+                <a:effectLst/>
+                <a:latin typeface="Open Sans"/>
+              </a:rPr>
+              <a:t>This separation is required to avoid circular imports: the files containing the callback definitions require access to the </a:t>
+            </a:r>
+          </a:p>
+          <a:p>
+            <a:pPr marL="0" marR="0" lvl="0" indent="0" algn="l" defTabSz="914400" rtl="0" eaLnBrk="0" fontAlgn="base" latinLnBrk="0" hangingPunct="0">
+              <a:lnSpc>
+                <a:spcPct val="100000"/>
+              </a:lnSpc>
+              <a:spcBef>
+                <a:spcPct val="0"/>
+              </a:spcBef>
+              <a:spcAft>
+                <a:spcPct val="0"/>
+              </a:spcAft>
+              <a:buClrTx/>
+              <a:buSzTx/>
+              <a:buFontTx/>
+              <a:buNone/>
+              <a:tabLst/>
+            </a:pPr>
+            <a:endParaRPr lang="en-US" altLang="en-US" sz="1200" dirty="0">
+              <a:solidFill>
+                <a:srgbClr val="506784"/>
+              </a:solidFill>
+              <a:latin typeface="Open Sans"/>
+            </a:endParaRPr>
+          </a:p>
+          <a:p>
+            <a:pPr marL="0" marR="0" lvl="0" indent="0" algn="l" defTabSz="914400" rtl="0" eaLnBrk="0" fontAlgn="base" latinLnBrk="0" hangingPunct="0">
+              <a:lnSpc>
+                <a:spcPct val="100000"/>
+              </a:lnSpc>
+              <a:spcBef>
+                <a:spcPct val="0"/>
+              </a:spcBef>
+              <a:spcAft>
+                <a:spcPct val="0"/>
+              </a:spcAft>
+              <a:buClrTx/>
+              <a:buSzTx/>
+              <a:buFontTx/>
+              <a:buNone/>
+              <a:tabLst/>
+            </a:pPr>
+            <a:r>
+              <a:rPr kumimoji="0" lang="en-US" altLang="en-US" sz="1200" b="0" i="0" u="none" strike="noStrike" cap="none" normalizeH="0" baseline="0" dirty="0" smtClean="0">
+                <a:ln>
+                  <a:noFill/>
+                </a:ln>
+                <a:solidFill>
+                  <a:srgbClr val="506784"/>
+                </a:solidFill>
+                <a:effectLst/>
+                <a:latin typeface="Open Sans"/>
+              </a:rPr>
+              <a:t>Dash </a:t>
+            </a:r>
+            <a:r>
+              <a:rPr kumimoji="0" lang="en-US" altLang="en-US" sz="900" b="0" i="0" u="none" strike="noStrike" cap="none" normalizeH="0" baseline="0" dirty="0" smtClean="0">
+                <a:ln>
+                  <a:noFill/>
+                </a:ln>
+                <a:solidFill>
+                  <a:srgbClr val="506784"/>
+                </a:solidFill>
+                <a:effectLst/>
+                <a:latin typeface="Arial Unicode MS"/>
+              </a:rPr>
+              <a:t>app</a:t>
+            </a:r>
+            <a:r>
+              <a:rPr kumimoji="0" lang="en-US" altLang="en-US" sz="1200" b="0" i="0" u="none" strike="noStrike" cap="none" normalizeH="0" baseline="0" dirty="0" smtClean="0">
+                <a:ln>
+                  <a:noFill/>
+                </a:ln>
+                <a:solidFill>
+                  <a:srgbClr val="506784"/>
+                </a:solidFill>
+                <a:effectLst/>
+                <a:latin typeface="Open Sans"/>
+              </a:rPr>
+              <a:t> instance however if this were imported from </a:t>
+            </a:r>
+            <a:r>
+              <a:rPr kumimoji="0" lang="en-US" altLang="en-US" sz="900" b="0" i="0" u="none" strike="noStrike" cap="none" normalizeH="0" baseline="0" dirty="0" smtClean="0">
+                <a:ln>
+                  <a:noFill/>
+                </a:ln>
+                <a:solidFill>
+                  <a:srgbClr val="506784"/>
+                </a:solidFill>
+                <a:effectLst/>
+                <a:latin typeface="Arial Unicode MS"/>
+              </a:rPr>
+              <a:t>index.py</a:t>
+            </a:r>
+            <a:r>
+              <a:rPr kumimoji="0" lang="en-US" altLang="en-US" sz="1200" b="0" i="0" u="none" strike="noStrike" cap="none" normalizeH="0" baseline="0" dirty="0" smtClean="0">
+                <a:ln>
+                  <a:noFill/>
+                </a:ln>
+                <a:solidFill>
+                  <a:srgbClr val="506784"/>
+                </a:solidFill>
+                <a:effectLst/>
+                <a:latin typeface="Open Sans"/>
+              </a:rPr>
+              <a:t>, the initial loading of </a:t>
+            </a:r>
+            <a:r>
+              <a:rPr kumimoji="0" lang="en-US" altLang="en-US" sz="900" b="0" i="0" u="none" strike="noStrike" cap="none" normalizeH="0" baseline="0" dirty="0" smtClean="0">
+                <a:ln>
+                  <a:noFill/>
+                </a:ln>
+                <a:solidFill>
+                  <a:srgbClr val="506784"/>
+                </a:solidFill>
+                <a:effectLst/>
+                <a:latin typeface="Arial Unicode MS"/>
+              </a:rPr>
+              <a:t>index.py</a:t>
+            </a:r>
+            <a:r>
+              <a:rPr kumimoji="0" lang="en-US" altLang="en-US" sz="1200" b="0" i="0" u="none" strike="noStrike" cap="none" normalizeH="0" baseline="0" dirty="0" smtClean="0">
+                <a:ln>
+                  <a:noFill/>
+                </a:ln>
+                <a:solidFill>
+                  <a:srgbClr val="506784"/>
+                </a:solidFill>
+                <a:effectLst/>
+                <a:latin typeface="Open Sans"/>
+              </a:rPr>
+              <a:t> </a:t>
+            </a:r>
+          </a:p>
+          <a:p>
+            <a:pPr marL="0" marR="0" lvl="0" indent="0" algn="l" defTabSz="914400" rtl="0" eaLnBrk="0" fontAlgn="base" latinLnBrk="0" hangingPunct="0">
+              <a:lnSpc>
+                <a:spcPct val="100000"/>
+              </a:lnSpc>
+              <a:spcBef>
+                <a:spcPct val="0"/>
+              </a:spcBef>
+              <a:spcAft>
+                <a:spcPct val="0"/>
+              </a:spcAft>
+              <a:buClrTx/>
+              <a:buSzTx/>
+              <a:buFontTx/>
+              <a:buNone/>
+              <a:tabLst/>
+            </a:pPr>
+            <a:endParaRPr kumimoji="0" lang="en-US" altLang="en-US" sz="1200" b="0" i="0" u="none" strike="noStrike" cap="none" normalizeH="0" baseline="0" dirty="0" smtClean="0">
+              <a:ln>
+                <a:noFill/>
+              </a:ln>
+              <a:solidFill>
+                <a:srgbClr val="506784"/>
+              </a:solidFill>
+              <a:effectLst/>
+              <a:latin typeface="Open Sans"/>
+            </a:endParaRPr>
+          </a:p>
+          <a:p>
+            <a:pPr marL="0" marR="0" lvl="0" indent="0" algn="l" defTabSz="914400" rtl="0" eaLnBrk="0" fontAlgn="base" latinLnBrk="0" hangingPunct="0">
+              <a:lnSpc>
+                <a:spcPct val="100000"/>
+              </a:lnSpc>
+              <a:spcBef>
+                <a:spcPct val="0"/>
+              </a:spcBef>
+              <a:spcAft>
+                <a:spcPct val="0"/>
+              </a:spcAft>
+              <a:buClrTx/>
+              <a:buSzTx/>
+              <a:buFontTx/>
+              <a:buNone/>
+              <a:tabLst/>
+            </a:pPr>
+            <a:r>
+              <a:rPr kumimoji="0" lang="en-US" altLang="en-US" sz="1200" b="0" i="0" u="none" strike="noStrike" cap="none" normalizeH="0" baseline="0" dirty="0" smtClean="0">
+                <a:ln>
+                  <a:noFill/>
+                </a:ln>
+                <a:solidFill>
+                  <a:srgbClr val="506784"/>
+                </a:solidFill>
+                <a:effectLst/>
+                <a:latin typeface="Open Sans"/>
+              </a:rPr>
+              <a:t>would ultimately require itself to be already imported, which cannot be satisfied.</a:t>
+            </a:r>
+            <a:r>
+              <a:rPr kumimoji="0" lang="en-US" altLang="en-US" sz="600" b="0" i="0" u="none" strike="noStrike" cap="none" normalizeH="0" baseline="0" dirty="0" smtClean="0">
+                <a:ln>
+                  <a:noFill/>
+                </a:ln>
+                <a:solidFill>
+                  <a:schemeClr val="tx1"/>
+                </a:solidFill>
+                <a:effectLst/>
+              </a:rPr>
+              <a:t> </a:t>
+            </a:r>
+          </a:p>
+          <a:p>
+            <a:pPr marL="0" marR="0" lvl="0" indent="0" algn="l" defTabSz="914400" rtl="0" eaLnBrk="0" fontAlgn="base" latinLnBrk="0" hangingPunct="0">
+              <a:lnSpc>
+                <a:spcPct val="100000"/>
+              </a:lnSpc>
+              <a:spcBef>
+                <a:spcPct val="0"/>
+              </a:spcBef>
+              <a:spcAft>
+                <a:spcPct val="0"/>
+              </a:spcAft>
+              <a:buClrTx/>
+              <a:buSzTx/>
+              <a:buFontTx/>
+              <a:buNone/>
+              <a:tabLst/>
+            </a:pPr>
+            <a:endParaRPr lang="en-US" altLang="en-US" sz="600" dirty="0">
+              <a:latin typeface="Arial" panose="020B0604020202020204" pitchFamily="34" charset="0"/>
+            </a:endParaRPr>
+          </a:p>
+          <a:p>
+            <a:pPr marL="0" marR="0" lvl="0" indent="0" algn="l" defTabSz="914400" rtl="0" eaLnBrk="0" fontAlgn="base" latinLnBrk="0" hangingPunct="0">
+              <a:lnSpc>
+                <a:spcPct val="100000"/>
+              </a:lnSpc>
+              <a:spcBef>
+                <a:spcPct val="0"/>
+              </a:spcBef>
+              <a:spcAft>
+                <a:spcPct val="0"/>
+              </a:spcAft>
+              <a:buClrTx/>
+              <a:buSzTx/>
+              <a:buFontTx/>
+              <a:buNone/>
+              <a:tabLst/>
+            </a:pPr>
+            <a:endParaRPr kumimoji="0" lang="en-US" altLang="en-US" sz="600" b="0" i="0" u="none" strike="noStrike" cap="none" normalizeH="0" baseline="0" dirty="0" smtClean="0">
+              <a:ln>
+                <a:noFill/>
+              </a:ln>
+              <a:solidFill>
+                <a:schemeClr val="tx1"/>
+              </a:solidFill>
+              <a:effectLst/>
+            </a:endParaRPr>
+          </a:p>
+          <a:p>
+            <a:pPr marL="0" marR="0" lvl="0" indent="0" algn="l" defTabSz="914400" rtl="0" eaLnBrk="0" fontAlgn="base" latinLnBrk="0" hangingPunct="0">
+              <a:lnSpc>
+                <a:spcPct val="100000"/>
+              </a:lnSpc>
+              <a:spcBef>
+                <a:spcPct val="0"/>
+              </a:spcBef>
+              <a:spcAft>
+                <a:spcPct val="0"/>
+              </a:spcAft>
+              <a:buClrTx/>
+              <a:buSzTx/>
+              <a:buFontTx/>
+              <a:buNone/>
+              <a:tabLst/>
+            </a:pPr>
+            <a:endParaRPr lang="en-US" altLang="en-US" sz="600" dirty="0">
+              <a:latin typeface="Arial" panose="020B0604020202020204" pitchFamily="34" charset="0"/>
+            </a:endParaRPr>
+          </a:p>
+          <a:p>
+            <a:pPr marL="0" marR="0" lvl="0" indent="0" algn="l" defTabSz="914400" rtl="0" eaLnBrk="0" fontAlgn="base" latinLnBrk="0" hangingPunct="0">
+              <a:lnSpc>
+                <a:spcPct val="100000"/>
+              </a:lnSpc>
+              <a:spcBef>
+                <a:spcPct val="0"/>
+              </a:spcBef>
+              <a:spcAft>
+                <a:spcPct val="0"/>
+              </a:spcAft>
+              <a:buClrTx/>
+              <a:buSzTx/>
+              <a:buFontTx/>
+              <a:buNone/>
+              <a:tabLst/>
+            </a:pPr>
+            <a:endParaRPr kumimoji="0" lang="en-US" altLang="en-US" sz="600" b="0" i="0" u="none" strike="noStrike" cap="none" normalizeH="0" baseline="0" dirty="0" smtClean="0">
+              <a:ln>
+                <a:noFill/>
+              </a:ln>
+              <a:solidFill>
+                <a:schemeClr val="tx1"/>
+              </a:solidFill>
+              <a:effectLst/>
+            </a:endParaRPr>
+          </a:p>
+          <a:p>
+            <a:pPr marL="0" marR="0" lvl="0" indent="0" algn="l" defTabSz="914400" rtl="0" eaLnBrk="0" fontAlgn="base" latinLnBrk="0" hangingPunct="0">
+              <a:lnSpc>
+                <a:spcPct val="100000"/>
+              </a:lnSpc>
+              <a:spcBef>
+                <a:spcPct val="0"/>
+              </a:spcBef>
+              <a:spcAft>
+                <a:spcPct val="0"/>
+              </a:spcAft>
+              <a:buClrTx/>
+              <a:buSzTx/>
+              <a:buFontTx/>
+              <a:buNone/>
+              <a:tabLst/>
+            </a:pPr>
+            <a:endParaRPr lang="en-US" altLang="en-US" sz="600" dirty="0">
+              <a:latin typeface="Arial" panose="020B0604020202020204" pitchFamily="34" charset="0"/>
+            </a:endParaRPr>
+          </a:p>
+          <a:p>
+            <a:pPr marL="0" marR="0" lvl="0" indent="0" algn="l" defTabSz="914400" rtl="0" eaLnBrk="0" fontAlgn="base" latinLnBrk="0" hangingPunct="0">
+              <a:lnSpc>
+                <a:spcPct val="100000"/>
+              </a:lnSpc>
+              <a:spcBef>
+                <a:spcPct val="0"/>
+              </a:spcBef>
+              <a:spcAft>
+                <a:spcPct val="0"/>
+              </a:spcAft>
+              <a:buClrTx/>
+              <a:buSzTx/>
+              <a:buFontTx/>
+              <a:buNone/>
+              <a:tabLst/>
+            </a:pPr>
+            <a:endParaRPr kumimoji="0" lang="en-US" altLang="en-US" sz="600" b="0" i="0" u="none" strike="noStrike" cap="none" normalizeH="0" baseline="0" dirty="0" smtClean="0">
+              <a:ln>
+                <a:noFill/>
+              </a:ln>
+              <a:solidFill>
+                <a:schemeClr val="tx1"/>
+              </a:solidFill>
+              <a:effectLst/>
+            </a:endParaRPr>
+          </a:p>
+          <a:p>
+            <a:pPr marL="0" marR="0" lvl="0" indent="0" algn="l" defTabSz="914400" rtl="0" eaLnBrk="0" fontAlgn="base" latinLnBrk="0" hangingPunct="0">
+              <a:lnSpc>
+                <a:spcPct val="100000"/>
+              </a:lnSpc>
+              <a:spcBef>
+                <a:spcPct val="0"/>
+              </a:spcBef>
+              <a:spcAft>
+                <a:spcPct val="0"/>
+              </a:spcAft>
+              <a:buClrTx/>
+              <a:buSzTx/>
+              <a:buFontTx/>
+              <a:buNone/>
+              <a:tabLst/>
+            </a:pPr>
+            <a:endParaRPr lang="en-US" altLang="en-US" sz="600" dirty="0">
+              <a:latin typeface="Arial" panose="020B0604020202020204" pitchFamily="34" charset="0"/>
+            </a:endParaRPr>
+          </a:p>
+          <a:p>
+            <a:pPr marL="0" marR="0" lvl="0" indent="0" algn="l" defTabSz="914400" rtl="0" eaLnBrk="0" fontAlgn="base" latinLnBrk="0" hangingPunct="0">
+              <a:lnSpc>
+                <a:spcPct val="100000"/>
+              </a:lnSpc>
+              <a:spcBef>
+                <a:spcPct val="0"/>
+              </a:spcBef>
+              <a:spcAft>
+                <a:spcPct val="0"/>
+              </a:spcAft>
+              <a:buClrTx/>
+              <a:buSzTx/>
+              <a:buFontTx/>
+              <a:buNone/>
+              <a:tabLst/>
+            </a:pPr>
+            <a:endParaRPr kumimoji="0" lang="en-US" altLang="en-US" sz="600" b="0" i="0" u="none" strike="noStrike" cap="none" normalizeH="0" baseline="0" dirty="0" smtClean="0">
+              <a:ln>
+                <a:noFill/>
+              </a:ln>
+              <a:solidFill>
+                <a:schemeClr val="tx1"/>
+              </a:solidFill>
+              <a:effectLst/>
+            </a:endParaRPr>
+          </a:p>
+          <a:p>
+            <a:pPr marL="0" marR="0" lvl="0" indent="0" algn="l" defTabSz="914400" rtl="0" eaLnBrk="0" fontAlgn="base" latinLnBrk="0" hangingPunct="0">
+              <a:lnSpc>
+                <a:spcPct val="100000"/>
+              </a:lnSpc>
+              <a:spcBef>
+                <a:spcPct val="0"/>
+              </a:spcBef>
+              <a:spcAft>
+                <a:spcPct val="0"/>
+              </a:spcAft>
+              <a:buClrTx/>
+              <a:buSzTx/>
+              <a:buFontTx/>
+              <a:buNone/>
+              <a:tabLst/>
+            </a:pPr>
+            <a:endParaRPr lang="en-US" altLang="en-US" sz="600" dirty="0">
+              <a:latin typeface="Arial" panose="020B0604020202020204" pitchFamily="34" charset="0"/>
+            </a:endParaRPr>
+          </a:p>
+          <a:p>
+            <a:pPr marL="0" marR="0" lvl="0" indent="0" algn="l" defTabSz="914400" rtl="0" eaLnBrk="0" fontAlgn="base" latinLnBrk="0" hangingPunct="0">
+              <a:lnSpc>
+                <a:spcPct val="100000"/>
+              </a:lnSpc>
+              <a:spcBef>
+                <a:spcPct val="0"/>
+              </a:spcBef>
+              <a:spcAft>
+                <a:spcPct val="0"/>
+              </a:spcAft>
+              <a:buClrTx/>
+              <a:buSzTx/>
+              <a:buFontTx/>
+              <a:buNone/>
+              <a:tabLst/>
+            </a:pPr>
+            <a:endParaRPr kumimoji="0" lang="en-US" altLang="en-US" sz="600" b="0" i="0" u="none" strike="noStrike" cap="none" normalizeH="0" baseline="0" dirty="0" smtClean="0">
+              <a:ln>
+                <a:noFill/>
+              </a:ln>
+              <a:solidFill>
+                <a:schemeClr val="tx1"/>
+              </a:solidFill>
+              <a:effectLst/>
+            </a:endParaRPr>
+          </a:p>
+          <a:p>
+            <a:pPr marL="0" marR="0" lvl="0" indent="0" algn="l" defTabSz="914400" rtl="0" eaLnBrk="0" fontAlgn="base" latinLnBrk="0" hangingPunct="0">
+              <a:lnSpc>
+                <a:spcPct val="100000"/>
+              </a:lnSpc>
+              <a:spcBef>
+                <a:spcPct val="0"/>
+              </a:spcBef>
+              <a:spcAft>
+                <a:spcPct val="0"/>
+              </a:spcAft>
+              <a:buClrTx/>
+              <a:buSzTx/>
+              <a:buFontTx/>
+              <a:buNone/>
+              <a:tabLst/>
+            </a:pPr>
+            <a:endParaRPr kumimoji="0" lang="en-US" altLang="en-US" sz="1800" b="0" i="0" u="none" strike="noStrike" cap="none" normalizeH="0" baseline="0" dirty="0" smtClean="0">
+              <a:ln>
+                <a:noFill/>
+              </a:ln>
+              <a:solidFill>
+                <a:schemeClr val="tx1"/>
+              </a:solidFill>
+              <a:effectLst/>
+              <a:latin typeface="Arial" panose="020B0604020202020204" pitchFamily="34" charset="0"/>
+            </a:endParaRPr>
+          </a:p>
+        </p:txBody>
+      </p:sp>
+    </p:spTree>
+    <p:extLst>
+      <p:ext uri="{BB962C8B-B14F-4D97-AF65-F5344CB8AC3E}">
+        <p14:creationId xmlns:p14="http://schemas.microsoft.com/office/powerpoint/2010/main" val="2525738183"/>
+      </p:ext>
+    </p:extLst>
+  </p:cSld>
+  <p:clrMapOvr>
+    <a:masterClrMapping/>
+  </p:clrMapOvr>
+  <p:timing>
+    <p:tnLst>
+      <p:par>
+        <p:cTn id="1" dur="indefinite" restart="never" nodeType="tmRoot"/>
+      </p:par>
+    </p:tnLst>
+  </p:timing>
+</p:sld>
+</file>
+
+<file path=ppt/slides/slide16.xml><?xml version="1.0" encoding="utf-8"?>
+<p:sld xmlns:a="http://schemas.openxmlformats.org/drawingml/2006/main" xmlns:r="http://schemas.openxmlformats.org/officeDocument/2006/relationships" xmlns:p="http://schemas.openxmlformats.org/presentationml/2006/main">
+  <p:cSld>
+    <p:spTree>
+      <p:nvGrpSpPr>
+        <p:cNvPr id="1" name=""/>
+        <p:cNvGrpSpPr/>
+        <p:nvPr/>
+      </p:nvGrpSpPr>
+      <p:grpSpPr>
+        <a:xfrm>
+          <a:off x="0" y="0"/>
+          <a:ext cx="0" cy="0"/>
+          <a:chOff x="0" y="0"/>
+          <a:chExt cx="0" cy="0"/>
+        </a:xfrm>
+      </p:grpSpPr>
+      <p:sp>
+        <p:nvSpPr>
+          <p:cNvPr id="2" name="Text Placeholder 1"/>
+          <p:cNvSpPr>
+            <a:spLocks noGrp="1"/>
+          </p:cNvSpPr>
+          <p:nvPr>
+            <p:ph type="body" sz="quarter" idx="14"/>
+          </p:nvPr>
+        </p:nvSpPr>
+        <p:spPr/>
+        <p:txBody>
+          <a:bodyPr/>
+          <a:lstStyle/>
+          <a:p>
+            <a:endParaRPr lang="en-US"/>
+          </a:p>
+        </p:txBody>
+      </p:sp>
+      <p:sp>
+        <p:nvSpPr>
+          <p:cNvPr id="3" name="Text Placeholder 2"/>
+          <p:cNvSpPr>
+            <a:spLocks noGrp="1"/>
+          </p:cNvSpPr>
+          <p:nvPr>
+            <p:ph type="body" sz="quarter" idx="13"/>
+          </p:nvPr>
+        </p:nvSpPr>
+        <p:spPr/>
+        <p:txBody>
+          <a:bodyPr/>
+          <a:lstStyle/>
+          <a:p>
+            <a:endParaRPr lang="en-US"/>
+          </a:p>
+        </p:txBody>
+      </p:sp>
+      <p:sp>
+        <p:nvSpPr>
+          <p:cNvPr id="4" name="Title 3"/>
+          <p:cNvSpPr>
+            <a:spLocks noGrp="1"/>
+          </p:cNvSpPr>
+          <p:nvPr>
+            <p:ph type="title"/>
+          </p:nvPr>
+        </p:nvSpPr>
+        <p:spPr>
+          <a:xfrm>
+            <a:off x="17675" y="152400"/>
+            <a:ext cx="5940000" cy="671292"/>
+          </a:xfrm>
+        </p:spPr>
+        <p:txBody>
+          <a:bodyPr/>
+          <a:lstStyle/>
+          <a:p>
+            <a:r>
+              <a:rPr lang="en-US" dirty="0" smtClean="0"/>
+              <a:t>Machine Data Visualization</a:t>
+            </a:r>
+            <a:endParaRPr lang="en-US" dirty="0"/>
+          </a:p>
+        </p:txBody>
+      </p:sp>
+      <p:pic>
+        <p:nvPicPr>
+          <p:cNvPr id="5" name="Picture 4"/>
+          <p:cNvPicPr>
+            <a:picLocks noChangeAspect="1"/>
+          </p:cNvPicPr>
+          <p:nvPr/>
+        </p:nvPicPr>
+        <p:blipFill>
+          <a:blip r:embed="rId2"/>
+          <a:stretch>
+            <a:fillRect/>
+          </a:stretch>
+        </p:blipFill>
+        <p:spPr>
+          <a:xfrm>
+            <a:off x="17674" y="823692"/>
+            <a:ext cx="9126325" cy="6034308"/>
+          </a:xfrm>
+          <a:prstGeom prst="rect">
+            <a:avLst/>
+          </a:prstGeom>
+        </p:spPr>
+      </p:pic>
+    </p:spTree>
+    <p:extLst>
+      <p:ext uri="{BB962C8B-B14F-4D97-AF65-F5344CB8AC3E}">
+        <p14:creationId xmlns:p14="http://schemas.microsoft.com/office/powerpoint/2010/main" val="3132936426"/>
+      </p:ext>
+    </p:extLst>
+  </p:cSld>
+  <p:clrMapOvr>
+    <a:masterClrMapping/>
+  </p:clrMapOvr>
+  <p:timing>
+    <p:tnLst>
+      <p:par>
+        <p:cTn id="1" dur="indefinite" restart="never" nodeType="tmRoot"/>
+      </p:par>
+    </p:tnLst>
+  </p:timing>
+</p:sld>
+</file>
+
+<file path=ppt/slides/slide17.xml><?xml version="1.0" encoding="utf-8"?>
+<p:sld xmlns:a="http://schemas.openxmlformats.org/drawingml/2006/main" xmlns:r="http://schemas.openxmlformats.org/officeDocument/2006/relationships" xmlns:p="http://schemas.openxmlformats.org/presentationml/2006/main">
+  <p:cSld>
+    <p:spTree>
+      <p:nvGrpSpPr>
+        <p:cNvPr id="1" name=""/>
+        <p:cNvGrpSpPr/>
+        <p:nvPr/>
+      </p:nvGrpSpPr>
+      <p:grpSpPr>
+        <a:xfrm>
+          <a:off x="0" y="0"/>
+          <a:ext cx="0" cy="0"/>
+          <a:chOff x="0" y="0"/>
+          <a:chExt cx="0" cy="0"/>
+        </a:xfrm>
+      </p:grpSpPr>
+      <p:sp>
+        <p:nvSpPr>
+          <p:cNvPr id="2" name="Text Placeholder 1"/>
+          <p:cNvSpPr>
+            <a:spLocks noGrp="1"/>
+          </p:cNvSpPr>
+          <p:nvPr>
+            <p:ph type="body" sz="quarter" idx="14"/>
+          </p:nvPr>
+        </p:nvSpPr>
+        <p:spPr/>
+        <p:txBody>
+          <a:bodyPr/>
+          <a:lstStyle/>
+          <a:p>
+            <a:endParaRPr lang="en-US"/>
+          </a:p>
+        </p:txBody>
+      </p:sp>
+      <p:sp>
+        <p:nvSpPr>
+          <p:cNvPr id="3" name="Text Placeholder 2"/>
+          <p:cNvSpPr>
+            <a:spLocks noGrp="1"/>
+          </p:cNvSpPr>
+          <p:nvPr>
+            <p:ph type="body" sz="quarter" idx="13"/>
+          </p:nvPr>
+        </p:nvSpPr>
+        <p:spPr/>
+        <p:txBody>
+          <a:bodyPr/>
+          <a:lstStyle/>
+          <a:p>
+            <a:endParaRPr lang="en-US"/>
+          </a:p>
+        </p:txBody>
+      </p:sp>
+      <p:sp>
+        <p:nvSpPr>
+          <p:cNvPr id="4" name="Title 3"/>
+          <p:cNvSpPr>
+            <a:spLocks noGrp="1"/>
+          </p:cNvSpPr>
+          <p:nvPr>
+            <p:ph type="title"/>
+          </p:nvPr>
+        </p:nvSpPr>
+        <p:spPr/>
+        <p:txBody>
+          <a:bodyPr/>
+          <a:lstStyle/>
+          <a:p>
+            <a:endParaRPr lang="en-US" dirty="0"/>
+          </a:p>
+        </p:txBody>
+      </p:sp>
+      <p:pic>
+        <p:nvPicPr>
+          <p:cNvPr id="5" name="Picture 4"/>
+          <p:cNvPicPr>
+            <a:picLocks noChangeAspect="1"/>
+          </p:cNvPicPr>
+          <p:nvPr/>
+        </p:nvPicPr>
+        <p:blipFill>
+          <a:blip r:embed="rId2"/>
+          <a:stretch>
+            <a:fillRect/>
+          </a:stretch>
+        </p:blipFill>
+        <p:spPr>
+          <a:xfrm>
+            <a:off x="0" y="685800"/>
+            <a:ext cx="9144000" cy="6172200"/>
+          </a:xfrm>
+          <a:prstGeom prst="rect">
+            <a:avLst/>
+          </a:prstGeom>
+        </p:spPr>
+      </p:pic>
+      <p:sp>
+        <p:nvSpPr>
+          <p:cNvPr id="7" name="Title 3"/>
+          <p:cNvSpPr txBox="1">
+            <a:spLocks/>
+          </p:cNvSpPr>
+          <p:nvPr/>
+        </p:nvSpPr>
+        <p:spPr bwMode="auto">
+          <a:xfrm>
+            <a:off x="17675" y="0"/>
+            <a:ext cx="5940000" cy="671292"/>
+          </a:xfrm>
+          <a:prstGeom prst="rect">
+            <a:avLst/>
+          </a:prstGeom>
+          <a:solidFill>
+            <a:schemeClr val="accent5"/>
+          </a:solidFill>
+          <a:ln w="9525">
+            <a:noFill/>
+          </a:ln>
+        </p:spPr>
+        <p:txBody>
+          <a:bodyPr vert="horz" wrap="square" lIns="252000" tIns="180000" rIns="0" bIns="180000" rtlCol="0" anchor="b" anchorCtr="0">
+            <a:spAutoFit/>
+          </a:bodyPr>
+          <a:lstStyle>
+            <a:lvl1pPr algn="l" defTabSz="914400" rtl="0" eaLnBrk="1" latinLnBrk="0" hangingPunct="1">
+              <a:lnSpc>
+                <a:spcPct val="100000"/>
+              </a:lnSpc>
+              <a:spcBef>
+                <a:spcPct val="0"/>
+              </a:spcBef>
+              <a:buNone/>
+              <a:defRPr sz="2000" b="1" kern="1200" cap="none" baseline="0">
+                <a:solidFill>
+                  <a:schemeClr val="tx2"/>
+                </a:solidFill>
+                <a:latin typeface="+mj-lt"/>
+                <a:ea typeface="+mj-ea"/>
+                <a:cs typeface="+mj-cs"/>
+              </a:defRPr>
+            </a:lvl1pPr>
+          </a:lstStyle>
+          <a:p>
+            <a:r>
+              <a:rPr lang="en-US" dirty="0" smtClean="0"/>
+              <a:t>User Can Select Multiple Variable for Plotting </a:t>
+            </a:r>
+            <a:endParaRPr lang="en-US" dirty="0"/>
+          </a:p>
+        </p:txBody>
+      </p:sp>
+    </p:spTree>
+    <p:extLst>
+      <p:ext uri="{BB962C8B-B14F-4D97-AF65-F5344CB8AC3E}">
+        <p14:creationId xmlns:p14="http://schemas.microsoft.com/office/powerpoint/2010/main" val="2017165027"/>
+      </p:ext>
+    </p:extLst>
+  </p:cSld>
+  <p:clrMapOvr>
+    <a:masterClrMapping/>
+  </p:clrMapOvr>
+  <p:timing>
+    <p:tnLst>
+      <p:par>
+        <p:cTn id="1" dur="indefinite" restart="never" nodeType="tmRoot"/>
+      </p:par>
+    </p:tnLst>
+  </p:timing>
+</p:sld>
+</file>
+
+<file path=ppt/slides/slide18.xml><?xml version="1.0" encoding="utf-8"?>
+<p:sld xmlns:a="http://schemas.openxmlformats.org/drawingml/2006/main" xmlns:r="http://schemas.openxmlformats.org/officeDocument/2006/relationships" xmlns:p="http://schemas.openxmlformats.org/presentationml/2006/main">
+  <p:cSld>
+    <p:spTree>
+      <p:nvGrpSpPr>
+        <p:cNvPr id="1" name=""/>
+        <p:cNvGrpSpPr/>
+        <p:nvPr/>
+      </p:nvGrpSpPr>
+      <p:grpSpPr>
+        <a:xfrm>
+          <a:off x="0" y="0"/>
+          <a:ext cx="0" cy="0"/>
+          <a:chOff x="0" y="0"/>
+          <a:chExt cx="0" cy="0"/>
+        </a:xfrm>
+      </p:grpSpPr>
+      <p:sp>
+        <p:nvSpPr>
+          <p:cNvPr id="2" name="Text Placeholder 1"/>
+          <p:cNvSpPr>
+            <a:spLocks noGrp="1"/>
+          </p:cNvSpPr>
+          <p:nvPr>
+            <p:ph type="body" sz="quarter" idx="14"/>
+          </p:nvPr>
+        </p:nvSpPr>
+        <p:spPr/>
+        <p:txBody>
+          <a:bodyPr/>
+          <a:lstStyle/>
+          <a:p>
+            <a:endParaRPr lang="en-US"/>
+          </a:p>
+        </p:txBody>
+      </p:sp>
+      <p:sp>
+        <p:nvSpPr>
+          <p:cNvPr id="3" name="Text Placeholder 2"/>
+          <p:cNvSpPr>
+            <a:spLocks noGrp="1"/>
+          </p:cNvSpPr>
+          <p:nvPr>
+            <p:ph type="body" sz="quarter" idx="13"/>
+          </p:nvPr>
+        </p:nvSpPr>
+        <p:spPr/>
+        <p:txBody>
+          <a:bodyPr/>
+          <a:lstStyle/>
+          <a:p>
+            <a:endParaRPr lang="en-US"/>
+          </a:p>
+        </p:txBody>
+      </p:sp>
+      <p:sp>
+        <p:nvSpPr>
+          <p:cNvPr id="4" name="Title 3"/>
+          <p:cNvSpPr>
+            <a:spLocks noGrp="1"/>
+          </p:cNvSpPr>
+          <p:nvPr>
+            <p:ph type="title"/>
+          </p:nvPr>
+        </p:nvSpPr>
+        <p:spPr/>
+        <p:txBody>
+          <a:bodyPr/>
+          <a:lstStyle/>
+          <a:p>
+            <a:endParaRPr lang="en-US"/>
+          </a:p>
+        </p:txBody>
+      </p:sp>
+      <p:pic>
+        <p:nvPicPr>
+          <p:cNvPr id="6" name="Picture 5"/>
+          <p:cNvPicPr>
+            <a:picLocks noChangeAspect="1"/>
+          </p:cNvPicPr>
+          <p:nvPr/>
+        </p:nvPicPr>
+        <p:blipFill>
+          <a:blip r:embed="rId2"/>
+          <a:stretch>
+            <a:fillRect/>
+          </a:stretch>
+        </p:blipFill>
+        <p:spPr>
+          <a:xfrm>
+            <a:off x="-1" y="684796"/>
+            <a:ext cx="9144001" cy="6173203"/>
+          </a:xfrm>
+          <a:prstGeom prst="rect">
+            <a:avLst/>
+          </a:prstGeom>
+        </p:spPr>
+      </p:pic>
+      <p:sp>
+        <p:nvSpPr>
+          <p:cNvPr id="7" name="Title 3"/>
+          <p:cNvSpPr txBox="1">
+            <a:spLocks/>
+          </p:cNvSpPr>
+          <p:nvPr/>
+        </p:nvSpPr>
+        <p:spPr bwMode="auto">
+          <a:xfrm>
+            <a:off x="17675" y="-1151"/>
+            <a:ext cx="5940000" cy="671292"/>
+          </a:xfrm>
+          <a:prstGeom prst="rect">
+            <a:avLst/>
+          </a:prstGeom>
+          <a:solidFill>
+            <a:schemeClr val="accent5"/>
+          </a:solidFill>
+          <a:ln w="9525">
+            <a:noFill/>
+          </a:ln>
+        </p:spPr>
+        <p:txBody>
+          <a:bodyPr vert="horz" wrap="square" lIns="252000" tIns="180000" rIns="0" bIns="180000" rtlCol="0" anchor="b" anchorCtr="0">
+            <a:spAutoFit/>
+          </a:bodyPr>
+          <a:lstStyle>
+            <a:lvl1pPr algn="l" defTabSz="914400" rtl="0" eaLnBrk="1" latinLnBrk="0" hangingPunct="1">
+              <a:lnSpc>
+                <a:spcPct val="100000"/>
+              </a:lnSpc>
+              <a:spcBef>
+                <a:spcPct val="0"/>
+              </a:spcBef>
+              <a:buNone/>
+              <a:defRPr sz="2000" b="1" kern="1200" cap="none" baseline="0">
+                <a:solidFill>
+                  <a:schemeClr val="tx2"/>
+                </a:solidFill>
+                <a:latin typeface="+mj-lt"/>
+                <a:ea typeface="+mj-ea"/>
+                <a:cs typeface="+mj-cs"/>
+              </a:defRPr>
+            </a:lvl1pPr>
+          </a:lstStyle>
+          <a:p>
+            <a:r>
+              <a:rPr lang="en-US" dirty="0" smtClean="0"/>
+              <a:t>Multiple Graph on Same Page </a:t>
+            </a:r>
+            <a:endParaRPr lang="en-US" dirty="0"/>
+          </a:p>
+        </p:txBody>
+      </p:sp>
+    </p:spTree>
+    <p:extLst>
+      <p:ext uri="{BB962C8B-B14F-4D97-AF65-F5344CB8AC3E}">
+        <p14:creationId xmlns:p14="http://schemas.microsoft.com/office/powerpoint/2010/main" val="1273004193"/>
+      </p:ext>
+    </p:extLst>
+  </p:cSld>
+  <p:clrMapOvr>
+    <a:masterClrMapping/>
+  </p:clrMapOvr>
+  <p:timing>
+    <p:tnLst>
+      <p:par>
+        <p:cTn id="1" dur="indefinite" restart="never" nodeType="tmRoot"/>
+      </p:par>
+    </p:tnLst>
+  </p:timing>
+</p:sld>
+</file>
+
+<file path=ppt/slides/slide19.xml><?xml version="1.0" encoding="utf-8"?>
+<p:sld xmlns:a="http://schemas.openxmlformats.org/drawingml/2006/main" xmlns:r="http://schemas.openxmlformats.org/officeDocument/2006/relationships" xmlns:p="http://schemas.openxmlformats.org/presentationml/2006/main">
+  <p:cSld>
+    <p:spTree>
+      <p:nvGrpSpPr>
+        <p:cNvPr id="1" name=""/>
+        <p:cNvGrpSpPr/>
+        <p:nvPr/>
+      </p:nvGrpSpPr>
+      <p:grpSpPr>
+        <a:xfrm>
+          <a:off x="0" y="0"/>
+          <a:ext cx="0" cy="0"/>
+          <a:chOff x="0" y="0"/>
+          <a:chExt cx="0" cy="0"/>
+        </a:xfrm>
+      </p:grpSpPr>
+      <p:sp>
+        <p:nvSpPr>
+          <p:cNvPr id="2" name="Text Placeholder 1"/>
+          <p:cNvSpPr>
+            <a:spLocks noGrp="1"/>
+          </p:cNvSpPr>
+          <p:nvPr>
+            <p:ph type="body" sz="quarter" idx="14"/>
+          </p:nvPr>
+        </p:nvSpPr>
+        <p:spPr/>
+        <p:txBody>
+          <a:bodyPr/>
+          <a:lstStyle/>
+          <a:p>
+            <a:endParaRPr lang="en-US"/>
+          </a:p>
+        </p:txBody>
+      </p:sp>
+      <p:sp>
+        <p:nvSpPr>
+          <p:cNvPr id="3" name="Text Placeholder 2"/>
+          <p:cNvSpPr>
+            <a:spLocks noGrp="1"/>
+          </p:cNvSpPr>
+          <p:nvPr>
+            <p:ph type="body" sz="quarter" idx="13"/>
+          </p:nvPr>
+        </p:nvSpPr>
+        <p:spPr/>
+        <p:txBody>
+          <a:bodyPr/>
+          <a:lstStyle/>
+          <a:p>
+            <a:endParaRPr lang="en-US"/>
+          </a:p>
+        </p:txBody>
+      </p:sp>
+      <p:pic>
+        <p:nvPicPr>
+          <p:cNvPr id="5" name="Picture 4"/>
+          <p:cNvPicPr>
+            <a:picLocks noChangeAspect="1"/>
+          </p:cNvPicPr>
+          <p:nvPr/>
+        </p:nvPicPr>
+        <p:blipFill>
+          <a:blip r:embed="rId2"/>
+          <a:stretch>
+            <a:fillRect/>
+          </a:stretch>
+        </p:blipFill>
+        <p:spPr>
+          <a:xfrm>
+            <a:off x="2930" y="685800"/>
+            <a:ext cx="9141069" cy="6172200"/>
+          </a:xfrm>
+          <a:prstGeom prst="rect">
+            <a:avLst/>
+          </a:prstGeom>
+        </p:spPr>
+      </p:pic>
+      <p:sp>
+        <p:nvSpPr>
+          <p:cNvPr id="7" name="Title 3"/>
+          <p:cNvSpPr>
+            <a:spLocks noGrp="1"/>
+          </p:cNvSpPr>
+          <p:nvPr>
+            <p:ph type="title"/>
+          </p:nvPr>
+        </p:nvSpPr>
+        <p:spPr>
+          <a:xfrm>
+            <a:off x="17675" y="17439"/>
+            <a:ext cx="5940000" cy="671292"/>
+          </a:xfrm>
+        </p:spPr>
+        <p:txBody>
+          <a:bodyPr/>
+          <a:lstStyle/>
+          <a:p>
+            <a:r>
+              <a:rPr lang="en-US" dirty="0" smtClean="0"/>
+              <a:t>Multiple plot with Range Slider</a:t>
+            </a:r>
+            <a:endParaRPr lang="en-US" dirty="0"/>
+          </a:p>
+        </p:txBody>
+      </p:sp>
+    </p:spTree>
+    <p:extLst>
+      <p:ext uri="{BB962C8B-B14F-4D97-AF65-F5344CB8AC3E}">
+        <p14:creationId xmlns:p14="http://schemas.microsoft.com/office/powerpoint/2010/main" val="3350434109"/>
+      </p:ext>
+    </p:extLst>
+  </p:cSld>
+  <p:clrMapOvr>
+    <a:masterClrMapping/>
+  </p:clrMapOvr>
+  <p:timing>
+    <p:tnLst>
+      <p:par>
+        <p:cTn id="1" dur="indefinite" restart="never" nodeType="tmRoot"/>
+      </p:par>
+    </p:tnLst>
+  </p:timing>
+</p:sld>
+</file>
+
+<file path=ppt/slides/slide2.xml><?xml version="1.0" encoding="utf-8"?>
+<p:sld xmlns:a="http://schemas.openxmlformats.org/drawingml/2006/main" xmlns:r="http://schemas.openxmlformats.org/officeDocument/2006/relationships" xmlns:p="http://schemas.openxmlformats.org/presentationml/2006/main">
+  <p:cSld>
+    <p:spTree>
+      <p:nvGrpSpPr>
+        <p:cNvPr id="1" name=""/>
+        <p:cNvGrpSpPr/>
+        <p:nvPr/>
+      </p:nvGrpSpPr>
+      <p:grpSpPr>
+        <a:xfrm>
+          <a:off x="0" y="0"/>
+          <a:ext cx="0" cy="0"/>
+          <a:chOff x="0" y="0"/>
+          <a:chExt cx="0" cy="0"/>
+        </a:xfrm>
+      </p:grpSpPr>
+      <p:sp>
+        <p:nvSpPr>
+          <p:cNvPr id="2" name="Text Placeholder 1"/>
+          <p:cNvSpPr>
+            <a:spLocks noGrp="1"/>
+          </p:cNvSpPr>
+          <p:nvPr>
+            <p:ph type="body" sz="quarter" idx="14"/>
+          </p:nvPr>
+        </p:nvSpPr>
+        <p:spPr/>
+        <p:txBody>
+          <a:bodyPr/>
+          <a:lstStyle/>
+          <a:p>
+            <a:endParaRPr lang="en-US"/>
+          </a:p>
+        </p:txBody>
+      </p:sp>
+      <p:sp>
+        <p:nvSpPr>
+          <p:cNvPr id="3" name="Text Placeholder 2"/>
+          <p:cNvSpPr>
+            <a:spLocks noGrp="1"/>
+          </p:cNvSpPr>
+          <p:nvPr>
+            <p:ph type="body" sz="quarter" idx="13"/>
+          </p:nvPr>
+        </p:nvSpPr>
+        <p:spPr/>
+        <p:txBody>
+          <a:bodyPr/>
+          <a:lstStyle/>
+          <a:p>
+            <a:endParaRPr lang="en-US"/>
+          </a:p>
+        </p:txBody>
+      </p:sp>
+      <p:sp>
+        <p:nvSpPr>
+          <p:cNvPr id="4" name="Slide Number Placeholder 3"/>
+          <p:cNvSpPr>
+            <a:spLocks noGrp="1"/>
+          </p:cNvSpPr>
+          <p:nvPr>
+            <p:ph type="sldNum" sz="quarter" idx="4"/>
+          </p:nvPr>
+        </p:nvSpPr>
+        <p:spPr/>
+        <p:txBody>
+          <a:bodyPr/>
+          <a:lstStyle/>
+          <a:p>
+            <a:fld id="{44043744-42FE-4892-90BA-7087481EB81E}" type="slidenum">
+              <a:rPr lang="de-DE" smtClean="0"/>
+              <a:pPr/>
+              <a:t>2</a:t>
+            </a:fld>
+            <a:endParaRPr lang="de-DE"/>
+          </a:p>
+        </p:txBody>
+      </p:sp>
+      <p:sp>
+        <p:nvSpPr>
+          <p:cNvPr id="5" name="Date Placeholder 4"/>
+          <p:cNvSpPr>
+            <a:spLocks noGrp="1"/>
+          </p:cNvSpPr>
+          <p:nvPr>
+            <p:ph type="dt" sz="half" idx="2"/>
+          </p:nvPr>
+        </p:nvSpPr>
+        <p:spPr/>
+        <p:txBody>
+          <a:bodyPr/>
+          <a:lstStyle/>
+          <a:p>
+            <a:fld id="{5F5C7AA8-AF19-4FCF-98FD-FB8AFEA87A63}" type="datetime4">
+              <a:rPr lang="en-US" smtClean="0"/>
+              <a:t>June 1, 2020</a:t>
+            </a:fld>
+            <a:endParaRPr lang="de-DE"/>
+          </a:p>
+        </p:txBody>
+      </p:sp>
+      <p:sp>
+        <p:nvSpPr>
+          <p:cNvPr id="6" name="Footer Placeholder 5"/>
+          <p:cNvSpPr>
+            <a:spLocks noGrp="1"/>
+          </p:cNvSpPr>
+          <p:nvPr>
+            <p:ph type="ftr" sz="quarter" idx="3"/>
+          </p:nvPr>
+        </p:nvSpPr>
+        <p:spPr/>
+        <p:txBody>
+          <a:bodyPr/>
+          <a:lstStyle/>
+          <a:p>
+            <a:endParaRPr lang="de-DE"/>
+          </a:p>
+        </p:txBody>
+      </p:sp>
+      <p:sp>
+        <p:nvSpPr>
+          <p:cNvPr id="7" name="Title 6"/>
+          <p:cNvSpPr>
+            <a:spLocks noGrp="1"/>
+          </p:cNvSpPr>
+          <p:nvPr>
+            <p:ph type="title"/>
+          </p:nvPr>
+        </p:nvSpPr>
+        <p:spPr>
+          <a:xfrm>
+            <a:off x="0" y="5407831"/>
+            <a:ext cx="6705600" cy="671292"/>
+          </a:xfrm>
+        </p:spPr>
+        <p:txBody>
+          <a:bodyPr/>
+          <a:lstStyle/>
+          <a:p>
+            <a:r>
+              <a:rPr lang="en-US" dirty="0" smtClean="0"/>
+              <a:t>BI Dashboard’s </a:t>
+            </a:r>
+            <a:r>
+              <a:rPr lang="en-US" dirty="0" smtClean="0"/>
+              <a:t>Powered </a:t>
+            </a:r>
+            <a:r>
+              <a:rPr lang="en-US" dirty="0"/>
+              <a:t>by </a:t>
+            </a:r>
+            <a:r>
+              <a:rPr lang="en-US" dirty="0" err="1"/>
+              <a:t>Plotly</a:t>
+            </a:r>
+            <a:r>
+              <a:rPr lang="en-US" dirty="0"/>
+              <a:t>, Python &amp; Panda</a:t>
+            </a:r>
+          </a:p>
+        </p:txBody>
+      </p:sp>
+      <p:pic>
+        <p:nvPicPr>
+          <p:cNvPr id="8" name="Picture 2" descr="Q:\CMM-Dept\Internal\20 Marketing 2020\M20-C -- Content\M20-C-0010 -- Trending topics\Digitization\Bild01_Blanko.jpg"/>
+          <p:cNvPicPr>
+            <a:picLocks noChangeAspect="1" noChangeArrowheads="1"/>
+          </p:cNvPicPr>
+          <p:nvPr/>
+        </p:nvPicPr>
+        <p:blipFill rotWithShape="1">
+          <a:blip r:embed="rId2">
+            <a:extLst>
+              <a:ext uri="{28A0092B-C50C-407E-A947-70E740481C1C}">
+                <a14:useLocalDpi xmlns:a14="http://schemas.microsoft.com/office/drawing/2010/main" val="0"/>
+              </a:ext>
+            </a:extLst>
+          </a:blip>
+          <a:srcRect r="796"/>
+          <a:stretch/>
+        </p:blipFill>
+        <p:spPr bwMode="auto">
+          <a:xfrm>
+            <a:off x="0" y="1089024"/>
+            <a:ext cx="9144000" cy="4321175"/>
+          </a:xfrm>
+          <a:prstGeom prst="rect">
+            <a:avLst/>
+          </a:prstGeom>
+          <a:noFill/>
+          <a:extLst>
+            <a:ext uri="{909E8E84-426E-40DD-AFC4-6F175D3DCCD1}">
+              <a14:hiddenFill xmlns:a14="http://schemas.microsoft.com/office/drawing/2010/main">
+                <a:solidFill>
+                  <a:srgbClr val="FFFFFF"/>
+                </a:solidFill>
+              </a14:hiddenFill>
+            </a:ext>
+          </a:extLst>
+        </p:spPr>
+      </p:pic>
+      <p:sp>
+        <p:nvSpPr>
+          <p:cNvPr id="9" name="Titel 6"/>
+          <p:cNvSpPr txBox="1">
+            <a:spLocks/>
+          </p:cNvSpPr>
+          <p:nvPr/>
+        </p:nvSpPr>
+        <p:spPr bwMode="auto">
+          <a:xfrm>
+            <a:off x="0" y="381000"/>
+            <a:ext cx="6840000" cy="702000"/>
+          </a:xfrm>
+          <a:prstGeom prst="rect">
+            <a:avLst/>
+          </a:prstGeom>
+          <a:solidFill>
+            <a:schemeClr val="accent5"/>
+          </a:solidFill>
+          <a:ln w="9525">
+            <a:noFill/>
+          </a:ln>
+        </p:spPr>
+        <p:txBody>
+          <a:bodyPr vert="horz" wrap="square" lIns="252000" tIns="180000" rIns="0" bIns="180000" rtlCol="0" anchor="b" anchorCtr="0">
+            <a:spAutoFit/>
+          </a:bodyPr>
+          <a:lstStyle>
+            <a:lvl1pPr algn="l" defTabSz="914400" rtl="0" eaLnBrk="1" latinLnBrk="0" hangingPunct="1">
+              <a:lnSpc>
+                <a:spcPct val="100000"/>
+              </a:lnSpc>
+              <a:spcBef>
+                <a:spcPct val="0"/>
+              </a:spcBef>
+              <a:buNone/>
+              <a:defRPr sz="2000" b="1" kern="1200" cap="none" baseline="0">
+                <a:solidFill>
+                  <a:schemeClr val="tx2"/>
+                </a:solidFill>
+                <a:latin typeface="+mj-lt"/>
+                <a:ea typeface="+mj-ea"/>
+                <a:cs typeface="+mj-cs"/>
+              </a:defRPr>
+            </a:lvl1pPr>
+          </a:lstStyle>
+          <a:p>
+            <a:r>
+              <a:rPr lang="de-DE" dirty="0" smtClean="0"/>
+              <a:t>Digitalization makes it possible to take different points of view</a:t>
+            </a:r>
+            <a:endParaRPr lang="en-US" dirty="0"/>
+          </a:p>
+        </p:txBody>
+      </p:sp>
+    </p:spTree>
+    <p:extLst>
+      <p:ext uri="{BB962C8B-B14F-4D97-AF65-F5344CB8AC3E}">
+        <p14:creationId xmlns:p14="http://schemas.microsoft.com/office/powerpoint/2010/main" val="2458481346"/>
+      </p:ext>
+    </p:extLst>
+  </p:cSld>
+  <p:clrMapOvr>
+    <a:masterClrMapping/>
+  </p:clrMapOvr>
+  <p:timing>
+    <p:tnLst>
+      <p:par>
+        <p:cTn id="1" dur="indefinite" restart="never" nodeType="tmRoot"/>
+      </p:par>
+    </p:tnLst>
+  </p:timing>
+</p:sld>
+</file>
+
+<file path=ppt/slides/slide20.xml><?xml version="1.0" encoding="utf-8"?>
+<p:sld xmlns:a="http://schemas.openxmlformats.org/drawingml/2006/main" xmlns:r="http://schemas.openxmlformats.org/officeDocument/2006/relationships" xmlns:p="http://schemas.openxmlformats.org/presentationml/2006/main">
+  <p:cSld>
+    <p:spTree>
+      <p:nvGrpSpPr>
+        <p:cNvPr id="1" name=""/>
+        <p:cNvGrpSpPr/>
+        <p:nvPr/>
+      </p:nvGrpSpPr>
+      <p:grpSpPr>
+        <a:xfrm>
+          <a:off x="0" y="0"/>
+          <a:ext cx="0" cy="0"/>
+          <a:chOff x="0" y="0"/>
+          <a:chExt cx="0" cy="0"/>
+        </a:xfrm>
+      </p:grpSpPr>
+      <p:sp>
+        <p:nvSpPr>
+          <p:cNvPr id="2" name="Text Placeholder 1"/>
+          <p:cNvSpPr>
+            <a:spLocks noGrp="1"/>
+          </p:cNvSpPr>
+          <p:nvPr>
+            <p:ph type="body" sz="quarter" idx="14"/>
+          </p:nvPr>
+        </p:nvSpPr>
+        <p:spPr/>
+        <p:txBody>
+          <a:bodyPr/>
+          <a:lstStyle/>
+          <a:p>
+            <a:endParaRPr lang="en-US"/>
+          </a:p>
+        </p:txBody>
+      </p:sp>
+      <p:sp>
+        <p:nvSpPr>
+          <p:cNvPr id="3" name="Text Placeholder 2"/>
+          <p:cNvSpPr>
+            <a:spLocks noGrp="1"/>
+          </p:cNvSpPr>
+          <p:nvPr>
+            <p:ph type="body" sz="quarter" idx="13"/>
+          </p:nvPr>
+        </p:nvSpPr>
+        <p:spPr/>
+        <p:txBody>
+          <a:bodyPr/>
+          <a:lstStyle/>
+          <a:p>
+            <a:endParaRPr lang="en-US"/>
+          </a:p>
+        </p:txBody>
+      </p:sp>
+      <p:pic>
+        <p:nvPicPr>
+          <p:cNvPr id="7" name="Picture 6"/>
+          <p:cNvPicPr>
+            <a:picLocks noChangeAspect="1"/>
+          </p:cNvPicPr>
+          <p:nvPr/>
+        </p:nvPicPr>
+        <p:blipFill>
+          <a:blip r:embed="rId2"/>
+          <a:stretch>
+            <a:fillRect/>
+          </a:stretch>
+        </p:blipFill>
+        <p:spPr>
+          <a:xfrm>
+            <a:off x="0" y="762000"/>
+            <a:ext cx="9296400" cy="6096000"/>
+          </a:xfrm>
+          <a:prstGeom prst="rect">
+            <a:avLst/>
+          </a:prstGeom>
+        </p:spPr>
+      </p:pic>
+      <p:sp>
+        <p:nvSpPr>
+          <p:cNvPr id="8" name="Title 3"/>
+          <p:cNvSpPr>
+            <a:spLocks noGrp="1"/>
+          </p:cNvSpPr>
+          <p:nvPr>
+            <p:ph type="title"/>
+          </p:nvPr>
+        </p:nvSpPr>
+        <p:spPr>
+          <a:xfrm>
+            <a:off x="8794" y="35169"/>
+            <a:ext cx="5940000" cy="671292"/>
+          </a:xfrm>
+        </p:spPr>
+        <p:txBody>
+          <a:bodyPr/>
+          <a:lstStyle/>
+          <a:p>
+            <a:r>
+              <a:rPr lang="en-US" dirty="0" smtClean="0"/>
+              <a:t>Dash Tabular data  </a:t>
+            </a:r>
+            <a:endParaRPr lang="en-US" dirty="0"/>
+          </a:p>
+        </p:txBody>
+      </p:sp>
+    </p:spTree>
+    <p:extLst>
+      <p:ext uri="{BB962C8B-B14F-4D97-AF65-F5344CB8AC3E}">
+        <p14:creationId xmlns:p14="http://schemas.microsoft.com/office/powerpoint/2010/main" val="588947375"/>
+      </p:ext>
+    </p:extLst>
+  </p:cSld>
+  <p:clrMapOvr>
+    <a:masterClrMapping/>
+  </p:clrMapOvr>
+  <p:timing>
+    <p:tnLst>
+      <p:par>
+        <p:cTn id="1" dur="indefinite" restart="never" nodeType="tmRoot"/>
+      </p:par>
+    </p:tnLst>
+  </p:timing>
+</p:sld>
+</file>
+
+<file path=ppt/slides/slide3.xml><?xml version="1.0" encoding="utf-8"?>
+<p:sld xmlns:a="http://schemas.openxmlformats.org/drawingml/2006/main" xmlns:r="http://schemas.openxmlformats.org/officeDocument/2006/relationships" xmlns:p="http://schemas.openxmlformats.org/presentationml/2006/main">
+  <p:cSld>
+    <p:spTree>
+      <p:nvGrpSpPr>
+        <p:cNvPr id="1" name=""/>
+        <p:cNvGrpSpPr/>
+        <p:nvPr/>
+      </p:nvGrpSpPr>
+      <p:grpSpPr>
+        <a:xfrm>
+          <a:off x="0" y="0"/>
+          <a:ext cx="0" cy="0"/>
+          <a:chOff x="0" y="0"/>
+          <a:chExt cx="0" cy="0"/>
+        </a:xfrm>
+      </p:grpSpPr>
+      <p:sp>
+        <p:nvSpPr>
+          <p:cNvPr id="2" name="Text Placeholder 1"/>
+          <p:cNvSpPr>
+            <a:spLocks noGrp="1"/>
+          </p:cNvSpPr>
+          <p:nvPr>
+            <p:ph type="body" sz="quarter" idx="14"/>
+          </p:nvPr>
+        </p:nvSpPr>
+        <p:spPr/>
+        <p:txBody>
+          <a:bodyPr/>
+          <a:lstStyle/>
+          <a:p>
+            <a:endParaRPr lang="en-US"/>
+          </a:p>
+        </p:txBody>
+      </p:sp>
+      <p:sp>
+        <p:nvSpPr>
+          <p:cNvPr id="3" name="Text Placeholder 2"/>
+          <p:cNvSpPr>
+            <a:spLocks noGrp="1"/>
+          </p:cNvSpPr>
+          <p:nvPr>
+            <p:ph type="body" sz="quarter" idx="13"/>
+          </p:nvPr>
+        </p:nvSpPr>
+        <p:spPr/>
+        <p:txBody>
+          <a:bodyPr/>
+          <a:lstStyle/>
+          <a:p>
+            <a:endParaRPr lang="en-US"/>
+          </a:p>
+        </p:txBody>
+      </p:sp>
+      <p:sp>
+        <p:nvSpPr>
+          <p:cNvPr id="4" name="Title 3"/>
+          <p:cNvSpPr>
+            <a:spLocks noGrp="1"/>
+          </p:cNvSpPr>
+          <p:nvPr>
+            <p:ph type="title"/>
+          </p:nvPr>
+        </p:nvSpPr>
+        <p:spPr>
+          <a:xfrm>
+            <a:off x="17675" y="152401"/>
+            <a:ext cx="5940000" cy="762000"/>
+          </a:xfrm>
+        </p:spPr>
+        <p:txBody>
+          <a:bodyPr/>
+          <a:lstStyle/>
+          <a:p>
+            <a:r>
+              <a:rPr lang="en-US" dirty="0"/>
+              <a:t>Market for a Business Intelligence system</a:t>
+            </a:r>
+            <a:br>
+              <a:rPr lang="en-US" dirty="0"/>
+            </a:br>
+            <a:endParaRPr lang="en-US" dirty="0"/>
+          </a:p>
+        </p:txBody>
+      </p:sp>
+      <p:sp>
+        <p:nvSpPr>
+          <p:cNvPr id="5" name="Rectangle 4"/>
+          <p:cNvSpPr/>
+          <p:nvPr/>
+        </p:nvSpPr>
+        <p:spPr>
+          <a:xfrm>
+            <a:off x="304800" y="1582341"/>
+            <a:ext cx="8610600" cy="2308324"/>
+          </a:xfrm>
+          <a:prstGeom prst="rect">
+            <a:avLst/>
+          </a:prstGeom>
+        </p:spPr>
+        <p:txBody>
+          <a:bodyPr wrap="square">
+            <a:spAutoFit/>
+          </a:bodyPr>
+          <a:lstStyle/>
+          <a:p>
+            <a:pPr fontAlgn="base"/>
+            <a:r>
+              <a:rPr lang="en-US" b="1" dirty="0">
+                <a:latin typeface="Source Serif Pro"/>
+              </a:rPr>
+              <a:t>W</a:t>
+            </a:r>
+            <a:r>
+              <a:rPr lang="en-US" dirty="0">
+                <a:latin typeface="Source Serif Pro"/>
+              </a:rPr>
+              <a:t>hen </a:t>
+            </a:r>
+            <a:r>
+              <a:rPr lang="en-US" dirty="0" smtClean="0">
+                <a:latin typeface="Source Serif Pro"/>
+              </a:rPr>
+              <a:t>we are looking </a:t>
+            </a:r>
+            <a:r>
+              <a:rPr lang="en-US" dirty="0">
+                <a:latin typeface="Source Serif Pro"/>
+              </a:rPr>
+              <a:t>for a Business Intelligence solution, </a:t>
+            </a:r>
+            <a:r>
+              <a:rPr lang="en-US" dirty="0" smtClean="0">
+                <a:latin typeface="Source Serif Pro"/>
+              </a:rPr>
+              <a:t>our organizations had </a:t>
+            </a:r>
+            <a:r>
+              <a:rPr lang="en-US" dirty="0">
+                <a:latin typeface="Source Serif Pro"/>
+              </a:rPr>
+              <a:t>to choose between purchasing a product from providers such as Tableau, </a:t>
+            </a:r>
+            <a:r>
+              <a:rPr lang="en-US" dirty="0" err="1">
+                <a:latin typeface="Source Serif Pro"/>
+              </a:rPr>
+              <a:t>Qlick</a:t>
+            </a:r>
+            <a:r>
+              <a:rPr lang="en-US" dirty="0">
+                <a:latin typeface="Source Serif Pro"/>
+              </a:rPr>
+              <a:t>, Microsoft, etc. </a:t>
+            </a:r>
+            <a:r>
+              <a:rPr lang="en-US" dirty="0" smtClean="0">
+                <a:latin typeface="Source Serif Pro"/>
+              </a:rPr>
+              <a:t> Ex. for </a:t>
+            </a:r>
+            <a:r>
+              <a:rPr lang="en-US" dirty="0" err="1" smtClean="0">
+                <a:latin typeface="Source Serif Pro"/>
+              </a:rPr>
+              <a:t>Hadded</a:t>
+            </a:r>
+            <a:r>
+              <a:rPr lang="en-US" dirty="0" smtClean="0">
+                <a:latin typeface="Source Serif Pro"/>
+              </a:rPr>
+              <a:t> BI Report </a:t>
+            </a:r>
+            <a:r>
+              <a:rPr lang="en-US" dirty="0" err="1" smtClean="0">
+                <a:latin typeface="Source Serif Pro"/>
+              </a:rPr>
+              <a:t>Qlick</a:t>
+            </a:r>
+            <a:r>
+              <a:rPr lang="en-US" dirty="0" smtClean="0">
+                <a:latin typeface="Source Serif Pro"/>
+              </a:rPr>
+              <a:t> was opted which is proprietor software with licensing cost.</a:t>
+            </a:r>
+            <a:r>
+              <a:rPr lang="en-US" dirty="0">
+                <a:latin typeface="Source Serif Pro"/>
+              </a:rPr>
+              <a:t> </a:t>
+            </a:r>
+          </a:p>
+          <a:p>
+            <a:pPr fontAlgn="base"/>
+            <a:endParaRPr lang="en-US" b="1" dirty="0" smtClean="0">
+              <a:latin typeface="Source Serif Pro"/>
+            </a:endParaRPr>
+          </a:p>
+          <a:p>
+            <a:pPr fontAlgn="base"/>
+            <a:r>
+              <a:rPr lang="en-US" b="1" dirty="0" smtClean="0">
+                <a:latin typeface="Source Serif Pro"/>
+              </a:rPr>
+              <a:t>R</a:t>
+            </a:r>
+            <a:r>
+              <a:rPr lang="en-US" dirty="0" smtClean="0">
+                <a:latin typeface="Source Serif Pro"/>
+              </a:rPr>
+              <a:t>ecently </a:t>
+            </a:r>
+            <a:r>
+              <a:rPr lang="en-US" dirty="0">
+                <a:latin typeface="Source Serif Pro"/>
+              </a:rPr>
+              <a:t>though, another alternative has come onto the market. </a:t>
+            </a:r>
+            <a:r>
+              <a:rPr lang="en-US" dirty="0">
+                <a:solidFill>
+                  <a:srgbClr val="665ED0"/>
+                </a:solidFill>
+                <a:latin typeface="Source Serif Pro"/>
+                <a:hlinkClick r:id="rId2"/>
+              </a:rPr>
+              <a:t>Dash</a:t>
+            </a:r>
+            <a:r>
+              <a:rPr lang="en-US" dirty="0">
+                <a:latin typeface="Source Serif Pro"/>
+              </a:rPr>
+              <a:t> from </a:t>
+            </a:r>
+            <a:r>
+              <a:rPr lang="en-US" dirty="0" err="1">
+                <a:latin typeface="Source Serif Pro"/>
+              </a:rPr>
+              <a:t>Plotly</a:t>
+            </a:r>
+            <a:r>
+              <a:rPr lang="en-US" dirty="0">
+                <a:latin typeface="Source Serif Pro"/>
+              </a:rPr>
+              <a:t>, is an open-source analytics library for Python or R that has quickly become a significant competitor in the BI space.</a:t>
+            </a:r>
+            <a:endParaRPr lang="en-US" b="0" i="0" dirty="0">
+              <a:effectLst/>
+              <a:latin typeface="Source Serif Pro"/>
+            </a:endParaRPr>
+          </a:p>
+        </p:txBody>
+      </p:sp>
+    </p:spTree>
+    <p:extLst>
+      <p:ext uri="{BB962C8B-B14F-4D97-AF65-F5344CB8AC3E}">
+        <p14:creationId xmlns:p14="http://schemas.microsoft.com/office/powerpoint/2010/main" val="4126098042"/>
+      </p:ext>
+    </p:extLst>
+  </p:cSld>
+  <p:clrMapOvr>
+    <a:masterClrMapping/>
+  </p:clrMapOvr>
+  <p:timing>
+    <p:tnLst>
+      <p:par>
+        <p:cTn id="1" dur="indefinite" restart="never" nodeType="tmRoot"/>
+      </p:par>
+    </p:tnLst>
+  </p:timing>
+</p:sld>
+</file>
+
+<file path=ppt/slides/slide4.xml><?xml version="1.0" encoding="utf-8"?>
+<p:sld xmlns:a="http://schemas.openxmlformats.org/drawingml/2006/main" xmlns:r="http://schemas.openxmlformats.org/officeDocument/2006/relationships" xmlns:p="http://schemas.openxmlformats.org/presentationml/2006/main">
+  <p:cSld>
+    <p:spTree>
+      <p:nvGrpSpPr>
+        <p:cNvPr id="1" name=""/>
+        <p:cNvGrpSpPr/>
+        <p:nvPr/>
+      </p:nvGrpSpPr>
+      <p:grpSpPr>
+        <a:xfrm>
+          <a:off x="0" y="0"/>
+          <a:ext cx="0" cy="0"/>
+          <a:chOff x="0" y="0"/>
+          <a:chExt cx="0" cy="0"/>
+        </a:xfrm>
+      </p:grpSpPr>
+      <p:sp>
+        <p:nvSpPr>
+          <p:cNvPr id="2" name="Text Placeholder 1"/>
+          <p:cNvSpPr>
+            <a:spLocks noGrp="1"/>
+          </p:cNvSpPr>
+          <p:nvPr>
+            <p:ph type="body" sz="quarter" idx="14"/>
+          </p:nvPr>
+        </p:nvSpPr>
+        <p:spPr/>
+        <p:txBody>
+          <a:bodyPr/>
+          <a:lstStyle/>
+          <a:p>
+            <a:endParaRPr lang="en-US"/>
+          </a:p>
+        </p:txBody>
+      </p:sp>
+      <p:sp>
+        <p:nvSpPr>
+          <p:cNvPr id="3" name="Text Placeholder 2"/>
+          <p:cNvSpPr>
+            <a:spLocks noGrp="1"/>
+          </p:cNvSpPr>
+          <p:nvPr>
+            <p:ph type="body" sz="quarter" idx="13"/>
+          </p:nvPr>
+        </p:nvSpPr>
+        <p:spPr/>
+        <p:txBody>
+          <a:bodyPr/>
+          <a:lstStyle/>
+          <a:p>
+            <a:endParaRPr lang="en-US"/>
+          </a:p>
+        </p:txBody>
+      </p:sp>
+      <p:sp>
+        <p:nvSpPr>
+          <p:cNvPr id="4" name="Title 3"/>
+          <p:cNvSpPr>
+            <a:spLocks noGrp="1"/>
+          </p:cNvSpPr>
+          <p:nvPr>
+            <p:ph type="title"/>
+          </p:nvPr>
+        </p:nvSpPr>
+        <p:spPr>
+          <a:xfrm>
+            <a:off x="32237" y="76200"/>
+            <a:ext cx="5940000" cy="671292"/>
+          </a:xfrm>
+        </p:spPr>
+        <p:txBody>
+          <a:bodyPr/>
+          <a:lstStyle/>
+          <a:p>
+            <a:r>
+              <a:rPr lang="en-US" dirty="0" smtClean="0"/>
+              <a:t>Product Qualification Matrix</a:t>
+            </a:r>
+            <a:endParaRPr lang="en-US" dirty="0"/>
+          </a:p>
+        </p:txBody>
+      </p:sp>
+      <p:graphicFrame>
+        <p:nvGraphicFramePr>
+          <p:cNvPr id="8" name="Table 7"/>
+          <p:cNvGraphicFramePr>
+            <a:graphicFrameLocks noGrp="1"/>
+          </p:cNvGraphicFramePr>
+          <p:nvPr>
+            <p:extLst>
+              <p:ext uri="{D42A27DB-BD31-4B8C-83A1-F6EECF244321}">
+                <p14:modId xmlns:p14="http://schemas.microsoft.com/office/powerpoint/2010/main" val="2572958032"/>
+              </p:ext>
+            </p:extLst>
+          </p:nvPr>
+        </p:nvGraphicFramePr>
+        <p:xfrm>
+          <a:off x="32238" y="914400"/>
+          <a:ext cx="9035562" cy="5400040"/>
+        </p:xfrm>
+        <a:graphic>
+          <a:graphicData uri="http://schemas.openxmlformats.org/drawingml/2006/table">
+            <a:tbl>
+              <a:tblPr firstRow="1" bandRow="1">
+                <a:tableStyleId>{5C22544A-7EE6-4342-B048-85BDC9FD1C3A}</a:tableStyleId>
+              </a:tblPr>
+              <a:tblGrid>
+                <a:gridCol w="2101362">
+                  <a:extLst>
+                    <a:ext uri="{9D8B030D-6E8A-4147-A177-3AD203B41FA5}">
+                      <a16:colId xmlns:a16="http://schemas.microsoft.com/office/drawing/2014/main" val="127331181"/>
+                    </a:ext>
+                  </a:extLst>
+                </a:gridCol>
+                <a:gridCol w="6934200">
+                  <a:extLst>
+                    <a:ext uri="{9D8B030D-6E8A-4147-A177-3AD203B41FA5}">
+                      <a16:colId xmlns:a16="http://schemas.microsoft.com/office/drawing/2014/main" val="794748622"/>
+                    </a:ext>
+                  </a:extLst>
+                </a:gridCol>
+              </a:tblGrid>
+              <a:tr h="370840">
+                <a:tc>
+                  <a:txBody>
+                    <a:bodyPr/>
+                    <a:lstStyle/>
+                    <a:p>
+                      <a:r>
+                        <a:rPr lang="en-US" sz="1400" dirty="0" smtClean="0"/>
+                        <a:t>Factors </a:t>
+                      </a:r>
+                      <a:endParaRPr lang="en-US" sz="1400" dirty="0"/>
+                    </a:p>
+                  </a:txBody>
+                  <a:tcPr/>
+                </a:tc>
+                <a:tc>
+                  <a:txBody>
+                    <a:bodyPr/>
+                    <a:lstStyle/>
+                    <a:p>
+                      <a:r>
+                        <a:rPr lang="en-US" sz="1400" dirty="0" smtClean="0"/>
+                        <a:t>Description</a:t>
+                      </a:r>
+                      <a:endParaRPr lang="en-US" sz="1400" dirty="0"/>
+                    </a:p>
+                  </a:txBody>
+                  <a:tcPr/>
+                </a:tc>
+                <a:extLst>
+                  <a:ext uri="{0D108BD9-81ED-4DB2-BD59-A6C34878D82A}">
+                    <a16:rowId xmlns:a16="http://schemas.microsoft.com/office/drawing/2014/main" val="2816326092"/>
+                  </a:ext>
+                </a:extLst>
+              </a:tr>
+              <a:tr h="370840">
+                <a:tc>
+                  <a:txBody>
+                    <a:bodyPr/>
+                    <a:lstStyle/>
+                    <a:p>
+                      <a:r>
+                        <a:rPr lang="en-US" sz="1400" b="1" i="0" kern="1200" dirty="0" smtClean="0">
+                          <a:solidFill>
+                            <a:schemeClr val="dk1"/>
+                          </a:solidFill>
+                          <a:effectLst/>
+                          <a:latin typeface="+mn-lt"/>
+                          <a:ea typeface="+mn-ea"/>
+                          <a:cs typeface="+mn-cs"/>
+                        </a:rPr>
+                        <a:t>Cost</a:t>
+                      </a:r>
+                      <a:endParaRPr lang="en-US" sz="1400" b="1" i="0" kern="1200" dirty="0">
+                        <a:solidFill>
+                          <a:schemeClr val="dk1"/>
+                        </a:solidFill>
+                        <a:effectLst/>
+                        <a:latin typeface="+mn-lt"/>
+                        <a:ea typeface="+mn-ea"/>
+                        <a:cs typeface="+mn-cs"/>
+                      </a:endParaRPr>
+                    </a:p>
+                  </a:txBody>
+                  <a:tcPr/>
+                </a:tc>
+                <a:tc>
+                  <a:txBody>
+                    <a:bodyPr/>
+                    <a:lstStyle/>
+                    <a:p>
+                      <a:r>
+                        <a:rPr lang="en-US" sz="1400" b="0" i="0" kern="1200" dirty="0" smtClean="0">
+                          <a:solidFill>
+                            <a:schemeClr val="dk1"/>
+                          </a:solidFill>
+                          <a:effectLst/>
+                          <a:latin typeface="+mn-lt"/>
+                          <a:ea typeface="+mn-ea"/>
+                          <a:cs typeface="+mn-cs"/>
+                        </a:rPr>
+                        <a:t>Dash is an open source MIT licensed product that is available for commercial use </a:t>
+                      </a:r>
+                      <a:r>
+                        <a:rPr lang="en-US" sz="1400" b="0" i="1" kern="1200" dirty="0" smtClean="0">
+                          <a:solidFill>
+                            <a:schemeClr val="dk1"/>
+                          </a:solidFill>
+                          <a:effectLst/>
+                          <a:latin typeface="+mn-lt"/>
+                          <a:ea typeface="+mn-ea"/>
+                          <a:cs typeface="+mn-cs"/>
+                        </a:rPr>
+                        <a:t>without cost</a:t>
+                      </a:r>
+                      <a:r>
+                        <a:rPr lang="en-US" sz="1400" b="0" i="0" kern="1200" dirty="0" smtClean="0">
+                          <a:solidFill>
+                            <a:schemeClr val="dk1"/>
+                          </a:solidFill>
+                          <a:effectLst/>
+                          <a:latin typeface="+mn-lt"/>
+                          <a:ea typeface="+mn-ea"/>
+                          <a:cs typeface="+mn-cs"/>
+                        </a:rPr>
+                        <a:t>. we can prototype, test and implement an application and then roll it out to as many users as necessary without worrying about per/user licensing fees or next year’s increases.</a:t>
+                      </a:r>
+                      <a:endParaRPr lang="en-US" sz="1400" dirty="0"/>
+                    </a:p>
+                  </a:txBody>
+                  <a:tcPr/>
+                </a:tc>
+                <a:extLst>
+                  <a:ext uri="{0D108BD9-81ED-4DB2-BD59-A6C34878D82A}">
+                    <a16:rowId xmlns:a16="http://schemas.microsoft.com/office/drawing/2014/main" val="322383159"/>
+                  </a:ext>
+                </a:extLst>
+              </a:tr>
+              <a:tr h="370840">
+                <a:tc>
+                  <a:txBody>
+                    <a:bodyPr/>
+                    <a:lstStyle/>
+                    <a:p>
+                      <a:pPr marL="0" marR="0" lvl="0" indent="0" algn="l" defTabSz="914400" rtl="0" eaLnBrk="1" fontAlgn="auto" latinLnBrk="0" hangingPunct="1">
+                        <a:lnSpc>
+                          <a:spcPct val="100000"/>
+                        </a:lnSpc>
+                        <a:spcBef>
+                          <a:spcPts val="0"/>
+                        </a:spcBef>
+                        <a:spcAft>
+                          <a:spcPts val="0"/>
+                        </a:spcAft>
+                        <a:buClrTx/>
+                        <a:buSzTx/>
+                        <a:buFontTx/>
+                        <a:buNone/>
+                        <a:tabLst/>
+                        <a:defRPr/>
+                      </a:pPr>
+                      <a:r>
+                        <a:rPr lang="en-US" sz="1400" b="1" i="0" kern="1200" dirty="0" smtClean="0">
+                          <a:solidFill>
+                            <a:schemeClr val="dk1"/>
+                          </a:solidFill>
+                          <a:effectLst/>
+                          <a:latin typeface="+mn-lt"/>
+                          <a:ea typeface="+mn-ea"/>
+                          <a:cs typeface="+mn-cs"/>
+                        </a:rPr>
+                        <a:t>Ease of Deployment</a:t>
+                      </a:r>
+                    </a:p>
+                    <a:p>
+                      <a:endParaRPr lang="en-US" sz="1400" dirty="0"/>
+                    </a:p>
+                  </a:txBody>
+                  <a:tcPr/>
+                </a:tc>
+                <a:tc>
+                  <a:txBody>
+                    <a:bodyPr/>
+                    <a:lstStyle/>
+                    <a:p>
+                      <a:r>
+                        <a:rPr lang="en-US" sz="1400" b="0" i="0" kern="1200" dirty="0" smtClean="0">
+                          <a:solidFill>
+                            <a:schemeClr val="dk1"/>
+                          </a:solidFill>
+                          <a:effectLst/>
+                          <a:latin typeface="+mn-lt"/>
+                          <a:ea typeface="+mn-ea"/>
+                          <a:cs typeface="+mn-cs"/>
+                        </a:rPr>
+                        <a:t>Deploying Dash to data consumers is as easy as publishing to a web server and providing a URL.  There is no software to install, licenses to provision, updates to apply, applications to support, etc.</a:t>
+                      </a:r>
+                      <a:endParaRPr lang="en-US" sz="1400" dirty="0"/>
+                    </a:p>
+                  </a:txBody>
+                  <a:tcPr/>
+                </a:tc>
+                <a:extLst>
+                  <a:ext uri="{0D108BD9-81ED-4DB2-BD59-A6C34878D82A}">
+                    <a16:rowId xmlns:a16="http://schemas.microsoft.com/office/drawing/2014/main" val="947922957"/>
+                  </a:ext>
+                </a:extLst>
+              </a:tr>
+              <a:tr h="370840">
+                <a:tc>
+                  <a:txBody>
+                    <a:bodyPr/>
+                    <a:lstStyle/>
+                    <a:p>
+                      <a:pPr marL="0" marR="0" lvl="0" indent="0" algn="l" defTabSz="914400" rtl="0" eaLnBrk="1" fontAlgn="auto" latinLnBrk="0" hangingPunct="1">
+                        <a:lnSpc>
+                          <a:spcPct val="100000"/>
+                        </a:lnSpc>
+                        <a:spcBef>
+                          <a:spcPts val="0"/>
+                        </a:spcBef>
+                        <a:spcAft>
+                          <a:spcPts val="0"/>
+                        </a:spcAft>
+                        <a:buClrTx/>
+                        <a:buSzTx/>
+                        <a:buFontTx/>
+                        <a:buNone/>
+                        <a:tabLst/>
+                        <a:defRPr/>
+                      </a:pPr>
+                      <a:r>
+                        <a:rPr lang="en-US" sz="1400" b="1" i="0" kern="1200" dirty="0" smtClean="0">
+                          <a:solidFill>
+                            <a:schemeClr val="dk1"/>
+                          </a:solidFill>
+                          <a:effectLst/>
+                          <a:latin typeface="+mn-lt"/>
+                          <a:ea typeface="+mn-ea"/>
+                          <a:cs typeface="+mn-cs"/>
+                        </a:rPr>
+                        <a:t>Power</a:t>
+                      </a:r>
+                    </a:p>
+                    <a:p>
+                      <a:endParaRPr lang="en-US" sz="1400" dirty="0"/>
+                    </a:p>
+                  </a:txBody>
+                  <a:tcPr/>
+                </a:tc>
+                <a:tc>
+                  <a:txBody>
+                    <a:bodyPr/>
+                    <a:lstStyle/>
+                    <a:p>
+                      <a:r>
+                        <a:rPr lang="en-US" sz="1400" b="0" i="0" kern="1200" dirty="0" smtClean="0">
+                          <a:solidFill>
+                            <a:schemeClr val="dk1"/>
+                          </a:solidFill>
+                          <a:effectLst/>
+                          <a:latin typeface="+mn-lt"/>
+                          <a:ea typeface="+mn-ea"/>
+                          <a:cs typeface="+mn-cs"/>
+                        </a:rPr>
+                        <a:t>Dash is lightweight but powerful because it allows users to directly harness the two most common languages (along with the extensive list of packages built for them) used in modern data science. Dash simply adds a rich visualization layer to the applications that your data team are already building. And, it does this without the complications and workarounds required by other BI systems.</a:t>
+                      </a:r>
+                      <a:endParaRPr lang="en-US" sz="1400" dirty="0"/>
+                    </a:p>
+                  </a:txBody>
+                  <a:tcPr/>
+                </a:tc>
+                <a:extLst>
+                  <a:ext uri="{0D108BD9-81ED-4DB2-BD59-A6C34878D82A}">
+                    <a16:rowId xmlns:a16="http://schemas.microsoft.com/office/drawing/2014/main" val="2081742627"/>
+                  </a:ext>
+                </a:extLst>
+              </a:tr>
+              <a:tr h="370840">
+                <a:tc>
+                  <a:txBody>
+                    <a:bodyPr/>
+                    <a:lstStyle/>
+                    <a:p>
+                      <a:pPr marL="0" marR="0" lvl="0" indent="0" algn="l" defTabSz="914400" rtl="0" eaLnBrk="1" fontAlgn="auto" latinLnBrk="0" hangingPunct="1">
+                        <a:lnSpc>
+                          <a:spcPct val="100000"/>
+                        </a:lnSpc>
+                        <a:spcBef>
+                          <a:spcPts val="0"/>
+                        </a:spcBef>
+                        <a:spcAft>
+                          <a:spcPts val="0"/>
+                        </a:spcAft>
+                        <a:buClrTx/>
+                        <a:buSzTx/>
+                        <a:buFontTx/>
+                        <a:buNone/>
+                        <a:tabLst/>
+                        <a:defRPr/>
+                      </a:pPr>
+                      <a:r>
+                        <a:rPr lang="en-US" sz="1400" b="1" i="0" kern="1200" dirty="0" smtClean="0">
+                          <a:solidFill>
+                            <a:schemeClr val="dk1"/>
+                          </a:solidFill>
+                          <a:effectLst/>
+                          <a:latin typeface="+mn-lt"/>
+                          <a:ea typeface="+mn-ea"/>
+                          <a:cs typeface="+mn-cs"/>
+                        </a:rPr>
+                        <a:t>Unlimited Visualizations</a:t>
+                      </a:r>
+                    </a:p>
+                    <a:p>
+                      <a:endParaRPr lang="en-US" sz="1400" dirty="0"/>
+                    </a:p>
+                  </a:txBody>
+                  <a:tcPr/>
+                </a:tc>
+                <a:tc>
+                  <a:txBody>
+                    <a:bodyPr/>
+                    <a:lstStyle/>
+                    <a:p>
+                      <a:r>
+                        <a:rPr lang="en-US" sz="1400" b="0" i="0" kern="1200" dirty="0" smtClean="0">
+                          <a:solidFill>
+                            <a:schemeClr val="dk1"/>
+                          </a:solidFill>
+                          <a:effectLst/>
+                          <a:latin typeface="+mn-lt"/>
+                          <a:ea typeface="+mn-ea"/>
+                          <a:cs typeface="+mn-cs"/>
+                        </a:rPr>
+                        <a:t> Dash is open source and built using common programming languages, the </a:t>
+                      </a:r>
+                      <a:r>
+                        <a:rPr lang="en-US" sz="1400" b="0" i="0" u="none" strike="noStrike" kern="1200" dirty="0" smtClean="0">
+                          <a:solidFill>
+                            <a:schemeClr val="dk1"/>
+                          </a:solidFill>
+                          <a:effectLst/>
+                          <a:latin typeface="+mn-lt"/>
+                          <a:ea typeface="+mn-ea"/>
+                          <a:cs typeface="+mn-cs"/>
+                          <a:hlinkClick r:id="rId2"/>
+                        </a:rPr>
+                        <a:t>library</a:t>
+                      </a:r>
+                      <a:r>
+                        <a:rPr lang="en-US" sz="1400" b="0" i="0" kern="1200" dirty="0" smtClean="0">
+                          <a:solidFill>
+                            <a:schemeClr val="dk1"/>
+                          </a:solidFill>
+                          <a:effectLst/>
+                          <a:latin typeface="+mn-lt"/>
+                          <a:ea typeface="+mn-ea"/>
+                          <a:cs typeface="+mn-cs"/>
+                        </a:rPr>
+                        <a:t> of visualizations is huge and continually growing. And, if you cannot find what you need, we have the options of creating it or adapting a pre-existing configuration.</a:t>
+                      </a:r>
+                      <a:endParaRPr lang="en-US" sz="1400" dirty="0"/>
+                    </a:p>
+                  </a:txBody>
+                  <a:tcPr/>
+                </a:tc>
+                <a:extLst>
+                  <a:ext uri="{0D108BD9-81ED-4DB2-BD59-A6C34878D82A}">
+                    <a16:rowId xmlns:a16="http://schemas.microsoft.com/office/drawing/2014/main" val="1722278449"/>
+                  </a:ext>
+                </a:extLst>
+              </a:tr>
+              <a:tr h="370840">
+                <a:tc>
+                  <a:txBody>
+                    <a:bodyPr/>
+                    <a:lstStyle/>
+                    <a:p>
+                      <a:pPr marL="0" marR="0" lvl="0" indent="0" algn="l" defTabSz="914400" rtl="0" eaLnBrk="1" fontAlgn="auto" latinLnBrk="0" hangingPunct="1">
+                        <a:lnSpc>
+                          <a:spcPct val="100000"/>
+                        </a:lnSpc>
+                        <a:spcBef>
+                          <a:spcPts val="0"/>
+                        </a:spcBef>
+                        <a:spcAft>
+                          <a:spcPts val="0"/>
+                        </a:spcAft>
+                        <a:buClrTx/>
+                        <a:buSzTx/>
+                        <a:buFontTx/>
+                        <a:buNone/>
+                        <a:tabLst/>
+                        <a:defRPr/>
+                      </a:pPr>
+                      <a:r>
+                        <a:rPr lang="en-US" sz="1400" b="1" i="0" kern="1200" dirty="0" smtClean="0">
+                          <a:solidFill>
+                            <a:schemeClr val="dk1"/>
+                          </a:solidFill>
+                          <a:effectLst/>
+                          <a:latin typeface="+mn-lt"/>
+                          <a:ea typeface="+mn-ea"/>
+                          <a:cs typeface="+mn-cs"/>
+                        </a:rPr>
+                        <a:t>Flexibility</a:t>
+                      </a:r>
+                    </a:p>
+                    <a:p>
+                      <a:endParaRPr lang="en-US" sz="1400" dirty="0"/>
+                    </a:p>
+                  </a:txBody>
+                  <a:tcPr/>
+                </a:tc>
+                <a:tc>
+                  <a:txBody>
+                    <a:bodyPr/>
+                    <a:lstStyle/>
+                    <a:p>
+                      <a:r>
+                        <a:rPr lang="en-US" sz="1400" b="0" i="0" kern="1200" dirty="0" smtClean="0">
+                          <a:solidFill>
+                            <a:schemeClr val="dk1"/>
+                          </a:solidFill>
+                          <a:effectLst/>
+                          <a:latin typeface="+mn-lt"/>
+                          <a:ea typeface="+mn-ea"/>
+                          <a:cs typeface="+mn-cs"/>
+                        </a:rPr>
+                        <a:t> Dash is built on a common framework of languages and services, users can create a configuration that works best for their organization. Dash can be tailored to fit business needs and practices by incorporating authentication services, third party applications (like Apache Spark), cloud based caching, </a:t>
+                      </a:r>
+                      <a:r>
+                        <a:rPr lang="en-US" sz="1400" b="0" i="0" kern="1200" dirty="0" err="1" smtClean="0">
+                          <a:solidFill>
+                            <a:schemeClr val="dk1"/>
+                          </a:solidFill>
+                          <a:effectLst/>
+                          <a:latin typeface="+mn-lt"/>
+                          <a:ea typeface="+mn-ea"/>
+                          <a:cs typeface="+mn-cs"/>
+                        </a:rPr>
+                        <a:t>dockerization</a:t>
+                      </a:r>
+                      <a:r>
+                        <a:rPr lang="en-US" sz="1400" b="0" i="0" kern="1200" dirty="0" smtClean="0">
+                          <a:solidFill>
+                            <a:schemeClr val="dk1"/>
+                          </a:solidFill>
+                          <a:effectLst/>
+                          <a:latin typeface="+mn-lt"/>
+                          <a:ea typeface="+mn-ea"/>
+                          <a:cs typeface="+mn-cs"/>
+                        </a:rPr>
+                        <a:t>, etc.</a:t>
+                      </a:r>
+                      <a:endParaRPr lang="en-US" sz="1400" dirty="0"/>
+                    </a:p>
+                  </a:txBody>
+                  <a:tcPr/>
+                </a:tc>
+                <a:extLst>
+                  <a:ext uri="{0D108BD9-81ED-4DB2-BD59-A6C34878D82A}">
+                    <a16:rowId xmlns:a16="http://schemas.microsoft.com/office/drawing/2014/main" val="3282483578"/>
+                  </a:ext>
+                </a:extLst>
+              </a:tr>
+              <a:tr h="370840">
+                <a:tc>
+                  <a:txBody>
+                    <a:bodyPr/>
+                    <a:lstStyle/>
+                    <a:p>
+                      <a:pPr marL="0" marR="0" lvl="0" indent="0" algn="l" defTabSz="914400" rtl="0" eaLnBrk="1" fontAlgn="auto" latinLnBrk="0" hangingPunct="1">
+                        <a:lnSpc>
+                          <a:spcPct val="100000"/>
+                        </a:lnSpc>
+                        <a:spcBef>
+                          <a:spcPts val="0"/>
+                        </a:spcBef>
+                        <a:spcAft>
+                          <a:spcPts val="0"/>
+                        </a:spcAft>
+                        <a:buClrTx/>
+                        <a:buSzTx/>
+                        <a:buFontTx/>
+                        <a:buNone/>
+                        <a:tabLst/>
+                        <a:defRPr/>
+                      </a:pPr>
+                      <a:r>
+                        <a:rPr lang="en-US" sz="1400" b="1" i="0" kern="1200" dirty="0" smtClean="0">
+                          <a:solidFill>
+                            <a:schemeClr val="dk1"/>
+                          </a:solidFill>
+                          <a:effectLst/>
+                          <a:latin typeface="+mn-lt"/>
+                          <a:ea typeface="+mn-ea"/>
+                          <a:cs typeface="+mn-cs"/>
+                        </a:rPr>
+                        <a:t>Customized Formatting</a:t>
+                      </a:r>
+                    </a:p>
+                    <a:p>
+                      <a:endParaRPr lang="en-US" sz="1400" dirty="0"/>
+                    </a:p>
+                  </a:txBody>
+                  <a:tcPr/>
+                </a:tc>
+                <a:tc>
+                  <a:txBody>
+                    <a:bodyPr/>
+                    <a:lstStyle/>
+                    <a:p>
+                      <a:r>
+                        <a:rPr lang="en-US" sz="1400" b="0" i="0" kern="1200" dirty="0" smtClean="0">
+                          <a:solidFill>
+                            <a:schemeClr val="dk1"/>
+                          </a:solidFill>
+                          <a:effectLst/>
+                          <a:latin typeface="+mn-lt"/>
+                          <a:ea typeface="+mn-ea"/>
+                          <a:cs typeface="+mn-cs"/>
+                        </a:rPr>
+                        <a:t>Dash was designed for users without any knowledge of HTML or CSS, those tools can be used to their full capabilities if needed. With Dash, you can incorporate all of your branding elements and create a truly unique user experience.</a:t>
+                      </a:r>
+                      <a:endParaRPr lang="en-US" sz="1400" dirty="0"/>
+                    </a:p>
+                  </a:txBody>
+                  <a:tcPr/>
+                </a:tc>
+                <a:extLst>
+                  <a:ext uri="{0D108BD9-81ED-4DB2-BD59-A6C34878D82A}">
+                    <a16:rowId xmlns:a16="http://schemas.microsoft.com/office/drawing/2014/main" val="3536412069"/>
+                  </a:ext>
+                </a:extLst>
+              </a:tr>
+            </a:tbl>
+          </a:graphicData>
+        </a:graphic>
+      </p:graphicFrame>
+    </p:spTree>
+    <p:extLst>
+      <p:ext uri="{BB962C8B-B14F-4D97-AF65-F5344CB8AC3E}">
+        <p14:creationId xmlns:p14="http://schemas.microsoft.com/office/powerpoint/2010/main" val="4108587488"/>
+      </p:ext>
+    </p:extLst>
+  </p:cSld>
+  <p:clrMapOvr>
+    <a:masterClrMapping/>
+  </p:clrMapOvr>
+  <p:timing>
+    <p:tnLst>
+      <p:par>
+        <p:cTn id="1" dur="indefinite" restart="never" nodeType="tmRoot"/>
+      </p:par>
+    </p:tnLst>
+  </p:timing>
+</p:sld>
+</file>
+
+<file path=ppt/slides/slide5.xml><?xml version="1.0" encoding="utf-8"?>
 <p:sld xmlns:a="http://schemas.openxmlformats.org/drawingml/2006/main" xmlns:r="http://schemas.openxmlformats.org/officeDocument/2006/relationships" xmlns:p="http://schemas.openxmlformats.org/presentationml/2006/main">
   <p:cSld>
     <p:spTree>
@@ -5066,7 +9770,7 @@
     </p:spTree>
     <p:extLst>
       <p:ext uri="{BB962C8B-B14F-4D97-AF65-F5344CB8AC3E}">
-        <p14:creationId xmlns:p14="http://schemas.microsoft.com/office/powerpoint/2010/main" val="4283636545"/>
+        <p14:creationId xmlns:p14="http://schemas.microsoft.com/office/powerpoint/2010/main" val="1629616868"/>
       </p:ext>
     </p:extLst>
   </p:cSld>
@@ -5083,7 +9787,7 @@
 </p:sld>
 </file>
 
-<file path=ppt/slides/slide12.xml><?xml version="1.0" encoding="utf-8"?>
+<file path=ppt/slides/slide6.xml><?xml version="1.0" encoding="utf-8"?>
 <p:sld xmlns:a="http://schemas.openxmlformats.org/drawingml/2006/main" xmlns:r="http://schemas.openxmlformats.org/officeDocument/2006/relationships" xmlns:p="http://schemas.openxmlformats.org/presentationml/2006/main">
   <p:cSld>
     <p:spTree>
@@ -5201,6 +9905,67 @@
               <a:rPr lang="en-US" dirty="0" smtClean="0"/>
               <a:t>This could be our first data driven package for the steel plant where we can present the customer with the dashboard, Data visualization, Machine learning model output. </a:t>
             </a:r>
+          </a:p>
+          <a:p>
+            <a:endParaRPr lang="en-US" dirty="0" smtClean="0"/>
+          </a:p>
+        </p:txBody>
+      </p:sp>
+      <p:sp>
+        <p:nvSpPr>
+          <p:cNvPr id="6" name="TextBox 5"/>
+          <p:cNvSpPr txBox="1"/>
+          <p:nvPr/>
+        </p:nvSpPr>
+        <p:spPr>
+          <a:xfrm>
+            <a:off x="190289" y="3352800"/>
+            <a:ext cx="8763000" cy="1200329"/>
+          </a:xfrm>
+          <a:prstGeom prst="rect">
+            <a:avLst/>
+          </a:prstGeom>
+          <a:noFill/>
+        </p:spPr>
+        <p:txBody>
+          <a:bodyPr wrap="square" rtlCol="0">
+            <a:spAutoFit/>
+          </a:bodyPr>
+          <a:lstStyle/>
+          <a:p>
+            <a:r>
+              <a:rPr lang="en-US" dirty="0" smtClean="0"/>
+              <a:t>Here I am presenting two dash board : - </a:t>
+            </a:r>
+          </a:p>
+          <a:p>
+            <a:pPr marL="285750" indent="-285750">
+              <a:buFont typeface="Arial" panose="020B0604020202020204" pitchFamily="34" charset="0"/>
+              <a:buChar char="•"/>
+            </a:pPr>
+            <a:r>
+              <a:rPr lang="en-US" dirty="0" smtClean="0"/>
+              <a:t>Machine </a:t>
+            </a:r>
+            <a:r>
+              <a:rPr lang="en-US" dirty="0"/>
+              <a:t>data </a:t>
+            </a:r>
+            <a:r>
+              <a:rPr lang="en-US" dirty="0" smtClean="0"/>
+              <a:t> logging visualization </a:t>
+            </a:r>
+          </a:p>
+          <a:p>
+            <a:pPr marL="285750" indent="-285750">
+              <a:buFont typeface="Arial" panose="020B0604020202020204" pitchFamily="34" charset="0"/>
+              <a:buChar char="•"/>
+            </a:pPr>
+            <a:r>
+              <a:rPr lang="en-US" dirty="0" smtClean="0"/>
+              <a:t>Production data dashboard. </a:t>
+            </a:r>
+            <a:endParaRPr lang="en-US" dirty="0" smtClean="0"/>
           </a:p>
           <a:p>
             <a:endParaRPr lang="en-US" dirty="0" smtClean="0"/>
@@ -5227,7 +9992,7 @@
 </p:sld>
 </file>
 
-<file path=ppt/slides/slide13.xml><?xml version="1.0" encoding="utf-8"?>
+<file path=ppt/slides/slide7.xml><?xml version="1.0" encoding="utf-8"?>
 <p:sld xmlns:a="http://schemas.openxmlformats.org/drawingml/2006/main" xmlns:r="http://schemas.openxmlformats.org/officeDocument/2006/relationships" xmlns:p="http://schemas.openxmlformats.org/presentationml/2006/main">
   <p:cSld>
     <p:spTree>
@@ -5294,7 +10059,7 @@
         </p:nvSpPr>
         <p:spPr>
           <a:xfrm>
-            <a:off x="685800" y="152400"/>
+            <a:off x="152400" y="228600"/>
             <a:ext cx="5940000" cy="671292"/>
           </a:xfrm>
         </p:spPr>
@@ -5304,7 +10069,7 @@
           <a:p>
             <a:r>
               <a:rPr lang="en-US" dirty="0" smtClean="0"/>
-              <a:t>Dash App Architecture </a:t>
+              <a:t>Introduction</a:t>
             </a:r>
             <a:endParaRPr lang="en-US" dirty="0"/>
           </a:p>
@@ -5312,2386 +10077,75 @@
       </p:sp>
       <p:sp>
         <p:nvSpPr>
-          <p:cNvPr id="5" name="Rectangle 1"/>
-          <p:cNvSpPr>
-            <a:spLocks noChangeArrowheads="1"/>
-          </p:cNvSpPr>
+          <p:cNvPr id="5" name="TextBox 4"/>
+          <p:cNvSpPr txBox="1"/>
           <p:nvPr/>
-        </p:nvSpPr>
-        <p:spPr bwMode="auto">
-          <a:xfrm>
-            <a:off x="152400" y="1371600"/>
-            <a:ext cx="8839200" cy="1523494"/>
-          </a:xfrm>
-          <a:prstGeom prst="rect">
-            <a:avLst/>
-          </a:prstGeom>
-          <a:solidFill>
-            <a:srgbClr val="FFFFFF"/>
-          </a:solidFill>
-          <a:ln>
-            <a:noFill/>
-          </a:ln>
-          <a:effectLst/>
-          <a:extLst>
-            <a:ext uri="{91240B29-F687-4F45-9708-019B960494DF}">
-              <a14:hiddenLine xmlns:a14="http://schemas.microsoft.com/office/drawing/2010/main" w="9525">
-                <a:solidFill>
-                  <a:schemeClr val="tx1"/>
-                </a:solidFill>
-                <a:miter lim="800000"/>
-                <a:headEnd/>
-                <a:tailEnd/>
-              </a14:hiddenLine>
-            </a:ext>
-            <a:ext uri="{AF507438-7753-43E0-B8FC-AC1667EBCBE1}">
-              <a14:hiddenEffects xmlns:a14="http://schemas.microsoft.com/office/drawing/2010/main">
-                <a:effectLst>
-                  <a:outerShdw dist="35921" dir="2700000" algn="ctr" rotWithShape="0">
-                    <a:schemeClr val="bg2"/>
-                  </a:outerShdw>
-                </a:effectLst>
-              </a14:hiddenEffects>
-            </a:ext>
-          </a:extLst>
-        </p:spPr>
-        <p:txBody>
-          <a:bodyPr vert="horz" wrap="square" lIns="91440" tIns="0" rIns="91440" bIns="45720" numCol="1" anchor="ctr" anchorCtr="0" compatLnSpc="1">
-            <a:prstTxWarp prst="textNoShape">
-              <a:avLst/>
-            </a:prstTxWarp>
-            <a:spAutoFit/>
-          </a:bodyPr>
-          <a:lstStyle>
-            <a:lvl1pPr eaLnBrk="0" fontAlgn="base" hangingPunct="0">
-              <a:spcBef>
-                <a:spcPct val="0"/>
-              </a:spcBef>
-              <a:spcAft>
-                <a:spcPct val="0"/>
-              </a:spcAft>
-              <a:defRPr>
-                <a:solidFill>
-                  <a:schemeClr val="tx1"/>
-                </a:solidFill>
-                <a:latin typeface="Arial" panose="020B0604020202020204" pitchFamily="34" charset="0"/>
-              </a:defRPr>
-            </a:lvl1pPr>
-            <a:lvl2pPr eaLnBrk="0" fontAlgn="base" hangingPunct="0">
-              <a:spcBef>
-                <a:spcPct val="0"/>
-              </a:spcBef>
-              <a:spcAft>
-                <a:spcPct val="0"/>
-              </a:spcAft>
-              <a:defRPr>
-                <a:solidFill>
-                  <a:schemeClr val="tx1"/>
-                </a:solidFill>
-                <a:latin typeface="Arial" panose="020B0604020202020204" pitchFamily="34" charset="0"/>
-              </a:defRPr>
-            </a:lvl2pPr>
-            <a:lvl3pPr eaLnBrk="0" fontAlgn="base" hangingPunct="0">
-              <a:spcBef>
-                <a:spcPct val="0"/>
-              </a:spcBef>
-              <a:spcAft>
-                <a:spcPct val="0"/>
-              </a:spcAft>
-              <a:defRPr>
-                <a:solidFill>
-                  <a:schemeClr val="tx1"/>
-                </a:solidFill>
-                <a:latin typeface="Arial" panose="020B0604020202020204" pitchFamily="34" charset="0"/>
-              </a:defRPr>
-            </a:lvl3pPr>
-            <a:lvl4pPr eaLnBrk="0" fontAlgn="base" hangingPunct="0">
-              <a:spcBef>
-                <a:spcPct val="0"/>
-              </a:spcBef>
-              <a:spcAft>
-                <a:spcPct val="0"/>
-              </a:spcAft>
-              <a:defRPr>
-                <a:solidFill>
-                  <a:schemeClr val="tx1"/>
-                </a:solidFill>
-                <a:latin typeface="Arial" panose="020B0604020202020204" pitchFamily="34" charset="0"/>
-              </a:defRPr>
-            </a:lvl4pPr>
-            <a:lvl5pPr eaLnBrk="0" fontAlgn="base" hangingPunct="0">
-              <a:spcBef>
-                <a:spcPct val="0"/>
-              </a:spcBef>
-              <a:spcAft>
-                <a:spcPct val="0"/>
-              </a:spcAft>
-              <a:defRPr>
-                <a:solidFill>
-                  <a:schemeClr val="tx1"/>
-                </a:solidFill>
-                <a:latin typeface="Arial" panose="020B0604020202020204" pitchFamily="34" charset="0"/>
-              </a:defRPr>
-            </a:lvl5pPr>
-            <a:lvl6pPr eaLnBrk="0" fontAlgn="base" hangingPunct="0">
-              <a:spcBef>
-                <a:spcPct val="0"/>
-              </a:spcBef>
-              <a:spcAft>
-                <a:spcPct val="0"/>
-              </a:spcAft>
-              <a:defRPr>
-                <a:solidFill>
-                  <a:schemeClr val="tx1"/>
-                </a:solidFill>
-                <a:latin typeface="Arial" panose="020B0604020202020204" pitchFamily="34" charset="0"/>
-              </a:defRPr>
-            </a:lvl6pPr>
-            <a:lvl7pPr eaLnBrk="0" fontAlgn="base" hangingPunct="0">
-              <a:spcBef>
-                <a:spcPct val="0"/>
-              </a:spcBef>
-              <a:spcAft>
-                <a:spcPct val="0"/>
-              </a:spcAft>
-              <a:defRPr>
-                <a:solidFill>
-                  <a:schemeClr val="tx1"/>
-                </a:solidFill>
-                <a:latin typeface="Arial" panose="020B0604020202020204" pitchFamily="34" charset="0"/>
-              </a:defRPr>
-            </a:lvl7pPr>
-            <a:lvl8pPr eaLnBrk="0" fontAlgn="base" hangingPunct="0">
-              <a:spcBef>
-                <a:spcPct val="0"/>
-              </a:spcBef>
-              <a:spcAft>
-                <a:spcPct val="0"/>
-              </a:spcAft>
-              <a:defRPr>
-                <a:solidFill>
-                  <a:schemeClr val="tx1"/>
-                </a:solidFill>
-                <a:latin typeface="Arial" panose="020B0604020202020204" pitchFamily="34" charset="0"/>
-              </a:defRPr>
-            </a:lvl8pPr>
-            <a:lvl9pPr eaLnBrk="0" fontAlgn="base" hangingPunct="0">
-              <a:spcBef>
-                <a:spcPct val="0"/>
-              </a:spcBef>
-              <a:spcAft>
-                <a:spcPct val="0"/>
-              </a:spcAft>
-              <a:defRPr>
-                <a:solidFill>
-                  <a:schemeClr val="tx1"/>
-                </a:solidFill>
-                <a:latin typeface="Arial" panose="020B0604020202020204" pitchFamily="34" charset="0"/>
-              </a:defRPr>
-            </a:lvl9pPr>
-          </a:lstStyle>
-          <a:p>
-            <a:pPr marL="0" marR="0" lvl="0" indent="0" algn="l" defTabSz="914400" rtl="0" eaLnBrk="0" fontAlgn="base" latinLnBrk="0" hangingPunct="0">
-              <a:lnSpc>
-                <a:spcPct val="100000"/>
-              </a:lnSpc>
-              <a:spcBef>
-                <a:spcPct val="0"/>
-              </a:spcBef>
-              <a:spcAft>
-                <a:spcPct val="0"/>
-              </a:spcAft>
-              <a:buClrTx/>
-              <a:buSzTx/>
-              <a:buFontTx/>
-              <a:buNone/>
-              <a:tabLst/>
-            </a:pPr>
-            <a:r>
-              <a:rPr kumimoji="0" lang="en-US" altLang="en-US" sz="1200" b="0" i="0" u="none" strike="noStrike" cap="none" normalizeH="0" baseline="0" dirty="0" smtClean="0">
-                <a:ln>
-                  <a:noFill/>
-                </a:ln>
-                <a:solidFill>
-                  <a:srgbClr val="2A3F5F"/>
-                </a:solidFill>
-                <a:effectLst/>
-                <a:latin typeface="Dosis"/>
-              </a:rPr>
-              <a:t>Structuring a Multi-Page App</a:t>
-            </a:r>
-          </a:p>
-          <a:p>
-            <a:pPr marL="0" marR="0" lvl="0" indent="0" algn="l" defTabSz="914400" rtl="0" eaLnBrk="0" fontAlgn="base" latinLnBrk="0" hangingPunct="0">
-              <a:lnSpc>
-                <a:spcPct val="100000"/>
-              </a:lnSpc>
-              <a:spcBef>
-                <a:spcPct val="0"/>
-              </a:spcBef>
-              <a:spcAft>
-                <a:spcPct val="0"/>
-              </a:spcAft>
-              <a:buClrTx/>
-              <a:buSzTx/>
-              <a:buFontTx/>
-              <a:buNone/>
-              <a:tabLst/>
-            </a:pPr>
-            <a:r>
-              <a:rPr kumimoji="0" lang="en-US" altLang="en-US" sz="1200" b="0" i="0" u="none" strike="noStrike" cap="none" normalizeH="0" baseline="0" dirty="0" smtClean="0">
-                <a:ln>
-                  <a:noFill/>
-                </a:ln>
-                <a:solidFill>
-                  <a:srgbClr val="506784"/>
-                </a:solidFill>
-                <a:effectLst/>
-                <a:latin typeface="Open Sans"/>
-              </a:rPr>
-              <a:t>Here's how to structure a multi-page app, where each app is contained in a separate file.</a:t>
-            </a:r>
-            <a:endParaRPr kumimoji="0" lang="en-US" altLang="en-US" sz="600" b="0" i="0" u="none" strike="noStrike" cap="none" normalizeH="0" baseline="0" dirty="0" smtClean="0">
-              <a:ln>
-                <a:noFill/>
-              </a:ln>
-              <a:solidFill>
-                <a:schemeClr val="tx1"/>
-              </a:solidFill>
-              <a:effectLst/>
-            </a:endParaRPr>
-          </a:p>
-          <a:p>
-            <a:pPr marL="0" marR="0" lvl="0" indent="0" algn="l" defTabSz="914400" rtl="0" eaLnBrk="0" fontAlgn="base" latinLnBrk="0" hangingPunct="0">
-              <a:lnSpc>
-                <a:spcPct val="100000"/>
-              </a:lnSpc>
-              <a:spcBef>
-                <a:spcPct val="0"/>
-              </a:spcBef>
-              <a:spcAft>
-                <a:spcPct val="0"/>
-              </a:spcAft>
-              <a:buClrTx/>
-              <a:buSzTx/>
-              <a:buFontTx/>
-              <a:buNone/>
-              <a:tabLst/>
-            </a:pPr>
-            <a:r>
-              <a:rPr kumimoji="0" lang="en-US" altLang="en-US" sz="1200" b="0" i="0" u="none" strike="noStrike" cap="none" normalizeH="0" baseline="0" dirty="0" smtClean="0">
-                <a:ln>
-                  <a:noFill/>
-                </a:ln>
-                <a:solidFill>
-                  <a:srgbClr val="506784"/>
-                </a:solidFill>
-                <a:effectLst/>
-                <a:latin typeface="Open Sans"/>
-              </a:rPr>
-              <a:t>File structure:</a:t>
-            </a:r>
-            <a:endParaRPr kumimoji="0" lang="en-US" altLang="en-US" sz="1000" b="0" i="0" u="none" strike="noStrike" cap="none" normalizeH="0" baseline="0" dirty="0" smtClean="0">
-              <a:ln>
-                <a:noFill/>
-              </a:ln>
-              <a:solidFill>
-                <a:srgbClr val="506784"/>
-              </a:solidFill>
-              <a:effectLst/>
-              <a:latin typeface="Arial Unicode MS"/>
-            </a:endParaRPr>
-          </a:p>
-          <a:p>
-            <a:pPr marL="171450" marR="0" lvl="0" indent="-171450" algn="l" defTabSz="914400" rtl="0" eaLnBrk="0" fontAlgn="base" latinLnBrk="0" hangingPunct="0">
-              <a:lnSpc>
-                <a:spcPct val="100000"/>
-              </a:lnSpc>
-              <a:spcBef>
-                <a:spcPct val="0"/>
-              </a:spcBef>
-              <a:spcAft>
-                <a:spcPct val="0"/>
-              </a:spcAft>
-              <a:buClrTx/>
-              <a:buSzTx/>
-              <a:buFontTx/>
-              <a:buChar char="-"/>
-              <a:tabLst/>
-            </a:pPr>
-            <a:r>
-              <a:rPr kumimoji="0" lang="en-US" altLang="en-US" sz="1000" b="0" i="0" u="none" strike="noStrike" cap="none" normalizeH="0" baseline="0" dirty="0" smtClean="0">
-                <a:ln>
-                  <a:noFill/>
-                </a:ln>
-                <a:solidFill>
-                  <a:srgbClr val="506784"/>
-                </a:solidFill>
-                <a:effectLst/>
-                <a:latin typeface="Arial Unicode MS"/>
-              </a:rPr>
-              <a:t>app.py</a:t>
-            </a:r>
-          </a:p>
-          <a:p>
-            <a:pPr marL="171450" marR="0" lvl="0" indent="-171450" algn="l" defTabSz="914400" rtl="0" eaLnBrk="0" fontAlgn="base" latinLnBrk="0" hangingPunct="0">
-              <a:lnSpc>
-                <a:spcPct val="100000"/>
-              </a:lnSpc>
-              <a:spcBef>
-                <a:spcPct val="0"/>
-              </a:spcBef>
-              <a:spcAft>
-                <a:spcPct val="0"/>
-              </a:spcAft>
-              <a:buClrTx/>
-              <a:buSzTx/>
-              <a:buFontTx/>
-              <a:buChar char="-"/>
-              <a:tabLst/>
-            </a:pPr>
-            <a:r>
-              <a:rPr kumimoji="0" lang="en-US" altLang="en-US" sz="1000" b="0" i="0" u="none" strike="noStrike" cap="none" normalizeH="0" baseline="0" dirty="0" smtClean="0">
-                <a:ln>
-                  <a:noFill/>
-                </a:ln>
-                <a:solidFill>
-                  <a:srgbClr val="506784"/>
-                </a:solidFill>
-                <a:effectLst/>
-                <a:latin typeface="Arial Unicode MS"/>
-              </a:rPr>
-              <a:t>index.py </a:t>
-            </a:r>
-          </a:p>
-          <a:p>
-            <a:pPr marL="171450" marR="0" lvl="0" indent="-171450" algn="l" defTabSz="914400" rtl="0" eaLnBrk="0" fontAlgn="base" latinLnBrk="0" hangingPunct="0">
-              <a:lnSpc>
-                <a:spcPct val="100000"/>
-              </a:lnSpc>
-              <a:spcBef>
-                <a:spcPct val="0"/>
-              </a:spcBef>
-              <a:spcAft>
-                <a:spcPct val="0"/>
-              </a:spcAft>
-              <a:buClrTx/>
-              <a:buSzTx/>
-              <a:buFontTx/>
-              <a:buChar char="-"/>
-              <a:tabLst/>
-            </a:pPr>
-            <a:r>
-              <a:rPr kumimoji="0" lang="en-US" altLang="en-US" sz="1000" b="0" i="0" u="none" strike="noStrike" cap="none" normalizeH="0" baseline="0" dirty="0" smtClean="0">
-                <a:ln>
-                  <a:noFill/>
-                </a:ln>
-                <a:solidFill>
-                  <a:srgbClr val="506784"/>
-                </a:solidFill>
-                <a:effectLst/>
-                <a:latin typeface="Arial Unicode MS"/>
-              </a:rPr>
-              <a:t>apps </a:t>
-            </a:r>
-          </a:p>
-          <a:p>
-            <a:pPr marR="0" lvl="0" algn="l" defTabSz="914400" rtl="0" eaLnBrk="0" fontAlgn="base" latinLnBrk="0" hangingPunct="0">
-              <a:lnSpc>
-                <a:spcPct val="100000"/>
-              </a:lnSpc>
-              <a:spcBef>
-                <a:spcPct val="0"/>
-              </a:spcBef>
-              <a:spcAft>
-                <a:spcPct val="0"/>
-              </a:spcAft>
-              <a:buClrTx/>
-              <a:buSzTx/>
-              <a:tabLst/>
-            </a:pPr>
-            <a:r>
-              <a:rPr lang="en-US" altLang="en-US" sz="1000" dirty="0" smtClean="0">
-                <a:solidFill>
-                  <a:srgbClr val="506784"/>
-                </a:solidFill>
-                <a:latin typeface="Arial Unicode MS"/>
-              </a:rPr>
-              <a:t>           </a:t>
-            </a:r>
-            <a:r>
-              <a:rPr lang="en-US" altLang="en-US" sz="1000" dirty="0">
-                <a:solidFill>
-                  <a:srgbClr val="506784"/>
-                </a:solidFill>
-                <a:latin typeface="Arial Unicode MS"/>
-              </a:rPr>
-              <a:t>	</a:t>
-            </a:r>
-            <a:r>
-              <a:rPr kumimoji="0" lang="en-US" altLang="en-US" sz="1000" b="0" i="0" u="none" strike="noStrike" cap="none" normalizeH="0" baseline="0" dirty="0" smtClean="0">
-                <a:ln>
-                  <a:noFill/>
-                </a:ln>
-                <a:solidFill>
-                  <a:srgbClr val="506784"/>
-                </a:solidFill>
-                <a:effectLst/>
-                <a:latin typeface="Arial Unicode MS"/>
-              </a:rPr>
-              <a:t>-- __init__.py </a:t>
-            </a:r>
-          </a:p>
-          <a:p>
-            <a:pPr marR="0" lvl="0" algn="l" defTabSz="914400" rtl="0" eaLnBrk="0" fontAlgn="base" latinLnBrk="0" hangingPunct="0">
-              <a:lnSpc>
-                <a:spcPct val="100000"/>
-              </a:lnSpc>
-              <a:spcBef>
-                <a:spcPct val="0"/>
-              </a:spcBef>
-              <a:spcAft>
-                <a:spcPct val="0"/>
-              </a:spcAft>
-              <a:buClrTx/>
-              <a:buSzTx/>
-              <a:tabLst/>
-            </a:pPr>
-            <a:r>
-              <a:rPr lang="en-US" altLang="en-US" sz="1000" dirty="0">
-                <a:solidFill>
-                  <a:srgbClr val="506784"/>
-                </a:solidFill>
-                <a:latin typeface="Arial Unicode MS"/>
-              </a:rPr>
-              <a:t>	</a:t>
-            </a:r>
-            <a:r>
-              <a:rPr kumimoji="0" lang="en-US" altLang="en-US" sz="1000" b="0" i="0" u="none" strike="noStrike" cap="none" normalizeH="0" baseline="0" dirty="0" smtClean="0">
-                <a:ln>
-                  <a:noFill/>
-                </a:ln>
-                <a:solidFill>
-                  <a:srgbClr val="506784"/>
-                </a:solidFill>
-                <a:effectLst/>
-                <a:latin typeface="Arial Unicode MS"/>
-              </a:rPr>
-              <a:t>-- app1.py </a:t>
-            </a:r>
-          </a:p>
-          <a:p>
-            <a:pPr marR="0" lvl="0" algn="l" defTabSz="914400" rtl="0" eaLnBrk="0" fontAlgn="base" latinLnBrk="0" hangingPunct="0">
-              <a:lnSpc>
-                <a:spcPct val="100000"/>
-              </a:lnSpc>
-              <a:spcBef>
-                <a:spcPct val="0"/>
-              </a:spcBef>
-              <a:spcAft>
-                <a:spcPct val="0"/>
-              </a:spcAft>
-              <a:buClrTx/>
-              <a:buSzTx/>
-              <a:tabLst/>
-            </a:pPr>
-            <a:r>
-              <a:rPr lang="en-US" altLang="en-US" sz="1000" dirty="0">
-                <a:solidFill>
-                  <a:srgbClr val="506784"/>
-                </a:solidFill>
-                <a:latin typeface="Arial Unicode MS"/>
-              </a:rPr>
-              <a:t>	</a:t>
-            </a:r>
-            <a:r>
-              <a:rPr kumimoji="0" lang="en-US" altLang="en-US" sz="1000" b="0" i="0" u="none" strike="noStrike" cap="none" normalizeH="0" baseline="0" dirty="0" smtClean="0">
-                <a:ln>
-                  <a:noFill/>
-                </a:ln>
-                <a:solidFill>
-                  <a:srgbClr val="506784"/>
-                </a:solidFill>
-                <a:effectLst/>
-                <a:latin typeface="Arial Unicode MS"/>
-              </a:rPr>
-              <a:t>-- app2.py</a:t>
-            </a:r>
-            <a:r>
-              <a:rPr kumimoji="0" lang="en-US" altLang="en-US" sz="600" b="0" i="0" u="none" strike="noStrike" cap="none" normalizeH="0" baseline="0" dirty="0" smtClean="0">
-                <a:ln>
-                  <a:noFill/>
-                </a:ln>
-                <a:solidFill>
-                  <a:schemeClr val="tx1"/>
-                </a:solidFill>
-                <a:effectLst/>
-              </a:rPr>
-              <a:t> </a:t>
-            </a:r>
-            <a:endParaRPr kumimoji="0" lang="en-US" altLang="en-US" sz="1800" b="0" i="0" u="none" strike="noStrike" cap="none" normalizeH="0" baseline="0" dirty="0" smtClean="0">
-              <a:ln>
-                <a:noFill/>
-              </a:ln>
-              <a:solidFill>
-                <a:schemeClr val="tx1"/>
-              </a:solidFill>
-              <a:effectLst/>
-              <a:latin typeface="Arial" panose="020B0604020202020204" pitchFamily="34" charset="0"/>
-            </a:endParaRPr>
-          </a:p>
-        </p:txBody>
-      </p:sp>
-      <p:sp>
-        <p:nvSpPr>
-          <p:cNvPr id="7" name="Rectangle 3"/>
-          <p:cNvSpPr>
-            <a:spLocks noChangeArrowheads="1"/>
-          </p:cNvSpPr>
-          <p:nvPr/>
-        </p:nvSpPr>
-        <p:spPr bwMode="auto">
-          <a:xfrm>
-            <a:off x="152400" y="3069367"/>
-            <a:ext cx="8839200" cy="2954655"/>
-          </a:xfrm>
-          <a:prstGeom prst="rect">
-            <a:avLst/>
-          </a:prstGeom>
-          <a:solidFill>
-            <a:srgbClr val="F3F6FB"/>
-          </a:solidFill>
-          <a:ln>
-            <a:noFill/>
-          </a:ln>
-          <a:effectLst/>
-          <a:extLst>
-            <a:ext uri="{91240B29-F687-4F45-9708-019B960494DF}">
-              <a14:hiddenLine xmlns:a14="http://schemas.microsoft.com/office/drawing/2010/main" w="9525">
-                <a:solidFill>
-                  <a:schemeClr val="tx1"/>
-                </a:solidFill>
-                <a:miter lim="800000"/>
-                <a:headEnd/>
-                <a:tailEnd/>
-              </a14:hiddenLine>
-            </a:ext>
-            <a:ext uri="{AF507438-7753-43E0-B8FC-AC1667EBCBE1}">
-              <a14:hiddenEffects xmlns:a14="http://schemas.microsoft.com/office/drawing/2010/main">
-                <a:effectLst>
-                  <a:outerShdw dist="35921" dir="2700000" algn="ctr" rotWithShape="0">
-                    <a:schemeClr val="bg2"/>
-                  </a:outerShdw>
-                </a:effectLst>
-              </a14:hiddenEffects>
-            </a:ext>
-          </a:extLst>
-        </p:spPr>
-        <p:txBody>
-          <a:bodyPr vert="horz" wrap="square" lIns="91440" tIns="45720" rIns="91440" bIns="45720" numCol="1" anchor="ctr" anchorCtr="0" compatLnSpc="1">
-            <a:prstTxWarp prst="textNoShape">
-              <a:avLst/>
-            </a:prstTxWarp>
-            <a:spAutoFit/>
-          </a:bodyPr>
-          <a:lstStyle>
-            <a:lvl1pPr eaLnBrk="0" fontAlgn="base" hangingPunct="0">
-              <a:spcBef>
-                <a:spcPct val="0"/>
-              </a:spcBef>
-              <a:spcAft>
-                <a:spcPct val="0"/>
-              </a:spcAft>
-              <a:defRPr>
-                <a:solidFill>
-                  <a:schemeClr val="tx1"/>
-                </a:solidFill>
-                <a:latin typeface="Arial" panose="020B0604020202020204" pitchFamily="34" charset="0"/>
-              </a:defRPr>
-            </a:lvl1pPr>
-            <a:lvl2pPr eaLnBrk="0" fontAlgn="base" hangingPunct="0">
-              <a:spcBef>
-                <a:spcPct val="0"/>
-              </a:spcBef>
-              <a:spcAft>
-                <a:spcPct val="0"/>
-              </a:spcAft>
-              <a:defRPr>
-                <a:solidFill>
-                  <a:schemeClr val="tx1"/>
-                </a:solidFill>
-                <a:latin typeface="Arial" panose="020B0604020202020204" pitchFamily="34" charset="0"/>
-              </a:defRPr>
-            </a:lvl2pPr>
-            <a:lvl3pPr eaLnBrk="0" fontAlgn="base" hangingPunct="0">
-              <a:spcBef>
-                <a:spcPct val="0"/>
-              </a:spcBef>
-              <a:spcAft>
-                <a:spcPct val="0"/>
-              </a:spcAft>
-              <a:defRPr>
-                <a:solidFill>
-                  <a:schemeClr val="tx1"/>
-                </a:solidFill>
-                <a:latin typeface="Arial" panose="020B0604020202020204" pitchFamily="34" charset="0"/>
-              </a:defRPr>
-            </a:lvl3pPr>
-            <a:lvl4pPr eaLnBrk="0" fontAlgn="base" hangingPunct="0">
-              <a:spcBef>
-                <a:spcPct val="0"/>
-              </a:spcBef>
-              <a:spcAft>
-                <a:spcPct val="0"/>
-              </a:spcAft>
-              <a:defRPr>
-                <a:solidFill>
-                  <a:schemeClr val="tx1"/>
-                </a:solidFill>
-                <a:latin typeface="Arial" panose="020B0604020202020204" pitchFamily="34" charset="0"/>
-              </a:defRPr>
-            </a:lvl4pPr>
-            <a:lvl5pPr eaLnBrk="0" fontAlgn="base" hangingPunct="0">
-              <a:spcBef>
-                <a:spcPct val="0"/>
-              </a:spcBef>
-              <a:spcAft>
-                <a:spcPct val="0"/>
-              </a:spcAft>
-              <a:defRPr>
-                <a:solidFill>
-                  <a:schemeClr val="tx1"/>
-                </a:solidFill>
-                <a:latin typeface="Arial" panose="020B0604020202020204" pitchFamily="34" charset="0"/>
-              </a:defRPr>
-            </a:lvl5pPr>
-            <a:lvl6pPr eaLnBrk="0" fontAlgn="base" hangingPunct="0">
-              <a:spcBef>
-                <a:spcPct val="0"/>
-              </a:spcBef>
-              <a:spcAft>
-                <a:spcPct val="0"/>
-              </a:spcAft>
-              <a:defRPr>
-                <a:solidFill>
-                  <a:schemeClr val="tx1"/>
-                </a:solidFill>
-                <a:latin typeface="Arial" panose="020B0604020202020204" pitchFamily="34" charset="0"/>
-              </a:defRPr>
-            </a:lvl6pPr>
-            <a:lvl7pPr eaLnBrk="0" fontAlgn="base" hangingPunct="0">
-              <a:spcBef>
-                <a:spcPct val="0"/>
-              </a:spcBef>
-              <a:spcAft>
-                <a:spcPct val="0"/>
-              </a:spcAft>
-              <a:defRPr>
-                <a:solidFill>
-                  <a:schemeClr val="tx1"/>
-                </a:solidFill>
-                <a:latin typeface="Arial" panose="020B0604020202020204" pitchFamily="34" charset="0"/>
-              </a:defRPr>
-            </a:lvl7pPr>
-            <a:lvl8pPr eaLnBrk="0" fontAlgn="base" hangingPunct="0">
-              <a:spcBef>
-                <a:spcPct val="0"/>
-              </a:spcBef>
-              <a:spcAft>
-                <a:spcPct val="0"/>
-              </a:spcAft>
-              <a:defRPr>
-                <a:solidFill>
-                  <a:schemeClr val="tx1"/>
-                </a:solidFill>
-                <a:latin typeface="Arial" panose="020B0604020202020204" pitchFamily="34" charset="0"/>
-              </a:defRPr>
-            </a:lvl8pPr>
-            <a:lvl9pPr eaLnBrk="0" fontAlgn="base" hangingPunct="0">
-              <a:spcBef>
-                <a:spcPct val="0"/>
-              </a:spcBef>
-              <a:spcAft>
-                <a:spcPct val="0"/>
-              </a:spcAft>
-              <a:defRPr>
-                <a:solidFill>
-                  <a:schemeClr val="tx1"/>
-                </a:solidFill>
-                <a:latin typeface="Arial" panose="020B0604020202020204" pitchFamily="34" charset="0"/>
-              </a:defRPr>
-            </a:lvl9pPr>
-          </a:lstStyle>
-          <a:p>
-            <a:pPr marL="0" marR="0" lvl="0" indent="0" algn="l" defTabSz="914400" rtl="0" eaLnBrk="0" fontAlgn="base" latinLnBrk="0" hangingPunct="0">
-              <a:lnSpc>
-                <a:spcPct val="100000"/>
-              </a:lnSpc>
-              <a:spcBef>
-                <a:spcPct val="0"/>
-              </a:spcBef>
-              <a:spcAft>
-                <a:spcPct val="0"/>
-              </a:spcAft>
-              <a:buClrTx/>
-              <a:buSzTx/>
-              <a:buFontTx/>
-              <a:buNone/>
-              <a:tabLst/>
-            </a:pPr>
-            <a:r>
-              <a:rPr kumimoji="0" lang="en-US" altLang="en-US" sz="1200" b="0" i="0" u="none" strike="noStrike" cap="none" normalizeH="0" baseline="0" dirty="0" smtClean="0">
-                <a:ln>
-                  <a:noFill/>
-                </a:ln>
-                <a:solidFill>
-                  <a:srgbClr val="506784"/>
-                </a:solidFill>
-                <a:effectLst/>
-                <a:latin typeface="Open Sans"/>
-              </a:rPr>
-              <a:t>It is worth noting that in both of these project structures, the Dash instance is defined in a separate </a:t>
-            </a:r>
-            <a:r>
-              <a:rPr kumimoji="0" lang="en-US" altLang="en-US" sz="900" b="0" i="0" u="none" strike="noStrike" cap="none" normalizeH="0" baseline="0" dirty="0" smtClean="0">
-                <a:ln>
-                  <a:noFill/>
-                </a:ln>
-                <a:solidFill>
-                  <a:srgbClr val="506784"/>
-                </a:solidFill>
-                <a:effectLst/>
-                <a:latin typeface="Arial Unicode MS"/>
-              </a:rPr>
-              <a:t>app.py</a:t>
-            </a:r>
-            <a:r>
-              <a:rPr kumimoji="0" lang="en-US" altLang="en-US" sz="1200" b="0" i="0" u="none" strike="noStrike" cap="none" normalizeH="0" baseline="0" dirty="0" smtClean="0">
-                <a:ln>
-                  <a:noFill/>
-                </a:ln>
-                <a:solidFill>
-                  <a:srgbClr val="506784"/>
-                </a:solidFill>
-                <a:effectLst/>
-                <a:latin typeface="Open Sans"/>
-              </a:rPr>
-              <a:t>, while the entry point for </a:t>
-            </a:r>
-          </a:p>
-          <a:p>
-            <a:pPr marL="0" marR="0" lvl="0" indent="0" algn="l" defTabSz="914400" rtl="0" eaLnBrk="0" fontAlgn="base" latinLnBrk="0" hangingPunct="0">
-              <a:lnSpc>
-                <a:spcPct val="100000"/>
-              </a:lnSpc>
-              <a:spcBef>
-                <a:spcPct val="0"/>
-              </a:spcBef>
-              <a:spcAft>
-                <a:spcPct val="0"/>
-              </a:spcAft>
-              <a:buClrTx/>
-              <a:buSzTx/>
-              <a:buFontTx/>
-              <a:buNone/>
-              <a:tabLst/>
-            </a:pPr>
-            <a:endParaRPr lang="en-US" altLang="en-US" sz="1200" dirty="0">
-              <a:solidFill>
-                <a:srgbClr val="506784"/>
-              </a:solidFill>
-              <a:latin typeface="Open Sans"/>
-            </a:endParaRPr>
-          </a:p>
-          <a:p>
-            <a:pPr marL="0" marR="0" lvl="0" indent="0" algn="l" defTabSz="914400" rtl="0" eaLnBrk="0" fontAlgn="base" latinLnBrk="0" hangingPunct="0">
-              <a:lnSpc>
-                <a:spcPct val="100000"/>
-              </a:lnSpc>
-              <a:spcBef>
-                <a:spcPct val="0"/>
-              </a:spcBef>
-              <a:spcAft>
-                <a:spcPct val="0"/>
-              </a:spcAft>
-              <a:buClrTx/>
-              <a:buSzTx/>
-              <a:buFontTx/>
-              <a:buNone/>
-              <a:tabLst/>
-            </a:pPr>
-            <a:r>
-              <a:rPr kumimoji="0" lang="en-US" altLang="en-US" sz="1200" b="0" i="0" u="none" strike="noStrike" cap="none" normalizeH="0" baseline="0" dirty="0" smtClean="0">
-                <a:ln>
-                  <a:noFill/>
-                </a:ln>
-                <a:solidFill>
-                  <a:srgbClr val="506784"/>
-                </a:solidFill>
-                <a:effectLst/>
-                <a:latin typeface="Open Sans"/>
-              </a:rPr>
-              <a:t>running the app is </a:t>
-            </a:r>
-            <a:r>
-              <a:rPr kumimoji="0" lang="en-US" altLang="en-US" sz="900" b="0" i="0" u="none" strike="noStrike" cap="none" normalizeH="0" baseline="0" dirty="0" smtClean="0">
-                <a:ln>
-                  <a:noFill/>
-                </a:ln>
-                <a:solidFill>
-                  <a:srgbClr val="506784"/>
-                </a:solidFill>
-                <a:effectLst/>
-                <a:latin typeface="Arial Unicode MS"/>
-              </a:rPr>
-              <a:t>index.py</a:t>
-            </a:r>
-            <a:r>
-              <a:rPr kumimoji="0" lang="en-US" altLang="en-US" sz="1200" b="0" i="0" u="none" strike="noStrike" cap="none" normalizeH="0" baseline="0" dirty="0" smtClean="0">
-                <a:ln>
-                  <a:noFill/>
-                </a:ln>
-                <a:solidFill>
-                  <a:srgbClr val="506784"/>
-                </a:solidFill>
-                <a:effectLst/>
-                <a:latin typeface="Open Sans"/>
-              </a:rPr>
-              <a:t>. </a:t>
-            </a:r>
-          </a:p>
-          <a:p>
-            <a:pPr marL="0" marR="0" lvl="0" indent="0" algn="l" defTabSz="914400" rtl="0" eaLnBrk="0" fontAlgn="base" latinLnBrk="0" hangingPunct="0">
-              <a:lnSpc>
-                <a:spcPct val="100000"/>
-              </a:lnSpc>
-              <a:spcBef>
-                <a:spcPct val="0"/>
-              </a:spcBef>
-              <a:spcAft>
-                <a:spcPct val="0"/>
-              </a:spcAft>
-              <a:buClrTx/>
-              <a:buSzTx/>
-              <a:buFontTx/>
-              <a:buNone/>
-              <a:tabLst/>
-            </a:pPr>
-            <a:endParaRPr kumimoji="0" lang="en-US" altLang="en-US" sz="1200" b="0" i="0" u="none" strike="noStrike" cap="none" normalizeH="0" baseline="0" dirty="0" smtClean="0">
-              <a:ln>
-                <a:noFill/>
-              </a:ln>
-              <a:solidFill>
-                <a:srgbClr val="506784"/>
-              </a:solidFill>
-              <a:effectLst/>
-              <a:latin typeface="Open Sans"/>
-            </a:endParaRPr>
-          </a:p>
-          <a:p>
-            <a:pPr marL="0" marR="0" lvl="0" indent="0" algn="l" defTabSz="914400" rtl="0" eaLnBrk="0" fontAlgn="base" latinLnBrk="0" hangingPunct="0">
-              <a:lnSpc>
-                <a:spcPct val="100000"/>
-              </a:lnSpc>
-              <a:spcBef>
-                <a:spcPct val="0"/>
-              </a:spcBef>
-              <a:spcAft>
-                <a:spcPct val="0"/>
-              </a:spcAft>
-              <a:buClrTx/>
-              <a:buSzTx/>
-              <a:buFontTx/>
-              <a:buNone/>
-              <a:tabLst/>
-            </a:pPr>
-            <a:r>
-              <a:rPr kumimoji="0" lang="en-US" altLang="en-US" sz="1200" b="0" i="0" u="none" strike="noStrike" cap="none" normalizeH="0" baseline="0" dirty="0" smtClean="0">
-                <a:ln>
-                  <a:noFill/>
-                </a:ln>
-                <a:solidFill>
-                  <a:srgbClr val="506784"/>
-                </a:solidFill>
-                <a:effectLst/>
-                <a:latin typeface="Open Sans"/>
-              </a:rPr>
-              <a:t>This separation is required to avoid circular imports: the files containing the callback definitions require access to the </a:t>
-            </a:r>
-          </a:p>
-          <a:p>
-            <a:pPr marL="0" marR="0" lvl="0" indent="0" algn="l" defTabSz="914400" rtl="0" eaLnBrk="0" fontAlgn="base" latinLnBrk="0" hangingPunct="0">
-              <a:lnSpc>
-                <a:spcPct val="100000"/>
-              </a:lnSpc>
-              <a:spcBef>
-                <a:spcPct val="0"/>
-              </a:spcBef>
-              <a:spcAft>
-                <a:spcPct val="0"/>
-              </a:spcAft>
-              <a:buClrTx/>
-              <a:buSzTx/>
-              <a:buFontTx/>
-              <a:buNone/>
-              <a:tabLst/>
-            </a:pPr>
-            <a:endParaRPr lang="en-US" altLang="en-US" sz="1200" dirty="0">
-              <a:solidFill>
-                <a:srgbClr val="506784"/>
-              </a:solidFill>
-              <a:latin typeface="Open Sans"/>
-            </a:endParaRPr>
-          </a:p>
-          <a:p>
-            <a:pPr marL="0" marR="0" lvl="0" indent="0" algn="l" defTabSz="914400" rtl="0" eaLnBrk="0" fontAlgn="base" latinLnBrk="0" hangingPunct="0">
-              <a:lnSpc>
-                <a:spcPct val="100000"/>
-              </a:lnSpc>
-              <a:spcBef>
-                <a:spcPct val="0"/>
-              </a:spcBef>
-              <a:spcAft>
-                <a:spcPct val="0"/>
-              </a:spcAft>
-              <a:buClrTx/>
-              <a:buSzTx/>
-              <a:buFontTx/>
-              <a:buNone/>
-              <a:tabLst/>
-            </a:pPr>
-            <a:r>
-              <a:rPr kumimoji="0" lang="en-US" altLang="en-US" sz="1200" b="0" i="0" u="none" strike="noStrike" cap="none" normalizeH="0" baseline="0" dirty="0" smtClean="0">
-                <a:ln>
-                  <a:noFill/>
-                </a:ln>
-                <a:solidFill>
-                  <a:srgbClr val="506784"/>
-                </a:solidFill>
-                <a:effectLst/>
-                <a:latin typeface="Open Sans"/>
-              </a:rPr>
-              <a:t>Dash </a:t>
-            </a:r>
-            <a:r>
-              <a:rPr kumimoji="0" lang="en-US" altLang="en-US" sz="900" b="0" i="0" u="none" strike="noStrike" cap="none" normalizeH="0" baseline="0" dirty="0" smtClean="0">
-                <a:ln>
-                  <a:noFill/>
-                </a:ln>
-                <a:solidFill>
-                  <a:srgbClr val="506784"/>
-                </a:solidFill>
-                <a:effectLst/>
-                <a:latin typeface="Arial Unicode MS"/>
-              </a:rPr>
-              <a:t>app</a:t>
-            </a:r>
-            <a:r>
-              <a:rPr kumimoji="0" lang="en-US" altLang="en-US" sz="1200" b="0" i="0" u="none" strike="noStrike" cap="none" normalizeH="0" baseline="0" dirty="0" smtClean="0">
-                <a:ln>
-                  <a:noFill/>
-                </a:ln>
-                <a:solidFill>
-                  <a:srgbClr val="506784"/>
-                </a:solidFill>
-                <a:effectLst/>
-                <a:latin typeface="Open Sans"/>
-              </a:rPr>
-              <a:t> instance however if this were imported from </a:t>
-            </a:r>
-            <a:r>
-              <a:rPr kumimoji="0" lang="en-US" altLang="en-US" sz="900" b="0" i="0" u="none" strike="noStrike" cap="none" normalizeH="0" baseline="0" dirty="0" smtClean="0">
-                <a:ln>
-                  <a:noFill/>
-                </a:ln>
-                <a:solidFill>
-                  <a:srgbClr val="506784"/>
-                </a:solidFill>
-                <a:effectLst/>
-                <a:latin typeface="Arial Unicode MS"/>
-              </a:rPr>
-              <a:t>index.py</a:t>
-            </a:r>
-            <a:r>
-              <a:rPr kumimoji="0" lang="en-US" altLang="en-US" sz="1200" b="0" i="0" u="none" strike="noStrike" cap="none" normalizeH="0" baseline="0" dirty="0" smtClean="0">
-                <a:ln>
-                  <a:noFill/>
-                </a:ln>
-                <a:solidFill>
-                  <a:srgbClr val="506784"/>
-                </a:solidFill>
-                <a:effectLst/>
-                <a:latin typeface="Open Sans"/>
-              </a:rPr>
-              <a:t>, the initial loading of </a:t>
-            </a:r>
-            <a:r>
-              <a:rPr kumimoji="0" lang="en-US" altLang="en-US" sz="900" b="0" i="0" u="none" strike="noStrike" cap="none" normalizeH="0" baseline="0" dirty="0" smtClean="0">
-                <a:ln>
-                  <a:noFill/>
-                </a:ln>
-                <a:solidFill>
-                  <a:srgbClr val="506784"/>
-                </a:solidFill>
-                <a:effectLst/>
-                <a:latin typeface="Arial Unicode MS"/>
-              </a:rPr>
-              <a:t>index.py</a:t>
-            </a:r>
-            <a:r>
-              <a:rPr kumimoji="0" lang="en-US" altLang="en-US" sz="1200" b="0" i="0" u="none" strike="noStrike" cap="none" normalizeH="0" baseline="0" dirty="0" smtClean="0">
-                <a:ln>
-                  <a:noFill/>
-                </a:ln>
-                <a:solidFill>
-                  <a:srgbClr val="506784"/>
-                </a:solidFill>
-                <a:effectLst/>
-                <a:latin typeface="Open Sans"/>
-              </a:rPr>
-              <a:t> </a:t>
-            </a:r>
-          </a:p>
-          <a:p>
-            <a:pPr marL="0" marR="0" lvl="0" indent="0" algn="l" defTabSz="914400" rtl="0" eaLnBrk="0" fontAlgn="base" latinLnBrk="0" hangingPunct="0">
-              <a:lnSpc>
-                <a:spcPct val="100000"/>
-              </a:lnSpc>
-              <a:spcBef>
-                <a:spcPct val="0"/>
-              </a:spcBef>
-              <a:spcAft>
-                <a:spcPct val="0"/>
-              </a:spcAft>
-              <a:buClrTx/>
-              <a:buSzTx/>
-              <a:buFontTx/>
-              <a:buNone/>
-              <a:tabLst/>
-            </a:pPr>
-            <a:endParaRPr kumimoji="0" lang="en-US" altLang="en-US" sz="1200" b="0" i="0" u="none" strike="noStrike" cap="none" normalizeH="0" baseline="0" dirty="0" smtClean="0">
-              <a:ln>
-                <a:noFill/>
-              </a:ln>
-              <a:solidFill>
-                <a:srgbClr val="506784"/>
-              </a:solidFill>
-              <a:effectLst/>
-              <a:latin typeface="Open Sans"/>
-            </a:endParaRPr>
-          </a:p>
-          <a:p>
-            <a:pPr marL="0" marR="0" lvl="0" indent="0" algn="l" defTabSz="914400" rtl="0" eaLnBrk="0" fontAlgn="base" latinLnBrk="0" hangingPunct="0">
-              <a:lnSpc>
-                <a:spcPct val="100000"/>
-              </a:lnSpc>
-              <a:spcBef>
-                <a:spcPct val="0"/>
-              </a:spcBef>
-              <a:spcAft>
-                <a:spcPct val="0"/>
-              </a:spcAft>
-              <a:buClrTx/>
-              <a:buSzTx/>
-              <a:buFontTx/>
-              <a:buNone/>
-              <a:tabLst/>
-            </a:pPr>
-            <a:r>
-              <a:rPr kumimoji="0" lang="en-US" altLang="en-US" sz="1200" b="0" i="0" u="none" strike="noStrike" cap="none" normalizeH="0" baseline="0" dirty="0" smtClean="0">
-                <a:ln>
-                  <a:noFill/>
-                </a:ln>
-                <a:solidFill>
-                  <a:srgbClr val="506784"/>
-                </a:solidFill>
-                <a:effectLst/>
-                <a:latin typeface="Open Sans"/>
-              </a:rPr>
-              <a:t>would ultimately require itself to be already imported, which cannot be satisfied.</a:t>
-            </a:r>
-            <a:r>
-              <a:rPr kumimoji="0" lang="en-US" altLang="en-US" sz="600" b="0" i="0" u="none" strike="noStrike" cap="none" normalizeH="0" baseline="0" dirty="0" smtClean="0">
-                <a:ln>
-                  <a:noFill/>
-                </a:ln>
-                <a:solidFill>
-                  <a:schemeClr val="tx1"/>
-                </a:solidFill>
-                <a:effectLst/>
-              </a:rPr>
-              <a:t> </a:t>
-            </a:r>
-          </a:p>
-          <a:p>
-            <a:pPr marL="0" marR="0" lvl="0" indent="0" algn="l" defTabSz="914400" rtl="0" eaLnBrk="0" fontAlgn="base" latinLnBrk="0" hangingPunct="0">
-              <a:lnSpc>
-                <a:spcPct val="100000"/>
-              </a:lnSpc>
-              <a:spcBef>
-                <a:spcPct val="0"/>
-              </a:spcBef>
-              <a:spcAft>
-                <a:spcPct val="0"/>
-              </a:spcAft>
-              <a:buClrTx/>
-              <a:buSzTx/>
-              <a:buFontTx/>
-              <a:buNone/>
-              <a:tabLst/>
-            </a:pPr>
-            <a:endParaRPr lang="en-US" altLang="en-US" sz="600" dirty="0">
-              <a:latin typeface="Arial" panose="020B0604020202020204" pitchFamily="34" charset="0"/>
-            </a:endParaRPr>
-          </a:p>
-          <a:p>
-            <a:pPr marL="0" marR="0" lvl="0" indent="0" algn="l" defTabSz="914400" rtl="0" eaLnBrk="0" fontAlgn="base" latinLnBrk="0" hangingPunct="0">
-              <a:lnSpc>
-                <a:spcPct val="100000"/>
-              </a:lnSpc>
-              <a:spcBef>
-                <a:spcPct val="0"/>
-              </a:spcBef>
-              <a:spcAft>
-                <a:spcPct val="0"/>
-              </a:spcAft>
-              <a:buClrTx/>
-              <a:buSzTx/>
-              <a:buFontTx/>
-              <a:buNone/>
-              <a:tabLst/>
-            </a:pPr>
-            <a:endParaRPr kumimoji="0" lang="en-US" altLang="en-US" sz="600" b="0" i="0" u="none" strike="noStrike" cap="none" normalizeH="0" baseline="0" dirty="0" smtClean="0">
-              <a:ln>
-                <a:noFill/>
-              </a:ln>
-              <a:solidFill>
-                <a:schemeClr val="tx1"/>
-              </a:solidFill>
-              <a:effectLst/>
-            </a:endParaRPr>
-          </a:p>
-          <a:p>
-            <a:pPr marL="0" marR="0" lvl="0" indent="0" algn="l" defTabSz="914400" rtl="0" eaLnBrk="0" fontAlgn="base" latinLnBrk="0" hangingPunct="0">
-              <a:lnSpc>
-                <a:spcPct val="100000"/>
-              </a:lnSpc>
-              <a:spcBef>
-                <a:spcPct val="0"/>
-              </a:spcBef>
-              <a:spcAft>
-                <a:spcPct val="0"/>
-              </a:spcAft>
-              <a:buClrTx/>
-              <a:buSzTx/>
-              <a:buFontTx/>
-              <a:buNone/>
-              <a:tabLst/>
-            </a:pPr>
-            <a:endParaRPr lang="en-US" altLang="en-US" sz="600" dirty="0">
-              <a:latin typeface="Arial" panose="020B0604020202020204" pitchFamily="34" charset="0"/>
-            </a:endParaRPr>
-          </a:p>
-          <a:p>
-            <a:pPr marL="0" marR="0" lvl="0" indent="0" algn="l" defTabSz="914400" rtl="0" eaLnBrk="0" fontAlgn="base" latinLnBrk="0" hangingPunct="0">
-              <a:lnSpc>
-                <a:spcPct val="100000"/>
-              </a:lnSpc>
-              <a:spcBef>
-                <a:spcPct val="0"/>
-              </a:spcBef>
-              <a:spcAft>
-                <a:spcPct val="0"/>
-              </a:spcAft>
-              <a:buClrTx/>
-              <a:buSzTx/>
-              <a:buFontTx/>
-              <a:buNone/>
-              <a:tabLst/>
-            </a:pPr>
-            <a:endParaRPr kumimoji="0" lang="en-US" altLang="en-US" sz="600" b="0" i="0" u="none" strike="noStrike" cap="none" normalizeH="0" baseline="0" dirty="0" smtClean="0">
-              <a:ln>
-                <a:noFill/>
-              </a:ln>
-              <a:solidFill>
-                <a:schemeClr val="tx1"/>
-              </a:solidFill>
-              <a:effectLst/>
-            </a:endParaRPr>
-          </a:p>
-          <a:p>
-            <a:pPr marL="0" marR="0" lvl="0" indent="0" algn="l" defTabSz="914400" rtl="0" eaLnBrk="0" fontAlgn="base" latinLnBrk="0" hangingPunct="0">
-              <a:lnSpc>
-                <a:spcPct val="100000"/>
-              </a:lnSpc>
-              <a:spcBef>
-                <a:spcPct val="0"/>
-              </a:spcBef>
-              <a:spcAft>
-                <a:spcPct val="0"/>
-              </a:spcAft>
-              <a:buClrTx/>
-              <a:buSzTx/>
-              <a:buFontTx/>
-              <a:buNone/>
-              <a:tabLst/>
-            </a:pPr>
-            <a:endParaRPr lang="en-US" altLang="en-US" sz="600" dirty="0">
-              <a:latin typeface="Arial" panose="020B0604020202020204" pitchFamily="34" charset="0"/>
-            </a:endParaRPr>
-          </a:p>
-          <a:p>
-            <a:pPr marL="0" marR="0" lvl="0" indent="0" algn="l" defTabSz="914400" rtl="0" eaLnBrk="0" fontAlgn="base" latinLnBrk="0" hangingPunct="0">
-              <a:lnSpc>
-                <a:spcPct val="100000"/>
-              </a:lnSpc>
-              <a:spcBef>
-                <a:spcPct val="0"/>
-              </a:spcBef>
-              <a:spcAft>
-                <a:spcPct val="0"/>
-              </a:spcAft>
-              <a:buClrTx/>
-              <a:buSzTx/>
-              <a:buFontTx/>
-              <a:buNone/>
-              <a:tabLst/>
-            </a:pPr>
-            <a:endParaRPr kumimoji="0" lang="en-US" altLang="en-US" sz="600" b="0" i="0" u="none" strike="noStrike" cap="none" normalizeH="0" baseline="0" dirty="0" smtClean="0">
-              <a:ln>
-                <a:noFill/>
-              </a:ln>
-              <a:solidFill>
-                <a:schemeClr val="tx1"/>
-              </a:solidFill>
-              <a:effectLst/>
-            </a:endParaRPr>
-          </a:p>
-          <a:p>
-            <a:pPr marL="0" marR="0" lvl="0" indent="0" algn="l" defTabSz="914400" rtl="0" eaLnBrk="0" fontAlgn="base" latinLnBrk="0" hangingPunct="0">
-              <a:lnSpc>
-                <a:spcPct val="100000"/>
-              </a:lnSpc>
-              <a:spcBef>
-                <a:spcPct val="0"/>
-              </a:spcBef>
-              <a:spcAft>
-                <a:spcPct val="0"/>
-              </a:spcAft>
-              <a:buClrTx/>
-              <a:buSzTx/>
-              <a:buFontTx/>
-              <a:buNone/>
-              <a:tabLst/>
-            </a:pPr>
-            <a:endParaRPr lang="en-US" altLang="en-US" sz="600" dirty="0">
-              <a:latin typeface="Arial" panose="020B0604020202020204" pitchFamily="34" charset="0"/>
-            </a:endParaRPr>
-          </a:p>
-          <a:p>
-            <a:pPr marL="0" marR="0" lvl="0" indent="0" algn="l" defTabSz="914400" rtl="0" eaLnBrk="0" fontAlgn="base" latinLnBrk="0" hangingPunct="0">
-              <a:lnSpc>
-                <a:spcPct val="100000"/>
-              </a:lnSpc>
-              <a:spcBef>
-                <a:spcPct val="0"/>
-              </a:spcBef>
-              <a:spcAft>
-                <a:spcPct val="0"/>
-              </a:spcAft>
-              <a:buClrTx/>
-              <a:buSzTx/>
-              <a:buFontTx/>
-              <a:buNone/>
-              <a:tabLst/>
-            </a:pPr>
-            <a:endParaRPr kumimoji="0" lang="en-US" altLang="en-US" sz="600" b="0" i="0" u="none" strike="noStrike" cap="none" normalizeH="0" baseline="0" dirty="0" smtClean="0">
-              <a:ln>
-                <a:noFill/>
-              </a:ln>
-              <a:solidFill>
-                <a:schemeClr val="tx1"/>
-              </a:solidFill>
-              <a:effectLst/>
-            </a:endParaRPr>
-          </a:p>
-          <a:p>
-            <a:pPr marL="0" marR="0" lvl="0" indent="0" algn="l" defTabSz="914400" rtl="0" eaLnBrk="0" fontAlgn="base" latinLnBrk="0" hangingPunct="0">
-              <a:lnSpc>
-                <a:spcPct val="100000"/>
-              </a:lnSpc>
-              <a:spcBef>
-                <a:spcPct val="0"/>
-              </a:spcBef>
-              <a:spcAft>
-                <a:spcPct val="0"/>
-              </a:spcAft>
-              <a:buClrTx/>
-              <a:buSzTx/>
-              <a:buFontTx/>
-              <a:buNone/>
-              <a:tabLst/>
-            </a:pPr>
-            <a:endParaRPr lang="en-US" altLang="en-US" sz="600" dirty="0">
-              <a:latin typeface="Arial" panose="020B0604020202020204" pitchFamily="34" charset="0"/>
-            </a:endParaRPr>
-          </a:p>
-          <a:p>
-            <a:pPr marL="0" marR="0" lvl="0" indent="0" algn="l" defTabSz="914400" rtl="0" eaLnBrk="0" fontAlgn="base" latinLnBrk="0" hangingPunct="0">
-              <a:lnSpc>
-                <a:spcPct val="100000"/>
-              </a:lnSpc>
-              <a:spcBef>
-                <a:spcPct val="0"/>
-              </a:spcBef>
-              <a:spcAft>
-                <a:spcPct val="0"/>
-              </a:spcAft>
-              <a:buClrTx/>
-              <a:buSzTx/>
-              <a:buFontTx/>
-              <a:buNone/>
-              <a:tabLst/>
-            </a:pPr>
-            <a:endParaRPr kumimoji="0" lang="en-US" altLang="en-US" sz="600" b="0" i="0" u="none" strike="noStrike" cap="none" normalizeH="0" baseline="0" dirty="0" smtClean="0">
-              <a:ln>
-                <a:noFill/>
-              </a:ln>
-              <a:solidFill>
-                <a:schemeClr val="tx1"/>
-              </a:solidFill>
-              <a:effectLst/>
-            </a:endParaRPr>
-          </a:p>
-          <a:p>
-            <a:pPr marL="0" marR="0" lvl="0" indent="0" algn="l" defTabSz="914400" rtl="0" eaLnBrk="0" fontAlgn="base" latinLnBrk="0" hangingPunct="0">
-              <a:lnSpc>
-                <a:spcPct val="100000"/>
-              </a:lnSpc>
-              <a:spcBef>
-                <a:spcPct val="0"/>
-              </a:spcBef>
-              <a:spcAft>
-                <a:spcPct val="0"/>
-              </a:spcAft>
-              <a:buClrTx/>
-              <a:buSzTx/>
-              <a:buFontTx/>
-              <a:buNone/>
-              <a:tabLst/>
-            </a:pPr>
-            <a:endParaRPr kumimoji="0" lang="en-US" altLang="en-US" sz="1800" b="0" i="0" u="none" strike="noStrike" cap="none" normalizeH="0" baseline="0" dirty="0" smtClean="0">
-              <a:ln>
-                <a:noFill/>
-              </a:ln>
-              <a:solidFill>
-                <a:schemeClr val="tx1"/>
-              </a:solidFill>
-              <a:effectLst/>
-              <a:latin typeface="Arial" panose="020B0604020202020204" pitchFamily="34" charset="0"/>
-            </a:endParaRPr>
-          </a:p>
-        </p:txBody>
-      </p:sp>
-    </p:spTree>
-    <p:extLst>
-      <p:ext uri="{BB962C8B-B14F-4D97-AF65-F5344CB8AC3E}">
-        <p14:creationId xmlns:p14="http://schemas.microsoft.com/office/powerpoint/2010/main" val="2525738183"/>
-      </p:ext>
-    </p:extLst>
-  </p:cSld>
-  <p:clrMapOvr>
-    <a:masterClrMapping/>
-  </p:clrMapOvr>
-  <p:timing>
-    <p:tnLst>
-      <p:par>
-        <p:cTn id="1" dur="indefinite" restart="never" nodeType="tmRoot"/>
-      </p:par>
-    </p:tnLst>
-  </p:timing>
-</p:sld>
-</file>
-
-<file path=ppt/slides/slide14.xml><?xml version="1.0" encoding="utf-8"?>
-<p:sld xmlns:a="http://schemas.openxmlformats.org/drawingml/2006/main" xmlns:r="http://schemas.openxmlformats.org/officeDocument/2006/relationships" xmlns:p="http://schemas.openxmlformats.org/presentationml/2006/main">
-  <p:cSld>
-    <p:spTree>
-      <p:nvGrpSpPr>
-        <p:cNvPr id="1" name=""/>
-        <p:cNvGrpSpPr/>
-        <p:nvPr/>
-      </p:nvGrpSpPr>
-      <p:grpSpPr>
-        <a:xfrm>
-          <a:off x="0" y="0"/>
-          <a:ext cx="0" cy="0"/>
-          <a:chOff x="0" y="0"/>
-          <a:chExt cx="0" cy="0"/>
-        </a:xfrm>
-      </p:grpSpPr>
-      <p:sp>
-        <p:nvSpPr>
-          <p:cNvPr id="2" name="Text Placeholder 1"/>
-          <p:cNvSpPr>
-            <a:spLocks noGrp="1"/>
-          </p:cNvSpPr>
-          <p:nvPr>
-            <p:ph type="body" sz="quarter" idx="14"/>
-          </p:nvPr>
-        </p:nvSpPr>
-        <p:spPr/>
-        <p:txBody>
-          <a:bodyPr/>
-          <a:lstStyle/>
-          <a:p>
-            <a:endParaRPr lang="en-US"/>
-          </a:p>
-        </p:txBody>
-      </p:sp>
-      <p:sp>
-        <p:nvSpPr>
-          <p:cNvPr id="3" name="Text Placeholder 2"/>
-          <p:cNvSpPr>
-            <a:spLocks noGrp="1"/>
-          </p:cNvSpPr>
-          <p:nvPr>
-            <p:ph type="body" sz="quarter" idx="13"/>
-          </p:nvPr>
-        </p:nvSpPr>
-        <p:spPr/>
-        <p:txBody>
-          <a:bodyPr/>
-          <a:lstStyle/>
-          <a:p>
-            <a:endParaRPr lang="en-US"/>
-          </a:p>
-        </p:txBody>
-      </p:sp>
-      <p:sp>
-        <p:nvSpPr>
-          <p:cNvPr id="4" name="Title 3"/>
-          <p:cNvSpPr>
-            <a:spLocks noGrp="1"/>
-          </p:cNvSpPr>
-          <p:nvPr>
-            <p:ph type="title"/>
-          </p:nvPr>
         </p:nvSpPr>
         <p:spPr>
           <a:xfrm>
-            <a:off x="17675" y="152400"/>
-            <a:ext cx="5940000" cy="671292"/>
-          </a:xfrm>
-        </p:spPr>
-        <p:txBody>
-          <a:bodyPr/>
-          <a:lstStyle/>
-          <a:p>
-            <a:r>
-              <a:rPr lang="en-US" dirty="0" smtClean="0"/>
-              <a:t>Machine Data Visualization</a:t>
-            </a:r>
-            <a:endParaRPr lang="en-US" dirty="0"/>
-          </a:p>
-        </p:txBody>
-      </p:sp>
-      <p:pic>
-        <p:nvPicPr>
-          <p:cNvPr id="6" name="Picture 5" descr="Screen Clipping"/>
-          <p:cNvPicPr>
-            <a:picLocks noChangeAspect="1"/>
-          </p:cNvPicPr>
-          <p:nvPr/>
-        </p:nvPicPr>
-        <p:blipFill>
-          <a:blip r:embed="rId2">
-            <a:extLst>
-              <a:ext uri="{28A0092B-C50C-407E-A947-70E740481C1C}">
-                <a14:useLocalDpi xmlns:a14="http://schemas.microsoft.com/office/drawing/2010/main" val="0"/>
-              </a:ext>
-            </a:extLst>
-          </a:blip>
-          <a:stretch>
-            <a:fillRect/>
-          </a:stretch>
-        </p:blipFill>
-        <p:spPr>
-          <a:xfrm>
-            <a:off x="0" y="914400"/>
-            <a:ext cx="9144000" cy="5978770"/>
-          </a:xfrm>
-          <a:prstGeom prst="rect">
-            <a:avLst/>
-          </a:prstGeom>
-        </p:spPr>
-      </p:pic>
-    </p:spTree>
-    <p:extLst>
-      <p:ext uri="{BB962C8B-B14F-4D97-AF65-F5344CB8AC3E}">
-        <p14:creationId xmlns:p14="http://schemas.microsoft.com/office/powerpoint/2010/main" val="3132936426"/>
-      </p:ext>
-    </p:extLst>
-  </p:cSld>
-  <p:clrMapOvr>
-    <a:masterClrMapping/>
-  </p:clrMapOvr>
-  <p:timing>
-    <p:tnLst>
-      <p:par>
-        <p:cTn id="1" dur="indefinite" restart="never" nodeType="tmRoot"/>
-      </p:par>
-    </p:tnLst>
-  </p:timing>
-</p:sld>
-</file>
-
-<file path=ppt/slides/slide15.xml><?xml version="1.0" encoding="utf-8"?>
-<p:sld xmlns:a="http://schemas.openxmlformats.org/drawingml/2006/main" xmlns:r="http://schemas.openxmlformats.org/officeDocument/2006/relationships" xmlns:p="http://schemas.openxmlformats.org/presentationml/2006/main">
-  <p:cSld>
-    <p:spTree>
-      <p:nvGrpSpPr>
-        <p:cNvPr id="1" name=""/>
-        <p:cNvGrpSpPr/>
-        <p:nvPr/>
-      </p:nvGrpSpPr>
-      <p:grpSpPr>
-        <a:xfrm>
-          <a:off x="0" y="0"/>
-          <a:ext cx="0" cy="0"/>
-          <a:chOff x="0" y="0"/>
-          <a:chExt cx="0" cy="0"/>
-        </a:xfrm>
-      </p:grpSpPr>
-      <p:sp>
-        <p:nvSpPr>
-          <p:cNvPr id="2" name="Text Placeholder 1"/>
-          <p:cNvSpPr>
-            <a:spLocks noGrp="1"/>
-          </p:cNvSpPr>
-          <p:nvPr>
-            <p:ph type="body" sz="quarter" idx="14"/>
-          </p:nvPr>
-        </p:nvSpPr>
-        <p:spPr/>
-        <p:txBody>
-          <a:bodyPr/>
-          <a:lstStyle/>
-          <a:p>
-            <a:endParaRPr lang="en-US"/>
-          </a:p>
-        </p:txBody>
-      </p:sp>
-      <p:sp>
-        <p:nvSpPr>
-          <p:cNvPr id="3" name="Text Placeholder 2"/>
-          <p:cNvSpPr>
-            <a:spLocks noGrp="1"/>
-          </p:cNvSpPr>
-          <p:nvPr>
-            <p:ph type="body" sz="quarter" idx="13"/>
-          </p:nvPr>
-        </p:nvSpPr>
-        <p:spPr/>
-        <p:txBody>
-          <a:bodyPr/>
-          <a:lstStyle/>
-          <a:p>
-            <a:endParaRPr lang="en-US"/>
-          </a:p>
-        </p:txBody>
-      </p:sp>
-      <p:sp>
-        <p:nvSpPr>
-          <p:cNvPr id="4" name="Title 3"/>
-          <p:cNvSpPr>
-            <a:spLocks noGrp="1"/>
-          </p:cNvSpPr>
-          <p:nvPr>
-            <p:ph type="title"/>
-          </p:nvPr>
-        </p:nvSpPr>
-        <p:spPr/>
-        <p:txBody>
-          <a:bodyPr/>
-          <a:lstStyle/>
-          <a:p>
-            <a:endParaRPr lang="en-US"/>
-          </a:p>
-        </p:txBody>
-      </p:sp>
-      <p:pic>
-        <p:nvPicPr>
-          <p:cNvPr id="1027" name="Picture 3"/>
-          <p:cNvPicPr>
-            <a:picLocks noChangeAspect="1" noChangeArrowheads="1"/>
-          </p:cNvPicPr>
-          <p:nvPr/>
-        </p:nvPicPr>
-        <p:blipFill>
-          <a:blip r:embed="rId2">
-            <a:extLst>
-              <a:ext uri="{28A0092B-C50C-407E-A947-70E740481C1C}">
-                <a14:useLocalDpi xmlns:a14="http://schemas.microsoft.com/office/drawing/2010/main" val="0"/>
-              </a:ext>
-            </a:extLst>
-          </a:blip>
-          <a:srcRect/>
-          <a:stretch>
-            <a:fillRect/>
-          </a:stretch>
-        </p:blipFill>
-        <p:spPr bwMode="auto">
-          <a:xfrm>
-            <a:off x="-8793" y="0"/>
-            <a:ext cx="9144000" cy="6857999"/>
+            <a:off x="228600" y="1371600"/>
+            <a:ext cx="8458200" cy="923330"/>
           </a:xfrm>
           <a:prstGeom prst="rect">
             <a:avLst/>
           </a:prstGeom>
           <a:noFill/>
-          <a:ln>
-            <a:noFill/>
-          </a:ln>
-          <a:extLst>
-            <a:ext uri="{909E8E84-426E-40DD-AFC4-6F175D3DCCD1}">
-              <a14:hiddenFill xmlns:a14="http://schemas.microsoft.com/office/drawing/2010/main">
-                <a:solidFill>
-                  <a:schemeClr val="accent1"/>
-                </a:solidFill>
-              </a14:hiddenFill>
-            </a:ext>
-            <a:ext uri="{91240B29-F687-4F45-9708-019B960494DF}">
-              <a14:hiddenLine xmlns:a14="http://schemas.microsoft.com/office/drawing/2010/main" w="9525">
-                <a:solidFill>
-                  <a:schemeClr val="tx1"/>
-                </a:solidFill>
-                <a:miter lim="800000"/>
-                <a:headEnd/>
-                <a:tailEnd/>
-              </a14:hiddenLine>
-            </a:ext>
-          </a:extLst>
         </p:spPr>
-      </p:pic>
-    </p:spTree>
-    <p:extLst>
-      <p:ext uri="{BB962C8B-B14F-4D97-AF65-F5344CB8AC3E}">
-        <p14:creationId xmlns:p14="http://schemas.microsoft.com/office/powerpoint/2010/main" val="2017165027"/>
-      </p:ext>
-    </p:extLst>
-  </p:cSld>
-  <p:clrMapOvr>
-    <a:masterClrMapping/>
-  </p:clrMapOvr>
-  <p:timing>
-    <p:tnLst>
-      <p:par>
-        <p:cTn id="1" dur="indefinite" restart="never" nodeType="tmRoot"/>
-      </p:par>
-    </p:tnLst>
-  </p:timing>
-</p:sld>
-</file>
-
-<file path=ppt/slides/slide16.xml><?xml version="1.0" encoding="utf-8"?>
-<p:sld xmlns:a="http://schemas.openxmlformats.org/drawingml/2006/main" xmlns:r="http://schemas.openxmlformats.org/officeDocument/2006/relationships" xmlns:p="http://schemas.openxmlformats.org/presentationml/2006/main">
-  <p:cSld>
-    <p:spTree>
-      <p:nvGrpSpPr>
-        <p:cNvPr id="1" name=""/>
-        <p:cNvGrpSpPr/>
-        <p:nvPr/>
-      </p:nvGrpSpPr>
-      <p:grpSpPr>
-        <a:xfrm>
-          <a:off x="0" y="0"/>
-          <a:ext cx="0" cy="0"/>
-          <a:chOff x="0" y="0"/>
-          <a:chExt cx="0" cy="0"/>
-        </a:xfrm>
-      </p:grpSpPr>
-      <p:sp>
-        <p:nvSpPr>
-          <p:cNvPr id="2" name="Text Placeholder 1"/>
-          <p:cNvSpPr>
-            <a:spLocks noGrp="1"/>
-          </p:cNvSpPr>
-          <p:nvPr>
-            <p:ph type="body" sz="quarter" idx="14"/>
-          </p:nvPr>
-        </p:nvSpPr>
-        <p:spPr/>
-        <p:txBody>
-          <a:bodyPr/>
-          <a:lstStyle/>
-          <a:p>
-            <a:endParaRPr lang="en-US"/>
-          </a:p>
-        </p:txBody>
-      </p:sp>
-      <p:sp>
-        <p:nvSpPr>
-          <p:cNvPr id="3" name="Text Placeholder 2"/>
-          <p:cNvSpPr>
-            <a:spLocks noGrp="1"/>
-          </p:cNvSpPr>
-          <p:nvPr>
-            <p:ph type="body" sz="quarter" idx="13"/>
-          </p:nvPr>
-        </p:nvSpPr>
-        <p:spPr/>
-        <p:txBody>
-          <a:bodyPr/>
-          <a:lstStyle/>
-          <a:p>
-            <a:endParaRPr lang="en-US"/>
-          </a:p>
-        </p:txBody>
-      </p:sp>
-      <p:sp>
-        <p:nvSpPr>
-          <p:cNvPr id="4" name="Title 3"/>
-          <p:cNvSpPr>
-            <a:spLocks noGrp="1"/>
-          </p:cNvSpPr>
-          <p:nvPr>
-            <p:ph type="title"/>
-          </p:nvPr>
-        </p:nvSpPr>
-        <p:spPr/>
-        <p:txBody>
-          <a:bodyPr/>
-          <a:lstStyle/>
-          <a:p>
-            <a:endParaRPr lang="en-US"/>
-          </a:p>
-        </p:txBody>
-      </p:sp>
-      <p:pic>
-        <p:nvPicPr>
-          <p:cNvPr id="5" name="Picture 4" descr="Screen Clipping"/>
-          <p:cNvPicPr>
-            <a:picLocks noChangeAspect="1"/>
-          </p:cNvPicPr>
+        <p:txBody>
+          <a:bodyPr wrap="square" rtlCol="0">
+            <a:spAutoFit/>
+          </a:bodyPr>
+          <a:lstStyle/>
+          <a:p>
+            <a:r>
+              <a:rPr lang="en-US" dirty="0" smtClean="0"/>
+              <a:t>While working on PLTCM Web HMI project I came across data visualization tool used in this project. The tool simply uses the </a:t>
+            </a:r>
+            <a:r>
+              <a:rPr lang="en-US" dirty="0" err="1" smtClean="0"/>
+              <a:t>matplotlib</a:t>
+            </a:r>
+            <a:r>
+              <a:rPr lang="en-US" dirty="0" smtClean="0"/>
+              <a:t>(open source lib for plotting graphs) to plot data from data’s received from respective machine.</a:t>
+            </a:r>
+            <a:endParaRPr lang="en-US" dirty="0"/>
+          </a:p>
+        </p:txBody>
+      </p:sp>
+      <p:sp>
+        <p:nvSpPr>
+          <p:cNvPr id="6" name="TextBox 5"/>
+          <p:cNvSpPr txBox="1"/>
           <p:nvPr/>
-        </p:nvPicPr>
-        <p:blipFill>
-          <a:blip r:embed="rId2">
-            <a:extLst>
-              <a:ext uri="{28A0092B-C50C-407E-A947-70E740481C1C}">
-                <a14:useLocalDpi xmlns:a14="http://schemas.microsoft.com/office/drawing/2010/main" val="0"/>
-              </a:ext>
-            </a:extLst>
-          </a:blip>
-          <a:stretch>
-            <a:fillRect/>
-          </a:stretch>
-        </p:blipFill>
+        </p:nvSpPr>
         <p:spPr>
           <a:xfrm>
-            <a:off x="0" y="0"/>
-            <a:ext cx="9144000" cy="6858000"/>
-          </a:xfrm>
-          <a:prstGeom prst="rect">
-            <a:avLst/>
-          </a:prstGeom>
-        </p:spPr>
-      </p:pic>
-    </p:spTree>
-    <p:extLst>
-      <p:ext uri="{BB962C8B-B14F-4D97-AF65-F5344CB8AC3E}">
-        <p14:creationId xmlns:p14="http://schemas.microsoft.com/office/powerpoint/2010/main" val="1273004193"/>
-      </p:ext>
-    </p:extLst>
-  </p:cSld>
-  <p:clrMapOvr>
-    <a:masterClrMapping/>
-  </p:clrMapOvr>
-  <p:timing>
-    <p:tnLst>
-      <p:par>
-        <p:cTn id="1" dur="indefinite" restart="never" nodeType="tmRoot"/>
-      </p:par>
-    </p:tnLst>
-  </p:timing>
-</p:sld>
-</file>
-
-<file path=ppt/slides/slide17.xml><?xml version="1.0" encoding="utf-8"?>
-<p:sld xmlns:a="http://schemas.openxmlformats.org/drawingml/2006/main" xmlns:r="http://schemas.openxmlformats.org/officeDocument/2006/relationships" xmlns:p="http://schemas.openxmlformats.org/presentationml/2006/main">
-  <p:cSld>
-    <p:spTree>
-      <p:nvGrpSpPr>
-        <p:cNvPr id="1" name=""/>
-        <p:cNvGrpSpPr/>
-        <p:nvPr/>
-      </p:nvGrpSpPr>
-      <p:grpSpPr>
-        <a:xfrm>
-          <a:off x="0" y="0"/>
-          <a:ext cx="0" cy="0"/>
-          <a:chOff x="0" y="0"/>
-          <a:chExt cx="0" cy="0"/>
-        </a:xfrm>
-      </p:grpSpPr>
-      <p:sp>
-        <p:nvSpPr>
-          <p:cNvPr id="2" name="Text Placeholder 1"/>
-          <p:cNvSpPr>
-            <a:spLocks noGrp="1"/>
-          </p:cNvSpPr>
-          <p:nvPr>
-            <p:ph type="body" sz="quarter" idx="14"/>
-          </p:nvPr>
-        </p:nvSpPr>
-        <p:spPr/>
-        <p:txBody>
-          <a:bodyPr/>
-          <a:lstStyle/>
-          <a:p>
-            <a:endParaRPr lang="en-US"/>
-          </a:p>
-        </p:txBody>
-      </p:sp>
-      <p:sp>
-        <p:nvSpPr>
-          <p:cNvPr id="3" name="Text Placeholder 2"/>
-          <p:cNvSpPr>
-            <a:spLocks noGrp="1"/>
-          </p:cNvSpPr>
-          <p:nvPr>
-            <p:ph type="body" sz="quarter" idx="13"/>
-          </p:nvPr>
-        </p:nvSpPr>
-        <p:spPr/>
-        <p:txBody>
-          <a:bodyPr/>
-          <a:lstStyle/>
-          <a:p>
-            <a:endParaRPr lang="en-US"/>
-          </a:p>
-        </p:txBody>
-      </p:sp>
-      <p:sp>
-        <p:nvSpPr>
-          <p:cNvPr id="4" name="Title 3"/>
-          <p:cNvSpPr>
-            <a:spLocks noGrp="1"/>
-          </p:cNvSpPr>
-          <p:nvPr>
-            <p:ph type="title"/>
-          </p:nvPr>
-        </p:nvSpPr>
-        <p:spPr/>
-        <p:txBody>
-          <a:bodyPr/>
-          <a:lstStyle/>
-          <a:p>
-            <a:endParaRPr lang="en-US"/>
-          </a:p>
-        </p:txBody>
-      </p:sp>
-      <p:pic>
-        <p:nvPicPr>
-          <p:cNvPr id="6" name="Picture 5" descr="Screen Clipping"/>
-          <p:cNvPicPr>
-            <a:picLocks noChangeAspect="1"/>
-          </p:cNvPicPr>
-          <p:nvPr/>
-        </p:nvPicPr>
-        <p:blipFill>
-          <a:blip r:embed="rId2">
-            <a:extLst>
-              <a:ext uri="{28A0092B-C50C-407E-A947-70E740481C1C}">
-                <a14:useLocalDpi xmlns:a14="http://schemas.microsoft.com/office/drawing/2010/main" val="0"/>
-              </a:ext>
-            </a:extLst>
-          </a:blip>
-          <a:stretch>
-            <a:fillRect/>
-          </a:stretch>
-        </p:blipFill>
-        <p:spPr>
-          <a:xfrm>
-            <a:off x="0" y="685801"/>
-            <a:ext cx="9144000" cy="6172200"/>
-          </a:xfrm>
-          <a:prstGeom prst="rect">
-            <a:avLst/>
-          </a:prstGeom>
-        </p:spPr>
-      </p:pic>
-    </p:spTree>
-    <p:extLst>
-      <p:ext uri="{BB962C8B-B14F-4D97-AF65-F5344CB8AC3E}">
-        <p14:creationId xmlns:p14="http://schemas.microsoft.com/office/powerpoint/2010/main" val="3350434109"/>
-      </p:ext>
-    </p:extLst>
-  </p:cSld>
-  <p:clrMapOvr>
-    <a:masterClrMapping/>
-  </p:clrMapOvr>
-  <p:timing>
-    <p:tnLst>
-      <p:par>
-        <p:cTn id="1" dur="indefinite" restart="never" nodeType="tmRoot"/>
-      </p:par>
-    </p:tnLst>
-  </p:timing>
-</p:sld>
-</file>
-
-<file path=ppt/slides/slide18.xml><?xml version="1.0" encoding="utf-8"?>
-<p:sld xmlns:a="http://schemas.openxmlformats.org/drawingml/2006/main" xmlns:r="http://schemas.openxmlformats.org/officeDocument/2006/relationships" xmlns:p="http://schemas.openxmlformats.org/presentationml/2006/main">
-  <p:cSld>
-    <p:spTree>
-      <p:nvGrpSpPr>
-        <p:cNvPr id="1" name=""/>
-        <p:cNvGrpSpPr/>
-        <p:nvPr/>
-      </p:nvGrpSpPr>
-      <p:grpSpPr>
-        <a:xfrm>
-          <a:off x="0" y="0"/>
-          <a:ext cx="0" cy="0"/>
-          <a:chOff x="0" y="0"/>
-          <a:chExt cx="0" cy="0"/>
-        </a:xfrm>
-      </p:grpSpPr>
-      <p:sp>
-        <p:nvSpPr>
-          <p:cNvPr id="2" name="Text Placeholder 1"/>
-          <p:cNvSpPr>
-            <a:spLocks noGrp="1"/>
-          </p:cNvSpPr>
-          <p:nvPr>
-            <p:ph type="body" sz="quarter" idx="14"/>
-          </p:nvPr>
-        </p:nvSpPr>
-        <p:spPr/>
-        <p:txBody>
-          <a:bodyPr/>
-          <a:lstStyle/>
-          <a:p>
-            <a:endParaRPr lang="en-US"/>
-          </a:p>
-        </p:txBody>
-      </p:sp>
-      <p:sp>
-        <p:nvSpPr>
-          <p:cNvPr id="3" name="Text Placeholder 2"/>
-          <p:cNvSpPr>
-            <a:spLocks noGrp="1"/>
-          </p:cNvSpPr>
-          <p:nvPr>
-            <p:ph type="body" sz="quarter" idx="13"/>
-          </p:nvPr>
-        </p:nvSpPr>
-        <p:spPr/>
-        <p:txBody>
-          <a:bodyPr/>
-          <a:lstStyle/>
-          <a:p>
-            <a:endParaRPr lang="en-US"/>
-          </a:p>
-        </p:txBody>
-      </p:sp>
-      <p:sp>
-        <p:nvSpPr>
-          <p:cNvPr id="4" name="Title 3"/>
-          <p:cNvSpPr>
-            <a:spLocks noGrp="1"/>
-          </p:cNvSpPr>
-          <p:nvPr>
-            <p:ph type="title"/>
-          </p:nvPr>
-        </p:nvSpPr>
-        <p:spPr/>
-        <p:txBody>
-          <a:bodyPr/>
-          <a:lstStyle/>
-          <a:p>
-            <a:endParaRPr lang="en-US"/>
-          </a:p>
-        </p:txBody>
-      </p:sp>
-      <p:pic>
-        <p:nvPicPr>
-          <p:cNvPr id="5" name="Picture 4" descr="Screen Clipping"/>
-          <p:cNvPicPr>
-            <a:picLocks noChangeAspect="1"/>
-          </p:cNvPicPr>
-          <p:nvPr/>
-        </p:nvPicPr>
-        <p:blipFill>
-          <a:blip r:embed="rId2">
-            <a:extLst>
-              <a:ext uri="{28A0092B-C50C-407E-A947-70E740481C1C}">
-                <a14:useLocalDpi xmlns:a14="http://schemas.microsoft.com/office/drawing/2010/main" val="0"/>
-              </a:ext>
-            </a:extLst>
-          </a:blip>
-          <a:stretch>
-            <a:fillRect/>
-          </a:stretch>
-        </p:blipFill>
-        <p:spPr>
-          <a:xfrm>
-            <a:off x="0" y="762000"/>
-            <a:ext cx="9144000" cy="6096000"/>
-          </a:xfrm>
-          <a:prstGeom prst="rect">
-            <a:avLst/>
-          </a:prstGeom>
-        </p:spPr>
-      </p:pic>
-    </p:spTree>
-    <p:extLst>
-      <p:ext uri="{BB962C8B-B14F-4D97-AF65-F5344CB8AC3E}">
-        <p14:creationId xmlns:p14="http://schemas.microsoft.com/office/powerpoint/2010/main" val="4051474865"/>
-      </p:ext>
-    </p:extLst>
-  </p:cSld>
-  <p:clrMapOvr>
-    <a:masterClrMapping/>
-  </p:clrMapOvr>
-  <p:timing>
-    <p:tnLst>
-      <p:par>
-        <p:cTn id="1" dur="indefinite" restart="never" nodeType="tmRoot"/>
-      </p:par>
-    </p:tnLst>
-  </p:timing>
-</p:sld>
-</file>
-
-<file path=ppt/slides/slide19.xml><?xml version="1.0" encoding="utf-8"?>
-<p:sld xmlns:a="http://schemas.openxmlformats.org/drawingml/2006/main" xmlns:r="http://schemas.openxmlformats.org/officeDocument/2006/relationships" xmlns:p="http://schemas.openxmlformats.org/presentationml/2006/main">
-  <p:cSld>
-    <p:spTree>
-      <p:nvGrpSpPr>
-        <p:cNvPr id="1" name=""/>
-        <p:cNvGrpSpPr/>
-        <p:nvPr/>
-      </p:nvGrpSpPr>
-      <p:grpSpPr>
-        <a:xfrm>
-          <a:off x="0" y="0"/>
-          <a:ext cx="0" cy="0"/>
-          <a:chOff x="0" y="0"/>
-          <a:chExt cx="0" cy="0"/>
-        </a:xfrm>
-      </p:grpSpPr>
-      <p:sp>
-        <p:nvSpPr>
-          <p:cNvPr id="2" name="Text Placeholder 1"/>
-          <p:cNvSpPr>
-            <a:spLocks noGrp="1"/>
-          </p:cNvSpPr>
-          <p:nvPr>
-            <p:ph type="body" sz="quarter" idx="14"/>
-          </p:nvPr>
-        </p:nvSpPr>
-        <p:spPr/>
-        <p:txBody>
-          <a:bodyPr/>
-          <a:lstStyle/>
-          <a:p>
-            <a:endParaRPr lang="en-US"/>
-          </a:p>
-        </p:txBody>
-      </p:sp>
-      <p:sp>
-        <p:nvSpPr>
-          <p:cNvPr id="3" name="Text Placeholder 2"/>
-          <p:cNvSpPr>
-            <a:spLocks noGrp="1"/>
-          </p:cNvSpPr>
-          <p:nvPr>
-            <p:ph type="body" sz="quarter" idx="13"/>
-          </p:nvPr>
-        </p:nvSpPr>
-        <p:spPr/>
-        <p:txBody>
-          <a:bodyPr/>
-          <a:lstStyle/>
-          <a:p>
-            <a:endParaRPr lang="en-US"/>
-          </a:p>
-        </p:txBody>
-      </p:sp>
-      <p:sp>
-        <p:nvSpPr>
-          <p:cNvPr id="4" name="Title 3"/>
-          <p:cNvSpPr>
-            <a:spLocks noGrp="1"/>
-          </p:cNvSpPr>
-          <p:nvPr>
-            <p:ph type="title"/>
-          </p:nvPr>
-        </p:nvSpPr>
-        <p:spPr/>
-        <p:txBody>
-          <a:bodyPr/>
-          <a:lstStyle/>
-          <a:p>
-            <a:endParaRPr lang="en-US"/>
-          </a:p>
-        </p:txBody>
-      </p:sp>
-      <p:pic>
-        <p:nvPicPr>
-          <p:cNvPr id="6" name="Picture 5" descr="Screen Clipping"/>
-          <p:cNvPicPr>
-            <a:picLocks noChangeAspect="1"/>
-          </p:cNvPicPr>
-          <p:nvPr/>
-        </p:nvPicPr>
-        <p:blipFill>
-          <a:blip r:embed="rId2">
-            <a:extLst>
-              <a:ext uri="{28A0092B-C50C-407E-A947-70E740481C1C}">
-                <a14:useLocalDpi xmlns:a14="http://schemas.microsoft.com/office/drawing/2010/main" val="0"/>
-              </a:ext>
-            </a:extLst>
-          </a:blip>
-          <a:stretch>
-            <a:fillRect/>
-          </a:stretch>
-        </p:blipFill>
-        <p:spPr>
-          <a:xfrm>
-            <a:off x="1" y="685800"/>
-            <a:ext cx="9144000" cy="6172200"/>
-          </a:xfrm>
-          <a:prstGeom prst="rect">
-            <a:avLst/>
-          </a:prstGeom>
-        </p:spPr>
-      </p:pic>
-    </p:spTree>
-    <p:extLst>
-      <p:ext uri="{BB962C8B-B14F-4D97-AF65-F5344CB8AC3E}">
-        <p14:creationId xmlns:p14="http://schemas.microsoft.com/office/powerpoint/2010/main" val="4263850466"/>
-      </p:ext>
-    </p:extLst>
-  </p:cSld>
-  <p:clrMapOvr>
-    <a:masterClrMapping/>
-  </p:clrMapOvr>
-  <p:timing>
-    <p:tnLst>
-      <p:par>
-        <p:cTn id="1" dur="indefinite" restart="never" nodeType="tmRoot"/>
-      </p:par>
-    </p:tnLst>
-  </p:timing>
-</p:sld>
-</file>
-
-<file path=ppt/slides/slide2.xml><?xml version="1.0" encoding="utf-8"?>
-<p:sld xmlns:a="http://schemas.openxmlformats.org/drawingml/2006/main" xmlns:r="http://schemas.openxmlformats.org/officeDocument/2006/relationships" xmlns:p="http://schemas.openxmlformats.org/presentationml/2006/main">
-  <p:cSld>
-    <p:spTree>
-      <p:nvGrpSpPr>
-        <p:cNvPr id="1" name=""/>
-        <p:cNvGrpSpPr/>
-        <p:nvPr/>
-      </p:nvGrpSpPr>
-      <p:grpSpPr>
-        <a:xfrm>
-          <a:off x="0" y="0"/>
-          <a:ext cx="0" cy="0"/>
-          <a:chOff x="0" y="0"/>
-          <a:chExt cx="0" cy="0"/>
-        </a:xfrm>
-      </p:grpSpPr>
-      <p:sp>
-        <p:nvSpPr>
-          <p:cNvPr id="2" name="Text Placeholder 1"/>
-          <p:cNvSpPr>
-            <a:spLocks noGrp="1"/>
-          </p:cNvSpPr>
-          <p:nvPr>
-            <p:ph type="body" sz="quarter" idx="14"/>
-          </p:nvPr>
-        </p:nvSpPr>
-        <p:spPr/>
-        <p:txBody>
-          <a:bodyPr/>
-          <a:lstStyle/>
-          <a:p>
-            <a:endParaRPr lang="en-US"/>
-          </a:p>
-        </p:txBody>
-      </p:sp>
-      <p:sp>
-        <p:nvSpPr>
-          <p:cNvPr id="3" name="Text Placeholder 2"/>
-          <p:cNvSpPr>
-            <a:spLocks noGrp="1"/>
-          </p:cNvSpPr>
-          <p:nvPr>
-            <p:ph type="body" sz="quarter" idx="13"/>
-          </p:nvPr>
-        </p:nvSpPr>
-        <p:spPr/>
-        <p:txBody>
-          <a:bodyPr/>
-          <a:lstStyle/>
-          <a:p>
-            <a:endParaRPr lang="en-US"/>
-          </a:p>
-        </p:txBody>
-      </p:sp>
-      <p:sp>
-        <p:nvSpPr>
-          <p:cNvPr id="4" name="Slide Number Placeholder 3"/>
-          <p:cNvSpPr>
-            <a:spLocks noGrp="1"/>
-          </p:cNvSpPr>
-          <p:nvPr>
-            <p:ph type="sldNum" sz="quarter" idx="4"/>
-          </p:nvPr>
-        </p:nvSpPr>
-        <p:spPr/>
-        <p:txBody>
-          <a:bodyPr/>
-          <a:lstStyle/>
-          <a:p>
-            <a:fld id="{44043744-42FE-4892-90BA-7087481EB81E}" type="slidenum">
-              <a:rPr lang="de-DE" smtClean="0"/>
-              <a:pPr/>
-              <a:t>2</a:t>
-            </a:fld>
-            <a:endParaRPr lang="de-DE"/>
-          </a:p>
-        </p:txBody>
-      </p:sp>
-      <p:sp>
-        <p:nvSpPr>
-          <p:cNvPr id="5" name="Date Placeholder 4"/>
-          <p:cNvSpPr>
-            <a:spLocks noGrp="1"/>
-          </p:cNvSpPr>
-          <p:nvPr>
-            <p:ph type="dt" sz="half" idx="2"/>
-          </p:nvPr>
-        </p:nvSpPr>
-        <p:spPr/>
-        <p:txBody>
-          <a:bodyPr/>
-          <a:lstStyle/>
-          <a:p>
-            <a:fld id="{5F5C7AA8-AF19-4FCF-98FD-FB8AFEA87A63}" type="datetime4">
-              <a:rPr lang="en-US" smtClean="0"/>
-              <a:t>May 13, 2020</a:t>
-            </a:fld>
-            <a:endParaRPr lang="de-DE"/>
-          </a:p>
-        </p:txBody>
-      </p:sp>
-      <p:sp>
-        <p:nvSpPr>
-          <p:cNvPr id="6" name="Footer Placeholder 5"/>
-          <p:cNvSpPr>
-            <a:spLocks noGrp="1"/>
-          </p:cNvSpPr>
-          <p:nvPr>
-            <p:ph type="ftr" sz="quarter" idx="3"/>
-          </p:nvPr>
-        </p:nvSpPr>
-        <p:spPr/>
-        <p:txBody>
-          <a:bodyPr/>
-          <a:lstStyle/>
-          <a:p>
-            <a:endParaRPr lang="de-DE"/>
-          </a:p>
-        </p:txBody>
-      </p:sp>
-      <p:sp>
-        <p:nvSpPr>
-          <p:cNvPr id="7" name="Title 6"/>
-          <p:cNvSpPr>
-            <a:spLocks noGrp="1"/>
-          </p:cNvSpPr>
-          <p:nvPr>
-            <p:ph type="title"/>
-          </p:nvPr>
-        </p:nvSpPr>
-        <p:spPr>
-          <a:xfrm>
-            <a:off x="0" y="5407831"/>
-            <a:ext cx="6705600" cy="671292"/>
-          </a:xfrm>
-        </p:spPr>
-        <p:txBody>
-          <a:bodyPr/>
-          <a:lstStyle/>
-          <a:p>
-            <a:r>
-              <a:rPr lang="en-US" dirty="0" smtClean="0"/>
-              <a:t>Dashboard’s Powered </a:t>
-            </a:r>
-            <a:r>
-              <a:rPr lang="en-US" dirty="0"/>
-              <a:t>by </a:t>
-            </a:r>
-            <a:r>
-              <a:rPr lang="en-US" dirty="0" err="1"/>
-              <a:t>Plotly</a:t>
-            </a:r>
-            <a:r>
-              <a:rPr lang="en-US" dirty="0"/>
-              <a:t>, Python &amp; Panda</a:t>
-            </a:r>
-          </a:p>
-        </p:txBody>
-      </p:sp>
-      <p:pic>
-        <p:nvPicPr>
-          <p:cNvPr id="8" name="Picture 2" descr="Q:\CMM-Dept\Internal\20 Marketing 2020\M20-C -- Content\M20-C-0010 -- Trending topics\Digitization\Bild01_Blanko.jpg"/>
-          <p:cNvPicPr>
-            <a:picLocks noChangeAspect="1" noChangeArrowheads="1"/>
-          </p:cNvPicPr>
-          <p:nvPr/>
-        </p:nvPicPr>
-        <p:blipFill rotWithShape="1">
-          <a:blip r:embed="rId2">
-            <a:extLst>
-              <a:ext uri="{28A0092B-C50C-407E-A947-70E740481C1C}">
-                <a14:useLocalDpi xmlns:a14="http://schemas.microsoft.com/office/drawing/2010/main" val="0"/>
-              </a:ext>
-            </a:extLst>
-          </a:blip>
-          <a:srcRect r="796"/>
-          <a:stretch/>
-        </p:blipFill>
-        <p:spPr bwMode="auto">
-          <a:xfrm>
-            <a:off x="0" y="1089024"/>
-            <a:ext cx="9144000" cy="4321175"/>
+            <a:off x="381000" y="2743200"/>
+            <a:ext cx="8305800" cy="646331"/>
           </a:xfrm>
           <a:prstGeom prst="rect">
             <a:avLst/>
           </a:prstGeom>
           <a:noFill/>
-          <a:extLst>
-            <a:ext uri="{909E8E84-426E-40DD-AFC4-6F175D3DCCD1}">
-              <a14:hiddenFill xmlns:a14="http://schemas.microsoft.com/office/drawing/2010/main">
-                <a:solidFill>
-                  <a:srgbClr val="FFFFFF"/>
-                </a:solidFill>
-              </a14:hiddenFill>
-            </a:ext>
-          </a:extLst>
         </p:spPr>
-      </p:pic>
-      <p:sp>
-        <p:nvSpPr>
-          <p:cNvPr id="9" name="Titel 6"/>
+        <p:txBody>
+          <a:bodyPr wrap="square" rtlCol="0">
+            <a:spAutoFit/>
+          </a:bodyPr>
+          <a:lstStyle/>
+          <a:p>
+            <a:r>
+              <a:rPr lang="en-US" dirty="0" smtClean="0"/>
+              <a:t>However this tool require full user intervention to load the data from a flat file system. As data’s are huge it’s take ample amount of time before rendering the plot.   </a:t>
+            </a:r>
+            <a:endParaRPr lang="en-US" dirty="0"/>
+          </a:p>
+        </p:txBody>
+      </p:sp>
+      <p:sp>
+        <p:nvSpPr>
+          <p:cNvPr id="7" name="Title 3"/>
           <p:cNvSpPr txBox="1">
             <a:spLocks/>
           </p:cNvSpPr>
@@ -7699,8 +10153,8 @@
         </p:nvSpPr>
         <p:spPr bwMode="auto">
           <a:xfrm>
-            <a:off x="0" y="381000"/>
-            <a:ext cx="6840000" cy="702000"/>
+            <a:off x="233577" y="3594518"/>
+            <a:ext cx="5940000" cy="671292"/>
           </a:xfrm>
           <a:prstGeom prst="rect">
             <a:avLst/>
@@ -7737,628 +10191,6 @@
           </a:lstStyle>
           <a:p>
             <a:r>
-              <a:rPr lang="de-DE" dirty="0" smtClean="0"/>
-              <a:t>Digitalization makes it possible to take different points of view</a:t>
-            </a:r>
-            <a:endParaRPr lang="en-US" dirty="0"/>
-          </a:p>
-        </p:txBody>
-      </p:sp>
-    </p:spTree>
-    <p:extLst>
-      <p:ext uri="{BB962C8B-B14F-4D97-AF65-F5344CB8AC3E}">
-        <p14:creationId xmlns:p14="http://schemas.microsoft.com/office/powerpoint/2010/main" val="2458481346"/>
-      </p:ext>
-    </p:extLst>
-  </p:cSld>
-  <p:clrMapOvr>
-    <a:masterClrMapping/>
-  </p:clrMapOvr>
-  <p:timing>
-    <p:tnLst>
-      <p:par>
-        <p:cTn id="1" dur="indefinite" restart="never" nodeType="tmRoot"/>
-      </p:par>
-    </p:tnLst>
-  </p:timing>
-</p:sld>
-</file>
-
-<file path=ppt/slides/slide20.xml><?xml version="1.0" encoding="utf-8"?>
-<p:sld xmlns:a="http://schemas.openxmlformats.org/drawingml/2006/main" xmlns:r="http://schemas.openxmlformats.org/officeDocument/2006/relationships" xmlns:p="http://schemas.openxmlformats.org/presentationml/2006/main">
-  <p:cSld>
-    <p:spTree>
-      <p:nvGrpSpPr>
-        <p:cNvPr id="1" name=""/>
-        <p:cNvGrpSpPr/>
-        <p:nvPr/>
-      </p:nvGrpSpPr>
-      <p:grpSpPr>
-        <a:xfrm>
-          <a:off x="0" y="0"/>
-          <a:ext cx="0" cy="0"/>
-          <a:chOff x="0" y="0"/>
-          <a:chExt cx="0" cy="0"/>
-        </a:xfrm>
-      </p:grpSpPr>
-      <p:sp>
-        <p:nvSpPr>
-          <p:cNvPr id="2" name="Text Placeholder 1"/>
-          <p:cNvSpPr>
-            <a:spLocks noGrp="1"/>
-          </p:cNvSpPr>
-          <p:nvPr>
-            <p:ph type="body" sz="quarter" idx="14"/>
-          </p:nvPr>
-        </p:nvSpPr>
-        <p:spPr/>
-        <p:txBody>
-          <a:bodyPr/>
-          <a:lstStyle/>
-          <a:p>
-            <a:endParaRPr lang="en-US"/>
-          </a:p>
-        </p:txBody>
-      </p:sp>
-      <p:sp>
-        <p:nvSpPr>
-          <p:cNvPr id="3" name="Text Placeholder 2"/>
-          <p:cNvSpPr>
-            <a:spLocks noGrp="1"/>
-          </p:cNvSpPr>
-          <p:nvPr>
-            <p:ph type="body" sz="quarter" idx="13"/>
-          </p:nvPr>
-        </p:nvSpPr>
-        <p:spPr/>
-        <p:txBody>
-          <a:bodyPr/>
-          <a:lstStyle/>
-          <a:p>
-            <a:endParaRPr lang="en-US"/>
-          </a:p>
-        </p:txBody>
-      </p:sp>
-      <p:sp>
-        <p:nvSpPr>
-          <p:cNvPr id="4" name="Title 3"/>
-          <p:cNvSpPr>
-            <a:spLocks noGrp="1"/>
-          </p:cNvSpPr>
-          <p:nvPr>
-            <p:ph type="title"/>
-          </p:nvPr>
-        </p:nvSpPr>
-        <p:spPr/>
-        <p:txBody>
-          <a:bodyPr/>
-          <a:lstStyle/>
-          <a:p>
-            <a:endParaRPr lang="en-US"/>
-          </a:p>
-        </p:txBody>
-      </p:sp>
-      <p:pic>
-        <p:nvPicPr>
-          <p:cNvPr id="6" name="Picture 5" descr="Screen Clipping"/>
-          <p:cNvPicPr>
-            <a:picLocks noChangeAspect="1"/>
-          </p:cNvPicPr>
-          <p:nvPr/>
-        </p:nvPicPr>
-        <p:blipFill>
-          <a:blip r:embed="rId2">
-            <a:extLst>
-              <a:ext uri="{28A0092B-C50C-407E-A947-70E740481C1C}">
-                <a14:useLocalDpi xmlns:a14="http://schemas.microsoft.com/office/drawing/2010/main" val="0"/>
-              </a:ext>
-            </a:extLst>
-          </a:blip>
-          <a:stretch>
-            <a:fillRect/>
-          </a:stretch>
-        </p:blipFill>
-        <p:spPr>
-          <a:xfrm>
-            <a:off x="0" y="838200"/>
-            <a:ext cx="9144000" cy="6019800"/>
-          </a:xfrm>
-          <a:prstGeom prst="rect">
-            <a:avLst/>
-          </a:prstGeom>
-        </p:spPr>
-      </p:pic>
-    </p:spTree>
-    <p:extLst>
-      <p:ext uri="{BB962C8B-B14F-4D97-AF65-F5344CB8AC3E}">
-        <p14:creationId xmlns:p14="http://schemas.microsoft.com/office/powerpoint/2010/main" val="3457502197"/>
-      </p:ext>
-    </p:extLst>
-  </p:cSld>
-  <p:clrMapOvr>
-    <a:masterClrMapping/>
-  </p:clrMapOvr>
-  <p:timing>
-    <p:tnLst>
-      <p:par>
-        <p:cTn id="1" dur="indefinite" restart="never" nodeType="tmRoot"/>
-      </p:par>
-    </p:tnLst>
-  </p:timing>
-</p:sld>
-</file>
-
-<file path=ppt/slides/slide21.xml><?xml version="1.0" encoding="utf-8"?>
-<p:sld xmlns:a="http://schemas.openxmlformats.org/drawingml/2006/main" xmlns:r="http://schemas.openxmlformats.org/officeDocument/2006/relationships" xmlns:p="http://schemas.openxmlformats.org/presentationml/2006/main">
-  <p:cSld>
-    <p:spTree>
-      <p:nvGrpSpPr>
-        <p:cNvPr id="1" name=""/>
-        <p:cNvGrpSpPr/>
-        <p:nvPr/>
-      </p:nvGrpSpPr>
-      <p:grpSpPr>
-        <a:xfrm>
-          <a:off x="0" y="0"/>
-          <a:ext cx="0" cy="0"/>
-          <a:chOff x="0" y="0"/>
-          <a:chExt cx="0" cy="0"/>
-        </a:xfrm>
-      </p:grpSpPr>
-      <p:sp>
-        <p:nvSpPr>
-          <p:cNvPr id="2" name="Text Placeholder 1"/>
-          <p:cNvSpPr>
-            <a:spLocks noGrp="1"/>
-          </p:cNvSpPr>
-          <p:nvPr>
-            <p:ph type="body" sz="quarter" idx="14"/>
-          </p:nvPr>
-        </p:nvSpPr>
-        <p:spPr/>
-        <p:txBody>
-          <a:bodyPr/>
-          <a:lstStyle/>
-          <a:p>
-            <a:endParaRPr lang="en-US"/>
-          </a:p>
-        </p:txBody>
-      </p:sp>
-      <p:sp>
-        <p:nvSpPr>
-          <p:cNvPr id="3" name="Text Placeholder 2"/>
-          <p:cNvSpPr>
-            <a:spLocks noGrp="1"/>
-          </p:cNvSpPr>
-          <p:nvPr>
-            <p:ph type="body" sz="quarter" idx="13"/>
-          </p:nvPr>
-        </p:nvSpPr>
-        <p:spPr/>
-        <p:txBody>
-          <a:bodyPr/>
-          <a:lstStyle/>
-          <a:p>
-            <a:endParaRPr lang="en-US"/>
-          </a:p>
-        </p:txBody>
-      </p:sp>
-      <p:sp>
-        <p:nvSpPr>
-          <p:cNvPr id="4" name="Title 3"/>
-          <p:cNvSpPr>
-            <a:spLocks noGrp="1"/>
-          </p:cNvSpPr>
-          <p:nvPr>
-            <p:ph type="title"/>
-          </p:nvPr>
-        </p:nvSpPr>
-        <p:spPr/>
-        <p:txBody>
-          <a:bodyPr/>
-          <a:lstStyle/>
-          <a:p>
-            <a:endParaRPr lang="en-US"/>
-          </a:p>
-        </p:txBody>
-      </p:sp>
-      <p:pic>
-        <p:nvPicPr>
-          <p:cNvPr id="5" name="Picture 4" descr="Screen Clipping"/>
-          <p:cNvPicPr>
-            <a:picLocks noChangeAspect="1"/>
-          </p:cNvPicPr>
-          <p:nvPr/>
-        </p:nvPicPr>
-        <p:blipFill>
-          <a:blip r:embed="rId2">
-            <a:extLst>
-              <a:ext uri="{28A0092B-C50C-407E-A947-70E740481C1C}">
-                <a14:useLocalDpi xmlns:a14="http://schemas.microsoft.com/office/drawing/2010/main" val="0"/>
-              </a:ext>
-            </a:extLst>
-          </a:blip>
-          <a:stretch>
-            <a:fillRect/>
-          </a:stretch>
-        </p:blipFill>
-        <p:spPr>
-          <a:xfrm>
-            <a:off x="0" y="685800"/>
-            <a:ext cx="9144000" cy="6172200"/>
-          </a:xfrm>
-          <a:prstGeom prst="rect">
-            <a:avLst/>
-          </a:prstGeom>
-        </p:spPr>
-      </p:pic>
-    </p:spTree>
-    <p:extLst>
-      <p:ext uri="{BB962C8B-B14F-4D97-AF65-F5344CB8AC3E}">
-        <p14:creationId xmlns:p14="http://schemas.microsoft.com/office/powerpoint/2010/main" val="588947375"/>
-      </p:ext>
-    </p:extLst>
-  </p:cSld>
-  <p:clrMapOvr>
-    <a:masterClrMapping/>
-  </p:clrMapOvr>
-  <p:timing>
-    <p:tnLst>
-      <p:par>
-        <p:cTn id="1" dur="indefinite" restart="never" nodeType="tmRoot"/>
-      </p:par>
-    </p:tnLst>
-  </p:timing>
-</p:sld>
-</file>
-
-<file path=ppt/slides/slide22.xml><?xml version="1.0" encoding="utf-8"?>
-<p:sld xmlns:a="http://schemas.openxmlformats.org/drawingml/2006/main" xmlns:r="http://schemas.openxmlformats.org/officeDocument/2006/relationships" xmlns:p="http://schemas.openxmlformats.org/presentationml/2006/main">
-  <p:cSld>
-    <p:spTree>
-      <p:nvGrpSpPr>
-        <p:cNvPr id="1" name=""/>
-        <p:cNvGrpSpPr/>
-        <p:nvPr/>
-      </p:nvGrpSpPr>
-      <p:grpSpPr>
-        <a:xfrm>
-          <a:off x="0" y="0"/>
-          <a:ext cx="0" cy="0"/>
-          <a:chOff x="0" y="0"/>
-          <a:chExt cx="0" cy="0"/>
-        </a:xfrm>
-      </p:grpSpPr>
-      <p:sp>
-        <p:nvSpPr>
-          <p:cNvPr id="2" name="Text Placeholder 1"/>
-          <p:cNvSpPr>
-            <a:spLocks noGrp="1"/>
-          </p:cNvSpPr>
-          <p:nvPr>
-            <p:ph type="body" sz="quarter" idx="14"/>
-          </p:nvPr>
-        </p:nvSpPr>
-        <p:spPr/>
-        <p:txBody>
-          <a:bodyPr/>
-          <a:lstStyle/>
-          <a:p>
-            <a:endParaRPr lang="en-US"/>
-          </a:p>
-        </p:txBody>
-      </p:sp>
-      <p:sp>
-        <p:nvSpPr>
-          <p:cNvPr id="3" name="Text Placeholder 2"/>
-          <p:cNvSpPr>
-            <a:spLocks noGrp="1"/>
-          </p:cNvSpPr>
-          <p:nvPr>
-            <p:ph type="body" sz="quarter" idx="13"/>
-          </p:nvPr>
-        </p:nvSpPr>
-        <p:spPr/>
-        <p:txBody>
-          <a:bodyPr/>
-          <a:lstStyle/>
-          <a:p>
-            <a:endParaRPr lang="en-US"/>
-          </a:p>
-        </p:txBody>
-      </p:sp>
-      <p:sp>
-        <p:nvSpPr>
-          <p:cNvPr id="4" name="Title 3"/>
-          <p:cNvSpPr>
-            <a:spLocks noGrp="1"/>
-          </p:cNvSpPr>
-          <p:nvPr>
-            <p:ph type="title"/>
-          </p:nvPr>
-        </p:nvSpPr>
-        <p:spPr/>
-        <p:txBody>
-          <a:bodyPr/>
-          <a:lstStyle/>
-          <a:p>
-            <a:endParaRPr lang="en-US"/>
-          </a:p>
-        </p:txBody>
-      </p:sp>
-      <p:pic>
-        <p:nvPicPr>
-          <p:cNvPr id="2050" name="Picture 2"/>
-          <p:cNvPicPr>
-            <a:picLocks noChangeAspect="1" noChangeArrowheads="1"/>
-          </p:cNvPicPr>
-          <p:nvPr/>
-        </p:nvPicPr>
-        <p:blipFill>
-          <a:blip r:embed="rId2">
-            <a:extLst>
-              <a:ext uri="{28A0092B-C50C-407E-A947-70E740481C1C}">
-                <a14:useLocalDpi xmlns:a14="http://schemas.microsoft.com/office/drawing/2010/main" val="0"/>
-              </a:ext>
-            </a:extLst>
-          </a:blip>
-          <a:srcRect/>
-          <a:stretch>
-            <a:fillRect/>
-          </a:stretch>
-        </p:blipFill>
-        <p:spPr bwMode="auto">
-          <a:xfrm>
-            <a:off x="0" y="1"/>
-            <a:ext cx="9144000" cy="6858000"/>
-          </a:xfrm>
-          <a:prstGeom prst="rect">
-            <a:avLst/>
-          </a:prstGeom>
-          <a:noFill/>
-          <a:ln>
-            <a:noFill/>
-          </a:ln>
-          <a:extLst>
-            <a:ext uri="{909E8E84-426E-40DD-AFC4-6F175D3DCCD1}">
-              <a14:hiddenFill xmlns:a14="http://schemas.microsoft.com/office/drawing/2010/main">
-                <a:solidFill>
-                  <a:schemeClr val="accent1"/>
-                </a:solidFill>
-              </a14:hiddenFill>
-            </a:ext>
-            <a:ext uri="{91240B29-F687-4F45-9708-019B960494DF}">
-              <a14:hiddenLine xmlns:a14="http://schemas.microsoft.com/office/drawing/2010/main" w="9525">
-                <a:solidFill>
-                  <a:schemeClr val="tx1"/>
-                </a:solidFill>
-                <a:miter lim="800000"/>
-                <a:headEnd/>
-                <a:tailEnd/>
-              </a14:hiddenLine>
-            </a:ext>
-          </a:extLst>
-        </p:spPr>
-      </p:pic>
-    </p:spTree>
-    <p:extLst>
-      <p:ext uri="{BB962C8B-B14F-4D97-AF65-F5344CB8AC3E}">
-        <p14:creationId xmlns:p14="http://schemas.microsoft.com/office/powerpoint/2010/main" val="2144506038"/>
-      </p:ext>
-    </p:extLst>
-  </p:cSld>
-  <p:clrMapOvr>
-    <a:masterClrMapping/>
-  </p:clrMapOvr>
-  <p:timing>
-    <p:tnLst>
-      <p:par>
-        <p:cTn id="1" dur="indefinite" restart="never" nodeType="tmRoot"/>
-      </p:par>
-    </p:tnLst>
-  </p:timing>
-</p:sld>
-</file>
-
-<file path=ppt/slides/slide3.xml><?xml version="1.0" encoding="utf-8"?>
-<p:sld xmlns:a="http://schemas.openxmlformats.org/drawingml/2006/main" xmlns:r="http://schemas.openxmlformats.org/officeDocument/2006/relationships" xmlns:p="http://schemas.openxmlformats.org/presentationml/2006/main">
-  <p:cSld>
-    <p:spTree>
-      <p:nvGrpSpPr>
-        <p:cNvPr id="1" name=""/>
-        <p:cNvGrpSpPr/>
-        <p:nvPr/>
-      </p:nvGrpSpPr>
-      <p:grpSpPr>
-        <a:xfrm>
-          <a:off x="0" y="0"/>
-          <a:ext cx="0" cy="0"/>
-          <a:chOff x="0" y="0"/>
-          <a:chExt cx="0" cy="0"/>
-        </a:xfrm>
-      </p:grpSpPr>
-      <p:sp>
-        <p:nvSpPr>
-          <p:cNvPr id="2" name="Text Placeholder 1"/>
-          <p:cNvSpPr>
-            <a:spLocks noGrp="1"/>
-          </p:cNvSpPr>
-          <p:nvPr>
-            <p:ph type="body" sz="quarter" idx="14"/>
-          </p:nvPr>
-        </p:nvSpPr>
-        <p:spPr/>
-        <p:txBody>
-          <a:bodyPr/>
-          <a:lstStyle/>
-          <a:p>
-            <a:endParaRPr lang="en-US"/>
-          </a:p>
-        </p:txBody>
-      </p:sp>
-      <p:sp>
-        <p:nvSpPr>
-          <p:cNvPr id="3" name="Text Placeholder 2"/>
-          <p:cNvSpPr>
-            <a:spLocks noGrp="1"/>
-          </p:cNvSpPr>
-          <p:nvPr>
-            <p:ph type="body" sz="quarter" idx="13"/>
-          </p:nvPr>
-        </p:nvSpPr>
-        <p:spPr/>
-        <p:txBody>
-          <a:bodyPr/>
-          <a:lstStyle/>
-          <a:p>
-            <a:endParaRPr lang="en-US"/>
-          </a:p>
-        </p:txBody>
-      </p:sp>
-      <p:sp>
-        <p:nvSpPr>
-          <p:cNvPr id="4" name="Title 3"/>
-          <p:cNvSpPr>
-            <a:spLocks noGrp="1"/>
-          </p:cNvSpPr>
-          <p:nvPr>
-            <p:ph type="title"/>
-          </p:nvPr>
-        </p:nvSpPr>
-        <p:spPr>
-          <a:xfrm>
-            <a:off x="152400" y="228600"/>
-            <a:ext cx="5940000" cy="671292"/>
-          </a:xfrm>
-        </p:spPr>
-        <p:txBody>
-          <a:bodyPr/>
-          <a:lstStyle/>
-          <a:p>
-            <a:r>
-              <a:rPr lang="en-US" dirty="0" smtClean="0"/>
-              <a:t>Introduction</a:t>
-            </a:r>
-            <a:endParaRPr lang="en-US" dirty="0"/>
-          </a:p>
-        </p:txBody>
-      </p:sp>
-      <p:sp>
-        <p:nvSpPr>
-          <p:cNvPr id="5" name="TextBox 4"/>
-          <p:cNvSpPr txBox="1"/>
-          <p:nvPr/>
-        </p:nvSpPr>
-        <p:spPr>
-          <a:xfrm>
-            <a:off x="228600" y="1371600"/>
-            <a:ext cx="8458200" cy="923330"/>
-          </a:xfrm>
-          <a:prstGeom prst="rect">
-            <a:avLst/>
-          </a:prstGeom>
-          <a:noFill/>
-        </p:spPr>
-        <p:txBody>
-          <a:bodyPr wrap="square" rtlCol="0">
-            <a:spAutoFit/>
-          </a:bodyPr>
-          <a:lstStyle/>
-          <a:p>
-            <a:r>
-              <a:rPr lang="en-US" dirty="0" smtClean="0"/>
-              <a:t>While working on PLTCM Web HMI project I came across data visualization tool used in this project. The tool simply uses the </a:t>
-            </a:r>
-            <a:r>
-              <a:rPr lang="en-US" dirty="0" err="1" smtClean="0"/>
-              <a:t>matplotlib</a:t>
-            </a:r>
-            <a:r>
-              <a:rPr lang="en-US" dirty="0" smtClean="0"/>
-              <a:t>(open source lib for plotting graphs) to plot data from data’s received from respective machine.</a:t>
-            </a:r>
-            <a:endParaRPr lang="en-US" dirty="0"/>
-          </a:p>
-        </p:txBody>
-      </p:sp>
-      <p:sp>
-        <p:nvSpPr>
-          <p:cNvPr id="6" name="TextBox 5"/>
-          <p:cNvSpPr txBox="1"/>
-          <p:nvPr/>
-        </p:nvSpPr>
-        <p:spPr>
-          <a:xfrm>
-            <a:off x="381000" y="2743200"/>
-            <a:ext cx="8305800" cy="646331"/>
-          </a:xfrm>
-          <a:prstGeom prst="rect">
-            <a:avLst/>
-          </a:prstGeom>
-          <a:noFill/>
-        </p:spPr>
-        <p:txBody>
-          <a:bodyPr wrap="square" rtlCol="0">
-            <a:spAutoFit/>
-          </a:bodyPr>
-          <a:lstStyle/>
-          <a:p>
-            <a:r>
-              <a:rPr lang="en-US" dirty="0" smtClean="0"/>
-              <a:t>However this tool require full user intervention to load the data from a flat file system. As data’s are huge it’s take ample amount of time before rendering the plot.   </a:t>
-            </a:r>
-            <a:endParaRPr lang="en-US" dirty="0"/>
-          </a:p>
-        </p:txBody>
-      </p:sp>
-      <p:sp>
-        <p:nvSpPr>
-          <p:cNvPr id="7" name="Title 3"/>
-          <p:cNvSpPr txBox="1">
-            <a:spLocks/>
-          </p:cNvSpPr>
-          <p:nvPr/>
-        </p:nvSpPr>
-        <p:spPr bwMode="auto">
-          <a:xfrm>
-            <a:off x="233577" y="3594518"/>
-            <a:ext cx="5940000" cy="671292"/>
-          </a:xfrm>
-          <a:prstGeom prst="rect">
-            <a:avLst/>
-          </a:prstGeom>
-          <a:solidFill>
-            <a:schemeClr val="accent5"/>
-          </a:solidFill>
-          <a:ln w="9525">
-            <a:noFill/>
-          </a:ln>
-        </p:spPr>
-        <p:txBody>
-          <a:bodyPr vert="horz" wrap="square" lIns="252000" tIns="180000" rIns="0" bIns="180000" rtlCol="0" anchor="b" anchorCtr="0">
-            <a:spAutoFit/>
-          </a:bodyPr>
-          <a:lstStyle>
-            <a:lvl1pPr algn="l" defTabSz="914400" rtl="0" eaLnBrk="1" latinLnBrk="0" hangingPunct="1">
-              <a:lnSpc>
-                <a:spcPct val="100000"/>
-              </a:lnSpc>
-              <a:spcBef>
-                <a:spcPct val="0"/>
-              </a:spcBef>
-              <a:buNone/>
-              <a:defRPr sz="2000" b="1" kern="1200" cap="none" baseline="0">
-                <a:solidFill>
-                  <a:schemeClr val="tx2"/>
-                </a:solidFill>
-                <a:latin typeface="+mj-lt"/>
-                <a:ea typeface="+mj-ea"/>
-                <a:cs typeface="+mj-cs"/>
-              </a:defRPr>
-            </a:lvl1pPr>
-          </a:lstStyle>
-          <a:p>
-            <a:r>
               <a:rPr lang="en-US" dirty="0" smtClean="0"/>
               <a:t>Bottleneck </a:t>
             </a:r>
@@ -8416,7 +10248,7 @@
 </p:sld>
 </file>
 
-<file path=ppt/slides/slide4.xml><?xml version="1.0" encoding="utf-8"?>
+<file path=ppt/slides/slide8.xml><?xml version="1.0" encoding="utf-8"?>
 <p:sld xmlns:a="http://schemas.openxmlformats.org/drawingml/2006/main" xmlns:r="http://schemas.openxmlformats.org/officeDocument/2006/relationships" xmlns:p="http://schemas.openxmlformats.org/presentationml/2006/main">
   <p:cSld>
     <p:spTree>
@@ -8589,1306 +10421,6 @@
 </p:sld>
 </file>
 
-<file path=ppt/slides/slide5.xml><?xml version="1.0" encoding="utf-8"?>
-<p:sld xmlns:a="http://schemas.openxmlformats.org/drawingml/2006/main" xmlns:r="http://schemas.openxmlformats.org/officeDocument/2006/relationships" xmlns:p="http://schemas.openxmlformats.org/presentationml/2006/main">
-  <p:cSld>
-    <p:spTree>
-      <p:nvGrpSpPr>
-        <p:cNvPr id="1" name=""/>
-        <p:cNvGrpSpPr/>
-        <p:nvPr/>
-      </p:nvGrpSpPr>
-      <p:grpSpPr>
-        <a:xfrm>
-          <a:off x="0" y="0"/>
-          <a:ext cx="0" cy="0"/>
-          <a:chOff x="0" y="0"/>
-          <a:chExt cx="0" cy="0"/>
-        </a:xfrm>
-      </p:grpSpPr>
-      <p:sp>
-        <p:nvSpPr>
-          <p:cNvPr id="2" name="Text Placeholder 1"/>
-          <p:cNvSpPr>
-            <a:spLocks noGrp="1"/>
-          </p:cNvSpPr>
-          <p:nvPr>
-            <p:ph type="body" sz="quarter" idx="14"/>
-          </p:nvPr>
-        </p:nvSpPr>
-        <p:spPr/>
-        <p:txBody>
-          <a:bodyPr/>
-          <a:lstStyle/>
-          <a:p>
-            <a:endParaRPr lang="en-US"/>
-          </a:p>
-        </p:txBody>
-      </p:sp>
-      <p:sp>
-        <p:nvSpPr>
-          <p:cNvPr id="3" name="Text Placeholder 2"/>
-          <p:cNvSpPr>
-            <a:spLocks noGrp="1"/>
-          </p:cNvSpPr>
-          <p:nvPr>
-            <p:ph type="body" sz="quarter" idx="13"/>
-          </p:nvPr>
-        </p:nvSpPr>
-        <p:spPr/>
-        <p:txBody>
-          <a:bodyPr/>
-          <a:lstStyle/>
-          <a:p>
-            <a:endParaRPr lang="en-US"/>
-          </a:p>
-        </p:txBody>
-      </p:sp>
-      <p:sp>
-        <p:nvSpPr>
-          <p:cNvPr id="5" name="TextBox 4"/>
-          <p:cNvSpPr txBox="1"/>
-          <p:nvPr/>
-        </p:nvSpPr>
-        <p:spPr>
-          <a:xfrm>
-            <a:off x="228600" y="990600"/>
-            <a:ext cx="8686800" cy="923330"/>
-          </a:xfrm>
-          <a:prstGeom prst="rect">
-            <a:avLst/>
-          </a:prstGeom>
-          <a:noFill/>
-        </p:spPr>
-        <p:txBody>
-          <a:bodyPr wrap="square" rtlCol="0">
-            <a:spAutoFit/>
-          </a:bodyPr>
-          <a:lstStyle/>
-          <a:p>
-            <a:r>
-              <a:rPr lang="en-US" b="1" dirty="0" err="1"/>
-              <a:t>P</a:t>
-            </a:r>
-            <a:r>
-              <a:rPr lang="en-US" b="1" dirty="0" err="1" smtClean="0"/>
-              <a:t>lotly</a:t>
-            </a:r>
-            <a:r>
-              <a:rPr lang="en-US" b="1" dirty="0" smtClean="0"/>
-              <a:t> | Dash: -  </a:t>
-            </a:r>
-            <a:r>
-              <a:rPr lang="en-US" dirty="0"/>
-              <a:t>Dash is a Python framework for building analytical web </a:t>
-            </a:r>
-            <a:r>
-              <a:rPr lang="en-US" dirty="0" smtClean="0"/>
-              <a:t>applications. No </a:t>
-            </a:r>
-            <a:r>
-              <a:rPr lang="en-US" dirty="0"/>
-              <a:t>JavaScript </a:t>
-            </a:r>
-            <a:r>
-              <a:rPr lang="en-US" dirty="0" smtClean="0"/>
-              <a:t>required </a:t>
-            </a:r>
-            <a:r>
-              <a:rPr lang="en-US" dirty="0"/>
-              <a:t>b</a:t>
-            </a:r>
-            <a:r>
-              <a:rPr lang="en-US" dirty="0" smtClean="0"/>
-              <a:t>uild </a:t>
-            </a:r>
-            <a:r>
-              <a:rPr lang="en-US" dirty="0"/>
-              <a:t>on top of Plotly.js, React, and Flask, Dash ties modern UI elements like dropdowns, sliders, and graphs directly to your analytical python code.</a:t>
-            </a:r>
-          </a:p>
-        </p:txBody>
-      </p:sp>
-      <p:sp>
-        <p:nvSpPr>
-          <p:cNvPr id="6" name="TextBox 5"/>
-          <p:cNvSpPr txBox="1"/>
-          <p:nvPr/>
-        </p:nvSpPr>
-        <p:spPr>
-          <a:xfrm>
-            <a:off x="228600" y="2057400"/>
-            <a:ext cx="8534400" cy="1200329"/>
-          </a:xfrm>
-          <a:prstGeom prst="rect">
-            <a:avLst/>
-          </a:prstGeom>
-          <a:noFill/>
-        </p:spPr>
-        <p:txBody>
-          <a:bodyPr wrap="square" rtlCol="0">
-            <a:spAutoFit/>
-          </a:bodyPr>
-          <a:lstStyle/>
-          <a:p>
-            <a:r>
-              <a:rPr lang="en-US" b="1" dirty="0"/>
-              <a:t>pandas</a:t>
-            </a:r>
-            <a:r>
-              <a:rPr lang="en-US" dirty="0"/>
-              <a:t> is a Python package providing fast, flexible, and expressive data structures designed to make working with "relational" or "labeled" data both easy and intuitive. It aims to be the fundamental high-level building block for doing practical, </a:t>
-            </a:r>
-            <a:r>
-              <a:rPr lang="en-US" b="1" dirty="0"/>
-              <a:t>real world</a:t>
-            </a:r>
-            <a:r>
-              <a:rPr lang="en-US" dirty="0"/>
-              <a:t> data analysis in </a:t>
-            </a:r>
-            <a:r>
-              <a:rPr lang="en-US" dirty="0" smtClean="0"/>
-              <a:t>Python.</a:t>
-            </a:r>
-            <a:endParaRPr lang="en-US" dirty="0"/>
-          </a:p>
-        </p:txBody>
-      </p:sp>
-      <p:sp>
-        <p:nvSpPr>
-          <p:cNvPr id="7" name="TextBox 6"/>
-          <p:cNvSpPr txBox="1"/>
-          <p:nvPr/>
-        </p:nvSpPr>
-        <p:spPr>
-          <a:xfrm>
-            <a:off x="228600" y="4123592"/>
-            <a:ext cx="8077200" cy="923330"/>
-          </a:xfrm>
-          <a:prstGeom prst="rect">
-            <a:avLst/>
-          </a:prstGeom>
-          <a:noFill/>
-        </p:spPr>
-        <p:txBody>
-          <a:bodyPr wrap="square" rtlCol="0">
-            <a:spAutoFit/>
-          </a:bodyPr>
-          <a:lstStyle/>
-          <a:p>
-            <a:r>
-              <a:rPr lang="en-US" b="1" dirty="0"/>
-              <a:t>pandas</a:t>
-            </a:r>
-            <a:r>
-              <a:rPr lang="en-US" dirty="0"/>
-              <a:t> is a </a:t>
-            </a:r>
-            <a:r>
-              <a:rPr lang="en-US" dirty="0">
-                <a:hlinkClick r:id="rId2"/>
-              </a:rPr>
-              <a:t>Python</a:t>
-            </a:r>
-            <a:r>
-              <a:rPr lang="en-US" dirty="0"/>
-              <a:t> </a:t>
-            </a:r>
-            <a:r>
-              <a:rPr lang="en-US" dirty="0" smtClean="0"/>
-              <a:t>package </a:t>
-            </a:r>
-            <a:r>
-              <a:rPr lang="en-US" dirty="0"/>
-              <a:t>License </a:t>
-            </a:r>
-            <a:r>
-              <a:rPr lang="en-US" dirty="0" smtClean="0"/>
-              <a:t> under BSD 3-Clause. </a:t>
-            </a:r>
-            <a:r>
-              <a:rPr lang="en-US" dirty="0">
-                <a:hlinkClick r:id="rId3"/>
-              </a:rPr>
-              <a:t>http://pandas.pydata.org/pandas-docs/stable/getting_started/overview.html#license</a:t>
-            </a:r>
-            <a:endParaRPr lang="en-US" dirty="0"/>
-          </a:p>
-        </p:txBody>
-      </p:sp>
-      <p:sp>
-        <p:nvSpPr>
-          <p:cNvPr id="8" name="TextBox 7"/>
-          <p:cNvSpPr txBox="1"/>
-          <p:nvPr/>
-        </p:nvSpPr>
-        <p:spPr>
-          <a:xfrm>
-            <a:off x="388961" y="5233579"/>
-            <a:ext cx="8077200" cy="646331"/>
-          </a:xfrm>
-          <a:prstGeom prst="rect">
-            <a:avLst/>
-          </a:prstGeom>
-          <a:noFill/>
-        </p:spPr>
-        <p:txBody>
-          <a:bodyPr wrap="square" rtlCol="0">
-            <a:spAutoFit/>
-          </a:bodyPr>
-          <a:lstStyle/>
-          <a:p>
-            <a:r>
-              <a:rPr lang="en-US" b="1" dirty="0" err="1"/>
-              <a:t>Plotly</a:t>
-            </a:r>
-            <a:r>
-              <a:rPr lang="en-US" b="1" dirty="0"/>
-              <a:t> | </a:t>
-            </a:r>
-            <a:r>
-              <a:rPr lang="en-US" b="1" dirty="0" smtClean="0"/>
-              <a:t>Dash is License under MIT. </a:t>
-            </a:r>
-            <a:r>
-              <a:rPr lang="en-US" dirty="0">
-                <a:hlinkClick r:id="rId4"/>
-              </a:rPr>
-              <a:t>https://github.com/plotly/dash/blob/master/LICENSE</a:t>
-            </a:r>
-            <a:endParaRPr lang="en-US" dirty="0"/>
-          </a:p>
-        </p:txBody>
-      </p:sp>
-      <p:sp>
-        <p:nvSpPr>
-          <p:cNvPr id="9" name="Title 3"/>
-          <p:cNvSpPr>
-            <a:spLocks noGrp="1"/>
-          </p:cNvSpPr>
-          <p:nvPr>
-            <p:ph type="title"/>
-          </p:nvPr>
-        </p:nvSpPr>
-        <p:spPr>
-          <a:xfrm>
-            <a:off x="76200" y="228600"/>
-            <a:ext cx="5940000" cy="671292"/>
-          </a:xfrm>
-        </p:spPr>
-        <p:txBody>
-          <a:bodyPr/>
-          <a:lstStyle/>
-          <a:p>
-            <a:r>
-              <a:rPr lang="en-US" dirty="0" smtClean="0"/>
-              <a:t>Enhancement </a:t>
-            </a:r>
-            <a:endParaRPr lang="en-US" dirty="0"/>
-          </a:p>
-        </p:txBody>
-      </p:sp>
-    </p:spTree>
-    <p:extLst>
-      <p:ext uri="{BB962C8B-B14F-4D97-AF65-F5344CB8AC3E}">
-        <p14:creationId xmlns:p14="http://schemas.microsoft.com/office/powerpoint/2010/main" val="2496955590"/>
-      </p:ext>
-    </p:extLst>
-  </p:cSld>
-  <p:clrMapOvr>
-    <a:masterClrMapping/>
-  </p:clrMapOvr>
-  <p:timing>
-    <p:tnLst>
-      <p:par>
-        <p:cTn id="1" dur="indefinite" restart="never" nodeType="tmRoot"/>
-      </p:par>
-    </p:tnLst>
-  </p:timing>
-</p:sld>
-</file>
-
-<file path=ppt/slides/slide6.xml><?xml version="1.0" encoding="utf-8"?>
-<p:sld xmlns:a="http://schemas.openxmlformats.org/drawingml/2006/main" xmlns:r="http://schemas.openxmlformats.org/officeDocument/2006/relationships" xmlns:p="http://schemas.openxmlformats.org/presentationml/2006/main">
-  <p:cSld>
-    <p:spTree>
-      <p:nvGrpSpPr>
-        <p:cNvPr id="1" name=""/>
-        <p:cNvGrpSpPr/>
-        <p:nvPr/>
-      </p:nvGrpSpPr>
-      <p:grpSpPr>
-        <a:xfrm>
-          <a:off x="0" y="0"/>
-          <a:ext cx="0" cy="0"/>
-          <a:chOff x="0" y="0"/>
-          <a:chExt cx="0" cy="0"/>
-        </a:xfrm>
-      </p:grpSpPr>
-      <p:sp>
-        <p:nvSpPr>
-          <p:cNvPr id="2" name="Text Placeholder 1"/>
-          <p:cNvSpPr>
-            <a:spLocks noGrp="1"/>
-          </p:cNvSpPr>
-          <p:nvPr>
-            <p:ph type="body" sz="quarter" idx="14"/>
-          </p:nvPr>
-        </p:nvSpPr>
-        <p:spPr/>
-        <p:txBody>
-          <a:bodyPr/>
-          <a:lstStyle/>
-          <a:p>
-            <a:endParaRPr lang="en-US"/>
-          </a:p>
-        </p:txBody>
-      </p:sp>
-      <p:sp>
-        <p:nvSpPr>
-          <p:cNvPr id="3" name="Text Placeholder 2"/>
-          <p:cNvSpPr>
-            <a:spLocks noGrp="1"/>
-          </p:cNvSpPr>
-          <p:nvPr>
-            <p:ph type="body" sz="quarter" idx="13"/>
-          </p:nvPr>
-        </p:nvSpPr>
-        <p:spPr/>
-        <p:txBody>
-          <a:bodyPr/>
-          <a:lstStyle/>
-          <a:p>
-            <a:endParaRPr lang="en-US"/>
-          </a:p>
-        </p:txBody>
-      </p:sp>
-      <p:sp>
-        <p:nvSpPr>
-          <p:cNvPr id="5" name="TextBox 4"/>
-          <p:cNvSpPr txBox="1"/>
-          <p:nvPr/>
-        </p:nvSpPr>
-        <p:spPr>
-          <a:xfrm>
-            <a:off x="228600" y="990600"/>
-            <a:ext cx="8686800" cy="923330"/>
-          </a:xfrm>
-          <a:prstGeom prst="rect">
-            <a:avLst/>
-          </a:prstGeom>
-          <a:noFill/>
-        </p:spPr>
-        <p:txBody>
-          <a:bodyPr wrap="square" rtlCol="0">
-            <a:spAutoFit/>
-          </a:bodyPr>
-          <a:lstStyle/>
-          <a:p>
-            <a:r>
-              <a:rPr lang="en-US" b="1" dirty="0" err="1" smtClean="0"/>
-              <a:t>NumPy</a:t>
-            </a:r>
-            <a:r>
-              <a:rPr lang="en-US" b="1" dirty="0" smtClean="0"/>
-              <a:t>: -</a:t>
-            </a:r>
-            <a:r>
-              <a:rPr lang="en-US" dirty="0" err="1"/>
-              <a:t>NumPy</a:t>
-            </a:r>
-            <a:r>
-              <a:rPr lang="en-US" dirty="0"/>
-              <a:t> is a library for the Python programming language, adding support for large, multi-dimensional arrays and matrices, along with a large collection of high-level mathematical functions to operate on these arrays. </a:t>
-            </a:r>
-          </a:p>
-        </p:txBody>
-      </p:sp>
-      <p:sp>
-        <p:nvSpPr>
-          <p:cNvPr id="6" name="TextBox 5"/>
-          <p:cNvSpPr txBox="1"/>
-          <p:nvPr/>
-        </p:nvSpPr>
-        <p:spPr>
-          <a:xfrm>
-            <a:off x="228600" y="2057400"/>
-            <a:ext cx="8534400" cy="1754326"/>
-          </a:xfrm>
-          <a:prstGeom prst="rect">
-            <a:avLst/>
-          </a:prstGeom>
-          <a:noFill/>
-        </p:spPr>
-        <p:txBody>
-          <a:bodyPr wrap="square" rtlCol="0">
-            <a:spAutoFit/>
-          </a:bodyPr>
-          <a:lstStyle/>
-          <a:p>
-            <a:pPr fontAlgn="base"/>
-            <a:r>
-              <a:rPr lang="en-US" b="1" dirty="0"/>
-              <a:t>Celery: Distributed Task Queue</a:t>
-            </a:r>
-          </a:p>
-          <a:p>
-            <a:pPr fontAlgn="base"/>
-            <a:r>
-              <a:rPr lang="en-US" dirty="0" smtClean="0"/>
-              <a:t>Celery </a:t>
-            </a:r>
-            <a:r>
-              <a:rPr lang="en-US" dirty="0"/>
-              <a:t>is an asynchronous task queue/job queue based on distributed message passing. It is focused on real-time operation, but supports scheduling as well.</a:t>
-            </a:r>
-          </a:p>
-          <a:p>
-            <a:pPr fontAlgn="base"/>
-            <a:r>
-              <a:rPr lang="en-US" dirty="0"/>
-              <a:t>The execution units, called tasks, are executed concurrently on a single or more worker servers using multiprocessing, </a:t>
-            </a:r>
-            <a:r>
-              <a:rPr lang="en-US" dirty="0" err="1">
-                <a:hlinkClick r:id="rId2"/>
-              </a:rPr>
-              <a:t>Eventlet</a:t>
-            </a:r>
-            <a:r>
-              <a:rPr lang="en-US" dirty="0"/>
-              <a:t>, or </a:t>
-            </a:r>
-            <a:r>
-              <a:rPr lang="en-US" dirty="0" err="1">
-                <a:hlinkClick r:id="rId3"/>
-              </a:rPr>
-              <a:t>gevent</a:t>
-            </a:r>
-            <a:r>
-              <a:rPr lang="en-US" dirty="0"/>
-              <a:t>. Tasks can execute asynchronously (in the background) or synchronously (wait until ready).</a:t>
-            </a:r>
-          </a:p>
-        </p:txBody>
-      </p:sp>
-      <p:sp>
-        <p:nvSpPr>
-          <p:cNvPr id="7" name="TextBox 6"/>
-          <p:cNvSpPr txBox="1"/>
-          <p:nvPr/>
-        </p:nvSpPr>
-        <p:spPr>
-          <a:xfrm>
-            <a:off x="228600" y="4114800"/>
-            <a:ext cx="7772400" cy="646331"/>
-          </a:xfrm>
-          <a:prstGeom prst="rect">
-            <a:avLst/>
-          </a:prstGeom>
-          <a:noFill/>
-        </p:spPr>
-        <p:txBody>
-          <a:bodyPr wrap="square" rtlCol="0">
-            <a:spAutoFit/>
-          </a:bodyPr>
-          <a:lstStyle/>
-          <a:p>
-            <a:r>
-              <a:rPr lang="en-US" dirty="0"/>
-              <a:t>Celery is licensed under The BSD License (3 </a:t>
-            </a:r>
-            <a:r>
-              <a:rPr lang="en-US" dirty="0" smtClean="0"/>
-              <a:t>Clause). </a:t>
-            </a:r>
-            <a:r>
-              <a:rPr lang="en-US" dirty="0">
-                <a:hlinkClick r:id="rId4"/>
-              </a:rPr>
-              <a:t>https://github.com/celery/celery/blob/master/LICENSE</a:t>
-            </a:r>
-            <a:endParaRPr lang="en-US" dirty="0"/>
-          </a:p>
-        </p:txBody>
-      </p:sp>
-      <p:sp>
-        <p:nvSpPr>
-          <p:cNvPr id="9" name="TextBox 8"/>
-          <p:cNvSpPr txBox="1"/>
-          <p:nvPr/>
-        </p:nvSpPr>
-        <p:spPr>
-          <a:xfrm>
-            <a:off x="304800" y="4840069"/>
-            <a:ext cx="7772400" cy="646331"/>
-          </a:xfrm>
-          <a:prstGeom prst="rect">
-            <a:avLst/>
-          </a:prstGeom>
-          <a:noFill/>
-        </p:spPr>
-        <p:txBody>
-          <a:bodyPr wrap="square" rtlCol="0">
-            <a:spAutoFit/>
-          </a:bodyPr>
-          <a:lstStyle/>
-          <a:p>
-            <a:r>
-              <a:rPr lang="en-US" dirty="0" err="1"/>
-              <a:t>NumPy</a:t>
-            </a:r>
-            <a:r>
-              <a:rPr lang="en-US" dirty="0"/>
-              <a:t> is licensed under the </a:t>
-            </a:r>
-            <a:r>
-              <a:rPr lang="en-US" dirty="0">
-                <a:hlinkClick r:id="rId5"/>
-              </a:rPr>
-              <a:t>BSD license</a:t>
-            </a:r>
-            <a:r>
-              <a:rPr lang="en-US" dirty="0"/>
-              <a:t>, enabling reuse with few restrictions</a:t>
-            </a:r>
-            <a:r>
-              <a:rPr lang="en-US" dirty="0" smtClean="0"/>
-              <a:t>.</a:t>
-            </a:r>
-          </a:p>
-          <a:p>
-            <a:r>
-              <a:rPr lang="en-US" dirty="0">
-                <a:hlinkClick r:id="rId6"/>
-              </a:rPr>
-              <a:t>https://www.numpy.org/license.html</a:t>
-            </a:r>
-            <a:endParaRPr lang="en-US" dirty="0"/>
-          </a:p>
-        </p:txBody>
-      </p:sp>
-    </p:spTree>
-    <p:extLst>
-      <p:ext uri="{BB962C8B-B14F-4D97-AF65-F5344CB8AC3E}">
-        <p14:creationId xmlns:p14="http://schemas.microsoft.com/office/powerpoint/2010/main" val="2520839692"/>
-      </p:ext>
-    </p:extLst>
-  </p:cSld>
-  <p:clrMapOvr>
-    <a:masterClrMapping/>
-  </p:clrMapOvr>
-  <p:timing>
-    <p:tnLst>
-      <p:par>
-        <p:cTn id="1" dur="indefinite" restart="never" nodeType="tmRoot"/>
-      </p:par>
-    </p:tnLst>
-  </p:timing>
-</p:sld>
-</file>
-
-<file path=ppt/slides/slide7.xml><?xml version="1.0" encoding="utf-8"?>
-<p:sld xmlns:a="http://schemas.openxmlformats.org/drawingml/2006/main" xmlns:r="http://schemas.openxmlformats.org/officeDocument/2006/relationships" xmlns:p="http://schemas.openxmlformats.org/presentationml/2006/main">
-  <p:cSld>
-    <p:spTree>
-      <p:nvGrpSpPr>
-        <p:cNvPr id="1" name=""/>
-        <p:cNvGrpSpPr/>
-        <p:nvPr/>
-      </p:nvGrpSpPr>
-      <p:grpSpPr>
-        <a:xfrm>
-          <a:off x="0" y="0"/>
-          <a:ext cx="0" cy="0"/>
-          <a:chOff x="0" y="0"/>
-          <a:chExt cx="0" cy="0"/>
-        </a:xfrm>
-      </p:grpSpPr>
-      <p:sp>
-        <p:nvSpPr>
-          <p:cNvPr id="2" name="Text Placeholder 1"/>
-          <p:cNvSpPr>
-            <a:spLocks noGrp="1"/>
-          </p:cNvSpPr>
-          <p:nvPr>
-            <p:ph type="body" sz="quarter" idx="14"/>
-          </p:nvPr>
-        </p:nvSpPr>
-        <p:spPr/>
-        <p:txBody>
-          <a:bodyPr/>
-          <a:lstStyle/>
-          <a:p>
-            <a:endParaRPr lang="en-US"/>
-          </a:p>
-        </p:txBody>
-      </p:sp>
-      <p:sp>
-        <p:nvSpPr>
-          <p:cNvPr id="3" name="Text Placeholder 2"/>
-          <p:cNvSpPr>
-            <a:spLocks noGrp="1"/>
-          </p:cNvSpPr>
-          <p:nvPr>
-            <p:ph type="body" sz="quarter" idx="13"/>
-          </p:nvPr>
-        </p:nvSpPr>
-        <p:spPr/>
-        <p:txBody>
-          <a:bodyPr/>
-          <a:lstStyle/>
-          <a:p>
-            <a:endParaRPr lang="en-US"/>
-          </a:p>
-        </p:txBody>
-      </p:sp>
-      <p:sp>
-        <p:nvSpPr>
-          <p:cNvPr id="5" name="Rectangle 4"/>
-          <p:cNvSpPr/>
-          <p:nvPr/>
-        </p:nvSpPr>
-        <p:spPr>
-          <a:xfrm>
-            <a:off x="762000" y="1066800"/>
-            <a:ext cx="8153400" cy="1969770"/>
-          </a:xfrm>
-          <a:prstGeom prst="rect">
-            <a:avLst/>
-          </a:prstGeom>
-        </p:spPr>
-        <p:txBody>
-          <a:bodyPr wrap="square">
-            <a:spAutoFit/>
-          </a:bodyPr>
-          <a:lstStyle/>
-          <a:p>
-            <a:r>
-              <a:rPr lang="en-US" sz="3200" b="1" dirty="0" err="1"/>
-              <a:t>Redis</a:t>
-            </a:r>
-            <a:r>
-              <a:rPr lang="en-US" dirty="0"/>
-              <a:t> is an open source (BSD licensed), in-memory data structure store, used as a database, cache and message broker. It supports data structures such as strings, hashes, lists, sets, sorted sets with range queries, bitmaps, </a:t>
-            </a:r>
-            <a:r>
-              <a:rPr lang="en-US" dirty="0" err="1"/>
-              <a:t>hyperloglogs</a:t>
-            </a:r>
-            <a:r>
-              <a:rPr lang="en-US" dirty="0"/>
-              <a:t>, geospatial indexes with radius queries and streams. </a:t>
-            </a:r>
-            <a:r>
-              <a:rPr lang="en-US" dirty="0" err="1"/>
-              <a:t>Redis</a:t>
-            </a:r>
-            <a:r>
-              <a:rPr lang="en-US" dirty="0"/>
-              <a:t> has built-in replication, </a:t>
-            </a:r>
-            <a:r>
-              <a:rPr lang="en-US" dirty="0" err="1"/>
-              <a:t>Lua</a:t>
-            </a:r>
-            <a:r>
-              <a:rPr lang="en-US" dirty="0"/>
-              <a:t> scripting, LRU eviction, transactions and different levels of on-disk persistence, and provides high availability via </a:t>
-            </a:r>
-            <a:r>
-              <a:rPr lang="en-US" dirty="0" err="1"/>
-              <a:t>Redis</a:t>
-            </a:r>
-            <a:r>
-              <a:rPr lang="en-US" dirty="0"/>
-              <a:t> Sentinel and automatic partitioning with </a:t>
-            </a:r>
-            <a:r>
-              <a:rPr lang="en-US" dirty="0" err="1"/>
-              <a:t>Redis</a:t>
-            </a:r>
-            <a:r>
-              <a:rPr lang="en-US" dirty="0"/>
-              <a:t> Cluster.</a:t>
-            </a:r>
-          </a:p>
-        </p:txBody>
-      </p:sp>
-      <p:sp>
-        <p:nvSpPr>
-          <p:cNvPr id="6" name="Rectangle 5"/>
-          <p:cNvSpPr/>
-          <p:nvPr/>
-        </p:nvSpPr>
-        <p:spPr>
-          <a:xfrm>
-            <a:off x="914400" y="3254149"/>
-            <a:ext cx="2981329" cy="369332"/>
-          </a:xfrm>
-          <a:prstGeom prst="rect">
-            <a:avLst/>
-          </a:prstGeom>
-        </p:spPr>
-        <p:txBody>
-          <a:bodyPr wrap="none">
-            <a:spAutoFit/>
-          </a:bodyPr>
-          <a:lstStyle/>
-          <a:p>
-            <a:r>
-              <a:rPr lang="en-US" dirty="0">
-                <a:hlinkClick r:id="rId2"/>
-              </a:rPr>
-              <a:t>https://redis.io/topics/license</a:t>
-            </a:r>
-            <a:endParaRPr lang="en-US" dirty="0"/>
-          </a:p>
-        </p:txBody>
-      </p:sp>
-    </p:spTree>
-    <p:extLst>
-      <p:ext uri="{BB962C8B-B14F-4D97-AF65-F5344CB8AC3E}">
-        <p14:creationId xmlns:p14="http://schemas.microsoft.com/office/powerpoint/2010/main" val="2121093543"/>
-      </p:ext>
-    </p:extLst>
-  </p:cSld>
-  <p:clrMapOvr>
-    <a:masterClrMapping/>
-  </p:clrMapOvr>
-  <p:timing>
-    <p:tnLst>
-      <p:par>
-        <p:cTn id="1" dur="indefinite" restart="never" nodeType="tmRoot"/>
-      </p:par>
-    </p:tnLst>
-  </p:timing>
-</p:sld>
-</file>
-
-<file path=ppt/slides/slide8.xml><?xml version="1.0" encoding="utf-8"?>
-<p:sld xmlns:a="http://schemas.openxmlformats.org/drawingml/2006/main" xmlns:r="http://schemas.openxmlformats.org/officeDocument/2006/relationships" xmlns:p="http://schemas.openxmlformats.org/presentationml/2006/main">
-  <p:cSld>
-    <p:spTree>
-      <p:nvGrpSpPr>
-        <p:cNvPr id="1" name=""/>
-        <p:cNvGrpSpPr/>
-        <p:nvPr/>
-      </p:nvGrpSpPr>
-      <p:grpSpPr>
-        <a:xfrm>
-          <a:off x="0" y="0"/>
-          <a:ext cx="0" cy="0"/>
-          <a:chOff x="0" y="0"/>
-          <a:chExt cx="0" cy="0"/>
-        </a:xfrm>
-      </p:grpSpPr>
-      <p:sp>
-        <p:nvSpPr>
-          <p:cNvPr id="2" name="Text Placeholder 1"/>
-          <p:cNvSpPr>
-            <a:spLocks noGrp="1"/>
-          </p:cNvSpPr>
-          <p:nvPr>
-            <p:ph type="body" sz="quarter" idx="14"/>
-          </p:nvPr>
-        </p:nvSpPr>
-        <p:spPr/>
-        <p:txBody>
-          <a:bodyPr/>
-          <a:lstStyle/>
-          <a:p>
-            <a:endParaRPr lang="en-US"/>
-          </a:p>
-        </p:txBody>
-      </p:sp>
-      <p:sp>
-        <p:nvSpPr>
-          <p:cNvPr id="3" name="Text Placeholder 2"/>
-          <p:cNvSpPr>
-            <a:spLocks noGrp="1"/>
-          </p:cNvSpPr>
-          <p:nvPr>
-            <p:ph type="body" sz="quarter" idx="13"/>
-          </p:nvPr>
-        </p:nvSpPr>
-        <p:spPr/>
-        <p:txBody>
-          <a:bodyPr/>
-          <a:lstStyle/>
-          <a:p>
-            <a:endParaRPr lang="en-US"/>
-          </a:p>
-        </p:txBody>
-      </p:sp>
-      <p:sp>
-        <p:nvSpPr>
-          <p:cNvPr id="4" name="Title 3"/>
-          <p:cNvSpPr>
-            <a:spLocks noGrp="1"/>
-          </p:cNvSpPr>
-          <p:nvPr>
-            <p:ph type="title"/>
-          </p:nvPr>
-        </p:nvSpPr>
-        <p:spPr>
-          <a:xfrm>
-            <a:off x="762000" y="304800"/>
-            <a:ext cx="5940000" cy="671292"/>
-          </a:xfrm>
-        </p:spPr>
-        <p:txBody>
-          <a:bodyPr/>
-          <a:lstStyle/>
-          <a:p>
-            <a:r>
-              <a:rPr lang="en-US" dirty="0" smtClean="0"/>
-              <a:t>Application  Architecture</a:t>
-            </a:r>
-            <a:endParaRPr lang="en-US" dirty="0"/>
-          </a:p>
-        </p:txBody>
-      </p:sp>
-      <p:sp>
-        <p:nvSpPr>
-          <p:cNvPr id="5" name="TextBox 4"/>
-          <p:cNvSpPr txBox="1"/>
-          <p:nvPr/>
-        </p:nvSpPr>
-        <p:spPr>
-          <a:xfrm>
-            <a:off x="3581400" y="2438400"/>
-            <a:ext cx="1752600" cy="369332"/>
-          </a:xfrm>
-          <a:prstGeom prst="rect">
-            <a:avLst/>
-          </a:prstGeom>
-          <a:noFill/>
-        </p:spPr>
-        <p:txBody>
-          <a:bodyPr wrap="square" rtlCol="0">
-            <a:spAutoFit/>
-          </a:bodyPr>
-          <a:lstStyle/>
-          <a:p>
-            <a:r>
-              <a:rPr lang="en-US" dirty="0" smtClean="0"/>
-              <a:t>Celery Worker </a:t>
-            </a:r>
-            <a:endParaRPr lang="en-US" dirty="0"/>
-          </a:p>
-        </p:txBody>
-      </p:sp>
-      <p:sp>
-        <p:nvSpPr>
-          <p:cNvPr id="6" name="TextBox 5"/>
-          <p:cNvSpPr txBox="1"/>
-          <p:nvPr/>
-        </p:nvSpPr>
-        <p:spPr>
-          <a:xfrm>
-            <a:off x="6901604" y="2479964"/>
-            <a:ext cx="1298998" cy="369332"/>
-          </a:xfrm>
-          <a:prstGeom prst="rect">
-            <a:avLst/>
-          </a:prstGeom>
-          <a:noFill/>
-        </p:spPr>
-        <p:txBody>
-          <a:bodyPr wrap="square" rtlCol="0">
-            <a:spAutoFit/>
-          </a:bodyPr>
-          <a:lstStyle/>
-          <a:p>
-            <a:r>
-              <a:rPr lang="en-US" dirty="0" smtClean="0"/>
-              <a:t>Celery Beat</a:t>
-            </a:r>
-            <a:endParaRPr lang="en-US" dirty="0"/>
-          </a:p>
-        </p:txBody>
-      </p:sp>
-      <p:sp>
-        <p:nvSpPr>
-          <p:cNvPr id="7" name="TextBox 6"/>
-          <p:cNvSpPr txBox="1"/>
-          <p:nvPr/>
-        </p:nvSpPr>
-        <p:spPr>
-          <a:xfrm>
-            <a:off x="609600" y="3387436"/>
-            <a:ext cx="1371600" cy="369332"/>
-          </a:xfrm>
-          <a:prstGeom prst="rect">
-            <a:avLst/>
-          </a:prstGeom>
-          <a:noFill/>
-        </p:spPr>
-        <p:txBody>
-          <a:bodyPr wrap="square" rtlCol="0">
-            <a:spAutoFit/>
-          </a:bodyPr>
-          <a:lstStyle/>
-          <a:p>
-            <a:r>
-              <a:rPr lang="en-US" dirty="0" smtClean="0"/>
-              <a:t>File System</a:t>
-            </a:r>
-            <a:endParaRPr lang="en-US" dirty="0"/>
-          </a:p>
-        </p:txBody>
-      </p:sp>
-      <p:sp>
-        <p:nvSpPr>
-          <p:cNvPr id="8" name="TextBox 7"/>
-          <p:cNvSpPr txBox="1"/>
-          <p:nvPr/>
-        </p:nvSpPr>
-        <p:spPr>
-          <a:xfrm>
-            <a:off x="2561214" y="4054555"/>
-            <a:ext cx="1676400" cy="369332"/>
-          </a:xfrm>
-          <a:prstGeom prst="rect">
-            <a:avLst/>
-          </a:prstGeom>
-          <a:noFill/>
-        </p:spPr>
-        <p:txBody>
-          <a:bodyPr wrap="square" rtlCol="0">
-            <a:spAutoFit/>
-          </a:bodyPr>
-          <a:lstStyle/>
-          <a:p>
-            <a:r>
-              <a:rPr lang="en-US" dirty="0" err="1" smtClean="0"/>
-              <a:t>Redis</a:t>
-            </a:r>
-            <a:r>
-              <a:rPr lang="en-US" dirty="0" smtClean="0"/>
-              <a:t> Database</a:t>
-            </a:r>
-            <a:endParaRPr lang="en-US" dirty="0"/>
-          </a:p>
-        </p:txBody>
-      </p:sp>
-      <p:sp>
-        <p:nvSpPr>
-          <p:cNvPr id="9" name="TextBox 8"/>
-          <p:cNvSpPr txBox="1"/>
-          <p:nvPr/>
-        </p:nvSpPr>
-        <p:spPr>
-          <a:xfrm>
-            <a:off x="3750732" y="5845222"/>
-            <a:ext cx="1752600" cy="369332"/>
-          </a:xfrm>
-          <a:prstGeom prst="rect">
-            <a:avLst/>
-          </a:prstGeom>
-          <a:noFill/>
-        </p:spPr>
-        <p:txBody>
-          <a:bodyPr wrap="square" rtlCol="0">
-            <a:spAutoFit/>
-          </a:bodyPr>
-          <a:lstStyle/>
-          <a:p>
-            <a:r>
-              <a:rPr lang="en-US" dirty="0" smtClean="0"/>
-              <a:t>Dash App</a:t>
-            </a:r>
-            <a:endParaRPr lang="en-US" dirty="0"/>
-          </a:p>
-        </p:txBody>
-      </p:sp>
-      <p:cxnSp>
-        <p:nvCxnSpPr>
-          <p:cNvPr id="22" name="Elbow Connector 21"/>
-          <p:cNvCxnSpPr>
-            <a:stCxn id="6" idx="1"/>
-          </p:cNvCxnSpPr>
-          <p:nvPr/>
-        </p:nvCxnSpPr>
-        <p:spPr>
-          <a:xfrm rot="10800000">
-            <a:off x="5029200" y="2623066"/>
-            <a:ext cx="1872404" cy="41564"/>
-          </a:xfrm>
-          <a:prstGeom prst="bentConnector3">
-            <a:avLst/>
-          </a:prstGeom>
-          <a:ln>
-            <a:tailEnd type="triangle"/>
-          </a:ln>
-        </p:spPr>
-        <p:style>
-          <a:lnRef idx="1">
-            <a:schemeClr val="accent1"/>
-          </a:lnRef>
-          <a:fillRef idx="0">
-            <a:schemeClr val="accent1"/>
-          </a:fillRef>
-          <a:effectRef idx="0">
-            <a:schemeClr val="accent1"/>
-          </a:effectRef>
-          <a:fontRef idx="minor">
-            <a:schemeClr val="tx1"/>
-          </a:fontRef>
-        </p:style>
-      </p:cxnSp>
-      <p:cxnSp>
-        <p:nvCxnSpPr>
-          <p:cNvPr id="29" name="Elbow Connector 28"/>
-          <p:cNvCxnSpPr>
-            <a:endCxn id="5" idx="1"/>
-          </p:cNvCxnSpPr>
-          <p:nvPr/>
-        </p:nvCxnSpPr>
-        <p:spPr>
-          <a:xfrm flipV="1">
-            <a:off x="1752600" y="2623066"/>
-            <a:ext cx="1828800" cy="992970"/>
-          </a:xfrm>
-          <a:prstGeom prst="bentConnector3">
-            <a:avLst/>
-          </a:prstGeom>
-          <a:ln>
-            <a:headEnd type="triangle"/>
-            <a:tailEnd type="triangle"/>
-          </a:ln>
-        </p:spPr>
-        <p:style>
-          <a:lnRef idx="1">
-            <a:schemeClr val="accent1"/>
-          </a:lnRef>
-          <a:fillRef idx="0">
-            <a:schemeClr val="accent1"/>
-          </a:fillRef>
-          <a:effectRef idx="0">
-            <a:schemeClr val="accent1"/>
-          </a:effectRef>
-          <a:fontRef idx="minor">
-            <a:schemeClr val="tx1"/>
-          </a:fontRef>
-        </p:style>
-      </p:cxnSp>
-      <p:cxnSp>
-        <p:nvCxnSpPr>
-          <p:cNvPr id="31" name="Elbow Connector 30"/>
-          <p:cNvCxnSpPr>
-            <a:stCxn id="5" idx="2"/>
-            <a:endCxn id="8" idx="0"/>
-          </p:cNvCxnSpPr>
-          <p:nvPr/>
-        </p:nvCxnSpPr>
-        <p:spPr>
-          <a:xfrm rot="5400000">
-            <a:off x="3305146" y="2902000"/>
-            <a:ext cx="1246823" cy="1058286"/>
-          </a:xfrm>
-          <a:prstGeom prst="bentConnector3">
-            <a:avLst/>
-          </a:prstGeom>
-          <a:ln>
-            <a:headEnd type="triangle"/>
-            <a:tailEnd type="triangle"/>
-          </a:ln>
-        </p:spPr>
-        <p:style>
-          <a:lnRef idx="1">
-            <a:schemeClr val="accent1"/>
-          </a:lnRef>
-          <a:fillRef idx="0">
-            <a:schemeClr val="accent1"/>
-          </a:fillRef>
-          <a:effectRef idx="0">
-            <a:schemeClr val="accent1"/>
-          </a:effectRef>
-          <a:fontRef idx="minor">
-            <a:schemeClr val="tx1"/>
-          </a:fontRef>
-        </p:style>
-      </p:cxnSp>
-      <p:cxnSp>
-        <p:nvCxnSpPr>
-          <p:cNvPr id="33" name="Elbow Connector 32"/>
-          <p:cNvCxnSpPr>
-            <a:stCxn id="8" idx="2"/>
-            <a:endCxn id="9" idx="0"/>
-          </p:cNvCxnSpPr>
-          <p:nvPr/>
-        </p:nvCxnSpPr>
-        <p:spPr>
-          <a:xfrm rot="16200000" flipH="1">
-            <a:off x="3302556" y="4520745"/>
-            <a:ext cx="1421335" cy="1227618"/>
-          </a:xfrm>
-          <a:prstGeom prst="bentConnector3">
-            <a:avLst/>
-          </a:prstGeom>
-          <a:ln>
-            <a:headEnd type="triangle"/>
-            <a:tailEnd type="triangle"/>
-          </a:ln>
-        </p:spPr>
-        <p:style>
-          <a:lnRef idx="1">
-            <a:schemeClr val="accent1"/>
-          </a:lnRef>
-          <a:fillRef idx="0">
-            <a:schemeClr val="accent1"/>
-          </a:fillRef>
-          <a:effectRef idx="0">
-            <a:schemeClr val="accent1"/>
-          </a:effectRef>
-          <a:fontRef idx="minor">
-            <a:schemeClr val="tx1"/>
-          </a:fontRef>
-        </p:style>
-      </p:cxnSp>
-      <p:pic>
-        <p:nvPicPr>
-          <p:cNvPr id="34" name="Picture 33"/>
-          <p:cNvPicPr>
-            <a:picLocks noChangeAspect="1"/>
-          </p:cNvPicPr>
-          <p:nvPr/>
-        </p:nvPicPr>
-        <p:blipFill>
-          <a:blip r:embed="rId2"/>
-          <a:stretch>
-            <a:fillRect/>
-          </a:stretch>
-        </p:blipFill>
-        <p:spPr>
-          <a:xfrm>
-            <a:off x="2091264" y="1079551"/>
-            <a:ext cx="3318936" cy="1309093"/>
-          </a:xfrm>
-          <a:prstGeom prst="rect">
-            <a:avLst/>
-          </a:prstGeom>
-        </p:spPr>
-      </p:pic>
-      <p:pic>
-        <p:nvPicPr>
-          <p:cNvPr id="35" name="Picture 34"/>
-          <p:cNvPicPr>
-            <a:picLocks noChangeAspect="1"/>
-          </p:cNvPicPr>
-          <p:nvPr/>
-        </p:nvPicPr>
-        <p:blipFill>
-          <a:blip r:embed="rId3"/>
-          <a:stretch>
-            <a:fillRect/>
-          </a:stretch>
-        </p:blipFill>
-        <p:spPr>
-          <a:xfrm>
-            <a:off x="5486400" y="1091128"/>
-            <a:ext cx="3490912" cy="1293570"/>
-          </a:xfrm>
-          <a:prstGeom prst="rect">
-            <a:avLst/>
-          </a:prstGeom>
-        </p:spPr>
-      </p:pic>
-      <p:pic>
-        <p:nvPicPr>
-          <p:cNvPr id="36" name="Picture 35"/>
-          <p:cNvPicPr>
-            <a:picLocks noChangeAspect="1"/>
-          </p:cNvPicPr>
-          <p:nvPr/>
-        </p:nvPicPr>
-        <p:blipFill>
-          <a:blip r:embed="rId4"/>
-          <a:stretch>
-            <a:fillRect/>
-          </a:stretch>
-        </p:blipFill>
-        <p:spPr>
-          <a:xfrm>
-            <a:off x="0" y="3800702"/>
-            <a:ext cx="2300287" cy="1703765"/>
-          </a:xfrm>
-          <a:prstGeom prst="rect">
-            <a:avLst/>
-          </a:prstGeom>
-        </p:spPr>
-      </p:pic>
-      <p:pic>
-        <p:nvPicPr>
-          <p:cNvPr id="37" name="Picture 36"/>
-          <p:cNvPicPr>
-            <a:picLocks noChangeAspect="1"/>
-          </p:cNvPicPr>
-          <p:nvPr/>
-        </p:nvPicPr>
-        <p:blipFill>
-          <a:blip r:embed="rId5"/>
-          <a:stretch>
-            <a:fillRect/>
-          </a:stretch>
-        </p:blipFill>
-        <p:spPr>
-          <a:xfrm>
-            <a:off x="5486400" y="2944562"/>
-            <a:ext cx="3490912" cy="1334377"/>
-          </a:xfrm>
-          <a:prstGeom prst="rect">
-            <a:avLst/>
-          </a:prstGeom>
-        </p:spPr>
-      </p:pic>
-      <p:pic>
-        <p:nvPicPr>
-          <p:cNvPr id="39" name="Picture 38"/>
-          <p:cNvPicPr>
-            <a:picLocks noChangeAspect="1"/>
-          </p:cNvPicPr>
-          <p:nvPr/>
-        </p:nvPicPr>
-        <p:blipFill>
-          <a:blip r:embed="rId6"/>
-          <a:stretch>
-            <a:fillRect/>
-          </a:stretch>
-        </p:blipFill>
-        <p:spPr>
-          <a:xfrm>
-            <a:off x="5486400" y="4882063"/>
-            <a:ext cx="3490912" cy="1339418"/>
-          </a:xfrm>
-          <a:prstGeom prst="rect">
-            <a:avLst/>
-          </a:prstGeom>
-        </p:spPr>
-      </p:pic>
-    </p:spTree>
-    <p:extLst>
-      <p:ext uri="{BB962C8B-B14F-4D97-AF65-F5344CB8AC3E}">
-        <p14:creationId xmlns:p14="http://schemas.microsoft.com/office/powerpoint/2010/main" val="2931767259"/>
-      </p:ext>
-    </p:extLst>
-  </p:cSld>
-  <p:clrMapOvr>
-    <a:masterClrMapping/>
-  </p:clrMapOvr>
-  <p:timing>
-    <p:tnLst>
-      <p:par>
-        <p:cTn id="1" dur="indefinite" restart="never" nodeType="tmRoot"/>
-      </p:par>
-    </p:tnLst>
-  </p:timing>
-</p:sld>
-</file>
-
 <file path=ppt/slides/slide9.xml><?xml version="1.0" encoding="utf-8"?>
 <p:sld xmlns:a="http://schemas.openxmlformats.org/drawingml/2006/main" xmlns:r="http://schemas.openxmlformats.org/officeDocument/2006/relationships" xmlns:p="http://schemas.openxmlformats.org/presentationml/2006/main">
   <p:cSld>
@@ -9946,103 +10478,110 @@
       </p:sp>
       <p:sp>
         <p:nvSpPr>
-          <p:cNvPr id="4" name="Title 3"/>
-          <p:cNvSpPr>
-            <a:spLocks noGrp="1"/>
-          </p:cNvSpPr>
-          <p:nvPr>
-            <p:ph type="title"/>
-          </p:nvPr>
-        </p:nvSpPr>
-        <p:spPr/>
-        <p:txBody>
-          <a:bodyPr/>
-          <a:lstStyle/>
-          <a:p>
-            <a:endParaRPr lang="en-US"/>
-          </a:p>
-        </p:txBody>
-      </p:sp>
-      <p:pic>
-        <p:nvPicPr>
-          <p:cNvPr id="5" name="Picture 4" descr="Screen Clipping"/>
-          <p:cNvPicPr>
-            <a:picLocks noChangeAspect="1"/>
-          </p:cNvPicPr>
+          <p:cNvPr id="5" name="TextBox 4"/>
+          <p:cNvSpPr txBox="1"/>
           <p:nvPr/>
-        </p:nvPicPr>
-        <p:blipFill>
-          <a:blip r:embed="rId2">
-            <a:extLst>
-              <a:ext uri="{28A0092B-C50C-407E-A947-70E740481C1C}">
-                <a14:useLocalDpi xmlns:a14="http://schemas.microsoft.com/office/drawing/2010/main" val="0"/>
-              </a:ext>
-            </a:extLst>
-          </a:blip>
-          <a:stretch>
-            <a:fillRect/>
-          </a:stretch>
-        </p:blipFill>
+        </p:nvSpPr>
         <p:spPr>
           <a:xfrm>
-            <a:off x="0" y="979069"/>
-            <a:ext cx="9144000" cy="5878931"/>
+            <a:off x="228600" y="990600"/>
+            <a:ext cx="8686800" cy="923330"/>
           </a:xfrm>
           <a:prstGeom prst="rect">
             <a:avLst/>
           </a:prstGeom>
+          <a:noFill/>
         </p:spPr>
-      </p:pic>
-      <p:sp>
-        <p:nvSpPr>
-          <p:cNvPr id="6" name="Title 3"/>
-          <p:cNvSpPr txBox="1">
-            <a:spLocks/>
-          </p:cNvSpPr>
+        <p:txBody>
+          <a:bodyPr wrap="square" rtlCol="0">
+            <a:spAutoFit/>
+          </a:bodyPr>
+          <a:lstStyle/>
+          <a:p>
+            <a:r>
+              <a:rPr lang="en-US" b="1" dirty="0" err="1"/>
+              <a:t>P</a:t>
+            </a:r>
+            <a:r>
+              <a:rPr lang="en-US" b="1" dirty="0" err="1" smtClean="0"/>
+              <a:t>lotly</a:t>
+            </a:r>
+            <a:r>
+              <a:rPr lang="en-US" b="1" dirty="0" smtClean="0"/>
+              <a:t> | Dash: -  </a:t>
+            </a:r>
+            <a:r>
+              <a:rPr lang="en-US" dirty="0"/>
+              <a:t>Dash is a Python framework for building analytical web </a:t>
+            </a:r>
+            <a:r>
+              <a:rPr lang="en-US" dirty="0" smtClean="0"/>
+              <a:t>applications. No </a:t>
+            </a:r>
+            <a:r>
+              <a:rPr lang="en-US" dirty="0"/>
+              <a:t>JavaScript </a:t>
+            </a:r>
+            <a:r>
+              <a:rPr lang="en-US" dirty="0" smtClean="0"/>
+              <a:t>required </a:t>
+            </a:r>
+            <a:r>
+              <a:rPr lang="en-US" dirty="0"/>
+              <a:t>b</a:t>
+            </a:r>
+            <a:r>
+              <a:rPr lang="en-US" dirty="0" smtClean="0"/>
+              <a:t>uild </a:t>
+            </a:r>
+            <a:r>
+              <a:rPr lang="en-US" dirty="0"/>
+              <a:t>on top of Plotly.js, React, and Flask, Dash ties modern UI elements like dropdowns, sliders, and graphs directly to your analytical python code.</a:t>
+            </a:r>
+          </a:p>
+        </p:txBody>
+      </p:sp>
+      <p:sp>
+        <p:nvSpPr>
+          <p:cNvPr id="6" name="TextBox 5"/>
+          <p:cNvSpPr txBox="1"/>
           <p:nvPr/>
         </p:nvSpPr>
-        <p:spPr bwMode="auto">
+        <p:spPr>
           <a:xfrm>
-            <a:off x="0" y="298984"/>
-            <a:ext cx="2971800" cy="671292"/>
+            <a:off x="228600" y="2057400"/>
+            <a:ext cx="8534400" cy="1200329"/>
           </a:xfrm>
           <a:prstGeom prst="rect">
             <a:avLst/>
           </a:prstGeom>
-          <a:solidFill>
-            <a:schemeClr val="accent5"/>
-          </a:solidFill>
-          <a:ln w="9525">
-            <a:noFill/>
-          </a:ln>
+          <a:noFill/>
         </p:spPr>
         <p:txBody>
-          <a:bodyPr vert="horz" wrap="square" lIns="252000" tIns="180000" rIns="0" bIns="180000" rtlCol="0" anchor="b" anchorCtr="0">
+          <a:bodyPr wrap="square" rtlCol="0">
             <a:spAutoFit/>
           </a:bodyPr>
-          <a:lstStyle>
-            <a:lvl1pPr algn="l" defTabSz="914400" rtl="0" eaLnBrk="1" latinLnBrk="0" hangingPunct="1">
-              <a:lnSpc>
-                <a:spcPct val="100000"/>
-              </a:lnSpc>
-              <a:spcBef>
-                <a:spcPct val="0"/>
-              </a:spcBef>
-              <a:buNone/>
-              <a:defRPr sz="2000" b="1" kern="1200" cap="none" baseline="0">
-                <a:solidFill>
-                  <a:schemeClr val="tx2"/>
-                </a:solidFill>
-                <a:latin typeface="+mj-lt"/>
-                <a:ea typeface="+mj-ea"/>
-                <a:cs typeface="+mj-cs"/>
-              </a:defRPr>
-            </a:lvl1pPr>
-          </a:lstStyle>
-          <a:p>
+          <a:lstStyle/>
+          <a:p>
+            <a:r>
+              <a:rPr lang="en-US" b="1" dirty="0"/>
+              <a:t>pandas</a:t>
+            </a:r>
+            <a:r>
+              <a:rPr lang="en-US" dirty="0"/>
+              <a:t> is a Python package providing fast, flexible, and expressive data structures designed to make working with "relational" or "labeled" data both easy and intuitive. It aims to be the fundamental high-level building block for doing practical, </a:t>
+            </a:r>
+            <a:r>
+              <a:rPr lang="en-US" b="1" dirty="0"/>
+              <a:t>real world</a:t>
+            </a:r>
+            <a:r>
+              <a:rPr lang="en-US" dirty="0"/>
+              <a:t> data analysis in </a:t>
+            </a:r>
             <a:r>
               <a:rPr lang="en-US" dirty="0" smtClean="0"/>
-              <a:t>Flask Application</a:t>
+              <a:t>Python.</a:t>
             </a:r>
             <a:endParaRPr lang="en-US" dirty="0"/>
           </a:p>
@@ -10050,54 +10589,61 @@
       </p:sp>
       <p:sp>
         <p:nvSpPr>
-          <p:cNvPr id="7" name="Title 3"/>
-          <p:cNvSpPr txBox="1">
-            <a:spLocks/>
-          </p:cNvSpPr>
+          <p:cNvPr id="7" name="TextBox 6"/>
+          <p:cNvSpPr txBox="1"/>
           <p:nvPr/>
         </p:nvSpPr>
-        <p:spPr bwMode="auto">
+        <p:spPr>
           <a:xfrm>
-            <a:off x="2971800" y="307777"/>
-            <a:ext cx="2590800" cy="671292"/>
+            <a:off x="228600" y="4123592"/>
+            <a:ext cx="8077200" cy="923330"/>
           </a:xfrm>
           <a:prstGeom prst="rect">
             <a:avLst/>
           </a:prstGeom>
-          <a:solidFill>
-            <a:schemeClr val="accent5"/>
-          </a:solidFill>
-          <a:ln w="9525">
-            <a:noFill/>
-          </a:ln>
+          <a:noFill/>
         </p:spPr>
         <p:txBody>
-          <a:bodyPr vert="horz" wrap="square" lIns="252000" tIns="180000" rIns="0" bIns="180000" rtlCol="0" anchor="b" anchorCtr="0">
+          <a:bodyPr wrap="square" rtlCol="0">
             <a:spAutoFit/>
           </a:bodyPr>
-          <a:lstStyle>
-            <a:lvl1pPr algn="l" defTabSz="914400" rtl="0" eaLnBrk="1" latinLnBrk="0" hangingPunct="1">
-              <a:lnSpc>
-                <a:spcPct val="100000"/>
-              </a:lnSpc>
-              <a:spcBef>
-                <a:spcPct val="0"/>
-              </a:spcBef>
-              <a:buNone/>
-              <a:defRPr sz="2000" b="1" kern="1200" cap="none" baseline="0">
-                <a:solidFill>
-                  <a:schemeClr val="tx2"/>
-                </a:solidFill>
-                <a:latin typeface="+mj-lt"/>
-                <a:ea typeface="+mj-ea"/>
-                <a:cs typeface="+mj-cs"/>
-              </a:defRPr>
-            </a:lvl1pPr>
-          </a:lstStyle>
-          <a:p>
+          <a:lstStyle/>
+          <a:p>
+            <a:r>
+              <a:rPr lang="en-US" b="1" dirty="0"/>
+              <a:t>pandas</a:t>
+            </a:r>
+            <a:r>
+              <a:rPr lang="en-US" dirty="0"/>
+              <a:t> is a </a:t>
+            </a:r>
+            <a:r>
+              <a:rPr lang="en-US" dirty="0">
+                <a:hlinkClick r:id="rId2"/>
+              </a:rPr>
+              <a:t>Python</a:t>
+            </a:r>
+            <a:r>
+              <a:rPr lang="en-US" dirty="0"/>
+              <a:t> </a:t>
+            </a:r>
             <a:r>
               <a:rPr lang="en-US" dirty="0" smtClean="0"/>
-              <a:t>Celery Worker</a:t>
+              <a:t>package </a:t>
+            </a:r>
+            <a:r>
+              <a:rPr lang="en-US" dirty="0"/>
+              <a:t>License </a:t>
+            </a:r>
+            <a:r>
+              <a:rPr lang="en-US" dirty="0" smtClean="0"/>
+              <a:t> under BSD 3-Clause. </a:t>
+            </a:r>
+            <a:r>
+              <a:rPr lang="en-US" dirty="0">
+                <a:hlinkClick r:id="rId3"/>
+              </a:rPr>
+              <a:t>http://pandas.pydata.org/pandas-docs/stable/getting_started/overview.html#license</a:t>
             </a:r>
             <a:endParaRPr lang="en-US" dirty="0"/>
           </a:p>
@@ -10105,54 +10651,71 @@
       </p:sp>
       <p:sp>
         <p:nvSpPr>
-          <p:cNvPr id="8" name="Title 3"/>
-          <p:cNvSpPr txBox="1">
-            <a:spLocks/>
-          </p:cNvSpPr>
+          <p:cNvPr id="8" name="TextBox 7"/>
+          <p:cNvSpPr txBox="1"/>
           <p:nvPr/>
         </p:nvSpPr>
-        <p:spPr bwMode="auto">
+        <p:spPr>
           <a:xfrm>
-            <a:off x="5410200" y="307777"/>
-            <a:ext cx="1803779" cy="671292"/>
+            <a:off x="388961" y="5233579"/>
+            <a:ext cx="8077200" cy="646331"/>
           </a:xfrm>
           <a:prstGeom prst="rect">
             <a:avLst/>
           </a:prstGeom>
-          <a:solidFill>
-            <a:schemeClr val="accent5"/>
-          </a:solidFill>
-          <a:ln w="9525">
-            <a:noFill/>
-          </a:ln>
+          <a:noFill/>
         </p:spPr>
         <p:txBody>
-          <a:bodyPr vert="horz" wrap="square" lIns="252000" tIns="180000" rIns="0" bIns="180000" rtlCol="0" anchor="b" anchorCtr="0">
+          <a:bodyPr wrap="square" rtlCol="0">
             <a:spAutoFit/>
           </a:bodyPr>
-          <a:lstStyle>
-            <a:lvl1pPr algn="l" defTabSz="914400" rtl="0" eaLnBrk="1" latinLnBrk="0" hangingPunct="1">
-              <a:lnSpc>
-                <a:spcPct val="100000"/>
-              </a:lnSpc>
-              <a:spcBef>
-                <a:spcPct val="0"/>
-              </a:spcBef>
-              <a:buNone/>
-              <a:defRPr sz="2000" b="1" kern="1200" cap="none" baseline="0">
-                <a:solidFill>
-                  <a:schemeClr val="tx2"/>
-                </a:solidFill>
-                <a:latin typeface="+mj-lt"/>
-                <a:ea typeface="+mj-ea"/>
-                <a:cs typeface="+mj-cs"/>
-              </a:defRPr>
-            </a:lvl1pPr>
-          </a:lstStyle>
+          <a:lstStyle/>
+          <a:p>
+            <a:r>
+              <a:rPr lang="en-US" b="1" dirty="0" err="1"/>
+              <a:t>Plotly</a:t>
+            </a:r>
+            <a:r>
+              <a:rPr lang="en-US" b="1" dirty="0"/>
+              <a:t> | </a:t>
+            </a:r>
+            <a:r>
+              <a:rPr lang="en-US" b="1" dirty="0" smtClean="0"/>
+              <a:t>Dash is License under MIT. </a:t>
+            </a:r>
+            <a:r>
+              <a:rPr lang="en-US" dirty="0">
+                <a:hlinkClick r:id="rId4"/>
+              </a:rPr>
+              <a:t>https://github.com/plotly/dash/blob/master/LICENSE</a:t>
+            </a:r>
+            <a:endParaRPr lang="en-US" dirty="0"/>
+          </a:p>
+        </p:txBody>
+      </p:sp>
+      <p:sp>
+        <p:nvSpPr>
+          <p:cNvPr id="9" name="Title 3"/>
+          <p:cNvSpPr>
+            <a:spLocks noGrp="1"/>
+          </p:cNvSpPr>
+          <p:nvPr>
+            <p:ph type="title"/>
+          </p:nvPr>
+        </p:nvSpPr>
+        <p:spPr>
+          <a:xfrm>
+            <a:off x="76200" y="228600"/>
+            <a:ext cx="5940000" cy="671292"/>
+          </a:xfrm>
+        </p:spPr>
+        <p:txBody>
+          <a:bodyPr/>
+          <a:lstStyle/>
           <a:p>
             <a:r>
               <a:rPr lang="en-US" dirty="0" smtClean="0"/>
-              <a:t>Celery Beat</a:t>
+              <a:t>Enhancement </a:t>
             </a:r>
             <a:endParaRPr lang="en-US" dirty="0"/>
           </a:p>
@@ -10161,7 +10724,7 @@
     </p:spTree>
     <p:extLst>
       <p:ext uri="{BB962C8B-B14F-4D97-AF65-F5344CB8AC3E}">
-        <p14:creationId xmlns:p14="http://schemas.microsoft.com/office/powerpoint/2010/main" val="1369449823"/>
+        <p14:creationId xmlns:p14="http://schemas.microsoft.com/office/powerpoint/2010/main" val="2496955590"/>
       </p:ext>
     </p:extLst>
   </p:cSld>
